--- a/99.ppt/[Ch4-7. 결제 서비스 구현.pptx
+++ b/99.ppt/[Ch4-7. 결제 서비스 구현.pptx
@@ -5,35 +5,27 @@
     <p:sldMasterId id="2147483665" r:id="rId1"/>
   </p:sldMasterIdLst>
   <p:notesMasterIdLst>
-    <p:notesMasterId r:id="rId28"/>
+    <p:notesMasterId r:id="rId20"/>
   </p:notesMasterIdLst>
   <p:sldIdLst>
     <p:sldId id="256" r:id="rId2"/>
-    <p:sldId id="315" r:id="rId3"/>
-    <p:sldId id="295" r:id="rId4"/>
-    <p:sldId id="316" r:id="rId5"/>
-    <p:sldId id="296" r:id="rId6"/>
-    <p:sldId id="332" r:id="rId7"/>
-    <p:sldId id="333" r:id="rId8"/>
-    <p:sldId id="334" r:id="rId9"/>
-    <p:sldId id="317" r:id="rId10"/>
-    <p:sldId id="298" r:id="rId11"/>
-    <p:sldId id="319" r:id="rId12"/>
-    <p:sldId id="320" r:id="rId13"/>
-    <p:sldId id="300" r:id="rId14"/>
-    <p:sldId id="321" r:id="rId15"/>
-    <p:sldId id="302" r:id="rId16"/>
-    <p:sldId id="322" r:id="rId17"/>
-    <p:sldId id="323" r:id="rId18"/>
-    <p:sldId id="303" r:id="rId19"/>
-    <p:sldId id="324" r:id="rId20"/>
-    <p:sldId id="325" r:id="rId21"/>
-    <p:sldId id="262" r:id="rId22"/>
-    <p:sldId id="330" r:id="rId23"/>
-    <p:sldId id="329" r:id="rId24"/>
-    <p:sldId id="326" r:id="rId25"/>
-    <p:sldId id="328" r:id="rId26"/>
-    <p:sldId id="331" r:id="rId27"/>
+    <p:sldId id="332" r:id="rId3"/>
+    <p:sldId id="337" r:id="rId4"/>
+    <p:sldId id="338" r:id="rId5"/>
+    <p:sldId id="339" r:id="rId6"/>
+    <p:sldId id="340" r:id="rId7"/>
+    <p:sldId id="342" r:id="rId8"/>
+    <p:sldId id="341" r:id="rId9"/>
+    <p:sldId id="343" r:id="rId10"/>
+    <p:sldId id="344" r:id="rId11"/>
+    <p:sldId id="315" r:id="rId12"/>
+    <p:sldId id="349" r:id="rId13"/>
+    <p:sldId id="348" r:id="rId14"/>
+    <p:sldId id="350" r:id="rId15"/>
+    <p:sldId id="347" r:id="rId16"/>
+    <p:sldId id="346" r:id="rId17"/>
+    <p:sldId id="351" r:id="rId18"/>
+    <p:sldId id="352" r:id="rId19"/>
   </p:sldIdLst>
   <p:sldSz cx="9144000" cy="5143500" type="screen16x9"/>
   <p:notesSz cx="6858000" cy="9144000"/>
@@ -236,7 +228,7 @@
           <a:p>
             <a:fld id="{9B770909-2C76-4DF9-BB76-4EE283593418}" type="datetimeFigureOut">
               <a:rPr lang="ko-KR" altLang="en-US" smtClean="0"/>
-              <a:t>2023-10-04</a:t>
+              <a:t>2023-10-09</a:t>
             </a:fld>
             <a:endParaRPr lang="ko-KR" altLang="en-US"/>
           </a:p>
@@ -631,492 +623,7 @@
           <a:bodyPr/>
           <a:lstStyle/>
           <a:p>
-            <a:r>
-              <a:rPr lang="ko-KR" altLang="en-US" dirty="0"/>
-              <a:t>호출하려는 서버에 과부하가 걸렸습니다</a:t>
-            </a:r>
-            <a:r>
-              <a:rPr lang="en-US" altLang="ko-KR" dirty="0"/>
-              <a:t>. </a:t>
-            </a:r>
-            <a:r>
-              <a:rPr lang="ko-KR" altLang="en-US" dirty="0"/>
-              <a:t>성능검증 할 때 확인하신 것처럼</a:t>
-            </a:r>
-            <a:r>
-              <a:rPr lang="en-US" altLang="ko-KR" dirty="0"/>
-              <a:t>, MVC </a:t>
-            </a:r>
-            <a:r>
-              <a:rPr lang="ko-KR" altLang="en-US" dirty="0"/>
-              <a:t>기반의 서버는 대규모 트래픽에 쉽게 느려집니다</a:t>
-            </a:r>
-            <a:r>
-              <a:rPr lang="en-US" altLang="ko-KR" dirty="0"/>
-              <a:t>.</a:t>
-            </a:r>
-          </a:p>
-          <a:p>
             <a:endParaRPr lang="en-US" altLang="ko-KR" dirty="0"/>
-          </a:p>
-          <a:p>
-            <a:r>
-              <a:rPr lang="en-US" altLang="ko-KR" dirty="0"/>
-              <a:t>ECS</a:t>
-            </a:r>
-            <a:r>
-              <a:rPr lang="ko-KR" altLang="en-US" dirty="0"/>
-              <a:t>나 </a:t>
-            </a:r>
-            <a:r>
-              <a:rPr lang="en-US" altLang="ko-KR" dirty="0"/>
-              <a:t>EKS</a:t>
-            </a:r>
-            <a:r>
-              <a:rPr lang="ko-KR" altLang="en-US" dirty="0"/>
-              <a:t>처럼 컨테이너 기반으로 </a:t>
-            </a:r>
-            <a:r>
-              <a:rPr lang="ko-KR" altLang="en-US" dirty="0" err="1"/>
-              <a:t>엘라스틱하게</a:t>
-            </a:r>
-            <a:r>
-              <a:rPr lang="ko-KR" altLang="en-US" dirty="0"/>
-              <a:t> 확장되는 서버환경이라면</a:t>
-            </a:r>
-            <a:r>
-              <a:rPr lang="en-US" altLang="ko-KR" dirty="0"/>
-              <a:t>, </a:t>
-            </a:r>
-            <a:r>
-              <a:rPr lang="ko-KR" altLang="en-US" dirty="0"/>
-              <a:t>컨테이너 기동은 몇 초 </a:t>
-            </a:r>
-            <a:r>
-              <a:rPr lang="ko-KR" altLang="en-US" dirty="0" err="1"/>
-              <a:t>안걸리기</a:t>
-            </a:r>
-            <a:r>
-              <a:rPr lang="ko-KR" altLang="en-US" dirty="0"/>
-              <a:t> 때문에</a:t>
-            </a:r>
-            <a:r>
-              <a:rPr lang="en-US" altLang="ko-KR" dirty="0"/>
-              <a:t>, </a:t>
-            </a:r>
-            <a:r>
-              <a:rPr lang="ko-KR" altLang="en-US" dirty="0"/>
-              <a:t>대규모 트래픽에 그나마 쉽게 대응이 가능합니다</a:t>
-            </a:r>
-            <a:r>
-              <a:rPr lang="en-US" altLang="ko-KR" dirty="0"/>
-              <a:t>.</a:t>
-            </a:r>
-          </a:p>
-          <a:p>
-            <a:endParaRPr lang="en-US" altLang="ko-KR" dirty="0"/>
-          </a:p>
-          <a:p>
-            <a:r>
-              <a:rPr lang="ko-KR" altLang="en-US" dirty="0"/>
-              <a:t>하지만 </a:t>
-            </a:r>
-            <a:r>
-              <a:rPr lang="en-US" altLang="ko-KR" dirty="0"/>
-              <a:t>VM </a:t>
-            </a:r>
-            <a:r>
-              <a:rPr lang="ko-KR" altLang="en-US" dirty="0"/>
-              <a:t>이라면</a:t>
-            </a:r>
-            <a:r>
-              <a:rPr lang="en-US" altLang="ko-KR" dirty="0"/>
-              <a:t>… </a:t>
-            </a:r>
-            <a:r>
-              <a:rPr lang="ko-KR" altLang="en-US" dirty="0" err="1"/>
-              <a:t>오토스케일로</a:t>
-            </a:r>
-            <a:r>
-              <a:rPr lang="ko-KR" altLang="en-US" dirty="0"/>
-              <a:t> 대응한다 해도</a:t>
-            </a:r>
-            <a:r>
-              <a:rPr lang="en-US" altLang="ko-KR" dirty="0"/>
-              <a:t>,</a:t>
-            </a:r>
-            <a:r>
-              <a:rPr lang="ko-KR" altLang="en-US" dirty="0"/>
-              <a:t> </a:t>
-            </a:r>
-            <a:r>
-              <a:rPr lang="en-US" altLang="ko-KR" dirty="0"/>
-              <a:t>OS</a:t>
-            </a:r>
-            <a:r>
-              <a:rPr lang="ko-KR" altLang="en-US" dirty="0"/>
-              <a:t>가 </a:t>
-            </a:r>
-            <a:r>
-              <a:rPr lang="ko-KR" altLang="en-US" dirty="0" err="1"/>
-              <a:t>기동되는데</a:t>
-            </a:r>
-            <a:r>
-              <a:rPr lang="ko-KR" altLang="en-US" dirty="0"/>
-              <a:t> </a:t>
-            </a:r>
-            <a:r>
-              <a:rPr lang="en-US" altLang="ko-KR" dirty="0"/>
-              <a:t>3~4</a:t>
-            </a:r>
-            <a:r>
-              <a:rPr lang="ko-KR" altLang="en-US" dirty="0"/>
-              <a:t>분 정도 걸리기 때문에</a:t>
-            </a:r>
-            <a:r>
-              <a:rPr lang="en-US" altLang="ko-KR" dirty="0"/>
-              <a:t>, </a:t>
-            </a:r>
-            <a:r>
-              <a:rPr lang="ko-KR" altLang="en-US" dirty="0"/>
-              <a:t>기민한 서버 확장이 어렵습니다</a:t>
-            </a:r>
-            <a:r>
-              <a:rPr lang="en-US" altLang="ko-KR" dirty="0"/>
-              <a:t>.</a:t>
-            </a:r>
-          </a:p>
-          <a:p>
-            <a:endParaRPr lang="en-US" altLang="ko-KR" dirty="0"/>
-          </a:p>
-          <a:p>
-            <a:r>
-              <a:rPr lang="ko-KR" altLang="en-US" dirty="0"/>
-              <a:t>만약 </a:t>
-            </a:r>
-            <a:r>
-              <a:rPr lang="ko-KR" altLang="en-US" dirty="0" err="1"/>
-              <a:t>오토스케일이</a:t>
-            </a:r>
-            <a:r>
-              <a:rPr lang="ko-KR" altLang="en-US" dirty="0"/>
-              <a:t> </a:t>
-            </a:r>
-            <a:r>
-              <a:rPr lang="ko-KR" altLang="en-US" dirty="0" err="1"/>
-              <a:t>안걸린</a:t>
-            </a:r>
-            <a:r>
-              <a:rPr lang="ko-KR" altLang="en-US" dirty="0"/>
-              <a:t> </a:t>
-            </a:r>
-            <a:r>
-              <a:rPr lang="en-US" altLang="ko-KR" dirty="0"/>
-              <a:t>VM</a:t>
-            </a:r>
-            <a:r>
-              <a:rPr lang="ko-KR" altLang="en-US" dirty="0"/>
-              <a:t>이거나</a:t>
-            </a:r>
-            <a:r>
-              <a:rPr lang="en-US" altLang="ko-KR" dirty="0"/>
-              <a:t>, </a:t>
-            </a:r>
-            <a:r>
-              <a:rPr lang="ko-KR" altLang="en-US" dirty="0"/>
-              <a:t>혹은 물리서버라면</a:t>
-            </a:r>
-            <a:r>
-              <a:rPr lang="en-US" altLang="ko-KR" dirty="0"/>
-              <a:t>… </a:t>
-            </a:r>
-            <a:r>
-              <a:rPr lang="ko-KR" altLang="en-US" dirty="0"/>
-              <a:t>장애상황을 그냥 무방비로 견뎌야만 합니다</a:t>
-            </a:r>
-            <a:r>
-              <a:rPr lang="en-US" altLang="ko-KR" dirty="0"/>
-              <a:t>.</a:t>
-            </a:r>
-          </a:p>
-          <a:p>
-            <a:endParaRPr lang="en-US" altLang="ko-KR" dirty="0"/>
-          </a:p>
-          <a:p>
-            <a:r>
-              <a:rPr lang="ko-KR" altLang="en-US" dirty="0"/>
-              <a:t>그런데</a:t>
-            </a:r>
-            <a:r>
-              <a:rPr lang="en-US" altLang="ko-KR" dirty="0"/>
-              <a:t>... </a:t>
-            </a:r>
-            <a:r>
-              <a:rPr lang="ko-KR" altLang="en-US" dirty="0"/>
-              <a:t>문제는</a:t>
-            </a:r>
-            <a:r>
-              <a:rPr lang="en-US" altLang="ko-KR" dirty="0"/>
-              <a:t>… </a:t>
-            </a:r>
-            <a:r>
-              <a:rPr lang="ko-KR" altLang="en-US" dirty="0"/>
-              <a:t>이런 장애상황이 걷잡을 수 없이 전파되면</a:t>
-            </a:r>
-            <a:r>
-              <a:rPr lang="en-US" altLang="ko-KR" dirty="0"/>
-              <a:t>, </a:t>
-            </a:r>
-            <a:r>
-              <a:rPr lang="ko-KR" altLang="en-US" dirty="0"/>
-              <a:t>자칫 인프라 </a:t>
-            </a:r>
-            <a:r>
-              <a:rPr lang="ko-KR" altLang="en-US" dirty="0" err="1"/>
-              <a:t>셧다운으로</a:t>
-            </a:r>
-            <a:r>
-              <a:rPr lang="ko-KR" altLang="en-US" dirty="0"/>
-              <a:t> 이어지고</a:t>
-            </a:r>
-            <a:r>
-              <a:rPr lang="en-US" altLang="ko-KR" dirty="0"/>
-              <a:t>, </a:t>
-            </a:r>
-            <a:r>
-              <a:rPr lang="ko-KR" altLang="en-US" dirty="0"/>
-              <a:t>이로 인해 데이터 안정성을 해치는 극단적인 상황까지 발생할 수 있다는 점입니다</a:t>
-            </a:r>
-            <a:r>
-              <a:rPr lang="en-US" altLang="ko-KR" dirty="0"/>
-              <a:t>.</a:t>
-            </a:r>
-          </a:p>
-          <a:p>
-            <a:endParaRPr lang="en-US" altLang="ko-KR" dirty="0"/>
-          </a:p>
-          <a:p>
-            <a:r>
-              <a:rPr lang="ko-KR" altLang="en-US" dirty="0"/>
-              <a:t>그래서 </a:t>
-            </a:r>
-            <a:r>
-              <a:rPr lang="en-US" altLang="ko-KR" dirty="0"/>
-              <a:t>MSA </a:t>
-            </a:r>
-            <a:r>
-              <a:rPr lang="ko-KR" altLang="en-US" dirty="0"/>
-              <a:t>환경에서는</a:t>
-            </a:r>
-            <a:r>
-              <a:rPr lang="en-US" altLang="ko-KR" dirty="0"/>
-              <a:t>, </a:t>
-            </a:r>
-            <a:r>
-              <a:rPr lang="ko-KR" altLang="en-US" dirty="0"/>
-              <a:t>장애 전파를 차단하는데 지나칠 정도로 예민하게 시스템을 구성해야만 합니다</a:t>
-            </a:r>
-            <a:r>
-              <a:rPr lang="en-US" altLang="ko-KR" dirty="0"/>
-              <a:t>.</a:t>
-            </a:r>
-          </a:p>
-          <a:p>
-            <a:endParaRPr lang="en-US" altLang="ko-KR" dirty="0"/>
-          </a:p>
-          <a:p>
-            <a:pPr marL="0" marR="0" lvl="0" indent="0" algn="l" defTabSz="685800" rtl="0" eaLnBrk="1" fontAlgn="auto" latinLnBrk="1" hangingPunct="1">
-              <a:lnSpc>
-                <a:spcPct val="100000"/>
-              </a:lnSpc>
-              <a:spcBef>
-                <a:spcPts val="0"/>
-              </a:spcBef>
-              <a:spcAft>
-                <a:spcPts val="0"/>
-              </a:spcAft>
-              <a:buClrTx/>
-              <a:buSzTx/>
-              <a:buFontTx/>
-              <a:buNone/>
-              <a:tabLst/>
-              <a:defRPr/>
-            </a:pPr>
-            <a:r>
-              <a:rPr lang="ko-KR" altLang="en-US" dirty="0"/>
-              <a:t>아무리 </a:t>
-            </a:r>
-            <a:r>
-              <a:rPr lang="en-US" altLang="ko-KR" dirty="0" err="1"/>
-              <a:t>Webflux</a:t>
-            </a:r>
-            <a:r>
-              <a:rPr lang="en-US" altLang="ko-KR" dirty="0"/>
-              <a:t> </a:t>
-            </a:r>
-            <a:r>
-              <a:rPr lang="ko-KR" altLang="en-US" dirty="0"/>
-              <a:t>로 </a:t>
-            </a:r>
-            <a:r>
-              <a:rPr lang="en-US" altLang="ko-KR" dirty="0"/>
-              <a:t>IO </a:t>
-            </a:r>
-            <a:r>
-              <a:rPr lang="ko-KR" altLang="en-US" dirty="0"/>
-              <a:t>지연에 강건한 시스템을 구성했다 하더라도 이는 마찬가지이고요</a:t>
-            </a:r>
-            <a:r>
-              <a:rPr lang="en-US" altLang="ko-KR" dirty="0"/>
-              <a:t>.</a:t>
-            </a:r>
-          </a:p>
-          <a:p>
-            <a:endParaRPr lang="en-US" altLang="ko-KR" dirty="0"/>
-          </a:p>
-          <a:p>
-            <a:endParaRPr lang="en-US" altLang="ko-KR" dirty="0"/>
-          </a:p>
-          <a:p>
-            <a:r>
-              <a:rPr lang="ko-KR" altLang="en-US" dirty="0" err="1"/>
-              <a:t>써킷</a:t>
-            </a:r>
-            <a:r>
-              <a:rPr lang="ko-KR" altLang="en-US" dirty="0"/>
-              <a:t> </a:t>
-            </a:r>
-            <a:r>
-              <a:rPr lang="ko-KR" altLang="en-US" dirty="0" err="1"/>
-              <a:t>브레이커는</a:t>
-            </a:r>
-            <a:r>
-              <a:rPr lang="en-US" altLang="ko-KR" dirty="0"/>
-              <a:t>, </a:t>
-            </a:r>
-            <a:r>
-              <a:rPr lang="ko-KR" altLang="en-US" dirty="0"/>
-              <a:t>허용 범위를 넘는 오류가 지속될 경우</a:t>
-            </a:r>
-            <a:r>
-              <a:rPr lang="en-US" altLang="ko-KR" dirty="0"/>
-              <a:t>, </a:t>
-            </a:r>
-            <a:r>
-              <a:rPr lang="ko-KR" altLang="en-US" dirty="0"/>
-              <a:t>호출을 차단하는 </a:t>
-            </a:r>
-            <a:r>
-              <a:rPr lang="en-US" altLang="ko-KR" dirty="0"/>
-              <a:t>proxy </a:t>
-            </a:r>
-            <a:r>
-              <a:rPr lang="ko-KR" altLang="en-US" dirty="0"/>
-              <a:t>입니다</a:t>
-            </a:r>
-            <a:r>
-              <a:rPr lang="en-US" altLang="ko-KR" dirty="0"/>
-              <a:t>.</a:t>
-            </a:r>
-          </a:p>
-          <a:p>
-            <a:endParaRPr lang="en-US" altLang="ko-KR" dirty="0"/>
-          </a:p>
-          <a:p>
-            <a:r>
-              <a:rPr lang="ko-KR" altLang="en-US" dirty="0"/>
-              <a:t>만약 </a:t>
-            </a:r>
-            <a:r>
-              <a:rPr lang="ko-KR" altLang="en-US" dirty="0" err="1"/>
-              <a:t>쿠버네티스</a:t>
-            </a:r>
-            <a:r>
-              <a:rPr lang="ko-KR" altLang="en-US" dirty="0"/>
-              <a:t> 인프라 환경이라면</a:t>
-            </a:r>
-            <a:r>
-              <a:rPr lang="en-US" altLang="ko-KR" dirty="0"/>
-              <a:t>, Istio</a:t>
-            </a:r>
-            <a:r>
-              <a:rPr lang="ko-KR" altLang="en-US" dirty="0"/>
-              <a:t>를 사용해 인프라 레벨에서 서킷 </a:t>
-            </a:r>
-            <a:r>
-              <a:rPr lang="ko-KR" altLang="en-US" dirty="0" err="1"/>
-              <a:t>브레이커를</a:t>
-            </a:r>
-            <a:r>
-              <a:rPr lang="ko-KR" altLang="en-US" dirty="0"/>
-              <a:t> 적용하시면 됩니다</a:t>
-            </a:r>
-            <a:r>
-              <a:rPr lang="en-US" altLang="ko-KR" dirty="0"/>
-              <a:t>.</a:t>
-            </a:r>
-          </a:p>
-          <a:p>
-            <a:endParaRPr lang="en-US" altLang="ko-KR" dirty="0"/>
-          </a:p>
-          <a:p>
-            <a:r>
-              <a:rPr lang="ko-KR" altLang="en-US" dirty="0"/>
-              <a:t>하지만</a:t>
-            </a:r>
-            <a:r>
-              <a:rPr lang="en-US" altLang="ko-KR" dirty="0"/>
-              <a:t>, Istio </a:t>
-            </a:r>
-            <a:r>
-              <a:rPr lang="ko-KR" altLang="en-US" dirty="0"/>
-              <a:t>적용이 곤란하거나</a:t>
-            </a:r>
-            <a:r>
-              <a:rPr lang="en-US" altLang="ko-KR" dirty="0"/>
-              <a:t>, </a:t>
-            </a:r>
-            <a:r>
-              <a:rPr lang="ko-KR" altLang="en-US" dirty="0"/>
-              <a:t>혹은 </a:t>
-            </a:r>
-            <a:r>
-              <a:rPr lang="ko-KR" altLang="en-US" dirty="0" err="1"/>
-              <a:t>쿠버네티스</a:t>
-            </a:r>
-            <a:r>
-              <a:rPr lang="ko-KR" altLang="en-US" dirty="0"/>
-              <a:t> 환경까지는 사용할 필요가 없을 경우가 더 많기 때문에</a:t>
-            </a:r>
-            <a:r>
-              <a:rPr lang="en-US" altLang="ko-KR" dirty="0"/>
-              <a:t>,</a:t>
-            </a:r>
-            <a:r>
-              <a:rPr lang="ko-KR" altLang="en-US" dirty="0"/>
-              <a:t> 저희는 어플리케이션 레벨에서 서킷 </a:t>
-            </a:r>
-            <a:r>
-              <a:rPr lang="ko-KR" altLang="en-US" dirty="0" err="1"/>
-              <a:t>브레이커를</a:t>
-            </a:r>
-            <a:r>
-              <a:rPr lang="ko-KR" altLang="en-US" dirty="0"/>
-              <a:t> 구현해 보겠습니다</a:t>
-            </a:r>
-            <a:r>
-              <a:rPr lang="en-US" altLang="ko-KR" dirty="0"/>
-              <a:t>.</a:t>
-            </a:r>
-          </a:p>
-          <a:p>
-            <a:endParaRPr lang="en-US" altLang="ko-KR" dirty="0"/>
-          </a:p>
-          <a:p>
-            <a:endParaRPr lang="en-US" altLang="ko-KR" dirty="0"/>
-          </a:p>
-          <a:p>
-            <a:endParaRPr lang="ko-KR" altLang="en-US" dirty="0"/>
           </a:p>
         </p:txBody>
       </p:sp>
@@ -1146,7 +653,7 @@
     </p:spTree>
     <p:extLst>
       <p:ext uri="{BB962C8B-B14F-4D97-AF65-F5344CB8AC3E}">
-        <p14:creationId xmlns:p14="http://schemas.microsoft.com/office/powerpoint/2010/main" val="1362453822"/>
+        <p14:creationId xmlns:p14="http://schemas.microsoft.com/office/powerpoint/2010/main" val="553981760"/>
       </p:ext>
     </p:extLst>
   </p:cSld>
@@ -1201,53 +708,36 @@
           <a:lstStyle/>
           <a:p>
             <a:r>
-              <a:rPr lang="ko-KR" altLang="en-US" dirty="0"/>
-              <a:t>구현 실습입니다</a:t>
-            </a:r>
-            <a:r>
               <a:rPr lang="en-US" altLang="ko-KR" dirty="0"/>
-              <a:t>.</a:t>
-            </a:r>
-          </a:p>
-          <a:p>
-            <a:endParaRPr lang="en-US" altLang="ko-KR" dirty="0"/>
-          </a:p>
-          <a:p>
-            <a:r>
-              <a:rPr lang="ko-KR" altLang="en-US" dirty="0"/>
-              <a:t>저희는 비동기 처리를 지원하는 </a:t>
+              <a:t>UUID </a:t>
+            </a:r>
+            <a:r>
+              <a:rPr lang="ko-KR" altLang="en-US" dirty="0"/>
+              <a:t>기반으로 </a:t>
+            </a:r>
+            <a:r>
+              <a:rPr lang="en-US" altLang="ko-KR" dirty="0" err="1"/>
+              <a:t>txid</a:t>
+            </a:r>
+            <a:r>
+              <a:rPr lang="en-US" altLang="ko-KR" dirty="0"/>
+              <a:t> </a:t>
+            </a:r>
+            <a:r>
+              <a:rPr lang="ko-KR" altLang="en-US" dirty="0"/>
+              <a:t>를 </a:t>
             </a:r>
             <a:r>
               <a:rPr lang="ko-KR" altLang="en-US" dirty="0" err="1"/>
-              <a:t>리즐리언스</a:t>
-            </a:r>
-            <a:r>
-              <a:rPr lang="ko-KR" altLang="en-US" dirty="0"/>
-              <a:t> </a:t>
+              <a:t>채번해서</a:t>
             </a:r>
             <a:r>
               <a:rPr lang="en-US" altLang="ko-KR" dirty="0"/>
-              <a:t>4J (Resilence4j) </a:t>
-            </a:r>
-            <a:r>
-              <a:rPr lang="ko-KR" altLang="en-US" dirty="0"/>
-              <a:t>라이브러리를 사용해</a:t>
-            </a:r>
-            <a:r>
-              <a:rPr lang="en-US" altLang="ko-KR" dirty="0"/>
-              <a:t>,</a:t>
-            </a:r>
-            <a:r>
-              <a:rPr lang="ko-KR" altLang="en-US" dirty="0"/>
-              <a:t> 서킷 </a:t>
-            </a:r>
-            <a:r>
-              <a:rPr lang="ko-KR" altLang="en-US" dirty="0" err="1"/>
-              <a:t>브레이커를</a:t>
-            </a:r>
-            <a:r>
-              <a:rPr lang="ko-KR" altLang="en-US" dirty="0"/>
-              <a:t> 구현해 보겠습니다</a:t>
+              <a:t>, </a:t>
+            </a:r>
+            <a:r>
+              <a:rPr lang="ko-KR" altLang="en-US" dirty="0"/>
+              <a:t>로그마다 출력해보는 실습을 진행해 보도록 하겠습니다</a:t>
             </a:r>
             <a:r>
               <a:rPr lang="en-US" altLang="ko-KR" dirty="0"/>
@@ -1283,7 +773,7 @@
     </p:spTree>
     <p:extLst>
       <p:ext uri="{BB962C8B-B14F-4D97-AF65-F5344CB8AC3E}">
-        <p14:creationId xmlns:p14="http://schemas.microsoft.com/office/powerpoint/2010/main" val="4016803277"/>
+        <p14:creationId xmlns:p14="http://schemas.microsoft.com/office/powerpoint/2010/main" val="1083338260"/>
       </p:ext>
     </p:extLst>
   </p:cSld>
@@ -1337,84 +827,7 @@
           <a:bodyPr/>
           <a:lstStyle/>
           <a:p>
-            <a:r>
-              <a:rPr lang="ko-KR" altLang="en-US" dirty="0"/>
-              <a:t>운영시에는 </a:t>
-            </a:r>
-            <a:r>
-              <a:rPr lang="en-US" altLang="ko-KR" dirty="0"/>
-              <a:t>10</a:t>
-            </a:r>
-            <a:r>
-              <a:rPr lang="ko-KR" altLang="en-US" dirty="0"/>
-              <a:t>초에 </a:t>
-            </a:r>
-            <a:r>
-              <a:rPr lang="en-US" altLang="ko-KR" dirty="0"/>
-              <a:t>2</a:t>
-            </a:r>
-            <a:r>
-              <a:rPr lang="ko-KR" altLang="en-US" dirty="0"/>
-              <a:t>번만 처리를 제한하는 등의 </a:t>
-            </a:r>
-            <a:r>
-              <a:rPr lang="en-US" altLang="ko-KR" dirty="0"/>
-              <a:t>Rate Limitation, </a:t>
-            </a:r>
-            <a:r>
-              <a:rPr lang="ko-KR" altLang="en-US" dirty="0"/>
-              <a:t>요청 제한 기능도 필요합니다</a:t>
-            </a:r>
-            <a:r>
-              <a:rPr lang="en-US" altLang="ko-KR" dirty="0"/>
-              <a:t>.</a:t>
-            </a:r>
-          </a:p>
-          <a:p>
             <a:endParaRPr lang="en-US" altLang="ko-KR" dirty="0"/>
-          </a:p>
-          <a:p>
-            <a:r>
-              <a:rPr lang="ko-KR" altLang="en-US" dirty="0"/>
-              <a:t>물론 인프라로 처리하는 것 또한 가능하지만</a:t>
-            </a:r>
-            <a:r>
-              <a:rPr lang="en-US" altLang="ko-KR" dirty="0"/>
-              <a:t>, </a:t>
-            </a:r>
-            <a:r>
-              <a:rPr lang="ko-KR" altLang="en-US" dirty="0"/>
-              <a:t>앞서 서킷 </a:t>
-            </a:r>
-            <a:r>
-              <a:rPr lang="ko-KR" altLang="en-US" dirty="0" err="1"/>
-              <a:t>브레이커와</a:t>
-            </a:r>
-            <a:r>
-              <a:rPr lang="ko-KR" altLang="en-US" dirty="0"/>
-              <a:t> 마찬가지로</a:t>
-            </a:r>
-            <a:r>
-              <a:rPr lang="en-US" altLang="ko-KR" dirty="0"/>
-              <a:t>,</a:t>
-            </a:r>
-            <a:r>
-              <a:rPr lang="ko-KR" altLang="en-US" dirty="0"/>
-              <a:t> 저희는 어플리케이션 레벨에서 </a:t>
-            </a:r>
-            <a:r>
-              <a:rPr lang="en-US" altLang="ko-KR" dirty="0"/>
-              <a:t>Rate Limiter </a:t>
-            </a:r>
-            <a:r>
-              <a:rPr lang="ko-KR" altLang="en-US" dirty="0"/>
-              <a:t>를 구현해 보겠습니다</a:t>
-            </a:r>
-            <a:r>
-              <a:rPr lang="en-US" altLang="ko-KR" dirty="0"/>
-              <a:t>.</a:t>
-            </a:r>
-            <a:endParaRPr lang="ko-KR" altLang="en-US" dirty="0"/>
           </a:p>
         </p:txBody>
       </p:sp>
@@ -1444,7 +857,7 @@
     </p:spTree>
     <p:extLst>
       <p:ext uri="{BB962C8B-B14F-4D97-AF65-F5344CB8AC3E}">
-        <p14:creationId xmlns:p14="http://schemas.microsoft.com/office/powerpoint/2010/main" val="3530309725"/>
+        <p14:creationId xmlns:p14="http://schemas.microsoft.com/office/powerpoint/2010/main" val="741720168"/>
       </p:ext>
     </p:extLst>
   </p:cSld>
@@ -1498,373 +911,7 @@
           <a:bodyPr/>
           <a:lstStyle/>
           <a:p>
-            <a:r>
-              <a:rPr lang="ko-KR" altLang="en-US" dirty="0"/>
-              <a:t>프로젝트를 진행하다 보면 가끔 </a:t>
-            </a:r>
-            <a:r>
-              <a:rPr lang="en-US" altLang="ko-KR" dirty="0"/>
-              <a:t>native query </a:t>
-            </a:r>
-            <a:r>
-              <a:rPr lang="ko-KR" altLang="en-US" dirty="0"/>
-              <a:t>를 사용해야 할 경우가 발생합니다</a:t>
-            </a:r>
-            <a:r>
-              <a:rPr lang="en-US" altLang="ko-KR" dirty="0"/>
-              <a:t>.</a:t>
-            </a:r>
-          </a:p>
-          <a:p>
             <a:endParaRPr lang="en-US" altLang="ko-KR" dirty="0"/>
-          </a:p>
-          <a:p>
-            <a:r>
-              <a:rPr lang="ko-KR" altLang="en-US" dirty="0"/>
-              <a:t>저희 </a:t>
-            </a:r>
-            <a:r>
-              <a:rPr lang="en-US" altLang="ko-KR" dirty="0"/>
-              <a:t>JPA </a:t>
-            </a:r>
-            <a:r>
-              <a:rPr lang="ko-KR" altLang="en-US" dirty="0"/>
-              <a:t>를 사용하니까</a:t>
-            </a:r>
-            <a:r>
-              <a:rPr lang="en-US" altLang="ko-KR" dirty="0"/>
-              <a:t>, Entity </a:t>
-            </a:r>
-            <a:r>
-              <a:rPr lang="ko-KR" altLang="en-US" dirty="0"/>
-              <a:t>구조를 이용해 </a:t>
-            </a:r>
-            <a:r>
-              <a:rPr lang="en-US" altLang="ko-KR" dirty="0"/>
-              <a:t>JPQL, Java persistence query language </a:t>
-            </a:r>
-            <a:r>
-              <a:rPr lang="ko-KR" altLang="en-US" dirty="0"/>
-              <a:t>를 프로그램으로 만들 수 있는 라이브러리를 사용할 수 있습니다</a:t>
-            </a:r>
-            <a:r>
-              <a:rPr lang="en-US" altLang="ko-KR" dirty="0"/>
-              <a:t>.</a:t>
-            </a:r>
-          </a:p>
-          <a:p>
-            <a:endParaRPr lang="en-US" altLang="ko-KR" dirty="0"/>
-          </a:p>
-          <a:p>
-            <a:r>
-              <a:rPr lang="en-US" altLang="ko-KR" dirty="0"/>
-              <a:t>Kotlin </a:t>
-            </a:r>
-            <a:r>
-              <a:rPr lang="ko-KR" altLang="en-US" dirty="0"/>
-              <a:t>에서는</a:t>
-            </a:r>
-            <a:r>
-              <a:rPr lang="en-US" altLang="ko-KR" dirty="0"/>
-              <a:t> Query DSL </a:t>
-            </a:r>
-            <a:r>
-              <a:rPr lang="ko-KR" altLang="en-US" dirty="0"/>
-              <a:t>대신</a:t>
-            </a:r>
-            <a:r>
-              <a:rPr lang="en-US" altLang="ko-KR" dirty="0"/>
-              <a:t>, </a:t>
-            </a:r>
-            <a:r>
-              <a:rPr lang="ko-KR" altLang="en-US" dirty="0"/>
-              <a:t>라인에서 만든 </a:t>
-            </a:r>
-            <a:r>
-              <a:rPr lang="en-US" altLang="ko-KR" dirty="0"/>
-              <a:t>Kotlin JDSL </a:t>
-            </a:r>
-            <a:r>
-              <a:rPr lang="ko-KR" altLang="en-US" dirty="0"/>
-              <a:t>을 사용하시는 것</a:t>
-            </a:r>
-            <a:r>
-              <a:rPr lang="en-US" altLang="ko-KR" dirty="0"/>
-              <a:t>,</a:t>
-            </a:r>
-            <a:r>
-              <a:rPr lang="ko-KR" altLang="en-US" dirty="0"/>
-              <a:t> </a:t>
-            </a:r>
-            <a:r>
-              <a:rPr lang="ko-KR" altLang="en-US" dirty="0" err="1"/>
-              <a:t>추천드리는데요</a:t>
-            </a:r>
-            <a:r>
-              <a:rPr lang="en-US" altLang="ko-KR" dirty="0"/>
-              <a:t>.</a:t>
-            </a:r>
-          </a:p>
-          <a:p>
-            <a:endParaRPr lang="en-US" altLang="ko-KR" dirty="0"/>
-          </a:p>
-          <a:p>
-            <a:r>
-              <a:rPr lang="en-US" altLang="ko-KR" dirty="0"/>
-              <a:t>Kotlin</a:t>
-            </a:r>
-            <a:r>
-              <a:rPr lang="ko-KR" altLang="en-US" dirty="0"/>
-              <a:t>은 클래스 필드의 메타정보 자체에 접근할 수 있다는 언어적 특성을 이용해</a:t>
-            </a:r>
-            <a:r>
-              <a:rPr lang="en-US" altLang="ko-KR" dirty="0"/>
-              <a:t>, </a:t>
-            </a:r>
-            <a:r>
-              <a:rPr lang="ko-KR" altLang="en-US" dirty="0"/>
-              <a:t>별도 빌드 없이 바로 </a:t>
-            </a:r>
-            <a:r>
-              <a:rPr lang="en-US" altLang="ko-KR" dirty="0"/>
-              <a:t>JPQL</a:t>
-            </a:r>
-            <a:r>
-              <a:rPr lang="ko-KR" altLang="en-US" dirty="0"/>
-              <a:t>을 날릴 수 있다는 장점이 있습니다</a:t>
-            </a:r>
-            <a:r>
-              <a:rPr lang="en-US" altLang="ko-KR" dirty="0"/>
-              <a:t>.</a:t>
-            </a:r>
-          </a:p>
-          <a:p>
-            <a:endParaRPr lang="en-US" altLang="ko-KR" dirty="0"/>
-          </a:p>
-          <a:p>
-            <a:r>
-              <a:rPr lang="ko-KR" altLang="en-US" dirty="0"/>
-              <a:t>하지만</a:t>
-            </a:r>
-            <a:r>
-              <a:rPr lang="en-US" altLang="ko-KR" dirty="0"/>
-              <a:t>, Kotlin JDSL</a:t>
-            </a:r>
-            <a:r>
-              <a:rPr lang="ko-KR" altLang="en-US" dirty="0"/>
-              <a:t>은 </a:t>
-            </a:r>
-            <a:r>
-              <a:rPr lang="en-US" altLang="ko-KR" dirty="0"/>
-              <a:t>R2DBC</a:t>
-            </a:r>
-            <a:r>
-              <a:rPr lang="ko-KR" altLang="en-US" dirty="0"/>
-              <a:t>를 지원하지 않습니다</a:t>
-            </a:r>
-            <a:r>
-              <a:rPr lang="en-US" altLang="ko-KR" dirty="0"/>
-              <a:t>. </a:t>
-            </a:r>
-            <a:r>
-              <a:rPr lang="ko-KR" altLang="en-US" dirty="0"/>
-              <a:t>아마 앞으로도 지원하지 않을 것 같습니다</a:t>
-            </a:r>
-            <a:r>
-              <a:rPr lang="en-US" altLang="ko-KR" dirty="0"/>
-              <a:t>…</a:t>
-            </a:r>
-          </a:p>
-          <a:p>
-            <a:endParaRPr lang="en-US" altLang="ko-KR" dirty="0"/>
-          </a:p>
-          <a:p>
-            <a:r>
-              <a:rPr lang="en-US" altLang="ko-KR" dirty="0"/>
-              <a:t>R2DBC </a:t>
-            </a:r>
-            <a:r>
-              <a:rPr lang="ko-KR" altLang="en-US" dirty="0"/>
-              <a:t>로는 </a:t>
-            </a:r>
-            <a:r>
-              <a:rPr lang="en-US" altLang="ko-KR" dirty="0"/>
-              <a:t>Entity </a:t>
-            </a:r>
-            <a:r>
-              <a:rPr lang="ko-KR" altLang="en-US" dirty="0"/>
-              <a:t>기반으로 </a:t>
-            </a:r>
-            <a:r>
-              <a:rPr lang="en-US" altLang="ko-KR" dirty="0"/>
-              <a:t>JPQL</a:t>
-            </a:r>
-            <a:r>
-              <a:rPr lang="ko-KR" altLang="en-US" dirty="0"/>
-              <a:t>을 만들 수 있는 방법이</a:t>
-            </a:r>
-            <a:r>
-              <a:rPr lang="en-US" altLang="ko-KR" dirty="0"/>
-              <a:t>, 2023</a:t>
-            </a:r>
-            <a:r>
-              <a:rPr lang="ko-KR" altLang="en-US" dirty="0"/>
-              <a:t>년 </a:t>
-            </a:r>
-            <a:r>
-              <a:rPr lang="en-US" altLang="ko-KR" dirty="0"/>
-              <a:t>9</a:t>
-            </a:r>
-            <a:r>
-              <a:rPr lang="ko-KR" altLang="en-US" dirty="0"/>
-              <a:t>월 기준으로</a:t>
-            </a:r>
-            <a:r>
-              <a:rPr lang="en-US" altLang="ko-KR" dirty="0"/>
-              <a:t>, </a:t>
-            </a:r>
-            <a:r>
-              <a:rPr lang="ko-KR" altLang="en-US" dirty="0"/>
-              <a:t>아직 없습니다</a:t>
-            </a:r>
-            <a:r>
-              <a:rPr lang="en-US" altLang="ko-KR" dirty="0"/>
-              <a:t>.</a:t>
-            </a:r>
-          </a:p>
-          <a:p>
-            <a:endParaRPr lang="en-US" altLang="ko-KR" dirty="0"/>
-          </a:p>
-          <a:p>
-            <a:r>
-              <a:rPr lang="ko-KR" altLang="en-US" dirty="0"/>
-              <a:t>그래서</a:t>
-            </a:r>
-            <a:r>
-              <a:rPr lang="en-US" altLang="ko-KR" dirty="0"/>
-              <a:t>, R2DBC </a:t>
-            </a:r>
-            <a:r>
-              <a:rPr lang="ko-KR" altLang="en-US" dirty="0"/>
-              <a:t>에서 </a:t>
-            </a:r>
-            <a:r>
-              <a:rPr lang="en-US" altLang="ko-KR" dirty="0"/>
-              <a:t>native query </a:t>
-            </a:r>
-            <a:r>
-              <a:rPr lang="ko-KR" altLang="en-US" dirty="0"/>
-              <a:t>를 사용하려면</a:t>
-            </a:r>
-            <a:r>
-              <a:rPr lang="en-US" altLang="ko-KR" dirty="0"/>
-              <a:t>, </a:t>
-            </a:r>
-            <a:r>
-              <a:rPr lang="ko-KR" altLang="en-US" dirty="0"/>
-              <a:t>문자열 기반으로 </a:t>
-            </a:r>
-            <a:r>
-              <a:rPr lang="en-US" altLang="ko-KR" dirty="0"/>
-              <a:t>DB client </a:t>
-            </a:r>
-            <a:r>
-              <a:rPr lang="ko-KR" altLang="en-US" dirty="0"/>
-              <a:t>를 이용해 쿼리를 직접 날려보는 방법 밖엔 없습니다</a:t>
-            </a:r>
-            <a:r>
-              <a:rPr lang="en-US" altLang="ko-KR" dirty="0"/>
-              <a:t>.</a:t>
-            </a:r>
-          </a:p>
-          <a:p>
-            <a:endParaRPr lang="en-US" altLang="ko-KR" dirty="0"/>
-          </a:p>
-          <a:p>
-            <a:r>
-              <a:rPr lang="en-US" altLang="ko-KR" sz="300" dirty="0"/>
-              <a:t>** </a:t>
-            </a:r>
-            <a:r>
-              <a:rPr lang="ko-KR" altLang="en-US" sz="300" dirty="0"/>
-              <a:t>물론</a:t>
-            </a:r>
-            <a:r>
-              <a:rPr lang="en-US" altLang="ko-KR" sz="300" dirty="0"/>
-              <a:t>, </a:t>
-            </a:r>
-            <a:r>
-              <a:rPr lang="en-US" altLang="ko-KR" sz="300" dirty="0" err="1"/>
-              <a:t>Webflux</a:t>
-            </a:r>
-            <a:r>
-              <a:rPr lang="en-US" altLang="ko-KR" sz="300" dirty="0"/>
-              <a:t> </a:t>
-            </a:r>
-            <a:r>
-              <a:rPr lang="ko-KR" altLang="en-US" sz="300" dirty="0"/>
-              <a:t>에 </a:t>
-            </a:r>
-            <a:r>
-              <a:rPr lang="en-US" altLang="ko-KR" sz="300" dirty="0"/>
-              <a:t>R2DBC </a:t>
-            </a:r>
-            <a:r>
-              <a:rPr lang="ko-KR" altLang="en-US" sz="300" dirty="0"/>
-              <a:t>대신 </a:t>
-            </a:r>
-            <a:r>
-              <a:rPr lang="en-US" altLang="ko-KR" sz="300" dirty="0"/>
-              <a:t>Reactive Hibernate </a:t>
-            </a:r>
-            <a:r>
-              <a:rPr lang="ko-KR" altLang="en-US" sz="300" dirty="0"/>
-              <a:t>스택을 사용하고</a:t>
-            </a:r>
-            <a:r>
-              <a:rPr lang="en-US" altLang="ko-KR" sz="300" dirty="0"/>
-              <a:t>, </a:t>
-            </a:r>
-            <a:r>
-              <a:rPr lang="ko-KR" altLang="en-US" sz="300" dirty="0"/>
-              <a:t>이걸 </a:t>
-            </a:r>
-            <a:r>
-              <a:rPr lang="en-US" altLang="ko-KR" sz="300" dirty="0"/>
-              <a:t>Kotlin JDSL </a:t>
-            </a:r>
-            <a:r>
-              <a:rPr lang="ko-KR" altLang="en-US" sz="300" dirty="0"/>
-              <a:t>로 감아서 사용하는 방법이 있습니다만</a:t>
-            </a:r>
-            <a:r>
-              <a:rPr lang="en-US" altLang="ko-KR" sz="300" dirty="0"/>
-              <a:t>, </a:t>
-            </a:r>
-            <a:r>
-              <a:rPr lang="ko-KR" altLang="en-US" sz="300" dirty="0"/>
-              <a:t>지금 사람들이 써보고 있는 단계라 아직은 검증중인 상태로 </a:t>
-            </a:r>
-            <a:r>
-              <a:rPr lang="en-US" altLang="ko-KR" sz="300" dirty="0"/>
-              <a:t>`</a:t>
-            </a:r>
-            <a:r>
-              <a:rPr lang="ko-KR" altLang="en-US" sz="300" dirty="0"/>
-              <a:t>봐야 해서</a:t>
-            </a:r>
-            <a:r>
-              <a:rPr lang="en-US" altLang="ko-KR" sz="300" dirty="0"/>
-              <a:t>, </a:t>
-            </a:r>
-            <a:r>
-              <a:rPr lang="ko-KR" altLang="en-US" sz="300" dirty="0"/>
-              <a:t>과정에서는 소개하지 않겠습니다</a:t>
-            </a:r>
-            <a:r>
-              <a:rPr lang="en-US" altLang="ko-KR" sz="300" dirty="0"/>
-              <a:t>.</a:t>
-            </a:r>
           </a:p>
         </p:txBody>
       </p:sp>
@@ -1894,7 +941,7 @@
     </p:spTree>
     <p:extLst>
       <p:ext uri="{BB962C8B-B14F-4D97-AF65-F5344CB8AC3E}">
-        <p14:creationId xmlns:p14="http://schemas.microsoft.com/office/powerpoint/2010/main" val="4107588324"/>
+        <p14:creationId xmlns:p14="http://schemas.microsoft.com/office/powerpoint/2010/main" val="1323937303"/>
       </p:ext>
     </p:extLst>
   </p:cSld>
@@ -1948,61 +995,42 @@
           <a:bodyPr/>
           <a:lstStyle/>
           <a:p>
-            <a:pPr marL="0" marR="0" lvl="0" indent="0" algn="l" defTabSz="685800" rtl="0" eaLnBrk="1" fontAlgn="auto" latinLnBrk="1" hangingPunct="1">
-              <a:lnSpc>
-                <a:spcPct val="100000"/>
-              </a:lnSpc>
-              <a:spcBef>
-                <a:spcPts val="0"/>
-              </a:spcBef>
-              <a:spcAft>
-                <a:spcPts val="0"/>
-              </a:spcAft>
-              <a:buClrTx/>
-              <a:buSzTx/>
-              <a:buFontTx/>
-              <a:buNone/>
-              <a:tabLst/>
-              <a:defRPr/>
-            </a:pPr>
-            <a:r>
-              <a:rPr lang="ko-KR" altLang="en-US" dirty="0"/>
-              <a:t>지금부터 </a:t>
-            </a:r>
             <a:r>
               <a:rPr lang="en-US" altLang="ko-KR" dirty="0"/>
-              <a:t>R2DBC </a:t>
+              <a:t>UUID </a:t>
+            </a:r>
+            <a:r>
+              <a:rPr lang="ko-KR" altLang="en-US" dirty="0"/>
+              <a:t>기반으로 </a:t>
             </a:r>
             <a:r>
               <a:rPr lang="en-US" altLang="ko-KR" dirty="0" err="1"/>
-              <a:t>DbClient</a:t>
-            </a:r>
-            <a:r>
-              <a:rPr lang="ko-KR" altLang="en-US" dirty="0"/>
-              <a:t> 를 이용해</a:t>
+              <a:t>txid</a:t>
             </a:r>
             <a:r>
               <a:rPr lang="en-US" altLang="ko-KR" dirty="0"/>
-              <a:t>, title like </a:t>
-            </a:r>
-            <a:r>
-              <a:rPr lang="ko-KR" altLang="en-US" dirty="0"/>
-              <a:t>검색만 가능했던 </a:t>
+              <a:t> </a:t>
+            </a:r>
+            <a:r>
+              <a:rPr lang="ko-KR" altLang="en-US" dirty="0"/>
+              <a:t>를 </a:t>
+            </a:r>
+            <a:r>
+              <a:rPr lang="ko-KR" altLang="en-US" dirty="0" err="1"/>
+              <a:t>채번해서</a:t>
             </a:r>
             <a:r>
               <a:rPr lang="en-US" altLang="ko-KR" dirty="0"/>
-              <a:t>get all API</a:t>
-            </a:r>
-            <a:r>
-              <a:rPr lang="ko-KR" altLang="en-US" dirty="0"/>
-              <a:t>의 기능을 확장해 보겠습니다</a:t>
+              <a:t>, </a:t>
+            </a:r>
+            <a:r>
+              <a:rPr lang="ko-KR" altLang="en-US" dirty="0"/>
+              <a:t>로그마다 출력해보는 실습을 진행해 보도록 하겠습니다</a:t>
             </a:r>
             <a:r>
               <a:rPr lang="en-US" altLang="ko-KR" dirty="0"/>
               <a:t>.</a:t>
             </a:r>
-          </a:p>
-          <a:p>
             <a:endParaRPr lang="ko-KR" altLang="en-US" dirty="0"/>
           </a:p>
         </p:txBody>
@@ -2033,7 +1061,7 @@
     </p:spTree>
     <p:extLst>
       <p:ext uri="{BB962C8B-B14F-4D97-AF65-F5344CB8AC3E}">
-        <p14:creationId xmlns:p14="http://schemas.microsoft.com/office/powerpoint/2010/main" val="1067073565"/>
+        <p14:creationId xmlns:p14="http://schemas.microsoft.com/office/powerpoint/2010/main" val="1541129748"/>
       </p:ext>
     </p:extLst>
   </p:cSld>
@@ -2087,491 +1115,7 @@
           <a:bodyPr/>
           <a:lstStyle/>
           <a:p>
-            <a:r>
-              <a:rPr lang="en-US" altLang="ko-KR" dirty="0"/>
-              <a:t>Spring </a:t>
-            </a:r>
-            <a:r>
-              <a:rPr lang="ko-KR" altLang="en-US" dirty="0"/>
-              <a:t>프레임워크의 </a:t>
-            </a:r>
-            <a:r>
-              <a:rPr lang="en-US" altLang="ko-KR" dirty="0"/>
-              <a:t>Cache </a:t>
-            </a:r>
-            <a:r>
-              <a:rPr lang="ko-KR" altLang="en-US" dirty="0"/>
-              <a:t>구현체로서 </a:t>
-            </a:r>
-            <a:r>
-              <a:rPr lang="en-US" altLang="ko-KR" dirty="0"/>
-              <a:t>Redis </a:t>
-            </a:r>
-            <a:r>
-              <a:rPr lang="ko-KR" altLang="en-US" dirty="0"/>
-              <a:t>를 접하신 분들 많으실 겁니다</a:t>
-            </a:r>
-            <a:r>
-              <a:rPr lang="en-US" altLang="ko-KR" dirty="0"/>
-              <a:t>.</a:t>
-            </a:r>
-          </a:p>
-          <a:p>
             <a:endParaRPr lang="en-US" altLang="ko-KR" dirty="0"/>
-          </a:p>
-          <a:p>
-            <a:r>
-              <a:rPr lang="en-US" altLang="ko-KR" dirty="0"/>
-              <a:t>Redis</a:t>
-            </a:r>
-            <a:r>
-              <a:rPr lang="ko-KR" altLang="en-US" dirty="0"/>
-              <a:t>는 </a:t>
-            </a:r>
-            <a:r>
-              <a:rPr lang="en-US" altLang="ko-KR" dirty="0"/>
-              <a:t>Memcached </a:t>
-            </a:r>
-            <a:r>
-              <a:rPr lang="ko-KR" altLang="en-US" dirty="0"/>
-              <a:t>에 비해 약간 느리지만</a:t>
-            </a:r>
-            <a:r>
-              <a:rPr lang="en-US" altLang="ko-KR" dirty="0"/>
-              <a:t>,</a:t>
-            </a:r>
-          </a:p>
-          <a:p>
-            <a:endParaRPr lang="en-US" altLang="ko-KR" dirty="0"/>
-          </a:p>
-          <a:p>
-            <a:r>
-              <a:rPr lang="en-US" altLang="ko-KR" dirty="0"/>
-              <a:t>AIO </a:t>
-            </a:r>
-            <a:r>
-              <a:rPr lang="ko-KR" altLang="en-US" dirty="0"/>
-              <a:t>기반의 싱글 쓰레드로 동작하기 때문에</a:t>
-            </a:r>
-            <a:r>
-              <a:rPr lang="en-US" altLang="ko-KR" dirty="0"/>
-              <a:t> </a:t>
-            </a:r>
-            <a:r>
-              <a:rPr lang="ko-KR" altLang="en-US" dirty="0"/>
-              <a:t>처리흐름이 직관적이고</a:t>
-            </a:r>
-            <a:r>
-              <a:rPr lang="en-US" altLang="ko-KR" dirty="0"/>
-              <a:t>, API</a:t>
-            </a:r>
-            <a:r>
-              <a:rPr lang="ko-KR" altLang="en-US" dirty="0"/>
-              <a:t>를 다루기 쉽다는 장점이 있습니다</a:t>
-            </a:r>
-            <a:r>
-              <a:rPr lang="en-US" altLang="ko-KR" dirty="0"/>
-              <a:t>.</a:t>
-            </a:r>
-          </a:p>
-          <a:p>
-            <a:endParaRPr lang="en-US" altLang="ko-KR" dirty="0"/>
-          </a:p>
-          <a:p>
-            <a:r>
-              <a:rPr lang="ko-KR" altLang="en-US" dirty="0"/>
-              <a:t>하지만</a:t>
-            </a:r>
-            <a:r>
-              <a:rPr lang="en-US" altLang="ko-KR" dirty="0"/>
-              <a:t>, Spring </a:t>
-            </a:r>
-            <a:r>
-              <a:rPr lang="ko-KR" altLang="en-US" dirty="0"/>
-              <a:t>프레임워크에서</a:t>
-            </a:r>
-            <a:r>
-              <a:rPr lang="en-US" altLang="ko-KR" dirty="0"/>
-              <a:t>,</a:t>
-            </a:r>
-            <a:r>
-              <a:rPr lang="ko-KR" altLang="en-US" dirty="0"/>
-              <a:t> </a:t>
-            </a:r>
-            <a:r>
-              <a:rPr lang="en-US" altLang="ko-KR" dirty="0"/>
-              <a:t>cache </a:t>
-            </a:r>
-            <a:r>
-              <a:rPr lang="ko-KR" altLang="en-US" b="1" u="sng" dirty="0" err="1"/>
-              <a:t>어노테이션</a:t>
-            </a:r>
-            <a:r>
-              <a:rPr lang="ko-KR" altLang="en-US" dirty="0" err="1"/>
-              <a:t>으로만</a:t>
-            </a:r>
-            <a:r>
-              <a:rPr lang="ko-KR" altLang="en-US" dirty="0"/>
-              <a:t> </a:t>
-            </a:r>
-            <a:r>
-              <a:rPr lang="en-US" altLang="ko-KR" dirty="0" err="1"/>
-              <a:t>redis</a:t>
-            </a:r>
-            <a:r>
-              <a:rPr lang="en-US" altLang="ko-KR" dirty="0"/>
-              <a:t> </a:t>
-            </a:r>
-            <a:r>
-              <a:rPr lang="ko-KR" altLang="en-US" dirty="0"/>
-              <a:t>를 접하셨다면</a:t>
-            </a:r>
-            <a:r>
-              <a:rPr lang="en-US" altLang="ko-KR" dirty="0"/>
-              <a:t>, </a:t>
-            </a:r>
-            <a:r>
-              <a:rPr lang="ko-KR" altLang="en-US" dirty="0"/>
-              <a:t>이런 강력함을 미처 몰라보셨을 수도 있으실 </a:t>
-            </a:r>
-            <a:r>
-              <a:rPr lang="ko-KR" altLang="en-US" dirty="0" err="1"/>
-              <a:t>거에요</a:t>
-            </a:r>
-            <a:r>
-              <a:rPr lang="en-US" altLang="ko-KR" dirty="0"/>
-              <a:t>.</a:t>
-            </a:r>
-          </a:p>
-          <a:p>
-            <a:endParaRPr lang="en-US" altLang="ko-KR" dirty="0"/>
-          </a:p>
-          <a:p>
-            <a:endParaRPr lang="en-US" altLang="ko-KR" dirty="0"/>
-          </a:p>
-          <a:p>
-            <a:r>
-              <a:rPr lang="ko-KR" altLang="en-US" dirty="0"/>
-              <a:t>서버 인스턴스 간에는 메모리를 공유하지 않습니다</a:t>
-            </a:r>
-            <a:r>
-              <a:rPr lang="en-US" altLang="ko-KR" dirty="0"/>
-              <a:t>. </a:t>
-            </a:r>
-            <a:r>
-              <a:rPr lang="ko-KR" altLang="en-US" dirty="0"/>
-              <a:t>그래서 </a:t>
-            </a:r>
-            <a:r>
-              <a:rPr lang="en-US" altLang="ko-KR" dirty="0"/>
-              <a:t>queue </a:t>
-            </a:r>
-            <a:r>
-              <a:rPr lang="ko-KR" altLang="en-US" dirty="0"/>
-              <a:t>나</a:t>
-            </a:r>
-            <a:r>
-              <a:rPr lang="en-US" altLang="ko-KR" dirty="0"/>
-              <a:t>, LinkedList, map, set </a:t>
-            </a:r>
-            <a:r>
-              <a:rPr lang="ko-KR" altLang="en-US" dirty="0"/>
-              <a:t>등의 자료구조를 문제해결에 잘 사용하지 않습니다</a:t>
-            </a:r>
-            <a:r>
-              <a:rPr lang="en-US" altLang="ko-KR" dirty="0"/>
-              <a:t>.</a:t>
-            </a:r>
-          </a:p>
-          <a:p>
-            <a:endParaRPr lang="en-US" altLang="ko-KR" dirty="0"/>
-          </a:p>
-          <a:p>
-            <a:r>
-              <a:rPr lang="ko-KR" altLang="en-US" dirty="0"/>
-              <a:t>물론 메서드 안에서 로컬 변수로는 많이들 사용하셨을 </a:t>
-            </a:r>
-            <a:r>
-              <a:rPr lang="ko-KR" altLang="en-US" dirty="0" err="1"/>
-              <a:t>거에요</a:t>
-            </a:r>
-            <a:r>
-              <a:rPr lang="en-US" altLang="ko-KR" dirty="0"/>
-              <a:t>. </a:t>
-            </a:r>
-            <a:r>
-              <a:rPr lang="ko-KR" altLang="en-US" dirty="0"/>
-              <a:t>지금 말씀드리는 상황은</a:t>
-            </a:r>
-            <a:r>
-              <a:rPr lang="en-US" altLang="ko-KR" dirty="0"/>
-              <a:t>, </a:t>
-            </a:r>
-            <a:r>
-              <a:rPr lang="ko-KR" altLang="en-US" dirty="0"/>
-              <a:t>예를 들면</a:t>
-            </a:r>
-            <a:r>
-              <a:rPr lang="en-US" altLang="ko-KR" dirty="0"/>
-              <a:t>…</a:t>
-            </a:r>
-          </a:p>
-          <a:p>
-            <a:pPr marL="0" marR="0" lvl="0" indent="0" algn="l" defTabSz="685800" rtl="0" eaLnBrk="1" fontAlgn="auto" latinLnBrk="1" hangingPunct="1">
-              <a:lnSpc>
-                <a:spcPct val="100000"/>
-              </a:lnSpc>
-              <a:spcBef>
-                <a:spcPts val="0"/>
-              </a:spcBef>
-              <a:spcAft>
-                <a:spcPts val="0"/>
-              </a:spcAft>
-              <a:buClrTx/>
-              <a:buSzTx/>
-              <a:buFontTx/>
-              <a:buNone/>
-              <a:tabLst/>
-              <a:defRPr/>
-            </a:pPr>
-            <a:endParaRPr lang="en-US" altLang="ko-KR" dirty="0"/>
-          </a:p>
-          <a:p>
-            <a:pPr marL="0" marR="0" lvl="0" indent="0" algn="l" defTabSz="685800" rtl="0" eaLnBrk="1" fontAlgn="auto" latinLnBrk="1" hangingPunct="1">
-              <a:lnSpc>
-                <a:spcPct val="100000"/>
-              </a:lnSpc>
-              <a:spcBef>
-                <a:spcPts val="0"/>
-              </a:spcBef>
-              <a:spcAft>
-                <a:spcPts val="0"/>
-              </a:spcAft>
-              <a:buClrTx/>
-              <a:buSzTx/>
-              <a:buFontTx/>
-              <a:buNone/>
-              <a:tabLst/>
-              <a:defRPr/>
-            </a:pPr>
-            <a:r>
-              <a:rPr lang="ko-KR" altLang="en-US" dirty="0"/>
-              <a:t>만약</a:t>
-            </a:r>
-            <a:r>
-              <a:rPr lang="en-US" altLang="ko-KR" dirty="0"/>
-              <a:t>, </a:t>
-            </a:r>
-            <a:r>
-              <a:rPr lang="ko-KR" altLang="en-US" dirty="0"/>
-              <a:t>서버 간에 공유 가능한 </a:t>
-            </a:r>
-            <a:r>
-              <a:rPr lang="en-US" altLang="ko-KR" dirty="0"/>
-              <a:t>sorted set </a:t>
-            </a:r>
-            <a:r>
-              <a:rPr lang="ko-KR" altLang="en-US" dirty="0"/>
-              <a:t>이 있다면</a:t>
-            </a:r>
-            <a:r>
-              <a:rPr lang="en-US" altLang="ko-KR" dirty="0"/>
-              <a:t>, sorted set</a:t>
-            </a:r>
-            <a:r>
-              <a:rPr lang="ko-KR" altLang="en-US" dirty="0"/>
-              <a:t>은 입력 즉시 정렬되는 자료구조고</a:t>
-            </a:r>
-            <a:r>
-              <a:rPr lang="en-US" altLang="ko-KR" dirty="0"/>
-              <a:t>, </a:t>
-            </a:r>
-            <a:r>
-              <a:rPr lang="ko-KR" altLang="en-US" dirty="0"/>
-              <a:t>여기에 제목과 랭킹점수를 여러 서버에서 입력하면</a:t>
-            </a:r>
-            <a:r>
-              <a:rPr lang="en-US" altLang="ko-KR" dirty="0"/>
-              <a:t>, </a:t>
-            </a:r>
-            <a:r>
-              <a:rPr lang="ko-KR" altLang="en-US" dirty="0"/>
-              <a:t>입력 즉시 </a:t>
-            </a:r>
-            <a:r>
-              <a:rPr lang="en-US" altLang="ko-KR" dirty="0"/>
-              <a:t>! </a:t>
-            </a:r>
-            <a:r>
-              <a:rPr lang="ko-KR" altLang="en-US" dirty="0"/>
-              <a:t>정렬되는 실시간 랭킹시스템을 만들 수도 있을 </a:t>
-            </a:r>
-            <a:r>
-              <a:rPr lang="ko-KR" altLang="en-US" dirty="0" err="1"/>
-              <a:t>거에요</a:t>
-            </a:r>
-            <a:r>
-              <a:rPr lang="en-US" altLang="ko-KR" dirty="0"/>
-              <a:t>.</a:t>
-            </a:r>
-          </a:p>
-          <a:p>
-            <a:pPr marL="0" marR="0" lvl="0" indent="0" algn="l" defTabSz="685800" rtl="0" eaLnBrk="1" fontAlgn="auto" latinLnBrk="1" hangingPunct="1">
-              <a:lnSpc>
-                <a:spcPct val="100000"/>
-              </a:lnSpc>
-              <a:spcBef>
-                <a:spcPts val="0"/>
-              </a:spcBef>
-              <a:spcAft>
-                <a:spcPts val="0"/>
-              </a:spcAft>
-              <a:buClrTx/>
-              <a:buSzTx/>
-              <a:buFontTx/>
-              <a:buNone/>
-              <a:tabLst/>
-              <a:defRPr/>
-            </a:pPr>
-            <a:endParaRPr lang="en-US" altLang="ko-KR" dirty="0"/>
-          </a:p>
-          <a:p>
-            <a:pPr marL="0" marR="0" lvl="0" indent="0" algn="l" defTabSz="685800" rtl="0" eaLnBrk="1" fontAlgn="auto" latinLnBrk="1" hangingPunct="1">
-              <a:lnSpc>
-                <a:spcPct val="100000"/>
-              </a:lnSpc>
-              <a:spcBef>
-                <a:spcPts val="0"/>
-              </a:spcBef>
-              <a:spcAft>
-                <a:spcPts val="0"/>
-              </a:spcAft>
-              <a:buClrTx/>
-              <a:buSzTx/>
-              <a:buFontTx/>
-              <a:buNone/>
-              <a:tabLst/>
-              <a:defRPr/>
-            </a:pPr>
-            <a:endParaRPr lang="en-US" altLang="ko-KR" dirty="0"/>
-          </a:p>
-          <a:p>
-            <a:pPr marL="0" marR="0" lvl="0" indent="0" algn="l" defTabSz="685800" rtl="0" eaLnBrk="1" fontAlgn="auto" latinLnBrk="1" hangingPunct="1">
-              <a:lnSpc>
-                <a:spcPct val="100000"/>
-              </a:lnSpc>
-              <a:spcBef>
-                <a:spcPts val="0"/>
-              </a:spcBef>
-              <a:spcAft>
-                <a:spcPts val="0"/>
-              </a:spcAft>
-              <a:buClrTx/>
-              <a:buSzTx/>
-              <a:buFontTx/>
-              <a:buNone/>
-              <a:tabLst/>
-              <a:defRPr/>
-            </a:pPr>
-            <a:r>
-              <a:rPr lang="en-US" altLang="ko-KR" dirty="0"/>
-              <a:t>Redis </a:t>
-            </a:r>
-            <a:r>
-              <a:rPr lang="ko-KR" altLang="en-US" dirty="0"/>
-              <a:t>는 바로</a:t>
-            </a:r>
-            <a:r>
-              <a:rPr lang="en-US" altLang="ko-KR" dirty="0"/>
-              <a:t>, </a:t>
-            </a:r>
-            <a:r>
-              <a:rPr lang="ko-KR" altLang="en-US" dirty="0"/>
-              <a:t>서버 인스턴스 간에 이런 자료구조를 공유할 수 있게끔 해주는 메모리 역할을 수행합니다</a:t>
-            </a:r>
-            <a:r>
-              <a:rPr lang="en-US" altLang="ko-KR" dirty="0"/>
-              <a:t>.</a:t>
-            </a:r>
-          </a:p>
-          <a:p>
-            <a:pPr marL="0" marR="0" lvl="0" indent="0" algn="l" defTabSz="685800" rtl="0" eaLnBrk="1" fontAlgn="auto" latinLnBrk="1" hangingPunct="1">
-              <a:lnSpc>
-                <a:spcPct val="100000"/>
-              </a:lnSpc>
-              <a:spcBef>
-                <a:spcPts val="0"/>
-              </a:spcBef>
-              <a:spcAft>
-                <a:spcPts val="0"/>
-              </a:spcAft>
-              <a:buClrTx/>
-              <a:buSzTx/>
-              <a:buFontTx/>
-              <a:buNone/>
-              <a:tabLst/>
-              <a:defRPr/>
-            </a:pPr>
-            <a:endParaRPr lang="en-US" altLang="ko-KR" dirty="0"/>
-          </a:p>
-          <a:p>
-            <a:pPr marL="0" marR="0" lvl="0" indent="0" algn="l" defTabSz="685800" rtl="0" eaLnBrk="1" fontAlgn="auto" latinLnBrk="1" hangingPunct="1">
-              <a:lnSpc>
-                <a:spcPct val="100000"/>
-              </a:lnSpc>
-              <a:spcBef>
-                <a:spcPts val="0"/>
-              </a:spcBef>
-              <a:spcAft>
-                <a:spcPts val="0"/>
-              </a:spcAft>
-              <a:buClrTx/>
-              <a:buSzTx/>
-              <a:buFontTx/>
-              <a:buNone/>
-              <a:tabLst/>
-              <a:defRPr/>
-            </a:pPr>
-            <a:r>
-              <a:rPr lang="ko-KR" altLang="en-US" dirty="0"/>
-              <a:t>이번 시간에 저희는</a:t>
-            </a:r>
-            <a:r>
-              <a:rPr lang="en-US" altLang="ko-KR" dirty="0"/>
-              <a:t>,</a:t>
-            </a:r>
-            <a:r>
-              <a:rPr lang="ko-KR" altLang="en-US" dirty="0"/>
-              <a:t> </a:t>
-            </a:r>
-            <a:r>
-              <a:rPr lang="en-US" altLang="ko-KR" dirty="0"/>
-              <a:t>Redis</a:t>
-            </a:r>
-            <a:r>
-              <a:rPr lang="ko-KR" altLang="en-US" dirty="0"/>
-              <a:t>가 제공하는 다양한 </a:t>
-            </a:r>
-            <a:r>
-              <a:rPr lang="en-US" altLang="ko-KR" dirty="0"/>
-              <a:t>operation</a:t>
-            </a:r>
-            <a:r>
-              <a:rPr lang="ko-KR" altLang="en-US" dirty="0"/>
-              <a:t>을 사용해 보고</a:t>
-            </a:r>
-            <a:r>
-              <a:rPr lang="en-US" altLang="ko-KR" dirty="0"/>
-              <a:t>, </a:t>
-            </a:r>
-            <a:r>
-              <a:rPr lang="ko-KR" altLang="en-US" dirty="0"/>
-              <a:t>서버 간에 공유 가능한 메모리 유형도 파악해 보겠습니다</a:t>
-            </a:r>
-            <a:r>
-              <a:rPr lang="en-US" altLang="ko-KR" dirty="0"/>
-              <a:t>.</a:t>
-            </a:r>
           </a:p>
         </p:txBody>
       </p:sp>
@@ -2601,7 +1145,7 @@
     </p:spTree>
     <p:extLst>
       <p:ext uri="{BB962C8B-B14F-4D97-AF65-F5344CB8AC3E}">
-        <p14:creationId xmlns:p14="http://schemas.microsoft.com/office/powerpoint/2010/main" val="1099860314"/>
+        <p14:creationId xmlns:p14="http://schemas.microsoft.com/office/powerpoint/2010/main" val="2032762576"/>
       </p:ext>
     </p:extLst>
   </p:cSld>
@@ -2655,59 +1199,7 @@
           <a:bodyPr/>
           <a:lstStyle/>
           <a:p>
-            <a:r>
-              <a:rPr lang="ko-KR" altLang="en-US" dirty="0"/>
-              <a:t>먼저 </a:t>
-            </a:r>
-            <a:r>
-              <a:rPr lang="en-US" altLang="ko-KR" dirty="0"/>
-              <a:t>Redis </a:t>
-            </a:r>
-            <a:r>
-              <a:rPr lang="ko-KR" altLang="en-US" dirty="0"/>
-              <a:t>서버를 구성하고</a:t>
-            </a:r>
-            <a:r>
-              <a:rPr lang="en-US" altLang="ko-KR" dirty="0"/>
-              <a:t>, </a:t>
-            </a:r>
-            <a:r>
-              <a:rPr lang="en-US" altLang="ko-KR" dirty="0" err="1"/>
-              <a:t>Webflux</a:t>
-            </a:r>
-            <a:r>
-              <a:rPr lang="en-US" altLang="ko-KR" dirty="0"/>
-              <a:t> </a:t>
-            </a:r>
-            <a:r>
-              <a:rPr lang="ko-KR" altLang="en-US" dirty="0"/>
-              <a:t>에서 </a:t>
-            </a:r>
-            <a:r>
-              <a:rPr lang="en-US" altLang="ko-KR" dirty="0"/>
-              <a:t>reactive </a:t>
-            </a:r>
-            <a:r>
-              <a:rPr lang="ko-KR" altLang="en-US" dirty="0"/>
-              <a:t>방식으로 </a:t>
-            </a:r>
-            <a:r>
-              <a:rPr lang="en-US" altLang="ko-KR" dirty="0" err="1"/>
-              <a:t>redis</a:t>
-            </a:r>
-            <a:r>
-              <a:rPr lang="en-US" altLang="ko-KR" dirty="0"/>
-              <a:t> </a:t>
-            </a:r>
-            <a:r>
-              <a:rPr lang="ko-KR" altLang="en-US" dirty="0"/>
-              <a:t>서버를 호출해 보겠습니다</a:t>
-            </a:r>
-            <a:r>
-              <a:rPr lang="en-US" altLang="ko-KR" dirty="0"/>
-              <a:t>.</a:t>
-            </a:r>
-            <a:endParaRPr lang="ko-KR" altLang="en-US" dirty="0"/>
+            <a:endParaRPr lang="en-US" altLang="ko-KR" dirty="0"/>
           </a:p>
         </p:txBody>
       </p:sp>
@@ -2737,7 +1229,7 @@
     </p:spTree>
     <p:extLst>
       <p:ext uri="{BB962C8B-B14F-4D97-AF65-F5344CB8AC3E}">
-        <p14:creationId xmlns:p14="http://schemas.microsoft.com/office/powerpoint/2010/main" val="3266000744"/>
+        <p14:creationId xmlns:p14="http://schemas.microsoft.com/office/powerpoint/2010/main" val="291635600"/>
       </p:ext>
     </p:extLst>
   </p:cSld>
@@ -2791,23 +1283,7 @@
           <a:bodyPr/>
           <a:lstStyle/>
           <a:p>
-            <a:r>
-              <a:rPr lang="ko-KR" altLang="en-US" dirty="0"/>
-              <a:t>지금부터는 </a:t>
-            </a:r>
-            <a:r>
-              <a:rPr lang="en-US" altLang="ko-KR" dirty="0"/>
-              <a:t>Redis </a:t>
-            </a:r>
-            <a:r>
-              <a:rPr lang="ko-KR" altLang="en-US" dirty="0"/>
-              <a:t>가 제공하는 다양한 연산을 알아보겠습니다</a:t>
-            </a:r>
-            <a:r>
-              <a:rPr lang="en-US" altLang="ko-KR" dirty="0"/>
-              <a:t>.</a:t>
-            </a:r>
-            <a:endParaRPr lang="ko-KR" altLang="en-US" dirty="0"/>
+            <a:endParaRPr lang="en-US" altLang="ko-KR" dirty="0"/>
           </a:p>
         </p:txBody>
       </p:sp>
@@ -2837,7 +1313,7 @@
     </p:spTree>
     <p:extLst>
       <p:ext uri="{BB962C8B-B14F-4D97-AF65-F5344CB8AC3E}">
-        <p14:creationId xmlns:p14="http://schemas.microsoft.com/office/powerpoint/2010/main" val="4059958815"/>
+        <p14:creationId xmlns:p14="http://schemas.microsoft.com/office/powerpoint/2010/main" val="2526221007"/>
       </p:ext>
     </p:extLst>
   </p:cSld>
@@ -2891,335 +1367,6 @@
           <a:bodyPr/>
           <a:lstStyle/>
           <a:p>
-            <a:r>
-              <a:rPr lang="ko-KR" altLang="en-US" dirty="0"/>
-              <a:t>매번 </a:t>
-            </a:r>
-            <a:r>
-              <a:rPr lang="en-US" altLang="ko-KR" dirty="0"/>
-              <a:t>DB</a:t>
-            </a:r>
-            <a:r>
-              <a:rPr lang="ko-KR" altLang="en-US" dirty="0"/>
-              <a:t>를 조회하는 것이 아니라</a:t>
-            </a:r>
-            <a:r>
-              <a:rPr lang="en-US" altLang="ko-KR" dirty="0"/>
-              <a:t>, Cache </a:t>
-            </a:r>
-            <a:r>
-              <a:rPr lang="ko-KR" altLang="en-US" dirty="0"/>
-              <a:t>에 저장해 놓고 여기에서 데이터를 넘겨주는 것이</a:t>
-            </a:r>
-            <a:r>
-              <a:rPr lang="en-US" altLang="ko-KR" dirty="0"/>
-              <a:t>, </a:t>
-            </a:r>
-            <a:r>
-              <a:rPr lang="ko-KR" altLang="en-US" dirty="0" err="1"/>
-              <a:t>테크</a:t>
-            </a:r>
-            <a:r>
-              <a:rPr lang="ko-KR" altLang="en-US" dirty="0"/>
-              <a:t> 기업에서 서비스를 빠르게 만드는 주요한 마법입니다</a:t>
-            </a:r>
-            <a:r>
-              <a:rPr lang="en-US" altLang="ko-KR" dirty="0"/>
-              <a:t>.</a:t>
-            </a:r>
-          </a:p>
-          <a:p>
-            <a:endParaRPr lang="en-US" altLang="ko-KR" dirty="0"/>
-          </a:p>
-          <a:p>
-            <a:r>
-              <a:rPr lang="ko-KR" altLang="en-US" dirty="0"/>
-              <a:t>그런데 </a:t>
-            </a:r>
-            <a:r>
-              <a:rPr lang="en-US" altLang="ko-KR" dirty="0" err="1"/>
-              <a:t>Webflux</a:t>
-            </a:r>
-            <a:r>
-              <a:rPr lang="en-US" altLang="ko-KR" dirty="0"/>
-              <a:t> </a:t>
-            </a:r>
-            <a:r>
-              <a:rPr lang="ko-KR" altLang="en-US" dirty="0"/>
-              <a:t>는 아쉽게도 아직</a:t>
-            </a:r>
-            <a:r>
-              <a:rPr lang="en-US" altLang="ko-KR" dirty="0"/>
-              <a:t>, Cache </a:t>
-            </a:r>
-            <a:r>
-              <a:rPr lang="ko-KR" altLang="en-US" dirty="0" err="1"/>
-              <a:t>어노테이션이</a:t>
-            </a:r>
-            <a:r>
-              <a:rPr lang="ko-KR" altLang="en-US" dirty="0"/>
-              <a:t> 동작하지 않습니다</a:t>
-            </a:r>
-            <a:r>
-              <a:rPr lang="en-US" altLang="ko-KR" dirty="0"/>
-              <a:t>.</a:t>
-            </a:r>
-          </a:p>
-          <a:p>
-            <a:endParaRPr lang="en-US" altLang="ko-KR" dirty="0"/>
-          </a:p>
-          <a:p>
-            <a:r>
-              <a:rPr lang="en-US" altLang="ko-KR" dirty="0"/>
-              <a:t>reactor </a:t>
-            </a:r>
-            <a:r>
-              <a:rPr lang="ko-KR" altLang="en-US" dirty="0"/>
-              <a:t>함수인 경우에는</a:t>
-            </a:r>
-            <a:endParaRPr lang="en-US" altLang="ko-KR" dirty="0"/>
-          </a:p>
-          <a:p>
-            <a:endParaRPr lang="en-US" altLang="ko-KR" dirty="0"/>
-          </a:p>
-          <a:p>
-            <a:r>
-              <a:rPr lang="ko-KR" altLang="en-US" dirty="0"/>
-              <a:t>반환결과가 값이 아니라 </a:t>
-            </a:r>
-            <a:r>
-              <a:rPr lang="en-US" altLang="ko-KR" dirty="0"/>
-              <a:t>Mono </a:t>
-            </a:r>
-            <a:r>
-              <a:rPr lang="ko-KR" altLang="en-US" dirty="0"/>
-              <a:t>나 </a:t>
-            </a:r>
-            <a:r>
-              <a:rPr lang="en-US" altLang="ko-KR" dirty="0"/>
-              <a:t>Flux </a:t>
-            </a:r>
-            <a:r>
-              <a:rPr lang="ko-KR" altLang="en-US" dirty="0"/>
-              <a:t>등의 </a:t>
-            </a:r>
-            <a:r>
-              <a:rPr lang="en-US" altLang="ko-KR" dirty="0"/>
-              <a:t>publisher </a:t>
-            </a:r>
-            <a:r>
-              <a:rPr lang="ko-KR" altLang="en-US" dirty="0"/>
-              <a:t>입니다</a:t>
-            </a:r>
-            <a:r>
-              <a:rPr lang="en-US" altLang="ko-KR" dirty="0"/>
-              <a:t>. </a:t>
-            </a:r>
-            <a:r>
-              <a:rPr lang="ko-KR" altLang="en-US" dirty="0"/>
-              <a:t>그래서</a:t>
-            </a:r>
-            <a:r>
-              <a:rPr lang="en-US" altLang="ko-KR" dirty="0"/>
-              <a:t>, cache </a:t>
-            </a:r>
-            <a:r>
-              <a:rPr lang="ko-KR" altLang="en-US" dirty="0" err="1"/>
-              <a:t>어노테이션을</a:t>
-            </a:r>
-            <a:r>
-              <a:rPr lang="ko-KR" altLang="en-US" dirty="0"/>
-              <a:t> 사용하면</a:t>
-            </a:r>
-            <a:r>
-              <a:rPr lang="en-US" altLang="ko-KR" dirty="0"/>
-              <a:t>, </a:t>
-            </a:r>
-            <a:r>
-              <a:rPr lang="ko-KR" altLang="en-US" dirty="0"/>
-              <a:t>값이 아닌 </a:t>
-            </a:r>
-            <a:r>
-              <a:rPr lang="en-US" altLang="ko-KR" dirty="0"/>
-              <a:t>Publisher </a:t>
-            </a:r>
-            <a:r>
-              <a:rPr lang="ko-KR" altLang="en-US" dirty="0"/>
-              <a:t>를 캐시하기 때문에 정상 작동하지 않습니다</a:t>
-            </a:r>
-            <a:r>
-              <a:rPr lang="en-US" altLang="ko-KR" dirty="0"/>
-              <a:t>.</a:t>
-            </a:r>
-          </a:p>
-          <a:p>
-            <a:endParaRPr lang="en-US" altLang="ko-KR" dirty="0"/>
-          </a:p>
-          <a:p>
-            <a:r>
-              <a:rPr lang="en-US" altLang="ko-KR" dirty="0"/>
-              <a:t>coroutine</a:t>
-            </a:r>
-            <a:r>
-              <a:rPr lang="ko-KR" altLang="en-US" dirty="0"/>
-              <a:t> 함수인 경우에는</a:t>
-            </a:r>
-            <a:endParaRPr lang="en-US" altLang="ko-KR" dirty="0"/>
-          </a:p>
-          <a:p>
-            <a:endParaRPr lang="en-US" altLang="ko-KR" dirty="0"/>
-          </a:p>
-          <a:p>
-            <a:r>
-              <a:rPr lang="ko-KR" altLang="en-US" dirty="0"/>
-              <a:t>컴파일 변형으로 생성되는 </a:t>
-            </a:r>
-            <a:r>
-              <a:rPr lang="en-US" altLang="ko-KR" dirty="0"/>
-              <a:t>continuation </a:t>
-            </a:r>
-            <a:r>
-              <a:rPr lang="ko-KR" altLang="en-US" dirty="0"/>
-              <a:t>파라미터와 </a:t>
-            </a:r>
-            <a:r>
-              <a:rPr lang="en-US" altLang="ko-KR" dirty="0"/>
-              <a:t>special return </a:t>
-            </a:r>
-            <a:r>
-              <a:rPr lang="ko-KR" altLang="en-US" dirty="0"/>
-              <a:t>이</a:t>
-            </a:r>
-            <a:r>
-              <a:rPr lang="en-US" altLang="ko-KR" dirty="0"/>
-              <a:t>,</a:t>
-            </a:r>
-            <a:r>
-              <a:rPr lang="ko-KR" altLang="en-US" dirty="0"/>
-              <a:t> </a:t>
-            </a:r>
-            <a:r>
-              <a:rPr lang="en-US" altLang="ko-KR" dirty="0"/>
-              <a:t>cache </a:t>
-            </a:r>
-            <a:r>
-              <a:rPr lang="ko-KR" altLang="en-US" dirty="0" err="1"/>
-              <a:t>어노테이션</a:t>
-            </a:r>
-            <a:r>
-              <a:rPr lang="ko-KR" altLang="en-US" dirty="0"/>
-              <a:t> 처리방식과 맞지 않아서</a:t>
-            </a:r>
-            <a:r>
-              <a:rPr lang="en-US" altLang="ko-KR" dirty="0"/>
-              <a:t>, </a:t>
-            </a:r>
-            <a:r>
-              <a:rPr lang="ko-KR" altLang="en-US" dirty="0"/>
-              <a:t>마찬가지로 정상 작동하지 않습니다</a:t>
-            </a:r>
-            <a:r>
-              <a:rPr lang="en-US" altLang="ko-KR" dirty="0"/>
-              <a:t>.</a:t>
-            </a:r>
-          </a:p>
-          <a:p>
-            <a:pPr marL="0" marR="0" lvl="0" indent="0" algn="l" defTabSz="685800" rtl="0" eaLnBrk="1" fontAlgn="auto" latinLnBrk="1" hangingPunct="1">
-              <a:lnSpc>
-                <a:spcPct val="100000"/>
-              </a:lnSpc>
-              <a:spcBef>
-                <a:spcPts val="0"/>
-              </a:spcBef>
-              <a:spcAft>
-                <a:spcPts val="0"/>
-              </a:spcAft>
-              <a:buClrTx/>
-              <a:buSzTx/>
-              <a:buFontTx/>
-              <a:buNone/>
-              <a:tabLst/>
-              <a:defRPr/>
-            </a:pPr>
-            <a:endParaRPr lang="en-US" altLang="ko-KR" dirty="0"/>
-          </a:p>
-          <a:p>
-            <a:pPr marL="0" marR="0" lvl="0" indent="0" algn="l" defTabSz="685800" rtl="0" eaLnBrk="1" fontAlgn="auto" latinLnBrk="1" hangingPunct="1">
-              <a:lnSpc>
-                <a:spcPct val="100000"/>
-              </a:lnSpc>
-              <a:spcBef>
-                <a:spcPts val="0"/>
-              </a:spcBef>
-              <a:spcAft>
-                <a:spcPts val="0"/>
-              </a:spcAft>
-              <a:buClrTx/>
-              <a:buSzTx/>
-              <a:buFontTx/>
-              <a:buNone/>
-              <a:tabLst/>
-              <a:defRPr/>
-            </a:pPr>
-            <a:r>
-              <a:rPr lang="ko-KR" altLang="en-US" dirty="0"/>
-              <a:t>그래서 </a:t>
-            </a:r>
-            <a:r>
-              <a:rPr lang="en-US" altLang="ko-KR" dirty="0"/>
-              <a:t>Cache </a:t>
-            </a:r>
-            <a:r>
-              <a:rPr lang="ko-KR" altLang="en-US" dirty="0"/>
-              <a:t>기능은</a:t>
-            </a:r>
-            <a:r>
-              <a:rPr lang="en-US" altLang="ko-KR" dirty="0"/>
-              <a:t>, </a:t>
-            </a:r>
-            <a:r>
-              <a:rPr lang="ko-KR" altLang="en-US" dirty="0"/>
-              <a:t>아직은 </a:t>
-            </a:r>
-            <a:r>
-              <a:rPr lang="en-US" altLang="ko-KR" dirty="0"/>
-              <a:t>Redis </a:t>
-            </a:r>
-            <a:r>
-              <a:rPr lang="ko-KR" altLang="en-US" dirty="0"/>
-              <a:t>를 이용해 </a:t>
-            </a:r>
-            <a:r>
-              <a:rPr lang="ko-KR" altLang="en-US"/>
-              <a:t>직접 처리하는 해야 </a:t>
-            </a:r>
-            <a:r>
-              <a:rPr lang="ko-KR" altLang="en-US" dirty="0"/>
-              <a:t>합니다</a:t>
-            </a:r>
-            <a:r>
-              <a:rPr lang="en-US" altLang="ko-KR" dirty="0"/>
-              <a:t>.</a:t>
-            </a:r>
-          </a:p>
-          <a:p>
-            <a:pPr marL="0" marR="0" lvl="0" indent="0" algn="l" defTabSz="685800" rtl="0" eaLnBrk="1" fontAlgn="auto" latinLnBrk="1" hangingPunct="1">
-              <a:lnSpc>
-                <a:spcPct val="100000"/>
-              </a:lnSpc>
-              <a:spcBef>
-                <a:spcPts val="0"/>
-              </a:spcBef>
-              <a:spcAft>
-                <a:spcPts val="0"/>
-              </a:spcAft>
-              <a:buClrTx/>
-              <a:buSzTx/>
-              <a:buFontTx/>
-              <a:buNone/>
-              <a:tabLst/>
-              <a:defRPr/>
-            </a:pPr>
             <a:endParaRPr lang="en-US" altLang="ko-KR" dirty="0"/>
           </a:p>
         </p:txBody>
@@ -3250,146 +1397,7 @@
     </p:spTree>
     <p:extLst>
       <p:ext uri="{BB962C8B-B14F-4D97-AF65-F5344CB8AC3E}">
-        <p14:creationId xmlns:p14="http://schemas.microsoft.com/office/powerpoint/2010/main" val="1627911884"/>
-      </p:ext>
-    </p:extLst>
-  </p:cSld>
-  <p:clrMapOvr>
-    <a:masterClrMapping/>
-  </p:clrMapOvr>
-</p:notes>
-</file>
-
-<file path=ppt/notesSlides/notesSlide19.xml><?xml version="1.0" encoding="utf-8"?>
-<p:notes xmlns:a="http://schemas.openxmlformats.org/drawingml/2006/main" xmlns:r="http://schemas.openxmlformats.org/officeDocument/2006/relationships" xmlns:p="http://schemas.openxmlformats.org/presentationml/2006/main">
-  <p:cSld>
-    <p:spTree>
-      <p:nvGrpSpPr>
-        <p:cNvPr id="1" name=""/>
-        <p:cNvGrpSpPr/>
-        <p:nvPr/>
-      </p:nvGrpSpPr>
-      <p:grpSpPr>
-        <a:xfrm>
-          <a:off x="0" y="0"/>
-          <a:ext cx="0" cy="0"/>
-          <a:chOff x="0" y="0"/>
-          <a:chExt cx="0" cy="0"/>
-        </a:xfrm>
-      </p:grpSpPr>
-      <p:sp>
-        <p:nvSpPr>
-          <p:cNvPr id="2" name="슬라이드 이미지 개체 틀 1"/>
-          <p:cNvSpPr>
-            <a:spLocks noGrp="1" noRot="1" noChangeAspect="1"/>
-          </p:cNvSpPr>
-          <p:nvPr>
-            <p:ph type="sldImg"/>
-          </p:nvPr>
-        </p:nvSpPr>
-        <p:spPr/>
-      </p:sp>
-      <p:sp>
-        <p:nvSpPr>
-          <p:cNvPr id="3" name="슬라이드 노트 개체 틀 2"/>
-          <p:cNvSpPr>
-            <a:spLocks noGrp="1"/>
-          </p:cNvSpPr>
-          <p:nvPr>
-            <p:ph type="body" idx="1"/>
-          </p:nvPr>
-        </p:nvSpPr>
-        <p:spPr/>
-        <p:txBody>
-          <a:bodyPr/>
-          <a:lstStyle/>
-          <a:p>
-            <a:pPr marL="0" marR="0" lvl="0" indent="0" algn="l" defTabSz="685800" rtl="0" eaLnBrk="1" fontAlgn="auto" latinLnBrk="1" hangingPunct="1">
-              <a:lnSpc>
-                <a:spcPct val="100000"/>
-              </a:lnSpc>
-              <a:spcBef>
-                <a:spcPts val="0"/>
-              </a:spcBef>
-              <a:spcAft>
-                <a:spcPts val="0"/>
-              </a:spcAft>
-              <a:buClrTx/>
-              <a:buSzTx/>
-              <a:buFontTx/>
-              <a:buNone/>
-              <a:tabLst/>
-              <a:defRPr/>
-            </a:pPr>
-            <a:r>
-              <a:rPr lang="ko-KR" altLang="en-US" dirty="0"/>
-              <a:t>앞서 학습한 </a:t>
-            </a:r>
-            <a:r>
-              <a:rPr lang="en-US" altLang="ko-KR" dirty="0" err="1"/>
-              <a:t>opsForValue</a:t>
-            </a:r>
-            <a:r>
-              <a:rPr lang="en-US" altLang="ko-KR" dirty="0"/>
-              <a:t> </a:t>
-            </a:r>
-            <a:r>
-              <a:rPr lang="ko-KR" altLang="en-US" dirty="0"/>
-              <a:t>를 이용해</a:t>
-            </a:r>
-            <a:r>
-              <a:rPr lang="en-US" altLang="ko-KR" dirty="0"/>
-              <a:t>, cache </a:t>
-            </a:r>
-            <a:r>
-              <a:rPr lang="ko-KR" altLang="en-US" dirty="0"/>
-              <a:t>기능을 </a:t>
-            </a:r>
-            <a:r>
-              <a:rPr lang="en-US" altLang="ko-KR" dirty="0"/>
-              <a:t>native </a:t>
-            </a:r>
-            <a:r>
-              <a:rPr lang="ko-KR" altLang="en-US" dirty="0"/>
-              <a:t>하게 구현해 보도록 하겠습니다</a:t>
-            </a:r>
-            <a:r>
-              <a:rPr lang="en-US" altLang="ko-KR" dirty="0"/>
-              <a:t>.</a:t>
-            </a:r>
-          </a:p>
-          <a:p>
-            <a:endParaRPr lang="ko-KR" altLang="en-US" dirty="0"/>
-          </a:p>
-        </p:txBody>
-      </p:sp>
-      <p:sp>
-        <p:nvSpPr>
-          <p:cNvPr id="4" name="슬라이드 번호 개체 틀 3"/>
-          <p:cNvSpPr>
-            <a:spLocks noGrp="1"/>
-          </p:cNvSpPr>
-          <p:nvPr>
-            <p:ph type="sldNum" sz="quarter" idx="5"/>
-          </p:nvPr>
-        </p:nvSpPr>
-        <p:spPr/>
-        <p:txBody>
-          <a:bodyPr/>
-          <a:lstStyle/>
-          <a:p>
-            <a:fld id="{4F243B46-72FF-4656-838A-691B9EB329E3}" type="slidenum">
-              <a:rPr lang="ko-KR" altLang="en-US" smtClean="0"/>
-              <a:t>19</a:t>
-            </a:fld>
-            <a:endParaRPr lang="ko-KR" altLang="en-US"/>
-          </a:p>
-        </p:txBody>
-      </p:sp>
-    </p:spTree>
-    <p:extLst>
-      <p:ext uri="{BB962C8B-B14F-4D97-AF65-F5344CB8AC3E}">
-        <p14:creationId xmlns:p14="http://schemas.microsoft.com/office/powerpoint/2010/main" val="2052472413"/>
+        <p14:creationId xmlns:p14="http://schemas.microsoft.com/office/powerpoint/2010/main" val="941068952"/>
       </p:ext>
     </p:extLst>
   </p:cSld>
@@ -3443,43 +1451,7 @@
           <a:bodyPr/>
           <a:lstStyle/>
           <a:p>
-            <a:r>
-              <a:rPr lang="en-US" altLang="ko-KR" dirty="0"/>
-              <a:t>UUID </a:t>
-            </a:r>
-            <a:r>
-              <a:rPr lang="ko-KR" altLang="en-US" dirty="0"/>
-              <a:t>기반으로 </a:t>
-            </a:r>
-            <a:r>
-              <a:rPr lang="en-US" altLang="ko-KR" dirty="0" err="1"/>
-              <a:t>txid</a:t>
-            </a:r>
-            <a:r>
-              <a:rPr lang="en-US" altLang="ko-KR" dirty="0"/>
-              <a:t> </a:t>
-            </a:r>
-            <a:r>
-              <a:rPr lang="ko-KR" altLang="en-US" dirty="0"/>
-              <a:t>를 </a:t>
-            </a:r>
-            <a:r>
-              <a:rPr lang="ko-KR" altLang="en-US" dirty="0" err="1"/>
-              <a:t>채번해서</a:t>
-            </a:r>
-            <a:r>
-              <a:rPr lang="en-US" altLang="ko-KR" dirty="0"/>
-              <a:t>, </a:t>
-            </a:r>
-            <a:r>
-              <a:rPr lang="ko-KR" altLang="en-US" dirty="0"/>
-              <a:t>로그마다 출력해보는 실습을 진행해 보도록 하겠습니다</a:t>
-            </a:r>
-            <a:r>
-              <a:rPr lang="en-US" altLang="ko-KR" dirty="0"/>
-              <a:t>.</a:t>
-            </a:r>
-            <a:endParaRPr lang="ko-KR" altLang="en-US" dirty="0"/>
+            <a:endParaRPr lang="en-US" altLang="ko-KR" dirty="0"/>
           </a:p>
         </p:txBody>
       </p:sp>
@@ -3509,1202 +1481,7 @@
     </p:spTree>
     <p:extLst>
       <p:ext uri="{BB962C8B-B14F-4D97-AF65-F5344CB8AC3E}">
-        <p14:creationId xmlns:p14="http://schemas.microsoft.com/office/powerpoint/2010/main" val="1083338260"/>
-      </p:ext>
-    </p:extLst>
-  </p:cSld>
-  <p:clrMapOvr>
-    <a:masterClrMapping/>
-  </p:clrMapOvr>
-</p:notes>
-</file>
-
-<file path=ppt/notesSlides/notesSlide20.xml><?xml version="1.0" encoding="utf-8"?>
-<p:notes xmlns:a="http://schemas.openxmlformats.org/drawingml/2006/main" xmlns:r="http://schemas.openxmlformats.org/officeDocument/2006/relationships" xmlns:p="http://schemas.openxmlformats.org/presentationml/2006/main">
-  <p:cSld>
-    <p:spTree>
-      <p:nvGrpSpPr>
-        <p:cNvPr id="1" name=""/>
-        <p:cNvGrpSpPr/>
-        <p:nvPr/>
-      </p:nvGrpSpPr>
-      <p:grpSpPr>
-        <a:xfrm>
-          <a:off x="0" y="0"/>
-          <a:ext cx="0" cy="0"/>
-          <a:chOff x="0" y="0"/>
-          <a:chExt cx="0" cy="0"/>
-        </a:xfrm>
-      </p:grpSpPr>
-      <p:sp>
-        <p:nvSpPr>
-          <p:cNvPr id="2" name="슬라이드 이미지 개체 틀 1"/>
-          <p:cNvSpPr>
-            <a:spLocks noGrp="1" noRot="1" noChangeAspect="1"/>
-          </p:cNvSpPr>
-          <p:nvPr>
-            <p:ph type="sldImg"/>
-          </p:nvPr>
-        </p:nvSpPr>
-        <p:spPr/>
-      </p:sp>
-      <p:sp>
-        <p:nvSpPr>
-          <p:cNvPr id="3" name="슬라이드 노트 개체 틀 2"/>
-          <p:cNvSpPr>
-            <a:spLocks noGrp="1"/>
-          </p:cNvSpPr>
-          <p:nvPr>
-            <p:ph type="body" idx="1"/>
-          </p:nvPr>
-        </p:nvSpPr>
-        <p:spPr/>
-        <p:txBody>
-          <a:bodyPr/>
-          <a:lstStyle/>
-          <a:p>
-            <a:r>
-              <a:rPr lang="ko-KR" altLang="en-US" dirty="0"/>
-              <a:t>심화개발 마지막인 </a:t>
-            </a:r>
-            <a:r>
-              <a:rPr lang="en-US" altLang="ko-KR" dirty="0"/>
-              <a:t>Lock, </a:t>
-            </a:r>
-            <a:r>
-              <a:rPr lang="ko-KR" altLang="en-US" dirty="0"/>
-              <a:t>데이터 잠금에 대해 알아보겠습니다</a:t>
-            </a:r>
-            <a:r>
-              <a:rPr lang="en-US" altLang="ko-KR" dirty="0"/>
-              <a:t>.</a:t>
-            </a:r>
-            <a:endParaRPr lang="ko-KR" altLang="en-US" dirty="0"/>
-          </a:p>
-        </p:txBody>
-      </p:sp>
-      <p:sp>
-        <p:nvSpPr>
-          <p:cNvPr id="4" name="슬라이드 번호 개체 틀 3"/>
-          <p:cNvSpPr>
-            <a:spLocks noGrp="1"/>
-          </p:cNvSpPr>
-          <p:nvPr>
-            <p:ph type="sldNum" sz="quarter" idx="5"/>
-          </p:nvPr>
-        </p:nvSpPr>
-        <p:spPr/>
-        <p:txBody>
-          <a:bodyPr/>
-          <a:lstStyle/>
-          <a:p>
-            <a:fld id="{4F243B46-72FF-4656-838A-691B9EB329E3}" type="slidenum">
-              <a:rPr lang="ko-KR" altLang="en-US" smtClean="0"/>
-              <a:t>20</a:t>
-            </a:fld>
-            <a:endParaRPr lang="ko-KR" altLang="en-US"/>
-          </a:p>
-        </p:txBody>
-      </p:sp>
-    </p:spTree>
-    <p:extLst>
-      <p:ext uri="{BB962C8B-B14F-4D97-AF65-F5344CB8AC3E}">
-        <p14:creationId xmlns:p14="http://schemas.microsoft.com/office/powerpoint/2010/main" val="374484148"/>
-      </p:ext>
-    </p:extLst>
-  </p:cSld>
-  <p:clrMapOvr>
-    <a:masterClrMapping/>
-  </p:clrMapOvr>
-</p:notes>
-</file>
-
-<file path=ppt/notesSlides/notesSlide21.xml><?xml version="1.0" encoding="utf-8"?>
-<p:notes xmlns:a="http://schemas.openxmlformats.org/drawingml/2006/main" xmlns:r="http://schemas.openxmlformats.org/officeDocument/2006/relationships" xmlns:p="http://schemas.openxmlformats.org/presentationml/2006/main">
-  <p:cSld>
-    <p:spTree>
-      <p:nvGrpSpPr>
-        <p:cNvPr id="1" name=""/>
-        <p:cNvGrpSpPr/>
-        <p:nvPr/>
-      </p:nvGrpSpPr>
-      <p:grpSpPr>
-        <a:xfrm>
-          <a:off x="0" y="0"/>
-          <a:ext cx="0" cy="0"/>
-          <a:chOff x="0" y="0"/>
-          <a:chExt cx="0" cy="0"/>
-        </a:xfrm>
-      </p:grpSpPr>
-      <p:sp>
-        <p:nvSpPr>
-          <p:cNvPr id="2" name="슬라이드 이미지 개체 틀 1"/>
-          <p:cNvSpPr>
-            <a:spLocks noGrp="1" noRot="1" noChangeAspect="1"/>
-          </p:cNvSpPr>
-          <p:nvPr>
-            <p:ph type="sldImg"/>
-          </p:nvPr>
-        </p:nvSpPr>
-        <p:spPr/>
-      </p:sp>
-      <p:sp>
-        <p:nvSpPr>
-          <p:cNvPr id="3" name="슬라이드 노트 개체 틀 2"/>
-          <p:cNvSpPr>
-            <a:spLocks noGrp="1"/>
-          </p:cNvSpPr>
-          <p:nvPr>
-            <p:ph type="body" idx="1"/>
-          </p:nvPr>
-        </p:nvSpPr>
-        <p:spPr/>
-        <p:txBody>
-          <a:bodyPr/>
-          <a:lstStyle/>
-          <a:p>
-            <a:r>
-              <a:rPr lang="ko-KR" altLang="en-US" dirty="0" err="1"/>
-              <a:t>트렌젝션을</a:t>
-            </a:r>
-            <a:r>
-              <a:rPr lang="ko-KR" altLang="en-US" dirty="0"/>
-              <a:t> 걸고</a:t>
-            </a:r>
-            <a:r>
-              <a:rPr lang="en-US" altLang="ko-KR" dirty="0"/>
-              <a:t>, DB</a:t>
-            </a:r>
-            <a:r>
-              <a:rPr lang="ko-KR" altLang="en-US" dirty="0"/>
-              <a:t>를 수정한 다음</a:t>
-            </a:r>
-            <a:r>
-              <a:rPr lang="en-US" altLang="ko-KR" dirty="0"/>
-              <a:t>, </a:t>
-            </a:r>
-            <a:r>
-              <a:rPr lang="ko-KR" altLang="en-US" dirty="0"/>
-              <a:t>오류가 발생하면 롤백</a:t>
-            </a:r>
-            <a:r>
-              <a:rPr lang="en-US" altLang="ko-KR" dirty="0"/>
-              <a:t>, </a:t>
-            </a:r>
-            <a:r>
-              <a:rPr lang="ko-KR" altLang="en-US" dirty="0"/>
-              <a:t>성공이면 </a:t>
-            </a:r>
-            <a:r>
-              <a:rPr lang="ko-KR" altLang="en-US" dirty="0" err="1"/>
-              <a:t>커밋으로</a:t>
-            </a:r>
-            <a:r>
-              <a:rPr lang="ko-KR" altLang="en-US" dirty="0"/>
-              <a:t> 최종 결과를 반영합니다</a:t>
-            </a:r>
-            <a:r>
-              <a:rPr lang="en-US" altLang="ko-KR" dirty="0"/>
-              <a:t>.</a:t>
-            </a:r>
-          </a:p>
-          <a:p>
-            <a:endParaRPr lang="en-US" altLang="ko-KR" dirty="0"/>
-          </a:p>
-          <a:p>
-            <a:r>
-              <a:rPr lang="ko-KR" altLang="en-US" dirty="0"/>
-              <a:t>이렇게 처리하면</a:t>
-            </a:r>
-            <a:r>
-              <a:rPr lang="en-US" altLang="ko-KR" dirty="0"/>
-              <a:t>, </a:t>
-            </a:r>
-            <a:r>
-              <a:rPr lang="ko-KR" altLang="en-US" dirty="0"/>
-              <a:t>서버가 죽는 극한의 상황에서도</a:t>
-            </a:r>
-            <a:r>
-              <a:rPr lang="en-US" altLang="ko-KR" dirty="0"/>
-              <a:t>, </a:t>
-            </a:r>
-            <a:r>
-              <a:rPr lang="ko-KR" altLang="en-US" dirty="0"/>
-              <a:t>데이터 정합성이 잘 보장됩니다</a:t>
-            </a:r>
-            <a:r>
-              <a:rPr lang="en-US" altLang="ko-KR" dirty="0"/>
-              <a:t>.</a:t>
-            </a:r>
-          </a:p>
-          <a:p>
-            <a:endParaRPr lang="en-US" altLang="ko-KR" dirty="0"/>
-          </a:p>
-          <a:p>
-            <a:r>
-              <a:rPr lang="ko-KR" altLang="en-US" dirty="0"/>
-              <a:t>하지만 논리의 정합성까지 보장해 줄 수 있을까요 </a:t>
-            </a:r>
-            <a:r>
-              <a:rPr lang="en-US" altLang="ko-KR" dirty="0"/>
-              <a:t>?</a:t>
-            </a:r>
-          </a:p>
-          <a:p>
-            <a:endParaRPr lang="en-US" altLang="ko-KR" dirty="0"/>
-          </a:p>
-          <a:p>
-            <a:r>
-              <a:rPr lang="ko-KR" altLang="en-US" dirty="0"/>
-              <a:t>여러 사용자가 동시에 계좌에 접근해서 잔액을 수정하는 작업을 가정해 보겠습니다</a:t>
-            </a:r>
-            <a:r>
-              <a:rPr lang="en-US" altLang="ko-KR" dirty="0"/>
-              <a:t>.</a:t>
-            </a:r>
-          </a:p>
-          <a:p>
-            <a:endParaRPr lang="en-US" altLang="ko-KR" dirty="0"/>
-          </a:p>
-          <a:p>
-            <a:r>
-              <a:rPr lang="en-US" altLang="ko-KR" dirty="0"/>
-              <a:t>&lt;&lt;</a:t>
-            </a:r>
-            <a:r>
-              <a:rPr lang="ko-KR" altLang="en-US" dirty="0"/>
-              <a:t>설명</a:t>
-            </a:r>
-            <a:r>
-              <a:rPr lang="en-US" altLang="ko-KR" dirty="0"/>
-              <a:t>&gt;&gt;</a:t>
-            </a:r>
-          </a:p>
-          <a:p>
-            <a:endParaRPr lang="en-US" altLang="ko-KR" dirty="0"/>
-          </a:p>
-          <a:p>
-            <a:r>
-              <a:rPr lang="ko-KR" altLang="en-US" dirty="0"/>
-              <a:t>스타트 </a:t>
-            </a:r>
-            <a:r>
-              <a:rPr lang="ko-KR" altLang="en-US" dirty="0" err="1"/>
-              <a:t>트렌젝션은</a:t>
-            </a:r>
-            <a:r>
-              <a:rPr lang="en-US" altLang="ko-KR" dirty="0"/>
-              <a:t>,</a:t>
-            </a:r>
-            <a:r>
-              <a:rPr lang="ko-KR" altLang="en-US" dirty="0"/>
-              <a:t> 나중에 </a:t>
-            </a:r>
-            <a:r>
-              <a:rPr lang="en-US" altLang="ko-KR" dirty="0"/>
-              <a:t>commit </a:t>
-            </a:r>
-            <a:r>
-              <a:rPr lang="ko-KR" altLang="en-US" dirty="0"/>
-              <a:t>이나 </a:t>
-            </a:r>
-            <a:r>
-              <a:rPr lang="en-US" altLang="ko-KR" dirty="0"/>
-              <a:t>rollback </a:t>
-            </a:r>
-            <a:r>
-              <a:rPr lang="ko-KR" altLang="en-US" dirty="0"/>
-              <a:t>을 하기 위해</a:t>
-            </a:r>
-            <a:r>
-              <a:rPr lang="en-US" altLang="ko-KR" dirty="0"/>
-              <a:t>,</a:t>
-            </a:r>
-            <a:r>
-              <a:rPr lang="ko-KR" altLang="en-US" dirty="0"/>
-              <a:t> </a:t>
-            </a:r>
-            <a:r>
-              <a:rPr lang="en-US" altLang="ko-KR" dirty="0"/>
-              <a:t>DB </a:t>
-            </a:r>
-            <a:r>
-              <a:rPr lang="ko-KR" altLang="en-US" dirty="0"/>
-              <a:t>커넥션을 커넥션 풀에 반환하지 않고 </a:t>
-            </a:r>
-            <a:r>
-              <a:rPr lang="ko-KR" altLang="en-US" dirty="0" err="1"/>
-              <a:t>트렌젝션</a:t>
-            </a:r>
-            <a:r>
-              <a:rPr lang="ko-KR" altLang="en-US" dirty="0"/>
-              <a:t> 종료할 때 까지 들고 있겠다는 말입니다</a:t>
-            </a:r>
-            <a:r>
-              <a:rPr lang="en-US" altLang="ko-KR" dirty="0"/>
-              <a:t>.</a:t>
-            </a:r>
-          </a:p>
-          <a:p>
-            <a:endParaRPr lang="en-US" altLang="ko-KR" dirty="0"/>
-          </a:p>
-          <a:p>
-            <a:r>
-              <a:rPr lang="ko-KR" altLang="en-US" dirty="0"/>
-              <a:t>어플리케이션 레벨에서 일어나는 작업일 뿐이고요</a:t>
-            </a:r>
-            <a:r>
-              <a:rPr lang="en-US" altLang="ko-KR" dirty="0"/>
-              <a:t>.</a:t>
-            </a:r>
-          </a:p>
-          <a:p>
-            <a:endParaRPr lang="en-US" altLang="ko-KR" dirty="0"/>
-          </a:p>
-          <a:p>
-            <a:r>
-              <a:rPr lang="ko-KR" altLang="en-US" dirty="0"/>
-              <a:t>그래서</a:t>
-            </a:r>
-            <a:r>
-              <a:rPr lang="en-US" altLang="ko-KR" dirty="0"/>
-              <a:t>, </a:t>
-            </a:r>
-            <a:r>
-              <a:rPr lang="ko-KR" altLang="en-US" dirty="0" err="1"/>
-              <a:t>트렌젝션을</a:t>
-            </a:r>
-            <a:r>
-              <a:rPr lang="ko-KR" altLang="en-US" dirty="0"/>
-              <a:t> 시작한다고 해서 데이터가 고정되는 것은 아닙니다</a:t>
-            </a:r>
-            <a:r>
-              <a:rPr lang="en-US" altLang="ko-KR" dirty="0"/>
-              <a:t>.</a:t>
-            </a:r>
-          </a:p>
-          <a:p>
-            <a:r>
-              <a:rPr lang="ko-KR" altLang="en-US" dirty="0"/>
-              <a:t>도 </a:t>
-            </a:r>
-            <a:endParaRPr lang="en-US" altLang="ko-KR" dirty="0"/>
-          </a:p>
-          <a:p>
-            <a:endParaRPr lang="en-US" altLang="ko-KR" dirty="0"/>
-          </a:p>
-          <a:p>
-            <a:r>
-              <a:rPr lang="ko-KR" altLang="en-US" dirty="0"/>
-              <a:t>읽어온 데이터에서 잔액을 </a:t>
-            </a:r>
-            <a:r>
-              <a:rPr lang="ko-KR" altLang="en-US" dirty="0" err="1"/>
-              <a:t>빼주고</a:t>
-            </a:r>
-            <a:r>
-              <a:rPr lang="ko-KR" altLang="en-US" dirty="0"/>
-              <a:t> 이를 저장하는 대신</a:t>
-            </a:r>
-            <a:r>
-              <a:rPr lang="en-US" altLang="ko-KR" dirty="0"/>
-              <a:t>, </a:t>
-            </a:r>
-            <a:r>
-              <a:rPr lang="ko-KR" altLang="en-US" dirty="0"/>
-              <a:t>쿼리 문장으로 해결하는 방법도 있습니다</a:t>
-            </a:r>
-            <a:r>
-              <a:rPr lang="en-US" altLang="ko-KR" dirty="0"/>
-              <a:t>.</a:t>
-            </a:r>
-          </a:p>
-          <a:p>
-            <a:endParaRPr lang="en-US" altLang="ko-KR" dirty="0"/>
-          </a:p>
-          <a:p>
-            <a:r>
-              <a:rPr lang="en-US" altLang="ko-KR" dirty="0"/>
-              <a:t>…</a:t>
-            </a:r>
-          </a:p>
-          <a:p>
-            <a:endParaRPr lang="en-US" altLang="ko-KR" dirty="0"/>
-          </a:p>
-          <a:p>
-            <a:r>
-              <a:rPr lang="ko-KR" altLang="en-US" dirty="0"/>
-              <a:t>하지만 이런 처리는 쿼리에 모든 로직을 녹여야 합니다</a:t>
-            </a:r>
-            <a:r>
-              <a:rPr lang="en-US" altLang="ko-KR" dirty="0"/>
-              <a:t>. </a:t>
-            </a:r>
-            <a:r>
-              <a:rPr lang="ko-KR" altLang="en-US" dirty="0"/>
-              <a:t>만약 중간에 다른 서비스를 호출하거나 복잡한 이자계산 등이 들어간다면</a:t>
-            </a:r>
-            <a:r>
-              <a:rPr lang="en-US" altLang="ko-KR" dirty="0"/>
-              <a:t>, </a:t>
-            </a:r>
-            <a:r>
-              <a:rPr lang="ko-KR" altLang="en-US" dirty="0"/>
-              <a:t>처리가 어려워 집니다</a:t>
-            </a:r>
-            <a:r>
-              <a:rPr lang="en-US" altLang="ko-KR" dirty="0"/>
-              <a:t>.</a:t>
-            </a:r>
-          </a:p>
-        </p:txBody>
-      </p:sp>
-      <p:sp>
-        <p:nvSpPr>
-          <p:cNvPr id="4" name="슬라이드 번호 개체 틀 3"/>
-          <p:cNvSpPr>
-            <a:spLocks noGrp="1"/>
-          </p:cNvSpPr>
-          <p:nvPr>
-            <p:ph type="sldNum" sz="quarter" idx="5"/>
-          </p:nvPr>
-        </p:nvSpPr>
-        <p:spPr/>
-        <p:txBody>
-          <a:bodyPr/>
-          <a:lstStyle/>
-          <a:p>
-            <a:fld id="{4F243B46-72FF-4656-838A-691B9EB329E3}" type="slidenum">
-              <a:rPr lang="ko-KR" altLang="en-US" smtClean="0"/>
-              <a:t>21</a:t>
-            </a:fld>
-            <a:endParaRPr lang="ko-KR" altLang="en-US"/>
-          </a:p>
-        </p:txBody>
-      </p:sp>
-    </p:spTree>
-    <p:extLst>
-      <p:ext uri="{BB962C8B-B14F-4D97-AF65-F5344CB8AC3E}">
-        <p14:creationId xmlns:p14="http://schemas.microsoft.com/office/powerpoint/2010/main" val="1978714165"/>
-      </p:ext>
-    </p:extLst>
-  </p:cSld>
-  <p:clrMapOvr>
-    <a:masterClrMapping/>
-  </p:clrMapOvr>
-</p:notes>
-</file>
-
-<file path=ppt/notesSlides/notesSlide22.xml><?xml version="1.0" encoding="utf-8"?>
-<p:notes xmlns:a="http://schemas.openxmlformats.org/drawingml/2006/main" xmlns:r="http://schemas.openxmlformats.org/officeDocument/2006/relationships" xmlns:p="http://schemas.openxmlformats.org/presentationml/2006/main">
-  <p:cSld>
-    <p:spTree>
-      <p:nvGrpSpPr>
-        <p:cNvPr id="1" name=""/>
-        <p:cNvGrpSpPr/>
-        <p:nvPr/>
-      </p:nvGrpSpPr>
-      <p:grpSpPr>
-        <a:xfrm>
-          <a:off x="0" y="0"/>
-          <a:ext cx="0" cy="0"/>
-          <a:chOff x="0" y="0"/>
-          <a:chExt cx="0" cy="0"/>
-        </a:xfrm>
-      </p:grpSpPr>
-      <p:sp>
-        <p:nvSpPr>
-          <p:cNvPr id="2" name="슬라이드 이미지 개체 틀 1"/>
-          <p:cNvSpPr>
-            <a:spLocks noGrp="1" noRot="1" noChangeAspect="1"/>
-          </p:cNvSpPr>
-          <p:nvPr>
-            <p:ph type="sldImg"/>
-          </p:nvPr>
-        </p:nvSpPr>
-        <p:spPr/>
-      </p:sp>
-      <p:sp>
-        <p:nvSpPr>
-          <p:cNvPr id="3" name="슬라이드 노트 개체 틀 2"/>
-          <p:cNvSpPr>
-            <a:spLocks noGrp="1"/>
-          </p:cNvSpPr>
-          <p:nvPr>
-            <p:ph type="body" idx="1"/>
-          </p:nvPr>
-        </p:nvSpPr>
-        <p:spPr/>
-        <p:txBody>
-          <a:bodyPr/>
-          <a:lstStyle/>
-          <a:p>
-            <a:r>
-              <a:rPr lang="ko-KR" altLang="en-US" dirty="0"/>
-              <a:t>논리 정합성을 확보하기 위해서는</a:t>
-            </a:r>
-            <a:r>
-              <a:rPr lang="en-US" altLang="ko-KR" dirty="0"/>
-              <a:t>, </a:t>
-            </a:r>
-            <a:r>
-              <a:rPr lang="ko-KR" altLang="en-US" dirty="0"/>
-              <a:t>기록하려는 데이터에 잠금을 걸어야 하는데요</a:t>
-            </a:r>
-            <a:r>
-              <a:rPr lang="en-US" altLang="ko-KR" dirty="0"/>
-              <a:t>.</a:t>
-            </a:r>
-          </a:p>
-          <a:p>
-            <a:endParaRPr lang="en-US" altLang="ko-KR" dirty="0"/>
-          </a:p>
-          <a:p>
-            <a:r>
-              <a:rPr lang="ko-KR" altLang="en-US" dirty="0"/>
-              <a:t>가장 손쉬운 방법인 </a:t>
-            </a:r>
-            <a:r>
-              <a:rPr lang="en-US" altLang="ko-KR" dirty="0"/>
-              <a:t>Optimistic Lock </a:t>
-            </a:r>
-            <a:r>
-              <a:rPr lang="ko-KR" altLang="en-US" dirty="0"/>
-              <a:t>입니다</a:t>
-            </a:r>
-            <a:r>
-              <a:rPr lang="en-US" altLang="ko-KR" dirty="0"/>
-              <a:t>.</a:t>
-            </a:r>
-          </a:p>
-        </p:txBody>
-      </p:sp>
-      <p:sp>
-        <p:nvSpPr>
-          <p:cNvPr id="4" name="슬라이드 번호 개체 틀 3"/>
-          <p:cNvSpPr>
-            <a:spLocks noGrp="1"/>
-          </p:cNvSpPr>
-          <p:nvPr>
-            <p:ph type="sldNum" sz="quarter" idx="5"/>
-          </p:nvPr>
-        </p:nvSpPr>
-        <p:spPr/>
-        <p:txBody>
-          <a:bodyPr/>
-          <a:lstStyle/>
-          <a:p>
-            <a:fld id="{4F243B46-72FF-4656-838A-691B9EB329E3}" type="slidenum">
-              <a:rPr lang="ko-KR" altLang="en-US" smtClean="0"/>
-              <a:t>22</a:t>
-            </a:fld>
-            <a:endParaRPr lang="ko-KR" altLang="en-US"/>
-          </a:p>
-        </p:txBody>
-      </p:sp>
-    </p:spTree>
-    <p:extLst>
-      <p:ext uri="{BB962C8B-B14F-4D97-AF65-F5344CB8AC3E}">
-        <p14:creationId xmlns:p14="http://schemas.microsoft.com/office/powerpoint/2010/main" val="2907537133"/>
-      </p:ext>
-    </p:extLst>
-  </p:cSld>
-  <p:clrMapOvr>
-    <a:masterClrMapping/>
-  </p:clrMapOvr>
-</p:notes>
-</file>
-
-<file path=ppt/notesSlides/notesSlide23.xml><?xml version="1.0" encoding="utf-8"?>
-<p:notes xmlns:a="http://schemas.openxmlformats.org/drawingml/2006/main" xmlns:r="http://schemas.openxmlformats.org/officeDocument/2006/relationships" xmlns:p="http://schemas.openxmlformats.org/presentationml/2006/main">
-  <p:cSld>
-    <p:spTree>
-      <p:nvGrpSpPr>
-        <p:cNvPr id="1" name=""/>
-        <p:cNvGrpSpPr/>
-        <p:nvPr/>
-      </p:nvGrpSpPr>
-      <p:grpSpPr>
-        <a:xfrm>
-          <a:off x="0" y="0"/>
-          <a:ext cx="0" cy="0"/>
-          <a:chOff x="0" y="0"/>
-          <a:chExt cx="0" cy="0"/>
-        </a:xfrm>
-      </p:grpSpPr>
-      <p:sp>
-        <p:nvSpPr>
-          <p:cNvPr id="2" name="슬라이드 이미지 개체 틀 1"/>
-          <p:cNvSpPr>
-            <a:spLocks noGrp="1" noRot="1" noChangeAspect="1"/>
-          </p:cNvSpPr>
-          <p:nvPr>
-            <p:ph type="sldImg"/>
-          </p:nvPr>
-        </p:nvSpPr>
-        <p:spPr/>
-      </p:sp>
-      <p:sp>
-        <p:nvSpPr>
-          <p:cNvPr id="3" name="슬라이드 노트 개체 틀 2"/>
-          <p:cNvSpPr>
-            <a:spLocks noGrp="1"/>
-          </p:cNvSpPr>
-          <p:nvPr>
-            <p:ph type="body" idx="1"/>
-          </p:nvPr>
-        </p:nvSpPr>
-        <p:spPr/>
-        <p:txBody>
-          <a:bodyPr/>
-          <a:lstStyle/>
-          <a:p>
-            <a:r>
-              <a:rPr lang="ko-KR" altLang="en-US" dirty="0"/>
-              <a:t>데이터를 잠그는 또 다른 방법인 </a:t>
-            </a:r>
-            <a:r>
-              <a:rPr lang="en-US" altLang="ko-KR" dirty="0"/>
-              <a:t>Pessimistic Lock </a:t>
-            </a:r>
-            <a:r>
-              <a:rPr lang="ko-KR" altLang="en-US" dirty="0"/>
-              <a:t>입니다</a:t>
-            </a:r>
-            <a:r>
-              <a:rPr lang="en-US" altLang="ko-KR" dirty="0"/>
-              <a:t>.</a:t>
-            </a:r>
-          </a:p>
-        </p:txBody>
-      </p:sp>
-      <p:sp>
-        <p:nvSpPr>
-          <p:cNvPr id="4" name="슬라이드 번호 개체 틀 3"/>
-          <p:cNvSpPr>
-            <a:spLocks noGrp="1"/>
-          </p:cNvSpPr>
-          <p:nvPr>
-            <p:ph type="sldNum" sz="quarter" idx="5"/>
-          </p:nvPr>
-        </p:nvSpPr>
-        <p:spPr/>
-        <p:txBody>
-          <a:bodyPr/>
-          <a:lstStyle/>
-          <a:p>
-            <a:fld id="{4F243B46-72FF-4656-838A-691B9EB329E3}" type="slidenum">
-              <a:rPr lang="ko-KR" altLang="en-US" smtClean="0"/>
-              <a:t>23</a:t>
-            </a:fld>
-            <a:endParaRPr lang="ko-KR" altLang="en-US"/>
-          </a:p>
-        </p:txBody>
-      </p:sp>
-    </p:spTree>
-    <p:extLst>
-      <p:ext uri="{BB962C8B-B14F-4D97-AF65-F5344CB8AC3E}">
-        <p14:creationId xmlns:p14="http://schemas.microsoft.com/office/powerpoint/2010/main" val="1989725789"/>
-      </p:ext>
-    </p:extLst>
-  </p:cSld>
-  <p:clrMapOvr>
-    <a:masterClrMapping/>
-  </p:clrMapOvr>
-</p:notes>
-</file>
-
-<file path=ppt/notesSlides/notesSlide24.xml><?xml version="1.0" encoding="utf-8"?>
-<p:notes xmlns:a="http://schemas.openxmlformats.org/drawingml/2006/main" xmlns:r="http://schemas.openxmlformats.org/officeDocument/2006/relationships" xmlns:p="http://schemas.openxmlformats.org/presentationml/2006/main">
-  <p:cSld>
-    <p:spTree>
-      <p:nvGrpSpPr>
-        <p:cNvPr id="1" name=""/>
-        <p:cNvGrpSpPr/>
-        <p:nvPr/>
-      </p:nvGrpSpPr>
-      <p:grpSpPr>
-        <a:xfrm>
-          <a:off x="0" y="0"/>
-          <a:ext cx="0" cy="0"/>
-          <a:chOff x="0" y="0"/>
-          <a:chExt cx="0" cy="0"/>
-        </a:xfrm>
-      </p:grpSpPr>
-      <p:sp>
-        <p:nvSpPr>
-          <p:cNvPr id="2" name="슬라이드 이미지 개체 틀 1"/>
-          <p:cNvSpPr>
-            <a:spLocks noGrp="1" noRot="1" noChangeAspect="1"/>
-          </p:cNvSpPr>
-          <p:nvPr>
-            <p:ph type="sldImg"/>
-          </p:nvPr>
-        </p:nvSpPr>
-        <p:spPr/>
-      </p:sp>
-      <p:sp>
-        <p:nvSpPr>
-          <p:cNvPr id="3" name="슬라이드 노트 개체 틀 2"/>
-          <p:cNvSpPr>
-            <a:spLocks noGrp="1"/>
-          </p:cNvSpPr>
-          <p:nvPr>
-            <p:ph type="body" idx="1"/>
-          </p:nvPr>
-        </p:nvSpPr>
-        <p:spPr/>
-        <p:txBody>
-          <a:bodyPr/>
-          <a:lstStyle/>
-          <a:p>
-            <a:r>
-              <a:rPr lang="ko-KR" altLang="en-US" dirty="0"/>
-              <a:t>지금까지의 내용을 코드로 구현해 보겠습니다</a:t>
-            </a:r>
-            <a:r>
-              <a:rPr lang="en-US" altLang="ko-KR" dirty="0"/>
-              <a:t>.</a:t>
-            </a:r>
-            <a:endParaRPr lang="ko-KR" altLang="en-US" dirty="0"/>
-          </a:p>
-        </p:txBody>
-      </p:sp>
-      <p:sp>
-        <p:nvSpPr>
-          <p:cNvPr id="4" name="슬라이드 번호 개체 틀 3"/>
-          <p:cNvSpPr>
-            <a:spLocks noGrp="1"/>
-          </p:cNvSpPr>
-          <p:nvPr>
-            <p:ph type="sldNum" sz="quarter" idx="5"/>
-          </p:nvPr>
-        </p:nvSpPr>
-        <p:spPr/>
-        <p:txBody>
-          <a:bodyPr/>
-          <a:lstStyle/>
-          <a:p>
-            <a:fld id="{4F243B46-72FF-4656-838A-691B9EB329E3}" type="slidenum">
-              <a:rPr lang="ko-KR" altLang="en-US" smtClean="0"/>
-              <a:t>24</a:t>
-            </a:fld>
-            <a:endParaRPr lang="ko-KR" altLang="en-US"/>
-          </a:p>
-        </p:txBody>
-      </p:sp>
-    </p:spTree>
-    <p:extLst>
-      <p:ext uri="{BB962C8B-B14F-4D97-AF65-F5344CB8AC3E}">
-        <p14:creationId xmlns:p14="http://schemas.microsoft.com/office/powerpoint/2010/main" val="1832833290"/>
-      </p:ext>
-    </p:extLst>
-  </p:cSld>
-  <p:clrMapOvr>
-    <a:masterClrMapping/>
-  </p:clrMapOvr>
-</p:notes>
-</file>
-
-<file path=ppt/notesSlides/notesSlide25.xml><?xml version="1.0" encoding="utf-8"?>
-<p:notes xmlns:a="http://schemas.openxmlformats.org/drawingml/2006/main" xmlns:r="http://schemas.openxmlformats.org/officeDocument/2006/relationships" xmlns:p="http://schemas.openxmlformats.org/presentationml/2006/main">
-  <p:cSld>
-    <p:spTree>
-      <p:nvGrpSpPr>
-        <p:cNvPr id="1" name=""/>
-        <p:cNvGrpSpPr/>
-        <p:nvPr/>
-      </p:nvGrpSpPr>
-      <p:grpSpPr>
-        <a:xfrm>
-          <a:off x="0" y="0"/>
-          <a:ext cx="0" cy="0"/>
-          <a:chOff x="0" y="0"/>
-          <a:chExt cx="0" cy="0"/>
-        </a:xfrm>
-      </p:grpSpPr>
-      <p:sp>
-        <p:nvSpPr>
-          <p:cNvPr id="2" name="슬라이드 이미지 개체 틀 1"/>
-          <p:cNvSpPr>
-            <a:spLocks noGrp="1" noRot="1" noChangeAspect="1"/>
-          </p:cNvSpPr>
-          <p:nvPr>
-            <p:ph type="sldImg"/>
-          </p:nvPr>
-        </p:nvSpPr>
-        <p:spPr/>
-      </p:sp>
-      <p:sp>
-        <p:nvSpPr>
-          <p:cNvPr id="3" name="슬라이드 노트 개체 틀 2"/>
-          <p:cNvSpPr>
-            <a:spLocks noGrp="1"/>
-          </p:cNvSpPr>
-          <p:nvPr>
-            <p:ph type="body" idx="1"/>
-          </p:nvPr>
-        </p:nvSpPr>
-        <p:spPr/>
-        <p:txBody>
-          <a:bodyPr/>
-          <a:lstStyle/>
-          <a:p>
-            <a:pPr marL="0" marR="0" lvl="0" indent="0" algn="l" defTabSz="685800" rtl="0" eaLnBrk="1" fontAlgn="auto" latinLnBrk="1" hangingPunct="1">
-              <a:lnSpc>
-                <a:spcPct val="100000"/>
-              </a:lnSpc>
-              <a:spcBef>
-                <a:spcPts val="0"/>
-              </a:spcBef>
-              <a:spcAft>
-                <a:spcPts val="0"/>
-              </a:spcAft>
-              <a:buClrTx/>
-              <a:buSzTx/>
-              <a:buFontTx/>
-              <a:buNone/>
-              <a:tabLst/>
-              <a:defRPr/>
-            </a:pPr>
-            <a:r>
-              <a:rPr lang="ko-KR" altLang="en-US" dirty="0"/>
-              <a:t>마지막으로</a:t>
-            </a:r>
-            <a:r>
-              <a:rPr lang="en-US" altLang="ko-KR" dirty="0"/>
-              <a:t>, </a:t>
-            </a:r>
-            <a:r>
-              <a:rPr lang="ko-KR" altLang="en-US" dirty="0"/>
-              <a:t>요즘 각광받는 </a:t>
-            </a:r>
-            <a:r>
-              <a:rPr lang="en-US" altLang="ko-KR" dirty="0"/>
-              <a:t>Distributed Lock </a:t>
-            </a:r>
-            <a:r>
-              <a:rPr lang="ko-KR" altLang="en-US" dirty="0"/>
-              <a:t>말씀드리겠습니다</a:t>
-            </a:r>
-            <a:r>
-              <a:rPr lang="en-US" altLang="ko-KR" dirty="0"/>
-              <a:t>.</a:t>
-            </a:r>
-            <a:endParaRPr lang="ko-KR" altLang="en-US" dirty="0"/>
-          </a:p>
-        </p:txBody>
-      </p:sp>
-      <p:sp>
-        <p:nvSpPr>
-          <p:cNvPr id="4" name="슬라이드 번호 개체 틀 3"/>
-          <p:cNvSpPr>
-            <a:spLocks noGrp="1"/>
-          </p:cNvSpPr>
-          <p:nvPr>
-            <p:ph type="sldNum" sz="quarter" idx="5"/>
-          </p:nvPr>
-        </p:nvSpPr>
-        <p:spPr/>
-        <p:txBody>
-          <a:bodyPr/>
-          <a:lstStyle/>
-          <a:p>
-            <a:fld id="{4F243B46-72FF-4656-838A-691B9EB329E3}" type="slidenum">
-              <a:rPr lang="ko-KR" altLang="en-US" smtClean="0"/>
-              <a:t>25</a:t>
-            </a:fld>
-            <a:endParaRPr lang="ko-KR" altLang="en-US"/>
-          </a:p>
-        </p:txBody>
-      </p:sp>
-    </p:spTree>
-    <p:extLst>
-      <p:ext uri="{BB962C8B-B14F-4D97-AF65-F5344CB8AC3E}">
-        <p14:creationId xmlns:p14="http://schemas.microsoft.com/office/powerpoint/2010/main" val="3794048272"/>
-      </p:ext>
-    </p:extLst>
-  </p:cSld>
-  <p:clrMapOvr>
-    <a:masterClrMapping/>
-  </p:clrMapOvr>
-</p:notes>
-</file>
-
-<file path=ppt/notesSlides/notesSlide26.xml><?xml version="1.0" encoding="utf-8"?>
-<p:notes xmlns:a="http://schemas.openxmlformats.org/drawingml/2006/main" xmlns:r="http://schemas.openxmlformats.org/officeDocument/2006/relationships" xmlns:p="http://schemas.openxmlformats.org/presentationml/2006/main">
-  <p:cSld>
-    <p:spTree>
-      <p:nvGrpSpPr>
-        <p:cNvPr id="1" name=""/>
-        <p:cNvGrpSpPr/>
-        <p:nvPr/>
-      </p:nvGrpSpPr>
-      <p:grpSpPr>
-        <a:xfrm>
-          <a:off x="0" y="0"/>
-          <a:ext cx="0" cy="0"/>
-          <a:chOff x="0" y="0"/>
-          <a:chExt cx="0" cy="0"/>
-        </a:xfrm>
-      </p:grpSpPr>
-      <p:sp>
-        <p:nvSpPr>
-          <p:cNvPr id="2" name="슬라이드 이미지 개체 틀 1"/>
-          <p:cNvSpPr>
-            <a:spLocks noGrp="1" noRot="1" noChangeAspect="1"/>
-          </p:cNvSpPr>
-          <p:nvPr>
-            <p:ph type="sldImg"/>
-          </p:nvPr>
-        </p:nvSpPr>
-        <p:spPr/>
-      </p:sp>
-      <p:sp>
-        <p:nvSpPr>
-          <p:cNvPr id="3" name="슬라이드 노트 개체 틀 2"/>
-          <p:cNvSpPr>
-            <a:spLocks noGrp="1"/>
-          </p:cNvSpPr>
-          <p:nvPr>
-            <p:ph type="body" idx="1"/>
-          </p:nvPr>
-        </p:nvSpPr>
-        <p:spPr/>
-        <p:txBody>
-          <a:bodyPr/>
-          <a:lstStyle/>
-          <a:p>
-            <a:r>
-              <a:rPr lang="en-US" altLang="ko-KR" dirty="0"/>
-              <a:t>Distributed Lock </a:t>
-            </a:r>
-            <a:r>
-              <a:rPr lang="ko-KR" altLang="en-US" dirty="0"/>
-              <a:t>은 다른 말로 </a:t>
-            </a:r>
-            <a:r>
-              <a:rPr lang="en-US" altLang="ko-KR" dirty="0"/>
-              <a:t>Application Lock </a:t>
-            </a:r>
-            <a:r>
-              <a:rPr lang="ko-KR" altLang="en-US" dirty="0"/>
-              <a:t>이라고도 부릅니다</a:t>
-            </a:r>
-            <a:r>
-              <a:rPr lang="en-US" altLang="ko-KR" dirty="0"/>
-              <a:t>.</a:t>
-            </a:r>
-          </a:p>
-          <a:p>
-            <a:endParaRPr lang="en-US" altLang="ko-KR" dirty="0"/>
-          </a:p>
-          <a:p>
-            <a:r>
-              <a:rPr lang="en-US" altLang="ko-KR" dirty="0"/>
-              <a:t>&lt;&lt;</a:t>
-            </a:r>
-            <a:r>
-              <a:rPr lang="ko-KR" altLang="en-US" dirty="0"/>
-              <a:t>설명</a:t>
-            </a:r>
-            <a:r>
-              <a:rPr lang="en-US" altLang="ko-KR" dirty="0"/>
-              <a:t>&gt;&gt;</a:t>
-            </a:r>
-          </a:p>
-          <a:p>
-            <a:endParaRPr lang="en-US" altLang="ko-KR" dirty="0"/>
-          </a:p>
-          <a:p>
-            <a:pPr marL="0" marR="0" lvl="0" indent="0" algn="l" defTabSz="685800" rtl="0" eaLnBrk="1" fontAlgn="auto" latinLnBrk="1" hangingPunct="1">
-              <a:lnSpc>
-                <a:spcPct val="100000"/>
-              </a:lnSpc>
-              <a:spcBef>
-                <a:spcPts val="0"/>
-              </a:spcBef>
-              <a:spcAft>
-                <a:spcPts val="0"/>
-              </a:spcAft>
-              <a:buClrTx/>
-              <a:buSzTx/>
-              <a:buFontTx/>
-              <a:buNone/>
-              <a:tabLst/>
-              <a:defRPr/>
-            </a:pPr>
-            <a:r>
-              <a:rPr lang="en-US" altLang="ko-KR" dirty="0"/>
-              <a:t>Distributed Lock</a:t>
-            </a:r>
-            <a:r>
-              <a:rPr lang="ko-KR" altLang="en-US" dirty="0"/>
-              <a:t>을 코드로 구현해 보겠습니다</a:t>
-            </a:r>
-            <a:r>
-              <a:rPr lang="en-US" altLang="ko-KR" dirty="0"/>
-              <a:t>.</a:t>
-            </a:r>
-            <a:endParaRPr lang="ko-KR" altLang="en-US" dirty="0"/>
-          </a:p>
-          <a:p>
-            <a:endParaRPr lang="en-US" altLang="ko-KR" dirty="0"/>
-          </a:p>
-          <a:p>
-            <a:endParaRPr lang="en-US" altLang="ko-KR" dirty="0"/>
-          </a:p>
-          <a:p>
-            <a:r>
-              <a:rPr lang="ko-KR" altLang="en-US" dirty="0"/>
-              <a:t>이상으로 </a:t>
-            </a:r>
-            <a:r>
-              <a:rPr lang="en-US" altLang="ko-KR" dirty="0"/>
-              <a:t>Distributed Lock </a:t>
-            </a:r>
-            <a:r>
-              <a:rPr lang="ko-KR" altLang="en-US" dirty="0"/>
-              <a:t>실습 완료하였습니다</a:t>
-            </a:r>
-            <a:r>
-              <a:rPr lang="en-US" altLang="ko-KR" dirty="0"/>
-              <a:t>.</a:t>
-            </a:r>
-          </a:p>
-          <a:p>
-            <a:endParaRPr lang="en-US" altLang="ko-KR" dirty="0"/>
-          </a:p>
-          <a:p>
-            <a:r>
-              <a:rPr lang="ko-KR" altLang="en-US" dirty="0"/>
-              <a:t>그리고 </a:t>
-            </a:r>
-            <a:r>
-              <a:rPr lang="en-US" altLang="ko-KR"/>
-              <a:t>Ch6 </a:t>
-            </a:r>
-            <a:r>
-              <a:rPr lang="ko-KR" altLang="en-US" dirty="0"/>
-              <a:t>실무형 심화개발도 마무리 되었습니다</a:t>
-            </a:r>
-            <a:r>
-              <a:rPr lang="en-US" altLang="ko-KR" dirty="0"/>
-              <a:t>.</a:t>
-            </a:r>
-          </a:p>
-          <a:p>
-            <a:endParaRPr lang="en-US" altLang="ko-KR" dirty="0"/>
-          </a:p>
-          <a:p>
-            <a:r>
-              <a:rPr lang="ko-KR" altLang="en-US" dirty="0"/>
-              <a:t>드디어 실무에서 사용 가능한</a:t>
-            </a:r>
-            <a:r>
-              <a:rPr lang="en-US" altLang="ko-KR" dirty="0"/>
-              <a:t>, </a:t>
-            </a:r>
-            <a:r>
-              <a:rPr lang="ko-KR" altLang="en-US" dirty="0" err="1"/>
-              <a:t>코루틴</a:t>
-            </a:r>
-            <a:r>
-              <a:rPr lang="ko-KR" altLang="en-US" dirty="0"/>
-              <a:t> </a:t>
-            </a:r>
-            <a:r>
-              <a:rPr lang="ko-KR" altLang="en-US" dirty="0" err="1"/>
-              <a:t>웹플럭스</a:t>
-            </a:r>
-            <a:r>
-              <a:rPr lang="ko-KR" altLang="en-US" dirty="0"/>
-              <a:t> 기반의 비동기 서버 개발환경이 나왔습니다</a:t>
-            </a:r>
-            <a:r>
-              <a:rPr lang="en-US" altLang="ko-KR" dirty="0"/>
-              <a:t>.</a:t>
-            </a:r>
-          </a:p>
-          <a:p>
-            <a:endParaRPr lang="en-US" altLang="ko-KR" dirty="0"/>
-          </a:p>
-          <a:p>
-            <a:r>
-              <a:rPr lang="ko-KR" altLang="en-US" dirty="0"/>
-              <a:t>다음 챕터에서는</a:t>
-            </a:r>
-            <a:r>
-              <a:rPr lang="en-US" altLang="ko-KR" dirty="0"/>
-              <a:t>, </a:t>
-            </a:r>
-            <a:r>
-              <a:rPr lang="ko-KR" altLang="en-US" dirty="0"/>
-              <a:t>드디어 결제 서비스를 만들어 볼 수 있을 것 같습니다</a:t>
-            </a:r>
-            <a:r>
-              <a:rPr lang="en-US" altLang="ko-KR" dirty="0"/>
-              <a:t>.</a:t>
-            </a:r>
-          </a:p>
-          <a:p>
-            <a:endParaRPr lang="en-US" altLang="ko-KR" dirty="0"/>
-          </a:p>
-          <a:p>
-            <a:r>
-              <a:rPr lang="ko-KR" altLang="en-US" dirty="0"/>
-              <a:t>긴 시간 </a:t>
-            </a:r>
-            <a:r>
-              <a:rPr lang="ko-KR" altLang="en-US" dirty="0" err="1"/>
-              <a:t>들어주셔서</a:t>
-            </a:r>
-            <a:r>
-              <a:rPr lang="ko-KR" altLang="en-US" dirty="0"/>
-              <a:t> 감사합니다</a:t>
-            </a:r>
-            <a:r>
-              <a:rPr lang="en-US" altLang="ko-KR" dirty="0"/>
-              <a:t>. </a:t>
-            </a:r>
-            <a:r>
-              <a:rPr lang="ko-KR" altLang="en-US" dirty="0"/>
-              <a:t>고생 많으셨습니다</a:t>
-            </a:r>
-            <a:r>
-              <a:rPr lang="en-US" altLang="ko-KR" dirty="0"/>
-              <a:t>. </a:t>
-            </a:r>
-          </a:p>
-        </p:txBody>
-      </p:sp>
-      <p:sp>
-        <p:nvSpPr>
-          <p:cNvPr id="4" name="슬라이드 번호 개체 틀 3"/>
-          <p:cNvSpPr>
-            <a:spLocks noGrp="1"/>
-          </p:cNvSpPr>
-          <p:nvPr>
-            <p:ph type="sldNum" sz="quarter" idx="5"/>
-          </p:nvPr>
-        </p:nvSpPr>
-        <p:spPr/>
-        <p:txBody>
-          <a:bodyPr/>
-          <a:lstStyle/>
-          <a:p>
-            <a:fld id="{4F243B46-72FF-4656-838A-691B9EB329E3}" type="slidenum">
-              <a:rPr lang="ko-KR" altLang="en-US" smtClean="0"/>
-              <a:t>26</a:t>
-            </a:fld>
-            <a:endParaRPr lang="ko-KR" altLang="en-US"/>
-          </a:p>
-        </p:txBody>
-      </p:sp>
-    </p:spTree>
-    <p:extLst>
-      <p:ext uri="{BB962C8B-B14F-4D97-AF65-F5344CB8AC3E}">
-        <p14:creationId xmlns:p14="http://schemas.microsoft.com/office/powerpoint/2010/main" val="1298857228"/>
+        <p14:creationId xmlns:p14="http://schemas.microsoft.com/office/powerpoint/2010/main" val="642389407"/>
       </p:ext>
     </p:extLst>
   </p:cSld>
@@ -4758,186 +1535,6 @@
           <a:bodyPr/>
           <a:lstStyle/>
           <a:p>
-            <a:r>
-              <a:rPr lang="ko-KR" altLang="en-US" dirty="0"/>
-              <a:t>에러가 발생하면</a:t>
-            </a:r>
-            <a:r>
-              <a:rPr lang="en-US" altLang="ko-KR" dirty="0"/>
-              <a:t>, API </a:t>
-            </a:r>
-            <a:r>
-              <a:rPr lang="ko-KR" altLang="en-US" dirty="0"/>
-              <a:t>를 호출한 곳에는 적절한 오류 응답을 전송해야 하고요</a:t>
-            </a:r>
-            <a:r>
-              <a:rPr lang="en-US" altLang="ko-KR" dirty="0"/>
-              <a:t>. </a:t>
-            </a:r>
-            <a:r>
-              <a:rPr lang="ko-KR" altLang="en-US" dirty="0"/>
-              <a:t>서버에서는 오류를 확인할 수 있는 로그를 출력해 주어야 합니다</a:t>
-            </a:r>
-            <a:r>
-              <a:rPr lang="en-US" altLang="ko-KR" dirty="0"/>
-              <a:t>.</a:t>
-            </a:r>
-          </a:p>
-          <a:p>
-            <a:endParaRPr lang="en-US" altLang="ko-KR" dirty="0"/>
-          </a:p>
-          <a:p>
-            <a:pPr marL="0" marR="0" lvl="0" indent="0" algn="l" defTabSz="685800" rtl="0" eaLnBrk="1" fontAlgn="auto" latinLnBrk="1" hangingPunct="1">
-              <a:lnSpc>
-                <a:spcPct val="100000"/>
-              </a:lnSpc>
-              <a:spcBef>
-                <a:spcPts val="0"/>
-              </a:spcBef>
-              <a:spcAft>
-                <a:spcPts val="0"/>
-              </a:spcAft>
-              <a:buClrTx/>
-              <a:buSzTx/>
-              <a:buFontTx/>
-              <a:buNone/>
-              <a:tabLst/>
-              <a:defRPr/>
-            </a:pPr>
-            <a:r>
-              <a:rPr lang="ko-KR" altLang="en-US" dirty="0"/>
-              <a:t>그간 </a:t>
-            </a:r>
-            <a:r>
-              <a:rPr lang="en-US" altLang="ko-KR" dirty="0"/>
-              <a:t>MVC, Reactor</a:t>
-            </a:r>
-            <a:r>
-              <a:rPr lang="ko-KR" altLang="en-US" dirty="0"/>
-              <a:t> </a:t>
-            </a:r>
-            <a:r>
-              <a:rPr lang="en-US" altLang="ko-KR" dirty="0" err="1"/>
-              <a:t>Webflux</a:t>
-            </a:r>
-            <a:r>
-              <a:rPr lang="en-US" altLang="ko-KR" dirty="0"/>
-              <a:t>, Coroutine </a:t>
-            </a:r>
-            <a:r>
-              <a:rPr lang="en-US" altLang="ko-KR" dirty="0" err="1"/>
-              <a:t>Webflux</a:t>
-            </a:r>
-            <a:r>
-              <a:rPr lang="en-US" altLang="ko-KR" dirty="0"/>
-              <a:t> </a:t>
-            </a:r>
-            <a:r>
-              <a:rPr lang="ko-KR" altLang="en-US" dirty="0"/>
-              <a:t>구현실습에서는</a:t>
-            </a:r>
-            <a:r>
-              <a:rPr lang="en-US" altLang="ko-KR" dirty="0"/>
-              <a:t>, </a:t>
-            </a:r>
-            <a:r>
-              <a:rPr lang="ko-KR" altLang="en-US" dirty="0"/>
-              <a:t>이 오류처리 기능이 없어서 디버깅이 쉽지 않으셨을 </a:t>
-            </a:r>
-            <a:r>
-              <a:rPr lang="ko-KR" altLang="en-US" dirty="0" err="1"/>
-              <a:t>거에요</a:t>
-            </a:r>
-            <a:r>
-              <a:rPr lang="en-US" altLang="ko-KR" dirty="0"/>
-              <a:t>.</a:t>
-            </a:r>
-          </a:p>
-          <a:p>
-            <a:pPr marL="0" marR="0" lvl="0" indent="0" algn="l" defTabSz="685800" rtl="0" eaLnBrk="1" fontAlgn="auto" latinLnBrk="1" hangingPunct="1">
-              <a:lnSpc>
-                <a:spcPct val="100000"/>
-              </a:lnSpc>
-              <a:spcBef>
-                <a:spcPts val="0"/>
-              </a:spcBef>
-              <a:spcAft>
-                <a:spcPts val="0"/>
-              </a:spcAft>
-              <a:buClrTx/>
-              <a:buSzTx/>
-              <a:buFontTx/>
-              <a:buNone/>
-              <a:tabLst/>
-              <a:defRPr/>
-            </a:pPr>
-            <a:endParaRPr lang="en-US" altLang="ko-KR" dirty="0"/>
-          </a:p>
-          <a:p>
-            <a:pPr marL="0" marR="0" lvl="0" indent="0" algn="l" defTabSz="685800" rtl="0" eaLnBrk="1" fontAlgn="auto" latinLnBrk="1" hangingPunct="1">
-              <a:lnSpc>
-                <a:spcPct val="100000"/>
-              </a:lnSpc>
-              <a:spcBef>
-                <a:spcPts val="0"/>
-              </a:spcBef>
-              <a:spcAft>
-                <a:spcPts val="0"/>
-              </a:spcAft>
-              <a:buClrTx/>
-              <a:buSzTx/>
-              <a:buFontTx/>
-              <a:buNone/>
-              <a:tabLst/>
-              <a:defRPr/>
-            </a:pPr>
-            <a:r>
-              <a:rPr lang="ko-KR" altLang="en-US" dirty="0"/>
-              <a:t>이번 시간에는 </a:t>
-            </a:r>
-            <a:r>
-              <a:rPr lang="en-US" altLang="ko-KR" dirty="0" err="1"/>
-              <a:t>Webflux</a:t>
-            </a:r>
-            <a:r>
-              <a:rPr lang="en-US" altLang="ko-KR" dirty="0"/>
-              <a:t> </a:t>
-            </a:r>
-            <a:r>
-              <a:rPr lang="ko-KR" altLang="en-US" dirty="0"/>
-              <a:t>에서 오류 </a:t>
-            </a:r>
-            <a:r>
-              <a:rPr lang="ko-KR" altLang="en-US" dirty="0" err="1"/>
-              <a:t>핸들러를</a:t>
-            </a:r>
-            <a:r>
-              <a:rPr lang="ko-KR" altLang="en-US" dirty="0"/>
-              <a:t> 구현해 보겠습니다</a:t>
-            </a:r>
-            <a:r>
-              <a:rPr lang="en-US" altLang="ko-KR" dirty="0"/>
-              <a:t>..</a:t>
-            </a:r>
-          </a:p>
-          <a:p>
-            <a:pPr marL="0" marR="0" lvl="0" indent="0" algn="l" defTabSz="685800" rtl="0" eaLnBrk="1" fontAlgn="auto" latinLnBrk="1" hangingPunct="1">
-              <a:lnSpc>
-                <a:spcPct val="100000"/>
-              </a:lnSpc>
-              <a:spcBef>
-                <a:spcPts val="0"/>
-              </a:spcBef>
-              <a:spcAft>
-                <a:spcPts val="0"/>
-              </a:spcAft>
-              <a:buClrTx/>
-              <a:buSzTx/>
-              <a:buFontTx/>
-              <a:buNone/>
-              <a:tabLst/>
-              <a:defRPr/>
-            </a:pPr>
             <a:endParaRPr lang="en-US" altLang="ko-KR" dirty="0"/>
           </a:p>
         </p:txBody>
@@ -4968,7 +1565,7 @@
     </p:spTree>
     <p:extLst>
       <p:ext uri="{BB962C8B-B14F-4D97-AF65-F5344CB8AC3E}">
-        <p14:creationId xmlns:p14="http://schemas.microsoft.com/office/powerpoint/2010/main" val="2344130565"/>
+        <p14:creationId xmlns:p14="http://schemas.microsoft.com/office/powerpoint/2010/main" val="2584689635"/>
       </p:ext>
     </p:extLst>
   </p:cSld>
@@ -5023,32 +1620,422 @@
           <a:lstStyle/>
           <a:p>
             <a:r>
-              <a:rPr lang="ko-KR" altLang="en-US" dirty="0"/>
-              <a:t>저희는 </a:t>
-            </a:r>
-            <a:r>
-              <a:rPr lang="en-US" altLang="ko-KR" dirty="0" err="1"/>
-              <a:t>ErrorAttribute</a:t>
-            </a:r>
-            <a:r>
-              <a:rPr lang="ko-KR" altLang="en-US" dirty="0"/>
-              <a:t>를 재정의한 방법으로 전역 오류 </a:t>
+              <a:rPr lang="en-US" altLang="ko-KR" dirty="0"/>
+              <a:t>Payment Service Provider, Payment</a:t>
+            </a:r>
+            <a:r>
+              <a:rPr lang="ko-KR" altLang="en-US" dirty="0"/>
+              <a:t> </a:t>
+            </a:r>
+            <a:r>
+              <a:rPr lang="en-US" altLang="ko-KR" dirty="0"/>
+              <a:t>Gateway </a:t>
+            </a:r>
+            <a:r>
+              <a:rPr lang="ko-KR" altLang="en-US" dirty="0"/>
+              <a:t>를 도입하면</a:t>
+            </a:r>
+            <a:r>
+              <a:rPr lang="en-US" altLang="ko-KR" dirty="0"/>
+              <a:t>, </a:t>
+            </a:r>
+            <a:r>
+              <a:rPr lang="ko-KR" altLang="en-US" dirty="0"/>
+              <a:t>보안 투자비용을 아낄 수 있어</a:t>
+            </a:r>
+            <a:r>
+              <a:rPr lang="en-US" altLang="ko-KR" dirty="0"/>
+              <a:t>, </a:t>
+            </a:r>
+            <a:r>
+              <a:rPr lang="ko-KR" altLang="en-US" dirty="0"/>
+              <a:t>사업초반 전자상거래 플랫폼 구현 및 운영비용을 상당히 아낄 수 있습니다</a:t>
+            </a:r>
+            <a:r>
+              <a:rPr lang="en-US" altLang="ko-KR" dirty="0"/>
+              <a:t>.</a:t>
+            </a:r>
+          </a:p>
+          <a:p>
+            <a:endParaRPr lang="en-US" altLang="ko-KR" dirty="0"/>
+          </a:p>
+          <a:p>
+            <a:r>
+              <a:rPr lang="en-US" altLang="ko-KR" dirty="0"/>
+              <a:t>PCI DSS (Payment Card Industry Data Security Standard) Level 1 &gt;&gt;&gt; </a:t>
+            </a:r>
+            <a:r>
+              <a:rPr lang="ko-KR" altLang="en-US" dirty="0"/>
+              <a:t>대한민국 전자금융법</a:t>
+            </a:r>
+            <a:endParaRPr lang="en-US" altLang="ko-KR" dirty="0"/>
+          </a:p>
+          <a:p>
+            <a:r>
+              <a:rPr lang="en-US" altLang="ko-KR" dirty="0"/>
+              <a:t>- </a:t>
+            </a:r>
+            <a:r>
+              <a:rPr lang="ko-KR" altLang="en-US" dirty="0"/>
+              <a:t>결제카드산업 데이터 보안표준의 약자로 카드사에서 만든 </a:t>
+            </a:r>
+            <a:r>
+              <a:rPr lang="en-US" altLang="ko-KR" dirty="0"/>
+              <a:t>PCI </a:t>
+            </a:r>
+            <a:r>
+              <a:rPr lang="ko-KR" altLang="en-US" dirty="0"/>
+              <a:t>보안표준위원회에서 심사한다</a:t>
+            </a:r>
+            <a:r>
+              <a:rPr lang="en-US" altLang="ko-KR" dirty="0"/>
+              <a:t>.</a:t>
+            </a:r>
+          </a:p>
+          <a:p>
+            <a:r>
+              <a:rPr lang="en-US" altLang="ko-KR" dirty="0"/>
+              <a:t>- </a:t>
+            </a:r>
+            <a:r>
+              <a:rPr lang="ko-KR" altLang="en-US" dirty="0"/>
+              <a:t>카드사에서 설립한 자율기구지만</a:t>
+            </a:r>
+            <a:r>
+              <a:rPr lang="en-US" altLang="ko-KR" dirty="0"/>
+              <a:t>, </a:t>
+            </a:r>
+            <a:r>
+              <a:rPr lang="ko-KR" altLang="en-US" dirty="0"/>
+              <a:t>심사는 매우 까다롭고 엄격하며 대한민국의 전자금융법보다 준수가 훨씬 어려운 것으로 알려져 있습니다</a:t>
+            </a:r>
+            <a:r>
+              <a:rPr lang="en-US" altLang="ko-KR" dirty="0"/>
+              <a:t>.</a:t>
+            </a:r>
+          </a:p>
+          <a:p>
+            <a:r>
+              <a:rPr lang="en-US" altLang="ko-KR" dirty="0"/>
+              <a:t>- </a:t>
+            </a:r>
+            <a:r>
+              <a:rPr lang="ko-KR" altLang="en-US" dirty="0"/>
+              <a:t>카드 정보를 저장하기 위해서는 가장 취득이 어려운 레벨 </a:t>
+            </a:r>
+            <a:r>
+              <a:rPr lang="en-US" altLang="ko-KR" dirty="0"/>
+              <a:t>1</a:t>
+            </a:r>
+            <a:r>
+              <a:rPr lang="ko-KR" altLang="en-US" dirty="0"/>
+              <a:t>을 획득해야 하는데</a:t>
+            </a:r>
+            <a:r>
+              <a:rPr lang="en-US" altLang="ko-KR" dirty="0"/>
+              <a:t>, </a:t>
+            </a:r>
+            <a:r>
+              <a:rPr lang="ko-KR" altLang="en-US" dirty="0"/>
+              <a:t>네트워크 보안</a:t>
+            </a:r>
+            <a:r>
+              <a:rPr lang="en-US" altLang="ko-KR" dirty="0"/>
+              <a:t>, </a:t>
+            </a:r>
+            <a:r>
+              <a:rPr lang="ko-KR" altLang="en-US" dirty="0"/>
+              <a:t>카드 소유자 데이터 보호</a:t>
+            </a:r>
+            <a:r>
+              <a:rPr lang="en-US" altLang="ko-KR" dirty="0"/>
+              <a:t>, </a:t>
+            </a:r>
+            <a:r>
+              <a:rPr lang="ko-KR" altLang="en-US" dirty="0"/>
+              <a:t>취약점 </a:t>
             </a:r>
             <a:r>
               <a:rPr lang="ko-KR" altLang="en-US" dirty="0" err="1"/>
-              <a:t>핸들러를</a:t>
-            </a:r>
-            <a:r>
-              <a:rPr lang="ko-KR" altLang="en-US" dirty="0"/>
-              <a:t> 구현해 보겠습니다</a:t>
+              <a:t>관리등</a:t>
+            </a:r>
+            <a:r>
+              <a:rPr lang="ko-KR" altLang="en-US" dirty="0"/>
+              <a:t> </a:t>
             </a:r>
             <a:r>
               <a:rPr lang="en-US" altLang="ko-KR" dirty="0"/>
-              <a:t>..</a:t>
-            </a:r>
-          </a:p>
-          <a:p>
-            <a:endParaRPr lang="ko-KR" altLang="en-US" dirty="0"/>
+              <a:t>1</a:t>
+            </a:r>
+            <a:r>
+              <a:rPr lang="ko-KR" altLang="en-US" dirty="0"/>
+              <a:t>개 영역 </a:t>
+            </a:r>
+            <a:r>
+              <a:rPr lang="en-US" altLang="ko-KR" dirty="0"/>
+              <a:t>415</a:t>
+            </a:r>
+            <a:r>
+              <a:rPr lang="ko-KR" altLang="en-US" dirty="0"/>
+              <a:t>개 세부항목을 매년 엄격하게 평가받아야 합니다</a:t>
+            </a:r>
+            <a:r>
+              <a:rPr lang="en-US" altLang="ko-KR" dirty="0"/>
+              <a:t>.</a:t>
+            </a:r>
+          </a:p>
+          <a:p>
+            <a:endParaRPr lang="en-US" altLang="ko-KR" dirty="0"/>
+          </a:p>
+          <a:p>
+            <a:r>
+              <a:rPr lang="en-US" altLang="ko-KR" dirty="0"/>
+              <a:t>PSD2 (Payment Services Directive version 2, </a:t>
+            </a:r>
+            <a:r>
+              <a:rPr lang="ko-KR" altLang="en-US" dirty="0"/>
+              <a:t>개정된 지불서비스 지침</a:t>
+            </a:r>
+            <a:r>
+              <a:rPr lang="en-US" altLang="ko-KR" dirty="0"/>
+              <a:t>)</a:t>
+            </a:r>
+          </a:p>
+          <a:p>
+            <a:r>
+              <a:rPr lang="en-US" altLang="ko-KR" dirty="0"/>
+              <a:t>- </a:t>
+            </a:r>
+            <a:r>
+              <a:rPr lang="ko-KR" altLang="en-US" dirty="0"/>
+              <a:t>유럽 지급위원회에서 만든 보안표준</a:t>
+            </a:r>
+            <a:endParaRPr lang="en-US" altLang="ko-KR" dirty="0"/>
+          </a:p>
+          <a:p>
+            <a:endParaRPr lang="en-US" altLang="ko-KR" dirty="0"/>
+          </a:p>
+          <a:p>
+            <a:r>
+              <a:rPr lang="en-US" altLang="ko-KR" dirty="0"/>
+              <a:t>AML (Anti-Money Laundering, </a:t>
+            </a:r>
+            <a:r>
+              <a:rPr lang="ko-KR" altLang="en-US" dirty="0"/>
+              <a:t>자금세탁방지</a:t>
+            </a:r>
+            <a:r>
+              <a:rPr lang="en-US" altLang="ko-KR" dirty="0"/>
+              <a:t>), CFT (Combating the Financing of Terrorism, </a:t>
+            </a:r>
+            <a:r>
+              <a:rPr lang="ko-KR" altLang="en-US" dirty="0"/>
+              <a:t>테러자금조달방지</a:t>
+            </a:r>
+            <a:r>
+              <a:rPr lang="en-US" altLang="ko-KR" dirty="0"/>
+              <a:t>)</a:t>
+            </a:r>
+          </a:p>
+          <a:p>
+            <a:r>
+              <a:rPr lang="en-US" altLang="ko-KR" dirty="0"/>
+              <a:t>- </a:t>
+            </a:r>
+            <a:r>
+              <a:rPr lang="ko-KR" altLang="en-US" dirty="0"/>
+              <a:t>각국 정부에서 만든 자금세탁방지 규제법률</a:t>
+            </a:r>
+            <a:endParaRPr lang="en-US" altLang="ko-KR" dirty="0"/>
+          </a:p>
+          <a:p>
+            <a:endParaRPr lang="en-US" altLang="ko-KR" dirty="0"/>
+          </a:p>
+          <a:p>
+            <a:r>
+              <a:rPr lang="en-US" altLang="ko-KR" dirty="0"/>
+              <a:t>KYC (Know Your Customer)</a:t>
+            </a:r>
+          </a:p>
+          <a:p>
+            <a:r>
+              <a:rPr lang="en-US" altLang="ko-KR" dirty="0"/>
+              <a:t>- </a:t>
+            </a:r>
+            <a:r>
+              <a:rPr lang="ko-KR" altLang="en-US" dirty="0"/>
+              <a:t>고객 신원 확인</a:t>
+            </a:r>
+            <a:r>
+              <a:rPr lang="en-US" altLang="ko-KR" dirty="0"/>
+              <a:t>, AML </a:t>
+            </a:r>
+            <a:r>
+              <a:rPr lang="ko-KR" altLang="en-US" dirty="0"/>
+              <a:t>의무를 이행하기 위해 필요</a:t>
+            </a:r>
+            <a:endParaRPr lang="en-US" altLang="ko-KR" dirty="0"/>
+          </a:p>
+          <a:p>
+            <a:endParaRPr lang="en-US" altLang="ko-KR" dirty="0"/>
+          </a:p>
+          <a:p>
+            <a:r>
+              <a:rPr lang="ko-KR" altLang="en-US" dirty="0"/>
+              <a:t>전자금융 관련 규제는 나라마다 조금씩 다르기 때문에</a:t>
+            </a:r>
+            <a:r>
+              <a:rPr lang="en-US" altLang="ko-KR" dirty="0"/>
+              <a:t>, </a:t>
+            </a:r>
+            <a:r>
+              <a:rPr lang="ko-KR" altLang="en-US" dirty="0"/>
+              <a:t>만약 글로벌 사업이라면 나라마다 결제서비스를 다르게 구현해야 하는 부담도 있습니다</a:t>
+            </a:r>
+            <a:r>
+              <a:rPr lang="en-US" altLang="ko-KR" dirty="0"/>
+              <a:t>.</a:t>
+            </a:r>
+          </a:p>
+          <a:p>
+            <a:endParaRPr lang="en-US" altLang="ko-KR" dirty="0"/>
+          </a:p>
+          <a:p>
+            <a:r>
+              <a:rPr lang="ko-KR" altLang="en-US" dirty="0"/>
+              <a:t>기업은행은 </a:t>
+            </a:r>
+            <a:r>
+              <a:rPr lang="en-US" altLang="ko-KR" dirty="0"/>
+              <a:t>2011</a:t>
+            </a:r>
+            <a:r>
+              <a:rPr lang="ko-KR" altLang="en-US" dirty="0"/>
+              <a:t>년 이란이 </a:t>
+            </a:r>
+            <a:r>
+              <a:rPr lang="en-US" altLang="ko-KR" dirty="0"/>
+              <a:t>1</a:t>
+            </a:r>
+            <a:r>
+              <a:rPr lang="ko-KR" altLang="en-US" dirty="0"/>
+              <a:t>조를 출금하는 것을 막지 못했는데요</a:t>
+            </a:r>
+            <a:r>
+              <a:rPr lang="en-US" altLang="ko-KR" dirty="0"/>
+              <a:t>. AML </a:t>
+            </a:r>
+            <a:r>
+              <a:rPr lang="ko-KR" altLang="en-US" dirty="0"/>
+              <a:t>컴플라이언스를 갖추지 못했다는 이유로</a:t>
+            </a:r>
+            <a:r>
+              <a:rPr lang="en-US" altLang="ko-KR" dirty="0"/>
+              <a:t>, </a:t>
+            </a:r>
+            <a:r>
+              <a:rPr lang="ko-KR" altLang="en-US" dirty="0"/>
+              <a:t>미 당국에 </a:t>
+            </a:r>
+            <a:r>
+              <a:rPr lang="en-US" altLang="ko-KR" dirty="0"/>
+              <a:t>2020</a:t>
+            </a:r>
+            <a:r>
+              <a:rPr lang="ko-KR" altLang="en-US" dirty="0"/>
+              <a:t>년 </a:t>
+            </a:r>
+            <a:r>
+              <a:rPr lang="en-US" altLang="ko-KR" dirty="0"/>
+              <a:t>1000</a:t>
+            </a:r>
+            <a:r>
+              <a:rPr lang="ko-KR" altLang="en-US" dirty="0"/>
+              <a:t>억의 벌금을 납부하였습니다</a:t>
+            </a:r>
+            <a:r>
+              <a:rPr lang="en-US" altLang="ko-KR" dirty="0"/>
+              <a:t>.</a:t>
+            </a:r>
+          </a:p>
+          <a:p>
+            <a:endParaRPr lang="en-US" altLang="ko-KR" dirty="0"/>
+          </a:p>
+          <a:p>
+            <a:r>
+              <a:rPr lang="ko-KR" altLang="en-US" dirty="0"/>
+              <a:t>컴플라이언스를 갖추지 못했다면</a:t>
+            </a:r>
+            <a:r>
+              <a:rPr lang="en-US" altLang="ko-KR" dirty="0"/>
+              <a:t>, </a:t>
+            </a:r>
+            <a:r>
+              <a:rPr lang="ko-KR" altLang="en-US" dirty="0"/>
+              <a:t>왠만한 회사는 망합니다</a:t>
+            </a:r>
+            <a:r>
+              <a:rPr lang="en-US" altLang="ko-KR" dirty="0"/>
+              <a:t>.</a:t>
+            </a:r>
+          </a:p>
+          <a:p>
+            <a:endParaRPr lang="en-US" altLang="ko-KR" dirty="0"/>
+          </a:p>
+          <a:p>
+            <a:r>
+              <a:rPr lang="ko-KR" altLang="en-US" dirty="0"/>
+              <a:t>암호화폐 거래소 실명계좌 발급에 은행이 난색을 표하는 이유이기도 한데요</a:t>
+            </a:r>
+            <a:r>
+              <a:rPr lang="en-US" altLang="ko-KR" dirty="0"/>
+              <a:t>.</a:t>
+            </a:r>
+          </a:p>
+          <a:p>
+            <a:endParaRPr lang="en-US" altLang="ko-KR" dirty="0"/>
+          </a:p>
+          <a:p>
+            <a:r>
+              <a:rPr lang="ko-KR" altLang="en-US" dirty="0"/>
+              <a:t>암호화폐는 태생적으로 고객 확인이 어렵습니다</a:t>
+            </a:r>
+            <a:r>
+              <a:rPr lang="en-US" altLang="ko-KR" dirty="0"/>
+              <a:t>. </a:t>
+            </a:r>
+            <a:r>
+              <a:rPr lang="ko-KR" altLang="en-US" dirty="0"/>
+              <a:t>거래 행위는 원장에 투명하게 기록되지만</a:t>
+            </a:r>
+            <a:r>
+              <a:rPr lang="en-US" altLang="ko-KR" dirty="0"/>
+              <a:t>, </a:t>
+            </a:r>
+            <a:r>
+              <a:rPr lang="ko-KR" altLang="en-US" dirty="0"/>
+              <a:t>거래 주체를 확인하기 어렵기 때문인데요</a:t>
+            </a:r>
+            <a:r>
+              <a:rPr lang="en-US" altLang="ko-KR" dirty="0"/>
+              <a:t>. </a:t>
+            </a:r>
+            <a:r>
+              <a:rPr lang="ko-KR" altLang="en-US" dirty="0"/>
+              <a:t>이 때문에</a:t>
+            </a:r>
+            <a:r>
+              <a:rPr lang="en-US" altLang="ko-KR" dirty="0"/>
+              <a:t>, </a:t>
+            </a:r>
+            <a:r>
+              <a:rPr lang="ko-KR" altLang="en-US" dirty="0"/>
+              <a:t>실명계좌 발급으로 얻는 수수료 이익보다 컴플라이언스 위반으로 부과될 수 있는 과징금 리스크가 더 크기 때문입니다</a:t>
+            </a:r>
+            <a:r>
+              <a:rPr lang="en-US" altLang="ko-KR" dirty="0"/>
+              <a:t>.</a:t>
+            </a:r>
           </a:p>
         </p:txBody>
       </p:sp>
@@ -5078,7 +2065,7 @@
     </p:spTree>
     <p:extLst>
       <p:ext uri="{BB962C8B-B14F-4D97-AF65-F5344CB8AC3E}">
-        <p14:creationId xmlns:p14="http://schemas.microsoft.com/office/powerpoint/2010/main" val="2831823175"/>
+        <p14:creationId xmlns:p14="http://schemas.microsoft.com/office/powerpoint/2010/main" val="1643305474"/>
       </p:ext>
     </p:extLst>
   </p:cSld>
@@ -5132,68 +2119,7 @@
           <a:bodyPr/>
           <a:lstStyle/>
           <a:p>
-            <a:r>
-              <a:rPr lang="en-US" altLang="ko-KR" dirty="0"/>
-              <a:t>request </a:t>
-            </a:r>
-            <a:r>
-              <a:rPr lang="ko-KR" altLang="en-US" dirty="0"/>
-              <a:t>가 어떤 파라미터로 작동했는지를 로그에 </a:t>
-            </a:r>
-            <a:r>
-              <a:rPr lang="ko-KR" altLang="en-US" dirty="0" err="1"/>
-              <a:t>남겨놔야</a:t>
-            </a:r>
-            <a:r>
-              <a:rPr lang="en-US" altLang="ko-KR" dirty="0"/>
-              <a:t>, </a:t>
-            </a:r>
-            <a:r>
-              <a:rPr lang="ko-KR" altLang="en-US" dirty="0"/>
-              <a:t>이후 로그를 통해 오류 상황을 재현해 볼 수 있습니다</a:t>
-            </a:r>
-            <a:r>
-              <a:rPr lang="en-US" altLang="ko-KR" dirty="0"/>
-              <a:t>. </a:t>
-            </a:r>
-            <a:r>
-              <a:rPr lang="ko-KR" altLang="en-US" dirty="0"/>
-              <a:t>물론 디버깅 할 때도 편리하고요</a:t>
-            </a:r>
-            <a:r>
-              <a:rPr lang="en-US" altLang="ko-KR" dirty="0"/>
-              <a:t>.</a:t>
-            </a:r>
-          </a:p>
-          <a:p>
             <a:endParaRPr lang="en-US" altLang="ko-KR" dirty="0"/>
-          </a:p>
-          <a:p>
-            <a:r>
-              <a:rPr lang="ko-KR" altLang="en-US" dirty="0"/>
-              <a:t>응답 결과는 로그에 남기지 않는 것이 일반적이라서</a:t>
-            </a:r>
-            <a:r>
-              <a:rPr lang="en-US" altLang="ko-KR" dirty="0"/>
-              <a:t>, </a:t>
-            </a:r>
-            <a:r>
-              <a:rPr lang="ko-KR" altLang="en-US" dirty="0"/>
-              <a:t>저희는 </a:t>
-            </a:r>
-            <a:r>
-              <a:rPr lang="en-US" altLang="ko-KR" dirty="0"/>
-              <a:t>request </a:t>
-            </a:r>
-            <a:r>
-              <a:rPr lang="ko-KR" altLang="en-US" dirty="0"/>
-              <a:t>파라미터만 로그에 남겨보도록 하겠습니다</a:t>
-            </a:r>
-            <a:r>
-              <a:rPr lang="en-US" altLang="ko-KR" dirty="0"/>
-              <a:t>.</a:t>
-            </a:r>
-            <a:endParaRPr lang="ko-KR" altLang="en-US" dirty="0"/>
           </a:p>
         </p:txBody>
       </p:sp>
@@ -5223,7 +2149,7 @@
     </p:spTree>
     <p:extLst>
       <p:ext uri="{BB962C8B-B14F-4D97-AF65-F5344CB8AC3E}">
-        <p14:creationId xmlns:p14="http://schemas.microsoft.com/office/powerpoint/2010/main" val="2583258124"/>
+        <p14:creationId xmlns:p14="http://schemas.microsoft.com/office/powerpoint/2010/main" val="1183653438"/>
       </p:ext>
     </p:extLst>
   </p:cSld>
@@ -5307,7 +2233,7 @@
     </p:spTree>
     <p:extLst>
       <p:ext uri="{BB962C8B-B14F-4D97-AF65-F5344CB8AC3E}">
-        <p14:creationId xmlns:p14="http://schemas.microsoft.com/office/powerpoint/2010/main" val="642389407"/>
+        <p14:creationId xmlns:p14="http://schemas.microsoft.com/office/powerpoint/2010/main" val="1254300080"/>
       </p:ext>
     </p:extLst>
   </p:cSld>
@@ -5391,7 +2317,7 @@
     </p:spTree>
     <p:extLst>
       <p:ext uri="{BB962C8B-B14F-4D97-AF65-F5344CB8AC3E}">
-        <p14:creationId xmlns:p14="http://schemas.microsoft.com/office/powerpoint/2010/main" val="3530059375"/>
+        <p14:creationId xmlns:p14="http://schemas.microsoft.com/office/powerpoint/2010/main" val="3445669691"/>
       </p:ext>
     </p:extLst>
   </p:cSld>
@@ -5475,7 +2401,7 @@
     </p:spTree>
     <p:extLst>
       <p:ext uri="{BB962C8B-B14F-4D97-AF65-F5344CB8AC3E}">
-        <p14:creationId xmlns:p14="http://schemas.microsoft.com/office/powerpoint/2010/main" val="3853731194"/>
+        <p14:creationId xmlns:p14="http://schemas.microsoft.com/office/powerpoint/2010/main" val="2673242437"/>
       </p:ext>
     </p:extLst>
   </p:cSld>
@@ -5529,27 +2455,7 @@
           <a:bodyPr/>
           <a:lstStyle/>
           <a:p>
-            <a:r>
-              <a:rPr lang="en-US" altLang="ko-KR" dirty="0"/>
-              <a:t>request</a:t>
-            </a:r>
-            <a:r>
-              <a:rPr lang="ko-KR" altLang="en-US" dirty="0"/>
-              <a:t> 파라미터를 찍는 로그 모듈을 </a:t>
-            </a:r>
-            <a:r>
-              <a:rPr lang="en-US" altLang="ko-KR" dirty="0"/>
-              <a:t>Filter </a:t>
-            </a:r>
-            <a:r>
-              <a:rPr lang="ko-KR" altLang="en-US" dirty="0"/>
-              <a:t>형태로 구현해 보겠습니다</a:t>
-            </a:r>
-            <a:r>
-              <a:rPr lang="en-US" altLang="ko-KR" dirty="0"/>
-              <a:t>.</a:t>
-            </a:r>
-            <a:endParaRPr lang="ko-KR" altLang="en-US" dirty="0"/>
+            <a:endParaRPr lang="en-US" altLang="ko-KR" dirty="0"/>
           </a:p>
         </p:txBody>
       </p:sp>
@@ -5579,7 +2485,7 @@
     </p:spTree>
     <p:extLst>
       <p:ext uri="{BB962C8B-B14F-4D97-AF65-F5344CB8AC3E}">
-        <p14:creationId xmlns:p14="http://schemas.microsoft.com/office/powerpoint/2010/main" val="3614476954"/>
+        <p14:creationId xmlns:p14="http://schemas.microsoft.com/office/powerpoint/2010/main" val="2648733986"/>
       </p:ext>
     </p:extLst>
   </p:cSld>
@@ -6094,6 +3000,60 @@
 </p:sldLayout>
 </file>
 
+<file path=ppt/slideLayouts/slideLayout12.xml><?xml version="1.0" encoding="utf-8"?>
+<p:sldLayout xmlns:a="http://schemas.openxmlformats.org/drawingml/2006/main" xmlns:r="http://schemas.openxmlformats.org/officeDocument/2006/relationships" xmlns:p="http://schemas.openxmlformats.org/presentationml/2006/main" preserve="1" userDrawn="1">
+  <p:cSld name="1_제목 및 내용">
+    <p:bg>
+      <p:bgPr>
+        <a:solidFill>
+          <a:schemeClr val="bg1"/>
+        </a:solidFill>
+        <a:effectLst/>
+      </p:bgPr>
+    </p:bg>
+    <p:spTree>
+      <p:nvGrpSpPr>
+        <p:cNvPr id="1" name=""/>
+        <p:cNvGrpSpPr/>
+        <p:nvPr/>
+      </p:nvGrpSpPr>
+      <p:grpSpPr>
+        <a:xfrm>
+          <a:off x="0" y="0"/>
+          <a:ext cx="0" cy="0"/>
+          <a:chOff x="0" y="0"/>
+          <a:chExt cx="0" cy="0"/>
+        </a:xfrm>
+      </p:grpSpPr>
+    </p:spTree>
+    <p:extLst>
+      <p:ext uri="{BB962C8B-B14F-4D97-AF65-F5344CB8AC3E}">
+        <p14:creationId xmlns:p14="http://schemas.microsoft.com/office/powerpoint/2010/main" val="4137182442"/>
+      </p:ext>
+    </p:extLst>
+  </p:cSld>
+  <p:clrMapOvr>
+    <a:masterClrMapping/>
+  </p:clrMapOvr>
+  <p:extLst>
+    <p:ext uri="{DCECCB84-F9BA-43D5-87BE-67443E8EF086}">
+      <p15:sldGuideLst xmlns:p15="http://schemas.microsoft.com/office/powerpoint/2012/main">
+        <p15:guide id="1" orient="horz" pos="1620">
+          <p15:clr>
+            <a:srgbClr val="FBAE40"/>
+          </p15:clr>
+        </p15:guide>
+        <p15:guide id="2" pos="2880">
+          <p15:clr>
+            <a:srgbClr val="FBAE40"/>
+          </p15:clr>
+        </p15:guide>
+      </p15:sldGuideLst>
+    </p:ext>
+  </p:extLst>
+</p:sldLayout>
+</file>
+
 <file path=ppt/slideLayouts/slideLayout2.xml><?xml version="1.0" encoding="utf-8"?>
 <p:sldLayout xmlns:a="http://schemas.openxmlformats.org/drawingml/2006/main" xmlns:r="http://schemas.openxmlformats.org/officeDocument/2006/relationships" xmlns:p="http://schemas.openxmlformats.org/presentationml/2006/main" type="title" preserve="1">
   <p:cSld name="1_제목 슬라이드">
@@ -7212,7 +4172,7 @@
     <p:bg>
       <p:bgPr>
         <a:blipFill dpi="0" rotWithShape="1">
-          <a:blip r:embed="rId13">
+          <a:blip r:embed="rId14">
             <a:lum/>
           </a:blip>
           <a:srcRect/>
@@ -7374,6 +4334,7 @@
     <p:sldLayoutId id="2147483676" r:id="rId9"/>
     <p:sldLayoutId id="2147483668" r:id="rId10"/>
     <p:sldLayoutId id="2147483667" r:id="rId11"/>
+    <p:sldLayoutId id="2147483677" r:id="rId12"/>
   </p:sldLayoutIdLst>
   <p:txStyles>
     <p:titleStyle>
@@ -7829,7 +4790,7 @@
           <a:p>
             <a:r>
               <a:rPr lang="ko-KR" altLang="en-US" b="1" dirty="0"/>
-              <a:t>실무형 심화개발</a:t>
+              <a:t>결제서비스 구현</a:t>
             </a:r>
           </a:p>
         </p:txBody>
@@ -7866,7 +4827,7 @@
                   <a:srgbClr val="ED234B"/>
                 </a:solidFill>
               </a:rPr>
-              <a:t>4</a:t>
+              <a:t>3</a:t>
             </a:r>
             <a:r>
               <a:rPr lang="ko" altLang="ko-KR" b="1" dirty="0">
@@ -7877,17 +4838,16 @@
               <a:t> </a:t>
             </a:r>
             <a:r>
-              <a:rPr lang="en-US" altLang="ko-KR" dirty="0"/>
-              <a:t>Circuit breaker</a:t>
-            </a:r>
-            <a:endParaRPr lang="ko-KR" altLang="en-US" dirty="0"/>
+              <a:rPr lang="ko-KR" altLang="en-US" dirty="0"/>
+              <a:t>결제 서비스 설계</a:t>
+            </a:r>
           </a:p>
         </p:txBody>
       </p:sp>
     </p:spTree>
     <p:extLst>
       <p:ext uri="{BB962C8B-B14F-4D97-AF65-F5344CB8AC3E}">
-        <p14:creationId xmlns:p14="http://schemas.microsoft.com/office/powerpoint/2010/main" val="417457615"/>
+        <p14:creationId xmlns:p14="http://schemas.microsoft.com/office/powerpoint/2010/main" val="2069806099"/>
       </p:ext>
     </p:extLst>
   </p:cSld>
@@ -7937,7 +4897,7 @@
           <a:p>
             <a:r>
               <a:rPr lang="ko-KR" altLang="en-US" dirty="0"/>
-              <a:t>구현 실습</a:t>
+              <a:t>결제 서비스 설계</a:t>
             </a:r>
           </a:p>
         </p:txBody>
@@ -7968,7 +4928,7 @@
             </a:pPr>
             <a:r>
               <a:rPr lang="en-US" altLang="ko-KR" dirty="0"/>
-              <a:t>Circuit Breaker</a:t>
+              <a:t>Sequence Diagram</a:t>
             </a:r>
             <a:endParaRPr lang="ko-KR" altLang="en-US" dirty="0"/>
           </a:p>
@@ -7977,7 +4937,7 @@
     </p:spTree>
     <p:extLst>
       <p:ext uri="{BB962C8B-B14F-4D97-AF65-F5344CB8AC3E}">
-        <p14:creationId xmlns:p14="http://schemas.microsoft.com/office/powerpoint/2010/main" val="45339774"/>
+        <p14:creationId xmlns:p14="http://schemas.microsoft.com/office/powerpoint/2010/main" val="3878263524"/>
       </p:ext>
     </p:extLst>
   </p:cSld>
@@ -8006,68 +4966,190 @@
       </p:grpSpPr>
       <p:sp>
         <p:nvSpPr>
-          <p:cNvPr id="4" name="제목 3">
+          <p:cNvPr id="7" name="Google Shape;209;p30">
             <a:extLst>
               <a:ext uri="{FF2B5EF4-FFF2-40B4-BE49-F238E27FC236}">
-                <a16:creationId xmlns:a16="http://schemas.microsoft.com/office/drawing/2014/main" id="{AA6C3C0E-F24F-9763-AC2A-545FB7F3873E}"/>
+                <a16:creationId xmlns:a16="http://schemas.microsoft.com/office/drawing/2014/main" id="{35F3E219-4EBB-8DE8-0966-E4317399395E}"/>
               </a:ext>
             </a:extLst>
           </p:cNvPr>
-          <p:cNvSpPr>
-            <a:spLocks noGrp="1"/>
-          </p:cNvSpPr>
-          <p:nvPr>
-            <p:ph type="ctrTitle"/>
-          </p:nvPr>
-        </p:nvSpPr>
-        <p:spPr/>
-        <p:txBody>
-          <a:bodyPr/>
+          <p:cNvSpPr/>
+          <p:nvPr/>
+        </p:nvSpPr>
+        <p:spPr>
+          <a:xfrm>
+            <a:off x="7811013" y="528014"/>
+            <a:ext cx="952500" cy="298200"/>
+          </a:xfrm>
+          <a:prstGeom prst="rect">
+            <a:avLst/>
+          </a:prstGeom>
+          <a:noFill/>
+          <a:ln>
+            <a:noFill/>
+          </a:ln>
+        </p:spPr>
+        <p:txBody>
+          <a:bodyPr spcFirstLastPara="1" wrap="square" lIns="19050" tIns="19050" rIns="19050" bIns="19050" anchor="t" anchorCtr="0">
+            <a:noAutofit/>
+          </a:bodyPr>
           <a:lstStyle/>
           <a:p>
-            <a:r>
-              <a:rPr lang="ko-KR" altLang="en-US" dirty="0"/>
-              <a:t>구현 실습</a:t>
-            </a:r>
-          </a:p>
-        </p:txBody>
-      </p:sp>
-      <p:sp>
-        <p:nvSpPr>
-          <p:cNvPr id="5" name="부제목 4">
+            <a:pPr marL="63500" marR="0" lvl="1" indent="0" algn="l" rtl="0">
+              <a:lnSpc>
+                <a:spcPct val="90000"/>
+              </a:lnSpc>
+              <a:spcBef>
+                <a:spcPts val="0"/>
+              </a:spcBef>
+              <a:spcAft>
+                <a:spcPts val="0"/>
+              </a:spcAft>
+              <a:buNone/>
+            </a:pPr>
+            <a:r>
+              <a:rPr lang="en-US" altLang="ko" sz="1200" b="1" i="0" u="none" strike="noStrike" cap="none" dirty="0">
+                <a:solidFill>
+                  <a:schemeClr val="bg1"/>
+                </a:solidFill>
+                <a:latin typeface="Arial"/>
+                <a:ea typeface="Arial"/>
+                <a:cs typeface="Arial"/>
+                <a:sym typeface="Arial"/>
+              </a:rPr>
+              <a:t>3</a:t>
+            </a:r>
+            <a:r>
+              <a:rPr lang="ko" sz="1200" b="1" i="0" u="none" strike="noStrike" cap="none" dirty="0">
+                <a:solidFill>
+                  <a:schemeClr val="bg1"/>
+                </a:solidFill>
+                <a:latin typeface="Arial"/>
+                <a:ea typeface="Arial"/>
+                <a:cs typeface="Arial"/>
+                <a:sym typeface="Arial"/>
+              </a:rPr>
+              <a:t>.</a:t>
+            </a:r>
+            <a:endParaRPr sz="500" dirty="0">
+              <a:solidFill>
+                <a:schemeClr val="bg1"/>
+              </a:solidFill>
+            </a:endParaRPr>
+          </a:p>
+        </p:txBody>
+      </p:sp>
+      <p:sp>
+        <p:nvSpPr>
+          <p:cNvPr id="8" name="Google Shape;210;p30">
             <a:extLst>
               <a:ext uri="{FF2B5EF4-FFF2-40B4-BE49-F238E27FC236}">
-                <a16:creationId xmlns:a16="http://schemas.microsoft.com/office/drawing/2014/main" id="{CAF74D28-A379-C9BB-D8F9-E3B6A7427E89}"/>
+                <a16:creationId xmlns:a16="http://schemas.microsoft.com/office/drawing/2014/main" id="{8CB63A74-B5C7-DCAA-53F5-96E44004D694}"/>
               </a:ext>
             </a:extLst>
           </p:cNvPr>
-          <p:cNvSpPr>
-            <a:spLocks noGrp="1"/>
-          </p:cNvSpPr>
-          <p:nvPr>
-            <p:ph type="subTitle" idx="1"/>
-          </p:nvPr>
-        </p:nvSpPr>
-        <p:spPr/>
-        <p:txBody>
-          <a:bodyPr/>
+          <p:cNvSpPr/>
+          <p:nvPr/>
+        </p:nvSpPr>
+        <p:spPr>
+          <a:xfrm>
+            <a:off x="7811013" y="825047"/>
+            <a:ext cx="952500" cy="293400"/>
+          </a:xfrm>
+          <a:prstGeom prst="rect">
+            <a:avLst/>
+          </a:prstGeom>
+          <a:noFill/>
+          <a:ln>
+            <a:noFill/>
+          </a:ln>
+        </p:spPr>
+        <p:txBody>
+          <a:bodyPr spcFirstLastPara="1" wrap="square" lIns="19050" tIns="19050" rIns="19050" bIns="19050" anchor="t" anchorCtr="0">
+            <a:noAutofit/>
+          </a:bodyPr>
           <a:lstStyle/>
           <a:p>
-            <a:pPr marL="0" indent="0" algn="r">
+            <a:pPr marL="63500" marR="0" lvl="1" indent="0" algn="l" rtl="0">
+              <a:spcBef>
+                <a:spcPts val="200"/>
+              </a:spcBef>
+              <a:spcAft>
+                <a:spcPts val="0"/>
+              </a:spcAft>
+              <a:buClr>
+                <a:srgbClr val="000000"/>
+              </a:buClr>
+              <a:buFont typeface="Arial"/>
               <a:buNone/>
             </a:pPr>
             <a:r>
-              <a:rPr lang="en-US" altLang="ko-KR" dirty="0"/>
-              <a:t>Rate Limiter</a:t>
-            </a:r>
-            <a:endParaRPr lang="ko-KR" altLang="en-US" dirty="0"/>
-          </a:p>
-        </p:txBody>
-      </p:sp>
+              <a:rPr lang="ko-KR" altLang="en-US" sz="800" dirty="0">
+                <a:solidFill>
+                  <a:schemeClr val="bg1"/>
+                </a:solidFill>
+              </a:rPr>
+              <a:t>결제 서비스 설계</a:t>
+            </a:r>
+            <a:endParaRPr sz="800" dirty="0">
+              <a:solidFill>
+                <a:schemeClr val="bg1"/>
+              </a:solidFill>
+            </a:endParaRPr>
+          </a:p>
+        </p:txBody>
+      </p:sp>
+      <p:pic>
+        <p:nvPicPr>
+          <p:cNvPr id="1028" name="Picture 4">
+            <a:extLst>
+              <a:ext uri="{FF2B5EF4-FFF2-40B4-BE49-F238E27FC236}">
+                <a16:creationId xmlns:a16="http://schemas.microsoft.com/office/drawing/2014/main" id="{5EAF05EA-EEFF-5D0E-2031-05CB96744A71}"/>
+              </a:ext>
+            </a:extLst>
+          </p:cNvPr>
+          <p:cNvPicPr>
+            <a:picLocks noChangeAspect="1" noChangeArrowheads="1"/>
+          </p:cNvPicPr>
+          <p:nvPr/>
+        </p:nvPicPr>
+        <p:blipFill>
+          <a:blip r:embed="rId3">
+            <a:extLst>
+              <a:ext uri="{28A0092B-C50C-407E-A947-70E740481C1C}">
+                <a14:useLocalDpi xmlns:a14="http://schemas.microsoft.com/office/drawing/2010/main" val="0"/>
+              </a:ext>
+            </a:extLst>
+          </a:blip>
+          <a:srcRect/>
+          <a:stretch>
+            <a:fillRect/>
+          </a:stretch>
+        </p:blipFill>
+        <p:spPr bwMode="auto">
+          <a:xfrm>
+            <a:off x="1108123" y="31786"/>
+            <a:ext cx="7198822" cy="5111713"/>
+          </a:xfrm>
+          <a:prstGeom prst="rect">
+            <a:avLst/>
+          </a:prstGeom>
+          <a:noFill/>
+          <a:extLst>
+            <a:ext uri="{909E8E84-426E-40DD-AFC4-6F175D3DCCD1}">
+              <a14:hiddenFill xmlns:a14="http://schemas.microsoft.com/office/drawing/2010/main">
+                <a:solidFill>
+                  <a:srgbClr val="FFFFFF"/>
+                </a:solidFill>
+              </a14:hiddenFill>
+            </a:ext>
+          </a:extLst>
+        </p:spPr>
+      </p:pic>
     </p:spTree>
     <p:extLst>
       <p:ext uri="{BB962C8B-B14F-4D97-AF65-F5344CB8AC3E}">
-        <p14:creationId xmlns:p14="http://schemas.microsoft.com/office/powerpoint/2010/main" val="3937206611"/>
+        <p14:creationId xmlns:p14="http://schemas.microsoft.com/office/powerpoint/2010/main" val="1621025704"/>
       </p:ext>
     </p:extLst>
   </p:cSld>
@@ -8099,7 +5181,7 @@
           <p:cNvPr id="2" name="제목 1">
             <a:extLst>
               <a:ext uri="{FF2B5EF4-FFF2-40B4-BE49-F238E27FC236}">
-                <a16:creationId xmlns:a16="http://schemas.microsoft.com/office/drawing/2014/main" id="{9896B29B-A1AE-E0C6-8543-753E63140B1C}"/>
+                <a16:creationId xmlns:a16="http://schemas.microsoft.com/office/drawing/2014/main" id="{D21C1AA9-5E52-3A11-B3B3-447787E29D09}"/>
               </a:ext>
             </a:extLst>
           </p:cNvPr>
@@ -8107,81 +5189,191 @@
             <a:spLocks noGrp="1"/>
           </p:cNvSpPr>
           <p:nvPr>
-            <p:ph type="ctrTitle"/>
+            <p:ph type="title"/>
           </p:nvPr>
         </p:nvSpPr>
         <p:spPr/>
         <p:txBody>
-          <a:bodyPr>
-            <a:normAutofit/>
-          </a:bodyPr>
+          <a:bodyPr/>
           <a:lstStyle/>
           <a:p>
             <a:r>
-              <a:rPr lang="ko-KR" altLang="en-US" b="1" dirty="0"/>
-              <a:t>실무형 심화개발</a:t>
-            </a:r>
-          </a:p>
-        </p:txBody>
-      </p:sp>
-      <p:sp>
-        <p:nvSpPr>
-          <p:cNvPr id="4" name="부제목 3">
+              <a:rPr lang="en-US" altLang="ko-KR" dirty="0"/>
+              <a:t>Sequence Diagram</a:t>
+            </a:r>
+            <a:endParaRPr lang="ko-KR" altLang="en-US" dirty="0"/>
+          </a:p>
+        </p:txBody>
+      </p:sp>
+      <p:sp>
+        <p:nvSpPr>
+          <p:cNvPr id="7" name="Google Shape;209;p30">
             <a:extLst>
               <a:ext uri="{FF2B5EF4-FFF2-40B4-BE49-F238E27FC236}">
-                <a16:creationId xmlns:a16="http://schemas.microsoft.com/office/drawing/2014/main" id="{7219E4B9-47F6-C7CA-B046-1256225C3574}"/>
+                <a16:creationId xmlns:a16="http://schemas.microsoft.com/office/drawing/2014/main" id="{35F3E219-4EBB-8DE8-0966-E4317399395E}"/>
               </a:ext>
             </a:extLst>
           </p:cNvPr>
-          <p:cNvSpPr>
-            <a:spLocks noGrp="1"/>
-          </p:cNvSpPr>
-          <p:nvPr>
-            <p:ph type="subTitle" idx="1"/>
-          </p:nvPr>
-        </p:nvSpPr>
-        <p:spPr/>
-        <p:txBody>
-          <a:bodyPr>
-            <a:normAutofit/>
+          <p:cNvSpPr/>
+          <p:nvPr/>
+        </p:nvSpPr>
+        <p:spPr>
+          <a:xfrm>
+            <a:off x="7811013" y="528014"/>
+            <a:ext cx="952500" cy="298200"/>
+          </a:xfrm>
+          <a:prstGeom prst="rect">
+            <a:avLst/>
+          </a:prstGeom>
+          <a:noFill/>
+          <a:ln>
+            <a:noFill/>
+          </a:ln>
+        </p:spPr>
+        <p:txBody>
+          <a:bodyPr spcFirstLastPara="1" wrap="square" lIns="19050" tIns="19050" rIns="19050" bIns="19050" anchor="t" anchorCtr="0">
+            <a:noAutofit/>
           </a:bodyPr>
           <a:lstStyle/>
           <a:p>
-            <a:pPr marL="0" indent="0" algn="r">
+            <a:pPr marL="63500" marR="0" lvl="1" indent="0" algn="l" rtl="0">
+              <a:lnSpc>
+                <a:spcPct val="90000"/>
+              </a:lnSpc>
+              <a:spcBef>
+                <a:spcPts val="0"/>
+              </a:spcBef>
+              <a:spcAft>
+                <a:spcPts val="0"/>
+              </a:spcAft>
               <a:buNone/>
             </a:pPr>
             <a:r>
-              <a:rPr lang="en-US" altLang="ko" b="1" dirty="0">
+              <a:rPr lang="en-US" altLang="ko" sz="1200" b="1" i="0" u="none" strike="noStrike" cap="none" dirty="0">
                 <a:solidFill>
-                  <a:srgbClr val="ED234B"/>
+                  <a:schemeClr val="bg1"/>
+                </a:solidFill>
+                <a:latin typeface="Arial"/>
+                <a:ea typeface="Arial"/>
+                <a:cs typeface="Arial"/>
+                <a:sym typeface="Arial"/>
+              </a:rPr>
+              <a:t>3</a:t>
+            </a:r>
+            <a:r>
+              <a:rPr lang="ko" sz="1200" b="1" i="0" u="none" strike="noStrike" cap="none" dirty="0">
+                <a:solidFill>
+                  <a:schemeClr val="bg1"/>
+                </a:solidFill>
+                <a:latin typeface="Arial"/>
+                <a:ea typeface="Arial"/>
+                <a:cs typeface="Arial"/>
+                <a:sym typeface="Arial"/>
+              </a:rPr>
+              <a:t>.</a:t>
+            </a:r>
+            <a:endParaRPr sz="500" dirty="0">
+              <a:solidFill>
+                <a:schemeClr val="bg1"/>
+              </a:solidFill>
+            </a:endParaRPr>
+          </a:p>
+        </p:txBody>
+      </p:sp>
+      <p:sp>
+        <p:nvSpPr>
+          <p:cNvPr id="8" name="Google Shape;210;p30">
+            <a:extLst>
+              <a:ext uri="{FF2B5EF4-FFF2-40B4-BE49-F238E27FC236}">
+                <a16:creationId xmlns:a16="http://schemas.microsoft.com/office/drawing/2014/main" id="{8CB63A74-B5C7-DCAA-53F5-96E44004D694}"/>
+              </a:ext>
+            </a:extLst>
+          </p:cNvPr>
+          <p:cNvSpPr/>
+          <p:nvPr/>
+        </p:nvSpPr>
+        <p:spPr>
+          <a:xfrm>
+            <a:off x="7811013" y="825047"/>
+            <a:ext cx="952500" cy="293400"/>
+          </a:xfrm>
+          <a:prstGeom prst="rect">
+            <a:avLst/>
+          </a:prstGeom>
+          <a:noFill/>
+          <a:ln>
+            <a:noFill/>
+          </a:ln>
+        </p:spPr>
+        <p:txBody>
+          <a:bodyPr spcFirstLastPara="1" wrap="square" lIns="19050" tIns="19050" rIns="19050" bIns="19050" anchor="t" anchorCtr="0">
+            <a:noAutofit/>
+          </a:bodyPr>
+          <a:lstStyle/>
+          <a:p>
+            <a:pPr marL="63500" marR="0" lvl="1" indent="0" algn="l" rtl="0">
+              <a:spcBef>
+                <a:spcPts val="200"/>
+              </a:spcBef>
+              <a:spcAft>
+                <a:spcPts val="0"/>
+              </a:spcAft>
+              <a:buClr>
+                <a:srgbClr val="000000"/>
+              </a:buClr>
+              <a:buFont typeface="Arial"/>
+              <a:buNone/>
+            </a:pPr>
+            <a:r>
+              <a:rPr lang="ko-KR" altLang="en-US" sz="800" dirty="0">
+                <a:solidFill>
+                  <a:schemeClr val="bg1"/>
                 </a:solidFill>
               </a:rPr>
-              <a:t>5</a:t>
-            </a:r>
-            <a:r>
-              <a:rPr lang="ko" altLang="ko-KR" b="1" dirty="0">
-                <a:solidFill>
-                  <a:srgbClr val="ED234B"/>
-                </a:solidFill>
-              </a:rPr>
-              <a:t> </a:t>
-            </a:r>
-            <a:r>
-              <a:rPr lang="en-US" altLang="ko-KR" dirty="0"/>
-              <a:t>R2DBC </a:t>
-            </a:r>
-            <a:r>
-              <a:rPr lang="en-US" altLang="ko-KR" dirty="0" err="1"/>
-              <a:t>DbClient</a:t>
-            </a:r>
-            <a:endParaRPr lang="ko-KR" altLang="en-US" dirty="0"/>
-          </a:p>
-        </p:txBody>
-      </p:sp>
+              <a:t>결제 서비스 설계</a:t>
+            </a:r>
+            <a:endParaRPr sz="800" dirty="0">
+              <a:solidFill>
+                <a:schemeClr val="bg1"/>
+              </a:solidFill>
+            </a:endParaRPr>
+          </a:p>
+        </p:txBody>
+      </p:sp>
+      <p:pic>
+        <p:nvPicPr>
+          <p:cNvPr id="4" name="그림 3">
+            <a:extLst>
+              <a:ext uri="{FF2B5EF4-FFF2-40B4-BE49-F238E27FC236}">
+                <a16:creationId xmlns:a16="http://schemas.microsoft.com/office/drawing/2014/main" id="{FBB2A75E-378F-0D93-F1A1-553E252CDDC5}"/>
+              </a:ext>
+            </a:extLst>
+          </p:cNvPr>
+          <p:cNvPicPr>
+            <a:picLocks noChangeAspect="1"/>
+          </p:cNvPicPr>
+          <p:nvPr/>
+        </p:nvPicPr>
+        <p:blipFill>
+          <a:blip r:embed="rId3"/>
+          <a:stretch>
+            <a:fillRect/>
+          </a:stretch>
+        </p:blipFill>
+        <p:spPr>
+          <a:xfrm>
+            <a:off x="1149094" y="1118448"/>
+            <a:ext cx="4865870" cy="4025052"/>
+          </a:xfrm>
+          <a:prstGeom prst="rect">
+            <a:avLst/>
+          </a:prstGeom>
+        </p:spPr>
+      </p:pic>
     </p:spTree>
     <p:extLst>
       <p:ext uri="{BB962C8B-B14F-4D97-AF65-F5344CB8AC3E}">
-        <p14:creationId xmlns:p14="http://schemas.microsoft.com/office/powerpoint/2010/main" val="90700437"/>
+        <p14:creationId xmlns:p14="http://schemas.microsoft.com/office/powerpoint/2010/main" val="2674560204"/>
       </p:ext>
     </p:extLst>
   </p:cSld>
@@ -8231,7 +5423,7 @@
           <a:p>
             <a:r>
               <a:rPr lang="ko-KR" altLang="en-US" dirty="0"/>
-              <a:t>구현 실습</a:t>
+              <a:t>결제 서비스 설계</a:t>
             </a:r>
           </a:p>
         </p:txBody>
@@ -8261,28 +5453,17 @@
               <a:buNone/>
             </a:pPr>
             <a:r>
-              <a:rPr lang="en-US" altLang="ko-KR" dirty="0" err="1"/>
-              <a:t>DbClient</a:t>
-            </a:r>
-            <a:r>
-              <a:rPr lang="ko-KR" altLang="en-US" dirty="0"/>
-              <a:t>를 이용한 </a:t>
-            </a:r>
-            <a:r>
               <a:rPr lang="en-US" altLang="ko-KR" dirty="0"/>
-              <a:t>native query </a:t>
-            </a:r>
-            <a:r>
-              <a:rPr lang="ko-KR" altLang="en-US" dirty="0"/>
-              <a:t>호출</a:t>
-            </a:r>
+              <a:t>System Design</a:t>
+            </a:r>
+            <a:endParaRPr lang="ko-KR" altLang="en-US" dirty="0"/>
           </a:p>
         </p:txBody>
       </p:sp>
     </p:spTree>
     <p:extLst>
       <p:ext uri="{BB962C8B-B14F-4D97-AF65-F5344CB8AC3E}">
-        <p14:creationId xmlns:p14="http://schemas.microsoft.com/office/powerpoint/2010/main" val="629929442"/>
+        <p14:creationId xmlns:p14="http://schemas.microsoft.com/office/powerpoint/2010/main" val="3123472479"/>
       </p:ext>
     </p:extLst>
   </p:cSld>
@@ -8311,91 +5492,143 @@
       </p:grpSpPr>
       <p:sp>
         <p:nvSpPr>
-          <p:cNvPr id="2" name="제목 1">
+          <p:cNvPr id="7" name="Google Shape;209;p30">
             <a:extLst>
               <a:ext uri="{FF2B5EF4-FFF2-40B4-BE49-F238E27FC236}">
-                <a16:creationId xmlns:a16="http://schemas.microsoft.com/office/drawing/2014/main" id="{9896B29B-A1AE-E0C6-8543-753E63140B1C}"/>
+                <a16:creationId xmlns:a16="http://schemas.microsoft.com/office/drawing/2014/main" id="{35F3E219-4EBB-8DE8-0966-E4317399395E}"/>
               </a:ext>
             </a:extLst>
           </p:cNvPr>
-          <p:cNvSpPr>
-            <a:spLocks noGrp="1"/>
-          </p:cNvSpPr>
-          <p:nvPr>
-            <p:ph type="ctrTitle"/>
-          </p:nvPr>
-        </p:nvSpPr>
-        <p:spPr/>
-        <p:txBody>
-          <a:bodyPr>
-            <a:normAutofit/>
+          <p:cNvSpPr/>
+          <p:nvPr/>
+        </p:nvSpPr>
+        <p:spPr>
+          <a:xfrm>
+            <a:off x="7811013" y="528014"/>
+            <a:ext cx="952500" cy="298200"/>
+          </a:xfrm>
+          <a:prstGeom prst="rect">
+            <a:avLst/>
+          </a:prstGeom>
+          <a:noFill/>
+          <a:ln>
+            <a:noFill/>
+          </a:ln>
+        </p:spPr>
+        <p:txBody>
+          <a:bodyPr spcFirstLastPara="1" wrap="square" lIns="19050" tIns="19050" rIns="19050" bIns="19050" anchor="t" anchorCtr="0">
+            <a:noAutofit/>
           </a:bodyPr>
           <a:lstStyle/>
           <a:p>
-            <a:r>
-              <a:rPr lang="ko-KR" altLang="en-US" b="1" dirty="0"/>
-              <a:t>실무형 심화개발</a:t>
-            </a:r>
-          </a:p>
-        </p:txBody>
-      </p:sp>
-      <p:sp>
-        <p:nvSpPr>
-          <p:cNvPr id="4" name="부제목 3">
+            <a:pPr marL="63500" marR="0" lvl="1" indent="0" algn="l" rtl="0">
+              <a:lnSpc>
+                <a:spcPct val="90000"/>
+              </a:lnSpc>
+              <a:spcBef>
+                <a:spcPts val="0"/>
+              </a:spcBef>
+              <a:spcAft>
+                <a:spcPts val="0"/>
+              </a:spcAft>
+              <a:buNone/>
+            </a:pPr>
+            <a:r>
+              <a:rPr lang="en-US" altLang="ko" sz="1200" b="1" i="0" u="none" strike="noStrike" cap="none" dirty="0">
+                <a:solidFill>
+                  <a:schemeClr val="bg1"/>
+                </a:solidFill>
+                <a:latin typeface="Arial"/>
+                <a:ea typeface="Arial"/>
+                <a:cs typeface="Arial"/>
+                <a:sym typeface="Arial"/>
+              </a:rPr>
+              <a:t>3</a:t>
+            </a:r>
+            <a:r>
+              <a:rPr lang="ko" sz="1200" b="1" i="0" u="none" strike="noStrike" cap="none" dirty="0">
+                <a:solidFill>
+                  <a:schemeClr val="bg1"/>
+                </a:solidFill>
+                <a:latin typeface="Arial"/>
+                <a:ea typeface="Arial"/>
+                <a:cs typeface="Arial"/>
+                <a:sym typeface="Arial"/>
+              </a:rPr>
+              <a:t>.</a:t>
+            </a:r>
+            <a:endParaRPr sz="500" dirty="0">
+              <a:solidFill>
+                <a:schemeClr val="bg1"/>
+              </a:solidFill>
+            </a:endParaRPr>
+          </a:p>
+        </p:txBody>
+      </p:sp>
+      <p:sp>
+        <p:nvSpPr>
+          <p:cNvPr id="8" name="Google Shape;210;p30">
             <a:extLst>
               <a:ext uri="{FF2B5EF4-FFF2-40B4-BE49-F238E27FC236}">
-                <a16:creationId xmlns:a16="http://schemas.microsoft.com/office/drawing/2014/main" id="{7219E4B9-47F6-C7CA-B046-1256225C3574}"/>
+                <a16:creationId xmlns:a16="http://schemas.microsoft.com/office/drawing/2014/main" id="{8CB63A74-B5C7-DCAA-53F5-96E44004D694}"/>
               </a:ext>
             </a:extLst>
           </p:cNvPr>
-          <p:cNvSpPr>
-            <a:spLocks noGrp="1"/>
-          </p:cNvSpPr>
-          <p:nvPr>
-            <p:ph type="subTitle" idx="1"/>
-          </p:nvPr>
-        </p:nvSpPr>
-        <p:spPr/>
-        <p:txBody>
-          <a:bodyPr>
-            <a:normAutofit/>
+          <p:cNvSpPr/>
+          <p:nvPr/>
+        </p:nvSpPr>
+        <p:spPr>
+          <a:xfrm>
+            <a:off x="7811013" y="825047"/>
+            <a:ext cx="952500" cy="293400"/>
+          </a:xfrm>
+          <a:prstGeom prst="rect">
+            <a:avLst/>
+          </a:prstGeom>
+          <a:noFill/>
+          <a:ln>
+            <a:noFill/>
+          </a:ln>
+        </p:spPr>
+        <p:txBody>
+          <a:bodyPr spcFirstLastPara="1" wrap="square" lIns="19050" tIns="19050" rIns="19050" bIns="19050" anchor="t" anchorCtr="0">
+            <a:noAutofit/>
           </a:bodyPr>
           <a:lstStyle/>
           <a:p>
-            <a:pPr marL="0" indent="0" algn="r">
+            <a:pPr marL="63500" marR="0" lvl="1" indent="0" algn="l" rtl="0">
+              <a:spcBef>
+                <a:spcPts val="200"/>
+              </a:spcBef>
+              <a:spcAft>
+                <a:spcPts val="0"/>
+              </a:spcAft>
+              <a:buClr>
+                <a:srgbClr val="000000"/>
+              </a:buClr>
+              <a:buFont typeface="Arial"/>
               <a:buNone/>
             </a:pPr>
             <a:r>
-              <a:rPr lang="en-US" altLang="ko" b="1" dirty="0">
+              <a:rPr lang="ko-KR" altLang="en-US" sz="800" dirty="0">
                 <a:solidFill>
-                  <a:srgbClr val="ED234B"/>
+                  <a:schemeClr val="bg1"/>
                 </a:solidFill>
               </a:rPr>
-              <a:t>6</a:t>
-            </a:r>
-            <a:r>
-              <a:rPr lang="ko" altLang="ko-KR" b="1" dirty="0">
-                <a:solidFill>
-                  <a:srgbClr val="ED234B"/>
-                </a:solidFill>
-              </a:rPr>
-              <a:t> </a:t>
-            </a:r>
-            <a:r>
-              <a:rPr lang="en-US" altLang="ko-KR" dirty="0"/>
-              <a:t>Redis </a:t>
-            </a:r>
-            <a:r>
-              <a:rPr lang="ko-KR" altLang="en-US" dirty="0"/>
-              <a:t>연동</a:t>
-            </a:r>
+              <a:t>결제 서비스 설계</a:t>
+            </a:r>
+            <a:endParaRPr sz="800" dirty="0">
+              <a:solidFill>
+                <a:schemeClr val="bg1"/>
+              </a:solidFill>
+            </a:endParaRPr>
           </a:p>
         </p:txBody>
       </p:sp>
     </p:spTree>
     <p:extLst>
       <p:ext uri="{BB962C8B-B14F-4D97-AF65-F5344CB8AC3E}">
-        <p14:creationId xmlns:p14="http://schemas.microsoft.com/office/powerpoint/2010/main" val="8129757"/>
+        <p14:creationId xmlns:p14="http://schemas.microsoft.com/office/powerpoint/2010/main" val="2094486507"/>
       </p:ext>
     </p:extLst>
   </p:cSld>
@@ -8424,10 +5657,10 @@
       </p:grpSpPr>
       <p:sp>
         <p:nvSpPr>
-          <p:cNvPr id="4" name="제목 3">
+          <p:cNvPr id="2" name="제목 1">
             <a:extLst>
               <a:ext uri="{FF2B5EF4-FFF2-40B4-BE49-F238E27FC236}">
-                <a16:creationId xmlns:a16="http://schemas.microsoft.com/office/drawing/2014/main" id="{AA6C3C0E-F24F-9763-AC2A-545FB7F3873E}"/>
+                <a16:creationId xmlns:a16="http://schemas.microsoft.com/office/drawing/2014/main" id="{D21C1AA9-5E52-3A11-B3B3-447787E29D09}"/>
               </a:ext>
             </a:extLst>
           </p:cNvPr>
@@ -8435,7 +5668,7 @@
             <a:spLocks noGrp="1"/>
           </p:cNvSpPr>
           <p:nvPr>
-            <p:ph type="ctrTitle"/>
+            <p:ph type="title"/>
           </p:nvPr>
         </p:nvSpPr>
         <p:spPr/>
@@ -8444,67 +5677,199 @@
           <a:lstStyle/>
           <a:p>
             <a:r>
-              <a:rPr lang="ko-KR" altLang="en-US" dirty="0"/>
-              <a:t>구현 실습</a:t>
-            </a:r>
-          </a:p>
-        </p:txBody>
-      </p:sp>
-      <p:sp>
-        <p:nvSpPr>
-          <p:cNvPr id="5" name="부제목 4">
+              <a:rPr lang="en-US" altLang="ko-KR" dirty="0"/>
+              <a:t>System Design</a:t>
+            </a:r>
+            <a:endParaRPr lang="ko-KR" altLang="en-US" dirty="0"/>
+          </a:p>
+        </p:txBody>
+      </p:sp>
+      <p:sp>
+        <p:nvSpPr>
+          <p:cNvPr id="7" name="Google Shape;209;p30">
             <a:extLst>
               <a:ext uri="{FF2B5EF4-FFF2-40B4-BE49-F238E27FC236}">
-                <a16:creationId xmlns:a16="http://schemas.microsoft.com/office/drawing/2014/main" id="{CAF74D28-A379-C9BB-D8F9-E3B6A7427E89}"/>
+                <a16:creationId xmlns:a16="http://schemas.microsoft.com/office/drawing/2014/main" id="{35F3E219-4EBB-8DE8-0966-E4317399395E}"/>
               </a:ext>
             </a:extLst>
           </p:cNvPr>
-          <p:cNvSpPr>
-            <a:spLocks noGrp="1"/>
-          </p:cNvSpPr>
-          <p:nvPr>
-            <p:ph type="subTitle" idx="1"/>
-          </p:nvPr>
-        </p:nvSpPr>
-        <p:spPr/>
-        <p:txBody>
-          <a:bodyPr/>
+          <p:cNvSpPr/>
+          <p:nvPr/>
+        </p:nvSpPr>
+        <p:spPr>
+          <a:xfrm>
+            <a:off x="7811013" y="528014"/>
+            <a:ext cx="952500" cy="298200"/>
+          </a:xfrm>
+          <a:prstGeom prst="rect">
+            <a:avLst/>
+          </a:prstGeom>
+          <a:noFill/>
+          <a:ln>
+            <a:noFill/>
+          </a:ln>
+        </p:spPr>
+        <p:txBody>
+          <a:bodyPr spcFirstLastPara="1" wrap="square" lIns="19050" tIns="19050" rIns="19050" bIns="19050" anchor="t" anchorCtr="0">
+            <a:noAutofit/>
+          </a:bodyPr>
           <a:lstStyle/>
           <a:p>
-            <a:pPr marL="0" indent="0" algn="r">
+            <a:pPr marL="63500" marR="0" lvl="1" indent="0" algn="l" rtl="0">
+              <a:lnSpc>
+                <a:spcPct val="90000"/>
+              </a:lnSpc>
+              <a:spcBef>
+                <a:spcPts val="0"/>
+              </a:spcBef>
+              <a:spcAft>
+                <a:spcPts val="0"/>
+              </a:spcAft>
               <a:buNone/>
             </a:pPr>
             <a:r>
-              <a:rPr lang="en-US" altLang="ko-KR" dirty="0"/>
-              <a:t>Redis </a:t>
-            </a:r>
-            <a:r>
-              <a:rPr lang="ko-KR" altLang="en-US" dirty="0"/>
-              <a:t>설치 및 </a:t>
-            </a:r>
-            <a:r>
-              <a:rPr lang="en-US" altLang="ko-KR" dirty="0"/>
-              <a:t>Reactive </a:t>
-            </a:r>
-            <a:r>
-              <a:rPr lang="en-US" altLang="ko-KR" dirty="0" err="1"/>
-              <a:t>redis</a:t>
-            </a:r>
-            <a:r>
-              <a:rPr lang="en-US" altLang="ko-KR" dirty="0"/>
-              <a:t> </a:t>
-            </a:r>
-            <a:r>
-              <a:rPr lang="ko-KR" altLang="en-US" dirty="0"/>
-              <a:t>연동</a:t>
-            </a:r>
-          </a:p>
-        </p:txBody>
-      </p:sp>
+              <a:rPr lang="en-US" altLang="ko" sz="1200" b="1" i="0" u="none" strike="noStrike" cap="none" dirty="0">
+                <a:solidFill>
+                  <a:schemeClr val="bg1"/>
+                </a:solidFill>
+                <a:latin typeface="Arial"/>
+                <a:ea typeface="Arial"/>
+                <a:cs typeface="Arial"/>
+                <a:sym typeface="Arial"/>
+              </a:rPr>
+              <a:t>3</a:t>
+            </a:r>
+            <a:r>
+              <a:rPr lang="ko" sz="1200" b="1" i="0" u="none" strike="noStrike" cap="none" dirty="0">
+                <a:solidFill>
+                  <a:schemeClr val="bg1"/>
+                </a:solidFill>
+                <a:latin typeface="Arial"/>
+                <a:ea typeface="Arial"/>
+                <a:cs typeface="Arial"/>
+                <a:sym typeface="Arial"/>
+              </a:rPr>
+              <a:t>.</a:t>
+            </a:r>
+            <a:endParaRPr sz="500" dirty="0">
+              <a:solidFill>
+                <a:schemeClr val="bg1"/>
+              </a:solidFill>
+            </a:endParaRPr>
+          </a:p>
+        </p:txBody>
+      </p:sp>
+      <p:sp>
+        <p:nvSpPr>
+          <p:cNvPr id="8" name="Google Shape;210;p30">
+            <a:extLst>
+              <a:ext uri="{FF2B5EF4-FFF2-40B4-BE49-F238E27FC236}">
+                <a16:creationId xmlns:a16="http://schemas.microsoft.com/office/drawing/2014/main" id="{8CB63A74-B5C7-DCAA-53F5-96E44004D694}"/>
+              </a:ext>
+            </a:extLst>
+          </p:cNvPr>
+          <p:cNvSpPr/>
+          <p:nvPr/>
+        </p:nvSpPr>
+        <p:spPr>
+          <a:xfrm>
+            <a:off x="7811013" y="825047"/>
+            <a:ext cx="952500" cy="293400"/>
+          </a:xfrm>
+          <a:prstGeom prst="rect">
+            <a:avLst/>
+          </a:prstGeom>
+          <a:noFill/>
+          <a:ln>
+            <a:noFill/>
+          </a:ln>
+        </p:spPr>
+        <p:txBody>
+          <a:bodyPr spcFirstLastPara="1" wrap="square" lIns="19050" tIns="19050" rIns="19050" bIns="19050" anchor="t" anchorCtr="0">
+            <a:noAutofit/>
+          </a:bodyPr>
+          <a:lstStyle/>
+          <a:p>
+            <a:pPr marL="63500" marR="0" lvl="1" indent="0" algn="l" rtl="0">
+              <a:spcBef>
+                <a:spcPts val="200"/>
+              </a:spcBef>
+              <a:spcAft>
+                <a:spcPts val="0"/>
+              </a:spcAft>
+              <a:buClr>
+                <a:srgbClr val="000000"/>
+              </a:buClr>
+              <a:buFont typeface="Arial"/>
+              <a:buNone/>
+            </a:pPr>
+            <a:r>
+              <a:rPr lang="ko-KR" altLang="en-US" sz="800" dirty="0">
+                <a:solidFill>
+                  <a:schemeClr val="bg1"/>
+                </a:solidFill>
+              </a:rPr>
+              <a:t>결제 서비스 설계</a:t>
+            </a:r>
+            <a:endParaRPr sz="800" dirty="0">
+              <a:solidFill>
+                <a:schemeClr val="bg1"/>
+              </a:solidFill>
+            </a:endParaRPr>
+          </a:p>
+        </p:txBody>
+      </p:sp>
+      <p:pic>
+        <p:nvPicPr>
+          <p:cNvPr id="1028" name="Picture 4">
+            <a:extLst>
+              <a:ext uri="{FF2B5EF4-FFF2-40B4-BE49-F238E27FC236}">
+                <a16:creationId xmlns:a16="http://schemas.microsoft.com/office/drawing/2014/main" id="{9412B3A0-9BA1-0126-6978-36F8A6E815C7}"/>
+              </a:ext>
+            </a:extLst>
+          </p:cNvPr>
+          <p:cNvPicPr>
+            <a:picLocks noChangeAspect="1" noChangeArrowheads="1"/>
+          </p:cNvPicPr>
+          <p:nvPr/>
+        </p:nvPicPr>
+        <p:blipFill>
+          <a:blip r:embed="rId3">
+            <a:extLst>
+              <a:ext uri="{28A0092B-C50C-407E-A947-70E740481C1C}">
+                <a14:useLocalDpi xmlns:a14="http://schemas.microsoft.com/office/drawing/2010/main" val="0"/>
+              </a:ext>
+            </a:extLst>
+          </a:blip>
+          <a:srcRect/>
+          <a:stretch>
+            <a:fillRect/>
+          </a:stretch>
+        </p:blipFill>
+        <p:spPr bwMode="auto">
+          <a:xfrm>
+            <a:off x="1915053" y="1186247"/>
+            <a:ext cx="4364367" cy="3895468"/>
+          </a:xfrm>
+          <a:prstGeom prst="rect">
+            <a:avLst/>
+          </a:prstGeom>
+          <a:noFill/>
+          <a:extLst>
+            <a:ext uri="{909E8E84-426E-40DD-AFC4-6F175D3DCCD1}">
+              <a14:hiddenFill xmlns:a14="http://schemas.microsoft.com/office/drawing/2010/main">
+                <a:solidFill>
+                  <a:srgbClr val="FFFFFF"/>
+                </a:solidFill>
+              </a14:hiddenFill>
+            </a:ext>
+          </a:extLst>
+        </p:spPr>
+      </p:pic>
     </p:spTree>
     <p:extLst>
       <p:ext uri="{BB962C8B-B14F-4D97-AF65-F5344CB8AC3E}">
-        <p14:creationId xmlns:p14="http://schemas.microsoft.com/office/powerpoint/2010/main" val="2668402119"/>
+        <p14:creationId xmlns:p14="http://schemas.microsoft.com/office/powerpoint/2010/main" val="2097981426"/>
       </p:ext>
     </p:extLst>
   </p:cSld>
@@ -8533,10 +5898,10 @@
       </p:grpSpPr>
       <p:sp>
         <p:nvSpPr>
-          <p:cNvPr id="4" name="제목 3">
+          <p:cNvPr id="2" name="제목 1">
             <a:extLst>
               <a:ext uri="{FF2B5EF4-FFF2-40B4-BE49-F238E27FC236}">
-                <a16:creationId xmlns:a16="http://schemas.microsoft.com/office/drawing/2014/main" id="{AA6C3C0E-F24F-9763-AC2A-545FB7F3873E}"/>
+                <a16:creationId xmlns:a16="http://schemas.microsoft.com/office/drawing/2014/main" id="{9896B29B-A1AE-E0C6-8543-753E63140B1C}"/>
               </a:ext>
             </a:extLst>
           </p:cNvPr>
@@ -8549,22 +5914,24 @@
         </p:nvSpPr>
         <p:spPr/>
         <p:txBody>
-          <a:bodyPr/>
+          <a:bodyPr>
+            <a:normAutofit/>
+          </a:bodyPr>
           <a:lstStyle/>
           <a:p>
             <a:r>
-              <a:rPr lang="ko-KR" altLang="en-US" dirty="0"/>
-              <a:t>구현 실습</a:t>
-            </a:r>
-          </a:p>
-        </p:txBody>
-      </p:sp>
-      <p:sp>
-        <p:nvSpPr>
-          <p:cNvPr id="5" name="부제목 4">
+              <a:rPr lang="ko-KR" altLang="en-US" b="1" dirty="0"/>
+              <a:t>결제서비스 구현</a:t>
+            </a:r>
+          </a:p>
+        </p:txBody>
+      </p:sp>
+      <p:sp>
+        <p:nvSpPr>
+          <p:cNvPr id="4" name="부제목 3">
             <a:extLst>
               <a:ext uri="{FF2B5EF4-FFF2-40B4-BE49-F238E27FC236}">
-                <a16:creationId xmlns:a16="http://schemas.microsoft.com/office/drawing/2014/main" id="{CAF74D28-A379-C9BB-D8F9-E3B6A7427E89}"/>
+                <a16:creationId xmlns:a16="http://schemas.microsoft.com/office/drawing/2014/main" id="{7219E4B9-47F6-C7CA-B046-1256225C3574}"/>
               </a:ext>
             </a:extLst>
           </p:cNvPr>
@@ -8577,19 +5944,41 @@
         </p:nvSpPr>
         <p:spPr/>
         <p:txBody>
-          <a:bodyPr/>
+          <a:bodyPr>
+            <a:normAutofit/>
+          </a:bodyPr>
           <a:lstStyle/>
           <a:p>
             <a:pPr marL="0" indent="0" algn="r">
               <a:buNone/>
             </a:pPr>
             <a:r>
+              <a:rPr lang="en-US" altLang="ko" b="1" dirty="0">
+                <a:solidFill>
+                  <a:srgbClr val="ED234B"/>
+                </a:solidFill>
+              </a:rPr>
+              <a:t>4</a:t>
+            </a:r>
+            <a:r>
+              <a:rPr lang="ko" altLang="ko-KR" b="1" dirty="0">
+                <a:solidFill>
+                  <a:srgbClr val="ED234B"/>
+                </a:solidFill>
+              </a:rPr>
+              <a:t> </a:t>
+            </a:r>
+            <a:r>
+              <a:rPr lang="ko-KR" altLang="en-US" dirty="0"/>
+              <a:t>결제 </a:t>
+            </a:r>
+            <a:r>
               <a:rPr lang="en-US" altLang="ko-KR" dirty="0"/>
-              <a:t>Redis </a:t>
-            </a:r>
-            <a:r>
-              <a:rPr lang="ko-KR" altLang="en-US" dirty="0"/>
-              <a:t>연산</a:t>
+              <a:t>API </a:t>
+            </a:r>
+            <a:r>
+              <a:rPr lang="ko-KR" altLang="en-US" dirty="0"/>
+              <a:t>구현</a:t>
             </a:r>
           </a:p>
         </p:txBody>
@@ -8597,7 +5986,7 @@
     </p:spTree>
     <p:extLst>
       <p:ext uri="{BB962C8B-B14F-4D97-AF65-F5344CB8AC3E}">
-        <p14:creationId xmlns:p14="http://schemas.microsoft.com/office/powerpoint/2010/main" val="660941890"/>
+        <p14:creationId xmlns:p14="http://schemas.microsoft.com/office/powerpoint/2010/main" val="3761886441"/>
       </p:ext>
     </p:extLst>
   </p:cSld>
@@ -8649,7 +6038,7 @@
           <a:p>
             <a:r>
               <a:rPr lang="ko-KR" altLang="en-US" b="1" dirty="0"/>
-              <a:t>실무형 심화개발</a:t>
+              <a:t>결제서비스 구현</a:t>
             </a:r>
           </a:p>
         </p:txBody>
@@ -8686,7 +6075,7 @@
                   <a:srgbClr val="ED234B"/>
                 </a:solidFill>
               </a:rPr>
-              <a:t>7</a:t>
+              <a:t>5</a:t>
             </a:r>
             <a:r>
               <a:rPr lang="ko" altLang="ko-KR" b="1" dirty="0">
@@ -8697,118 +6086,24 @@
               <a:t> </a:t>
             </a:r>
             <a:r>
+              <a:rPr lang="ko-KR" altLang="en-US" dirty="0"/>
+              <a:t>이력조회 </a:t>
+            </a:r>
+            <a:r>
               <a:rPr lang="en-US" altLang="ko-KR" dirty="0"/>
-              <a:t>Cache</a:t>
-            </a:r>
-            <a:endParaRPr lang="ko-KR" altLang="en-US" dirty="0"/>
+              <a:t>API </a:t>
+            </a:r>
+            <a:r>
+              <a:rPr lang="ko-KR" altLang="en-US" dirty="0"/>
+              <a:t>구현</a:t>
+            </a:r>
           </a:p>
         </p:txBody>
       </p:sp>
     </p:spTree>
     <p:extLst>
       <p:ext uri="{BB962C8B-B14F-4D97-AF65-F5344CB8AC3E}">
-        <p14:creationId xmlns:p14="http://schemas.microsoft.com/office/powerpoint/2010/main" val="3057315199"/>
-      </p:ext>
-    </p:extLst>
-  </p:cSld>
-  <p:clrMapOvr>
-    <a:masterClrMapping/>
-  </p:clrMapOvr>
-</p:sld>
-</file>
-
-<file path=ppt/slides/slide19.xml><?xml version="1.0" encoding="utf-8"?>
-<p:sld xmlns:a="http://schemas.openxmlformats.org/drawingml/2006/main" xmlns:r="http://schemas.openxmlformats.org/officeDocument/2006/relationships" xmlns:p="http://schemas.openxmlformats.org/presentationml/2006/main">
-  <p:cSld>
-    <p:spTree>
-      <p:nvGrpSpPr>
-        <p:cNvPr id="1" name=""/>
-        <p:cNvGrpSpPr/>
-        <p:nvPr/>
-      </p:nvGrpSpPr>
-      <p:grpSpPr>
-        <a:xfrm>
-          <a:off x="0" y="0"/>
-          <a:ext cx="0" cy="0"/>
-          <a:chOff x="0" y="0"/>
-          <a:chExt cx="0" cy="0"/>
-        </a:xfrm>
-      </p:grpSpPr>
-      <p:sp>
-        <p:nvSpPr>
-          <p:cNvPr id="4" name="제목 3">
-            <a:extLst>
-              <a:ext uri="{FF2B5EF4-FFF2-40B4-BE49-F238E27FC236}">
-                <a16:creationId xmlns:a16="http://schemas.microsoft.com/office/drawing/2014/main" id="{AA6C3C0E-F24F-9763-AC2A-545FB7F3873E}"/>
-              </a:ext>
-            </a:extLst>
-          </p:cNvPr>
-          <p:cNvSpPr>
-            <a:spLocks noGrp="1"/>
-          </p:cNvSpPr>
-          <p:nvPr>
-            <p:ph type="ctrTitle"/>
-          </p:nvPr>
-        </p:nvSpPr>
-        <p:spPr/>
-        <p:txBody>
-          <a:bodyPr/>
-          <a:lstStyle/>
-          <a:p>
-            <a:r>
-              <a:rPr lang="ko-KR" altLang="en-US" dirty="0"/>
-              <a:t>구현 실습</a:t>
-            </a:r>
-          </a:p>
-        </p:txBody>
-      </p:sp>
-      <p:sp>
-        <p:nvSpPr>
-          <p:cNvPr id="5" name="부제목 4">
-            <a:extLst>
-              <a:ext uri="{FF2B5EF4-FFF2-40B4-BE49-F238E27FC236}">
-                <a16:creationId xmlns:a16="http://schemas.microsoft.com/office/drawing/2014/main" id="{CAF74D28-A379-C9BB-D8F9-E3B6A7427E89}"/>
-              </a:ext>
-            </a:extLst>
-          </p:cNvPr>
-          <p:cNvSpPr>
-            <a:spLocks noGrp="1"/>
-          </p:cNvSpPr>
-          <p:nvPr>
-            <p:ph type="subTitle" idx="1"/>
-          </p:nvPr>
-        </p:nvSpPr>
-        <p:spPr/>
-        <p:txBody>
-          <a:bodyPr/>
-          <a:lstStyle/>
-          <a:p>
-            <a:pPr marL="0" indent="0" algn="r">
-              <a:buNone/>
-            </a:pPr>
-            <a:r>
-              <a:rPr lang="en-US" altLang="ko-KR" dirty="0" err="1"/>
-              <a:t>ReactiveRedisTemplate</a:t>
-            </a:r>
-            <a:r>
-              <a:rPr lang="ko-KR" altLang="en-US" dirty="0"/>
-              <a:t>을 이용한 </a:t>
-            </a:r>
-            <a:r>
-              <a:rPr lang="en-US" altLang="ko-KR" dirty="0"/>
-              <a:t>cache </a:t>
-            </a:r>
-            <a:r>
-              <a:rPr lang="ko-KR" altLang="en-US" dirty="0"/>
-              <a:t>구현</a:t>
-            </a:r>
-          </a:p>
-        </p:txBody>
-      </p:sp>
-    </p:spTree>
-    <p:extLst>
-      <p:ext uri="{BB962C8B-B14F-4D97-AF65-F5344CB8AC3E}">
-        <p14:creationId xmlns:p14="http://schemas.microsoft.com/office/powerpoint/2010/main" val="4043954338"/>
+        <p14:creationId xmlns:p14="http://schemas.microsoft.com/office/powerpoint/2010/main" val="371869985"/>
       </p:ext>
     </p:extLst>
   </p:cSld>
@@ -8837,209 +6132,6 @@
       </p:grpSpPr>
       <p:sp>
         <p:nvSpPr>
-          <p:cNvPr id="4" name="제목 3">
-            <a:extLst>
-              <a:ext uri="{FF2B5EF4-FFF2-40B4-BE49-F238E27FC236}">
-                <a16:creationId xmlns:a16="http://schemas.microsoft.com/office/drawing/2014/main" id="{AA6C3C0E-F24F-9763-AC2A-545FB7F3873E}"/>
-              </a:ext>
-            </a:extLst>
-          </p:cNvPr>
-          <p:cNvSpPr>
-            <a:spLocks noGrp="1"/>
-          </p:cNvSpPr>
-          <p:nvPr>
-            <p:ph type="ctrTitle"/>
-          </p:nvPr>
-        </p:nvSpPr>
-        <p:spPr/>
-        <p:txBody>
-          <a:bodyPr/>
-          <a:lstStyle/>
-          <a:p>
-            <a:r>
-              <a:rPr lang="ko-KR" altLang="en-US" dirty="0"/>
-              <a:t>구현 실습</a:t>
-            </a:r>
-          </a:p>
-        </p:txBody>
-      </p:sp>
-      <p:sp>
-        <p:nvSpPr>
-          <p:cNvPr id="5" name="부제목 4">
-            <a:extLst>
-              <a:ext uri="{FF2B5EF4-FFF2-40B4-BE49-F238E27FC236}">
-                <a16:creationId xmlns:a16="http://schemas.microsoft.com/office/drawing/2014/main" id="{CAF74D28-A379-C9BB-D8F9-E3B6A7427E89}"/>
-              </a:ext>
-            </a:extLst>
-          </p:cNvPr>
-          <p:cNvSpPr>
-            <a:spLocks noGrp="1"/>
-          </p:cNvSpPr>
-          <p:nvPr>
-            <p:ph type="subTitle" idx="1"/>
-          </p:nvPr>
-        </p:nvSpPr>
-        <p:spPr/>
-        <p:txBody>
-          <a:bodyPr/>
-          <a:lstStyle/>
-          <a:p>
-            <a:pPr marL="0" indent="0" algn="r">
-              <a:buNone/>
-            </a:pPr>
-            <a:r>
-              <a:rPr lang="en-US" altLang="ko-KR" dirty="0"/>
-              <a:t>Trace ID logging </a:t>
-            </a:r>
-            <a:r>
-              <a:rPr lang="ko-KR" altLang="en-US" dirty="0"/>
-              <a:t>구현</a:t>
-            </a:r>
-          </a:p>
-        </p:txBody>
-      </p:sp>
-    </p:spTree>
-    <p:extLst>
-      <p:ext uri="{BB962C8B-B14F-4D97-AF65-F5344CB8AC3E}">
-        <p14:creationId xmlns:p14="http://schemas.microsoft.com/office/powerpoint/2010/main" val="3878263524"/>
-      </p:ext>
-    </p:extLst>
-  </p:cSld>
-  <p:clrMapOvr>
-    <a:masterClrMapping/>
-  </p:clrMapOvr>
-</p:sld>
-</file>
-
-<file path=ppt/slides/slide20.xml><?xml version="1.0" encoding="utf-8"?>
-<p:sld xmlns:a="http://schemas.openxmlformats.org/drawingml/2006/main" xmlns:r="http://schemas.openxmlformats.org/officeDocument/2006/relationships" xmlns:p="http://schemas.openxmlformats.org/presentationml/2006/main">
-  <p:cSld>
-    <p:spTree>
-      <p:nvGrpSpPr>
-        <p:cNvPr id="1" name=""/>
-        <p:cNvGrpSpPr/>
-        <p:nvPr/>
-      </p:nvGrpSpPr>
-      <p:grpSpPr>
-        <a:xfrm>
-          <a:off x="0" y="0"/>
-          <a:ext cx="0" cy="0"/>
-          <a:chOff x="0" y="0"/>
-          <a:chExt cx="0" cy="0"/>
-        </a:xfrm>
-      </p:grpSpPr>
-      <p:sp>
-        <p:nvSpPr>
-          <p:cNvPr id="2" name="제목 1">
-            <a:extLst>
-              <a:ext uri="{FF2B5EF4-FFF2-40B4-BE49-F238E27FC236}">
-                <a16:creationId xmlns:a16="http://schemas.microsoft.com/office/drawing/2014/main" id="{9896B29B-A1AE-E0C6-8543-753E63140B1C}"/>
-              </a:ext>
-            </a:extLst>
-          </p:cNvPr>
-          <p:cNvSpPr>
-            <a:spLocks noGrp="1"/>
-          </p:cNvSpPr>
-          <p:nvPr>
-            <p:ph type="ctrTitle"/>
-          </p:nvPr>
-        </p:nvSpPr>
-        <p:spPr/>
-        <p:txBody>
-          <a:bodyPr>
-            <a:normAutofit/>
-          </a:bodyPr>
-          <a:lstStyle/>
-          <a:p>
-            <a:r>
-              <a:rPr lang="ko-KR" altLang="en-US" b="1" dirty="0"/>
-              <a:t>실무형 심화개발</a:t>
-            </a:r>
-          </a:p>
-        </p:txBody>
-      </p:sp>
-      <p:sp>
-        <p:nvSpPr>
-          <p:cNvPr id="4" name="부제목 3">
-            <a:extLst>
-              <a:ext uri="{FF2B5EF4-FFF2-40B4-BE49-F238E27FC236}">
-                <a16:creationId xmlns:a16="http://schemas.microsoft.com/office/drawing/2014/main" id="{7219E4B9-47F6-C7CA-B046-1256225C3574}"/>
-              </a:ext>
-            </a:extLst>
-          </p:cNvPr>
-          <p:cNvSpPr>
-            <a:spLocks noGrp="1"/>
-          </p:cNvSpPr>
-          <p:nvPr>
-            <p:ph type="subTitle" idx="1"/>
-          </p:nvPr>
-        </p:nvSpPr>
-        <p:spPr/>
-        <p:txBody>
-          <a:bodyPr>
-            <a:normAutofit/>
-          </a:bodyPr>
-          <a:lstStyle/>
-          <a:p>
-            <a:pPr marL="0" indent="0" algn="r">
-              <a:buNone/>
-            </a:pPr>
-            <a:r>
-              <a:rPr lang="en-US" altLang="ko" b="1" dirty="0">
-                <a:solidFill>
-                  <a:srgbClr val="ED234B"/>
-                </a:solidFill>
-              </a:rPr>
-              <a:t>8</a:t>
-            </a:r>
-            <a:r>
-              <a:rPr lang="ko" altLang="ko-KR" b="1" dirty="0">
-                <a:solidFill>
-                  <a:srgbClr val="ED234B"/>
-                </a:solidFill>
-              </a:rPr>
-              <a:t> </a:t>
-            </a:r>
-            <a:r>
-              <a:rPr lang="en-US" altLang="ko-KR" dirty="0"/>
-              <a:t>Lock</a:t>
-            </a:r>
-            <a:endParaRPr lang="ko-KR" altLang="en-US" dirty="0"/>
-          </a:p>
-        </p:txBody>
-      </p:sp>
-    </p:spTree>
-    <p:extLst>
-      <p:ext uri="{BB962C8B-B14F-4D97-AF65-F5344CB8AC3E}">
-        <p14:creationId xmlns:p14="http://schemas.microsoft.com/office/powerpoint/2010/main" val="3858577277"/>
-      </p:ext>
-    </p:extLst>
-  </p:cSld>
-  <p:clrMapOvr>
-    <a:masterClrMapping/>
-  </p:clrMapOvr>
-</p:sld>
-</file>
-
-<file path=ppt/slides/slide21.xml><?xml version="1.0" encoding="utf-8"?>
-<p:sld xmlns:a="http://schemas.openxmlformats.org/drawingml/2006/main" xmlns:r="http://schemas.openxmlformats.org/officeDocument/2006/relationships" xmlns:p="http://schemas.openxmlformats.org/presentationml/2006/main">
-  <p:cSld>
-    <p:spTree>
-      <p:nvGrpSpPr>
-        <p:cNvPr id="1" name=""/>
-        <p:cNvGrpSpPr/>
-        <p:nvPr/>
-      </p:nvGrpSpPr>
-      <p:grpSpPr>
-        <a:xfrm>
-          <a:off x="0" y="0"/>
-          <a:ext cx="0" cy="0"/>
-          <a:chOff x="0" y="0"/>
-          <a:chExt cx="0" cy="0"/>
-        </a:xfrm>
-      </p:grpSpPr>
-      <p:sp>
-        <p:nvSpPr>
           <p:cNvPr id="2" name="제목 1">
             <a:extLst>
               <a:ext uri="{FF2B5EF4-FFF2-40B4-BE49-F238E27FC236}">
@@ -9061,7 +6153,7 @@
           <a:p>
             <a:r>
               <a:rPr lang="ko-KR" altLang="en-US" dirty="0"/>
-              <a:t>경합 시나리오</a:t>
+              <a:t>결제 서비스</a:t>
             </a:r>
           </a:p>
         </p:txBody>
@@ -9119,7 +6211,7 @@
                 <a:cs typeface="Arial"/>
                 <a:sym typeface="Arial"/>
               </a:rPr>
-              <a:t>9</a:t>
+              <a:t>1</a:t>
             </a:r>
             <a:r>
               <a:rPr lang="ko" sz="1200" b="1" i="0" u="none" strike="noStrike" cap="none" dirty="0">
@@ -9191,274 +6283,9 @@
                   <a:schemeClr val="bg1"/>
                 </a:solidFill>
               </a:rPr>
-              <a:t>Lock</a:t>
-            </a:r>
-            <a:endParaRPr sz="800" dirty="0">
-              <a:solidFill>
-                <a:schemeClr val="bg1"/>
-              </a:solidFill>
-            </a:endParaRPr>
-          </a:p>
-        </p:txBody>
-      </p:sp>
-      <p:pic>
-        <p:nvPicPr>
-          <p:cNvPr id="3" name="Picture 2">
-            <a:extLst>
-              <a:ext uri="{FF2B5EF4-FFF2-40B4-BE49-F238E27FC236}">
-                <a16:creationId xmlns:a16="http://schemas.microsoft.com/office/drawing/2014/main" id="{59E73AE5-1D19-8E3E-7FD6-FCAB6D63DD40}"/>
-              </a:ext>
-            </a:extLst>
-          </p:cNvPr>
-          <p:cNvPicPr>
-            <a:picLocks noChangeAspect="1" noChangeArrowheads="1"/>
-          </p:cNvPicPr>
-          <p:nvPr/>
-        </p:nvPicPr>
-        <p:blipFill>
-          <a:blip r:embed="rId3">
-            <a:extLst>
-              <a:ext uri="{28A0092B-C50C-407E-A947-70E740481C1C}">
-                <a14:useLocalDpi xmlns:a14="http://schemas.microsoft.com/office/drawing/2010/main" val="0"/>
-              </a:ext>
-            </a:extLst>
-          </a:blip>
-          <a:srcRect/>
-          <a:stretch>
-            <a:fillRect/>
-          </a:stretch>
-        </p:blipFill>
-        <p:spPr bwMode="auto">
-          <a:xfrm>
-            <a:off x="987191" y="1171199"/>
-            <a:ext cx="4648678" cy="3951376"/>
-          </a:xfrm>
-          <a:prstGeom prst="rect">
-            <a:avLst/>
-          </a:prstGeom>
-          <a:noFill/>
-          <a:extLst>
-            <a:ext uri="{909E8E84-426E-40DD-AFC4-6F175D3DCCD1}">
-              <a14:hiddenFill xmlns:a14="http://schemas.microsoft.com/office/drawing/2010/main">
-                <a:solidFill>
-                  <a:srgbClr val="FFFFFF"/>
-                </a:solidFill>
-              </a14:hiddenFill>
-            </a:ext>
-          </a:extLst>
-        </p:spPr>
-      </p:pic>
-    </p:spTree>
-    <p:extLst>
-      <p:ext uri="{BB962C8B-B14F-4D97-AF65-F5344CB8AC3E}">
-        <p14:creationId xmlns:p14="http://schemas.microsoft.com/office/powerpoint/2010/main" val="824592560"/>
-      </p:ext>
-    </p:extLst>
-  </p:cSld>
-  <p:clrMapOvr>
-    <a:masterClrMapping/>
-  </p:clrMapOvr>
-</p:sld>
-</file>
-
-<file path=ppt/slides/slide22.xml><?xml version="1.0" encoding="utf-8"?>
-<p:sld xmlns:a="http://schemas.openxmlformats.org/drawingml/2006/main" xmlns:r="http://schemas.openxmlformats.org/officeDocument/2006/relationships" xmlns:p="http://schemas.openxmlformats.org/presentationml/2006/main">
-  <p:cSld>
-    <p:spTree>
-      <p:nvGrpSpPr>
-        <p:cNvPr id="1" name=""/>
-        <p:cNvGrpSpPr/>
-        <p:nvPr/>
-      </p:nvGrpSpPr>
-      <p:grpSpPr>
-        <a:xfrm>
-          <a:off x="0" y="0"/>
-          <a:ext cx="0" cy="0"/>
-          <a:chOff x="0" y="0"/>
-          <a:chExt cx="0" cy="0"/>
-        </a:xfrm>
-      </p:grpSpPr>
-      <p:pic>
-        <p:nvPicPr>
-          <p:cNvPr id="5" name="Picture 2">
-            <a:extLst>
-              <a:ext uri="{FF2B5EF4-FFF2-40B4-BE49-F238E27FC236}">
-                <a16:creationId xmlns:a16="http://schemas.microsoft.com/office/drawing/2014/main" id="{AE7A4B4F-FF3E-EE90-2EAB-3CE9E1293A23}"/>
-              </a:ext>
-            </a:extLst>
-          </p:cNvPr>
-          <p:cNvPicPr>
-            <a:picLocks noChangeAspect="1" noChangeArrowheads="1"/>
-          </p:cNvPicPr>
-          <p:nvPr/>
-        </p:nvPicPr>
-        <p:blipFill>
-          <a:blip r:embed="rId3">
-            <a:extLst>
-              <a:ext uri="{28A0092B-C50C-407E-A947-70E740481C1C}">
-                <a14:useLocalDpi xmlns:a14="http://schemas.microsoft.com/office/drawing/2010/main" val="0"/>
-              </a:ext>
-            </a:extLst>
-          </a:blip>
-          <a:srcRect/>
-          <a:stretch>
-            <a:fillRect/>
-          </a:stretch>
-        </p:blipFill>
-        <p:spPr bwMode="auto">
-          <a:xfrm>
-            <a:off x="987191" y="1171199"/>
-            <a:ext cx="4648678" cy="3951376"/>
-          </a:xfrm>
-          <a:prstGeom prst="rect">
-            <a:avLst/>
-          </a:prstGeom>
-          <a:noFill/>
-          <a:extLst>
-            <a:ext uri="{909E8E84-426E-40DD-AFC4-6F175D3DCCD1}">
-              <a14:hiddenFill xmlns:a14="http://schemas.microsoft.com/office/drawing/2010/main">
-                <a:solidFill>
-                  <a:srgbClr val="FFFFFF"/>
-                </a:solidFill>
-              </a14:hiddenFill>
-            </a:ext>
-          </a:extLst>
-        </p:spPr>
-      </p:pic>
-      <p:sp>
-        <p:nvSpPr>
-          <p:cNvPr id="2" name="제목 1">
-            <a:extLst>
-              <a:ext uri="{FF2B5EF4-FFF2-40B4-BE49-F238E27FC236}">
-                <a16:creationId xmlns:a16="http://schemas.microsoft.com/office/drawing/2014/main" id="{D21C1AA9-5E52-3A11-B3B3-447787E29D09}"/>
-              </a:ext>
-            </a:extLst>
-          </p:cNvPr>
-          <p:cNvSpPr>
-            <a:spLocks noGrp="1"/>
-          </p:cNvSpPr>
-          <p:nvPr>
-            <p:ph type="title"/>
-          </p:nvPr>
-        </p:nvSpPr>
-        <p:spPr/>
-        <p:txBody>
-          <a:bodyPr/>
-          <a:lstStyle/>
-          <a:p>
-            <a:r>
-              <a:rPr lang="en-US" altLang="ko-KR" dirty="0"/>
-              <a:t>Optimistic Lock</a:t>
-            </a:r>
-            <a:endParaRPr lang="ko-KR" altLang="en-US" dirty="0"/>
-          </a:p>
-        </p:txBody>
-      </p:sp>
-      <p:sp>
-        <p:nvSpPr>
-          <p:cNvPr id="7" name="Google Shape;209;p30">
-            <a:extLst>
-              <a:ext uri="{FF2B5EF4-FFF2-40B4-BE49-F238E27FC236}">
-                <a16:creationId xmlns:a16="http://schemas.microsoft.com/office/drawing/2014/main" id="{35F3E219-4EBB-8DE8-0966-E4317399395E}"/>
-              </a:ext>
-            </a:extLst>
-          </p:cNvPr>
-          <p:cNvSpPr/>
-          <p:nvPr/>
-        </p:nvSpPr>
-        <p:spPr>
-          <a:xfrm>
-            <a:off x="7811013" y="528014"/>
-            <a:ext cx="952500" cy="298200"/>
-          </a:xfrm>
-          <a:prstGeom prst="rect">
-            <a:avLst/>
-          </a:prstGeom>
-          <a:noFill/>
-          <a:ln>
-            <a:noFill/>
-          </a:ln>
-        </p:spPr>
-        <p:txBody>
-          <a:bodyPr spcFirstLastPara="1" wrap="square" lIns="19050" tIns="19050" rIns="19050" bIns="19050" anchor="t" anchorCtr="0">
-            <a:noAutofit/>
-          </a:bodyPr>
-          <a:lstStyle/>
-          <a:p>
-            <a:pPr marL="63500" marR="0" lvl="1" indent="0" algn="l" rtl="0">
-              <a:lnSpc>
-                <a:spcPct val="90000"/>
-              </a:lnSpc>
-              <a:spcBef>
-                <a:spcPts val="0"/>
-              </a:spcBef>
-              <a:spcAft>
-                <a:spcPts val="0"/>
-              </a:spcAft>
-              <a:buNone/>
-            </a:pPr>
-            <a:r>
-              <a:rPr lang="en-US" altLang="ko" sz="1200" b="1" i="0" u="none" strike="noStrike" cap="none" dirty="0">
-                <a:solidFill>
-                  <a:schemeClr val="bg1"/>
-                </a:solidFill>
-                <a:latin typeface="Arial"/>
-                <a:ea typeface="Arial"/>
-                <a:cs typeface="Arial"/>
-                <a:sym typeface="Arial"/>
-              </a:rPr>
-              <a:t>9</a:t>
-            </a:r>
-            <a:r>
-              <a:rPr lang="ko" sz="1200" b="1" i="0" u="none" strike="noStrike" cap="none" dirty="0">
-                <a:solidFill>
-                  <a:schemeClr val="bg1"/>
-                </a:solidFill>
-                <a:latin typeface="Arial"/>
-                <a:ea typeface="Arial"/>
-                <a:cs typeface="Arial"/>
-                <a:sym typeface="Arial"/>
-              </a:rPr>
-              <a:t>.</a:t>
-            </a:r>
-            <a:endParaRPr sz="500" dirty="0">
-              <a:solidFill>
-                <a:schemeClr val="bg1"/>
-              </a:solidFill>
-            </a:endParaRPr>
-          </a:p>
-        </p:txBody>
-      </p:sp>
-      <p:sp>
-        <p:nvSpPr>
-          <p:cNvPr id="8" name="Google Shape;210;p30">
-            <a:extLst>
-              <a:ext uri="{FF2B5EF4-FFF2-40B4-BE49-F238E27FC236}">
-                <a16:creationId xmlns:a16="http://schemas.microsoft.com/office/drawing/2014/main" id="{8CB63A74-B5C7-DCAA-53F5-96E44004D694}"/>
-              </a:ext>
-            </a:extLst>
-          </p:cNvPr>
-          <p:cNvSpPr/>
-          <p:nvPr/>
-        </p:nvSpPr>
-        <p:spPr>
-          <a:xfrm>
-            <a:off x="7811013" y="825047"/>
-            <a:ext cx="952500" cy="293400"/>
-          </a:xfrm>
-          <a:prstGeom prst="rect">
-            <a:avLst/>
-          </a:prstGeom>
-          <a:noFill/>
-          <a:ln>
-            <a:noFill/>
-          </a:ln>
-        </p:spPr>
-        <p:txBody>
-          <a:bodyPr spcFirstLastPara="1" wrap="square" lIns="19050" tIns="19050" rIns="19050" bIns="19050" anchor="t" anchorCtr="0">
-            <a:noAutofit/>
-          </a:bodyPr>
-          <a:lstStyle/>
+              <a:t>Payment Gateway</a:t>
+            </a:r>
+          </a:p>
           <a:p>
             <a:pPr marL="63500" marR="0" lvl="1" indent="0" algn="l" rtl="0">
               <a:spcBef>
@@ -9474,12 +6301,12 @@
               <a:buNone/>
             </a:pPr>
             <a:r>
-              <a:rPr lang="en-US" sz="800" dirty="0">
+              <a:rPr lang="ko-KR" altLang="en-US" sz="800" dirty="0">
                 <a:solidFill>
                   <a:schemeClr val="bg1"/>
                 </a:solidFill>
               </a:rPr>
-              <a:t>Lock</a:t>
+              <a:t>소개</a:t>
             </a:r>
             <a:endParaRPr sz="800" dirty="0">
               <a:solidFill>
@@ -9489,1387 +6316,40 @@
           </a:p>
         </p:txBody>
       </p:sp>
-      <p:sp>
-        <p:nvSpPr>
-          <p:cNvPr id="3" name="TextBox 2">
+      <p:pic>
+        <p:nvPicPr>
+          <p:cNvPr id="13" name="그림 12">
             <a:extLst>
               <a:ext uri="{FF2B5EF4-FFF2-40B4-BE49-F238E27FC236}">
-                <a16:creationId xmlns:a16="http://schemas.microsoft.com/office/drawing/2014/main" id="{A4ACA7BF-0E72-CD95-AB60-50CFD7F9BECF}"/>
+                <a16:creationId xmlns:a16="http://schemas.microsoft.com/office/drawing/2014/main" id="{161C26FC-D289-70F0-F1DA-4DD9CBB385C2}"/>
               </a:ext>
             </a:extLst>
           </p:cNvPr>
-          <p:cNvSpPr txBox="1"/>
+          <p:cNvPicPr>
+            <a:picLocks noChangeAspect="1"/>
+          </p:cNvPicPr>
           <p:nvPr/>
-        </p:nvSpPr>
+        </p:nvPicPr>
+        <p:blipFill>
+          <a:blip r:embed="rId3"/>
+          <a:stretch>
+            <a:fillRect/>
+          </a:stretch>
+        </p:blipFill>
         <p:spPr>
           <a:xfrm>
-            <a:off x="1925516" y="2343124"/>
-            <a:ext cx="899990" cy="276999"/>
+            <a:off x="1285921" y="2291425"/>
+            <a:ext cx="6572157" cy="1922356"/>
           </a:xfrm>
           <a:prstGeom prst="rect">
             <a:avLst/>
           </a:prstGeom>
-          <a:noFill/>
         </p:spPr>
-        <p:txBody>
-          <a:bodyPr wrap="none" rtlCol="0">
-            <a:spAutoFit/>
-          </a:bodyPr>
-          <a:lstStyle/>
-          <a:p>
-            <a:r>
-              <a:rPr lang="en-US" altLang="ko-KR" sz="1200" b="1" dirty="0">
-                <a:solidFill>
-                  <a:schemeClr val="accent3">
-                    <a:lumMod val="75000"/>
-                  </a:schemeClr>
-                </a:solidFill>
-              </a:rPr>
-              <a:t>get </a:t>
-            </a:r>
-            <a:r>
-              <a:rPr lang="en-US" altLang="ko-KR" sz="1200" b="1" dirty="0">
-                <a:solidFill>
-                  <a:srgbClr val="FF0000"/>
-                </a:solidFill>
-              </a:rPr>
-              <a:t>Version</a:t>
-            </a:r>
-            <a:endParaRPr lang="ko-KR" altLang="en-US" sz="1200" b="1" dirty="0">
-              <a:solidFill>
-                <a:srgbClr val="FF0000"/>
-              </a:solidFill>
-            </a:endParaRPr>
-          </a:p>
-        </p:txBody>
-      </p:sp>
-      <p:sp>
-        <p:nvSpPr>
-          <p:cNvPr id="4" name="TextBox 3">
-            <a:extLst>
-              <a:ext uri="{FF2B5EF4-FFF2-40B4-BE49-F238E27FC236}">
-                <a16:creationId xmlns:a16="http://schemas.microsoft.com/office/drawing/2014/main" id="{C00BE86F-9321-416F-D733-0AF6FCEF107F}"/>
-              </a:ext>
-            </a:extLst>
-          </p:cNvPr>
-          <p:cNvSpPr txBox="1"/>
-          <p:nvPr/>
-        </p:nvSpPr>
-        <p:spPr>
-          <a:xfrm>
-            <a:off x="3776813" y="2620123"/>
-            <a:ext cx="899990" cy="276999"/>
-          </a:xfrm>
-          <a:prstGeom prst="rect">
-            <a:avLst/>
-          </a:prstGeom>
-          <a:noFill/>
-        </p:spPr>
-        <p:txBody>
-          <a:bodyPr wrap="none" rtlCol="0">
-            <a:spAutoFit/>
-          </a:bodyPr>
-          <a:lstStyle/>
-          <a:p>
-            <a:r>
-              <a:rPr lang="en-US" altLang="ko-KR" sz="1200" b="1" dirty="0">
-                <a:solidFill>
-                  <a:schemeClr val="accent3">
-                    <a:lumMod val="75000"/>
-                  </a:schemeClr>
-                </a:solidFill>
-              </a:rPr>
-              <a:t>get </a:t>
-            </a:r>
-            <a:r>
-              <a:rPr lang="en-US" altLang="ko-KR" sz="1200" b="1" dirty="0">
-                <a:solidFill>
-                  <a:srgbClr val="FF0000"/>
-                </a:solidFill>
-              </a:rPr>
-              <a:t>Version</a:t>
-            </a:r>
-            <a:endParaRPr lang="ko-KR" altLang="en-US" sz="1200" b="1" dirty="0">
-              <a:solidFill>
-                <a:srgbClr val="FF0000"/>
-              </a:solidFill>
-            </a:endParaRPr>
-          </a:p>
-        </p:txBody>
-      </p:sp>
-      <p:sp>
-        <p:nvSpPr>
-          <p:cNvPr id="6" name="TextBox 5">
-            <a:extLst>
-              <a:ext uri="{FF2B5EF4-FFF2-40B4-BE49-F238E27FC236}">
-                <a16:creationId xmlns:a16="http://schemas.microsoft.com/office/drawing/2014/main" id="{50D0B692-CCDA-3EAF-CA04-C6265188A3A1}"/>
-              </a:ext>
-            </a:extLst>
-          </p:cNvPr>
-          <p:cNvSpPr txBox="1"/>
-          <p:nvPr/>
-        </p:nvSpPr>
-        <p:spPr>
-          <a:xfrm>
-            <a:off x="3793065" y="4276679"/>
-            <a:ext cx="820930" cy="276999"/>
-          </a:xfrm>
-          <a:prstGeom prst="rect">
-            <a:avLst/>
-          </a:prstGeom>
-          <a:noFill/>
-        </p:spPr>
-        <p:txBody>
-          <a:bodyPr wrap="none" rtlCol="0">
-            <a:spAutoFit/>
-          </a:bodyPr>
-          <a:lstStyle/>
-          <a:p>
-            <a:r>
-              <a:rPr lang="en-US" altLang="ko-KR" sz="1200" b="1" dirty="0">
-                <a:solidFill>
-                  <a:schemeClr val="accent3">
-                    <a:lumMod val="75000"/>
-                  </a:schemeClr>
-                </a:solidFill>
-              </a:rPr>
-              <a:t>in </a:t>
-            </a:r>
-            <a:r>
-              <a:rPr lang="en-US" altLang="ko-KR" sz="1200" b="1" dirty="0">
-                <a:solidFill>
-                  <a:srgbClr val="FF0000"/>
-                </a:solidFill>
-              </a:rPr>
-              <a:t>Version</a:t>
-            </a:r>
-            <a:endParaRPr lang="ko-KR" altLang="en-US" sz="1200" b="1" dirty="0">
-              <a:solidFill>
-                <a:srgbClr val="FF0000"/>
-              </a:solidFill>
-            </a:endParaRPr>
-          </a:p>
-        </p:txBody>
-      </p:sp>
-      <p:sp>
-        <p:nvSpPr>
-          <p:cNvPr id="10" name="TextBox 9">
-            <a:extLst>
-              <a:ext uri="{FF2B5EF4-FFF2-40B4-BE49-F238E27FC236}">
-                <a16:creationId xmlns:a16="http://schemas.microsoft.com/office/drawing/2014/main" id="{A79229D1-C3B4-5639-B536-EC8BD07D413C}"/>
-              </a:ext>
-            </a:extLst>
-          </p:cNvPr>
-          <p:cNvSpPr txBox="1"/>
-          <p:nvPr/>
-        </p:nvSpPr>
-        <p:spPr>
-          <a:xfrm>
-            <a:off x="1963616" y="3146156"/>
-            <a:ext cx="820930" cy="276999"/>
-          </a:xfrm>
-          <a:prstGeom prst="rect">
-            <a:avLst/>
-          </a:prstGeom>
-          <a:noFill/>
-        </p:spPr>
-        <p:txBody>
-          <a:bodyPr wrap="none" rtlCol="0">
-            <a:spAutoFit/>
-          </a:bodyPr>
-          <a:lstStyle/>
-          <a:p>
-            <a:r>
-              <a:rPr lang="en-US" altLang="ko-KR" sz="1200" b="1" dirty="0">
-                <a:solidFill>
-                  <a:schemeClr val="accent3">
-                    <a:lumMod val="75000"/>
-                  </a:schemeClr>
-                </a:solidFill>
-              </a:rPr>
-              <a:t>in </a:t>
-            </a:r>
-            <a:r>
-              <a:rPr lang="en-US" altLang="ko-KR" sz="1200" b="1" dirty="0">
-                <a:solidFill>
-                  <a:srgbClr val="FF0000"/>
-                </a:solidFill>
-              </a:rPr>
-              <a:t>Version</a:t>
-            </a:r>
-            <a:endParaRPr lang="ko-KR" altLang="en-US" sz="1200" b="1" dirty="0">
-              <a:solidFill>
-                <a:srgbClr val="FF0000"/>
-              </a:solidFill>
-            </a:endParaRPr>
-          </a:p>
-        </p:txBody>
-      </p:sp>
+      </p:pic>
     </p:spTree>
     <p:extLst>
       <p:ext uri="{BB962C8B-B14F-4D97-AF65-F5344CB8AC3E}">
-        <p14:creationId xmlns:p14="http://schemas.microsoft.com/office/powerpoint/2010/main" val="4079067339"/>
-      </p:ext>
-    </p:extLst>
-  </p:cSld>
-  <p:clrMapOvr>
-    <a:masterClrMapping/>
-  </p:clrMapOvr>
-</p:sld>
-</file>
-
-<file path=ppt/slides/slide23.xml><?xml version="1.0" encoding="utf-8"?>
-<p:sld xmlns:a="http://schemas.openxmlformats.org/drawingml/2006/main" xmlns:r="http://schemas.openxmlformats.org/officeDocument/2006/relationships" xmlns:p="http://schemas.openxmlformats.org/presentationml/2006/main">
-  <p:cSld>
-    <p:spTree>
-      <p:nvGrpSpPr>
-        <p:cNvPr id="1" name=""/>
-        <p:cNvGrpSpPr/>
-        <p:nvPr/>
-      </p:nvGrpSpPr>
-      <p:grpSpPr>
-        <a:xfrm>
-          <a:off x="0" y="0"/>
-          <a:ext cx="0" cy="0"/>
-          <a:chOff x="0" y="0"/>
-          <a:chExt cx="0" cy="0"/>
-        </a:xfrm>
-      </p:grpSpPr>
-      <p:pic>
-        <p:nvPicPr>
-          <p:cNvPr id="3" name="Picture 2">
-            <a:extLst>
-              <a:ext uri="{FF2B5EF4-FFF2-40B4-BE49-F238E27FC236}">
-                <a16:creationId xmlns:a16="http://schemas.microsoft.com/office/drawing/2014/main" id="{01456057-0498-1927-4D20-E87DCDC39624}"/>
-              </a:ext>
-            </a:extLst>
-          </p:cNvPr>
-          <p:cNvPicPr>
-            <a:picLocks noChangeAspect="1" noChangeArrowheads="1"/>
-          </p:cNvPicPr>
-          <p:nvPr/>
-        </p:nvPicPr>
-        <p:blipFill>
-          <a:blip r:embed="rId3">
-            <a:extLst>
-              <a:ext uri="{28A0092B-C50C-407E-A947-70E740481C1C}">
-                <a14:useLocalDpi xmlns:a14="http://schemas.microsoft.com/office/drawing/2010/main" val="0"/>
-              </a:ext>
-            </a:extLst>
-          </a:blip>
-          <a:srcRect/>
-          <a:stretch>
-            <a:fillRect/>
-          </a:stretch>
-        </p:blipFill>
-        <p:spPr bwMode="auto">
-          <a:xfrm>
-            <a:off x="987191" y="1171199"/>
-            <a:ext cx="4648678" cy="3951376"/>
-          </a:xfrm>
-          <a:prstGeom prst="rect">
-            <a:avLst/>
-          </a:prstGeom>
-          <a:noFill/>
-          <a:extLst>
-            <a:ext uri="{909E8E84-426E-40DD-AFC4-6F175D3DCCD1}">
-              <a14:hiddenFill xmlns:a14="http://schemas.microsoft.com/office/drawing/2010/main">
-                <a:solidFill>
-                  <a:srgbClr val="FFFFFF"/>
-                </a:solidFill>
-              </a14:hiddenFill>
-            </a:ext>
-          </a:extLst>
-        </p:spPr>
-      </p:pic>
-      <p:sp>
-        <p:nvSpPr>
-          <p:cNvPr id="2" name="제목 1">
-            <a:extLst>
-              <a:ext uri="{FF2B5EF4-FFF2-40B4-BE49-F238E27FC236}">
-                <a16:creationId xmlns:a16="http://schemas.microsoft.com/office/drawing/2014/main" id="{D21C1AA9-5E52-3A11-B3B3-447787E29D09}"/>
-              </a:ext>
-            </a:extLst>
-          </p:cNvPr>
-          <p:cNvSpPr>
-            <a:spLocks noGrp="1"/>
-          </p:cNvSpPr>
-          <p:nvPr>
-            <p:ph type="title"/>
-          </p:nvPr>
-        </p:nvSpPr>
-        <p:spPr/>
-        <p:txBody>
-          <a:bodyPr/>
-          <a:lstStyle/>
-          <a:p>
-            <a:r>
-              <a:rPr lang="en-US" altLang="ko-KR" dirty="0"/>
-              <a:t>Pessimistic Lock</a:t>
-            </a:r>
-            <a:endParaRPr lang="ko-KR" altLang="en-US" dirty="0"/>
-          </a:p>
-        </p:txBody>
-      </p:sp>
-      <p:sp>
-        <p:nvSpPr>
-          <p:cNvPr id="7" name="Google Shape;209;p30">
-            <a:extLst>
-              <a:ext uri="{FF2B5EF4-FFF2-40B4-BE49-F238E27FC236}">
-                <a16:creationId xmlns:a16="http://schemas.microsoft.com/office/drawing/2014/main" id="{35F3E219-4EBB-8DE8-0966-E4317399395E}"/>
-              </a:ext>
-            </a:extLst>
-          </p:cNvPr>
-          <p:cNvSpPr/>
-          <p:nvPr/>
-        </p:nvSpPr>
-        <p:spPr>
-          <a:xfrm>
-            <a:off x="7811013" y="528014"/>
-            <a:ext cx="952500" cy="298200"/>
-          </a:xfrm>
-          <a:prstGeom prst="rect">
-            <a:avLst/>
-          </a:prstGeom>
-          <a:noFill/>
-          <a:ln>
-            <a:noFill/>
-          </a:ln>
-        </p:spPr>
-        <p:txBody>
-          <a:bodyPr spcFirstLastPara="1" wrap="square" lIns="19050" tIns="19050" rIns="19050" bIns="19050" anchor="t" anchorCtr="0">
-            <a:noAutofit/>
-          </a:bodyPr>
-          <a:lstStyle/>
-          <a:p>
-            <a:pPr marL="63500" marR="0" lvl="1" indent="0" algn="l" rtl="0">
-              <a:lnSpc>
-                <a:spcPct val="90000"/>
-              </a:lnSpc>
-              <a:spcBef>
-                <a:spcPts val="0"/>
-              </a:spcBef>
-              <a:spcAft>
-                <a:spcPts val="0"/>
-              </a:spcAft>
-              <a:buNone/>
-            </a:pPr>
-            <a:r>
-              <a:rPr lang="en-US" altLang="ko" sz="1200" b="1" i="0" u="none" strike="noStrike" cap="none" dirty="0">
-                <a:solidFill>
-                  <a:schemeClr val="bg1"/>
-                </a:solidFill>
-                <a:latin typeface="Arial"/>
-                <a:ea typeface="Arial"/>
-                <a:cs typeface="Arial"/>
-                <a:sym typeface="Arial"/>
-              </a:rPr>
-              <a:t>9</a:t>
-            </a:r>
-            <a:r>
-              <a:rPr lang="ko" sz="1200" b="1" i="0" u="none" strike="noStrike" cap="none" dirty="0">
-                <a:solidFill>
-                  <a:schemeClr val="bg1"/>
-                </a:solidFill>
-                <a:latin typeface="Arial"/>
-                <a:ea typeface="Arial"/>
-                <a:cs typeface="Arial"/>
-                <a:sym typeface="Arial"/>
-              </a:rPr>
-              <a:t>.</a:t>
-            </a:r>
-            <a:endParaRPr sz="500" dirty="0">
-              <a:solidFill>
-                <a:schemeClr val="bg1"/>
-              </a:solidFill>
-            </a:endParaRPr>
-          </a:p>
-        </p:txBody>
-      </p:sp>
-      <p:sp>
-        <p:nvSpPr>
-          <p:cNvPr id="8" name="Google Shape;210;p30">
-            <a:extLst>
-              <a:ext uri="{FF2B5EF4-FFF2-40B4-BE49-F238E27FC236}">
-                <a16:creationId xmlns:a16="http://schemas.microsoft.com/office/drawing/2014/main" id="{8CB63A74-B5C7-DCAA-53F5-96E44004D694}"/>
-              </a:ext>
-            </a:extLst>
-          </p:cNvPr>
-          <p:cNvSpPr/>
-          <p:nvPr/>
-        </p:nvSpPr>
-        <p:spPr>
-          <a:xfrm>
-            <a:off x="7811013" y="825047"/>
-            <a:ext cx="952500" cy="293400"/>
-          </a:xfrm>
-          <a:prstGeom prst="rect">
-            <a:avLst/>
-          </a:prstGeom>
-          <a:noFill/>
-          <a:ln>
-            <a:noFill/>
-          </a:ln>
-        </p:spPr>
-        <p:txBody>
-          <a:bodyPr spcFirstLastPara="1" wrap="square" lIns="19050" tIns="19050" rIns="19050" bIns="19050" anchor="t" anchorCtr="0">
-            <a:noAutofit/>
-          </a:bodyPr>
-          <a:lstStyle/>
-          <a:p>
-            <a:pPr marL="63500" marR="0" lvl="1" indent="0" algn="l" rtl="0">
-              <a:spcBef>
-                <a:spcPts val="200"/>
-              </a:spcBef>
-              <a:spcAft>
-                <a:spcPts val="0"/>
-              </a:spcAft>
-              <a:buClr>
-                <a:srgbClr val="000000"/>
-              </a:buClr>
-              <a:buFont typeface="Arial"/>
-              <a:buNone/>
-            </a:pPr>
-            <a:r>
-              <a:rPr lang="en-US" sz="800" dirty="0">
-                <a:solidFill>
-                  <a:schemeClr val="bg1"/>
-                </a:solidFill>
-              </a:rPr>
-              <a:t>Lock</a:t>
-            </a:r>
-            <a:endParaRPr sz="800" dirty="0">
-              <a:solidFill>
-                <a:schemeClr val="bg1"/>
-              </a:solidFill>
-            </a:endParaRPr>
-          </a:p>
-        </p:txBody>
-      </p:sp>
-      <p:sp>
-        <p:nvSpPr>
-          <p:cNvPr id="4" name="TextBox 3">
-            <a:extLst>
-              <a:ext uri="{FF2B5EF4-FFF2-40B4-BE49-F238E27FC236}">
-                <a16:creationId xmlns:a16="http://schemas.microsoft.com/office/drawing/2014/main" id="{A503A91F-C967-3A21-7D83-E9FA0E6AFA6A}"/>
-              </a:ext>
-            </a:extLst>
-          </p:cNvPr>
-          <p:cNvSpPr txBox="1"/>
-          <p:nvPr/>
-        </p:nvSpPr>
-        <p:spPr>
-          <a:xfrm>
-            <a:off x="1925516" y="2343124"/>
-            <a:ext cx="984757" cy="276999"/>
-          </a:xfrm>
-          <a:prstGeom prst="rect">
-            <a:avLst/>
-          </a:prstGeom>
-          <a:noFill/>
-        </p:spPr>
-        <p:txBody>
-          <a:bodyPr wrap="none" rtlCol="0">
-            <a:spAutoFit/>
-          </a:bodyPr>
-          <a:lstStyle/>
-          <a:p>
-            <a:r>
-              <a:rPr lang="en-US" altLang="ko-KR" sz="1200" b="1" dirty="0">
-                <a:solidFill>
-                  <a:srgbClr val="FF0000"/>
-                </a:solidFill>
-              </a:rPr>
-              <a:t>Locking Row</a:t>
-            </a:r>
-            <a:endParaRPr lang="ko-KR" altLang="en-US" sz="1200" b="1" dirty="0">
-              <a:solidFill>
-                <a:srgbClr val="FF0000"/>
-              </a:solidFill>
-            </a:endParaRPr>
-          </a:p>
-        </p:txBody>
-      </p:sp>
-      <p:sp>
-        <p:nvSpPr>
-          <p:cNvPr id="5" name="TextBox 4">
-            <a:extLst>
-              <a:ext uri="{FF2B5EF4-FFF2-40B4-BE49-F238E27FC236}">
-                <a16:creationId xmlns:a16="http://schemas.microsoft.com/office/drawing/2014/main" id="{0A2BEDA9-CCA9-1AC5-52C5-D5482936432A}"/>
-              </a:ext>
-            </a:extLst>
-          </p:cNvPr>
-          <p:cNvSpPr txBox="1"/>
-          <p:nvPr/>
-        </p:nvSpPr>
-        <p:spPr>
-          <a:xfrm>
-            <a:off x="3739662" y="2620123"/>
-            <a:ext cx="984757" cy="276999"/>
-          </a:xfrm>
-          <a:prstGeom prst="rect">
-            <a:avLst/>
-          </a:prstGeom>
-          <a:noFill/>
-        </p:spPr>
-        <p:txBody>
-          <a:bodyPr wrap="none" rtlCol="0">
-            <a:spAutoFit/>
-          </a:bodyPr>
-          <a:lstStyle/>
-          <a:p>
-            <a:r>
-              <a:rPr lang="en-US" altLang="ko-KR" sz="1200" b="1" dirty="0">
-                <a:solidFill>
-                  <a:schemeClr val="accent2">
-                    <a:lumMod val="60000"/>
-                    <a:lumOff val="40000"/>
-                  </a:schemeClr>
-                </a:solidFill>
-              </a:rPr>
-              <a:t>Locking Row</a:t>
-            </a:r>
-            <a:endParaRPr lang="ko-KR" altLang="en-US" sz="1200" b="1" dirty="0">
-              <a:solidFill>
-                <a:schemeClr val="accent2">
-                  <a:lumMod val="60000"/>
-                  <a:lumOff val="40000"/>
-                </a:schemeClr>
-              </a:solidFill>
-            </a:endParaRPr>
-          </a:p>
-        </p:txBody>
-      </p:sp>
-      <p:sp>
-        <p:nvSpPr>
-          <p:cNvPr id="6" name="TextBox 5">
-            <a:extLst>
-              <a:ext uri="{FF2B5EF4-FFF2-40B4-BE49-F238E27FC236}">
-                <a16:creationId xmlns:a16="http://schemas.microsoft.com/office/drawing/2014/main" id="{65409F3E-D1AA-B7D9-18A1-AB1936C81157}"/>
-              </a:ext>
-            </a:extLst>
-          </p:cNvPr>
-          <p:cNvSpPr txBox="1"/>
-          <p:nvPr/>
-        </p:nvSpPr>
-        <p:spPr>
-          <a:xfrm>
-            <a:off x="3742612" y="3968062"/>
-            <a:ext cx="984757" cy="276999"/>
-          </a:xfrm>
-          <a:prstGeom prst="rect">
-            <a:avLst/>
-          </a:prstGeom>
-          <a:noFill/>
-        </p:spPr>
-        <p:txBody>
-          <a:bodyPr wrap="none" rtlCol="0">
-            <a:spAutoFit/>
-          </a:bodyPr>
-          <a:lstStyle/>
-          <a:p>
-            <a:r>
-              <a:rPr lang="en-US" altLang="ko-KR" sz="1200" b="1" dirty="0">
-                <a:solidFill>
-                  <a:srgbClr val="FF0000"/>
-                </a:solidFill>
-              </a:rPr>
-              <a:t>Locking Row</a:t>
-            </a:r>
-            <a:endParaRPr lang="ko-KR" altLang="en-US" sz="1200" b="1" dirty="0">
-              <a:solidFill>
-                <a:srgbClr val="FF0000"/>
-              </a:solidFill>
-            </a:endParaRPr>
-          </a:p>
-        </p:txBody>
-      </p:sp>
-      <p:cxnSp>
-        <p:nvCxnSpPr>
-          <p:cNvPr id="10" name="직선 화살표 연결선 9">
-            <a:extLst>
-              <a:ext uri="{FF2B5EF4-FFF2-40B4-BE49-F238E27FC236}">
-                <a16:creationId xmlns:a16="http://schemas.microsoft.com/office/drawing/2014/main" id="{9B7A8CFF-2207-BEE6-9489-2D4F5B444932}"/>
-              </a:ext>
-            </a:extLst>
-          </p:cNvPr>
-          <p:cNvCxnSpPr>
-            <a:stCxn id="5" idx="2"/>
-            <a:endCxn id="6" idx="0"/>
-          </p:cNvCxnSpPr>
-          <p:nvPr/>
-        </p:nvCxnSpPr>
-        <p:spPr>
-          <a:xfrm>
-            <a:off x="4232041" y="2897122"/>
-            <a:ext cx="2950" cy="1070940"/>
-          </a:xfrm>
-          <a:prstGeom prst="straightConnector1">
-            <a:avLst/>
-          </a:prstGeom>
-          <a:ln>
-            <a:solidFill>
-              <a:schemeClr val="accent2">
-                <a:lumMod val="75000"/>
-              </a:schemeClr>
-            </a:solidFill>
-            <a:prstDash val="dash"/>
-            <a:tailEnd type="triangle"/>
-          </a:ln>
-        </p:spPr>
-        <p:style>
-          <a:lnRef idx="1">
-            <a:schemeClr val="accent1"/>
-          </a:lnRef>
-          <a:fillRef idx="0">
-            <a:schemeClr val="accent1"/>
-          </a:fillRef>
-          <a:effectRef idx="0">
-            <a:schemeClr val="accent1"/>
-          </a:effectRef>
-          <a:fontRef idx="minor">
-            <a:schemeClr val="tx1"/>
-          </a:fontRef>
-        </p:style>
-      </p:cxnSp>
-    </p:spTree>
-    <p:extLst>
-      <p:ext uri="{BB962C8B-B14F-4D97-AF65-F5344CB8AC3E}">
-        <p14:creationId xmlns:p14="http://schemas.microsoft.com/office/powerpoint/2010/main" val="243783024"/>
-      </p:ext>
-    </p:extLst>
-  </p:cSld>
-  <p:clrMapOvr>
-    <a:masterClrMapping/>
-  </p:clrMapOvr>
-</p:sld>
-</file>
-
-<file path=ppt/slides/slide24.xml><?xml version="1.0" encoding="utf-8"?>
-<p:sld xmlns:a="http://schemas.openxmlformats.org/drawingml/2006/main" xmlns:r="http://schemas.openxmlformats.org/officeDocument/2006/relationships" xmlns:p="http://schemas.openxmlformats.org/presentationml/2006/main">
-  <p:cSld>
-    <p:spTree>
-      <p:nvGrpSpPr>
-        <p:cNvPr id="1" name=""/>
-        <p:cNvGrpSpPr/>
-        <p:nvPr/>
-      </p:nvGrpSpPr>
-      <p:grpSpPr>
-        <a:xfrm>
-          <a:off x="0" y="0"/>
-          <a:ext cx="0" cy="0"/>
-          <a:chOff x="0" y="0"/>
-          <a:chExt cx="0" cy="0"/>
-        </a:xfrm>
-      </p:grpSpPr>
-      <p:sp>
-        <p:nvSpPr>
-          <p:cNvPr id="4" name="제목 3">
-            <a:extLst>
-              <a:ext uri="{FF2B5EF4-FFF2-40B4-BE49-F238E27FC236}">
-                <a16:creationId xmlns:a16="http://schemas.microsoft.com/office/drawing/2014/main" id="{AA6C3C0E-F24F-9763-AC2A-545FB7F3873E}"/>
-              </a:ext>
-            </a:extLst>
-          </p:cNvPr>
-          <p:cNvSpPr>
-            <a:spLocks noGrp="1"/>
-          </p:cNvSpPr>
-          <p:nvPr>
-            <p:ph type="ctrTitle"/>
-          </p:nvPr>
-        </p:nvSpPr>
-        <p:spPr/>
-        <p:txBody>
-          <a:bodyPr/>
-          <a:lstStyle/>
-          <a:p>
-            <a:r>
-              <a:rPr lang="ko-KR" altLang="en-US" dirty="0"/>
-              <a:t>구현 실습</a:t>
-            </a:r>
-          </a:p>
-        </p:txBody>
-      </p:sp>
-      <p:sp>
-        <p:nvSpPr>
-          <p:cNvPr id="5" name="부제목 4">
-            <a:extLst>
-              <a:ext uri="{FF2B5EF4-FFF2-40B4-BE49-F238E27FC236}">
-                <a16:creationId xmlns:a16="http://schemas.microsoft.com/office/drawing/2014/main" id="{CAF74D28-A379-C9BB-D8F9-E3B6A7427E89}"/>
-              </a:ext>
-            </a:extLst>
-          </p:cNvPr>
-          <p:cNvSpPr>
-            <a:spLocks noGrp="1"/>
-          </p:cNvSpPr>
-          <p:nvPr>
-            <p:ph type="subTitle" idx="1"/>
-          </p:nvPr>
-        </p:nvSpPr>
-        <p:spPr/>
-        <p:txBody>
-          <a:bodyPr/>
-          <a:lstStyle/>
-          <a:p>
-            <a:pPr marL="0" indent="0" algn="r">
-              <a:buNone/>
-            </a:pPr>
-            <a:r>
-              <a:rPr lang="en-US" altLang="ko-KR" dirty="0"/>
-              <a:t>Optimistic Lock &amp; Pessimistic Lock</a:t>
-            </a:r>
-            <a:endParaRPr lang="ko-KR" altLang="en-US" dirty="0"/>
-          </a:p>
-        </p:txBody>
-      </p:sp>
-    </p:spTree>
-    <p:extLst>
-      <p:ext uri="{BB962C8B-B14F-4D97-AF65-F5344CB8AC3E}">
-        <p14:creationId xmlns:p14="http://schemas.microsoft.com/office/powerpoint/2010/main" val="3532365668"/>
-      </p:ext>
-    </p:extLst>
-  </p:cSld>
-  <p:clrMapOvr>
-    <a:masterClrMapping/>
-  </p:clrMapOvr>
-</p:sld>
-</file>
-
-<file path=ppt/slides/slide25.xml><?xml version="1.0" encoding="utf-8"?>
-<p:sld xmlns:a="http://schemas.openxmlformats.org/drawingml/2006/main" xmlns:r="http://schemas.openxmlformats.org/officeDocument/2006/relationships" xmlns:p="http://schemas.openxmlformats.org/presentationml/2006/main">
-  <p:cSld>
-    <p:spTree>
-      <p:nvGrpSpPr>
-        <p:cNvPr id="1" name=""/>
-        <p:cNvGrpSpPr/>
-        <p:nvPr/>
-      </p:nvGrpSpPr>
-      <p:grpSpPr>
-        <a:xfrm>
-          <a:off x="0" y="0"/>
-          <a:ext cx="0" cy="0"/>
-          <a:chOff x="0" y="0"/>
-          <a:chExt cx="0" cy="0"/>
-        </a:xfrm>
-      </p:grpSpPr>
-      <p:sp>
-        <p:nvSpPr>
-          <p:cNvPr id="4" name="제목 3">
-            <a:extLst>
-              <a:ext uri="{FF2B5EF4-FFF2-40B4-BE49-F238E27FC236}">
-                <a16:creationId xmlns:a16="http://schemas.microsoft.com/office/drawing/2014/main" id="{AA6C3C0E-F24F-9763-AC2A-545FB7F3873E}"/>
-              </a:ext>
-            </a:extLst>
-          </p:cNvPr>
-          <p:cNvSpPr>
-            <a:spLocks noGrp="1"/>
-          </p:cNvSpPr>
-          <p:nvPr>
-            <p:ph type="ctrTitle"/>
-          </p:nvPr>
-        </p:nvSpPr>
-        <p:spPr/>
-        <p:txBody>
-          <a:bodyPr/>
-          <a:lstStyle/>
-          <a:p>
-            <a:r>
-              <a:rPr lang="ko-KR" altLang="en-US" dirty="0"/>
-              <a:t>구현 실습</a:t>
-            </a:r>
-          </a:p>
-        </p:txBody>
-      </p:sp>
-      <p:sp>
-        <p:nvSpPr>
-          <p:cNvPr id="5" name="부제목 4">
-            <a:extLst>
-              <a:ext uri="{FF2B5EF4-FFF2-40B4-BE49-F238E27FC236}">
-                <a16:creationId xmlns:a16="http://schemas.microsoft.com/office/drawing/2014/main" id="{CAF74D28-A379-C9BB-D8F9-E3B6A7427E89}"/>
-              </a:ext>
-            </a:extLst>
-          </p:cNvPr>
-          <p:cNvSpPr>
-            <a:spLocks noGrp="1"/>
-          </p:cNvSpPr>
-          <p:nvPr>
-            <p:ph type="subTitle" idx="1"/>
-          </p:nvPr>
-        </p:nvSpPr>
-        <p:spPr/>
-        <p:txBody>
-          <a:bodyPr/>
-          <a:lstStyle/>
-          <a:p>
-            <a:pPr marL="0" indent="0" algn="r">
-              <a:buNone/>
-            </a:pPr>
-            <a:r>
-              <a:rPr lang="en-US" altLang="ko-KR" dirty="0"/>
-              <a:t>Distributed Lock</a:t>
-            </a:r>
-            <a:endParaRPr lang="ko-KR" altLang="en-US" dirty="0"/>
-          </a:p>
-        </p:txBody>
-      </p:sp>
-    </p:spTree>
-    <p:extLst>
-      <p:ext uri="{BB962C8B-B14F-4D97-AF65-F5344CB8AC3E}">
-        <p14:creationId xmlns:p14="http://schemas.microsoft.com/office/powerpoint/2010/main" val="4005433968"/>
-      </p:ext>
-    </p:extLst>
-  </p:cSld>
-  <p:clrMapOvr>
-    <a:masterClrMapping/>
-  </p:clrMapOvr>
-</p:sld>
-</file>
-
-<file path=ppt/slides/slide26.xml><?xml version="1.0" encoding="utf-8"?>
-<p:sld xmlns:a="http://schemas.openxmlformats.org/drawingml/2006/main" xmlns:r="http://schemas.openxmlformats.org/officeDocument/2006/relationships" xmlns:p="http://schemas.openxmlformats.org/presentationml/2006/main">
-  <p:cSld>
-    <p:spTree>
-      <p:nvGrpSpPr>
-        <p:cNvPr id="1" name=""/>
-        <p:cNvGrpSpPr/>
-        <p:nvPr/>
-      </p:nvGrpSpPr>
-      <p:grpSpPr>
-        <a:xfrm>
-          <a:off x="0" y="0"/>
-          <a:ext cx="0" cy="0"/>
-          <a:chOff x="0" y="0"/>
-          <a:chExt cx="0" cy="0"/>
-        </a:xfrm>
-      </p:grpSpPr>
-      <p:pic>
-        <p:nvPicPr>
-          <p:cNvPr id="4" name="Picture 2">
-            <a:extLst>
-              <a:ext uri="{FF2B5EF4-FFF2-40B4-BE49-F238E27FC236}">
-                <a16:creationId xmlns:a16="http://schemas.microsoft.com/office/drawing/2014/main" id="{95CB259A-8F0A-AB26-D84A-8281ED8FD9F2}"/>
-              </a:ext>
-            </a:extLst>
-          </p:cNvPr>
-          <p:cNvPicPr>
-            <a:picLocks noChangeAspect="1" noChangeArrowheads="1"/>
-          </p:cNvPicPr>
-          <p:nvPr/>
-        </p:nvPicPr>
-        <p:blipFill>
-          <a:blip r:embed="rId3">
-            <a:extLst>
-              <a:ext uri="{28A0092B-C50C-407E-A947-70E740481C1C}">
-                <a14:useLocalDpi xmlns:a14="http://schemas.microsoft.com/office/drawing/2010/main" val="0"/>
-              </a:ext>
-            </a:extLst>
-          </a:blip>
-          <a:srcRect/>
-          <a:stretch>
-            <a:fillRect/>
-          </a:stretch>
-        </p:blipFill>
-        <p:spPr bwMode="auto">
-          <a:xfrm>
-            <a:off x="987191" y="1171199"/>
-            <a:ext cx="4648678" cy="3951376"/>
-          </a:xfrm>
-          <a:prstGeom prst="rect">
-            <a:avLst/>
-          </a:prstGeom>
-          <a:noFill/>
-          <a:extLst>
-            <a:ext uri="{909E8E84-426E-40DD-AFC4-6F175D3DCCD1}">
-              <a14:hiddenFill xmlns:a14="http://schemas.microsoft.com/office/drawing/2010/main">
-                <a:solidFill>
-                  <a:srgbClr val="FFFFFF"/>
-                </a:solidFill>
-              </a14:hiddenFill>
-            </a:ext>
-          </a:extLst>
-        </p:spPr>
-      </p:pic>
-      <p:sp>
-        <p:nvSpPr>
-          <p:cNvPr id="2" name="제목 1">
-            <a:extLst>
-              <a:ext uri="{FF2B5EF4-FFF2-40B4-BE49-F238E27FC236}">
-                <a16:creationId xmlns:a16="http://schemas.microsoft.com/office/drawing/2014/main" id="{D21C1AA9-5E52-3A11-B3B3-447787E29D09}"/>
-              </a:ext>
-            </a:extLst>
-          </p:cNvPr>
-          <p:cNvSpPr>
-            <a:spLocks noGrp="1"/>
-          </p:cNvSpPr>
-          <p:nvPr>
-            <p:ph type="title"/>
-          </p:nvPr>
-        </p:nvSpPr>
-        <p:spPr/>
-        <p:txBody>
-          <a:bodyPr/>
-          <a:lstStyle/>
-          <a:p>
-            <a:r>
-              <a:rPr lang="en-US" altLang="ko-KR" dirty="0"/>
-              <a:t>Distributed Lock</a:t>
-            </a:r>
-            <a:endParaRPr lang="ko-KR" altLang="en-US" dirty="0"/>
-          </a:p>
-        </p:txBody>
-      </p:sp>
-      <p:sp>
-        <p:nvSpPr>
-          <p:cNvPr id="7" name="Google Shape;209;p30">
-            <a:extLst>
-              <a:ext uri="{FF2B5EF4-FFF2-40B4-BE49-F238E27FC236}">
-                <a16:creationId xmlns:a16="http://schemas.microsoft.com/office/drawing/2014/main" id="{35F3E219-4EBB-8DE8-0966-E4317399395E}"/>
-              </a:ext>
-            </a:extLst>
-          </p:cNvPr>
-          <p:cNvSpPr/>
-          <p:nvPr/>
-        </p:nvSpPr>
-        <p:spPr>
-          <a:xfrm>
-            <a:off x="7811013" y="528014"/>
-            <a:ext cx="952500" cy="298200"/>
-          </a:xfrm>
-          <a:prstGeom prst="rect">
-            <a:avLst/>
-          </a:prstGeom>
-          <a:noFill/>
-          <a:ln>
-            <a:noFill/>
-          </a:ln>
-        </p:spPr>
-        <p:txBody>
-          <a:bodyPr spcFirstLastPara="1" wrap="square" lIns="19050" tIns="19050" rIns="19050" bIns="19050" anchor="t" anchorCtr="0">
-            <a:noAutofit/>
-          </a:bodyPr>
-          <a:lstStyle/>
-          <a:p>
-            <a:pPr marL="63500" marR="0" lvl="1" indent="0" algn="l" rtl="0">
-              <a:lnSpc>
-                <a:spcPct val="90000"/>
-              </a:lnSpc>
-              <a:spcBef>
-                <a:spcPts val="0"/>
-              </a:spcBef>
-              <a:spcAft>
-                <a:spcPts val="0"/>
-              </a:spcAft>
-              <a:buNone/>
-            </a:pPr>
-            <a:r>
-              <a:rPr lang="en-US" altLang="ko" sz="1200" b="1" i="0" u="none" strike="noStrike" cap="none" dirty="0">
-                <a:solidFill>
-                  <a:schemeClr val="bg1"/>
-                </a:solidFill>
-                <a:latin typeface="Arial"/>
-                <a:ea typeface="Arial"/>
-                <a:cs typeface="Arial"/>
-                <a:sym typeface="Arial"/>
-              </a:rPr>
-              <a:t>9</a:t>
-            </a:r>
-            <a:r>
-              <a:rPr lang="ko" sz="1200" b="1" i="0" u="none" strike="noStrike" cap="none" dirty="0">
-                <a:solidFill>
-                  <a:schemeClr val="bg1"/>
-                </a:solidFill>
-                <a:latin typeface="Arial"/>
-                <a:ea typeface="Arial"/>
-                <a:cs typeface="Arial"/>
-                <a:sym typeface="Arial"/>
-              </a:rPr>
-              <a:t>.</a:t>
-            </a:r>
-            <a:endParaRPr sz="500" dirty="0">
-              <a:solidFill>
-                <a:schemeClr val="bg1"/>
-              </a:solidFill>
-            </a:endParaRPr>
-          </a:p>
-        </p:txBody>
-      </p:sp>
-      <p:sp>
-        <p:nvSpPr>
-          <p:cNvPr id="8" name="Google Shape;210;p30">
-            <a:extLst>
-              <a:ext uri="{FF2B5EF4-FFF2-40B4-BE49-F238E27FC236}">
-                <a16:creationId xmlns:a16="http://schemas.microsoft.com/office/drawing/2014/main" id="{8CB63A74-B5C7-DCAA-53F5-96E44004D694}"/>
-              </a:ext>
-            </a:extLst>
-          </p:cNvPr>
-          <p:cNvSpPr/>
-          <p:nvPr/>
-        </p:nvSpPr>
-        <p:spPr>
-          <a:xfrm>
-            <a:off x="7811013" y="825047"/>
-            <a:ext cx="952500" cy="293400"/>
-          </a:xfrm>
-          <a:prstGeom prst="rect">
-            <a:avLst/>
-          </a:prstGeom>
-          <a:noFill/>
-          <a:ln>
-            <a:noFill/>
-          </a:ln>
-        </p:spPr>
-        <p:txBody>
-          <a:bodyPr spcFirstLastPara="1" wrap="square" lIns="19050" tIns="19050" rIns="19050" bIns="19050" anchor="t" anchorCtr="0">
-            <a:noAutofit/>
-          </a:bodyPr>
-          <a:lstStyle/>
-          <a:p>
-            <a:pPr marL="63500" marR="0" lvl="1" indent="0" algn="l" rtl="0">
-              <a:spcBef>
-                <a:spcPts val="200"/>
-              </a:spcBef>
-              <a:spcAft>
-                <a:spcPts val="0"/>
-              </a:spcAft>
-              <a:buClr>
-                <a:srgbClr val="000000"/>
-              </a:buClr>
-              <a:buFont typeface="Arial"/>
-              <a:buNone/>
-            </a:pPr>
-            <a:r>
-              <a:rPr lang="en-US" sz="800" dirty="0">
-                <a:solidFill>
-                  <a:schemeClr val="bg1"/>
-                </a:solidFill>
-              </a:rPr>
-              <a:t>Lock</a:t>
-            </a:r>
-            <a:endParaRPr sz="800" dirty="0">
-              <a:solidFill>
-                <a:schemeClr val="bg1"/>
-              </a:solidFill>
-            </a:endParaRPr>
-          </a:p>
-        </p:txBody>
-      </p:sp>
-      <p:grpSp>
-        <p:nvGrpSpPr>
-          <p:cNvPr id="13" name="그룹 12">
-            <a:extLst>
-              <a:ext uri="{FF2B5EF4-FFF2-40B4-BE49-F238E27FC236}">
-                <a16:creationId xmlns:a16="http://schemas.microsoft.com/office/drawing/2014/main" id="{C9A92936-8624-A53D-1354-B155F3D91B46}"/>
-              </a:ext>
-            </a:extLst>
-          </p:cNvPr>
-          <p:cNvGrpSpPr/>
-          <p:nvPr/>
-        </p:nvGrpSpPr>
-        <p:grpSpPr>
-          <a:xfrm>
-            <a:off x="6335737" y="1206368"/>
-            <a:ext cx="967154" cy="3903784"/>
-            <a:chOff x="6335737" y="1206368"/>
-            <a:chExt cx="967154" cy="3903784"/>
-          </a:xfrm>
-        </p:grpSpPr>
-        <p:sp>
-          <p:nvSpPr>
-            <p:cNvPr id="3" name="사각형: 둥근 모서리 2">
-              <a:extLst>
-                <a:ext uri="{FF2B5EF4-FFF2-40B4-BE49-F238E27FC236}">
-                  <a16:creationId xmlns:a16="http://schemas.microsoft.com/office/drawing/2014/main" id="{73503748-8D0A-74E6-7F4B-4D7C029FB4CB}"/>
-                </a:ext>
-              </a:extLst>
-            </p:cNvPr>
-            <p:cNvSpPr/>
-            <p:nvPr/>
-          </p:nvSpPr>
-          <p:spPr>
-            <a:xfrm>
-              <a:off x="6335737" y="1206368"/>
-              <a:ext cx="967154" cy="358664"/>
-            </a:xfrm>
-            <a:prstGeom prst="roundRect">
-              <a:avLst/>
-            </a:prstGeom>
-            <a:ln>
-              <a:solidFill>
-                <a:srgbClr val="FF0000"/>
-              </a:solidFill>
-            </a:ln>
-          </p:spPr>
-          <p:style>
-            <a:lnRef idx="2">
-              <a:schemeClr val="dk1"/>
-            </a:lnRef>
-            <a:fillRef idx="1">
-              <a:schemeClr val="lt1"/>
-            </a:fillRef>
-            <a:effectRef idx="0">
-              <a:schemeClr val="dk1"/>
-            </a:effectRef>
-            <a:fontRef idx="minor">
-              <a:schemeClr val="dk1"/>
-            </a:fontRef>
-          </p:style>
-          <p:txBody>
-            <a:bodyPr rtlCol="0" anchor="ctr"/>
-            <a:lstStyle/>
-            <a:p>
-              <a:pPr algn="ctr"/>
-              <a:r>
-                <a:rPr lang="en-US" altLang="ko-KR" sz="1200" b="1" dirty="0">
-                  <a:solidFill>
-                    <a:srgbClr val="C00000"/>
-                  </a:solidFill>
-                </a:rPr>
-                <a:t>Locker</a:t>
-              </a:r>
-              <a:endParaRPr lang="ko-KR" altLang="en-US" sz="1200" b="1" dirty="0">
-                <a:solidFill>
-                  <a:srgbClr val="C00000"/>
-                </a:solidFill>
-              </a:endParaRPr>
-            </a:p>
-          </p:txBody>
-        </p:sp>
-        <p:cxnSp>
-          <p:nvCxnSpPr>
-            <p:cNvPr id="5" name="직선 연결선 4">
-              <a:extLst>
-                <a:ext uri="{FF2B5EF4-FFF2-40B4-BE49-F238E27FC236}">
-                  <a16:creationId xmlns:a16="http://schemas.microsoft.com/office/drawing/2014/main" id="{F0466F2B-224A-1884-3DBE-DF9B51A0ADAB}"/>
-                </a:ext>
-              </a:extLst>
-            </p:cNvPr>
-            <p:cNvCxnSpPr>
-              <a:stCxn id="3" idx="2"/>
-            </p:cNvCxnSpPr>
-            <p:nvPr/>
-          </p:nvCxnSpPr>
-          <p:spPr>
-            <a:xfrm>
-              <a:off x="6819314" y="1565032"/>
-              <a:ext cx="35169" cy="3545120"/>
-            </a:xfrm>
-            <a:prstGeom prst="line">
-              <a:avLst/>
-            </a:prstGeom>
-            <a:ln>
-              <a:solidFill>
-                <a:srgbClr val="FF0000"/>
-              </a:solidFill>
-            </a:ln>
-          </p:spPr>
-          <p:style>
-            <a:lnRef idx="1">
-              <a:schemeClr val="accent1"/>
-            </a:lnRef>
-            <a:fillRef idx="0">
-              <a:schemeClr val="accent1"/>
-            </a:fillRef>
-            <a:effectRef idx="0">
-              <a:schemeClr val="accent1"/>
-            </a:effectRef>
-            <a:fontRef idx="minor">
-              <a:schemeClr val="tx1"/>
-            </a:fontRef>
-          </p:style>
-        </p:cxnSp>
-      </p:grpSp>
-      <p:cxnSp>
-        <p:nvCxnSpPr>
-          <p:cNvPr id="9" name="직선 화살표 연결선 8">
-            <a:extLst>
-              <a:ext uri="{FF2B5EF4-FFF2-40B4-BE49-F238E27FC236}">
-                <a16:creationId xmlns:a16="http://schemas.microsoft.com/office/drawing/2014/main" id="{D79C68A5-D3F1-7892-5017-2C170293F9FD}"/>
-              </a:ext>
-            </a:extLst>
-          </p:cNvPr>
-          <p:cNvCxnSpPr/>
-          <p:nvPr/>
-        </p:nvCxnSpPr>
-        <p:spPr>
-          <a:xfrm>
-            <a:off x="1533525" y="2181225"/>
-            <a:ext cx="5298098" cy="0"/>
-          </a:xfrm>
-          <a:prstGeom prst="straightConnector1">
-            <a:avLst/>
-          </a:prstGeom>
-          <a:ln w="28575">
-            <a:solidFill>
-              <a:srgbClr val="FF0000"/>
-            </a:solidFill>
-            <a:tailEnd type="triangle"/>
-          </a:ln>
-        </p:spPr>
-        <p:style>
-          <a:lnRef idx="1">
-            <a:schemeClr val="accent2"/>
-          </a:lnRef>
-          <a:fillRef idx="0">
-            <a:schemeClr val="accent2"/>
-          </a:fillRef>
-          <a:effectRef idx="0">
-            <a:schemeClr val="accent2"/>
-          </a:effectRef>
-          <a:fontRef idx="minor">
-            <a:schemeClr val="tx1"/>
-          </a:fontRef>
-        </p:style>
-      </p:cxnSp>
-      <p:sp>
-        <p:nvSpPr>
-          <p:cNvPr id="10" name="TextBox 9">
-            <a:extLst>
-              <a:ext uri="{FF2B5EF4-FFF2-40B4-BE49-F238E27FC236}">
-                <a16:creationId xmlns:a16="http://schemas.microsoft.com/office/drawing/2014/main" id="{4AA01150-D2C4-D85C-21B6-1A03504E5CF6}"/>
-              </a:ext>
-            </a:extLst>
-          </p:cNvPr>
-          <p:cNvSpPr txBox="1"/>
-          <p:nvPr/>
-        </p:nvSpPr>
-        <p:spPr>
-          <a:xfrm>
-            <a:off x="1533525" y="1904226"/>
-            <a:ext cx="1141210" cy="276999"/>
-          </a:xfrm>
-          <a:prstGeom prst="rect">
-            <a:avLst/>
-          </a:prstGeom>
-          <a:noFill/>
-        </p:spPr>
-        <p:txBody>
-          <a:bodyPr wrap="none" rtlCol="0">
-            <a:spAutoFit/>
-          </a:bodyPr>
-          <a:lstStyle/>
-          <a:p>
-            <a:r>
-              <a:rPr lang="en-US" altLang="ko-KR" sz="1200" dirty="0">
-                <a:solidFill>
-                  <a:srgbClr val="FF0000"/>
-                </a:solidFill>
-              </a:rPr>
-              <a:t>obtaining </a:t>
-            </a:r>
-            <a:r>
-              <a:rPr lang="en-US" altLang="ko-KR" sz="1200" b="1" dirty="0">
-                <a:solidFill>
-                  <a:srgbClr val="FF0000"/>
-                </a:solidFill>
-              </a:rPr>
-              <a:t>LOCK</a:t>
-            </a:r>
-            <a:endParaRPr lang="ko-KR" altLang="en-US" sz="1200" b="1" dirty="0">
-              <a:solidFill>
-                <a:srgbClr val="FF0000"/>
-              </a:solidFill>
-            </a:endParaRPr>
-          </a:p>
-        </p:txBody>
-      </p:sp>
-      <p:cxnSp>
-        <p:nvCxnSpPr>
-          <p:cNvPr id="12" name="직선 화살표 연결선 11">
-            <a:extLst>
-              <a:ext uri="{FF2B5EF4-FFF2-40B4-BE49-F238E27FC236}">
-                <a16:creationId xmlns:a16="http://schemas.microsoft.com/office/drawing/2014/main" id="{F96C246B-EB31-B0B5-D433-DBA90B66F887}"/>
-              </a:ext>
-            </a:extLst>
-          </p:cNvPr>
-          <p:cNvCxnSpPr>
-            <a:cxnSpLocks/>
-          </p:cNvCxnSpPr>
-          <p:nvPr/>
-        </p:nvCxnSpPr>
-        <p:spPr>
-          <a:xfrm>
-            <a:off x="5091113" y="2428875"/>
-            <a:ext cx="1740510" cy="0"/>
-          </a:xfrm>
-          <a:prstGeom prst="straightConnector1">
-            <a:avLst/>
-          </a:prstGeom>
-          <a:ln w="28575">
-            <a:prstDash val="sysDot"/>
-            <a:tailEnd type="triangle"/>
-          </a:ln>
-        </p:spPr>
-        <p:style>
-          <a:lnRef idx="1">
-            <a:schemeClr val="accent2"/>
-          </a:lnRef>
-          <a:fillRef idx="0">
-            <a:schemeClr val="accent2"/>
-          </a:fillRef>
-          <a:effectRef idx="0">
-            <a:schemeClr val="accent2"/>
-          </a:effectRef>
-          <a:fontRef idx="minor">
-            <a:schemeClr val="tx1"/>
-          </a:fontRef>
-        </p:style>
-      </p:cxnSp>
-      <p:sp>
-        <p:nvSpPr>
-          <p:cNvPr id="15" name="TextBox 14">
-            <a:extLst>
-              <a:ext uri="{FF2B5EF4-FFF2-40B4-BE49-F238E27FC236}">
-                <a16:creationId xmlns:a16="http://schemas.microsoft.com/office/drawing/2014/main" id="{7CF3059D-3F3D-D839-FE08-35B0AA683C06}"/>
-              </a:ext>
-            </a:extLst>
-          </p:cNvPr>
-          <p:cNvSpPr txBox="1"/>
-          <p:nvPr/>
-        </p:nvSpPr>
-        <p:spPr>
-          <a:xfrm>
-            <a:off x="5675036" y="2401390"/>
-            <a:ext cx="1141210" cy="276999"/>
-          </a:xfrm>
-          <a:prstGeom prst="rect">
-            <a:avLst/>
-          </a:prstGeom>
-          <a:noFill/>
-        </p:spPr>
-        <p:txBody>
-          <a:bodyPr wrap="none" rtlCol="0">
-            <a:spAutoFit/>
-          </a:bodyPr>
-          <a:lstStyle/>
-          <a:p>
-            <a:r>
-              <a:rPr lang="en-US" altLang="ko-KR" sz="1200" dirty="0">
-                <a:solidFill>
-                  <a:srgbClr val="FF0000"/>
-                </a:solidFill>
-              </a:rPr>
-              <a:t>obtaining </a:t>
-            </a:r>
-            <a:r>
-              <a:rPr lang="en-US" altLang="ko-KR" sz="1200" b="1" dirty="0">
-                <a:solidFill>
-                  <a:srgbClr val="FF0000"/>
-                </a:solidFill>
-              </a:rPr>
-              <a:t>LOCK</a:t>
-            </a:r>
-            <a:endParaRPr lang="ko-KR" altLang="en-US" sz="1200" b="1" dirty="0">
-              <a:solidFill>
-                <a:srgbClr val="FF0000"/>
-              </a:solidFill>
-            </a:endParaRPr>
-          </a:p>
-        </p:txBody>
-      </p:sp>
-    </p:spTree>
-    <p:extLst>
-      <p:ext uri="{BB962C8B-B14F-4D97-AF65-F5344CB8AC3E}">
-        <p14:creationId xmlns:p14="http://schemas.microsoft.com/office/powerpoint/2010/main" val="384597565"/>
+        <p14:creationId xmlns:p14="http://schemas.microsoft.com/office/powerpoint/2010/main" val="624170109"/>
       </p:ext>
     </p:extLst>
   </p:cSld>
@@ -10901,7 +6381,7 @@
           <p:cNvPr id="2" name="제목 1">
             <a:extLst>
               <a:ext uri="{FF2B5EF4-FFF2-40B4-BE49-F238E27FC236}">
-                <a16:creationId xmlns:a16="http://schemas.microsoft.com/office/drawing/2014/main" id="{9896B29B-A1AE-E0C6-8543-753E63140B1C}"/>
+                <a16:creationId xmlns:a16="http://schemas.microsoft.com/office/drawing/2014/main" id="{D21C1AA9-5E52-3A11-B3B3-447787E29D09}"/>
               </a:ext>
             </a:extLst>
           </p:cNvPr>
@@ -10909,77 +6389,213 @@
             <a:spLocks noGrp="1"/>
           </p:cNvSpPr>
           <p:nvPr>
-            <p:ph type="ctrTitle"/>
+            <p:ph type="title"/>
           </p:nvPr>
         </p:nvSpPr>
         <p:spPr/>
         <p:txBody>
-          <a:bodyPr>
-            <a:normAutofit/>
-          </a:bodyPr>
+          <a:bodyPr/>
           <a:lstStyle/>
           <a:p>
             <a:r>
-              <a:rPr lang="ko-KR" altLang="en-US" b="1" dirty="0"/>
-              <a:t>실무형 심화개발</a:t>
-            </a:r>
-          </a:p>
-        </p:txBody>
-      </p:sp>
-      <p:sp>
-        <p:nvSpPr>
-          <p:cNvPr id="4" name="부제목 3">
+              <a:rPr lang="ko-KR" altLang="en-US" dirty="0"/>
+              <a:t>결제 서비스</a:t>
+            </a:r>
+          </a:p>
+        </p:txBody>
+      </p:sp>
+      <p:sp>
+        <p:nvSpPr>
+          <p:cNvPr id="7" name="Google Shape;209;p30">
             <a:extLst>
               <a:ext uri="{FF2B5EF4-FFF2-40B4-BE49-F238E27FC236}">
-                <a16:creationId xmlns:a16="http://schemas.microsoft.com/office/drawing/2014/main" id="{7219E4B9-47F6-C7CA-B046-1256225C3574}"/>
+                <a16:creationId xmlns:a16="http://schemas.microsoft.com/office/drawing/2014/main" id="{35F3E219-4EBB-8DE8-0966-E4317399395E}"/>
               </a:ext>
             </a:extLst>
           </p:cNvPr>
-          <p:cNvSpPr>
-            <a:spLocks noGrp="1"/>
-          </p:cNvSpPr>
-          <p:nvPr>
-            <p:ph type="subTitle" idx="1"/>
-          </p:nvPr>
-        </p:nvSpPr>
-        <p:spPr/>
-        <p:txBody>
-          <a:bodyPr>
-            <a:normAutofit/>
+          <p:cNvSpPr/>
+          <p:nvPr/>
+        </p:nvSpPr>
+        <p:spPr>
+          <a:xfrm>
+            <a:off x="7811013" y="528014"/>
+            <a:ext cx="952500" cy="298200"/>
+          </a:xfrm>
+          <a:prstGeom prst="rect">
+            <a:avLst/>
+          </a:prstGeom>
+          <a:noFill/>
+          <a:ln>
+            <a:noFill/>
+          </a:ln>
+        </p:spPr>
+        <p:txBody>
+          <a:bodyPr spcFirstLastPara="1" wrap="square" lIns="19050" tIns="19050" rIns="19050" bIns="19050" anchor="t" anchorCtr="0">
+            <a:noAutofit/>
           </a:bodyPr>
           <a:lstStyle/>
           <a:p>
-            <a:pPr marL="0" indent="0" algn="r">
+            <a:pPr marL="63500" marR="0" lvl="1" indent="0" algn="l" rtl="0">
+              <a:lnSpc>
+                <a:spcPct val="90000"/>
+              </a:lnSpc>
+              <a:spcBef>
+                <a:spcPts val="0"/>
+              </a:spcBef>
+              <a:spcAft>
+                <a:spcPts val="0"/>
+              </a:spcAft>
               <a:buNone/>
             </a:pPr>
             <a:r>
-              <a:rPr lang="en-US" altLang="ko" b="1" dirty="0">
+              <a:rPr lang="en-US" altLang="ko" sz="1200" b="1" i="0" u="none" strike="noStrike" cap="none" dirty="0">
                 <a:solidFill>
-                  <a:srgbClr val="ED234B"/>
+                  <a:schemeClr val="bg1"/>
+                </a:solidFill>
+                <a:latin typeface="Arial"/>
+                <a:ea typeface="Arial"/>
+                <a:cs typeface="Arial"/>
+                <a:sym typeface="Arial"/>
+              </a:rPr>
+              <a:t>1</a:t>
+            </a:r>
+            <a:r>
+              <a:rPr lang="ko" sz="1200" b="1" i="0" u="none" strike="noStrike" cap="none" dirty="0">
+                <a:solidFill>
+                  <a:schemeClr val="bg1"/>
+                </a:solidFill>
+                <a:latin typeface="Arial"/>
+                <a:ea typeface="Arial"/>
+                <a:cs typeface="Arial"/>
+                <a:sym typeface="Arial"/>
+              </a:rPr>
+              <a:t>.</a:t>
+            </a:r>
+            <a:endParaRPr sz="500" dirty="0">
+              <a:solidFill>
+                <a:schemeClr val="bg1"/>
+              </a:solidFill>
+            </a:endParaRPr>
+          </a:p>
+        </p:txBody>
+      </p:sp>
+      <p:sp>
+        <p:nvSpPr>
+          <p:cNvPr id="8" name="Google Shape;210;p30">
+            <a:extLst>
+              <a:ext uri="{FF2B5EF4-FFF2-40B4-BE49-F238E27FC236}">
+                <a16:creationId xmlns:a16="http://schemas.microsoft.com/office/drawing/2014/main" id="{8CB63A74-B5C7-DCAA-53F5-96E44004D694}"/>
+              </a:ext>
+            </a:extLst>
+          </p:cNvPr>
+          <p:cNvSpPr/>
+          <p:nvPr/>
+        </p:nvSpPr>
+        <p:spPr>
+          <a:xfrm>
+            <a:off x="7811013" y="825047"/>
+            <a:ext cx="952500" cy="293400"/>
+          </a:xfrm>
+          <a:prstGeom prst="rect">
+            <a:avLst/>
+          </a:prstGeom>
+          <a:noFill/>
+          <a:ln>
+            <a:noFill/>
+          </a:ln>
+        </p:spPr>
+        <p:txBody>
+          <a:bodyPr spcFirstLastPara="1" wrap="square" lIns="19050" tIns="19050" rIns="19050" bIns="19050" anchor="t" anchorCtr="0">
+            <a:noAutofit/>
+          </a:bodyPr>
+          <a:lstStyle/>
+          <a:p>
+            <a:pPr marL="63500" marR="0" lvl="1" indent="0" algn="l" rtl="0">
+              <a:spcBef>
+                <a:spcPts val="200"/>
+              </a:spcBef>
+              <a:spcAft>
+                <a:spcPts val="0"/>
+              </a:spcAft>
+              <a:buClr>
+                <a:srgbClr val="000000"/>
+              </a:buClr>
+              <a:buFont typeface="Arial"/>
+              <a:buNone/>
+            </a:pPr>
+            <a:r>
+              <a:rPr lang="en-US" sz="800" dirty="0">
+                <a:solidFill>
+                  <a:schemeClr val="bg1"/>
                 </a:solidFill>
               </a:rPr>
-              <a:t>2</a:t>
-            </a:r>
-            <a:r>
-              <a:rPr lang="ko" altLang="ko-KR" b="1" dirty="0">
+              <a:t>Payment Gateway</a:t>
+            </a:r>
+          </a:p>
+          <a:p>
+            <a:pPr marL="63500" marR="0" lvl="1" indent="0" algn="l" rtl="0">
+              <a:spcBef>
+                <a:spcPts val="200"/>
+              </a:spcBef>
+              <a:spcAft>
+                <a:spcPts val="0"/>
+              </a:spcAft>
+              <a:buClr>
+                <a:srgbClr val="000000"/>
+              </a:buClr>
+              <a:buFont typeface="Arial"/>
+              <a:buNone/>
+            </a:pPr>
+            <a:r>
+              <a:rPr lang="ko-KR" altLang="en-US" sz="800" dirty="0">
                 <a:solidFill>
-                  <a:srgbClr val="ED234B"/>
+                  <a:schemeClr val="bg1"/>
                 </a:solidFill>
               </a:rPr>
-              <a:t> </a:t>
-            </a:r>
-            <a:r>
-              <a:rPr lang="en-US" altLang="ko-KR" dirty="0"/>
-              <a:t>Error handling</a:t>
-            </a:r>
-            <a:endParaRPr lang="ko-KR" altLang="en-US" dirty="0"/>
-          </a:p>
-        </p:txBody>
-      </p:sp>
+              <a:t>소개</a:t>
+            </a:r>
+            <a:endParaRPr sz="800" dirty="0">
+              <a:solidFill>
+                <a:schemeClr val="bg1"/>
+              </a:solidFill>
+            </a:endParaRPr>
+          </a:p>
+        </p:txBody>
+      </p:sp>
+      <p:pic>
+        <p:nvPicPr>
+          <p:cNvPr id="4" name="그림 3">
+            <a:extLst>
+              <a:ext uri="{FF2B5EF4-FFF2-40B4-BE49-F238E27FC236}">
+                <a16:creationId xmlns:a16="http://schemas.microsoft.com/office/drawing/2014/main" id="{9BB648DA-408A-557A-020F-95B92AB43A2B}"/>
+              </a:ext>
+            </a:extLst>
+          </p:cNvPr>
+          <p:cNvPicPr>
+            <a:picLocks noChangeAspect="1"/>
+          </p:cNvPicPr>
+          <p:nvPr/>
+        </p:nvPicPr>
+        <p:blipFill>
+          <a:blip r:embed="rId3"/>
+          <a:stretch>
+            <a:fillRect/>
+          </a:stretch>
+        </p:blipFill>
+        <p:spPr>
+          <a:xfrm>
+            <a:off x="876692" y="1330055"/>
+            <a:ext cx="7624108" cy="3766309"/>
+          </a:xfrm>
+          <a:prstGeom prst="rect">
+            <a:avLst/>
+          </a:prstGeom>
+        </p:spPr>
+      </p:pic>
     </p:spTree>
     <p:extLst>
       <p:ext uri="{BB962C8B-B14F-4D97-AF65-F5344CB8AC3E}">
-        <p14:creationId xmlns:p14="http://schemas.microsoft.com/office/powerpoint/2010/main" val="80618887"/>
+        <p14:creationId xmlns:p14="http://schemas.microsoft.com/office/powerpoint/2010/main" val="2495358958"/>
       </p:ext>
     </p:extLst>
   </p:cSld>
@@ -11008,10 +6624,10 @@
       </p:grpSpPr>
       <p:sp>
         <p:nvSpPr>
-          <p:cNvPr id="4" name="제목 3">
+          <p:cNvPr id="2" name="제목 1">
             <a:extLst>
               <a:ext uri="{FF2B5EF4-FFF2-40B4-BE49-F238E27FC236}">
-                <a16:creationId xmlns:a16="http://schemas.microsoft.com/office/drawing/2014/main" id="{AA6C3C0E-F24F-9763-AC2A-545FB7F3873E}"/>
+                <a16:creationId xmlns:a16="http://schemas.microsoft.com/office/drawing/2014/main" id="{D21C1AA9-5E52-3A11-B3B3-447787E29D09}"/>
               </a:ext>
             </a:extLst>
           </p:cNvPr>
@@ -11019,7 +6635,7 @@
             <a:spLocks noGrp="1"/>
           </p:cNvSpPr>
           <p:nvPr>
-            <p:ph type="ctrTitle"/>
+            <p:ph type="title"/>
           </p:nvPr>
         </p:nvSpPr>
         <p:spPr/>
@@ -11029,50 +6645,203 @@
           <a:p>
             <a:r>
               <a:rPr lang="ko-KR" altLang="en-US" dirty="0"/>
-              <a:t>구현 실습</a:t>
-            </a:r>
-          </a:p>
-        </p:txBody>
-      </p:sp>
-      <p:sp>
-        <p:nvSpPr>
-          <p:cNvPr id="5" name="부제목 4">
+              <a:t>결제 서비스</a:t>
+            </a:r>
+          </a:p>
+        </p:txBody>
+      </p:sp>
+      <p:sp>
+        <p:nvSpPr>
+          <p:cNvPr id="7" name="Google Shape;209;p30">
             <a:extLst>
               <a:ext uri="{FF2B5EF4-FFF2-40B4-BE49-F238E27FC236}">
-                <a16:creationId xmlns:a16="http://schemas.microsoft.com/office/drawing/2014/main" id="{CAF74D28-A379-C9BB-D8F9-E3B6A7427E89}"/>
+                <a16:creationId xmlns:a16="http://schemas.microsoft.com/office/drawing/2014/main" id="{35F3E219-4EBB-8DE8-0966-E4317399395E}"/>
               </a:ext>
             </a:extLst>
           </p:cNvPr>
-          <p:cNvSpPr>
-            <a:spLocks noGrp="1"/>
-          </p:cNvSpPr>
-          <p:nvPr>
-            <p:ph type="subTitle" idx="1"/>
-          </p:nvPr>
-        </p:nvSpPr>
-        <p:spPr/>
-        <p:txBody>
-          <a:bodyPr/>
+          <p:cNvSpPr/>
+          <p:nvPr/>
+        </p:nvSpPr>
+        <p:spPr>
+          <a:xfrm>
+            <a:off x="7811013" y="528014"/>
+            <a:ext cx="952500" cy="298200"/>
+          </a:xfrm>
+          <a:prstGeom prst="rect">
+            <a:avLst/>
+          </a:prstGeom>
+          <a:noFill/>
+          <a:ln>
+            <a:noFill/>
+          </a:ln>
+        </p:spPr>
+        <p:txBody>
+          <a:bodyPr spcFirstLastPara="1" wrap="square" lIns="19050" tIns="19050" rIns="19050" bIns="19050" anchor="t" anchorCtr="0">
+            <a:noAutofit/>
+          </a:bodyPr>
           <a:lstStyle/>
           <a:p>
-            <a:pPr marL="0" indent="0" algn="r">
+            <a:pPr marL="63500" marR="0" lvl="1" indent="0" algn="l" rtl="0">
+              <a:lnSpc>
+                <a:spcPct val="90000"/>
+              </a:lnSpc>
+              <a:spcBef>
+                <a:spcPts val="0"/>
+              </a:spcBef>
+              <a:spcAft>
+                <a:spcPts val="0"/>
+              </a:spcAft>
               <a:buNone/>
             </a:pPr>
             <a:r>
-              <a:rPr lang="en-US" altLang="ko-KR" dirty="0"/>
-              <a:t>Error Handler </a:t>
-            </a:r>
-            <a:r>
-              <a:rPr lang="ko-KR" altLang="en-US" dirty="0"/>
-              <a:t>구현</a:t>
-            </a:r>
-          </a:p>
-        </p:txBody>
-      </p:sp>
+              <a:rPr lang="en-US" altLang="ko" sz="1200" b="1" i="0" u="none" strike="noStrike" cap="none" dirty="0">
+                <a:solidFill>
+                  <a:schemeClr val="bg1"/>
+                </a:solidFill>
+                <a:latin typeface="Arial"/>
+                <a:ea typeface="Arial"/>
+                <a:cs typeface="Arial"/>
+                <a:sym typeface="Arial"/>
+              </a:rPr>
+              <a:t>1</a:t>
+            </a:r>
+            <a:r>
+              <a:rPr lang="ko" sz="1200" b="1" i="0" u="none" strike="noStrike" cap="none" dirty="0">
+                <a:solidFill>
+                  <a:schemeClr val="bg1"/>
+                </a:solidFill>
+                <a:latin typeface="Arial"/>
+                <a:ea typeface="Arial"/>
+                <a:cs typeface="Arial"/>
+                <a:sym typeface="Arial"/>
+              </a:rPr>
+              <a:t>.</a:t>
+            </a:r>
+            <a:endParaRPr sz="500" dirty="0">
+              <a:solidFill>
+                <a:schemeClr val="bg1"/>
+              </a:solidFill>
+            </a:endParaRPr>
+          </a:p>
+        </p:txBody>
+      </p:sp>
+      <p:sp>
+        <p:nvSpPr>
+          <p:cNvPr id="8" name="Google Shape;210;p30">
+            <a:extLst>
+              <a:ext uri="{FF2B5EF4-FFF2-40B4-BE49-F238E27FC236}">
+                <a16:creationId xmlns:a16="http://schemas.microsoft.com/office/drawing/2014/main" id="{8CB63A74-B5C7-DCAA-53F5-96E44004D694}"/>
+              </a:ext>
+            </a:extLst>
+          </p:cNvPr>
+          <p:cNvSpPr/>
+          <p:nvPr/>
+        </p:nvSpPr>
+        <p:spPr>
+          <a:xfrm>
+            <a:off x="7811013" y="825047"/>
+            <a:ext cx="952500" cy="293400"/>
+          </a:xfrm>
+          <a:prstGeom prst="rect">
+            <a:avLst/>
+          </a:prstGeom>
+          <a:noFill/>
+          <a:ln>
+            <a:noFill/>
+          </a:ln>
+        </p:spPr>
+        <p:txBody>
+          <a:bodyPr spcFirstLastPara="1" wrap="square" lIns="19050" tIns="19050" rIns="19050" bIns="19050" anchor="t" anchorCtr="0">
+            <a:noAutofit/>
+          </a:bodyPr>
+          <a:lstStyle/>
+          <a:p>
+            <a:pPr marL="63500" marR="0" lvl="1" indent="0" algn="l" rtl="0">
+              <a:spcBef>
+                <a:spcPts val="200"/>
+              </a:spcBef>
+              <a:spcAft>
+                <a:spcPts val="0"/>
+              </a:spcAft>
+              <a:buClr>
+                <a:srgbClr val="000000"/>
+              </a:buClr>
+              <a:buFont typeface="Arial"/>
+              <a:buNone/>
+            </a:pPr>
+            <a:r>
+              <a:rPr lang="en-US" sz="800" dirty="0">
+                <a:solidFill>
+                  <a:schemeClr val="bg1"/>
+                </a:solidFill>
+              </a:rPr>
+              <a:t>Payment Gateway</a:t>
+            </a:r>
+          </a:p>
+          <a:p>
+            <a:pPr marL="63500" marR="0" lvl="1" indent="0" algn="l" rtl="0">
+              <a:spcBef>
+                <a:spcPts val="200"/>
+              </a:spcBef>
+              <a:spcAft>
+                <a:spcPts val="0"/>
+              </a:spcAft>
+              <a:buClr>
+                <a:srgbClr val="000000"/>
+              </a:buClr>
+              <a:buFont typeface="Arial"/>
+              <a:buNone/>
+            </a:pPr>
+            <a:r>
+              <a:rPr lang="ko-KR" altLang="en-US" sz="800" dirty="0">
+                <a:solidFill>
+                  <a:schemeClr val="bg1"/>
+                </a:solidFill>
+              </a:rPr>
+              <a:t>소개</a:t>
+            </a:r>
+            <a:endParaRPr sz="800" dirty="0">
+              <a:solidFill>
+                <a:schemeClr val="bg1"/>
+              </a:solidFill>
+            </a:endParaRPr>
+          </a:p>
+        </p:txBody>
+      </p:sp>
+      <p:pic>
+        <p:nvPicPr>
+          <p:cNvPr id="4" name="그림 3">
+            <a:extLst>
+              <a:ext uri="{FF2B5EF4-FFF2-40B4-BE49-F238E27FC236}">
+                <a16:creationId xmlns:a16="http://schemas.microsoft.com/office/drawing/2014/main" id="{9BB648DA-408A-557A-020F-95B92AB43A2B}"/>
+              </a:ext>
+            </a:extLst>
+          </p:cNvPr>
+          <p:cNvPicPr>
+            <a:picLocks noChangeAspect="1"/>
+          </p:cNvPicPr>
+          <p:nvPr/>
+        </p:nvPicPr>
+        <p:blipFill>
+          <a:blip r:embed="rId3"/>
+          <a:stretch>
+            <a:fillRect/>
+          </a:stretch>
+        </p:blipFill>
+        <p:spPr>
+          <a:xfrm>
+            <a:off x="876692" y="1330055"/>
+            <a:ext cx="7624108" cy="3766309"/>
+          </a:xfrm>
+          <a:prstGeom prst="rect">
+            <a:avLst/>
+          </a:prstGeom>
+        </p:spPr>
+      </p:pic>
     </p:spTree>
     <p:extLst>
       <p:ext uri="{BB962C8B-B14F-4D97-AF65-F5344CB8AC3E}">
-        <p14:creationId xmlns:p14="http://schemas.microsoft.com/office/powerpoint/2010/main" val="1397940219"/>
+        <p14:creationId xmlns:p14="http://schemas.microsoft.com/office/powerpoint/2010/main" val="2805889730"/>
       </p:ext>
     </p:extLst>
   </p:cSld>
@@ -11124,7 +6893,7 @@
           <a:p>
             <a:r>
               <a:rPr lang="ko-KR" altLang="en-US" b="1" dirty="0"/>
-              <a:t>실무형 심화개발</a:t>
+              <a:t>결제서비스 구현</a:t>
             </a:r>
           </a:p>
         </p:txBody>
@@ -11161,7 +6930,7 @@
                   <a:srgbClr val="ED234B"/>
                 </a:solidFill>
               </a:rPr>
-              <a:t>3</a:t>
+              <a:t>2</a:t>
             </a:r>
             <a:r>
               <a:rPr lang="ko" altLang="ko-KR" b="1" dirty="0">
@@ -11173,16 +6942,19 @@
             </a:r>
             <a:r>
               <a:rPr lang="en-US" altLang="ko-KR" dirty="0"/>
-              <a:t>Request payload logging</a:t>
-            </a:r>
-            <a:endParaRPr lang="ko-KR" altLang="en-US" dirty="0"/>
+              <a:t>Auth-Capture </a:t>
+            </a:r>
+            <a:r>
+              <a:rPr lang="ko-KR" altLang="en-US" dirty="0"/>
+              <a:t>패턴</a:t>
+            </a:r>
           </a:p>
         </p:txBody>
       </p:sp>
     </p:spTree>
     <p:extLst>
       <p:ext uri="{BB962C8B-B14F-4D97-AF65-F5344CB8AC3E}">
-        <p14:creationId xmlns:p14="http://schemas.microsoft.com/office/powerpoint/2010/main" val="1440033713"/>
+        <p14:creationId xmlns:p14="http://schemas.microsoft.com/office/powerpoint/2010/main" val="2817996976"/>
       </p:ext>
     </p:extLst>
   </p:cSld>
@@ -11231,8 +7003,12 @@
           <a:lstStyle/>
           <a:p>
             <a:r>
+              <a:rPr lang="ko-KR" altLang="en-US" dirty="0"/>
+              <a:t>이중 지불 </a:t>
+            </a:r>
+            <a:r>
               <a:rPr lang="en-US" altLang="ko-KR" dirty="0"/>
-              <a:t>Optimistic Lock</a:t>
+              <a:t>(Double Spending)</a:t>
             </a:r>
             <a:endParaRPr lang="ko-KR" altLang="en-US" dirty="0"/>
           </a:p>
@@ -11291,7 +7067,7 @@
                 <a:cs typeface="Arial"/>
                 <a:sym typeface="Arial"/>
               </a:rPr>
-              <a:t>9</a:t>
+              <a:t>2</a:t>
             </a:r>
             <a:r>
               <a:rPr lang="ko" sz="1200" b="1" i="0" u="none" strike="noStrike" cap="none" dirty="0">
@@ -11363,7 +7139,15 @@
                   <a:schemeClr val="bg1"/>
                 </a:solidFill>
               </a:rPr>
-              <a:t>Lock</a:t>
+              <a:t>Auth-Capture </a:t>
+            </a:r>
+            <a:r>
+              <a:rPr lang="ko-KR" altLang="en-US" sz="800" dirty="0">
+                <a:solidFill>
+                  <a:schemeClr val="bg1"/>
+                </a:solidFill>
+              </a:rPr>
+              <a:t>패턴</a:t>
             </a:r>
             <a:endParaRPr sz="800" dirty="0">
               <a:solidFill>
@@ -11373,10 +7157,40 @@
           </a:p>
         </p:txBody>
       </p:sp>
+      <p:pic>
+        <p:nvPicPr>
+          <p:cNvPr id="5" name="그림 4">
+            <a:extLst>
+              <a:ext uri="{FF2B5EF4-FFF2-40B4-BE49-F238E27FC236}">
+                <a16:creationId xmlns:a16="http://schemas.microsoft.com/office/drawing/2014/main" id="{3299E0A2-8D7D-D237-BC23-1516B12A4FA4}"/>
+              </a:ext>
+            </a:extLst>
+          </p:cNvPr>
+          <p:cNvPicPr>
+            <a:picLocks noChangeAspect="1"/>
+          </p:cNvPicPr>
+          <p:nvPr/>
+        </p:nvPicPr>
+        <p:blipFill>
+          <a:blip r:embed="rId3"/>
+          <a:stretch>
+            <a:fillRect/>
+          </a:stretch>
+        </p:blipFill>
+        <p:spPr>
+          <a:xfrm>
+            <a:off x="2723701" y="1220573"/>
+            <a:ext cx="3696598" cy="3626363"/>
+          </a:xfrm>
+          <a:prstGeom prst="rect">
+            <a:avLst/>
+          </a:prstGeom>
+        </p:spPr>
+      </p:pic>
     </p:spTree>
     <p:extLst>
       <p:ext uri="{BB962C8B-B14F-4D97-AF65-F5344CB8AC3E}">
-        <p14:creationId xmlns:p14="http://schemas.microsoft.com/office/powerpoint/2010/main" val="624170109"/>
+        <p14:creationId xmlns:p14="http://schemas.microsoft.com/office/powerpoint/2010/main" val="1271812394"/>
       </p:ext>
     </p:extLst>
   </p:cSld>
@@ -11425,8 +7239,12 @@
           <a:lstStyle/>
           <a:p>
             <a:r>
+              <a:rPr lang="ko-KR" altLang="en-US" dirty="0"/>
+              <a:t>이중 지불 </a:t>
+            </a:r>
+            <a:r>
               <a:rPr lang="en-US" altLang="ko-KR" dirty="0"/>
-              <a:t>Optimistic Lock</a:t>
+              <a:t>(Double Spending)</a:t>
             </a:r>
             <a:endParaRPr lang="ko-KR" altLang="en-US" dirty="0"/>
           </a:p>
@@ -11485,7 +7303,7 @@
                 <a:cs typeface="Arial"/>
                 <a:sym typeface="Arial"/>
               </a:rPr>
-              <a:t>9</a:t>
+              <a:t>2</a:t>
             </a:r>
             <a:r>
               <a:rPr lang="ko" sz="1200" b="1" i="0" u="none" strike="noStrike" cap="none" dirty="0">
@@ -11557,7 +7375,15 @@
                   <a:schemeClr val="bg1"/>
                 </a:solidFill>
               </a:rPr>
-              <a:t>Lock</a:t>
+              <a:t>Auth-Capture </a:t>
+            </a:r>
+            <a:r>
+              <a:rPr lang="ko-KR" altLang="en-US" sz="800" dirty="0">
+                <a:solidFill>
+                  <a:schemeClr val="bg1"/>
+                </a:solidFill>
+              </a:rPr>
+              <a:t>패턴</a:t>
             </a:r>
             <a:endParaRPr sz="800" dirty="0">
               <a:solidFill>
@@ -11567,10 +7393,40 @@
           </a:p>
         </p:txBody>
       </p:sp>
+      <p:pic>
+        <p:nvPicPr>
+          <p:cNvPr id="4" name="그림 3">
+            <a:extLst>
+              <a:ext uri="{FF2B5EF4-FFF2-40B4-BE49-F238E27FC236}">
+                <a16:creationId xmlns:a16="http://schemas.microsoft.com/office/drawing/2014/main" id="{1731AF8F-849F-CD60-BD86-D471989A0C8D}"/>
+              </a:ext>
+            </a:extLst>
+          </p:cNvPr>
+          <p:cNvPicPr>
+            <a:picLocks noChangeAspect="1"/>
+          </p:cNvPicPr>
+          <p:nvPr/>
+        </p:nvPicPr>
+        <p:blipFill>
+          <a:blip r:embed="rId3"/>
+          <a:stretch>
+            <a:fillRect/>
+          </a:stretch>
+        </p:blipFill>
+        <p:spPr>
+          <a:xfrm>
+            <a:off x="988541" y="1736760"/>
+            <a:ext cx="7203989" cy="3245397"/>
+          </a:xfrm>
+          <a:prstGeom prst="rect">
+            <a:avLst/>
+          </a:prstGeom>
+        </p:spPr>
+      </p:pic>
     </p:spTree>
     <p:extLst>
       <p:ext uri="{BB962C8B-B14F-4D97-AF65-F5344CB8AC3E}">
-        <p14:creationId xmlns:p14="http://schemas.microsoft.com/office/powerpoint/2010/main" val="710632787"/>
+        <p14:creationId xmlns:p14="http://schemas.microsoft.com/office/powerpoint/2010/main" val="2501792083"/>
       </p:ext>
     </p:extLst>
   </p:cSld>
@@ -11620,7 +7476,7 @@
           <a:p>
             <a:r>
               <a:rPr lang="en-US" altLang="ko-KR" dirty="0"/>
-              <a:t>Optimistic Lock</a:t>
+              <a:t>Auth-Capture</a:t>
             </a:r>
             <a:endParaRPr lang="ko-KR" altLang="en-US" dirty="0"/>
           </a:p>
@@ -11679,7 +7535,7 @@
                 <a:cs typeface="Arial"/>
                 <a:sym typeface="Arial"/>
               </a:rPr>
-              <a:t>9</a:t>
+              <a:t>2</a:t>
             </a:r>
             <a:r>
               <a:rPr lang="ko" sz="1200" b="1" i="0" u="none" strike="noStrike" cap="none" dirty="0">
@@ -11751,7 +7607,15 @@
                   <a:schemeClr val="bg1"/>
                 </a:solidFill>
               </a:rPr>
-              <a:t>Lock</a:t>
+              <a:t>Auth-Capture </a:t>
+            </a:r>
+            <a:r>
+              <a:rPr lang="ko-KR" altLang="en-US" sz="800" dirty="0">
+                <a:solidFill>
+                  <a:schemeClr val="bg1"/>
+                </a:solidFill>
+              </a:rPr>
+              <a:t>패턴</a:t>
             </a:r>
             <a:endParaRPr sz="800" dirty="0">
               <a:solidFill>
@@ -11761,10 +7625,40 @@
           </a:p>
         </p:txBody>
       </p:sp>
+      <p:pic>
+        <p:nvPicPr>
+          <p:cNvPr id="9" name="그림 8">
+            <a:extLst>
+              <a:ext uri="{FF2B5EF4-FFF2-40B4-BE49-F238E27FC236}">
+                <a16:creationId xmlns:a16="http://schemas.microsoft.com/office/drawing/2014/main" id="{D7CBFA55-AD16-A27A-2F42-9F1EEEAC04A7}"/>
+              </a:ext>
+            </a:extLst>
+          </p:cNvPr>
+          <p:cNvPicPr>
+            <a:picLocks noChangeAspect="1"/>
+          </p:cNvPicPr>
+          <p:nvPr/>
+        </p:nvPicPr>
+        <p:blipFill>
+          <a:blip r:embed="rId3"/>
+          <a:stretch>
+            <a:fillRect/>
+          </a:stretch>
+        </p:blipFill>
+        <p:spPr>
+          <a:xfrm>
+            <a:off x="1660813" y="1180231"/>
+            <a:ext cx="5853449" cy="3898397"/>
+          </a:xfrm>
+          <a:prstGeom prst="rect">
+            <a:avLst/>
+          </a:prstGeom>
+        </p:spPr>
+      </p:pic>
     </p:spTree>
     <p:extLst>
       <p:ext uri="{BB962C8B-B14F-4D97-AF65-F5344CB8AC3E}">
-        <p14:creationId xmlns:p14="http://schemas.microsoft.com/office/powerpoint/2010/main" val="2299160064"/>
+        <p14:creationId xmlns:p14="http://schemas.microsoft.com/office/powerpoint/2010/main" val="217924252"/>
       </p:ext>
     </p:extLst>
   </p:cSld>
@@ -11793,10 +7687,10 @@
       </p:grpSpPr>
       <p:sp>
         <p:nvSpPr>
-          <p:cNvPr id="4" name="제목 3">
+          <p:cNvPr id="2" name="제목 1">
             <a:extLst>
               <a:ext uri="{FF2B5EF4-FFF2-40B4-BE49-F238E27FC236}">
-                <a16:creationId xmlns:a16="http://schemas.microsoft.com/office/drawing/2014/main" id="{AA6C3C0E-F24F-9763-AC2A-545FB7F3873E}"/>
+                <a16:creationId xmlns:a16="http://schemas.microsoft.com/office/drawing/2014/main" id="{D21C1AA9-5E52-3A11-B3B3-447787E29D09}"/>
               </a:ext>
             </a:extLst>
           </p:cNvPr>
@@ -11804,7 +7698,7 @@
             <a:spLocks noGrp="1"/>
           </p:cNvSpPr>
           <p:nvPr>
-            <p:ph type="ctrTitle"/>
+            <p:ph type="title"/>
           </p:nvPr>
         </p:nvSpPr>
         <p:spPr/>
@@ -11813,56 +7707,190 @@
           <a:lstStyle/>
           <a:p>
             <a:r>
-              <a:rPr lang="ko-KR" altLang="en-US" dirty="0"/>
-              <a:t>구현 실습</a:t>
-            </a:r>
-          </a:p>
-        </p:txBody>
-      </p:sp>
-      <p:sp>
-        <p:nvSpPr>
-          <p:cNvPr id="5" name="부제목 4">
+              <a:rPr lang="en-US" altLang="ko-KR" dirty="0"/>
+              <a:t>Auth-Capture</a:t>
+            </a:r>
+            <a:endParaRPr lang="ko-KR" altLang="en-US" dirty="0"/>
+          </a:p>
+        </p:txBody>
+      </p:sp>
+      <p:sp>
+        <p:nvSpPr>
+          <p:cNvPr id="7" name="Google Shape;209;p30">
             <a:extLst>
               <a:ext uri="{FF2B5EF4-FFF2-40B4-BE49-F238E27FC236}">
-                <a16:creationId xmlns:a16="http://schemas.microsoft.com/office/drawing/2014/main" id="{CAF74D28-A379-C9BB-D8F9-E3B6A7427E89}"/>
+                <a16:creationId xmlns:a16="http://schemas.microsoft.com/office/drawing/2014/main" id="{35F3E219-4EBB-8DE8-0966-E4317399395E}"/>
               </a:ext>
             </a:extLst>
           </p:cNvPr>
-          <p:cNvSpPr>
-            <a:spLocks noGrp="1"/>
-          </p:cNvSpPr>
-          <p:nvPr>
-            <p:ph type="subTitle" idx="1"/>
-          </p:nvPr>
-        </p:nvSpPr>
-        <p:spPr/>
-        <p:txBody>
-          <a:bodyPr/>
+          <p:cNvSpPr/>
+          <p:nvPr/>
+        </p:nvSpPr>
+        <p:spPr>
+          <a:xfrm>
+            <a:off x="7811013" y="528014"/>
+            <a:ext cx="952500" cy="298200"/>
+          </a:xfrm>
+          <a:prstGeom prst="rect">
+            <a:avLst/>
+          </a:prstGeom>
+          <a:noFill/>
+          <a:ln>
+            <a:noFill/>
+          </a:ln>
+        </p:spPr>
+        <p:txBody>
+          <a:bodyPr spcFirstLastPara="1" wrap="square" lIns="19050" tIns="19050" rIns="19050" bIns="19050" anchor="t" anchorCtr="0">
+            <a:noAutofit/>
+          </a:bodyPr>
           <a:lstStyle/>
           <a:p>
-            <a:pPr marL="0" indent="0" algn="r">
+            <a:pPr marL="63500" marR="0" lvl="1" indent="0" algn="l" rtl="0">
+              <a:lnSpc>
+                <a:spcPct val="90000"/>
+              </a:lnSpc>
+              <a:spcBef>
+                <a:spcPts val="0"/>
+              </a:spcBef>
+              <a:spcAft>
+                <a:spcPts val="0"/>
+              </a:spcAft>
               <a:buNone/>
             </a:pPr>
             <a:r>
-              <a:rPr lang="en-US" altLang="ko-KR" dirty="0"/>
-              <a:t>Request</a:t>
-            </a:r>
-            <a:r>
-              <a:rPr lang="ko-KR" altLang="en-US" dirty="0"/>
-              <a:t> </a:t>
-            </a:r>
-            <a:r>
-              <a:rPr lang="en-US" altLang="ko-KR" dirty="0"/>
-              <a:t>parameter logging</a:t>
-            </a:r>
-            <a:endParaRPr lang="ko-KR" altLang="en-US" dirty="0"/>
-          </a:p>
-        </p:txBody>
-      </p:sp>
+              <a:rPr lang="en-US" altLang="ko" sz="1200" b="1" i="0" u="none" strike="noStrike" cap="none" dirty="0">
+                <a:solidFill>
+                  <a:schemeClr val="bg1"/>
+                </a:solidFill>
+                <a:latin typeface="Arial"/>
+                <a:ea typeface="Arial"/>
+                <a:cs typeface="Arial"/>
+                <a:sym typeface="Arial"/>
+              </a:rPr>
+              <a:t>2</a:t>
+            </a:r>
+            <a:r>
+              <a:rPr lang="ko" sz="1200" b="1" i="0" u="none" strike="noStrike" cap="none" dirty="0">
+                <a:solidFill>
+                  <a:schemeClr val="bg1"/>
+                </a:solidFill>
+                <a:latin typeface="Arial"/>
+                <a:ea typeface="Arial"/>
+                <a:cs typeface="Arial"/>
+                <a:sym typeface="Arial"/>
+              </a:rPr>
+              <a:t>.</a:t>
+            </a:r>
+            <a:endParaRPr sz="500" dirty="0">
+              <a:solidFill>
+                <a:schemeClr val="bg1"/>
+              </a:solidFill>
+            </a:endParaRPr>
+          </a:p>
+        </p:txBody>
+      </p:sp>
+      <p:sp>
+        <p:nvSpPr>
+          <p:cNvPr id="8" name="Google Shape;210;p30">
+            <a:extLst>
+              <a:ext uri="{FF2B5EF4-FFF2-40B4-BE49-F238E27FC236}">
+                <a16:creationId xmlns:a16="http://schemas.microsoft.com/office/drawing/2014/main" id="{8CB63A74-B5C7-DCAA-53F5-96E44004D694}"/>
+              </a:ext>
+            </a:extLst>
+          </p:cNvPr>
+          <p:cNvSpPr/>
+          <p:nvPr/>
+        </p:nvSpPr>
+        <p:spPr>
+          <a:xfrm>
+            <a:off x="7811013" y="825047"/>
+            <a:ext cx="952500" cy="293400"/>
+          </a:xfrm>
+          <a:prstGeom prst="rect">
+            <a:avLst/>
+          </a:prstGeom>
+          <a:noFill/>
+          <a:ln>
+            <a:noFill/>
+          </a:ln>
+        </p:spPr>
+        <p:txBody>
+          <a:bodyPr spcFirstLastPara="1" wrap="square" lIns="19050" tIns="19050" rIns="19050" bIns="19050" anchor="t" anchorCtr="0">
+            <a:noAutofit/>
+          </a:bodyPr>
+          <a:lstStyle/>
+          <a:p>
+            <a:pPr marL="63500" marR="0" lvl="1" indent="0" algn="l" rtl="0">
+              <a:spcBef>
+                <a:spcPts val="200"/>
+              </a:spcBef>
+              <a:spcAft>
+                <a:spcPts val="0"/>
+              </a:spcAft>
+              <a:buClr>
+                <a:srgbClr val="000000"/>
+              </a:buClr>
+              <a:buFont typeface="Arial"/>
+              <a:buNone/>
+            </a:pPr>
+            <a:r>
+              <a:rPr lang="en-US" sz="800" dirty="0">
+                <a:solidFill>
+                  <a:schemeClr val="bg1"/>
+                </a:solidFill>
+              </a:rPr>
+              <a:t>Auth-Capture </a:t>
+            </a:r>
+            <a:r>
+              <a:rPr lang="ko-KR" altLang="en-US" sz="800" dirty="0">
+                <a:solidFill>
+                  <a:schemeClr val="bg1"/>
+                </a:solidFill>
+              </a:rPr>
+              <a:t>패턴</a:t>
+            </a:r>
+            <a:endParaRPr sz="800" dirty="0">
+              <a:solidFill>
+                <a:schemeClr val="bg1"/>
+              </a:solidFill>
+            </a:endParaRPr>
+          </a:p>
+        </p:txBody>
+      </p:sp>
+      <p:pic>
+        <p:nvPicPr>
+          <p:cNvPr id="5" name="그림 4">
+            <a:extLst>
+              <a:ext uri="{FF2B5EF4-FFF2-40B4-BE49-F238E27FC236}">
+                <a16:creationId xmlns:a16="http://schemas.microsoft.com/office/drawing/2014/main" id="{271E9392-AF1F-49FD-485B-4670C0F891B6}"/>
+              </a:ext>
+            </a:extLst>
+          </p:cNvPr>
+          <p:cNvPicPr>
+            <a:picLocks noChangeAspect="1"/>
+          </p:cNvPicPr>
+          <p:nvPr/>
+        </p:nvPicPr>
+        <p:blipFill>
+          <a:blip r:embed="rId3"/>
+          <a:stretch>
+            <a:fillRect/>
+          </a:stretch>
+        </p:blipFill>
+        <p:spPr>
+          <a:xfrm>
+            <a:off x="1112107" y="1199742"/>
+            <a:ext cx="5960357" cy="3915955"/>
+          </a:xfrm>
+          <a:prstGeom prst="rect">
+            <a:avLst/>
+          </a:prstGeom>
+        </p:spPr>
+      </p:pic>
     </p:spTree>
     <p:extLst>
       <p:ext uri="{BB962C8B-B14F-4D97-AF65-F5344CB8AC3E}">
-        <p14:creationId xmlns:p14="http://schemas.microsoft.com/office/powerpoint/2010/main" val="3270282424"/>
+        <p14:creationId xmlns:p14="http://schemas.microsoft.com/office/powerpoint/2010/main" val="214713189"/>
       </p:ext>
     </p:extLst>
   </p:cSld>

--- a/99.ppt/[Ch4-7. 결제 서비스 구현.pptx
+++ b/99.ppt/[Ch4-7. 결제 서비스 구현.pptx
@@ -5,27 +5,34 @@
     <p:sldMasterId id="2147483665" r:id="rId1"/>
   </p:sldMasterIdLst>
   <p:notesMasterIdLst>
-    <p:notesMasterId r:id="rId20"/>
+    <p:notesMasterId r:id="rId27"/>
   </p:notesMasterIdLst>
   <p:sldIdLst>
     <p:sldId id="256" r:id="rId2"/>
     <p:sldId id="332" r:id="rId3"/>
     <p:sldId id="337" r:id="rId4"/>
-    <p:sldId id="338" r:id="rId5"/>
-    <p:sldId id="339" r:id="rId6"/>
-    <p:sldId id="340" r:id="rId7"/>
-    <p:sldId id="342" r:id="rId8"/>
-    <p:sldId id="341" r:id="rId9"/>
-    <p:sldId id="343" r:id="rId10"/>
-    <p:sldId id="344" r:id="rId11"/>
-    <p:sldId id="315" r:id="rId12"/>
-    <p:sldId id="349" r:id="rId13"/>
-    <p:sldId id="348" r:id="rId14"/>
-    <p:sldId id="350" r:id="rId15"/>
-    <p:sldId id="347" r:id="rId16"/>
-    <p:sldId id="346" r:id="rId17"/>
-    <p:sldId id="351" r:id="rId18"/>
-    <p:sldId id="352" r:id="rId19"/>
+    <p:sldId id="339" r:id="rId5"/>
+    <p:sldId id="340" r:id="rId6"/>
+    <p:sldId id="342" r:id="rId7"/>
+    <p:sldId id="341" r:id="rId8"/>
+    <p:sldId id="343" r:id="rId9"/>
+    <p:sldId id="344" r:id="rId10"/>
+    <p:sldId id="315" r:id="rId11"/>
+    <p:sldId id="349" r:id="rId12"/>
+    <p:sldId id="348" r:id="rId13"/>
+    <p:sldId id="350" r:id="rId14"/>
+    <p:sldId id="347" r:id="rId15"/>
+    <p:sldId id="346" r:id="rId16"/>
+    <p:sldId id="353" r:id="rId17"/>
+    <p:sldId id="264" r:id="rId18"/>
+    <p:sldId id="355" r:id="rId19"/>
+    <p:sldId id="360" r:id="rId20"/>
+    <p:sldId id="356" r:id="rId21"/>
+    <p:sldId id="357" r:id="rId22"/>
+    <p:sldId id="358" r:id="rId23"/>
+    <p:sldId id="351" r:id="rId24"/>
+    <p:sldId id="359" r:id="rId25"/>
+    <p:sldId id="352" r:id="rId26"/>
   </p:sldIdLst>
   <p:sldSz cx="9144000" cy="5143500" type="screen16x9"/>
   <p:notesSz cx="6858000" cy="9144000"/>
@@ -228,7 +235,7 @@
           <a:p>
             <a:fld id="{9B770909-2C76-4DF9-BB76-4EE283593418}" type="datetimeFigureOut">
               <a:rPr lang="ko-KR" altLang="en-US" smtClean="0"/>
-              <a:t>2023-10-09</a:t>
+              <a:t>2023-10-10</a:t>
             </a:fld>
             <a:endParaRPr lang="ko-KR" altLang="en-US"/>
           </a:p>
@@ -539,7 +546,179 @@
           <a:bodyPr/>
           <a:lstStyle/>
           <a:p>
+            <a:r>
+              <a:rPr lang="ko-KR" altLang="en-US" dirty="0"/>
+              <a:t>안녕하세요</a:t>
+            </a:r>
+            <a:r>
+              <a:rPr lang="en-US" altLang="ko-KR" dirty="0"/>
+              <a:t>. </a:t>
+            </a:r>
+            <a:r>
+              <a:rPr lang="ko-KR" altLang="en-US" dirty="0"/>
+              <a:t>여러분</a:t>
+            </a:r>
+            <a:r>
+              <a:rPr lang="en-US" altLang="ko-KR" dirty="0"/>
+              <a:t>. 7</a:t>
+            </a:r>
+            <a:r>
+              <a:rPr lang="ko-KR" altLang="en-US" dirty="0"/>
+              <a:t>번째 챕터인 결제 서비스 구현입니다</a:t>
+            </a:r>
+            <a:r>
+              <a:rPr lang="en-US" altLang="ko-KR" dirty="0"/>
+              <a:t>.</a:t>
+            </a:r>
+          </a:p>
+          <a:p>
             <a:endParaRPr lang="en-US" altLang="ko-KR" dirty="0"/>
+          </a:p>
+          <a:p>
+            <a:r>
+              <a:rPr lang="ko-KR" altLang="en-US" dirty="0"/>
+              <a:t>이번 챕터에서는 결제 서비스 업무 </a:t>
+            </a:r>
+            <a:r>
+              <a:rPr lang="en-US" altLang="ko-KR" dirty="0"/>
+              <a:t>flow</a:t>
+            </a:r>
+            <a:r>
+              <a:rPr lang="ko-KR" altLang="en-US" dirty="0"/>
+              <a:t>를 말씀드리고</a:t>
+            </a:r>
+            <a:r>
+              <a:rPr lang="en-US" altLang="ko-KR" dirty="0"/>
+              <a:t>, </a:t>
+            </a:r>
+            <a:r>
+              <a:rPr lang="ko-KR" altLang="en-US" dirty="0"/>
+              <a:t>간단한 결제서비스를 설계해 보겠습니다</a:t>
+            </a:r>
+            <a:r>
+              <a:rPr lang="en-US" altLang="ko-KR" dirty="0"/>
+              <a:t>.</a:t>
+            </a:r>
+          </a:p>
+          <a:p>
+            <a:r>
+              <a:rPr lang="ko-KR" altLang="en-US" dirty="0"/>
+              <a:t>설계한 내용은</a:t>
+            </a:r>
+            <a:r>
+              <a:rPr lang="en-US" altLang="ko-KR" dirty="0"/>
+              <a:t> </a:t>
+            </a:r>
+            <a:r>
+              <a:rPr lang="ko-KR" altLang="en-US" dirty="0"/>
+              <a:t>로컬 개발환경에서 구현해 볼 예정이고요</a:t>
+            </a:r>
+            <a:r>
+              <a:rPr lang="en-US" altLang="ko-KR" dirty="0"/>
+              <a:t>. </a:t>
+            </a:r>
+            <a:r>
+              <a:rPr lang="ko-KR" altLang="en-US" dirty="0"/>
+              <a:t>구현 내용에는 </a:t>
+            </a:r>
+            <a:r>
+              <a:rPr lang="en-US" altLang="ko-KR" dirty="0"/>
+              <a:t>PG</a:t>
+            </a:r>
+            <a:r>
+              <a:rPr lang="ko-KR" altLang="en-US" dirty="0"/>
+              <a:t>사와 연동해 결제가 승인되는 것까지 포함되어 있습니다</a:t>
+            </a:r>
+            <a:r>
+              <a:rPr lang="en-US" altLang="ko-KR" dirty="0"/>
+              <a:t>.</a:t>
+            </a:r>
+          </a:p>
+          <a:p>
+            <a:endParaRPr lang="en-US" altLang="ko-KR" dirty="0"/>
+          </a:p>
+          <a:p>
+            <a:r>
+              <a:rPr lang="ko-KR" altLang="en-US" dirty="0"/>
+              <a:t>과정소개 초반에 </a:t>
+            </a:r>
+            <a:r>
+              <a:rPr lang="ko-KR" altLang="en-US" dirty="0" err="1"/>
+              <a:t>약속드린대로</a:t>
+            </a:r>
+            <a:r>
+              <a:rPr lang="en-US" altLang="ko-KR" dirty="0"/>
+              <a:t>,</a:t>
+            </a:r>
+          </a:p>
+          <a:p>
+            <a:r>
+              <a:rPr lang="ko-KR" altLang="en-US" dirty="0"/>
+              <a:t>결제 서비스 업무 도메인을 </a:t>
+            </a:r>
+            <a:r>
+              <a:rPr lang="ko-KR" altLang="en-US" dirty="0" err="1"/>
+              <a:t>설명드리는</a:t>
+            </a:r>
+            <a:r>
+              <a:rPr lang="ko-KR" altLang="en-US" dirty="0"/>
+              <a:t> 것 보다는</a:t>
+            </a:r>
+            <a:r>
+              <a:rPr lang="en-US" altLang="ko-KR" dirty="0"/>
+              <a:t>, </a:t>
+            </a:r>
+            <a:r>
+              <a:rPr lang="ko-KR" altLang="en-US" dirty="0"/>
+              <a:t>결제에서 고민해왔던 이슈와 그 해결방안을 공유드릴 예정입니다</a:t>
+            </a:r>
+            <a:r>
+              <a:rPr lang="en-US" altLang="ko-KR" dirty="0"/>
+              <a:t>.</a:t>
+            </a:r>
+          </a:p>
+          <a:p>
+            <a:r>
+              <a:rPr lang="ko-KR" altLang="en-US" dirty="0"/>
+              <a:t>이를 통해</a:t>
+            </a:r>
+            <a:r>
+              <a:rPr lang="en-US" altLang="ko-KR" dirty="0"/>
+              <a:t>,</a:t>
+            </a:r>
+            <a:r>
+              <a:rPr lang="ko-KR" altLang="en-US" dirty="0"/>
+              <a:t> 현재 근무하시는 곳에서의 문제 해결에 영감을 드릴 수 있었으면 하는 </a:t>
+            </a:r>
+            <a:r>
+              <a:rPr lang="ko-KR" altLang="en-US" dirty="0" err="1"/>
+              <a:t>바램입니다</a:t>
+            </a:r>
+            <a:r>
+              <a:rPr lang="en-US" altLang="ko-KR" dirty="0"/>
+              <a:t>.</a:t>
+            </a:r>
+          </a:p>
+          <a:p>
+            <a:endParaRPr lang="en-US" altLang="ko-KR" dirty="0"/>
+          </a:p>
+          <a:p>
+            <a:r>
+              <a:rPr lang="ko-KR" altLang="en-US" dirty="0"/>
+              <a:t>첫번째 클립입니다</a:t>
+            </a:r>
+            <a:r>
+              <a:rPr lang="en-US" altLang="ko-KR" dirty="0"/>
+              <a:t>. Payment Gateway</a:t>
+            </a:r>
+            <a:r>
+              <a:rPr lang="ko-KR" altLang="en-US" dirty="0"/>
+              <a:t>를 말씀드리겠습니다</a:t>
+            </a:r>
+            <a:r>
+              <a:rPr lang="en-US" altLang="ko-KR" dirty="0"/>
+              <a:t>.</a:t>
+            </a:r>
           </a:p>
         </p:txBody>
       </p:sp>
@@ -623,7 +802,43 @@
           <a:bodyPr/>
           <a:lstStyle/>
           <a:p>
-            <a:endParaRPr lang="en-US" altLang="ko-KR" dirty="0"/>
+            <a:r>
+              <a:rPr lang="en-US" altLang="ko-KR" dirty="0"/>
+              <a:t>UUID </a:t>
+            </a:r>
+            <a:r>
+              <a:rPr lang="ko-KR" altLang="en-US" dirty="0"/>
+              <a:t>기반으로 </a:t>
+            </a:r>
+            <a:r>
+              <a:rPr lang="en-US" altLang="ko-KR" dirty="0" err="1"/>
+              <a:t>txid</a:t>
+            </a:r>
+            <a:r>
+              <a:rPr lang="en-US" altLang="ko-KR" dirty="0"/>
+              <a:t> </a:t>
+            </a:r>
+            <a:r>
+              <a:rPr lang="ko-KR" altLang="en-US" dirty="0"/>
+              <a:t>를 </a:t>
+            </a:r>
+            <a:r>
+              <a:rPr lang="ko-KR" altLang="en-US" dirty="0" err="1"/>
+              <a:t>채번해서</a:t>
+            </a:r>
+            <a:r>
+              <a:rPr lang="en-US" altLang="ko-KR" dirty="0"/>
+              <a:t>, </a:t>
+            </a:r>
+            <a:r>
+              <a:rPr lang="ko-KR" altLang="en-US" dirty="0"/>
+              <a:t>로그마다 출력해보는 실습을 진행해 보도록 하겠습니다</a:t>
+            </a:r>
+            <a:r>
+              <a:rPr lang="en-US" altLang="ko-KR" dirty="0"/>
+              <a:t>.</a:t>
+            </a:r>
+            <a:endParaRPr lang="ko-KR" altLang="en-US" dirty="0"/>
           </a:p>
         </p:txBody>
       </p:sp>
@@ -653,7 +868,7 @@
     </p:spTree>
     <p:extLst>
       <p:ext uri="{BB962C8B-B14F-4D97-AF65-F5344CB8AC3E}">
-        <p14:creationId xmlns:p14="http://schemas.microsoft.com/office/powerpoint/2010/main" val="553981760"/>
+        <p14:creationId xmlns:p14="http://schemas.microsoft.com/office/powerpoint/2010/main" val="1083338260"/>
       </p:ext>
     </p:extLst>
   </p:cSld>
@@ -707,43 +922,7 @@
           <a:bodyPr/>
           <a:lstStyle/>
           <a:p>
-            <a:r>
-              <a:rPr lang="en-US" altLang="ko-KR" dirty="0"/>
-              <a:t>UUID </a:t>
-            </a:r>
-            <a:r>
-              <a:rPr lang="ko-KR" altLang="en-US" dirty="0"/>
-              <a:t>기반으로 </a:t>
-            </a:r>
-            <a:r>
-              <a:rPr lang="en-US" altLang="ko-KR" dirty="0" err="1"/>
-              <a:t>txid</a:t>
-            </a:r>
-            <a:r>
-              <a:rPr lang="en-US" altLang="ko-KR" dirty="0"/>
-              <a:t> </a:t>
-            </a:r>
-            <a:r>
-              <a:rPr lang="ko-KR" altLang="en-US" dirty="0"/>
-              <a:t>를 </a:t>
-            </a:r>
-            <a:r>
-              <a:rPr lang="ko-KR" altLang="en-US" dirty="0" err="1"/>
-              <a:t>채번해서</a:t>
-            </a:r>
-            <a:r>
-              <a:rPr lang="en-US" altLang="ko-KR" dirty="0"/>
-              <a:t>, </a:t>
-            </a:r>
-            <a:r>
-              <a:rPr lang="ko-KR" altLang="en-US" dirty="0"/>
-              <a:t>로그마다 출력해보는 실습을 진행해 보도록 하겠습니다</a:t>
-            </a:r>
-            <a:r>
-              <a:rPr lang="en-US" altLang="ko-KR" dirty="0"/>
-              <a:t>.</a:t>
-            </a:r>
-            <a:endParaRPr lang="ko-KR" altLang="en-US" dirty="0"/>
+            <a:endParaRPr lang="en-US" altLang="ko-KR" dirty="0"/>
           </a:p>
         </p:txBody>
       </p:sp>
@@ -773,7 +952,7 @@
     </p:spTree>
     <p:extLst>
       <p:ext uri="{BB962C8B-B14F-4D97-AF65-F5344CB8AC3E}">
-        <p14:creationId xmlns:p14="http://schemas.microsoft.com/office/powerpoint/2010/main" val="1083338260"/>
+        <p14:creationId xmlns:p14="http://schemas.microsoft.com/office/powerpoint/2010/main" val="741720168"/>
       </p:ext>
     </p:extLst>
   </p:cSld>
@@ -857,7 +1036,7 @@
     </p:spTree>
     <p:extLst>
       <p:ext uri="{BB962C8B-B14F-4D97-AF65-F5344CB8AC3E}">
-        <p14:creationId xmlns:p14="http://schemas.microsoft.com/office/powerpoint/2010/main" val="741720168"/>
+        <p14:creationId xmlns:p14="http://schemas.microsoft.com/office/powerpoint/2010/main" val="1323937303"/>
       </p:ext>
     </p:extLst>
   </p:cSld>
@@ -911,7 +1090,43 @@
           <a:bodyPr/>
           <a:lstStyle/>
           <a:p>
-            <a:endParaRPr lang="en-US" altLang="ko-KR" dirty="0"/>
+            <a:r>
+              <a:rPr lang="en-US" altLang="ko-KR" dirty="0"/>
+              <a:t>UUID </a:t>
+            </a:r>
+            <a:r>
+              <a:rPr lang="ko-KR" altLang="en-US" dirty="0"/>
+              <a:t>기반으로 </a:t>
+            </a:r>
+            <a:r>
+              <a:rPr lang="en-US" altLang="ko-KR" dirty="0" err="1"/>
+              <a:t>txid</a:t>
+            </a:r>
+            <a:r>
+              <a:rPr lang="en-US" altLang="ko-KR" dirty="0"/>
+              <a:t> </a:t>
+            </a:r>
+            <a:r>
+              <a:rPr lang="ko-KR" altLang="en-US" dirty="0"/>
+              <a:t>를 </a:t>
+            </a:r>
+            <a:r>
+              <a:rPr lang="ko-KR" altLang="en-US" dirty="0" err="1"/>
+              <a:t>채번해서</a:t>
+            </a:r>
+            <a:r>
+              <a:rPr lang="en-US" altLang="ko-KR" dirty="0"/>
+              <a:t>, </a:t>
+            </a:r>
+            <a:r>
+              <a:rPr lang="ko-KR" altLang="en-US" dirty="0"/>
+              <a:t>로그마다 출력해보는 실습을 진행해 보도록 하겠습니다</a:t>
+            </a:r>
+            <a:r>
+              <a:rPr lang="en-US" altLang="ko-KR" dirty="0"/>
+              <a:t>.</a:t>
+            </a:r>
+            <a:endParaRPr lang="ko-KR" altLang="en-US" dirty="0"/>
           </a:p>
         </p:txBody>
       </p:sp>
@@ -941,7 +1156,7 @@
     </p:spTree>
     <p:extLst>
       <p:ext uri="{BB962C8B-B14F-4D97-AF65-F5344CB8AC3E}">
-        <p14:creationId xmlns:p14="http://schemas.microsoft.com/office/powerpoint/2010/main" val="1323937303"/>
+        <p14:creationId xmlns:p14="http://schemas.microsoft.com/office/powerpoint/2010/main" val="1541129748"/>
       </p:ext>
     </p:extLst>
   </p:cSld>
@@ -995,43 +1210,7 @@
           <a:bodyPr/>
           <a:lstStyle/>
           <a:p>
-            <a:r>
-              <a:rPr lang="en-US" altLang="ko-KR" dirty="0"/>
-              <a:t>UUID </a:t>
-            </a:r>
-            <a:r>
-              <a:rPr lang="ko-KR" altLang="en-US" dirty="0"/>
-              <a:t>기반으로 </a:t>
-            </a:r>
-            <a:r>
-              <a:rPr lang="en-US" altLang="ko-KR" dirty="0" err="1"/>
-              <a:t>txid</a:t>
-            </a:r>
-            <a:r>
-              <a:rPr lang="en-US" altLang="ko-KR" dirty="0"/>
-              <a:t> </a:t>
-            </a:r>
-            <a:r>
-              <a:rPr lang="ko-KR" altLang="en-US" dirty="0"/>
-              <a:t>를 </a:t>
-            </a:r>
-            <a:r>
-              <a:rPr lang="ko-KR" altLang="en-US" dirty="0" err="1"/>
-              <a:t>채번해서</a:t>
-            </a:r>
-            <a:r>
-              <a:rPr lang="en-US" altLang="ko-KR" dirty="0"/>
-              <a:t>, </a:t>
-            </a:r>
-            <a:r>
-              <a:rPr lang="ko-KR" altLang="en-US" dirty="0"/>
-              <a:t>로그마다 출력해보는 실습을 진행해 보도록 하겠습니다</a:t>
-            </a:r>
-            <a:r>
-              <a:rPr lang="en-US" altLang="ko-KR" dirty="0"/>
-              <a:t>.</a:t>
-            </a:r>
-            <a:endParaRPr lang="ko-KR" altLang="en-US" dirty="0"/>
+            <a:endParaRPr lang="en-US" altLang="ko-KR" dirty="0"/>
           </a:p>
         </p:txBody>
       </p:sp>
@@ -1061,7 +1240,7 @@
     </p:spTree>
     <p:extLst>
       <p:ext uri="{BB962C8B-B14F-4D97-AF65-F5344CB8AC3E}">
-        <p14:creationId xmlns:p14="http://schemas.microsoft.com/office/powerpoint/2010/main" val="1541129748"/>
+        <p14:creationId xmlns:p14="http://schemas.microsoft.com/office/powerpoint/2010/main" val="2032762576"/>
       </p:ext>
     </p:extLst>
   </p:cSld>
@@ -1145,7 +1324,7 @@
     </p:spTree>
     <p:extLst>
       <p:ext uri="{BB962C8B-B14F-4D97-AF65-F5344CB8AC3E}">
-        <p14:creationId xmlns:p14="http://schemas.microsoft.com/office/powerpoint/2010/main" val="2032762576"/>
+        <p14:creationId xmlns:p14="http://schemas.microsoft.com/office/powerpoint/2010/main" val="291635600"/>
       </p:ext>
     </p:extLst>
   </p:cSld>
@@ -1229,7 +1408,7 @@
     </p:spTree>
     <p:extLst>
       <p:ext uri="{BB962C8B-B14F-4D97-AF65-F5344CB8AC3E}">
-        <p14:creationId xmlns:p14="http://schemas.microsoft.com/office/powerpoint/2010/main" val="291635600"/>
+        <p14:creationId xmlns:p14="http://schemas.microsoft.com/office/powerpoint/2010/main" val="1075182567"/>
       </p:ext>
     </p:extLst>
   </p:cSld>
@@ -1283,6 +1462,50 @@
           <a:bodyPr/>
           <a:lstStyle/>
           <a:p>
+            <a:r>
+              <a:rPr lang="ko-KR" altLang="en-US" dirty="0"/>
+              <a:t>프로젝트 환경을 구성해 보겠습니다</a:t>
+            </a:r>
+            <a:r>
+              <a:rPr lang="en-US" altLang="ko-KR" dirty="0"/>
+              <a:t>.</a:t>
+            </a:r>
+          </a:p>
+          <a:p>
+            <a:endParaRPr lang="en-US" altLang="ko-KR" dirty="0"/>
+          </a:p>
+          <a:p>
+            <a:pPr marL="0" marR="0" lvl="0" indent="0" algn="l" defTabSz="685800" rtl="0" eaLnBrk="1" fontAlgn="auto" latinLnBrk="1" hangingPunct="1">
+              <a:lnSpc>
+                <a:spcPct val="100000"/>
+              </a:lnSpc>
+              <a:spcBef>
+                <a:spcPts val="0"/>
+              </a:spcBef>
+              <a:spcAft>
+                <a:spcPts val="0"/>
+              </a:spcAft>
+              <a:buClrTx/>
+              <a:buSzTx/>
+              <a:buFontTx/>
+              <a:buNone/>
+              <a:tabLst/>
+              <a:defRPr/>
+            </a:pPr>
+            <a:r>
+              <a:rPr lang="en-US" altLang="ko-KR" dirty="0"/>
+              <a:t>&lt;&lt;</a:t>
+            </a:r>
+            <a:r>
+              <a:rPr lang="ko-KR" altLang="en-US" dirty="0"/>
+              <a:t>설명</a:t>
+            </a:r>
+            <a:r>
+              <a:rPr lang="en-US" altLang="ko-KR"/>
+              <a:t>&gt;&gt;</a:t>
+            </a:r>
+          </a:p>
+          <a:p>
             <a:endParaRPr lang="en-US" altLang="ko-KR" dirty="0"/>
           </a:p>
         </p:txBody>
@@ -1313,7 +1536,7 @@
     </p:spTree>
     <p:extLst>
       <p:ext uri="{BB962C8B-B14F-4D97-AF65-F5344CB8AC3E}">
-        <p14:creationId xmlns:p14="http://schemas.microsoft.com/office/powerpoint/2010/main" val="2526221007"/>
+        <p14:creationId xmlns:p14="http://schemas.microsoft.com/office/powerpoint/2010/main" val="3800460661"/>
       </p:ext>
     </p:extLst>
   </p:cSld>
@@ -1367,6 +1590,732 @@
           <a:bodyPr/>
           <a:lstStyle/>
           <a:p>
+            <a:pPr marL="0" marR="0" lvl="0" indent="0" algn="l" defTabSz="685800" rtl="0" eaLnBrk="1" fontAlgn="auto" latinLnBrk="1" hangingPunct="1">
+              <a:lnSpc>
+                <a:spcPct val="100000"/>
+              </a:lnSpc>
+              <a:spcBef>
+                <a:spcPts val="0"/>
+              </a:spcBef>
+              <a:spcAft>
+                <a:spcPts val="0"/>
+              </a:spcAft>
+              <a:buClrTx/>
+              <a:buSzTx/>
+              <a:buFontTx/>
+              <a:buNone/>
+              <a:tabLst/>
+              <a:defRPr/>
+            </a:pPr>
+            <a:r>
+              <a:rPr lang="ko-KR" altLang="en-US" dirty="0"/>
+              <a:t>저희는 </a:t>
+            </a:r>
+            <a:r>
+              <a:rPr lang="en-US" altLang="ko-KR" dirty="0"/>
+              <a:t>PG</a:t>
+            </a:r>
+            <a:r>
+              <a:rPr lang="ko-KR" altLang="en-US" dirty="0"/>
+              <a:t>사와 </a:t>
+            </a:r>
+            <a:r>
+              <a:rPr lang="en-US" altLang="ko-KR" dirty="0"/>
+              <a:t>Auth-Capture </a:t>
+            </a:r>
+            <a:r>
+              <a:rPr lang="ko-KR" altLang="en-US" dirty="0"/>
+              <a:t>방식으로 결제를 연동해보는 실습도 진행할 예정입니다</a:t>
+            </a:r>
+            <a:r>
+              <a:rPr lang="en-US" altLang="ko-KR" dirty="0"/>
+              <a:t>.</a:t>
+            </a:r>
+          </a:p>
+          <a:p>
+            <a:pPr marL="0" marR="0" lvl="0" indent="0" algn="l" defTabSz="685800" rtl="0" eaLnBrk="1" fontAlgn="auto" latinLnBrk="1" hangingPunct="1">
+              <a:lnSpc>
+                <a:spcPct val="100000"/>
+              </a:lnSpc>
+              <a:spcBef>
+                <a:spcPts val="0"/>
+              </a:spcBef>
+              <a:spcAft>
+                <a:spcPts val="0"/>
+              </a:spcAft>
+              <a:buClrTx/>
+              <a:buSzTx/>
+              <a:buFontTx/>
+              <a:buNone/>
+              <a:tabLst/>
+              <a:defRPr/>
+            </a:pPr>
+            <a:endParaRPr lang="en-US" altLang="ko-KR" dirty="0"/>
+          </a:p>
+          <a:p>
+            <a:pPr marL="0" marR="0" lvl="0" indent="0" algn="l" defTabSz="685800" rtl="0" eaLnBrk="1" fontAlgn="auto" latinLnBrk="1" hangingPunct="1">
+              <a:lnSpc>
+                <a:spcPct val="100000"/>
+              </a:lnSpc>
+              <a:spcBef>
+                <a:spcPts val="0"/>
+              </a:spcBef>
+              <a:spcAft>
+                <a:spcPts val="0"/>
+              </a:spcAft>
+              <a:buClrTx/>
+              <a:buSzTx/>
+              <a:buFontTx/>
+              <a:buNone/>
+              <a:tabLst/>
+              <a:defRPr/>
+            </a:pPr>
+            <a:r>
+              <a:rPr lang="ko-KR" altLang="en-US" dirty="0"/>
+              <a:t>실 결제까지는 실행되지 않도록 </a:t>
+            </a:r>
+            <a:r>
+              <a:rPr lang="en-US" altLang="ko-KR" dirty="0"/>
+              <a:t>PG</a:t>
+            </a:r>
+            <a:r>
+              <a:rPr lang="ko-KR" altLang="en-US" dirty="0"/>
+              <a:t>사 개발서버와 연동을 </a:t>
+            </a:r>
+            <a:r>
+              <a:rPr lang="ko-KR" altLang="en-US" dirty="0" err="1"/>
+              <a:t>해볼꺼고요</a:t>
+            </a:r>
+            <a:r>
+              <a:rPr lang="en-US" altLang="ko-KR" dirty="0"/>
+              <a:t>.</a:t>
+            </a:r>
+          </a:p>
+          <a:p>
+            <a:pPr marL="0" marR="0" lvl="0" indent="0" algn="l" defTabSz="685800" rtl="0" eaLnBrk="1" fontAlgn="auto" latinLnBrk="1" hangingPunct="1">
+              <a:lnSpc>
+                <a:spcPct val="100000"/>
+              </a:lnSpc>
+              <a:spcBef>
+                <a:spcPts val="0"/>
+              </a:spcBef>
+              <a:spcAft>
+                <a:spcPts val="0"/>
+              </a:spcAft>
+              <a:buClrTx/>
+              <a:buSzTx/>
+              <a:buFontTx/>
+              <a:buNone/>
+              <a:tabLst/>
+              <a:defRPr/>
+            </a:pPr>
+            <a:r>
+              <a:rPr lang="ko-KR" altLang="en-US" dirty="0"/>
+              <a:t>로컬 개발환경에서 </a:t>
+            </a:r>
+            <a:r>
+              <a:rPr lang="en-US" altLang="ko-KR" dirty="0"/>
+              <a:t>PG</a:t>
+            </a:r>
+            <a:r>
+              <a:rPr lang="ko-KR" altLang="en-US" dirty="0"/>
+              <a:t>사 개발서버와 연동되어야 실습이 용이할 </a:t>
+            </a:r>
+            <a:r>
+              <a:rPr lang="ko-KR" altLang="en-US" dirty="0" err="1"/>
+              <a:t>꺼에요</a:t>
+            </a:r>
+            <a:r>
+              <a:rPr lang="en-US" altLang="ko-KR" dirty="0"/>
+              <a:t>.</a:t>
+            </a:r>
+          </a:p>
+          <a:p>
+            <a:pPr marL="0" marR="0" lvl="0" indent="0" algn="l" defTabSz="685800" rtl="0" eaLnBrk="1" fontAlgn="auto" latinLnBrk="1" hangingPunct="1">
+              <a:lnSpc>
+                <a:spcPct val="100000"/>
+              </a:lnSpc>
+              <a:spcBef>
+                <a:spcPts val="0"/>
+              </a:spcBef>
+              <a:spcAft>
+                <a:spcPts val="0"/>
+              </a:spcAft>
+              <a:buClrTx/>
+              <a:buSzTx/>
+              <a:buFontTx/>
+              <a:buNone/>
+              <a:tabLst/>
+              <a:defRPr/>
+            </a:pPr>
+            <a:endParaRPr lang="en-US" altLang="ko-KR" dirty="0"/>
+          </a:p>
+          <a:p>
+            <a:pPr marL="0" marR="0" lvl="0" indent="0" algn="l" defTabSz="685800" rtl="0" eaLnBrk="1" fontAlgn="auto" latinLnBrk="1" hangingPunct="1">
+              <a:lnSpc>
+                <a:spcPct val="100000"/>
+              </a:lnSpc>
+              <a:spcBef>
+                <a:spcPts val="0"/>
+              </a:spcBef>
+              <a:spcAft>
+                <a:spcPts val="0"/>
+              </a:spcAft>
+              <a:buClrTx/>
+              <a:buSzTx/>
+              <a:buFontTx/>
+              <a:buNone/>
+              <a:tabLst/>
+              <a:defRPr/>
+            </a:pPr>
+            <a:r>
+              <a:rPr lang="ko-KR" altLang="en-US" dirty="0"/>
+              <a:t>이 기준에 부합하는 서비스로 저희는 토스 페이를 사용할 예정입니다</a:t>
+            </a:r>
+            <a:r>
+              <a:rPr lang="en-US" altLang="ko-KR" dirty="0"/>
+              <a:t>. </a:t>
+            </a:r>
+            <a:r>
+              <a:rPr lang="ko-KR" altLang="en-US" dirty="0"/>
+              <a:t>사실상 유일한 선택지인데요</a:t>
+            </a:r>
+            <a:r>
+              <a:rPr lang="en-US" altLang="ko-KR" dirty="0"/>
+              <a:t>.</a:t>
+            </a:r>
+          </a:p>
+          <a:p>
+            <a:pPr marL="0" marR="0" lvl="0" indent="0" algn="l" defTabSz="685800" rtl="0" eaLnBrk="1" fontAlgn="auto" latinLnBrk="1" hangingPunct="1">
+              <a:lnSpc>
+                <a:spcPct val="100000"/>
+              </a:lnSpc>
+              <a:spcBef>
+                <a:spcPts val="0"/>
+              </a:spcBef>
+              <a:spcAft>
+                <a:spcPts val="0"/>
+              </a:spcAft>
+              <a:buClrTx/>
+              <a:buSzTx/>
+              <a:buFontTx/>
+              <a:buNone/>
+              <a:tabLst/>
+              <a:defRPr/>
+            </a:pPr>
+            <a:endParaRPr lang="en-US" altLang="ko-KR" dirty="0"/>
+          </a:p>
+          <a:p>
+            <a:pPr marL="171450" marR="0" lvl="0" indent="-171450" algn="l" defTabSz="685800" rtl="0" eaLnBrk="1" fontAlgn="auto" latinLnBrk="1" hangingPunct="1">
+              <a:lnSpc>
+                <a:spcPct val="100000"/>
+              </a:lnSpc>
+              <a:spcBef>
+                <a:spcPts val="0"/>
+              </a:spcBef>
+              <a:spcAft>
+                <a:spcPts val="0"/>
+              </a:spcAft>
+              <a:buClrTx/>
+              <a:buSzTx/>
+              <a:buFont typeface="Arial" panose="020B0604020202020204" pitchFamily="34" charset="0"/>
+              <a:buChar char="•"/>
+              <a:tabLst/>
+              <a:defRPr/>
+            </a:pPr>
+            <a:r>
+              <a:rPr lang="ko-KR" altLang="en-US" dirty="0"/>
+              <a:t>네이버 페이</a:t>
+            </a:r>
+            <a:endParaRPr lang="en-US" altLang="ko-KR" dirty="0"/>
+          </a:p>
+          <a:p>
+            <a:pPr marL="514350" marR="0" lvl="1" indent="-171450" algn="l" defTabSz="685800" rtl="0" eaLnBrk="1" fontAlgn="auto" latinLnBrk="1" hangingPunct="1">
+              <a:lnSpc>
+                <a:spcPct val="100000"/>
+              </a:lnSpc>
+              <a:spcBef>
+                <a:spcPts val="0"/>
+              </a:spcBef>
+              <a:spcAft>
+                <a:spcPts val="0"/>
+              </a:spcAft>
+              <a:buClrTx/>
+              <a:buSzTx/>
+              <a:buFont typeface="Arial" panose="020B0604020202020204" pitchFamily="34" charset="0"/>
+              <a:buChar char="•"/>
+              <a:tabLst/>
+              <a:defRPr/>
+            </a:pPr>
+            <a:r>
+              <a:rPr lang="ko-KR" altLang="en-US" dirty="0"/>
+              <a:t>개발서버 접근키를 자체 심사 후 발급해주며</a:t>
+            </a:r>
+            <a:r>
+              <a:rPr lang="en-US" altLang="ko-KR" dirty="0"/>
+              <a:t>, </a:t>
+            </a:r>
+            <a:r>
+              <a:rPr lang="ko-KR" altLang="en-US" dirty="0" err="1"/>
+              <a:t>심사받기</a:t>
+            </a:r>
+            <a:r>
+              <a:rPr lang="ko-KR" altLang="en-US" dirty="0"/>
+              <a:t> 위해서는 사업자 등록번호가 필요합니다</a:t>
+            </a:r>
+            <a:r>
+              <a:rPr lang="en-US" altLang="ko-KR" dirty="0"/>
+              <a:t>.</a:t>
+            </a:r>
+          </a:p>
+          <a:p>
+            <a:pPr marL="171450" marR="0" lvl="0" indent="-171450" algn="l" defTabSz="685800" rtl="0" eaLnBrk="1" fontAlgn="auto" latinLnBrk="1" hangingPunct="1">
+              <a:lnSpc>
+                <a:spcPct val="100000"/>
+              </a:lnSpc>
+              <a:spcBef>
+                <a:spcPts val="0"/>
+              </a:spcBef>
+              <a:spcAft>
+                <a:spcPts val="0"/>
+              </a:spcAft>
+              <a:buClrTx/>
+              <a:buSzTx/>
+              <a:buFont typeface="Arial" panose="020B0604020202020204" pitchFamily="34" charset="0"/>
+              <a:buChar char="•"/>
+              <a:tabLst/>
+              <a:defRPr/>
+            </a:pPr>
+            <a:r>
+              <a:rPr lang="en-US" altLang="ko-KR" dirty="0"/>
+              <a:t>PayPal</a:t>
+            </a:r>
+          </a:p>
+          <a:p>
+            <a:pPr marL="514350" marR="0" lvl="1" indent="-171450" algn="l" defTabSz="685800" rtl="0" eaLnBrk="1" fontAlgn="auto" latinLnBrk="1" hangingPunct="1">
+              <a:lnSpc>
+                <a:spcPct val="100000"/>
+              </a:lnSpc>
+              <a:spcBef>
+                <a:spcPts val="0"/>
+              </a:spcBef>
+              <a:spcAft>
+                <a:spcPts val="0"/>
+              </a:spcAft>
+              <a:buClrTx/>
+              <a:buSzTx/>
+              <a:buFont typeface="Arial" panose="020B0604020202020204" pitchFamily="34" charset="0"/>
+              <a:buChar char="•"/>
+              <a:tabLst/>
+              <a:defRPr/>
+            </a:pPr>
+            <a:r>
+              <a:rPr lang="ko-KR" altLang="en-US" dirty="0"/>
+              <a:t>비즈니스 계정 가입이 필요하고</a:t>
+            </a:r>
+            <a:r>
+              <a:rPr lang="en-US" altLang="ko-KR" dirty="0"/>
+              <a:t>, </a:t>
+            </a:r>
+            <a:r>
+              <a:rPr lang="ko-KR" altLang="en-US" dirty="0"/>
+              <a:t>한국에서의 전자 상거래는 </a:t>
+            </a:r>
+            <a:r>
+              <a:rPr lang="ko-KR" altLang="en-US" dirty="0" err="1"/>
+              <a:t>미지원합니다</a:t>
+            </a:r>
+            <a:r>
+              <a:rPr lang="en-US" altLang="ko-KR" dirty="0"/>
+              <a:t>. </a:t>
+            </a:r>
+            <a:r>
+              <a:rPr lang="ko-KR" altLang="en-US" dirty="0" err="1"/>
+              <a:t>이커머스</a:t>
+            </a:r>
+            <a:r>
+              <a:rPr lang="ko-KR" altLang="en-US" dirty="0"/>
+              <a:t> 플랫폼 구현에는 사용이 어렵습니다</a:t>
+            </a:r>
+            <a:r>
+              <a:rPr lang="en-US" altLang="ko-KR" dirty="0"/>
+              <a:t>.</a:t>
+            </a:r>
+          </a:p>
+          <a:p>
+            <a:pPr marL="171450" marR="0" lvl="0" indent="-171450" algn="l" defTabSz="685800" rtl="0" eaLnBrk="1" fontAlgn="auto" latinLnBrk="1" hangingPunct="1">
+              <a:lnSpc>
+                <a:spcPct val="100000"/>
+              </a:lnSpc>
+              <a:spcBef>
+                <a:spcPts val="0"/>
+              </a:spcBef>
+              <a:spcAft>
+                <a:spcPts val="0"/>
+              </a:spcAft>
+              <a:buClrTx/>
+              <a:buSzTx/>
+              <a:buFont typeface="Arial" panose="020B0604020202020204" pitchFamily="34" charset="0"/>
+              <a:buChar char="•"/>
+              <a:tabLst/>
+              <a:defRPr/>
+            </a:pPr>
+            <a:r>
+              <a:rPr lang="en-US" altLang="ko-KR" dirty="0"/>
+              <a:t>Stripe</a:t>
+            </a:r>
+          </a:p>
+          <a:p>
+            <a:pPr marL="514350" marR="0" lvl="1" indent="-171450" algn="l" defTabSz="685800" rtl="0" eaLnBrk="1" fontAlgn="auto" latinLnBrk="1" hangingPunct="1">
+              <a:lnSpc>
+                <a:spcPct val="100000"/>
+              </a:lnSpc>
+              <a:spcBef>
+                <a:spcPts val="0"/>
+              </a:spcBef>
+              <a:spcAft>
+                <a:spcPts val="0"/>
+              </a:spcAft>
+              <a:buClrTx/>
+              <a:buSzTx/>
+              <a:buFont typeface="Arial" panose="020B0604020202020204" pitchFamily="34" charset="0"/>
+              <a:buChar char="•"/>
+              <a:tabLst/>
+              <a:defRPr/>
+            </a:pPr>
+            <a:r>
+              <a:rPr lang="en-US" altLang="ko-KR" dirty="0"/>
+              <a:t>2022</a:t>
+            </a:r>
+            <a:r>
+              <a:rPr lang="ko-KR" altLang="en-US" dirty="0"/>
+              <a:t>년 이후부터는 임의 가입이 </a:t>
+            </a:r>
+            <a:r>
+              <a:rPr lang="ko-KR" altLang="en-US" dirty="0" err="1"/>
+              <a:t>불가해졌습니다</a:t>
+            </a:r>
+            <a:r>
+              <a:rPr lang="en-US" altLang="ko-KR" dirty="0"/>
+              <a:t>. </a:t>
+            </a:r>
+            <a:r>
+              <a:rPr lang="ko-KR" altLang="en-US" dirty="0"/>
+              <a:t>가입을 위해서는 신분증명 및 사업자 증명이 필요하고요</a:t>
+            </a:r>
+            <a:r>
+              <a:rPr lang="en-US" altLang="ko-KR" dirty="0"/>
+              <a:t>, </a:t>
+            </a:r>
+            <a:r>
+              <a:rPr lang="ko-KR" altLang="en-US" dirty="0"/>
+              <a:t>은행계좌까지 제출해야 합니다</a:t>
+            </a:r>
+            <a:r>
+              <a:rPr lang="en-US" altLang="ko-KR" dirty="0"/>
+              <a:t>. </a:t>
+            </a:r>
+            <a:br>
+              <a:rPr lang="en-US" altLang="ko-KR" dirty="0"/>
+            </a:br>
+            <a:r>
+              <a:rPr lang="ko-KR" altLang="en-US" dirty="0"/>
+              <a:t>사실상 개발서버 접근이 어렵습니다</a:t>
+            </a:r>
+            <a:r>
+              <a:rPr lang="en-US" altLang="ko-KR" dirty="0"/>
+              <a:t>.</a:t>
+            </a:r>
+          </a:p>
+          <a:p>
+            <a:pPr marL="514350" marR="0" lvl="1" indent="-171450" algn="l" defTabSz="685800" rtl="0" eaLnBrk="1" fontAlgn="auto" latinLnBrk="1" hangingPunct="1">
+              <a:lnSpc>
+                <a:spcPct val="100000"/>
+              </a:lnSpc>
+              <a:spcBef>
+                <a:spcPts val="0"/>
+              </a:spcBef>
+              <a:spcAft>
+                <a:spcPts val="0"/>
+              </a:spcAft>
+              <a:buClrTx/>
+              <a:buSzTx/>
+              <a:buFont typeface="Arial" panose="020B0604020202020204" pitchFamily="34" charset="0"/>
+              <a:buChar char="•"/>
+              <a:tabLst/>
+              <a:defRPr/>
+            </a:pPr>
+            <a:r>
+              <a:rPr lang="ko-KR" altLang="en-US" dirty="0"/>
+              <a:t>그리고 </a:t>
+            </a:r>
+            <a:r>
+              <a:rPr lang="en-US" altLang="ko-KR" dirty="0"/>
+              <a:t>PayPal</a:t>
+            </a:r>
+            <a:r>
+              <a:rPr lang="ko-KR" altLang="en-US" dirty="0"/>
+              <a:t>과 마찬가지로 한국에서의 전자 상거래를 지원하지 않습니다</a:t>
+            </a:r>
+            <a:r>
+              <a:rPr lang="en-US" altLang="ko-KR" dirty="0"/>
+              <a:t>.</a:t>
+            </a:r>
+          </a:p>
+          <a:p>
+            <a:pPr marL="171450" marR="0" lvl="0" indent="-171450" algn="l" defTabSz="685800" rtl="0" eaLnBrk="1" fontAlgn="auto" latinLnBrk="1" hangingPunct="1">
+              <a:lnSpc>
+                <a:spcPct val="100000"/>
+              </a:lnSpc>
+              <a:spcBef>
+                <a:spcPts val="0"/>
+              </a:spcBef>
+              <a:spcAft>
+                <a:spcPts val="0"/>
+              </a:spcAft>
+              <a:buClrTx/>
+              <a:buSzTx/>
+              <a:buFont typeface="Arial" panose="020B0604020202020204" pitchFamily="34" charset="0"/>
+              <a:buChar char="•"/>
+              <a:tabLst/>
+              <a:defRPr/>
+            </a:pPr>
+            <a:r>
+              <a:rPr lang="ko-KR" altLang="en-US" dirty="0"/>
+              <a:t>카카오 페이</a:t>
+            </a:r>
+            <a:endParaRPr lang="en-US" altLang="ko-KR" dirty="0"/>
+          </a:p>
+          <a:p>
+            <a:pPr marL="514350" marR="0" lvl="1" indent="-171450" algn="l" defTabSz="685800" rtl="0" eaLnBrk="1" fontAlgn="auto" latinLnBrk="1" hangingPunct="1">
+              <a:lnSpc>
+                <a:spcPct val="100000"/>
+              </a:lnSpc>
+              <a:spcBef>
+                <a:spcPts val="0"/>
+              </a:spcBef>
+              <a:spcAft>
+                <a:spcPts val="0"/>
+              </a:spcAft>
+              <a:buClrTx/>
+              <a:buSzTx/>
+              <a:buFont typeface="Arial" panose="020B0604020202020204" pitchFamily="34" charset="0"/>
+              <a:buChar char="•"/>
+              <a:tabLst/>
+              <a:defRPr/>
+            </a:pPr>
+            <a:r>
+              <a:rPr lang="ko-KR" altLang="en-US" dirty="0"/>
+              <a:t>임의 가입은 가능합니다만</a:t>
+            </a:r>
+            <a:r>
+              <a:rPr lang="en-US" altLang="ko-KR" dirty="0"/>
+              <a:t>, </a:t>
+            </a:r>
+            <a:r>
+              <a:rPr lang="ko-KR" altLang="en-US" dirty="0"/>
+              <a:t>각종 보안 체크때문에</a:t>
+            </a:r>
+            <a:r>
+              <a:rPr lang="en-US" altLang="ko-KR" dirty="0"/>
+              <a:t>, public </a:t>
+            </a:r>
+            <a:r>
+              <a:rPr lang="ko-KR" altLang="en-US" dirty="0"/>
+              <a:t>도메인이 있는 개발서버에서 테스트하는 것을 </a:t>
+            </a:r>
+            <a:r>
+              <a:rPr lang="ko-KR" altLang="en-US" dirty="0" err="1"/>
+              <a:t>추천드립니다</a:t>
+            </a:r>
+            <a:r>
+              <a:rPr lang="en-US" altLang="ko-KR" dirty="0"/>
+              <a:t>.</a:t>
+            </a:r>
+          </a:p>
+          <a:p>
+            <a:pPr marL="171450" marR="0" lvl="0" indent="-171450" algn="l" defTabSz="685800" rtl="0" eaLnBrk="1" fontAlgn="auto" latinLnBrk="1" hangingPunct="1">
+              <a:lnSpc>
+                <a:spcPct val="100000"/>
+              </a:lnSpc>
+              <a:spcBef>
+                <a:spcPts val="0"/>
+              </a:spcBef>
+              <a:spcAft>
+                <a:spcPts val="0"/>
+              </a:spcAft>
+              <a:buClrTx/>
+              <a:buSzTx/>
+              <a:buFont typeface="Arial" panose="020B0604020202020204" pitchFamily="34" charset="0"/>
+              <a:buChar char="•"/>
+              <a:tabLst/>
+              <a:defRPr/>
+            </a:pPr>
+            <a:r>
+              <a:rPr lang="ko-KR" altLang="en-US" dirty="0"/>
+              <a:t>토스 페이</a:t>
+            </a:r>
+            <a:endParaRPr lang="en-US" altLang="ko-KR" dirty="0"/>
+          </a:p>
+          <a:p>
+            <a:pPr marL="514350" marR="0" lvl="1" indent="-171450" algn="l" defTabSz="685800" rtl="0" eaLnBrk="1" fontAlgn="auto" latinLnBrk="1" hangingPunct="1">
+              <a:lnSpc>
+                <a:spcPct val="100000"/>
+              </a:lnSpc>
+              <a:spcBef>
+                <a:spcPts val="0"/>
+              </a:spcBef>
+              <a:spcAft>
+                <a:spcPts val="0"/>
+              </a:spcAft>
+              <a:buClrTx/>
+              <a:buSzTx/>
+              <a:buFont typeface="Arial" panose="020B0604020202020204" pitchFamily="34" charset="0"/>
+              <a:buChar char="•"/>
+              <a:tabLst/>
+              <a:defRPr/>
+            </a:pPr>
+            <a:r>
+              <a:rPr lang="ko-KR" altLang="en-US" dirty="0"/>
+              <a:t>임의 가입이 가능하며</a:t>
+            </a:r>
+            <a:r>
+              <a:rPr lang="en-US" altLang="ko-KR" dirty="0"/>
+              <a:t>, </a:t>
+            </a:r>
+            <a:r>
+              <a:rPr lang="ko-KR" altLang="en-US" dirty="0"/>
+              <a:t>로컬 개발환경에서 깔끔하게 동작합니다</a:t>
+            </a:r>
+            <a:r>
+              <a:rPr lang="en-US" altLang="ko-KR" dirty="0"/>
+              <a:t>.</a:t>
+            </a:r>
+          </a:p>
+          <a:p>
+            <a:pPr marL="514350" marR="0" lvl="1" indent="-171450" algn="l" defTabSz="685800" rtl="0" eaLnBrk="1" fontAlgn="auto" latinLnBrk="1" hangingPunct="1">
+              <a:lnSpc>
+                <a:spcPct val="100000"/>
+              </a:lnSpc>
+              <a:spcBef>
+                <a:spcPts val="0"/>
+              </a:spcBef>
+              <a:spcAft>
+                <a:spcPts val="0"/>
+              </a:spcAft>
+              <a:buClrTx/>
+              <a:buSzTx/>
+              <a:buFont typeface="Arial" panose="020B0604020202020204" pitchFamily="34" charset="0"/>
+              <a:buChar char="•"/>
+              <a:tabLst/>
+              <a:defRPr/>
+            </a:pPr>
+            <a:r>
+              <a:rPr lang="ko-KR" altLang="en-US" dirty="0"/>
+              <a:t>가장 최근에 만들어진 서비스라서 그런지</a:t>
+            </a:r>
+            <a:r>
+              <a:rPr lang="en-US" altLang="ko-KR" dirty="0"/>
+              <a:t>, API </a:t>
+            </a:r>
+            <a:r>
+              <a:rPr lang="ko-KR" altLang="en-US" dirty="0"/>
+              <a:t>구조가 가장 깔끔하고 문서가 잘 정리되어 있습니다</a:t>
+            </a:r>
+            <a:r>
+              <a:rPr lang="en-US" altLang="ko-KR" dirty="0"/>
+              <a:t>. </a:t>
+            </a:r>
+            <a:r>
+              <a:rPr lang="ko-KR" altLang="en-US" dirty="0"/>
+              <a:t>연동이 </a:t>
+            </a:r>
+            <a:r>
+              <a:rPr lang="en-US" altLang="ko-KR" dirty="0"/>
+              <a:t>Stripe </a:t>
+            </a:r>
+            <a:r>
+              <a:rPr lang="ko-KR" altLang="en-US" dirty="0"/>
+              <a:t>만큼이나 편합니다</a:t>
+            </a:r>
+            <a:r>
+              <a:rPr lang="en-US" altLang="ko-KR" dirty="0"/>
+              <a:t>.</a:t>
+            </a:r>
+          </a:p>
+          <a:p>
+            <a:pPr marL="514350" marR="0" lvl="1" indent="-171450" algn="l" defTabSz="685800" rtl="0" eaLnBrk="1" fontAlgn="auto" latinLnBrk="1" hangingPunct="1">
+              <a:lnSpc>
+                <a:spcPct val="100000"/>
+              </a:lnSpc>
+              <a:spcBef>
+                <a:spcPts val="0"/>
+              </a:spcBef>
+              <a:spcAft>
+                <a:spcPts val="0"/>
+              </a:spcAft>
+              <a:buClrTx/>
+              <a:buSzTx/>
+              <a:buFont typeface="Arial" panose="020B0604020202020204" pitchFamily="34" charset="0"/>
+              <a:buChar char="•"/>
+              <a:tabLst/>
+              <a:defRPr/>
+            </a:pPr>
+            <a:r>
+              <a:rPr lang="ko-KR" altLang="en-US" dirty="0"/>
+              <a:t>각종 페이 및 카드결제를 통합 지원하기 때문에</a:t>
+            </a:r>
+            <a:r>
+              <a:rPr lang="en-US" altLang="ko-KR" dirty="0"/>
+              <a:t>, </a:t>
+            </a:r>
+            <a:r>
+              <a:rPr lang="ko-KR" altLang="en-US" dirty="0"/>
+              <a:t>여러 페이를 개별 구현하지 않아도 됩니다</a:t>
+            </a:r>
+            <a:r>
+              <a:rPr lang="en-US" altLang="ko-KR" dirty="0"/>
+              <a:t>.</a:t>
+            </a:r>
+          </a:p>
+          <a:p>
+            <a:pPr marL="171450" marR="0" lvl="0" indent="-171450" algn="l" defTabSz="685800" rtl="0" eaLnBrk="1" fontAlgn="auto" latinLnBrk="1" hangingPunct="1">
+              <a:lnSpc>
+                <a:spcPct val="100000"/>
+              </a:lnSpc>
+              <a:spcBef>
+                <a:spcPts val="0"/>
+              </a:spcBef>
+              <a:spcAft>
+                <a:spcPts val="0"/>
+              </a:spcAft>
+              <a:buClrTx/>
+              <a:buSzTx/>
+              <a:buFont typeface="Arial" panose="020B0604020202020204" pitchFamily="34" charset="0"/>
+              <a:buChar char="•"/>
+              <a:tabLst/>
+              <a:defRPr/>
+            </a:pPr>
+            <a:endParaRPr lang="en-US" altLang="ko-KR" dirty="0"/>
+          </a:p>
+          <a:p>
+            <a:pPr marL="0" marR="0" lvl="0" indent="0" algn="l" defTabSz="685800" rtl="0" eaLnBrk="1" fontAlgn="auto" latinLnBrk="1" hangingPunct="1">
+              <a:lnSpc>
+                <a:spcPct val="100000"/>
+              </a:lnSpc>
+              <a:spcBef>
+                <a:spcPts val="0"/>
+              </a:spcBef>
+              <a:spcAft>
+                <a:spcPts val="0"/>
+              </a:spcAft>
+              <a:buClrTx/>
+              <a:buSzTx/>
+              <a:buFont typeface="Arial" panose="020B0604020202020204" pitchFamily="34" charset="0"/>
+              <a:buNone/>
+              <a:tabLst/>
+              <a:defRPr/>
+            </a:pPr>
             <a:endParaRPr lang="en-US" altLang="ko-KR" dirty="0"/>
           </a:p>
         </p:txBody>
@@ -1397,7 +2346,108 @@
     </p:spTree>
     <p:extLst>
       <p:ext uri="{BB962C8B-B14F-4D97-AF65-F5344CB8AC3E}">
-        <p14:creationId xmlns:p14="http://schemas.microsoft.com/office/powerpoint/2010/main" val="941068952"/>
+        <p14:creationId xmlns:p14="http://schemas.microsoft.com/office/powerpoint/2010/main" val="1905348449"/>
+      </p:ext>
+    </p:extLst>
+  </p:cSld>
+  <p:clrMapOvr>
+    <a:masterClrMapping/>
+  </p:clrMapOvr>
+</p:notes>
+</file>
+
+<file path=ppt/notesSlides/notesSlide19.xml><?xml version="1.0" encoding="utf-8"?>
+<p:notes xmlns:a="http://schemas.openxmlformats.org/drawingml/2006/main" xmlns:r="http://schemas.openxmlformats.org/officeDocument/2006/relationships" xmlns:p="http://schemas.openxmlformats.org/presentationml/2006/main">
+  <p:cSld>
+    <p:spTree>
+      <p:nvGrpSpPr>
+        <p:cNvPr id="1" name=""/>
+        <p:cNvGrpSpPr/>
+        <p:nvPr/>
+      </p:nvGrpSpPr>
+      <p:grpSpPr>
+        <a:xfrm>
+          <a:off x="0" y="0"/>
+          <a:ext cx="0" cy="0"/>
+          <a:chOff x="0" y="0"/>
+          <a:chExt cx="0" cy="0"/>
+        </a:xfrm>
+      </p:grpSpPr>
+      <p:sp>
+        <p:nvSpPr>
+          <p:cNvPr id="2" name="슬라이드 이미지 개체 틀 1"/>
+          <p:cNvSpPr>
+            <a:spLocks noGrp="1" noRot="1" noChangeAspect="1"/>
+          </p:cNvSpPr>
+          <p:nvPr>
+            <p:ph type="sldImg"/>
+          </p:nvPr>
+        </p:nvSpPr>
+        <p:spPr/>
+      </p:sp>
+      <p:sp>
+        <p:nvSpPr>
+          <p:cNvPr id="3" name="슬라이드 노트 개체 틀 2"/>
+          <p:cNvSpPr>
+            <a:spLocks noGrp="1"/>
+          </p:cNvSpPr>
+          <p:nvPr>
+            <p:ph type="body" idx="1"/>
+          </p:nvPr>
+        </p:nvSpPr>
+        <p:spPr/>
+        <p:txBody>
+          <a:bodyPr/>
+          <a:lstStyle/>
+          <a:p>
+            <a:pPr marL="0" marR="0" lvl="0" indent="0" algn="l" defTabSz="685800" rtl="0" eaLnBrk="1" fontAlgn="auto" latinLnBrk="1" hangingPunct="1">
+              <a:lnSpc>
+                <a:spcPct val="100000"/>
+              </a:lnSpc>
+              <a:spcBef>
+                <a:spcPts val="0"/>
+              </a:spcBef>
+              <a:spcAft>
+                <a:spcPts val="0"/>
+              </a:spcAft>
+              <a:buClrTx/>
+              <a:buSzTx/>
+              <a:buFontTx/>
+              <a:buNone/>
+              <a:tabLst/>
+              <a:defRPr/>
+            </a:pPr>
+            <a:endParaRPr lang="en-US" altLang="ko-KR" dirty="0"/>
+          </a:p>
+        </p:txBody>
+      </p:sp>
+      <p:sp>
+        <p:nvSpPr>
+          <p:cNvPr id="4" name="슬라이드 번호 개체 틀 3"/>
+          <p:cNvSpPr>
+            <a:spLocks noGrp="1"/>
+          </p:cNvSpPr>
+          <p:nvPr>
+            <p:ph type="sldNum" sz="quarter" idx="5"/>
+          </p:nvPr>
+        </p:nvSpPr>
+        <p:spPr/>
+        <p:txBody>
+          <a:bodyPr/>
+          <a:lstStyle/>
+          <a:p>
+            <a:fld id="{4F243B46-72FF-4656-838A-691B9EB329E3}" type="slidenum">
+              <a:rPr lang="ko-KR" altLang="en-US" smtClean="0"/>
+              <a:t>19</a:t>
+            </a:fld>
+            <a:endParaRPr lang="ko-KR" altLang="en-US"/>
+          </a:p>
+        </p:txBody>
+      </p:sp>
+    </p:spTree>
+    <p:extLst>
+      <p:ext uri="{BB962C8B-B14F-4D97-AF65-F5344CB8AC3E}">
+        <p14:creationId xmlns:p14="http://schemas.microsoft.com/office/powerpoint/2010/main" val="2794974270"/>
       </p:ext>
     </p:extLst>
   </p:cSld>
@@ -1491,6 +2541,642 @@
 </p:notes>
 </file>
 
+<file path=ppt/notesSlides/notesSlide20.xml><?xml version="1.0" encoding="utf-8"?>
+<p:notes xmlns:a="http://schemas.openxmlformats.org/drawingml/2006/main" xmlns:r="http://schemas.openxmlformats.org/officeDocument/2006/relationships" xmlns:p="http://schemas.openxmlformats.org/presentationml/2006/main">
+  <p:cSld>
+    <p:spTree>
+      <p:nvGrpSpPr>
+        <p:cNvPr id="1" name=""/>
+        <p:cNvGrpSpPr/>
+        <p:nvPr/>
+      </p:nvGrpSpPr>
+      <p:grpSpPr>
+        <a:xfrm>
+          <a:off x="0" y="0"/>
+          <a:ext cx="0" cy="0"/>
+          <a:chOff x="0" y="0"/>
+          <a:chExt cx="0" cy="0"/>
+        </a:xfrm>
+      </p:grpSpPr>
+      <p:sp>
+        <p:nvSpPr>
+          <p:cNvPr id="2" name="슬라이드 이미지 개체 틀 1"/>
+          <p:cNvSpPr>
+            <a:spLocks noGrp="1" noRot="1" noChangeAspect="1"/>
+          </p:cNvSpPr>
+          <p:nvPr>
+            <p:ph type="sldImg"/>
+          </p:nvPr>
+        </p:nvSpPr>
+        <p:spPr/>
+      </p:sp>
+      <p:sp>
+        <p:nvSpPr>
+          <p:cNvPr id="3" name="슬라이드 노트 개체 틀 2"/>
+          <p:cNvSpPr>
+            <a:spLocks noGrp="1"/>
+          </p:cNvSpPr>
+          <p:nvPr>
+            <p:ph type="body" idx="1"/>
+          </p:nvPr>
+        </p:nvSpPr>
+        <p:spPr/>
+        <p:txBody>
+          <a:bodyPr/>
+          <a:lstStyle/>
+          <a:p>
+            <a:r>
+              <a:rPr lang="ko-KR" altLang="en-US" dirty="0"/>
+              <a:t>프로젝트 환경을 구성해 보겠습니다</a:t>
+            </a:r>
+            <a:r>
+              <a:rPr lang="en-US" altLang="ko-KR" dirty="0"/>
+              <a:t>.</a:t>
+            </a:r>
+          </a:p>
+          <a:p>
+            <a:endParaRPr lang="en-US" altLang="ko-KR" dirty="0"/>
+          </a:p>
+          <a:p>
+            <a:pPr marL="0" marR="0" lvl="0" indent="0" algn="l" defTabSz="685800" rtl="0" eaLnBrk="1" fontAlgn="auto" latinLnBrk="1" hangingPunct="1">
+              <a:lnSpc>
+                <a:spcPct val="100000"/>
+              </a:lnSpc>
+              <a:spcBef>
+                <a:spcPts val="0"/>
+              </a:spcBef>
+              <a:spcAft>
+                <a:spcPts val="0"/>
+              </a:spcAft>
+              <a:buClrTx/>
+              <a:buSzTx/>
+              <a:buFontTx/>
+              <a:buNone/>
+              <a:tabLst/>
+              <a:defRPr/>
+            </a:pPr>
+            <a:r>
+              <a:rPr lang="en-US" altLang="ko-KR" dirty="0"/>
+              <a:t>&lt;&lt;</a:t>
+            </a:r>
+            <a:r>
+              <a:rPr lang="ko-KR" altLang="en-US" dirty="0"/>
+              <a:t>설명</a:t>
+            </a:r>
+            <a:r>
+              <a:rPr lang="en-US" altLang="ko-KR"/>
+              <a:t>&gt;&gt;</a:t>
+            </a:r>
+          </a:p>
+          <a:p>
+            <a:endParaRPr lang="en-US" altLang="ko-KR" dirty="0"/>
+          </a:p>
+        </p:txBody>
+      </p:sp>
+      <p:sp>
+        <p:nvSpPr>
+          <p:cNvPr id="4" name="슬라이드 번호 개체 틀 3"/>
+          <p:cNvSpPr>
+            <a:spLocks noGrp="1"/>
+          </p:cNvSpPr>
+          <p:nvPr>
+            <p:ph type="sldNum" sz="quarter" idx="5"/>
+          </p:nvPr>
+        </p:nvSpPr>
+        <p:spPr/>
+        <p:txBody>
+          <a:bodyPr/>
+          <a:lstStyle/>
+          <a:p>
+            <a:fld id="{4F243B46-72FF-4656-838A-691B9EB329E3}" type="slidenum">
+              <a:rPr lang="ko-KR" altLang="en-US" smtClean="0"/>
+              <a:t>20</a:t>
+            </a:fld>
+            <a:endParaRPr lang="ko-KR" altLang="en-US"/>
+          </a:p>
+        </p:txBody>
+      </p:sp>
+    </p:spTree>
+    <p:extLst>
+      <p:ext uri="{BB962C8B-B14F-4D97-AF65-F5344CB8AC3E}">
+        <p14:creationId xmlns:p14="http://schemas.microsoft.com/office/powerpoint/2010/main" val="2070741388"/>
+      </p:ext>
+    </p:extLst>
+  </p:cSld>
+  <p:clrMapOvr>
+    <a:masterClrMapping/>
+  </p:clrMapOvr>
+</p:notes>
+</file>
+
+<file path=ppt/notesSlides/notesSlide21.xml><?xml version="1.0" encoding="utf-8"?>
+<p:notes xmlns:a="http://schemas.openxmlformats.org/drawingml/2006/main" xmlns:r="http://schemas.openxmlformats.org/officeDocument/2006/relationships" xmlns:p="http://schemas.openxmlformats.org/presentationml/2006/main">
+  <p:cSld>
+    <p:spTree>
+      <p:nvGrpSpPr>
+        <p:cNvPr id="1" name=""/>
+        <p:cNvGrpSpPr/>
+        <p:nvPr/>
+      </p:nvGrpSpPr>
+      <p:grpSpPr>
+        <a:xfrm>
+          <a:off x="0" y="0"/>
+          <a:ext cx="0" cy="0"/>
+          <a:chOff x="0" y="0"/>
+          <a:chExt cx="0" cy="0"/>
+        </a:xfrm>
+      </p:grpSpPr>
+      <p:sp>
+        <p:nvSpPr>
+          <p:cNvPr id="2" name="슬라이드 이미지 개체 틀 1"/>
+          <p:cNvSpPr>
+            <a:spLocks noGrp="1" noRot="1" noChangeAspect="1"/>
+          </p:cNvSpPr>
+          <p:nvPr>
+            <p:ph type="sldImg"/>
+          </p:nvPr>
+        </p:nvSpPr>
+        <p:spPr/>
+      </p:sp>
+      <p:sp>
+        <p:nvSpPr>
+          <p:cNvPr id="3" name="슬라이드 노트 개체 틀 2"/>
+          <p:cNvSpPr>
+            <a:spLocks noGrp="1"/>
+          </p:cNvSpPr>
+          <p:nvPr>
+            <p:ph type="body" idx="1"/>
+          </p:nvPr>
+        </p:nvSpPr>
+        <p:spPr/>
+        <p:txBody>
+          <a:bodyPr/>
+          <a:lstStyle/>
+          <a:p>
+            <a:r>
+              <a:rPr lang="ko-KR" altLang="en-US" dirty="0"/>
+              <a:t>프로젝트 환경을 구성해 보겠습니다</a:t>
+            </a:r>
+            <a:r>
+              <a:rPr lang="en-US" altLang="ko-KR" dirty="0"/>
+              <a:t>.</a:t>
+            </a:r>
+          </a:p>
+          <a:p>
+            <a:endParaRPr lang="en-US" altLang="ko-KR" dirty="0"/>
+          </a:p>
+          <a:p>
+            <a:pPr marL="0" marR="0" lvl="0" indent="0" algn="l" defTabSz="685800" rtl="0" eaLnBrk="1" fontAlgn="auto" latinLnBrk="1" hangingPunct="1">
+              <a:lnSpc>
+                <a:spcPct val="100000"/>
+              </a:lnSpc>
+              <a:spcBef>
+                <a:spcPts val="0"/>
+              </a:spcBef>
+              <a:spcAft>
+                <a:spcPts val="0"/>
+              </a:spcAft>
+              <a:buClrTx/>
+              <a:buSzTx/>
+              <a:buFontTx/>
+              <a:buNone/>
+              <a:tabLst/>
+              <a:defRPr/>
+            </a:pPr>
+            <a:r>
+              <a:rPr lang="en-US" altLang="ko-KR" dirty="0"/>
+              <a:t>&lt;&lt;</a:t>
+            </a:r>
+            <a:r>
+              <a:rPr lang="ko-KR" altLang="en-US" dirty="0"/>
+              <a:t>설명</a:t>
+            </a:r>
+            <a:r>
+              <a:rPr lang="en-US" altLang="ko-KR"/>
+              <a:t>&gt;&gt;</a:t>
+            </a:r>
+          </a:p>
+          <a:p>
+            <a:endParaRPr lang="en-US" altLang="ko-KR" dirty="0"/>
+          </a:p>
+        </p:txBody>
+      </p:sp>
+      <p:sp>
+        <p:nvSpPr>
+          <p:cNvPr id="4" name="슬라이드 번호 개체 틀 3"/>
+          <p:cNvSpPr>
+            <a:spLocks noGrp="1"/>
+          </p:cNvSpPr>
+          <p:nvPr>
+            <p:ph type="sldNum" sz="quarter" idx="5"/>
+          </p:nvPr>
+        </p:nvSpPr>
+        <p:spPr/>
+        <p:txBody>
+          <a:bodyPr/>
+          <a:lstStyle/>
+          <a:p>
+            <a:fld id="{4F243B46-72FF-4656-838A-691B9EB329E3}" type="slidenum">
+              <a:rPr lang="ko-KR" altLang="en-US" smtClean="0"/>
+              <a:t>21</a:t>
+            </a:fld>
+            <a:endParaRPr lang="ko-KR" altLang="en-US"/>
+          </a:p>
+        </p:txBody>
+      </p:sp>
+    </p:spTree>
+    <p:extLst>
+      <p:ext uri="{BB962C8B-B14F-4D97-AF65-F5344CB8AC3E}">
+        <p14:creationId xmlns:p14="http://schemas.microsoft.com/office/powerpoint/2010/main" val="1705930502"/>
+      </p:ext>
+    </p:extLst>
+  </p:cSld>
+  <p:clrMapOvr>
+    <a:masterClrMapping/>
+  </p:clrMapOvr>
+</p:notes>
+</file>
+
+<file path=ppt/notesSlides/notesSlide22.xml><?xml version="1.0" encoding="utf-8"?>
+<p:notes xmlns:a="http://schemas.openxmlformats.org/drawingml/2006/main" xmlns:r="http://schemas.openxmlformats.org/officeDocument/2006/relationships" xmlns:p="http://schemas.openxmlformats.org/presentationml/2006/main">
+  <p:cSld>
+    <p:spTree>
+      <p:nvGrpSpPr>
+        <p:cNvPr id="1" name=""/>
+        <p:cNvGrpSpPr/>
+        <p:nvPr/>
+      </p:nvGrpSpPr>
+      <p:grpSpPr>
+        <a:xfrm>
+          <a:off x="0" y="0"/>
+          <a:ext cx="0" cy="0"/>
+          <a:chOff x="0" y="0"/>
+          <a:chExt cx="0" cy="0"/>
+        </a:xfrm>
+      </p:grpSpPr>
+      <p:sp>
+        <p:nvSpPr>
+          <p:cNvPr id="2" name="슬라이드 이미지 개체 틀 1"/>
+          <p:cNvSpPr>
+            <a:spLocks noGrp="1" noRot="1" noChangeAspect="1"/>
+          </p:cNvSpPr>
+          <p:nvPr>
+            <p:ph type="sldImg"/>
+          </p:nvPr>
+        </p:nvSpPr>
+        <p:spPr/>
+      </p:sp>
+      <p:sp>
+        <p:nvSpPr>
+          <p:cNvPr id="3" name="슬라이드 노트 개체 틀 2"/>
+          <p:cNvSpPr>
+            <a:spLocks noGrp="1"/>
+          </p:cNvSpPr>
+          <p:nvPr>
+            <p:ph type="body" idx="1"/>
+          </p:nvPr>
+        </p:nvSpPr>
+        <p:spPr/>
+        <p:txBody>
+          <a:bodyPr/>
+          <a:lstStyle/>
+          <a:p>
+            <a:r>
+              <a:rPr lang="ko-KR" altLang="en-US" dirty="0"/>
+              <a:t>프로젝트 환경을 구성해 보겠습니다</a:t>
+            </a:r>
+            <a:r>
+              <a:rPr lang="en-US" altLang="ko-KR" dirty="0"/>
+              <a:t>.</a:t>
+            </a:r>
+          </a:p>
+          <a:p>
+            <a:endParaRPr lang="en-US" altLang="ko-KR" dirty="0"/>
+          </a:p>
+          <a:p>
+            <a:pPr marL="0" marR="0" lvl="0" indent="0" algn="l" defTabSz="685800" rtl="0" eaLnBrk="1" fontAlgn="auto" latinLnBrk="1" hangingPunct="1">
+              <a:lnSpc>
+                <a:spcPct val="100000"/>
+              </a:lnSpc>
+              <a:spcBef>
+                <a:spcPts val="0"/>
+              </a:spcBef>
+              <a:spcAft>
+                <a:spcPts val="0"/>
+              </a:spcAft>
+              <a:buClrTx/>
+              <a:buSzTx/>
+              <a:buFontTx/>
+              <a:buNone/>
+              <a:tabLst/>
+              <a:defRPr/>
+            </a:pPr>
+            <a:r>
+              <a:rPr lang="en-US" altLang="ko-KR" dirty="0"/>
+              <a:t>&lt;&lt;</a:t>
+            </a:r>
+            <a:r>
+              <a:rPr lang="ko-KR" altLang="en-US" dirty="0"/>
+              <a:t>설명</a:t>
+            </a:r>
+            <a:r>
+              <a:rPr lang="en-US" altLang="ko-KR"/>
+              <a:t>&gt;&gt;</a:t>
+            </a:r>
+          </a:p>
+          <a:p>
+            <a:endParaRPr lang="en-US" altLang="ko-KR" dirty="0"/>
+          </a:p>
+        </p:txBody>
+      </p:sp>
+      <p:sp>
+        <p:nvSpPr>
+          <p:cNvPr id="4" name="슬라이드 번호 개체 틀 3"/>
+          <p:cNvSpPr>
+            <a:spLocks noGrp="1"/>
+          </p:cNvSpPr>
+          <p:nvPr>
+            <p:ph type="sldNum" sz="quarter" idx="5"/>
+          </p:nvPr>
+        </p:nvSpPr>
+        <p:spPr/>
+        <p:txBody>
+          <a:bodyPr/>
+          <a:lstStyle/>
+          <a:p>
+            <a:fld id="{4F243B46-72FF-4656-838A-691B9EB329E3}" type="slidenum">
+              <a:rPr lang="ko-KR" altLang="en-US" smtClean="0"/>
+              <a:t>22</a:t>
+            </a:fld>
+            <a:endParaRPr lang="ko-KR" altLang="en-US"/>
+          </a:p>
+        </p:txBody>
+      </p:sp>
+    </p:spTree>
+    <p:extLst>
+      <p:ext uri="{BB962C8B-B14F-4D97-AF65-F5344CB8AC3E}">
+        <p14:creationId xmlns:p14="http://schemas.microsoft.com/office/powerpoint/2010/main" val="1490754546"/>
+      </p:ext>
+    </p:extLst>
+  </p:cSld>
+  <p:clrMapOvr>
+    <a:masterClrMapping/>
+  </p:clrMapOvr>
+</p:notes>
+</file>
+
+<file path=ppt/notesSlides/notesSlide23.xml><?xml version="1.0" encoding="utf-8"?>
+<p:notes xmlns:a="http://schemas.openxmlformats.org/drawingml/2006/main" xmlns:r="http://schemas.openxmlformats.org/officeDocument/2006/relationships" xmlns:p="http://schemas.openxmlformats.org/presentationml/2006/main">
+  <p:cSld>
+    <p:spTree>
+      <p:nvGrpSpPr>
+        <p:cNvPr id="1" name=""/>
+        <p:cNvGrpSpPr/>
+        <p:nvPr/>
+      </p:nvGrpSpPr>
+      <p:grpSpPr>
+        <a:xfrm>
+          <a:off x="0" y="0"/>
+          <a:ext cx="0" cy="0"/>
+          <a:chOff x="0" y="0"/>
+          <a:chExt cx="0" cy="0"/>
+        </a:xfrm>
+      </p:grpSpPr>
+      <p:sp>
+        <p:nvSpPr>
+          <p:cNvPr id="2" name="슬라이드 이미지 개체 틀 1"/>
+          <p:cNvSpPr>
+            <a:spLocks noGrp="1" noRot="1" noChangeAspect="1"/>
+          </p:cNvSpPr>
+          <p:nvPr>
+            <p:ph type="sldImg"/>
+          </p:nvPr>
+        </p:nvSpPr>
+        <p:spPr/>
+      </p:sp>
+      <p:sp>
+        <p:nvSpPr>
+          <p:cNvPr id="3" name="슬라이드 노트 개체 틀 2"/>
+          <p:cNvSpPr>
+            <a:spLocks noGrp="1"/>
+          </p:cNvSpPr>
+          <p:nvPr>
+            <p:ph type="body" idx="1"/>
+          </p:nvPr>
+        </p:nvSpPr>
+        <p:spPr/>
+        <p:txBody>
+          <a:bodyPr/>
+          <a:lstStyle/>
+          <a:p>
+            <a:endParaRPr lang="en-US" altLang="ko-KR" dirty="0"/>
+          </a:p>
+        </p:txBody>
+      </p:sp>
+      <p:sp>
+        <p:nvSpPr>
+          <p:cNvPr id="4" name="슬라이드 번호 개체 틀 3"/>
+          <p:cNvSpPr>
+            <a:spLocks noGrp="1"/>
+          </p:cNvSpPr>
+          <p:nvPr>
+            <p:ph type="sldNum" sz="quarter" idx="5"/>
+          </p:nvPr>
+        </p:nvSpPr>
+        <p:spPr/>
+        <p:txBody>
+          <a:bodyPr/>
+          <a:lstStyle/>
+          <a:p>
+            <a:fld id="{4F243B46-72FF-4656-838A-691B9EB329E3}" type="slidenum">
+              <a:rPr lang="ko-KR" altLang="en-US" smtClean="0"/>
+              <a:t>23</a:t>
+            </a:fld>
+            <a:endParaRPr lang="ko-KR" altLang="en-US"/>
+          </a:p>
+        </p:txBody>
+      </p:sp>
+    </p:spTree>
+    <p:extLst>
+      <p:ext uri="{BB962C8B-B14F-4D97-AF65-F5344CB8AC3E}">
+        <p14:creationId xmlns:p14="http://schemas.microsoft.com/office/powerpoint/2010/main" val="2526221007"/>
+      </p:ext>
+    </p:extLst>
+  </p:cSld>
+  <p:clrMapOvr>
+    <a:masterClrMapping/>
+  </p:clrMapOvr>
+</p:notes>
+</file>
+
+<file path=ppt/notesSlides/notesSlide24.xml><?xml version="1.0" encoding="utf-8"?>
+<p:notes xmlns:a="http://schemas.openxmlformats.org/drawingml/2006/main" xmlns:r="http://schemas.openxmlformats.org/officeDocument/2006/relationships" xmlns:p="http://schemas.openxmlformats.org/presentationml/2006/main">
+  <p:cSld>
+    <p:spTree>
+      <p:nvGrpSpPr>
+        <p:cNvPr id="1" name=""/>
+        <p:cNvGrpSpPr/>
+        <p:nvPr/>
+      </p:nvGrpSpPr>
+      <p:grpSpPr>
+        <a:xfrm>
+          <a:off x="0" y="0"/>
+          <a:ext cx="0" cy="0"/>
+          <a:chOff x="0" y="0"/>
+          <a:chExt cx="0" cy="0"/>
+        </a:xfrm>
+      </p:grpSpPr>
+      <p:sp>
+        <p:nvSpPr>
+          <p:cNvPr id="2" name="슬라이드 이미지 개체 틀 1"/>
+          <p:cNvSpPr>
+            <a:spLocks noGrp="1" noRot="1" noChangeAspect="1"/>
+          </p:cNvSpPr>
+          <p:nvPr>
+            <p:ph type="sldImg"/>
+          </p:nvPr>
+        </p:nvSpPr>
+        <p:spPr/>
+      </p:sp>
+      <p:sp>
+        <p:nvSpPr>
+          <p:cNvPr id="3" name="슬라이드 노트 개체 틀 2"/>
+          <p:cNvSpPr>
+            <a:spLocks noGrp="1"/>
+          </p:cNvSpPr>
+          <p:nvPr>
+            <p:ph type="body" idx="1"/>
+          </p:nvPr>
+        </p:nvSpPr>
+        <p:spPr/>
+        <p:txBody>
+          <a:bodyPr/>
+          <a:lstStyle/>
+          <a:p>
+            <a:endParaRPr lang="en-US" altLang="ko-KR" dirty="0"/>
+          </a:p>
+        </p:txBody>
+      </p:sp>
+      <p:sp>
+        <p:nvSpPr>
+          <p:cNvPr id="4" name="슬라이드 번호 개체 틀 3"/>
+          <p:cNvSpPr>
+            <a:spLocks noGrp="1"/>
+          </p:cNvSpPr>
+          <p:nvPr>
+            <p:ph type="sldNum" sz="quarter" idx="5"/>
+          </p:nvPr>
+        </p:nvSpPr>
+        <p:spPr/>
+        <p:txBody>
+          <a:bodyPr/>
+          <a:lstStyle/>
+          <a:p>
+            <a:fld id="{4F243B46-72FF-4656-838A-691B9EB329E3}" type="slidenum">
+              <a:rPr lang="ko-KR" altLang="en-US" smtClean="0"/>
+              <a:t>24</a:t>
+            </a:fld>
+            <a:endParaRPr lang="ko-KR" altLang="en-US"/>
+          </a:p>
+        </p:txBody>
+      </p:sp>
+    </p:spTree>
+    <p:extLst>
+      <p:ext uri="{BB962C8B-B14F-4D97-AF65-F5344CB8AC3E}">
+        <p14:creationId xmlns:p14="http://schemas.microsoft.com/office/powerpoint/2010/main" val="2110795731"/>
+      </p:ext>
+    </p:extLst>
+  </p:cSld>
+  <p:clrMapOvr>
+    <a:masterClrMapping/>
+  </p:clrMapOvr>
+</p:notes>
+</file>
+
+<file path=ppt/notesSlides/notesSlide25.xml><?xml version="1.0" encoding="utf-8"?>
+<p:notes xmlns:a="http://schemas.openxmlformats.org/drawingml/2006/main" xmlns:r="http://schemas.openxmlformats.org/officeDocument/2006/relationships" xmlns:p="http://schemas.openxmlformats.org/presentationml/2006/main">
+  <p:cSld>
+    <p:spTree>
+      <p:nvGrpSpPr>
+        <p:cNvPr id="1" name=""/>
+        <p:cNvGrpSpPr/>
+        <p:nvPr/>
+      </p:nvGrpSpPr>
+      <p:grpSpPr>
+        <a:xfrm>
+          <a:off x="0" y="0"/>
+          <a:ext cx="0" cy="0"/>
+          <a:chOff x="0" y="0"/>
+          <a:chExt cx="0" cy="0"/>
+        </a:xfrm>
+      </p:grpSpPr>
+      <p:sp>
+        <p:nvSpPr>
+          <p:cNvPr id="2" name="슬라이드 이미지 개체 틀 1"/>
+          <p:cNvSpPr>
+            <a:spLocks noGrp="1" noRot="1" noChangeAspect="1"/>
+          </p:cNvSpPr>
+          <p:nvPr>
+            <p:ph type="sldImg"/>
+          </p:nvPr>
+        </p:nvSpPr>
+        <p:spPr/>
+      </p:sp>
+      <p:sp>
+        <p:nvSpPr>
+          <p:cNvPr id="3" name="슬라이드 노트 개체 틀 2"/>
+          <p:cNvSpPr>
+            <a:spLocks noGrp="1"/>
+          </p:cNvSpPr>
+          <p:nvPr>
+            <p:ph type="body" idx="1"/>
+          </p:nvPr>
+        </p:nvSpPr>
+        <p:spPr/>
+        <p:txBody>
+          <a:bodyPr/>
+          <a:lstStyle/>
+          <a:p>
+            <a:endParaRPr lang="en-US" altLang="ko-KR" dirty="0"/>
+          </a:p>
+        </p:txBody>
+      </p:sp>
+      <p:sp>
+        <p:nvSpPr>
+          <p:cNvPr id="4" name="슬라이드 번호 개체 틀 3"/>
+          <p:cNvSpPr>
+            <a:spLocks noGrp="1"/>
+          </p:cNvSpPr>
+          <p:nvPr>
+            <p:ph type="sldNum" sz="quarter" idx="5"/>
+          </p:nvPr>
+        </p:nvSpPr>
+        <p:spPr/>
+        <p:txBody>
+          <a:bodyPr/>
+          <a:lstStyle/>
+          <a:p>
+            <a:fld id="{4F243B46-72FF-4656-838A-691B9EB329E3}" type="slidenum">
+              <a:rPr lang="ko-KR" altLang="en-US" smtClean="0"/>
+              <a:t>25</a:t>
+            </a:fld>
+            <a:endParaRPr lang="ko-KR" altLang="en-US"/>
+          </a:p>
+        </p:txBody>
+      </p:sp>
+    </p:spTree>
+    <p:extLst>
+      <p:ext uri="{BB962C8B-B14F-4D97-AF65-F5344CB8AC3E}">
+        <p14:creationId xmlns:p14="http://schemas.microsoft.com/office/powerpoint/2010/main" val="941068952"/>
+      </p:ext>
+    </p:extLst>
+  </p:cSld>
+  <p:clrMapOvr>
+    <a:masterClrMapping/>
+  </p:clrMapOvr>
+</p:notes>
+</file>
+
 <file path=ppt/notesSlides/notesSlide3.xml><?xml version="1.0" encoding="utf-8"?>
 <p:notes xmlns:a="http://schemas.openxmlformats.org/drawingml/2006/main" xmlns:r="http://schemas.openxmlformats.org/officeDocument/2006/relationships" xmlns:p="http://schemas.openxmlformats.org/presentationml/2006/main">
   <p:cSld>
@@ -1534,6 +3220,433 @@
         <p:txBody>
           <a:bodyPr/>
           <a:lstStyle/>
+          <a:p>
+            <a:r>
+              <a:rPr lang="en-US" altLang="ko-KR" dirty="0"/>
+              <a:t>PSP(Payment Service Provider, </a:t>
+            </a:r>
+            <a:r>
+              <a:rPr lang="ko-KR" altLang="en-US" dirty="0"/>
+              <a:t>다른 용어로 </a:t>
+            </a:r>
+            <a:r>
+              <a:rPr lang="en-US" altLang="ko-KR" dirty="0"/>
+              <a:t>Payment</a:t>
+            </a:r>
+            <a:r>
+              <a:rPr lang="ko-KR" altLang="en-US" dirty="0"/>
+              <a:t> </a:t>
+            </a:r>
+            <a:r>
+              <a:rPr lang="en-US" altLang="ko-KR" dirty="0"/>
+              <a:t>Gateway)</a:t>
+            </a:r>
+            <a:r>
+              <a:rPr lang="ko-KR" altLang="en-US" dirty="0"/>
+              <a:t>를 도입하면</a:t>
+            </a:r>
+            <a:r>
+              <a:rPr lang="en-US" altLang="ko-KR" dirty="0"/>
+              <a:t>, </a:t>
+            </a:r>
+            <a:r>
+              <a:rPr lang="ko-KR" altLang="en-US" dirty="0"/>
+              <a:t>보안 투자비용을 아낄 수 있어</a:t>
+            </a:r>
+            <a:r>
+              <a:rPr lang="en-US" altLang="ko-KR" dirty="0"/>
+              <a:t>, </a:t>
+            </a:r>
+            <a:r>
+              <a:rPr lang="ko-KR" altLang="en-US" dirty="0"/>
+              <a:t>사업초반 전자상거래 플랫폼 구현 및 운영비용을 상당히 아낄 수 있습니다</a:t>
+            </a:r>
+            <a:r>
+              <a:rPr lang="en-US" altLang="ko-KR" dirty="0"/>
+              <a:t>.</a:t>
+            </a:r>
+          </a:p>
+          <a:p>
+            <a:endParaRPr lang="en-US" altLang="ko-KR" dirty="0"/>
+          </a:p>
+          <a:p>
+            <a:r>
+              <a:rPr lang="en-US" altLang="ko-KR" dirty="0"/>
+              <a:t>PCI DSS (Payment Card Industry Data Security Standard) Level 1 &gt;&gt;&gt; </a:t>
+            </a:r>
+            <a:r>
+              <a:rPr lang="ko-KR" altLang="en-US" dirty="0"/>
+              <a:t>대한민국 전자금융법</a:t>
+            </a:r>
+            <a:endParaRPr lang="en-US" altLang="ko-KR" dirty="0"/>
+          </a:p>
+          <a:p>
+            <a:r>
+              <a:rPr lang="en-US" altLang="ko-KR" dirty="0"/>
+              <a:t>- </a:t>
+            </a:r>
+            <a:r>
+              <a:rPr lang="ko-KR" altLang="en-US" dirty="0"/>
+              <a:t>결제카드산업 데이터 보안표준의 약자로 카드사에서 만든 </a:t>
+            </a:r>
+            <a:r>
+              <a:rPr lang="en-US" altLang="ko-KR" dirty="0"/>
+              <a:t>PCI </a:t>
+            </a:r>
+            <a:r>
+              <a:rPr lang="ko-KR" altLang="en-US" dirty="0"/>
+              <a:t>보안표준위원회에서 심사한다</a:t>
+            </a:r>
+            <a:r>
+              <a:rPr lang="en-US" altLang="ko-KR" dirty="0"/>
+              <a:t>.</a:t>
+            </a:r>
+          </a:p>
+          <a:p>
+            <a:r>
+              <a:rPr lang="en-US" altLang="ko-KR" dirty="0"/>
+              <a:t>- </a:t>
+            </a:r>
+            <a:r>
+              <a:rPr lang="ko-KR" altLang="en-US" dirty="0"/>
+              <a:t>카드사에서 설립한 자율기구지만</a:t>
+            </a:r>
+            <a:r>
+              <a:rPr lang="en-US" altLang="ko-KR" dirty="0"/>
+              <a:t>, </a:t>
+            </a:r>
+            <a:r>
+              <a:rPr lang="ko-KR" altLang="en-US" dirty="0"/>
+              <a:t>심사는 매우 까다롭고 엄격하며 대한민국의 전자금융법보다 준수가 훨씬 어려운 것으로 알려져 있습니다</a:t>
+            </a:r>
+            <a:r>
+              <a:rPr lang="en-US" altLang="ko-KR" dirty="0"/>
+              <a:t>.</a:t>
+            </a:r>
+          </a:p>
+          <a:p>
+            <a:r>
+              <a:rPr lang="en-US" altLang="ko-KR" dirty="0"/>
+              <a:t>- </a:t>
+            </a:r>
+            <a:r>
+              <a:rPr lang="ko-KR" altLang="en-US" dirty="0"/>
+              <a:t>카드 정보를 저장하기 위해서는 가장 취득이 어려운 레벨 </a:t>
+            </a:r>
+            <a:r>
+              <a:rPr lang="en-US" altLang="ko-KR" dirty="0"/>
+              <a:t>1</a:t>
+            </a:r>
+            <a:r>
+              <a:rPr lang="ko-KR" altLang="en-US" dirty="0"/>
+              <a:t>을 획득해야 하는데</a:t>
+            </a:r>
+            <a:r>
+              <a:rPr lang="en-US" altLang="ko-KR" dirty="0"/>
+              <a:t>, </a:t>
+            </a:r>
+            <a:r>
+              <a:rPr lang="ko-KR" altLang="en-US" dirty="0"/>
+              <a:t>네트워크 보안</a:t>
+            </a:r>
+            <a:r>
+              <a:rPr lang="en-US" altLang="ko-KR" dirty="0"/>
+              <a:t>, </a:t>
+            </a:r>
+            <a:r>
+              <a:rPr lang="ko-KR" altLang="en-US" dirty="0"/>
+              <a:t>카드 소유자 데이터 보호</a:t>
+            </a:r>
+            <a:r>
+              <a:rPr lang="en-US" altLang="ko-KR" dirty="0"/>
+              <a:t>, </a:t>
+            </a:r>
+            <a:r>
+              <a:rPr lang="ko-KR" altLang="en-US" dirty="0"/>
+              <a:t>취약점 </a:t>
+            </a:r>
+            <a:r>
+              <a:rPr lang="ko-KR" altLang="en-US" dirty="0" err="1"/>
+              <a:t>관리등</a:t>
+            </a:r>
+            <a:r>
+              <a:rPr lang="ko-KR" altLang="en-US" dirty="0"/>
+              <a:t> </a:t>
+            </a:r>
+            <a:r>
+              <a:rPr lang="en-US" altLang="ko-KR" dirty="0"/>
+              <a:t>1</a:t>
+            </a:r>
+            <a:r>
+              <a:rPr lang="ko-KR" altLang="en-US" dirty="0"/>
+              <a:t>개 영역 </a:t>
+            </a:r>
+            <a:r>
+              <a:rPr lang="en-US" altLang="ko-KR" dirty="0"/>
+              <a:t>415</a:t>
+            </a:r>
+            <a:r>
+              <a:rPr lang="ko-KR" altLang="en-US" dirty="0"/>
+              <a:t>개 세부항목을 매년 엄격하게 평가받아야 합니다</a:t>
+            </a:r>
+            <a:r>
+              <a:rPr lang="en-US" altLang="ko-KR" dirty="0"/>
+              <a:t>.</a:t>
+            </a:r>
+          </a:p>
+          <a:p>
+            <a:endParaRPr lang="en-US" altLang="ko-KR" dirty="0"/>
+          </a:p>
+          <a:p>
+            <a:r>
+              <a:rPr lang="en-US" altLang="ko-KR" dirty="0"/>
+              <a:t>PSD2 (Payment Services Directive version 2, </a:t>
+            </a:r>
+            <a:r>
+              <a:rPr lang="ko-KR" altLang="en-US" dirty="0"/>
+              <a:t>개정된 지불서비스 지침</a:t>
+            </a:r>
+            <a:r>
+              <a:rPr lang="en-US" altLang="ko-KR" dirty="0"/>
+              <a:t>)</a:t>
+            </a:r>
+          </a:p>
+          <a:p>
+            <a:r>
+              <a:rPr lang="en-US" altLang="ko-KR" dirty="0"/>
+              <a:t>- </a:t>
+            </a:r>
+            <a:r>
+              <a:rPr lang="ko-KR" altLang="en-US" dirty="0"/>
+              <a:t>유럽 지급위원회에서 만든 보안표준</a:t>
+            </a:r>
+            <a:endParaRPr lang="en-US" altLang="ko-KR" dirty="0"/>
+          </a:p>
+          <a:p>
+            <a:endParaRPr lang="en-US" altLang="ko-KR" dirty="0"/>
+          </a:p>
+          <a:p>
+            <a:r>
+              <a:rPr lang="en-US" altLang="ko-KR" dirty="0"/>
+              <a:t>AML (Anti-Money Laundering, </a:t>
+            </a:r>
+            <a:r>
+              <a:rPr lang="ko-KR" altLang="en-US" dirty="0"/>
+              <a:t>자금세탁방지</a:t>
+            </a:r>
+            <a:r>
+              <a:rPr lang="en-US" altLang="ko-KR" dirty="0"/>
+              <a:t>), CFT (Combating the Financing of Terrorism, </a:t>
+            </a:r>
+            <a:r>
+              <a:rPr lang="ko-KR" altLang="en-US" dirty="0"/>
+              <a:t>테러자금조달방지</a:t>
+            </a:r>
+            <a:r>
+              <a:rPr lang="en-US" altLang="ko-KR" dirty="0"/>
+              <a:t>)</a:t>
+            </a:r>
+          </a:p>
+          <a:p>
+            <a:r>
+              <a:rPr lang="en-US" altLang="ko-KR" dirty="0"/>
+              <a:t>- </a:t>
+            </a:r>
+            <a:r>
+              <a:rPr lang="ko-KR" altLang="en-US" dirty="0"/>
+              <a:t>각국 정부에서 만든 자금세탁방지 규제법률</a:t>
+            </a:r>
+            <a:endParaRPr lang="en-US" altLang="ko-KR" dirty="0"/>
+          </a:p>
+          <a:p>
+            <a:endParaRPr lang="en-US" altLang="ko-KR" dirty="0"/>
+          </a:p>
+          <a:p>
+            <a:r>
+              <a:rPr lang="en-US" altLang="ko-KR" dirty="0"/>
+              <a:t>KYC (Know Your Customer)</a:t>
+            </a:r>
+          </a:p>
+          <a:p>
+            <a:r>
+              <a:rPr lang="en-US" altLang="ko-KR" dirty="0"/>
+              <a:t>- </a:t>
+            </a:r>
+            <a:r>
+              <a:rPr lang="ko-KR" altLang="en-US" dirty="0"/>
+              <a:t>고객 신원 확인</a:t>
+            </a:r>
+            <a:r>
+              <a:rPr lang="en-US" altLang="ko-KR" dirty="0"/>
+              <a:t>, AML </a:t>
+            </a:r>
+            <a:r>
+              <a:rPr lang="ko-KR" altLang="en-US" dirty="0"/>
+              <a:t>의무를 이행하기 위해 필요</a:t>
+            </a:r>
+            <a:endParaRPr lang="en-US" altLang="ko-KR" dirty="0"/>
+          </a:p>
+          <a:p>
+            <a:endParaRPr lang="en-US" altLang="ko-KR" dirty="0"/>
+          </a:p>
+          <a:p>
+            <a:r>
+              <a:rPr lang="ko-KR" altLang="en-US" dirty="0"/>
+              <a:t>전자금융 관련 규제는 나라마다 조금씩 다르기 때문에</a:t>
+            </a:r>
+            <a:r>
+              <a:rPr lang="en-US" altLang="ko-KR" dirty="0"/>
+              <a:t>, </a:t>
+            </a:r>
+            <a:r>
+              <a:rPr lang="ko-KR" altLang="en-US" dirty="0"/>
+              <a:t>만약 글로벌 사업이라면 나라마다 결제서비스를 다르게 구현해야 하는 부담도 있습니다</a:t>
+            </a:r>
+            <a:r>
+              <a:rPr lang="en-US" altLang="ko-KR" dirty="0"/>
+              <a:t>.</a:t>
+            </a:r>
+          </a:p>
+          <a:p>
+            <a:endParaRPr lang="en-US" altLang="ko-KR" dirty="0"/>
+          </a:p>
+          <a:p>
+            <a:r>
+              <a:rPr lang="ko-KR" altLang="en-US" dirty="0"/>
+              <a:t>기업은행은 </a:t>
+            </a:r>
+            <a:r>
+              <a:rPr lang="en-US" altLang="ko-KR" dirty="0"/>
+              <a:t>2011</a:t>
+            </a:r>
+            <a:r>
+              <a:rPr lang="ko-KR" altLang="en-US" dirty="0"/>
+              <a:t>년 이란이 </a:t>
+            </a:r>
+            <a:r>
+              <a:rPr lang="en-US" altLang="ko-KR" dirty="0"/>
+              <a:t>1</a:t>
+            </a:r>
+            <a:r>
+              <a:rPr lang="ko-KR" altLang="en-US" dirty="0"/>
+              <a:t>조를 출금하는 것을 막지 못했는데요</a:t>
+            </a:r>
+            <a:r>
+              <a:rPr lang="en-US" altLang="ko-KR" dirty="0"/>
+              <a:t>. AML </a:t>
+            </a:r>
+            <a:r>
+              <a:rPr lang="ko-KR" altLang="en-US" dirty="0"/>
+              <a:t>컴플라이언스를 갖추지 못했다는 이유로</a:t>
+            </a:r>
+            <a:r>
+              <a:rPr lang="en-US" altLang="ko-KR" dirty="0"/>
+              <a:t>, </a:t>
+            </a:r>
+            <a:r>
+              <a:rPr lang="ko-KR" altLang="en-US" dirty="0"/>
+              <a:t>미 당국에 </a:t>
+            </a:r>
+            <a:r>
+              <a:rPr lang="en-US" altLang="ko-KR" dirty="0"/>
+              <a:t>2020</a:t>
+            </a:r>
+            <a:r>
+              <a:rPr lang="ko-KR" altLang="en-US" dirty="0"/>
+              <a:t>년 </a:t>
+            </a:r>
+            <a:r>
+              <a:rPr lang="en-US" altLang="ko-KR" dirty="0"/>
+              <a:t>1000</a:t>
+            </a:r>
+            <a:r>
+              <a:rPr lang="ko-KR" altLang="en-US" dirty="0"/>
+              <a:t>억의 벌금을 납부하였습니다</a:t>
+            </a:r>
+            <a:r>
+              <a:rPr lang="en-US" altLang="ko-KR" dirty="0"/>
+              <a:t>.</a:t>
+            </a:r>
+          </a:p>
+          <a:p>
+            <a:endParaRPr lang="en-US" altLang="ko-KR" dirty="0"/>
+          </a:p>
+          <a:p>
+            <a:r>
+              <a:rPr lang="ko-KR" altLang="en-US" dirty="0"/>
+              <a:t>컴플라이언스를 갖추지 못했다면</a:t>
+            </a:r>
+            <a:r>
+              <a:rPr lang="en-US" altLang="ko-KR" dirty="0"/>
+              <a:t>, </a:t>
+            </a:r>
+            <a:r>
+              <a:rPr lang="ko-KR" altLang="en-US" dirty="0"/>
+              <a:t>왠만한 회사는 망합니다</a:t>
+            </a:r>
+            <a:r>
+              <a:rPr lang="en-US" altLang="ko-KR" dirty="0"/>
+              <a:t>.</a:t>
+            </a:r>
+          </a:p>
+          <a:p>
+            <a:endParaRPr lang="en-US" altLang="ko-KR" dirty="0"/>
+          </a:p>
+          <a:p>
+            <a:r>
+              <a:rPr lang="ko-KR" altLang="en-US" dirty="0"/>
+              <a:t>암호화폐 거래소 실명계좌 발급에 은행이 난색을 표하는 이유이기도 한데요</a:t>
+            </a:r>
+            <a:r>
+              <a:rPr lang="en-US" altLang="ko-KR" dirty="0"/>
+              <a:t>.</a:t>
+            </a:r>
+          </a:p>
+          <a:p>
+            <a:endParaRPr lang="en-US" altLang="ko-KR" dirty="0"/>
+          </a:p>
+          <a:p>
+            <a:r>
+              <a:rPr lang="ko-KR" altLang="en-US" dirty="0"/>
+              <a:t>암호화폐는 태생적으로 고객 확인이 어렵습니다</a:t>
+            </a:r>
+            <a:r>
+              <a:rPr lang="en-US" altLang="ko-KR" dirty="0"/>
+              <a:t>. </a:t>
+            </a:r>
+            <a:r>
+              <a:rPr lang="ko-KR" altLang="en-US" dirty="0"/>
+              <a:t>거래 행위는 원장에 투명하게 기록되지만</a:t>
+            </a:r>
+            <a:r>
+              <a:rPr lang="en-US" altLang="ko-KR" dirty="0"/>
+              <a:t>, </a:t>
+            </a:r>
+            <a:r>
+              <a:rPr lang="ko-KR" altLang="en-US" dirty="0"/>
+              <a:t>거래 주체를 확인하기 어렵기 때문인데요</a:t>
+            </a:r>
+            <a:r>
+              <a:rPr lang="en-US" altLang="ko-KR" dirty="0"/>
+              <a:t>. </a:t>
+            </a:r>
+            <a:r>
+              <a:rPr lang="ko-KR" altLang="en-US" dirty="0"/>
+              <a:t>이 때문에</a:t>
+            </a:r>
+            <a:r>
+              <a:rPr lang="en-US" altLang="ko-KR" dirty="0"/>
+              <a:t>, </a:t>
+            </a:r>
+            <a:r>
+              <a:rPr lang="ko-KR" altLang="en-US" dirty="0"/>
+              <a:t>실명계좌 발급으로 얻는 수수료 이익보다 컴플라이언스 위반으로 부과될 수 있는 과징금 리스크가 더 크기 때문입니다</a:t>
+            </a:r>
+            <a:r>
+              <a:rPr lang="en-US" altLang="ko-KR" dirty="0"/>
+              <a:t>.</a:t>
+            </a:r>
+          </a:p>
           <a:p>
             <a:endParaRPr lang="en-US" altLang="ko-KR" dirty="0"/>
           </a:p>
@@ -1619,423 +3732,7 @@
           <a:bodyPr/>
           <a:lstStyle/>
           <a:p>
-            <a:r>
-              <a:rPr lang="en-US" altLang="ko-KR" dirty="0"/>
-              <a:t>Payment Service Provider, Payment</a:t>
-            </a:r>
-            <a:r>
-              <a:rPr lang="ko-KR" altLang="en-US" dirty="0"/>
-              <a:t> </a:t>
-            </a:r>
-            <a:r>
-              <a:rPr lang="en-US" altLang="ko-KR" dirty="0"/>
-              <a:t>Gateway </a:t>
-            </a:r>
-            <a:r>
-              <a:rPr lang="ko-KR" altLang="en-US" dirty="0"/>
-              <a:t>를 도입하면</a:t>
-            </a:r>
-            <a:r>
-              <a:rPr lang="en-US" altLang="ko-KR" dirty="0"/>
-              <a:t>, </a:t>
-            </a:r>
-            <a:r>
-              <a:rPr lang="ko-KR" altLang="en-US" dirty="0"/>
-              <a:t>보안 투자비용을 아낄 수 있어</a:t>
-            </a:r>
-            <a:r>
-              <a:rPr lang="en-US" altLang="ko-KR" dirty="0"/>
-              <a:t>, </a:t>
-            </a:r>
-            <a:r>
-              <a:rPr lang="ko-KR" altLang="en-US" dirty="0"/>
-              <a:t>사업초반 전자상거래 플랫폼 구현 및 운영비용을 상당히 아낄 수 있습니다</a:t>
-            </a:r>
-            <a:r>
-              <a:rPr lang="en-US" altLang="ko-KR" dirty="0"/>
-              <a:t>.</a:t>
-            </a:r>
-          </a:p>
-          <a:p>
             <a:endParaRPr lang="en-US" altLang="ko-KR" dirty="0"/>
-          </a:p>
-          <a:p>
-            <a:r>
-              <a:rPr lang="en-US" altLang="ko-KR" dirty="0"/>
-              <a:t>PCI DSS (Payment Card Industry Data Security Standard) Level 1 &gt;&gt;&gt; </a:t>
-            </a:r>
-            <a:r>
-              <a:rPr lang="ko-KR" altLang="en-US" dirty="0"/>
-              <a:t>대한민국 전자금융법</a:t>
-            </a:r>
-            <a:endParaRPr lang="en-US" altLang="ko-KR" dirty="0"/>
-          </a:p>
-          <a:p>
-            <a:r>
-              <a:rPr lang="en-US" altLang="ko-KR" dirty="0"/>
-              <a:t>- </a:t>
-            </a:r>
-            <a:r>
-              <a:rPr lang="ko-KR" altLang="en-US" dirty="0"/>
-              <a:t>결제카드산업 데이터 보안표준의 약자로 카드사에서 만든 </a:t>
-            </a:r>
-            <a:r>
-              <a:rPr lang="en-US" altLang="ko-KR" dirty="0"/>
-              <a:t>PCI </a:t>
-            </a:r>
-            <a:r>
-              <a:rPr lang="ko-KR" altLang="en-US" dirty="0"/>
-              <a:t>보안표준위원회에서 심사한다</a:t>
-            </a:r>
-            <a:r>
-              <a:rPr lang="en-US" altLang="ko-KR" dirty="0"/>
-              <a:t>.</a:t>
-            </a:r>
-          </a:p>
-          <a:p>
-            <a:r>
-              <a:rPr lang="en-US" altLang="ko-KR" dirty="0"/>
-              <a:t>- </a:t>
-            </a:r>
-            <a:r>
-              <a:rPr lang="ko-KR" altLang="en-US" dirty="0"/>
-              <a:t>카드사에서 설립한 자율기구지만</a:t>
-            </a:r>
-            <a:r>
-              <a:rPr lang="en-US" altLang="ko-KR" dirty="0"/>
-              <a:t>, </a:t>
-            </a:r>
-            <a:r>
-              <a:rPr lang="ko-KR" altLang="en-US" dirty="0"/>
-              <a:t>심사는 매우 까다롭고 엄격하며 대한민국의 전자금융법보다 준수가 훨씬 어려운 것으로 알려져 있습니다</a:t>
-            </a:r>
-            <a:r>
-              <a:rPr lang="en-US" altLang="ko-KR" dirty="0"/>
-              <a:t>.</a:t>
-            </a:r>
-          </a:p>
-          <a:p>
-            <a:r>
-              <a:rPr lang="en-US" altLang="ko-KR" dirty="0"/>
-              <a:t>- </a:t>
-            </a:r>
-            <a:r>
-              <a:rPr lang="ko-KR" altLang="en-US" dirty="0"/>
-              <a:t>카드 정보를 저장하기 위해서는 가장 취득이 어려운 레벨 </a:t>
-            </a:r>
-            <a:r>
-              <a:rPr lang="en-US" altLang="ko-KR" dirty="0"/>
-              <a:t>1</a:t>
-            </a:r>
-            <a:r>
-              <a:rPr lang="ko-KR" altLang="en-US" dirty="0"/>
-              <a:t>을 획득해야 하는데</a:t>
-            </a:r>
-            <a:r>
-              <a:rPr lang="en-US" altLang="ko-KR" dirty="0"/>
-              <a:t>, </a:t>
-            </a:r>
-            <a:r>
-              <a:rPr lang="ko-KR" altLang="en-US" dirty="0"/>
-              <a:t>네트워크 보안</a:t>
-            </a:r>
-            <a:r>
-              <a:rPr lang="en-US" altLang="ko-KR" dirty="0"/>
-              <a:t>, </a:t>
-            </a:r>
-            <a:r>
-              <a:rPr lang="ko-KR" altLang="en-US" dirty="0"/>
-              <a:t>카드 소유자 데이터 보호</a:t>
-            </a:r>
-            <a:r>
-              <a:rPr lang="en-US" altLang="ko-KR" dirty="0"/>
-              <a:t>, </a:t>
-            </a:r>
-            <a:r>
-              <a:rPr lang="ko-KR" altLang="en-US" dirty="0"/>
-              <a:t>취약점 </a:t>
-            </a:r>
-            <a:r>
-              <a:rPr lang="ko-KR" altLang="en-US" dirty="0" err="1"/>
-              <a:t>관리등</a:t>
-            </a:r>
-            <a:r>
-              <a:rPr lang="ko-KR" altLang="en-US" dirty="0"/>
-              <a:t> </a:t>
-            </a:r>
-            <a:r>
-              <a:rPr lang="en-US" altLang="ko-KR" dirty="0"/>
-              <a:t>1</a:t>
-            </a:r>
-            <a:r>
-              <a:rPr lang="ko-KR" altLang="en-US" dirty="0"/>
-              <a:t>개 영역 </a:t>
-            </a:r>
-            <a:r>
-              <a:rPr lang="en-US" altLang="ko-KR" dirty="0"/>
-              <a:t>415</a:t>
-            </a:r>
-            <a:r>
-              <a:rPr lang="ko-KR" altLang="en-US" dirty="0"/>
-              <a:t>개 세부항목을 매년 엄격하게 평가받아야 합니다</a:t>
-            </a:r>
-            <a:r>
-              <a:rPr lang="en-US" altLang="ko-KR" dirty="0"/>
-              <a:t>.</a:t>
-            </a:r>
-          </a:p>
-          <a:p>
-            <a:endParaRPr lang="en-US" altLang="ko-KR" dirty="0"/>
-          </a:p>
-          <a:p>
-            <a:r>
-              <a:rPr lang="en-US" altLang="ko-KR" dirty="0"/>
-              <a:t>PSD2 (Payment Services Directive version 2, </a:t>
-            </a:r>
-            <a:r>
-              <a:rPr lang="ko-KR" altLang="en-US" dirty="0"/>
-              <a:t>개정된 지불서비스 지침</a:t>
-            </a:r>
-            <a:r>
-              <a:rPr lang="en-US" altLang="ko-KR" dirty="0"/>
-              <a:t>)</a:t>
-            </a:r>
-          </a:p>
-          <a:p>
-            <a:r>
-              <a:rPr lang="en-US" altLang="ko-KR" dirty="0"/>
-              <a:t>- </a:t>
-            </a:r>
-            <a:r>
-              <a:rPr lang="ko-KR" altLang="en-US" dirty="0"/>
-              <a:t>유럽 지급위원회에서 만든 보안표준</a:t>
-            </a:r>
-            <a:endParaRPr lang="en-US" altLang="ko-KR" dirty="0"/>
-          </a:p>
-          <a:p>
-            <a:endParaRPr lang="en-US" altLang="ko-KR" dirty="0"/>
-          </a:p>
-          <a:p>
-            <a:r>
-              <a:rPr lang="en-US" altLang="ko-KR" dirty="0"/>
-              <a:t>AML (Anti-Money Laundering, </a:t>
-            </a:r>
-            <a:r>
-              <a:rPr lang="ko-KR" altLang="en-US" dirty="0"/>
-              <a:t>자금세탁방지</a:t>
-            </a:r>
-            <a:r>
-              <a:rPr lang="en-US" altLang="ko-KR" dirty="0"/>
-              <a:t>), CFT (Combating the Financing of Terrorism, </a:t>
-            </a:r>
-            <a:r>
-              <a:rPr lang="ko-KR" altLang="en-US" dirty="0"/>
-              <a:t>테러자금조달방지</a:t>
-            </a:r>
-            <a:r>
-              <a:rPr lang="en-US" altLang="ko-KR" dirty="0"/>
-              <a:t>)</a:t>
-            </a:r>
-          </a:p>
-          <a:p>
-            <a:r>
-              <a:rPr lang="en-US" altLang="ko-KR" dirty="0"/>
-              <a:t>- </a:t>
-            </a:r>
-            <a:r>
-              <a:rPr lang="ko-KR" altLang="en-US" dirty="0"/>
-              <a:t>각국 정부에서 만든 자금세탁방지 규제법률</a:t>
-            </a:r>
-            <a:endParaRPr lang="en-US" altLang="ko-KR" dirty="0"/>
-          </a:p>
-          <a:p>
-            <a:endParaRPr lang="en-US" altLang="ko-KR" dirty="0"/>
-          </a:p>
-          <a:p>
-            <a:r>
-              <a:rPr lang="en-US" altLang="ko-KR" dirty="0"/>
-              <a:t>KYC (Know Your Customer)</a:t>
-            </a:r>
-          </a:p>
-          <a:p>
-            <a:r>
-              <a:rPr lang="en-US" altLang="ko-KR" dirty="0"/>
-              <a:t>- </a:t>
-            </a:r>
-            <a:r>
-              <a:rPr lang="ko-KR" altLang="en-US" dirty="0"/>
-              <a:t>고객 신원 확인</a:t>
-            </a:r>
-            <a:r>
-              <a:rPr lang="en-US" altLang="ko-KR" dirty="0"/>
-              <a:t>, AML </a:t>
-            </a:r>
-            <a:r>
-              <a:rPr lang="ko-KR" altLang="en-US" dirty="0"/>
-              <a:t>의무를 이행하기 위해 필요</a:t>
-            </a:r>
-            <a:endParaRPr lang="en-US" altLang="ko-KR" dirty="0"/>
-          </a:p>
-          <a:p>
-            <a:endParaRPr lang="en-US" altLang="ko-KR" dirty="0"/>
-          </a:p>
-          <a:p>
-            <a:r>
-              <a:rPr lang="ko-KR" altLang="en-US" dirty="0"/>
-              <a:t>전자금융 관련 규제는 나라마다 조금씩 다르기 때문에</a:t>
-            </a:r>
-            <a:r>
-              <a:rPr lang="en-US" altLang="ko-KR" dirty="0"/>
-              <a:t>, </a:t>
-            </a:r>
-            <a:r>
-              <a:rPr lang="ko-KR" altLang="en-US" dirty="0"/>
-              <a:t>만약 글로벌 사업이라면 나라마다 결제서비스를 다르게 구현해야 하는 부담도 있습니다</a:t>
-            </a:r>
-            <a:r>
-              <a:rPr lang="en-US" altLang="ko-KR" dirty="0"/>
-              <a:t>.</a:t>
-            </a:r>
-          </a:p>
-          <a:p>
-            <a:endParaRPr lang="en-US" altLang="ko-KR" dirty="0"/>
-          </a:p>
-          <a:p>
-            <a:r>
-              <a:rPr lang="ko-KR" altLang="en-US" dirty="0"/>
-              <a:t>기업은행은 </a:t>
-            </a:r>
-            <a:r>
-              <a:rPr lang="en-US" altLang="ko-KR" dirty="0"/>
-              <a:t>2011</a:t>
-            </a:r>
-            <a:r>
-              <a:rPr lang="ko-KR" altLang="en-US" dirty="0"/>
-              <a:t>년 이란이 </a:t>
-            </a:r>
-            <a:r>
-              <a:rPr lang="en-US" altLang="ko-KR" dirty="0"/>
-              <a:t>1</a:t>
-            </a:r>
-            <a:r>
-              <a:rPr lang="ko-KR" altLang="en-US" dirty="0"/>
-              <a:t>조를 출금하는 것을 막지 못했는데요</a:t>
-            </a:r>
-            <a:r>
-              <a:rPr lang="en-US" altLang="ko-KR" dirty="0"/>
-              <a:t>. AML </a:t>
-            </a:r>
-            <a:r>
-              <a:rPr lang="ko-KR" altLang="en-US" dirty="0"/>
-              <a:t>컴플라이언스를 갖추지 못했다는 이유로</a:t>
-            </a:r>
-            <a:r>
-              <a:rPr lang="en-US" altLang="ko-KR" dirty="0"/>
-              <a:t>, </a:t>
-            </a:r>
-            <a:r>
-              <a:rPr lang="ko-KR" altLang="en-US" dirty="0"/>
-              <a:t>미 당국에 </a:t>
-            </a:r>
-            <a:r>
-              <a:rPr lang="en-US" altLang="ko-KR" dirty="0"/>
-              <a:t>2020</a:t>
-            </a:r>
-            <a:r>
-              <a:rPr lang="ko-KR" altLang="en-US" dirty="0"/>
-              <a:t>년 </a:t>
-            </a:r>
-            <a:r>
-              <a:rPr lang="en-US" altLang="ko-KR" dirty="0"/>
-              <a:t>1000</a:t>
-            </a:r>
-            <a:r>
-              <a:rPr lang="ko-KR" altLang="en-US" dirty="0"/>
-              <a:t>억의 벌금을 납부하였습니다</a:t>
-            </a:r>
-            <a:r>
-              <a:rPr lang="en-US" altLang="ko-KR" dirty="0"/>
-              <a:t>.</a:t>
-            </a:r>
-          </a:p>
-          <a:p>
-            <a:endParaRPr lang="en-US" altLang="ko-KR" dirty="0"/>
-          </a:p>
-          <a:p>
-            <a:r>
-              <a:rPr lang="ko-KR" altLang="en-US" dirty="0"/>
-              <a:t>컴플라이언스를 갖추지 못했다면</a:t>
-            </a:r>
-            <a:r>
-              <a:rPr lang="en-US" altLang="ko-KR" dirty="0"/>
-              <a:t>, </a:t>
-            </a:r>
-            <a:r>
-              <a:rPr lang="ko-KR" altLang="en-US" dirty="0"/>
-              <a:t>왠만한 회사는 망합니다</a:t>
-            </a:r>
-            <a:r>
-              <a:rPr lang="en-US" altLang="ko-KR" dirty="0"/>
-              <a:t>.</a:t>
-            </a:r>
-          </a:p>
-          <a:p>
-            <a:endParaRPr lang="en-US" altLang="ko-KR" dirty="0"/>
-          </a:p>
-          <a:p>
-            <a:r>
-              <a:rPr lang="ko-KR" altLang="en-US" dirty="0"/>
-              <a:t>암호화폐 거래소 실명계좌 발급에 은행이 난색을 표하는 이유이기도 한데요</a:t>
-            </a:r>
-            <a:r>
-              <a:rPr lang="en-US" altLang="ko-KR" dirty="0"/>
-              <a:t>.</a:t>
-            </a:r>
-          </a:p>
-          <a:p>
-            <a:endParaRPr lang="en-US" altLang="ko-KR" dirty="0"/>
-          </a:p>
-          <a:p>
-            <a:r>
-              <a:rPr lang="ko-KR" altLang="en-US" dirty="0"/>
-              <a:t>암호화폐는 태생적으로 고객 확인이 어렵습니다</a:t>
-            </a:r>
-            <a:r>
-              <a:rPr lang="en-US" altLang="ko-KR" dirty="0"/>
-              <a:t>. </a:t>
-            </a:r>
-            <a:r>
-              <a:rPr lang="ko-KR" altLang="en-US" dirty="0"/>
-              <a:t>거래 행위는 원장에 투명하게 기록되지만</a:t>
-            </a:r>
-            <a:r>
-              <a:rPr lang="en-US" altLang="ko-KR" dirty="0"/>
-              <a:t>, </a:t>
-            </a:r>
-            <a:r>
-              <a:rPr lang="ko-KR" altLang="en-US" dirty="0"/>
-              <a:t>거래 주체를 확인하기 어렵기 때문인데요</a:t>
-            </a:r>
-            <a:r>
-              <a:rPr lang="en-US" altLang="ko-KR" dirty="0"/>
-              <a:t>. </a:t>
-            </a:r>
-            <a:r>
-              <a:rPr lang="ko-KR" altLang="en-US" dirty="0"/>
-              <a:t>이 때문에</a:t>
-            </a:r>
-            <a:r>
-              <a:rPr lang="en-US" altLang="ko-KR" dirty="0"/>
-              <a:t>, </a:t>
-            </a:r>
-            <a:r>
-              <a:rPr lang="ko-KR" altLang="en-US" dirty="0"/>
-              <a:t>실명계좌 발급으로 얻는 수수료 이익보다 컴플라이언스 위반으로 부과될 수 있는 과징금 리스크가 더 크기 때문입니다</a:t>
-            </a:r>
-            <a:r>
-              <a:rPr lang="en-US" altLang="ko-KR" dirty="0"/>
-              <a:t>.</a:t>
-            </a:r>
           </a:p>
         </p:txBody>
       </p:sp>
@@ -2065,7 +3762,7 @@
     </p:spTree>
     <p:extLst>
       <p:ext uri="{BB962C8B-B14F-4D97-AF65-F5344CB8AC3E}">
-        <p14:creationId xmlns:p14="http://schemas.microsoft.com/office/powerpoint/2010/main" val="1643305474"/>
+        <p14:creationId xmlns:p14="http://schemas.microsoft.com/office/powerpoint/2010/main" val="1183653438"/>
       </p:ext>
     </p:extLst>
   </p:cSld>
@@ -2149,7 +3846,7 @@
     </p:spTree>
     <p:extLst>
       <p:ext uri="{BB962C8B-B14F-4D97-AF65-F5344CB8AC3E}">
-        <p14:creationId xmlns:p14="http://schemas.microsoft.com/office/powerpoint/2010/main" val="1183653438"/>
+        <p14:creationId xmlns:p14="http://schemas.microsoft.com/office/powerpoint/2010/main" val="1254300080"/>
       </p:ext>
     </p:extLst>
   </p:cSld>
@@ -2233,7 +3930,7 @@
     </p:spTree>
     <p:extLst>
       <p:ext uri="{BB962C8B-B14F-4D97-AF65-F5344CB8AC3E}">
-        <p14:creationId xmlns:p14="http://schemas.microsoft.com/office/powerpoint/2010/main" val="1254300080"/>
+        <p14:creationId xmlns:p14="http://schemas.microsoft.com/office/powerpoint/2010/main" val="3445669691"/>
       </p:ext>
     </p:extLst>
   </p:cSld>
@@ -2317,7 +4014,7 @@
     </p:spTree>
     <p:extLst>
       <p:ext uri="{BB962C8B-B14F-4D97-AF65-F5344CB8AC3E}">
-        <p14:creationId xmlns:p14="http://schemas.microsoft.com/office/powerpoint/2010/main" val="3445669691"/>
+        <p14:creationId xmlns:p14="http://schemas.microsoft.com/office/powerpoint/2010/main" val="2673242437"/>
       </p:ext>
     </p:extLst>
   </p:cSld>
@@ -2401,7 +4098,7 @@
     </p:spTree>
     <p:extLst>
       <p:ext uri="{BB962C8B-B14F-4D97-AF65-F5344CB8AC3E}">
-        <p14:creationId xmlns:p14="http://schemas.microsoft.com/office/powerpoint/2010/main" val="2673242437"/>
+        <p14:creationId xmlns:p14="http://schemas.microsoft.com/office/powerpoint/2010/main" val="2648733986"/>
       </p:ext>
     </p:extLst>
   </p:cSld>
@@ -2485,7 +4182,7 @@
     </p:spTree>
     <p:extLst>
       <p:ext uri="{BB962C8B-B14F-4D97-AF65-F5344CB8AC3E}">
-        <p14:creationId xmlns:p14="http://schemas.microsoft.com/office/powerpoint/2010/main" val="2648733986"/>
+        <p14:creationId xmlns:p14="http://schemas.microsoft.com/office/powerpoint/2010/main" val="553981760"/>
       </p:ext>
     </p:extLst>
   </p:cSld>
@@ -4767,115 +6464,6 @@
       </p:grpSpPr>
       <p:sp>
         <p:nvSpPr>
-          <p:cNvPr id="2" name="제목 1">
-            <a:extLst>
-              <a:ext uri="{FF2B5EF4-FFF2-40B4-BE49-F238E27FC236}">
-                <a16:creationId xmlns:a16="http://schemas.microsoft.com/office/drawing/2014/main" id="{9896B29B-A1AE-E0C6-8543-753E63140B1C}"/>
-              </a:ext>
-            </a:extLst>
-          </p:cNvPr>
-          <p:cNvSpPr>
-            <a:spLocks noGrp="1"/>
-          </p:cNvSpPr>
-          <p:nvPr>
-            <p:ph type="ctrTitle"/>
-          </p:nvPr>
-        </p:nvSpPr>
-        <p:spPr/>
-        <p:txBody>
-          <a:bodyPr>
-            <a:normAutofit/>
-          </a:bodyPr>
-          <a:lstStyle/>
-          <a:p>
-            <a:r>
-              <a:rPr lang="ko-KR" altLang="en-US" b="1" dirty="0"/>
-              <a:t>결제서비스 구현</a:t>
-            </a:r>
-          </a:p>
-        </p:txBody>
-      </p:sp>
-      <p:sp>
-        <p:nvSpPr>
-          <p:cNvPr id="4" name="부제목 3">
-            <a:extLst>
-              <a:ext uri="{FF2B5EF4-FFF2-40B4-BE49-F238E27FC236}">
-                <a16:creationId xmlns:a16="http://schemas.microsoft.com/office/drawing/2014/main" id="{7219E4B9-47F6-C7CA-B046-1256225C3574}"/>
-              </a:ext>
-            </a:extLst>
-          </p:cNvPr>
-          <p:cNvSpPr>
-            <a:spLocks noGrp="1"/>
-          </p:cNvSpPr>
-          <p:nvPr>
-            <p:ph type="subTitle" idx="1"/>
-          </p:nvPr>
-        </p:nvSpPr>
-        <p:spPr/>
-        <p:txBody>
-          <a:bodyPr>
-            <a:normAutofit/>
-          </a:bodyPr>
-          <a:lstStyle/>
-          <a:p>
-            <a:pPr marL="0" indent="0" algn="r">
-              <a:buNone/>
-            </a:pPr>
-            <a:r>
-              <a:rPr lang="en-US" altLang="ko" b="1" dirty="0">
-                <a:solidFill>
-                  <a:srgbClr val="ED234B"/>
-                </a:solidFill>
-              </a:rPr>
-              <a:t>3</a:t>
-            </a:r>
-            <a:r>
-              <a:rPr lang="ko" altLang="ko-KR" b="1" dirty="0">
-                <a:solidFill>
-                  <a:srgbClr val="ED234B"/>
-                </a:solidFill>
-              </a:rPr>
-              <a:t> </a:t>
-            </a:r>
-            <a:r>
-              <a:rPr lang="ko-KR" altLang="en-US" dirty="0"/>
-              <a:t>결제 서비스 설계</a:t>
-            </a:r>
-          </a:p>
-        </p:txBody>
-      </p:sp>
-    </p:spTree>
-    <p:extLst>
-      <p:ext uri="{BB962C8B-B14F-4D97-AF65-F5344CB8AC3E}">
-        <p14:creationId xmlns:p14="http://schemas.microsoft.com/office/powerpoint/2010/main" val="2069806099"/>
-      </p:ext>
-    </p:extLst>
-  </p:cSld>
-  <p:clrMapOvr>
-    <a:masterClrMapping/>
-  </p:clrMapOvr>
-</p:sld>
-</file>
-
-<file path=ppt/slides/slide11.xml><?xml version="1.0" encoding="utf-8"?>
-<p:sld xmlns:a="http://schemas.openxmlformats.org/drawingml/2006/main" xmlns:r="http://schemas.openxmlformats.org/officeDocument/2006/relationships" xmlns:p="http://schemas.openxmlformats.org/presentationml/2006/main">
-  <p:cSld>
-    <p:spTree>
-      <p:nvGrpSpPr>
-        <p:cNvPr id="1" name=""/>
-        <p:cNvGrpSpPr/>
-        <p:nvPr/>
-      </p:nvGrpSpPr>
-      <p:grpSpPr>
-        <a:xfrm>
-          <a:off x="0" y="0"/>
-          <a:ext cx="0" cy="0"/>
-          <a:chOff x="0" y="0"/>
-          <a:chExt cx="0" cy="0"/>
-        </a:xfrm>
-      </p:grpSpPr>
-      <p:sp>
-        <p:nvSpPr>
           <p:cNvPr id="4" name="제목 3">
             <a:extLst>
               <a:ext uri="{FF2B5EF4-FFF2-40B4-BE49-F238E27FC236}">
@@ -4947,7 +6535,7 @@
 </p:sld>
 </file>
 
-<file path=ppt/slides/slide12.xml><?xml version="1.0" encoding="utf-8"?>
+<file path=ppt/slides/slide11.xml><?xml version="1.0" encoding="utf-8"?>
 <p:sld xmlns:a="http://schemas.openxmlformats.org/drawingml/2006/main" xmlns:r="http://schemas.openxmlformats.org/officeDocument/2006/relationships" xmlns:p="http://schemas.openxmlformats.org/presentationml/2006/main">
   <p:cSld>
     <p:spTree>
@@ -5159,7 +6747,7 @@
 </p:sld>
 </file>
 
-<file path=ppt/slides/slide13.xml><?xml version="1.0" encoding="utf-8"?>
+<file path=ppt/slides/slide12.xml><?xml version="1.0" encoding="utf-8"?>
 <p:sld xmlns:a="http://schemas.openxmlformats.org/drawingml/2006/main" xmlns:r="http://schemas.openxmlformats.org/officeDocument/2006/relationships" xmlns:p="http://schemas.openxmlformats.org/presentationml/2006/main">
   <p:cSld>
     <p:spTree>
@@ -5383,6 +6971,96 @@
 </p:sld>
 </file>
 
+<file path=ppt/slides/slide13.xml><?xml version="1.0" encoding="utf-8"?>
+<p:sld xmlns:a="http://schemas.openxmlformats.org/drawingml/2006/main" xmlns:r="http://schemas.openxmlformats.org/officeDocument/2006/relationships" xmlns:p="http://schemas.openxmlformats.org/presentationml/2006/main">
+  <p:cSld>
+    <p:spTree>
+      <p:nvGrpSpPr>
+        <p:cNvPr id="1" name=""/>
+        <p:cNvGrpSpPr/>
+        <p:nvPr/>
+      </p:nvGrpSpPr>
+      <p:grpSpPr>
+        <a:xfrm>
+          <a:off x="0" y="0"/>
+          <a:ext cx="0" cy="0"/>
+          <a:chOff x="0" y="0"/>
+          <a:chExt cx="0" cy="0"/>
+        </a:xfrm>
+      </p:grpSpPr>
+      <p:sp>
+        <p:nvSpPr>
+          <p:cNvPr id="4" name="제목 3">
+            <a:extLst>
+              <a:ext uri="{FF2B5EF4-FFF2-40B4-BE49-F238E27FC236}">
+                <a16:creationId xmlns:a16="http://schemas.microsoft.com/office/drawing/2014/main" id="{AA6C3C0E-F24F-9763-AC2A-545FB7F3873E}"/>
+              </a:ext>
+            </a:extLst>
+          </p:cNvPr>
+          <p:cNvSpPr>
+            <a:spLocks noGrp="1"/>
+          </p:cNvSpPr>
+          <p:nvPr>
+            <p:ph type="ctrTitle"/>
+          </p:nvPr>
+        </p:nvSpPr>
+        <p:spPr/>
+        <p:txBody>
+          <a:bodyPr/>
+          <a:lstStyle/>
+          <a:p>
+            <a:r>
+              <a:rPr lang="ko-KR" altLang="en-US" dirty="0"/>
+              <a:t>결제 서비스 설계</a:t>
+            </a:r>
+          </a:p>
+        </p:txBody>
+      </p:sp>
+      <p:sp>
+        <p:nvSpPr>
+          <p:cNvPr id="5" name="부제목 4">
+            <a:extLst>
+              <a:ext uri="{FF2B5EF4-FFF2-40B4-BE49-F238E27FC236}">
+                <a16:creationId xmlns:a16="http://schemas.microsoft.com/office/drawing/2014/main" id="{CAF74D28-A379-C9BB-D8F9-E3B6A7427E89}"/>
+              </a:ext>
+            </a:extLst>
+          </p:cNvPr>
+          <p:cNvSpPr>
+            <a:spLocks noGrp="1"/>
+          </p:cNvSpPr>
+          <p:nvPr>
+            <p:ph type="subTitle" idx="1"/>
+          </p:nvPr>
+        </p:nvSpPr>
+        <p:spPr/>
+        <p:txBody>
+          <a:bodyPr/>
+          <a:lstStyle/>
+          <a:p>
+            <a:pPr marL="0" indent="0" algn="r">
+              <a:buNone/>
+            </a:pPr>
+            <a:r>
+              <a:rPr lang="en-US" altLang="ko-KR" dirty="0"/>
+              <a:t>System Design</a:t>
+            </a:r>
+            <a:endParaRPr lang="ko-KR" altLang="en-US" dirty="0"/>
+          </a:p>
+        </p:txBody>
+      </p:sp>
+    </p:spTree>
+    <p:extLst>
+      <p:ext uri="{BB962C8B-B14F-4D97-AF65-F5344CB8AC3E}">
+        <p14:creationId xmlns:p14="http://schemas.microsoft.com/office/powerpoint/2010/main" val="3123472479"/>
+      </p:ext>
+    </p:extLst>
+  </p:cSld>
+  <p:clrMapOvr>
+    <a:masterClrMapping/>
+  </p:clrMapOvr>
+</p:sld>
+</file>
+
 <file path=ppt/slides/slide14.xml><?xml version="1.0" encoding="utf-8"?>
 <p:sld xmlns:a="http://schemas.openxmlformats.org/drawingml/2006/main" xmlns:r="http://schemas.openxmlformats.org/officeDocument/2006/relationships" xmlns:p="http://schemas.openxmlformats.org/presentationml/2006/main">
   <p:cSld>
@@ -5402,96 +7080,6 @@
       </p:grpSpPr>
       <p:sp>
         <p:nvSpPr>
-          <p:cNvPr id="4" name="제목 3">
-            <a:extLst>
-              <a:ext uri="{FF2B5EF4-FFF2-40B4-BE49-F238E27FC236}">
-                <a16:creationId xmlns:a16="http://schemas.microsoft.com/office/drawing/2014/main" id="{AA6C3C0E-F24F-9763-AC2A-545FB7F3873E}"/>
-              </a:ext>
-            </a:extLst>
-          </p:cNvPr>
-          <p:cNvSpPr>
-            <a:spLocks noGrp="1"/>
-          </p:cNvSpPr>
-          <p:nvPr>
-            <p:ph type="ctrTitle"/>
-          </p:nvPr>
-        </p:nvSpPr>
-        <p:spPr/>
-        <p:txBody>
-          <a:bodyPr/>
-          <a:lstStyle/>
-          <a:p>
-            <a:r>
-              <a:rPr lang="ko-KR" altLang="en-US" dirty="0"/>
-              <a:t>결제 서비스 설계</a:t>
-            </a:r>
-          </a:p>
-        </p:txBody>
-      </p:sp>
-      <p:sp>
-        <p:nvSpPr>
-          <p:cNvPr id="5" name="부제목 4">
-            <a:extLst>
-              <a:ext uri="{FF2B5EF4-FFF2-40B4-BE49-F238E27FC236}">
-                <a16:creationId xmlns:a16="http://schemas.microsoft.com/office/drawing/2014/main" id="{CAF74D28-A379-C9BB-D8F9-E3B6A7427E89}"/>
-              </a:ext>
-            </a:extLst>
-          </p:cNvPr>
-          <p:cNvSpPr>
-            <a:spLocks noGrp="1"/>
-          </p:cNvSpPr>
-          <p:nvPr>
-            <p:ph type="subTitle" idx="1"/>
-          </p:nvPr>
-        </p:nvSpPr>
-        <p:spPr/>
-        <p:txBody>
-          <a:bodyPr/>
-          <a:lstStyle/>
-          <a:p>
-            <a:pPr marL="0" indent="0" algn="r">
-              <a:buNone/>
-            </a:pPr>
-            <a:r>
-              <a:rPr lang="en-US" altLang="ko-KR" dirty="0"/>
-              <a:t>System Design</a:t>
-            </a:r>
-            <a:endParaRPr lang="ko-KR" altLang="en-US" dirty="0"/>
-          </a:p>
-        </p:txBody>
-      </p:sp>
-    </p:spTree>
-    <p:extLst>
-      <p:ext uri="{BB962C8B-B14F-4D97-AF65-F5344CB8AC3E}">
-        <p14:creationId xmlns:p14="http://schemas.microsoft.com/office/powerpoint/2010/main" val="3123472479"/>
-      </p:ext>
-    </p:extLst>
-  </p:cSld>
-  <p:clrMapOvr>
-    <a:masterClrMapping/>
-  </p:clrMapOvr>
-</p:sld>
-</file>
-
-<file path=ppt/slides/slide15.xml><?xml version="1.0" encoding="utf-8"?>
-<p:sld xmlns:a="http://schemas.openxmlformats.org/drawingml/2006/main" xmlns:r="http://schemas.openxmlformats.org/officeDocument/2006/relationships" xmlns:p="http://schemas.openxmlformats.org/presentationml/2006/main">
-  <p:cSld>
-    <p:spTree>
-      <p:nvGrpSpPr>
-        <p:cNvPr id="1" name=""/>
-        <p:cNvGrpSpPr/>
-        <p:nvPr/>
-      </p:nvGrpSpPr>
-      <p:grpSpPr>
-        <a:xfrm>
-          <a:off x="0" y="0"/>
-          <a:ext cx="0" cy="0"/>
-          <a:chOff x="0" y="0"/>
-          <a:chExt cx="0" cy="0"/>
-        </a:xfrm>
-      </p:grpSpPr>
-      <p:sp>
-        <p:nvSpPr>
           <p:cNvPr id="7" name="Google Shape;209;p30">
             <a:extLst>
               <a:ext uri="{FF2B5EF4-FFF2-40B4-BE49-F238E27FC236}">
@@ -5638,7 +7226,7 @@
 </p:sld>
 </file>
 
-<file path=ppt/slides/slide16.xml><?xml version="1.0" encoding="utf-8"?>
+<file path=ppt/slides/slide15.xml><?xml version="1.0" encoding="utf-8"?>
 <p:sld xmlns:a="http://schemas.openxmlformats.org/drawingml/2006/main" xmlns:r="http://schemas.openxmlformats.org/officeDocument/2006/relationships" xmlns:p="http://schemas.openxmlformats.org/presentationml/2006/main">
   <p:cSld>
     <p:spTree>
@@ -5879,6 +7467,115 @@
 </p:sld>
 </file>
 
+<file path=ppt/slides/slide16.xml><?xml version="1.0" encoding="utf-8"?>
+<p:sld xmlns:a="http://schemas.openxmlformats.org/drawingml/2006/main" xmlns:r="http://schemas.openxmlformats.org/officeDocument/2006/relationships" xmlns:p="http://schemas.openxmlformats.org/presentationml/2006/main">
+  <p:cSld>
+    <p:spTree>
+      <p:nvGrpSpPr>
+        <p:cNvPr id="1" name=""/>
+        <p:cNvGrpSpPr/>
+        <p:nvPr/>
+      </p:nvGrpSpPr>
+      <p:grpSpPr>
+        <a:xfrm>
+          <a:off x="0" y="0"/>
+          <a:ext cx="0" cy="0"/>
+          <a:chOff x="0" y="0"/>
+          <a:chExt cx="0" cy="0"/>
+        </a:xfrm>
+      </p:grpSpPr>
+      <p:sp>
+        <p:nvSpPr>
+          <p:cNvPr id="2" name="제목 1">
+            <a:extLst>
+              <a:ext uri="{FF2B5EF4-FFF2-40B4-BE49-F238E27FC236}">
+                <a16:creationId xmlns:a16="http://schemas.microsoft.com/office/drawing/2014/main" id="{9896B29B-A1AE-E0C6-8543-753E63140B1C}"/>
+              </a:ext>
+            </a:extLst>
+          </p:cNvPr>
+          <p:cNvSpPr>
+            <a:spLocks noGrp="1"/>
+          </p:cNvSpPr>
+          <p:nvPr>
+            <p:ph type="ctrTitle"/>
+          </p:nvPr>
+        </p:nvSpPr>
+        <p:spPr/>
+        <p:txBody>
+          <a:bodyPr>
+            <a:normAutofit/>
+          </a:bodyPr>
+          <a:lstStyle/>
+          <a:p>
+            <a:r>
+              <a:rPr lang="ko-KR" altLang="en-US" b="1" dirty="0"/>
+              <a:t>결제서비스 구현</a:t>
+            </a:r>
+          </a:p>
+        </p:txBody>
+      </p:sp>
+      <p:sp>
+        <p:nvSpPr>
+          <p:cNvPr id="4" name="부제목 3">
+            <a:extLst>
+              <a:ext uri="{FF2B5EF4-FFF2-40B4-BE49-F238E27FC236}">
+                <a16:creationId xmlns:a16="http://schemas.microsoft.com/office/drawing/2014/main" id="{7219E4B9-47F6-C7CA-B046-1256225C3574}"/>
+              </a:ext>
+            </a:extLst>
+          </p:cNvPr>
+          <p:cNvSpPr>
+            <a:spLocks noGrp="1"/>
+          </p:cNvSpPr>
+          <p:nvPr>
+            <p:ph type="subTitle" idx="1"/>
+          </p:nvPr>
+        </p:nvSpPr>
+        <p:spPr/>
+        <p:txBody>
+          <a:bodyPr>
+            <a:normAutofit/>
+          </a:bodyPr>
+          <a:lstStyle/>
+          <a:p>
+            <a:pPr marL="0" indent="0" algn="r">
+              <a:buNone/>
+            </a:pPr>
+            <a:r>
+              <a:rPr lang="en-US" altLang="ko" b="1" dirty="0">
+                <a:solidFill>
+                  <a:srgbClr val="ED234B"/>
+                </a:solidFill>
+              </a:rPr>
+              <a:t>4</a:t>
+            </a:r>
+            <a:r>
+              <a:rPr lang="ko" altLang="ko-KR" b="1" dirty="0">
+                <a:solidFill>
+                  <a:srgbClr val="ED234B"/>
+                </a:solidFill>
+              </a:rPr>
+              <a:t> </a:t>
+            </a:r>
+            <a:r>
+              <a:rPr lang="ko-KR" altLang="en-US" dirty="0"/>
+              <a:t>환경 구성</a:t>
+            </a:r>
+          </a:p>
+        </p:txBody>
+      </p:sp>
+    </p:spTree>
+    <p:extLst>
+      <p:ext uri="{BB962C8B-B14F-4D97-AF65-F5344CB8AC3E}">
+        <p14:creationId xmlns:p14="http://schemas.microsoft.com/office/powerpoint/2010/main" val="1575156985"/>
+      </p:ext>
+    </p:extLst>
+  </p:cSld>
+  <p:clrMapOvr>
+    <a:masterClrMapping/>
+  </p:clrMapOvr>
+</p:sld>
+</file>
+
 <file path=ppt/slides/slide17.xml><?xml version="1.0" encoding="utf-8"?>
 <p:sld xmlns:a="http://schemas.openxmlformats.org/drawingml/2006/main" xmlns:r="http://schemas.openxmlformats.org/officeDocument/2006/relationships" xmlns:p="http://schemas.openxmlformats.org/presentationml/2006/main">
   <p:cSld>
@@ -5901,7 +7598,7 @@
           <p:cNvPr id="2" name="제목 1">
             <a:extLst>
               <a:ext uri="{FF2B5EF4-FFF2-40B4-BE49-F238E27FC236}">
-                <a16:creationId xmlns:a16="http://schemas.microsoft.com/office/drawing/2014/main" id="{9896B29B-A1AE-E0C6-8543-753E63140B1C}"/>
+                <a16:creationId xmlns:a16="http://schemas.microsoft.com/office/drawing/2014/main" id="{D21C1AA9-5E52-3A11-B3B3-447787E29D09}"/>
               </a:ext>
             </a:extLst>
           </p:cNvPr>
@@ -5909,29 +7606,27 @@
             <a:spLocks noGrp="1"/>
           </p:cNvSpPr>
           <p:nvPr>
-            <p:ph type="ctrTitle"/>
+            <p:ph type="title"/>
           </p:nvPr>
         </p:nvSpPr>
         <p:spPr/>
         <p:txBody>
-          <a:bodyPr>
-            <a:normAutofit/>
-          </a:bodyPr>
+          <a:bodyPr/>
           <a:lstStyle/>
           <a:p>
             <a:r>
-              <a:rPr lang="ko-KR" altLang="en-US" b="1" dirty="0"/>
-              <a:t>결제서비스 구현</a:t>
-            </a:r>
-          </a:p>
-        </p:txBody>
-      </p:sp>
-      <p:sp>
-        <p:nvSpPr>
-          <p:cNvPr id="4" name="부제목 3">
+              <a:rPr lang="ko-KR" altLang="en-US" dirty="0"/>
+              <a:t>개발환경 구성</a:t>
+            </a:r>
+          </a:p>
+        </p:txBody>
+      </p:sp>
+      <p:sp>
+        <p:nvSpPr>
+          <p:cNvPr id="4" name="내용 개체 틀 3">
             <a:extLst>
               <a:ext uri="{FF2B5EF4-FFF2-40B4-BE49-F238E27FC236}">
-                <a16:creationId xmlns:a16="http://schemas.microsoft.com/office/drawing/2014/main" id="{7219E4B9-47F6-C7CA-B046-1256225C3574}"/>
+                <a16:creationId xmlns:a16="http://schemas.microsoft.com/office/drawing/2014/main" id="{42F6317C-F28B-ECBE-0810-17736FC7D8AB}"/>
               </a:ext>
             </a:extLst>
           </p:cNvPr>
@@ -5939,54 +7634,256 @@
             <a:spLocks noGrp="1"/>
           </p:cNvSpPr>
           <p:nvPr>
-            <p:ph type="subTitle" idx="1"/>
+            <p:ph idx="1"/>
           </p:nvPr>
         </p:nvSpPr>
         <p:spPr/>
         <p:txBody>
-          <a:bodyPr>
-            <a:normAutofit/>
+          <a:bodyPr/>
+          <a:lstStyle/>
+          <a:p>
+            <a:pPr marL="0" indent="0">
+              <a:buNone/>
+            </a:pPr>
+            <a:r>
+              <a:rPr lang="en-US" altLang="ko-KR" dirty="0"/>
+              <a:t>Spring </a:t>
+            </a:r>
+            <a:r>
+              <a:rPr lang="en-US" altLang="ko-KR" dirty="0" err="1"/>
+              <a:t>initializr</a:t>
+            </a:r>
+            <a:endParaRPr lang="en-US" altLang="ko-KR" dirty="0"/>
+          </a:p>
+          <a:p>
+            <a:pPr lvl="1"/>
+            <a:r>
+              <a:rPr lang="en-US" altLang="ko-KR" dirty="0">
+                <a:effectLst/>
+                <a:hlinkClick r:id="rId3"/>
+              </a:rPr>
+              <a:t>https://start.spring.io</a:t>
+            </a:r>
+            <a:endParaRPr lang="en-US" altLang="ko-KR" dirty="0">
+              <a:effectLst/>
+            </a:endParaRPr>
+          </a:p>
+          <a:p>
+            <a:pPr marL="685800" lvl="2" indent="0">
+              <a:buNone/>
+            </a:pPr>
+            <a:r>
+              <a:rPr lang="en-US" altLang="ko-KR" sz="300" dirty="0">
+                <a:effectLst/>
+                <a:hlinkClick r:id="rId4"/>
+              </a:rPr>
+              <a:t>https://start.spring.io/#!type=gradle-project-kotlin&amp;language=kotlin&amp;platformVersion=3.1.4&amp;packaging=jar&amp;jvmVersion=17&amp;groupId=dev.fastcampus&amp;artifactId=payment&amp;name=payment&amp;description=payment </a:t>
+            </a:r>
+            <a:r>
+              <a:rPr lang="en-US" altLang="ko-KR" sz="300" dirty="0" err="1">
+                <a:effectLst/>
+                <a:hlinkClick r:id="rId4"/>
+              </a:rPr>
+              <a:t>demo&amp;packageName</a:t>
+            </a:r>
+            <a:r>
+              <a:rPr lang="en-US" altLang="ko-KR" sz="300" dirty="0">
+                <a:effectLst/>
+                <a:hlinkClick r:id="rId4"/>
+              </a:rPr>
+              <a:t>=</a:t>
+            </a:r>
+            <a:r>
+              <a:rPr lang="en-US" altLang="ko-KR" sz="300" dirty="0" err="1">
+                <a:effectLst/>
+                <a:hlinkClick r:id="rId4"/>
+              </a:rPr>
+              <a:t>dev.fastcampus.payment&amp;dependencies</a:t>
+            </a:r>
+            <a:r>
+              <a:rPr lang="en-US" altLang="ko-KR" sz="300" dirty="0">
+                <a:effectLst/>
+                <a:hlinkClick r:id="rId4"/>
+              </a:rPr>
+              <a:t>=webflux,data-r2dbc,mariadb,data-redis-reactive,actuator,thymeleaf,validation</a:t>
+            </a:r>
+            <a:endParaRPr lang="en-US" altLang="ko-KR" sz="300" dirty="0">
+              <a:solidFill>
+                <a:srgbClr val="53585F"/>
+              </a:solidFill>
+            </a:endParaRPr>
+          </a:p>
+        </p:txBody>
+      </p:sp>
+      <p:sp>
+        <p:nvSpPr>
+          <p:cNvPr id="7" name="Google Shape;209;p30">
+            <a:extLst>
+              <a:ext uri="{FF2B5EF4-FFF2-40B4-BE49-F238E27FC236}">
+                <a16:creationId xmlns:a16="http://schemas.microsoft.com/office/drawing/2014/main" id="{35F3E219-4EBB-8DE8-0966-E4317399395E}"/>
+              </a:ext>
+            </a:extLst>
+          </p:cNvPr>
+          <p:cNvSpPr/>
+          <p:nvPr/>
+        </p:nvSpPr>
+        <p:spPr>
+          <a:xfrm>
+            <a:off x="7811013" y="528014"/>
+            <a:ext cx="952500" cy="298200"/>
+          </a:xfrm>
+          <a:prstGeom prst="rect">
+            <a:avLst/>
+          </a:prstGeom>
+          <a:noFill/>
+          <a:ln>
+            <a:noFill/>
+          </a:ln>
+        </p:spPr>
+        <p:txBody>
+          <a:bodyPr spcFirstLastPara="1" wrap="square" lIns="19050" tIns="19050" rIns="19050" bIns="19050" anchor="t" anchorCtr="0">
+            <a:noAutofit/>
           </a:bodyPr>
           <a:lstStyle/>
           <a:p>
-            <a:pPr marL="0" indent="0" algn="r">
+            <a:pPr marL="63500" marR="0" lvl="1" indent="0" algn="l" rtl="0">
+              <a:lnSpc>
+                <a:spcPct val="90000"/>
+              </a:lnSpc>
+              <a:spcBef>
+                <a:spcPts val="0"/>
+              </a:spcBef>
+              <a:spcAft>
+                <a:spcPts val="0"/>
+              </a:spcAft>
               <a:buNone/>
             </a:pPr>
             <a:r>
-              <a:rPr lang="en-US" altLang="ko" b="1" dirty="0">
+              <a:rPr lang="en-US" altLang="ko" sz="1200" b="1" i="0" u="none" strike="noStrike" cap="none" dirty="0">
                 <a:solidFill>
-                  <a:srgbClr val="ED234B"/>
+                  <a:schemeClr val="bg1"/>
                 </a:solidFill>
+                <a:latin typeface="Arial"/>
+                <a:ea typeface="Arial"/>
+                <a:cs typeface="Arial"/>
+                <a:sym typeface="Arial"/>
               </a:rPr>
               <a:t>4</a:t>
             </a:r>
             <a:r>
-              <a:rPr lang="ko" altLang="ko-KR" b="1" dirty="0">
+              <a:rPr lang="ko" sz="1200" b="1" i="0" u="none" strike="noStrike" cap="none" dirty="0">
                 <a:solidFill>
-                  <a:srgbClr val="ED234B"/>
+                  <a:schemeClr val="bg1"/>
                 </a:solidFill>
-              </a:rPr>
-              <a:t> </a:t>
-            </a:r>
-            <a:r>
-              <a:rPr lang="ko-KR" altLang="en-US" dirty="0"/>
-              <a:t>결제 </a:t>
-            </a:r>
-            <a:r>
-              <a:rPr lang="en-US" altLang="ko-KR" dirty="0"/>
-              <a:t>API </a:t>
-            </a:r>
-            <a:r>
-              <a:rPr lang="ko-KR" altLang="en-US" dirty="0"/>
-              <a:t>구현</a:t>
-            </a:r>
-          </a:p>
-        </p:txBody>
-      </p:sp>
+                <a:latin typeface="Arial"/>
+                <a:ea typeface="Arial"/>
+                <a:cs typeface="Arial"/>
+                <a:sym typeface="Arial"/>
+              </a:rPr>
+              <a:t>.</a:t>
+            </a:r>
+            <a:endParaRPr sz="500" dirty="0">
+              <a:solidFill>
+                <a:schemeClr val="bg1"/>
+              </a:solidFill>
+            </a:endParaRPr>
+          </a:p>
+        </p:txBody>
+      </p:sp>
+      <p:sp>
+        <p:nvSpPr>
+          <p:cNvPr id="8" name="Google Shape;210;p30">
+            <a:extLst>
+              <a:ext uri="{FF2B5EF4-FFF2-40B4-BE49-F238E27FC236}">
+                <a16:creationId xmlns:a16="http://schemas.microsoft.com/office/drawing/2014/main" id="{8CB63A74-B5C7-DCAA-53F5-96E44004D694}"/>
+              </a:ext>
+            </a:extLst>
+          </p:cNvPr>
+          <p:cNvSpPr/>
+          <p:nvPr/>
+        </p:nvSpPr>
+        <p:spPr>
+          <a:xfrm>
+            <a:off x="7811013" y="825047"/>
+            <a:ext cx="952500" cy="293400"/>
+          </a:xfrm>
+          <a:prstGeom prst="rect">
+            <a:avLst/>
+          </a:prstGeom>
+          <a:noFill/>
+          <a:ln>
+            <a:noFill/>
+          </a:ln>
+        </p:spPr>
+        <p:txBody>
+          <a:bodyPr spcFirstLastPara="1" wrap="square" lIns="19050" tIns="19050" rIns="19050" bIns="19050" anchor="t" anchorCtr="0">
+            <a:noAutofit/>
+          </a:bodyPr>
+          <a:lstStyle/>
+          <a:p>
+            <a:pPr marL="63500" marR="0" lvl="1" indent="0" algn="l" rtl="0">
+              <a:spcBef>
+                <a:spcPts val="200"/>
+              </a:spcBef>
+              <a:spcAft>
+                <a:spcPts val="0"/>
+              </a:spcAft>
+              <a:buClr>
+                <a:srgbClr val="000000"/>
+              </a:buClr>
+              <a:buFont typeface="Arial"/>
+              <a:buNone/>
+            </a:pPr>
+            <a:r>
+              <a:rPr lang="ko-KR" altLang="en-US" sz="800" dirty="0">
+                <a:solidFill>
+                  <a:schemeClr val="bg1"/>
+                </a:solidFill>
+              </a:rPr>
+              <a:t>환경구성</a:t>
+            </a:r>
+            <a:endParaRPr sz="800" dirty="0">
+              <a:solidFill>
+                <a:schemeClr val="bg1"/>
+              </a:solidFill>
+            </a:endParaRPr>
+          </a:p>
+        </p:txBody>
+      </p:sp>
+      <p:pic>
+        <p:nvPicPr>
+          <p:cNvPr id="6" name="그림 5">
+            <a:extLst>
+              <a:ext uri="{FF2B5EF4-FFF2-40B4-BE49-F238E27FC236}">
+                <a16:creationId xmlns:a16="http://schemas.microsoft.com/office/drawing/2014/main" id="{DF03F439-A060-E916-746F-BD255D970C80}"/>
+              </a:ext>
+            </a:extLst>
+          </p:cNvPr>
+          <p:cNvPicPr>
+            <a:picLocks noChangeAspect="1"/>
+          </p:cNvPicPr>
+          <p:nvPr/>
+        </p:nvPicPr>
+        <p:blipFill>
+          <a:blip r:embed="rId5"/>
+          <a:stretch>
+            <a:fillRect/>
+          </a:stretch>
+        </p:blipFill>
+        <p:spPr>
+          <a:xfrm>
+            <a:off x="1397286" y="2353157"/>
+            <a:ext cx="4875436" cy="2720493"/>
+          </a:xfrm>
+          <a:prstGeom prst="rect">
+            <a:avLst/>
+          </a:prstGeom>
+        </p:spPr>
+      </p:pic>
     </p:spTree>
     <p:extLst>
       <p:ext uri="{BB962C8B-B14F-4D97-AF65-F5344CB8AC3E}">
-        <p14:creationId xmlns:p14="http://schemas.microsoft.com/office/powerpoint/2010/main" val="3761886441"/>
+        <p14:creationId xmlns:p14="http://schemas.microsoft.com/office/powerpoint/2010/main" val="655341600"/>
       </p:ext>
     </p:extLst>
   </p:cSld>
@@ -6018,7 +7915,7 @@
           <p:cNvPr id="2" name="제목 1">
             <a:extLst>
               <a:ext uri="{FF2B5EF4-FFF2-40B4-BE49-F238E27FC236}">
-                <a16:creationId xmlns:a16="http://schemas.microsoft.com/office/drawing/2014/main" id="{9896B29B-A1AE-E0C6-8543-753E63140B1C}"/>
+                <a16:creationId xmlns:a16="http://schemas.microsoft.com/office/drawing/2014/main" id="{D21C1AA9-5E52-3A11-B3B3-447787E29D09}"/>
               </a:ext>
             </a:extLst>
           </p:cNvPr>
@@ -6026,29 +7923,363 @@
             <a:spLocks noGrp="1"/>
           </p:cNvSpPr>
           <p:nvPr>
-            <p:ph type="ctrTitle"/>
+            <p:ph type="title"/>
           </p:nvPr>
         </p:nvSpPr>
         <p:spPr/>
         <p:txBody>
-          <a:bodyPr>
-            <a:normAutofit/>
+          <a:bodyPr/>
+          <a:lstStyle/>
+          <a:p>
+            <a:r>
+              <a:rPr lang="en-US" altLang="ko-KR" dirty="0"/>
+              <a:t>Payment Gateway </a:t>
+            </a:r>
+            <a:r>
+              <a:rPr lang="ko-KR" altLang="en-US" dirty="0"/>
+              <a:t>연동</a:t>
+            </a:r>
+          </a:p>
+        </p:txBody>
+      </p:sp>
+      <p:sp>
+        <p:nvSpPr>
+          <p:cNvPr id="7" name="Google Shape;209;p30">
+            <a:extLst>
+              <a:ext uri="{FF2B5EF4-FFF2-40B4-BE49-F238E27FC236}">
+                <a16:creationId xmlns:a16="http://schemas.microsoft.com/office/drawing/2014/main" id="{35F3E219-4EBB-8DE8-0966-E4317399395E}"/>
+              </a:ext>
+            </a:extLst>
+          </p:cNvPr>
+          <p:cNvSpPr/>
+          <p:nvPr/>
+        </p:nvSpPr>
+        <p:spPr>
+          <a:xfrm>
+            <a:off x="7811013" y="528014"/>
+            <a:ext cx="952500" cy="298200"/>
+          </a:xfrm>
+          <a:prstGeom prst="rect">
+            <a:avLst/>
+          </a:prstGeom>
+          <a:noFill/>
+          <a:ln>
+            <a:noFill/>
+          </a:ln>
+        </p:spPr>
+        <p:txBody>
+          <a:bodyPr spcFirstLastPara="1" wrap="square" lIns="19050" tIns="19050" rIns="19050" bIns="19050" anchor="t" anchorCtr="0">
+            <a:noAutofit/>
           </a:bodyPr>
           <a:lstStyle/>
           <a:p>
-            <a:r>
-              <a:rPr lang="ko-KR" altLang="en-US" b="1" dirty="0"/>
-              <a:t>결제서비스 구현</a:t>
-            </a:r>
-          </a:p>
-        </p:txBody>
-      </p:sp>
-      <p:sp>
-        <p:nvSpPr>
-          <p:cNvPr id="4" name="부제목 3">
+            <a:pPr marL="63500" marR="0" lvl="1" indent="0" algn="l" rtl="0">
+              <a:lnSpc>
+                <a:spcPct val="90000"/>
+              </a:lnSpc>
+              <a:spcBef>
+                <a:spcPts val="0"/>
+              </a:spcBef>
+              <a:spcAft>
+                <a:spcPts val="0"/>
+              </a:spcAft>
+              <a:buNone/>
+            </a:pPr>
+            <a:r>
+              <a:rPr lang="en-US" altLang="ko" sz="1200" b="1" i="0" u="none" strike="noStrike" cap="none" dirty="0">
+                <a:solidFill>
+                  <a:schemeClr val="bg1"/>
+                </a:solidFill>
+                <a:latin typeface="Arial"/>
+                <a:ea typeface="Arial"/>
+                <a:cs typeface="Arial"/>
+                <a:sym typeface="Arial"/>
+              </a:rPr>
+              <a:t>4</a:t>
+            </a:r>
+            <a:r>
+              <a:rPr lang="ko" sz="1200" b="1" i="0" u="none" strike="noStrike" cap="none" dirty="0">
+                <a:solidFill>
+                  <a:schemeClr val="bg1"/>
+                </a:solidFill>
+                <a:latin typeface="Arial"/>
+                <a:ea typeface="Arial"/>
+                <a:cs typeface="Arial"/>
+                <a:sym typeface="Arial"/>
+              </a:rPr>
+              <a:t>.</a:t>
+            </a:r>
+            <a:endParaRPr sz="500" dirty="0">
+              <a:solidFill>
+                <a:schemeClr val="bg1"/>
+              </a:solidFill>
+            </a:endParaRPr>
+          </a:p>
+        </p:txBody>
+      </p:sp>
+      <p:sp>
+        <p:nvSpPr>
+          <p:cNvPr id="8" name="Google Shape;210;p30">
             <a:extLst>
               <a:ext uri="{FF2B5EF4-FFF2-40B4-BE49-F238E27FC236}">
-                <a16:creationId xmlns:a16="http://schemas.microsoft.com/office/drawing/2014/main" id="{7219E4B9-47F6-C7CA-B046-1256225C3574}"/>
+                <a16:creationId xmlns:a16="http://schemas.microsoft.com/office/drawing/2014/main" id="{8CB63A74-B5C7-DCAA-53F5-96E44004D694}"/>
+              </a:ext>
+            </a:extLst>
+          </p:cNvPr>
+          <p:cNvSpPr/>
+          <p:nvPr/>
+        </p:nvSpPr>
+        <p:spPr>
+          <a:xfrm>
+            <a:off x="7811013" y="825047"/>
+            <a:ext cx="952500" cy="293400"/>
+          </a:xfrm>
+          <a:prstGeom prst="rect">
+            <a:avLst/>
+          </a:prstGeom>
+          <a:noFill/>
+          <a:ln>
+            <a:noFill/>
+          </a:ln>
+        </p:spPr>
+        <p:txBody>
+          <a:bodyPr spcFirstLastPara="1" wrap="square" lIns="19050" tIns="19050" rIns="19050" bIns="19050" anchor="t" anchorCtr="0">
+            <a:noAutofit/>
+          </a:bodyPr>
+          <a:lstStyle/>
+          <a:p>
+            <a:pPr marL="63500" marR="0" lvl="1" indent="0" algn="l" rtl="0">
+              <a:spcBef>
+                <a:spcPts val="200"/>
+              </a:spcBef>
+              <a:spcAft>
+                <a:spcPts val="0"/>
+              </a:spcAft>
+              <a:buClr>
+                <a:srgbClr val="000000"/>
+              </a:buClr>
+              <a:buFont typeface="Arial"/>
+              <a:buNone/>
+            </a:pPr>
+            <a:r>
+              <a:rPr lang="ko-KR" altLang="en-US" sz="800" dirty="0">
+                <a:solidFill>
+                  <a:schemeClr val="bg1"/>
+                </a:solidFill>
+              </a:rPr>
+              <a:t>환경구성</a:t>
+            </a:r>
+            <a:endParaRPr sz="800" dirty="0">
+              <a:solidFill>
+                <a:schemeClr val="bg1"/>
+              </a:solidFill>
+            </a:endParaRPr>
+          </a:p>
+        </p:txBody>
+      </p:sp>
+      <p:pic>
+        <p:nvPicPr>
+          <p:cNvPr id="10" name="그림 9">
+            <a:extLst>
+              <a:ext uri="{FF2B5EF4-FFF2-40B4-BE49-F238E27FC236}">
+                <a16:creationId xmlns:a16="http://schemas.microsoft.com/office/drawing/2014/main" id="{CD135EC7-18D1-6600-9C39-01B48DA844B2}"/>
+              </a:ext>
+            </a:extLst>
+          </p:cNvPr>
+          <p:cNvPicPr>
+            <a:picLocks noChangeAspect="1"/>
+          </p:cNvPicPr>
+          <p:nvPr/>
+        </p:nvPicPr>
+        <p:blipFill>
+          <a:blip r:embed="rId3"/>
+          <a:stretch>
+            <a:fillRect/>
+          </a:stretch>
+        </p:blipFill>
+        <p:spPr>
+          <a:xfrm>
+            <a:off x="4957961" y="1655289"/>
+            <a:ext cx="2610525" cy="916461"/>
+          </a:xfrm>
+          <a:prstGeom prst="rect">
+            <a:avLst/>
+          </a:prstGeom>
+        </p:spPr>
+      </p:pic>
+      <p:pic>
+        <p:nvPicPr>
+          <p:cNvPr id="2058" name="Picture 10">
+            <a:extLst>
+              <a:ext uri="{FF2B5EF4-FFF2-40B4-BE49-F238E27FC236}">
+                <a16:creationId xmlns:a16="http://schemas.microsoft.com/office/drawing/2014/main" id="{FF96E135-B453-5D7F-DF9A-CDEDCD29C0A5}"/>
+              </a:ext>
+            </a:extLst>
+          </p:cNvPr>
+          <p:cNvPicPr>
+            <a:picLocks noChangeAspect="1" noChangeArrowheads="1"/>
+          </p:cNvPicPr>
+          <p:nvPr/>
+        </p:nvPicPr>
+        <p:blipFill>
+          <a:blip r:embed="rId4">
+            <a:extLst>
+              <a:ext uri="{28A0092B-C50C-407E-A947-70E740481C1C}">
+                <a14:useLocalDpi xmlns:a14="http://schemas.microsoft.com/office/drawing/2010/main" val="0"/>
+              </a:ext>
+            </a:extLst>
+          </a:blip>
+          <a:srcRect/>
+          <a:stretch>
+            <a:fillRect/>
+          </a:stretch>
+        </p:blipFill>
+        <p:spPr bwMode="auto">
+          <a:xfrm>
+            <a:off x="4460284" y="2480831"/>
+            <a:ext cx="4039885" cy="1626447"/>
+          </a:xfrm>
+          <a:prstGeom prst="rect">
+            <a:avLst/>
+          </a:prstGeom>
+          <a:noFill/>
+          <a:extLst>
+            <a:ext uri="{909E8E84-426E-40DD-AFC4-6F175D3DCCD1}">
+              <a14:hiddenFill xmlns:a14="http://schemas.microsoft.com/office/drawing/2010/main">
+                <a:solidFill>
+                  <a:srgbClr val="FFFFFF"/>
+                </a:solidFill>
+              </a14:hiddenFill>
+            </a:ext>
+          </a:extLst>
+        </p:spPr>
+      </p:pic>
+      <p:pic>
+        <p:nvPicPr>
+          <p:cNvPr id="12" name="그림 11">
+            <a:extLst>
+              <a:ext uri="{FF2B5EF4-FFF2-40B4-BE49-F238E27FC236}">
+                <a16:creationId xmlns:a16="http://schemas.microsoft.com/office/drawing/2014/main" id="{4C886B06-2F04-F644-F062-74803EEB3F4B}"/>
+              </a:ext>
+            </a:extLst>
+          </p:cNvPr>
+          <p:cNvPicPr>
+            <a:picLocks noChangeAspect="1"/>
+          </p:cNvPicPr>
+          <p:nvPr/>
+        </p:nvPicPr>
+        <p:blipFill>
+          <a:blip r:embed="rId5"/>
+          <a:stretch>
+            <a:fillRect/>
+          </a:stretch>
+        </p:blipFill>
+        <p:spPr>
+          <a:xfrm>
+            <a:off x="1252748" y="3997113"/>
+            <a:ext cx="2239753" cy="849835"/>
+          </a:xfrm>
+          <a:prstGeom prst="rect">
+            <a:avLst/>
+          </a:prstGeom>
+        </p:spPr>
+      </p:pic>
+      <p:pic>
+        <p:nvPicPr>
+          <p:cNvPr id="14" name="그림 13">
+            <a:extLst>
+              <a:ext uri="{FF2B5EF4-FFF2-40B4-BE49-F238E27FC236}">
+                <a16:creationId xmlns:a16="http://schemas.microsoft.com/office/drawing/2014/main" id="{DC07C64A-4449-99E1-FF24-FCA0EC773270}"/>
+              </a:ext>
+            </a:extLst>
+          </p:cNvPr>
+          <p:cNvPicPr>
+            <a:picLocks noChangeAspect="1"/>
+          </p:cNvPicPr>
+          <p:nvPr/>
+        </p:nvPicPr>
+        <p:blipFill>
+          <a:blip r:embed="rId6"/>
+          <a:stretch>
+            <a:fillRect/>
+          </a:stretch>
+        </p:blipFill>
+        <p:spPr>
+          <a:xfrm>
+            <a:off x="1132781" y="2730288"/>
+            <a:ext cx="3143929" cy="1127535"/>
+          </a:xfrm>
+          <a:prstGeom prst="rect">
+            <a:avLst/>
+          </a:prstGeom>
+        </p:spPr>
+      </p:pic>
+      <p:pic>
+        <p:nvPicPr>
+          <p:cNvPr id="16" name="그림 15">
+            <a:extLst>
+              <a:ext uri="{FF2B5EF4-FFF2-40B4-BE49-F238E27FC236}">
+                <a16:creationId xmlns:a16="http://schemas.microsoft.com/office/drawing/2014/main" id="{A1DB08C9-A567-76F2-BF82-573D3C87C896}"/>
+              </a:ext>
+            </a:extLst>
+          </p:cNvPr>
+          <p:cNvPicPr>
+            <a:picLocks noChangeAspect="1"/>
+          </p:cNvPicPr>
+          <p:nvPr/>
+        </p:nvPicPr>
+        <p:blipFill>
+          <a:blip r:embed="rId7"/>
+          <a:stretch>
+            <a:fillRect/>
+          </a:stretch>
+        </p:blipFill>
+        <p:spPr>
+          <a:xfrm>
+            <a:off x="1252749" y="1571413"/>
+            <a:ext cx="2239752" cy="1037289"/>
+          </a:xfrm>
+          <a:prstGeom prst="rect">
+            <a:avLst/>
+          </a:prstGeom>
+        </p:spPr>
+      </p:pic>
+    </p:spTree>
+    <p:extLst>
+      <p:ext uri="{BB962C8B-B14F-4D97-AF65-F5344CB8AC3E}">
+        <p14:creationId xmlns:p14="http://schemas.microsoft.com/office/powerpoint/2010/main" val="1231488635"/>
+      </p:ext>
+    </p:extLst>
+  </p:cSld>
+  <p:clrMapOvr>
+    <a:masterClrMapping/>
+  </p:clrMapOvr>
+</p:sld>
+</file>
+
+<file path=ppt/slides/slide19.xml><?xml version="1.0" encoding="utf-8"?>
+<p:sld xmlns:a="http://schemas.openxmlformats.org/drawingml/2006/main" xmlns:r="http://schemas.openxmlformats.org/officeDocument/2006/relationships" xmlns:p="http://schemas.openxmlformats.org/presentationml/2006/main">
+  <p:cSld>
+    <p:spTree>
+      <p:nvGrpSpPr>
+        <p:cNvPr id="1" name=""/>
+        <p:cNvGrpSpPr/>
+        <p:nvPr/>
+      </p:nvGrpSpPr>
+      <p:grpSpPr>
+        <a:xfrm>
+          <a:off x="0" y="0"/>
+          <a:ext cx="0" cy="0"/>
+          <a:chOff x="0" y="0"/>
+          <a:chExt cx="0" cy="0"/>
+        </a:xfrm>
+      </p:grpSpPr>
+      <p:sp>
+        <p:nvSpPr>
+          <p:cNvPr id="2" name="제목 1">
+            <a:extLst>
+              <a:ext uri="{FF2B5EF4-FFF2-40B4-BE49-F238E27FC236}">
+                <a16:creationId xmlns:a16="http://schemas.microsoft.com/office/drawing/2014/main" id="{D21C1AA9-5E52-3A11-B3B3-447787E29D09}"/>
               </a:ext>
             </a:extLst>
           </p:cNvPr>
@@ -6056,54 +8287,292 @@
             <a:spLocks noGrp="1"/>
           </p:cNvSpPr>
           <p:nvPr>
-            <p:ph type="subTitle" idx="1"/>
+            <p:ph type="title"/>
           </p:nvPr>
         </p:nvSpPr>
         <p:spPr/>
         <p:txBody>
-          <a:bodyPr>
-            <a:normAutofit/>
+          <a:bodyPr/>
+          <a:lstStyle/>
+          <a:p>
+            <a:r>
+              <a:rPr lang="en-US" altLang="ko-KR" dirty="0"/>
+              <a:t>Payment Gateway (</a:t>
+            </a:r>
+            <a:r>
+              <a:rPr lang="ko-KR" altLang="en-US" dirty="0"/>
+              <a:t>토스페이</a:t>
+            </a:r>
+            <a:r>
+              <a:rPr lang="en-US" altLang="ko-KR" dirty="0"/>
+              <a:t>) </a:t>
+            </a:r>
+            <a:r>
+              <a:rPr lang="ko-KR" altLang="en-US" dirty="0"/>
+              <a:t>연동 준비</a:t>
+            </a:r>
+          </a:p>
+        </p:txBody>
+      </p:sp>
+      <p:sp>
+        <p:nvSpPr>
+          <p:cNvPr id="4" name="내용 개체 틀 3">
+            <a:extLst>
+              <a:ext uri="{FF2B5EF4-FFF2-40B4-BE49-F238E27FC236}">
+                <a16:creationId xmlns:a16="http://schemas.microsoft.com/office/drawing/2014/main" id="{42F6317C-F28B-ECBE-0810-17736FC7D8AB}"/>
+              </a:ext>
+            </a:extLst>
+          </p:cNvPr>
+          <p:cNvSpPr>
+            <a:spLocks noGrp="1"/>
+          </p:cNvSpPr>
+          <p:nvPr>
+            <p:ph idx="1"/>
+          </p:nvPr>
+        </p:nvSpPr>
+        <p:spPr/>
+        <p:txBody>
+          <a:bodyPr/>
+          <a:lstStyle/>
+          <a:p>
+            <a:pPr marL="0" indent="0">
+              <a:buNone/>
+            </a:pPr>
+            <a:r>
+              <a:rPr lang="ko-KR" altLang="en-US" dirty="0"/>
+              <a:t>회원가입</a:t>
+            </a:r>
+            <a:endParaRPr lang="en-US" altLang="ko-KR" dirty="0"/>
+          </a:p>
+          <a:p>
+            <a:pPr marL="342900" lvl="1" indent="0">
+              <a:buNone/>
+            </a:pPr>
+            <a:r>
+              <a:rPr lang="en-US" altLang="ko-KR" dirty="0">
+                <a:effectLst/>
+                <a:hlinkClick r:id="rId3"/>
+              </a:rPr>
+              <a:t>https://developers.tosspayments.com</a:t>
+            </a:r>
+            <a:endParaRPr lang="en-US" altLang="ko-KR" dirty="0">
+              <a:effectLst/>
+            </a:endParaRPr>
+          </a:p>
+          <a:p>
+            <a:pPr marL="685800" lvl="2" indent="0">
+              <a:buNone/>
+            </a:pPr>
+            <a:r>
+              <a:rPr lang="ko-KR" altLang="en-US" dirty="0"/>
+              <a:t>연동가이드 </a:t>
+            </a:r>
+            <a:r>
+              <a:rPr lang="en-US" altLang="ko-KR" dirty="0"/>
+              <a:t>&gt; </a:t>
+            </a:r>
+            <a:r>
+              <a:rPr lang="ko-KR" altLang="en-US" dirty="0"/>
+              <a:t>연동 준비하기 </a:t>
+            </a:r>
+            <a:r>
+              <a:rPr lang="en-US" altLang="ko-KR" dirty="0"/>
+              <a:t>&gt; </a:t>
+            </a:r>
+            <a:r>
+              <a:rPr lang="ko-KR" altLang="en-US" dirty="0"/>
+              <a:t>회원가입 </a:t>
+            </a:r>
+            <a:r>
+              <a:rPr lang="en-US" altLang="ko-KR" sz="900" dirty="0"/>
+              <a:t>(</a:t>
+            </a:r>
+            <a:r>
+              <a:rPr lang="en-US" altLang="ko-KR" sz="900" dirty="0">
+                <a:effectLst/>
+                <a:hlinkClick r:id="rId4"/>
+              </a:rPr>
+              <a:t>https://app.tosspayments.com/signup</a:t>
+            </a:r>
+            <a:r>
+              <a:rPr lang="en-US" altLang="ko-KR" sz="900" dirty="0">
+                <a:effectLst/>
+              </a:rPr>
+              <a:t>)</a:t>
+            </a:r>
+            <a:endParaRPr lang="en-US" altLang="ko-KR" sz="900" dirty="0"/>
+          </a:p>
+        </p:txBody>
+      </p:sp>
+      <p:sp>
+        <p:nvSpPr>
+          <p:cNvPr id="7" name="Google Shape;209;p30">
+            <a:extLst>
+              <a:ext uri="{FF2B5EF4-FFF2-40B4-BE49-F238E27FC236}">
+                <a16:creationId xmlns:a16="http://schemas.microsoft.com/office/drawing/2014/main" id="{35F3E219-4EBB-8DE8-0966-E4317399395E}"/>
+              </a:ext>
+            </a:extLst>
+          </p:cNvPr>
+          <p:cNvSpPr/>
+          <p:nvPr/>
+        </p:nvSpPr>
+        <p:spPr>
+          <a:xfrm>
+            <a:off x="7811013" y="528014"/>
+            <a:ext cx="952500" cy="298200"/>
+          </a:xfrm>
+          <a:prstGeom prst="rect">
+            <a:avLst/>
+          </a:prstGeom>
+          <a:noFill/>
+          <a:ln>
+            <a:noFill/>
+          </a:ln>
+        </p:spPr>
+        <p:txBody>
+          <a:bodyPr spcFirstLastPara="1" wrap="square" lIns="19050" tIns="19050" rIns="19050" bIns="19050" anchor="t" anchorCtr="0">
+            <a:noAutofit/>
           </a:bodyPr>
           <a:lstStyle/>
           <a:p>
-            <a:pPr marL="0" indent="0" algn="r">
+            <a:pPr marL="63500" marR="0" lvl="1" indent="0" algn="l" rtl="0">
+              <a:lnSpc>
+                <a:spcPct val="90000"/>
+              </a:lnSpc>
+              <a:spcBef>
+                <a:spcPts val="0"/>
+              </a:spcBef>
+              <a:spcAft>
+                <a:spcPts val="0"/>
+              </a:spcAft>
               <a:buNone/>
             </a:pPr>
             <a:r>
-              <a:rPr lang="en-US" altLang="ko" b="1" dirty="0">
+              <a:rPr lang="en-US" altLang="ko" sz="1200" b="1" i="0" u="none" strike="noStrike" cap="none" dirty="0">
                 <a:solidFill>
-                  <a:srgbClr val="ED234B"/>
+                  <a:schemeClr val="bg1"/>
                 </a:solidFill>
-              </a:rPr>
-              <a:t>5</a:t>
-            </a:r>
-            <a:r>
-              <a:rPr lang="ko" altLang="ko-KR" b="1" dirty="0">
+                <a:latin typeface="Arial"/>
+                <a:ea typeface="Arial"/>
+                <a:cs typeface="Arial"/>
+                <a:sym typeface="Arial"/>
+              </a:rPr>
+              <a:t>4</a:t>
+            </a:r>
+            <a:r>
+              <a:rPr lang="ko" sz="1200" b="1" i="0" u="none" strike="noStrike" cap="none" dirty="0">
                 <a:solidFill>
-                  <a:srgbClr val="ED234B"/>
+                  <a:schemeClr val="bg1"/>
                 </a:solidFill>
-              </a:rPr>
-              <a:t> </a:t>
-            </a:r>
-            <a:r>
-              <a:rPr lang="ko-KR" altLang="en-US" dirty="0"/>
-              <a:t>이력조회 </a:t>
-            </a:r>
-            <a:r>
-              <a:rPr lang="en-US" altLang="ko-KR" dirty="0"/>
-              <a:t>API </a:t>
-            </a:r>
-            <a:r>
-              <a:rPr lang="ko-KR" altLang="en-US" dirty="0"/>
-              <a:t>구현</a:t>
-            </a:r>
-          </a:p>
-        </p:txBody>
-      </p:sp>
+                <a:latin typeface="Arial"/>
+                <a:ea typeface="Arial"/>
+                <a:cs typeface="Arial"/>
+                <a:sym typeface="Arial"/>
+              </a:rPr>
+              <a:t>.</a:t>
+            </a:r>
+            <a:endParaRPr sz="500" dirty="0">
+              <a:solidFill>
+                <a:schemeClr val="bg1"/>
+              </a:solidFill>
+            </a:endParaRPr>
+          </a:p>
+        </p:txBody>
+      </p:sp>
+      <p:sp>
+        <p:nvSpPr>
+          <p:cNvPr id="8" name="Google Shape;210;p30">
+            <a:extLst>
+              <a:ext uri="{FF2B5EF4-FFF2-40B4-BE49-F238E27FC236}">
+                <a16:creationId xmlns:a16="http://schemas.microsoft.com/office/drawing/2014/main" id="{8CB63A74-B5C7-DCAA-53F5-96E44004D694}"/>
+              </a:ext>
+            </a:extLst>
+          </p:cNvPr>
+          <p:cNvSpPr/>
+          <p:nvPr/>
+        </p:nvSpPr>
+        <p:spPr>
+          <a:xfrm>
+            <a:off x="7811013" y="825047"/>
+            <a:ext cx="952500" cy="293400"/>
+          </a:xfrm>
+          <a:prstGeom prst="rect">
+            <a:avLst/>
+          </a:prstGeom>
+          <a:noFill/>
+          <a:ln>
+            <a:noFill/>
+          </a:ln>
+        </p:spPr>
+        <p:txBody>
+          <a:bodyPr spcFirstLastPara="1" wrap="square" lIns="19050" tIns="19050" rIns="19050" bIns="19050" anchor="t" anchorCtr="0">
+            <a:noAutofit/>
+          </a:bodyPr>
+          <a:lstStyle/>
+          <a:p>
+            <a:pPr marL="63500" marR="0" lvl="1" indent="0" algn="l" rtl="0">
+              <a:spcBef>
+                <a:spcPts val="200"/>
+              </a:spcBef>
+              <a:spcAft>
+                <a:spcPts val="0"/>
+              </a:spcAft>
+              <a:buClr>
+                <a:srgbClr val="000000"/>
+              </a:buClr>
+              <a:buFont typeface="Arial"/>
+              <a:buNone/>
+            </a:pPr>
+            <a:r>
+              <a:rPr lang="ko-KR" altLang="en-US" sz="800" dirty="0">
+                <a:solidFill>
+                  <a:schemeClr val="bg1"/>
+                </a:solidFill>
+              </a:rPr>
+              <a:t>환경구성</a:t>
+            </a:r>
+            <a:endParaRPr sz="800" dirty="0">
+              <a:solidFill>
+                <a:schemeClr val="bg1"/>
+              </a:solidFill>
+            </a:endParaRPr>
+          </a:p>
+        </p:txBody>
+      </p:sp>
+      <p:pic>
+        <p:nvPicPr>
+          <p:cNvPr id="5" name="그림 4">
+            <a:extLst>
+              <a:ext uri="{FF2B5EF4-FFF2-40B4-BE49-F238E27FC236}">
+                <a16:creationId xmlns:a16="http://schemas.microsoft.com/office/drawing/2014/main" id="{39876373-2A3E-913F-167E-A96CA88D1282}"/>
+              </a:ext>
+            </a:extLst>
+          </p:cNvPr>
+          <p:cNvPicPr>
+            <a:picLocks noChangeAspect="1"/>
+          </p:cNvPicPr>
+          <p:nvPr/>
+        </p:nvPicPr>
+        <p:blipFill>
+          <a:blip r:embed="rId5"/>
+          <a:stretch>
+            <a:fillRect/>
+          </a:stretch>
+        </p:blipFill>
+        <p:spPr>
+          <a:xfrm>
+            <a:off x="1466850" y="2571750"/>
+            <a:ext cx="4320642" cy="2447644"/>
+          </a:xfrm>
+          <a:prstGeom prst="rect">
+            <a:avLst/>
+          </a:prstGeom>
+        </p:spPr>
+      </p:pic>
     </p:spTree>
     <p:extLst>
       <p:ext uri="{BB962C8B-B14F-4D97-AF65-F5344CB8AC3E}">
-        <p14:creationId xmlns:p14="http://schemas.microsoft.com/office/powerpoint/2010/main" val="371869985"/>
+        <p14:creationId xmlns:p14="http://schemas.microsoft.com/office/powerpoint/2010/main" val="1847620418"/>
       </p:ext>
     </p:extLst>
   </p:cSld>
@@ -6359,6 +8828,2280 @@
 </p:sld>
 </file>
 
+<file path=ppt/slides/slide20.xml><?xml version="1.0" encoding="utf-8"?>
+<p:sld xmlns:a="http://schemas.openxmlformats.org/drawingml/2006/main" xmlns:r="http://schemas.openxmlformats.org/officeDocument/2006/relationships" xmlns:p="http://schemas.openxmlformats.org/presentationml/2006/main">
+  <p:cSld>
+    <p:spTree>
+      <p:nvGrpSpPr>
+        <p:cNvPr id="1" name=""/>
+        <p:cNvGrpSpPr/>
+        <p:nvPr/>
+      </p:nvGrpSpPr>
+      <p:grpSpPr>
+        <a:xfrm>
+          <a:off x="0" y="0"/>
+          <a:ext cx="0" cy="0"/>
+          <a:chOff x="0" y="0"/>
+          <a:chExt cx="0" cy="0"/>
+        </a:xfrm>
+      </p:grpSpPr>
+      <p:sp>
+        <p:nvSpPr>
+          <p:cNvPr id="2" name="제목 1">
+            <a:extLst>
+              <a:ext uri="{FF2B5EF4-FFF2-40B4-BE49-F238E27FC236}">
+                <a16:creationId xmlns:a16="http://schemas.microsoft.com/office/drawing/2014/main" id="{D21C1AA9-5E52-3A11-B3B3-447787E29D09}"/>
+              </a:ext>
+            </a:extLst>
+          </p:cNvPr>
+          <p:cNvSpPr>
+            <a:spLocks noGrp="1"/>
+          </p:cNvSpPr>
+          <p:nvPr>
+            <p:ph type="title"/>
+          </p:nvPr>
+        </p:nvSpPr>
+        <p:spPr/>
+        <p:txBody>
+          <a:bodyPr/>
+          <a:lstStyle/>
+          <a:p>
+            <a:r>
+              <a:rPr lang="en-US" altLang="ko-KR" dirty="0"/>
+              <a:t>Payment Gateway (</a:t>
+            </a:r>
+            <a:r>
+              <a:rPr lang="ko-KR" altLang="en-US" dirty="0"/>
+              <a:t>토스페이</a:t>
+            </a:r>
+            <a:r>
+              <a:rPr lang="en-US" altLang="ko-KR" dirty="0"/>
+              <a:t>) </a:t>
+            </a:r>
+            <a:r>
+              <a:rPr lang="ko-KR" altLang="en-US" dirty="0"/>
+              <a:t>연동 준비</a:t>
+            </a:r>
+          </a:p>
+        </p:txBody>
+      </p:sp>
+      <p:sp>
+        <p:nvSpPr>
+          <p:cNvPr id="4" name="내용 개체 틀 3">
+            <a:extLst>
+              <a:ext uri="{FF2B5EF4-FFF2-40B4-BE49-F238E27FC236}">
+                <a16:creationId xmlns:a16="http://schemas.microsoft.com/office/drawing/2014/main" id="{42F6317C-F28B-ECBE-0810-17736FC7D8AB}"/>
+              </a:ext>
+            </a:extLst>
+          </p:cNvPr>
+          <p:cNvSpPr>
+            <a:spLocks noGrp="1"/>
+          </p:cNvSpPr>
+          <p:nvPr>
+            <p:ph idx="1"/>
+          </p:nvPr>
+        </p:nvSpPr>
+        <p:spPr/>
+        <p:txBody>
+          <a:bodyPr/>
+          <a:lstStyle/>
+          <a:p>
+            <a:pPr marL="0" indent="0">
+              <a:buNone/>
+            </a:pPr>
+            <a:r>
+              <a:rPr lang="ko-KR" altLang="en-US" dirty="0"/>
+              <a:t>테스트 </a:t>
+            </a:r>
+            <a:r>
+              <a:rPr lang="en-US" altLang="ko-KR" dirty="0"/>
+              <a:t>API </a:t>
+            </a:r>
+            <a:r>
+              <a:rPr lang="ko-KR" altLang="en-US" dirty="0"/>
+              <a:t>키 확인</a:t>
+            </a:r>
+            <a:endParaRPr lang="en-US" altLang="ko-KR" dirty="0"/>
+          </a:p>
+          <a:p>
+            <a:pPr marL="342900" lvl="1" indent="0">
+              <a:buNone/>
+            </a:pPr>
+            <a:r>
+              <a:rPr lang="en-US" altLang="ko-KR" dirty="0">
+                <a:effectLst/>
+                <a:hlinkClick r:id="rId3"/>
+              </a:rPr>
+              <a:t>https://developers.tosspayments.com/my/api-keys</a:t>
+            </a:r>
+            <a:endParaRPr lang="en-US" altLang="ko-KR" dirty="0">
+              <a:effectLst/>
+            </a:endParaRPr>
+          </a:p>
+        </p:txBody>
+      </p:sp>
+      <p:sp>
+        <p:nvSpPr>
+          <p:cNvPr id="7" name="Google Shape;209;p30">
+            <a:extLst>
+              <a:ext uri="{FF2B5EF4-FFF2-40B4-BE49-F238E27FC236}">
+                <a16:creationId xmlns:a16="http://schemas.microsoft.com/office/drawing/2014/main" id="{35F3E219-4EBB-8DE8-0966-E4317399395E}"/>
+              </a:ext>
+            </a:extLst>
+          </p:cNvPr>
+          <p:cNvSpPr/>
+          <p:nvPr/>
+        </p:nvSpPr>
+        <p:spPr>
+          <a:xfrm>
+            <a:off x="7811013" y="528014"/>
+            <a:ext cx="952500" cy="298200"/>
+          </a:xfrm>
+          <a:prstGeom prst="rect">
+            <a:avLst/>
+          </a:prstGeom>
+          <a:noFill/>
+          <a:ln>
+            <a:noFill/>
+          </a:ln>
+        </p:spPr>
+        <p:txBody>
+          <a:bodyPr spcFirstLastPara="1" wrap="square" lIns="19050" tIns="19050" rIns="19050" bIns="19050" anchor="t" anchorCtr="0">
+            <a:noAutofit/>
+          </a:bodyPr>
+          <a:lstStyle/>
+          <a:p>
+            <a:pPr marL="63500" marR="0" lvl="1" indent="0" algn="l" rtl="0">
+              <a:lnSpc>
+                <a:spcPct val="90000"/>
+              </a:lnSpc>
+              <a:spcBef>
+                <a:spcPts val="0"/>
+              </a:spcBef>
+              <a:spcAft>
+                <a:spcPts val="0"/>
+              </a:spcAft>
+              <a:buNone/>
+            </a:pPr>
+            <a:r>
+              <a:rPr lang="en-US" altLang="ko" sz="1200" b="1" i="0" u="none" strike="noStrike" cap="none" dirty="0">
+                <a:solidFill>
+                  <a:schemeClr val="bg1"/>
+                </a:solidFill>
+                <a:latin typeface="Arial"/>
+                <a:ea typeface="Arial"/>
+                <a:cs typeface="Arial"/>
+                <a:sym typeface="Arial"/>
+              </a:rPr>
+              <a:t>4</a:t>
+            </a:r>
+            <a:r>
+              <a:rPr lang="ko" sz="1200" b="1" i="0" u="none" strike="noStrike" cap="none" dirty="0">
+                <a:solidFill>
+                  <a:schemeClr val="bg1"/>
+                </a:solidFill>
+                <a:latin typeface="Arial"/>
+                <a:ea typeface="Arial"/>
+                <a:cs typeface="Arial"/>
+                <a:sym typeface="Arial"/>
+              </a:rPr>
+              <a:t>.</a:t>
+            </a:r>
+            <a:endParaRPr sz="500" dirty="0">
+              <a:solidFill>
+                <a:schemeClr val="bg1"/>
+              </a:solidFill>
+            </a:endParaRPr>
+          </a:p>
+        </p:txBody>
+      </p:sp>
+      <p:sp>
+        <p:nvSpPr>
+          <p:cNvPr id="8" name="Google Shape;210;p30">
+            <a:extLst>
+              <a:ext uri="{FF2B5EF4-FFF2-40B4-BE49-F238E27FC236}">
+                <a16:creationId xmlns:a16="http://schemas.microsoft.com/office/drawing/2014/main" id="{8CB63A74-B5C7-DCAA-53F5-96E44004D694}"/>
+              </a:ext>
+            </a:extLst>
+          </p:cNvPr>
+          <p:cNvSpPr/>
+          <p:nvPr/>
+        </p:nvSpPr>
+        <p:spPr>
+          <a:xfrm>
+            <a:off x="7811013" y="825047"/>
+            <a:ext cx="952500" cy="293400"/>
+          </a:xfrm>
+          <a:prstGeom prst="rect">
+            <a:avLst/>
+          </a:prstGeom>
+          <a:noFill/>
+          <a:ln>
+            <a:noFill/>
+          </a:ln>
+        </p:spPr>
+        <p:txBody>
+          <a:bodyPr spcFirstLastPara="1" wrap="square" lIns="19050" tIns="19050" rIns="19050" bIns="19050" anchor="t" anchorCtr="0">
+            <a:noAutofit/>
+          </a:bodyPr>
+          <a:lstStyle/>
+          <a:p>
+            <a:pPr marL="63500" marR="0" lvl="1" indent="0" algn="l" rtl="0">
+              <a:spcBef>
+                <a:spcPts val="200"/>
+              </a:spcBef>
+              <a:spcAft>
+                <a:spcPts val="0"/>
+              </a:spcAft>
+              <a:buClr>
+                <a:srgbClr val="000000"/>
+              </a:buClr>
+              <a:buFont typeface="Arial"/>
+              <a:buNone/>
+            </a:pPr>
+            <a:r>
+              <a:rPr lang="ko-KR" altLang="en-US" sz="800" dirty="0">
+                <a:solidFill>
+                  <a:schemeClr val="bg1"/>
+                </a:solidFill>
+              </a:rPr>
+              <a:t>환경구성</a:t>
+            </a:r>
+            <a:endParaRPr sz="800" dirty="0">
+              <a:solidFill>
+                <a:schemeClr val="bg1"/>
+              </a:solidFill>
+            </a:endParaRPr>
+          </a:p>
+        </p:txBody>
+      </p:sp>
+      <p:pic>
+        <p:nvPicPr>
+          <p:cNvPr id="6" name="그림 5">
+            <a:extLst>
+              <a:ext uri="{FF2B5EF4-FFF2-40B4-BE49-F238E27FC236}">
+                <a16:creationId xmlns:a16="http://schemas.microsoft.com/office/drawing/2014/main" id="{A7CE07A4-4D85-C795-4C2A-CD7C90E0AE1C}"/>
+              </a:ext>
+            </a:extLst>
+          </p:cNvPr>
+          <p:cNvPicPr>
+            <a:picLocks noChangeAspect="1"/>
+          </p:cNvPicPr>
+          <p:nvPr/>
+        </p:nvPicPr>
+        <p:blipFill>
+          <a:blip r:embed="rId4"/>
+          <a:stretch>
+            <a:fillRect/>
+          </a:stretch>
+        </p:blipFill>
+        <p:spPr>
+          <a:xfrm>
+            <a:off x="1081012" y="2171700"/>
+            <a:ext cx="3911013" cy="2876550"/>
+          </a:xfrm>
+          <a:prstGeom prst="rect">
+            <a:avLst/>
+          </a:prstGeom>
+        </p:spPr>
+      </p:pic>
+      <p:sp>
+        <p:nvSpPr>
+          <p:cNvPr id="9" name="사각형: 둥근 모서리 8">
+            <a:extLst>
+              <a:ext uri="{FF2B5EF4-FFF2-40B4-BE49-F238E27FC236}">
+                <a16:creationId xmlns:a16="http://schemas.microsoft.com/office/drawing/2014/main" id="{9D3F7641-3104-431A-15DF-E02D61D57CA4}"/>
+              </a:ext>
+            </a:extLst>
+          </p:cNvPr>
+          <p:cNvSpPr/>
+          <p:nvPr/>
+        </p:nvSpPr>
+        <p:spPr>
+          <a:xfrm>
+            <a:off x="2314575" y="3431381"/>
+            <a:ext cx="2428875" cy="795338"/>
+          </a:xfrm>
+          <a:prstGeom prst="roundRect">
+            <a:avLst>
+              <a:gd name="adj" fmla="val 5088"/>
+            </a:avLst>
+          </a:prstGeom>
+          <a:noFill/>
+          <a:ln w="28575">
+            <a:solidFill>
+              <a:srgbClr val="C00000"/>
+            </a:solidFill>
+          </a:ln>
+        </p:spPr>
+        <p:style>
+          <a:lnRef idx="2">
+            <a:schemeClr val="accent2"/>
+          </a:lnRef>
+          <a:fillRef idx="1">
+            <a:schemeClr val="lt1"/>
+          </a:fillRef>
+          <a:effectRef idx="0">
+            <a:schemeClr val="accent2"/>
+          </a:effectRef>
+          <a:fontRef idx="minor">
+            <a:schemeClr val="dk1"/>
+          </a:fontRef>
+        </p:style>
+        <p:txBody>
+          <a:bodyPr rtlCol="0" anchor="ctr"/>
+          <a:lstStyle/>
+          <a:p>
+            <a:pPr algn="ctr"/>
+            <a:endParaRPr lang="ko-KR" altLang="en-US"/>
+          </a:p>
+        </p:txBody>
+      </p:sp>
+    </p:spTree>
+    <p:extLst>
+      <p:ext uri="{BB962C8B-B14F-4D97-AF65-F5344CB8AC3E}">
+        <p14:creationId xmlns:p14="http://schemas.microsoft.com/office/powerpoint/2010/main" val="3362054757"/>
+      </p:ext>
+    </p:extLst>
+  </p:cSld>
+  <p:clrMapOvr>
+    <a:masterClrMapping/>
+  </p:clrMapOvr>
+</p:sld>
+</file>
+
+<file path=ppt/slides/slide21.xml><?xml version="1.0" encoding="utf-8"?>
+<p:sld xmlns:a="http://schemas.openxmlformats.org/drawingml/2006/main" xmlns:r="http://schemas.openxmlformats.org/officeDocument/2006/relationships" xmlns:p="http://schemas.openxmlformats.org/presentationml/2006/main">
+  <p:cSld>
+    <p:spTree>
+      <p:nvGrpSpPr>
+        <p:cNvPr id="1" name=""/>
+        <p:cNvGrpSpPr/>
+        <p:nvPr/>
+      </p:nvGrpSpPr>
+      <p:grpSpPr>
+        <a:xfrm>
+          <a:off x="0" y="0"/>
+          <a:ext cx="0" cy="0"/>
+          <a:chOff x="0" y="0"/>
+          <a:chExt cx="0" cy="0"/>
+        </a:xfrm>
+      </p:grpSpPr>
+      <p:sp>
+        <p:nvSpPr>
+          <p:cNvPr id="2" name="제목 1">
+            <a:extLst>
+              <a:ext uri="{FF2B5EF4-FFF2-40B4-BE49-F238E27FC236}">
+                <a16:creationId xmlns:a16="http://schemas.microsoft.com/office/drawing/2014/main" id="{D21C1AA9-5E52-3A11-B3B3-447787E29D09}"/>
+              </a:ext>
+            </a:extLst>
+          </p:cNvPr>
+          <p:cNvSpPr>
+            <a:spLocks noGrp="1"/>
+          </p:cNvSpPr>
+          <p:nvPr>
+            <p:ph type="title"/>
+          </p:nvPr>
+        </p:nvSpPr>
+        <p:spPr/>
+        <p:txBody>
+          <a:bodyPr/>
+          <a:lstStyle/>
+          <a:p>
+            <a:r>
+              <a:rPr lang="en-US" altLang="ko-KR" dirty="0"/>
+              <a:t>Payment Gateway (</a:t>
+            </a:r>
+            <a:r>
+              <a:rPr lang="ko-KR" altLang="en-US" dirty="0"/>
+              <a:t>토스페이</a:t>
+            </a:r>
+            <a:r>
+              <a:rPr lang="en-US" altLang="ko-KR" dirty="0"/>
+              <a:t>) </a:t>
+            </a:r>
+            <a:r>
+              <a:rPr lang="ko-KR" altLang="en-US" dirty="0"/>
+              <a:t>연동 준비</a:t>
+            </a:r>
+          </a:p>
+        </p:txBody>
+      </p:sp>
+      <p:sp>
+        <p:nvSpPr>
+          <p:cNvPr id="4" name="내용 개체 틀 3">
+            <a:extLst>
+              <a:ext uri="{FF2B5EF4-FFF2-40B4-BE49-F238E27FC236}">
+                <a16:creationId xmlns:a16="http://schemas.microsoft.com/office/drawing/2014/main" id="{42F6317C-F28B-ECBE-0810-17736FC7D8AB}"/>
+              </a:ext>
+            </a:extLst>
+          </p:cNvPr>
+          <p:cNvSpPr>
+            <a:spLocks noGrp="1"/>
+          </p:cNvSpPr>
+          <p:nvPr>
+            <p:ph idx="1"/>
+          </p:nvPr>
+        </p:nvSpPr>
+        <p:spPr/>
+        <p:txBody>
+          <a:bodyPr/>
+          <a:lstStyle/>
+          <a:p>
+            <a:pPr marL="0" indent="0">
+              <a:buNone/>
+            </a:pPr>
+            <a:r>
+              <a:rPr lang="en-US" altLang="ko-KR" dirty="0"/>
+              <a:t>Secret</a:t>
+            </a:r>
+            <a:r>
+              <a:rPr lang="ko-KR" altLang="en-US" dirty="0"/>
+              <a:t> 키 인코딩</a:t>
+            </a:r>
+            <a:endParaRPr lang="en-US" altLang="ko-KR" dirty="0"/>
+          </a:p>
+          <a:p>
+            <a:pPr marL="342900" lvl="1" indent="0">
+              <a:buNone/>
+            </a:pPr>
+            <a:r>
+              <a:rPr lang="en-US" altLang="ko-KR" sz="1400" u="sng" dirty="0">
+                <a:solidFill>
+                  <a:srgbClr val="0070C0"/>
+                </a:solidFill>
+                <a:hlinkClick r:id="rId3">
+                  <a:extLst>
+                    <a:ext uri="{A12FA001-AC4F-418D-AE19-62706E023703}">
+                      <ahyp:hlinkClr xmlns:ahyp="http://schemas.microsoft.com/office/drawing/2018/hyperlinkcolor" val="tx"/>
+                    </a:ext>
+                  </a:extLst>
+                </a:hlinkClick>
+              </a:rPr>
+              <a:t>https://docs.tosspayments.com/guides/payment-widget/integration#3-</a:t>
+            </a:r>
+            <a:r>
+              <a:rPr lang="ko-KR" altLang="en-US" sz="1400" u="sng" dirty="0">
+                <a:solidFill>
+                  <a:srgbClr val="0070C0"/>
+                </a:solidFill>
+              </a:rPr>
+              <a:t>결제</a:t>
+            </a:r>
+            <a:r>
+              <a:rPr lang="en-US" altLang="ko-KR" sz="1400" u="sng" dirty="0">
+                <a:solidFill>
+                  <a:srgbClr val="0070C0"/>
+                </a:solidFill>
+              </a:rPr>
+              <a:t>-</a:t>
+            </a:r>
+            <a:r>
+              <a:rPr lang="ko-KR" altLang="en-US" sz="1400" u="sng" dirty="0">
+                <a:solidFill>
+                  <a:srgbClr val="0070C0"/>
+                </a:solidFill>
+              </a:rPr>
+              <a:t>승인하기</a:t>
+            </a:r>
+            <a:endParaRPr lang="en-US" altLang="ko-KR" sz="1400" u="sng" dirty="0">
+              <a:solidFill>
+                <a:srgbClr val="0070C0"/>
+              </a:solidFill>
+            </a:endParaRPr>
+          </a:p>
+          <a:p>
+            <a:pPr marL="0" indent="0">
+              <a:buNone/>
+            </a:pPr>
+            <a:endParaRPr lang="en-US" altLang="ko-KR" sz="800" dirty="0"/>
+          </a:p>
+        </p:txBody>
+      </p:sp>
+      <p:sp>
+        <p:nvSpPr>
+          <p:cNvPr id="7" name="Google Shape;209;p30">
+            <a:extLst>
+              <a:ext uri="{FF2B5EF4-FFF2-40B4-BE49-F238E27FC236}">
+                <a16:creationId xmlns:a16="http://schemas.microsoft.com/office/drawing/2014/main" id="{35F3E219-4EBB-8DE8-0966-E4317399395E}"/>
+              </a:ext>
+            </a:extLst>
+          </p:cNvPr>
+          <p:cNvSpPr/>
+          <p:nvPr/>
+        </p:nvSpPr>
+        <p:spPr>
+          <a:xfrm>
+            <a:off x="7811013" y="528014"/>
+            <a:ext cx="952500" cy="298200"/>
+          </a:xfrm>
+          <a:prstGeom prst="rect">
+            <a:avLst/>
+          </a:prstGeom>
+          <a:noFill/>
+          <a:ln>
+            <a:noFill/>
+          </a:ln>
+        </p:spPr>
+        <p:txBody>
+          <a:bodyPr spcFirstLastPara="1" wrap="square" lIns="19050" tIns="19050" rIns="19050" bIns="19050" anchor="t" anchorCtr="0">
+            <a:noAutofit/>
+          </a:bodyPr>
+          <a:lstStyle/>
+          <a:p>
+            <a:pPr marL="63500" marR="0" lvl="1" indent="0" algn="l" rtl="0">
+              <a:lnSpc>
+                <a:spcPct val="90000"/>
+              </a:lnSpc>
+              <a:spcBef>
+                <a:spcPts val="0"/>
+              </a:spcBef>
+              <a:spcAft>
+                <a:spcPts val="0"/>
+              </a:spcAft>
+              <a:buNone/>
+            </a:pPr>
+            <a:r>
+              <a:rPr lang="en-US" altLang="ko" sz="1200" b="1" i="0" u="none" strike="noStrike" cap="none" dirty="0">
+                <a:solidFill>
+                  <a:schemeClr val="bg1"/>
+                </a:solidFill>
+                <a:latin typeface="Arial"/>
+                <a:ea typeface="Arial"/>
+                <a:cs typeface="Arial"/>
+                <a:sym typeface="Arial"/>
+              </a:rPr>
+              <a:t>4</a:t>
+            </a:r>
+            <a:r>
+              <a:rPr lang="ko" sz="1200" b="1" i="0" u="none" strike="noStrike" cap="none" dirty="0">
+                <a:solidFill>
+                  <a:schemeClr val="bg1"/>
+                </a:solidFill>
+                <a:latin typeface="Arial"/>
+                <a:ea typeface="Arial"/>
+                <a:cs typeface="Arial"/>
+                <a:sym typeface="Arial"/>
+              </a:rPr>
+              <a:t>.</a:t>
+            </a:r>
+            <a:endParaRPr sz="500" dirty="0">
+              <a:solidFill>
+                <a:schemeClr val="bg1"/>
+              </a:solidFill>
+            </a:endParaRPr>
+          </a:p>
+        </p:txBody>
+      </p:sp>
+      <p:sp>
+        <p:nvSpPr>
+          <p:cNvPr id="8" name="Google Shape;210;p30">
+            <a:extLst>
+              <a:ext uri="{FF2B5EF4-FFF2-40B4-BE49-F238E27FC236}">
+                <a16:creationId xmlns:a16="http://schemas.microsoft.com/office/drawing/2014/main" id="{8CB63A74-B5C7-DCAA-53F5-96E44004D694}"/>
+              </a:ext>
+            </a:extLst>
+          </p:cNvPr>
+          <p:cNvSpPr/>
+          <p:nvPr/>
+        </p:nvSpPr>
+        <p:spPr>
+          <a:xfrm>
+            <a:off x="7811013" y="825047"/>
+            <a:ext cx="952500" cy="293400"/>
+          </a:xfrm>
+          <a:prstGeom prst="rect">
+            <a:avLst/>
+          </a:prstGeom>
+          <a:noFill/>
+          <a:ln>
+            <a:noFill/>
+          </a:ln>
+        </p:spPr>
+        <p:txBody>
+          <a:bodyPr spcFirstLastPara="1" wrap="square" lIns="19050" tIns="19050" rIns="19050" bIns="19050" anchor="t" anchorCtr="0">
+            <a:noAutofit/>
+          </a:bodyPr>
+          <a:lstStyle/>
+          <a:p>
+            <a:pPr marL="63500" marR="0" lvl="1" indent="0" algn="l" rtl="0">
+              <a:spcBef>
+                <a:spcPts val="200"/>
+              </a:spcBef>
+              <a:spcAft>
+                <a:spcPts val="0"/>
+              </a:spcAft>
+              <a:buClr>
+                <a:srgbClr val="000000"/>
+              </a:buClr>
+              <a:buFont typeface="Arial"/>
+              <a:buNone/>
+            </a:pPr>
+            <a:r>
+              <a:rPr lang="ko-KR" altLang="en-US" sz="800" dirty="0">
+                <a:solidFill>
+                  <a:schemeClr val="bg1"/>
+                </a:solidFill>
+              </a:rPr>
+              <a:t>환경구성</a:t>
+            </a:r>
+            <a:endParaRPr sz="800" dirty="0">
+              <a:solidFill>
+                <a:schemeClr val="bg1"/>
+              </a:solidFill>
+            </a:endParaRPr>
+          </a:p>
+        </p:txBody>
+      </p:sp>
+      <p:pic>
+        <p:nvPicPr>
+          <p:cNvPr id="5" name="그림 4">
+            <a:extLst>
+              <a:ext uri="{FF2B5EF4-FFF2-40B4-BE49-F238E27FC236}">
+                <a16:creationId xmlns:a16="http://schemas.microsoft.com/office/drawing/2014/main" id="{19A36973-D1E7-D0FA-D316-2F8A6F055125}"/>
+              </a:ext>
+            </a:extLst>
+          </p:cNvPr>
+          <p:cNvPicPr>
+            <a:picLocks noChangeAspect="1"/>
+          </p:cNvPicPr>
+          <p:nvPr/>
+        </p:nvPicPr>
+        <p:blipFill>
+          <a:blip r:embed="rId4"/>
+          <a:stretch>
+            <a:fillRect/>
+          </a:stretch>
+        </p:blipFill>
+        <p:spPr>
+          <a:xfrm>
+            <a:off x="1075777" y="2073186"/>
+            <a:ext cx="5187322" cy="3024209"/>
+          </a:xfrm>
+          <a:prstGeom prst="rect">
+            <a:avLst/>
+          </a:prstGeom>
+        </p:spPr>
+      </p:pic>
+    </p:spTree>
+    <p:extLst>
+      <p:ext uri="{BB962C8B-B14F-4D97-AF65-F5344CB8AC3E}">
+        <p14:creationId xmlns:p14="http://schemas.microsoft.com/office/powerpoint/2010/main" val="194105999"/>
+      </p:ext>
+    </p:extLst>
+  </p:cSld>
+  <p:clrMapOvr>
+    <a:masterClrMapping/>
+  </p:clrMapOvr>
+</p:sld>
+</file>
+
+<file path=ppt/slides/slide22.xml><?xml version="1.0" encoding="utf-8"?>
+<p:sld xmlns:a="http://schemas.openxmlformats.org/drawingml/2006/main" xmlns:r="http://schemas.openxmlformats.org/officeDocument/2006/relationships" xmlns:p="http://schemas.openxmlformats.org/presentationml/2006/main">
+  <p:cSld>
+    <p:spTree>
+      <p:nvGrpSpPr>
+        <p:cNvPr id="1" name=""/>
+        <p:cNvGrpSpPr/>
+        <p:nvPr/>
+      </p:nvGrpSpPr>
+      <p:grpSpPr>
+        <a:xfrm>
+          <a:off x="0" y="0"/>
+          <a:ext cx="0" cy="0"/>
+          <a:chOff x="0" y="0"/>
+          <a:chExt cx="0" cy="0"/>
+        </a:xfrm>
+      </p:grpSpPr>
+      <p:sp>
+        <p:nvSpPr>
+          <p:cNvPr id="2" name="제목 1">
+            <a:extLst>
+              <a:ext uri="{FF2B5EF4-FFF2-40B4-BE49-F238E27FC236}">
+                <a16:creationId xmlns:a16="http://schemas.microsoft.com/office/drawing/2014/main" id="{D21C1AA9-5E52-3A11-B3B3-447787E29D09}"/>
+              </a:ext>
+            </a:extLst>
+          </p:cNvPr>
+          <p:cNvSpPr>
+            <a:spLocks noGrp="1"/>
+          </p:cNvSpPr>
+          <p:nvPr>
+            <p:ph type="title"/>
+          </p:nvPr>
+        </p:nvSpPr>
+        <p:spPr/>
+        <p:txBody>
+          <a:bodyPr/>
+          <a:lstStyle/>
+          <a:p>
+            <a:r>
+              <a:rPr lang="en-US" altLang="ko-KR" dirty="0"/>
+              <a:t>Payment Gateway (</a:t>
+            </a:r>
+            <a:r>
+              <a:rPr lang="ko-KR" altLang="en-US" dirty="0"/>
+              <a:t>토스페이</a:t>
+            </a:r>
+            <a:r>
+              <a:rPr lang="en-US" altLang="ko-KR" dirty="0"/>
+              <a:t>) </a:t>
+            </a:r>
+            <a:r>
+              <a:rPr lang="ko-KR" altLang="en-US" dirty="0"/>
+              <a:t>연동 준비</a:t>
+            </a:r>
+          </a:p>
+        </p:txBody>
+      </p:sp>
+      <p:sp>
+        <p:nvSpPr>
+          <p:cNvPr id="4" name="내용 개체 틀 3">
+            <a:extLst>
+              <a:ext uri="{FF2B5EF4-FFF2-40B4-BE49-F238E27FC236}">
+                <a16:creationId xmlns:a16="http://schemas.microsoft.com/office/drawing/2014/main" id="{42F6317C-F28B-ECBE-0810-17736FC7D8AB}"/>
+              </a:ext>
+            </a:extLst>
+          </p:cNvPr>
+          <p:cNvSpPr>
+            <a:spLocks noGrp="1"/>
+          </p:cNvSpPr>
+          <p:nvPr>
+            <p:ph idx="1"/>
+          </p:nvPr>
+        </p:nvSpPr>
+        <p:spPr/>
+        <p:txBody>
+          <a:bodyPr/>
+          <a:lstStyle/>
+          <a:p>
+            <a:pPr marL="0" indent="0">
+              <a:buNone/>
+            </a:pPr>
+            <a:r>
+              <a:rPr lang="en-US" altLang="ko-KR" dirty="0"/>
+              <a:t>Secret</a:t>
+            </a:r>
+            <a:r>
+              <a:rPr lang="ko-KR" altLang="en-US" dirty="0"/>
+              <a:t> 키 인코딩</a:t>
+            </a:r>
+            <a:endParaRPr lang="en-US" altLang="ko-KR" dirty="0"/>
+          </a:p>
+          <a:p>
+            <a:pPr marL="0" indent="0">
+              <a:buNone/>
+            </a:pPr>
+            <a:endParaRPr lang="en-US" altLang="ko-KR" sz="800" dirty="0"/>
+          </a:p>
+        </p:txBody>
+      </p:sp>
+      <p:sp>
+        <p:nvSpPr>
+          <p:cNvPr id="7" name="Google Shape;209;p30">
+            <a:extLst>
+              <a:ext uri="{FF2B5EF4-FFF2-40B4-BE49-F238E27FC236}">
+                <a16:creationId xmlns:a16="http://schemas.microsoft.com/office/drawing/2014/main" id="{35F3E219-4EBB-8DE8-0966-E4317399395E}"/>
+              </a:ext>
+            </a:extLst>
+          </p:cNvPr>
+          <p:cNvSpPr/>
+          <p:nvPr/>
+        </p:nvSpPr>
+        <p:spPr>
+          <a:xfrm>
+            <a:off x="7811013" y="528014"/>
+            <a:ext cx="952500" cy="298200"/>
+          </a:xfrm>
+          <a:prstGeom prst="rect">
+            <a:avLst/>
+          </a:prstGeom>
+          <a:noFill/>
+          <a:ln>
+            <a:noFill/>
+          </a:ln>
+        </p:spPr>
+        <p:txBody>
+          <a:bodyPr spcFirstLastPara="1" wrap="square" lIns="19050" tIns="19050" rIns="19050" bIns="19050" anchor="t" anchorCtr="0">
+            <a:noAutofit/>
+          </a:bodyPr>
+          <a:lstStyle/>
+          <a:p>
+            <a:pPr marL="63500" marR="0" lvl="1" indent="0" algn="l" rtl="0">
+              <a:lnSpc>
+                <a:spcPct val="90000"/>
+              </a:lnSpc>
+              <a:spcBef>
+                <a:spcPts val="0"/>
+              </a:spcBef>
+              <a:spcAft>
+                <a:spcPts val="0"/>
+              </a:spcAft>
+              <a:buNone/>
+            </a:pPr>
+            <a:r>
+              <a:rPr lang="en-US" altLang="ko" sz="1200" b="1" i="0" u="none" strike="noStrike" cap="none" dirty="0">
+                <a:solidFill>
+                  <a:schemeClr val="bg1"/>
+                </a:solidFill>
+                <a:latin typeface="Arial"/>
+                <a:ea typeface="Arial"/>
+                <a:cs typeface="Arial"/>
+                <a:sym typeface="Arial"/>
+              </a:rPr>
+              <a:t>4</a:t>
+            </a:r>
+            <a:r>
+              <a:rPr lang="ko" sz="1200" b="1" i="0" u="none" strike="noStrike" cap="none" dirty="0">
+                <a:solidFill>
+                  <a:schemeClr val="bg1"/>
+                </a:solidFill>
+                <a:latin typeface="Arial"/>
+                <a:ea typeface="Arial"/>
+                <a:cs typeface="Arial"/>
+                <a:sym typeface="Arial"/>
+              </a:rPr>
+              <a:t>.</a:t>
+            </a:r>
+            <a:endParaRPr sz="500" dirty="0">
+              <a:solidFill>
+                <a:schemeClr val="bg1"/>
+              </a:solidFill>
+            </a:endParaRPr>
+          </a:p>
+        </p:txBody>
+      </p:sp>
+      <p:sp>
+        <p:nvSpPr>
+          <p:cNvPr id="8" name="Google Shape;210;p30">
+            <a:extLst>
+              <a:ext uri="{FF2B5EF4-FFF2-40B4-BE49-F238E27FC236}">
+                <a16:creationId xmlns:a16="http://schemas.microsoft.com/office/drawing/2014/main" id="{8CB63A74-B5C7-DCAA-53F5-96E44004D694}"/>
+              </a:ext>
+            </a:extLst>
+          </p:cNvPr>
+          <p:cNvSpPr/>
+          <p:nvPr/>
+        </p:nvSpPr>
+        <p:spPr>
+          <a:xfrm>
+            <a:off x="7811013" y="825047"/>
+            <a:ext cx="952500" cy="293400"/>
+          </a:xfrm>
+          <a:prstGeom prst="rect">
+            <a:avLst/>
+          </a:prstGeom>
+          <a:noFill/>
+          <a:ln>
+            <a:noFill/>
+          </a:ln>
+        </p:spPr>
+        <p:txBody>
+          <a:bodyPr spcFirstLastPara="1" wrap="square" lIns="19050" tIns="19050" rIns="19050" bIns="19050" anchor="t" anchorCtr="0">
+            <a:noAutofit/>
+          </a:bodyPr>
+          <a:lstStyle/>
+          <a:p>
+            <a:pPr marL="63500" marR="0" lvl="1" indent="0" algn="l" rtl="0">
+              <a:spcBef>
+                <a:spcPts val="200"/>
+              </a:spcBef>
+              <a:spcAft>
+                <a:spcPts val="0"/>
+              </a:spcAft>
+              <a:buClr>
+                <a:srgbClr val="000000"/>
+              </a:buClr>
+              <a:buFont typeface="Arial"/>
+              <a:buNone/>
+            </a:pPr>
+            <a:r>
+              <a:rPr lang="ko-KR" altLang="en-US" sz="800" dirty="0">
+                <a:solidFill>
+                  <a:schemeClr val="bg1"/>
+                </a:solidFill>
+              </a:rPr>
+              <a:t>환경구성</a:t>
+            </a:r>
+            <a:endParaRPr sz="800" dirty="0">
+              <a:solidFill>
+                <a:schemeClr val="bg1"/>
+              </a:solidFill>
+            </a:endParaRPr>
+          </a:p>
+        </p:txBody>
+      </p:sp>
+      <p:pic>
+        <p:nvPicPr>
+          <p:cNvPr id="6" name="그림 5">
+            <a:extLst>
+              <a:ext uri="{FF2B5EF4-FFF2-40B4-BE49-F238E27FC236}">
+                <a16:creationId xmlns:a16="http://schemas.microsoft.com/office/drawing/2014/main" id="{7C349ABB-602D-4A57-0517-11264456A94D}"/>
+              </a:ext>
+            </a:extLst>
+          </p:cNvPr>
+          <p:cNvPicPr>
+            <a:picLocks noChangeAspect="1"/>
+          </p:cNvPicPr>
+          <p:nvPr/>
+        </p:nvPicPr>
+        <p:blipFill>
+          <a:blip r:embed="rId3"/>
+          <a:stretch>
+            <a:fillRect/>
+          </a:stretch>
+        </p:blipFill>
+        <p:spPr>
+          <a:xfrm>
+            <a:off x="1006611" y="1778736"/>
+            <a:ext cx="6285099" cy="3313205"/>
+          </a:xfrm>
+          <a:prstGeom prst="rect">
+            <a:avLst/>
+          </a:prstGeom>
+        </p:spPr>
+      </p:pic>
+      <p:sp>
+        <p:nvSpPr>
+          <p:cNvPr id="9" name="타원 8">
+            <a:extLst>
+              <a:ext uri="{FF2B5EF4-FFF2-40B4-BE49-F238E27FC236}">
+                <a16:creationId xmlns:a16="http://schemas.microsoft.com/office/drawing/2014/main" id="{73080541-C0D9-7135-052A-40CEDCBA8A44}"/>
+              </a:ext>
+            </a:extLst>
+          </p:cNvPr>
+          <p:cNvSpPr/>
+          <p:nvPr/>
+        </p:nvSpPr>
+        <p:spPr>
+          <a:xfrm>
+            <a:off x="4329113" y="2431257"/>
+            <a:ext cx="78581" cy="130968"/>
+          </a:xfrm>
+          <a:prstGeom prst="ellipse">
+            <a:avLst/>
+          </a:prstGeom>
+          <a:noFill/>
+          <a:ln>
+            <a:solidFill>
+              <a:srgbClr val="C00000"/>
+            </a:solidFill>
+          </a:ln>
+        </p:spPr>
+        <p:style>
+          <a:lnRef idx="2">
+            <a:schemeClr val="accent2"/>
+          </a:lnRef>
+          <a:fillRef idx="1">
+            <a:schemeClr val="lt1"/>
+          </a:fillRef>
+          <a:effectRef idx="0">
+            <a:schemeClr val="accent2"/>
+          </a:effectRef>
+          <a:fontRef idx="minor">
+            <a:schemeClr val="dk1"/>
+          </a:fontRef>
+        </p:style>
+        <p:txBody>
+          <a:bodyPr rtlCol="0" anchor="ctr"/>
+          <a:lstStyle/>
+          <a:p>
+            <a:pPr algn="ctr"/>
+            <a:endParaRPr lang="ko-KR" altLang="en-US"/>
+          </a:p>
+        </p:txBody>
+      </p:sp>
+    </p:spTree>
+    <p:extLst>
+      <p:ext uri="{BB962C8B-B14F-4D97-AF65-F5344CB8AC3E}">
+        <p14:creationId xmlns:p14="http://schemas.microsoft.com/office/powerpoint/2010/main" val="448616542"/>
+      </p:ext>
+    </p:extLst>
+  </p:cSld>
+  <p:clrMapOvr>
+    <a:masterClrMapping/>
+  </p:clrMapOvr>
+</p:sld>
+</file>
+
+<file path=ppt/slides/slide23.xml><?xml version="1.0" encoding="utf-8"?>
+<p:sld xmlns:a="http://schemas.openxmlformats.org/drawingml/2006/main" xmlns:r="http://schemas.openxmlformats.org/officeDocument/2006/relationships" xmlns:p="http://schemas.openxmlformats.org/presentationml/2006/main">
+  <p:cSld>
+    <p:spTree>
+      <p:nvGrpSpPr>
+        <p:cNvPr id="1" name=""/>
+        <p:cNvGrpSpPr/>
+        <p:nvPr/>
+      </p:nvGrpSpPr>
+      <p:grpSpPr>
+        <a:xfrm>
+          <a:off x="0" y="0"/>
+          <a:ext cx="0" cy="0"/>
+          <a:chOff x="0" y="0"/>
+          <a:chExt cx="0" cy="0"/>
+        </a:xfrm>
+      </p:grpSpPr>
+      <p:sp>
+        <p:nvSpPr>
+          <p:cNvPr id="2" name="제목 1">
+            <a:extLst>
+              <a:ext uri="{FF2B5EF4-FFF2-40B4-BE49-F238E27FC236}">
+                <a16:creationId xmlns:a16="http://schemas.microsoft.com/office/drawing/2014/main" id="{9896B29B-A1AE-E0C6-8543-753E63140B1C}"/>
+              </a:ext>
+            </a:extLst>
+          </p:cNvPr>
+          <p:cNvSpPr>
+            <a:spLocks noGrp="1"/>
+          </p:cNvSpPr>
+          <p:nvPr>
+            <p:ph type="ctrTitle"/>
+          </p:nvPr>
+        </p:nvSpPr>
+        <p:spPr/>
+        <p:txBody>
+          <a:bodyPr>
+            <a:normAutofit/>
+          </a:bodyPr>
+          <a:lstStyle/>
+          <a:p>
+            <a:r>
+              <a:rPr lang="ko-KR" altLang="en-US" b="1" dirty="0"/>
+              <a:t>결제서비스 구현</a:t>
+            </a:r>
+          </a:p>
+        </p:txBody>
+      </p:sp>
+      <p:sp>
+        <p:nvSpPr>
+          <p:cNvPr id="4" name="부제목 3">
+            <a:extLst>
+              <a:ext uri="{FF2B5EF4-FFF2-40B4-BE49-F238E27FC236}">
+                <a16:creationId xmlns:a16="http://schemas.microsoft.com/office/drawing/2014/main" id="{7219E4B9-47F6-C7CA-B046-1256225C3574}"/>
+              </a:ext>
+            </a:extLst>
+          </p:cNvPr>
+          <p:cNvSpPr>
+            <a:spLocks noGrp="1"/>
+          </p:cNvSpPr>
+          <p:nvPr>
+            <p:ph type="subTitle" idx="1"/>
+          </p:nvPr>
+        </p:nvSpPr>
+        <p:spPr/>
+        <p:txBody>
+          <a:bodyPr>
+            <a:normAutofit/>
+          </a:bodyPr>
+          <a:lstStyle/>
+          <a:p>
+            <a:pPr marL="0" indent="0" algn="r">
+              <a:buNone/>
+            </a:pPr>
+            <a:r>
+              <a:rPr lang="en-US" altLang="ko" b="1" dirty="0">
+                <a:solidFill>
+                  <a:srgbClr val="ED234B"/>
+                </a:solidFill>
+              </a:rPr>
+              <a:t>5</a:t>
+            </a:r>
+            <a:r>
+              <a:rPr lang="ko" altLang="ko-KR" b="1" dirty="0">
+                <a:solidFill>
+                  <a:srgbClr val="ED234B"/>
+                </a:solidFill>
+              </a:rPr>
+              <a:t> </a:t>
+            </a:r>
+            <a:r>
+              <a:rPr lang="ko-KR" altLang="en-US" dirty="0"/>
+              <a:t>결제 </a:t>
+            </a:r>
+            <a:r>
+              <a:rPr lang="en-US" altLang="ko-KR" dirty="0"/>
+              <a:t>API </a:t>
+            </a:r>
+            <a:r>
+              <a:rPr lang="ko-KR" altLang="en-US" dirty="0"/>
+              <a:t>구현</a:t>
+            </a:r>
+          </a:p>
+        </p:txBody>
+      </p:sp>
+    </p:spTree>
+    <p:extLst>
+      <p:ext uri="{BB962C8B-B14F-4D97-AF65-F5344CB8AC3E}">
+        <p14:creationId xmlns:p14="http://schemas.microsoft.com/office/powerpoint/2010/main" val="3761886441"/>
+      </p:ext>
+    </p:extLst>
+  </p:cSld>
+  <p:clrMapOvr>
+    <a:masterClrMapping/>
+  </p:clrMapOvr>
+</p:sld>
+</file>
+
+<file path=ppt/slides/slide24.xml><?xml version="1.0" encoding="utf-8"?>
+<p:sld xmlns:a="http://schemas.openxmlformats.org/drawingml/2006/main" xmlns:r="http://schemas.openxmlformats.org/officeDocument/2006/relationships" xmlns:p="http://schemas.openxmlformats.org/presentationml/2006/main">
+  <p:cSld>
+    <p:spTree>
+      <p:nvGrpSpPr>
+        <p:cNvPr id="1" name=""/>
+        <p:cNvGrpSpPr/>
+        <p:nvPr/>
+      </p:nvGrpSpPr>
+      <p:grpSpPr>
+        <a:xfrm>
+          <a:off x="0" y="0"/>
+          <a:ext cx="0" cy="0"/>
+          <a:chOff x="0" y="0"/>
+          <a:chExt cx="0" cy="0"/>
+        </a:xfrm>
+      </p:grpSpPr>
+      <p:sp>
+        <p:nvSpPr>
+          <p:cNvPr id="2" name="제목 1">
+            <a:extLst>
+              <a:ext uri="{FF2B5EF4-FFF2-40B4-BE49-F238E27FC236}">
+                <a16:creationId xmlns:a16="http://schemas.microsoft.com/office/drawing/2014/main" id="{D21C1AA9-5E52-3A11-B3B3-447787E29D09}"/>
+              </a:ext>
+            </a:extLst>
+          </p:cNvPr>
+          <p:cNvSpPr>
+            <a:spLocks noGrp="1"/>
+          </p:cNvSpPr>
+          <p:nvPr>
+            <p:ph type="title"/>
+          </p:nvPr>
+        </p:nvSpPr>
+        <p:spPr/>
+        <p:txBody>
+          <a:bodyPr/>
+          <a:lstStyle/>
+          <a:p>
+            <a:r>
+              <a:rPr lang="ko-KR" altLang="en-US" dirty="0"/>
+              <a:t>자료구조</a:t>
+            </a:r>
+          </a:p>
+        </p:txBody>
+      </p:sp>
+      <p:sp>
+        <p:nvSpPr>
+          <p:cNvPr id="7" name="Google Shape;209;p30">
+            <a:extLst>
+              <a:ext uri="{FF2B5EF4-FFF2-40B4-BE49-F238E27FC236}">
+                <a16:creationId xmlns:a16="http://schemas.microsoft.com/office/drawing/2014/main" id="{35F3E219-4EBB-8DE8-0966-E4317399395E}"/>
+              </a:ext>
+            </a:extLst>
+          </p:cNvPr>
+          <p:cNvSpPr/>
+          <p:nvPr/>
+        </p:nvSpPr>
+        <p:spPr>
+          <a:xfrm>
+            <a:off x="7811013" y="528014"/>
+            <a:ext cx="952500" cy="298200"/>
+          </a:xfrm>
+          <a:prstGeom prst="rect">
+            <a:avLst/>
+          </a:prstGeom>
+          <a:noFill/>
+          <a:ln>
+            <a:noFill/>
+          </a:ln>
+        </p:spPr>
+        <p:txBody>
+          <a:bodyPr spcFirstLastPara="1" wrap="square" lIns="19050" tIns="19050" rIns="19050" bIns="19050" anchor="t" anchorCtr="0">
+            <a:noAutofit/>
+          </a:bodyPr>
+          <a:lstStyle/>
+          <a:p>
+            <a:pPr marL="63500" marR="0" lvl="1" indent="0" algn="l" rtl="0">
+              <a:lnSpc>
+                <a:spcPct val="90000"/>
+              </a:lnSpc>
+              <a:spcBef>
+                <a:spcPts val="0"/>
+              </a:spcBef>
+              <a:spcAft>
+                <a:spcPts val="0"/>
+              </a:spcAft>
+              <a:buNone/>
+            </a:pPr>
+            <a:r>
+              <a:rPr lang="en-US" altLang="ko" sz="1200" b="1" i="0" u="none" strike="noStrike" cap="none" dirty="0">
+                <a:solidFill>
+                  <a:schemeClr val="bg1"/>
+                </a:solidFill>
+                <a:latin typeface="Arial"/>
+                <a:ea typeface="Arial"/>
+                <a:cs typeface="Arial"/>
+                <a:sym typeface="Arial"/>
+              </a:rPr>
+              <a:t>5</a:t>
+            </a:r>
+            <a:r>
+              <a:rPr lang="ko" sz="1200" b="1" i="0" u="none" strike="noStrike" cap="none" dirty="0">
+                <a:solidFill>
+                  <a:schemeClr val="bg1"/>
+                </a:solidFill>
+                <a:latin typeface="Arial"/>
+                <a:ea typeface="Arial"/>
+                <a:cs typeface="Arial"/>
+                <a:sym typeface="Arial"/>
+              </a:rPr>
+              <a:t>.</a:t>
+            </a:r>
+            <a:endParaRPr sz="500" dirty="0">
+              <a:solidFill>
+                <a:schemeClr val="bg1"/>
+              </a:solidFill>
+            </a:endParaRPr>
+          </a:p>
+        </p:txBody>
+      </p:sp>
+      <p:sp>
+        <p:nvSpPr>
+          <p:cNvPr id="8" name="Google Shape;210;p30">
+            <a:extLst>
+              <a:ext uri="{FF2B5EF4-FFF2-40B4-BE49-F238E27FC236}">
+                <a16:creationId xmlns:a16="http://schemas.microsoft.com/office/drawing/2014/main" id="{8CB63A74-B5C7-DCAA-53F5-96E44004D694}"/>
+              </a:ext>
+            </a:extLst>
+          </p:cNvPr>
+          <p:cNvSpPr/>
+          <p:nvPr/>
+        </p:nvSpPr>
+        <p:spPr>
+          <a:xfrm>
+            <a:off x="7811013" y="825047"/>
+            <a:ext cx="952500" cy="293400"/>
+          </a:xfrm>
+          <a:prstGeom prst="rect">
+            <a:avLst/>
+          </a:prstGeom>
+          <a:noFill/>
+          <a:ln>
+            <a:noFill/>
+          </a:ln>
+        </p:spPr>
+        <p:txBody>
+          <a:bodyPr spcFirstLastPara="1" wrap="square" lIns="19050" tIns="19050" rIns="19050" bIns="19050" anchor="t" anchorCtr="0">
+            <a:noAutofit/>
+          </a:bodyPr>
+          <a:lstStyle/>
+          <a:p>
+            <a:pPr marL="63500" marR="0" lvl="1" indent="0" algn="l" rtl="0">
+              <a:spcBef>
+                <a:spcPts val="200"/>
+              </a:spcBef>
+              <a:spcAft>
+                <a:spcPts val="0"/>
+              </a:spcAft>
+              <a:buClr>
+                <a:srgbClr val="000000"/>
+              </a:buClr>
+              <a:buFont typeface="Arial"/>
+              <a:buNone/>
+            </a:pPr>
+            <a:r>
+              <a:rPr lang="ko-KR" altLang="en-US" sz="800" dirty="0">
+                <a:solidFill>
+                  <a:schemeClr val="bg1"/>
+                </a:solidFill>
+              </a:rPr>
+              <a:t>결제 기능 구현</a:t>
+            </a:r>
+            <a:endParaRPr sz="800" dirty="0">
+              <a:solidFill>
+                <a:schemeClr val="bg1"/>
+              </a:solidFill>
+            </a:endParaRPr>
+          </a:p>
+        </p:txBody>
+      </p:sp>
+      <p:sp>
+        <p:nvSpPr>
+          <p:cNvPr id="9" name="직사각형 8">
+            <a:extLst>
+              <a:ext uri="{FF2B5EF4-FFF2-40B4-BE49-F238E27FC236}">
+                <a16:creationId xmlns:a16="http://schemas.microsoft.com/office/drawing/2014/main" id="{F5194E67-6B5F-E804-C50F-BC0631A1B049}"/>
+              </a:ext>
+            </a:extLst>
+          </p:cNvPr>
+          <p:cNvSpPr/>
+          <p:nvPr/>
+        </p:nvSpPr>
+        <p:spPr>
+          <a:xfrm>
+            <a:off x="693420" y="1280160"/>
+            <a:ext cx="1714500" cy="3749040"/>
+          </a:xfrm>
+          <a:prstGeom prst="rect">
+            <a:avLst/>
+          </a:prstGeom>
+        </p:spPr>
+        <p:style>
+          <a:lnRef idx="2">
+            <a:schemeClr val="accent5"/>
+          </a:lnRef>
+          <a:fillRef idx="1">
+            <a:schemeClr val="lt1"/>
+          </a:fillRef>
+          <a:effectRef idx="0">
+            <a:schemeClr val="accent5"/>
+          </a:effectRef>
+          <a:fontRef idx="minor">
+            <a:schemeClr val="dk1"/>
+          </a:fontRef>
+        </p:style>
+        <p:txBody>
+          <a:bodyPr rtlCol="0" anchor="t"/>
+          <a:lstStyle/>
+          <a:p>
+            <a:r>
+              <a:rPr lang="en-US" altLang="ko-KR" b="1" dirty="0">
+                <a:ea typeface="Spoqa Han Sans Neo Bold" panose="020B0800000000000000"/>
+              </a:rPr>
+              <a:t>Product</a:t>
+            </a:r>
+          </a:p>
+          <a:p>
+            <a:r>
+              <a:rPr lang="en-US" altLang="ko-KR" dirty="0">
+                <a:solidFill>
+                  <a:schemeClr val="bg2">
+                    <a:lumMod val="50000"/>
+                  </a:schemeClr>
+                </a:solidFill>
+                <a:ea typeface="Spoqa Han Sans Neo Bold" panose="020B0800000000000000"/>
+              </a:rPr>
+              <a:t>{</a:t>
+            </a:r>
+          </a:p>
+          <a:p>
+            <a:r>
+              <a:rPr lang="en-US" altLang="ko-KR" dirty="0">
+                <a:solidFill>
+                  <a:schemeClr val="bg2">
+                    <a:lumMod val="50000"/>
+                  </a:schemeClr>
+                </a:solidFill>
+                <a:ea typeface="Spoqa Han Sans Neo Bold" panose="020B0800000000000000"/>
+              </a:rPr>
+              <a:t>  </a:t>
+            </a:r>
+            <a:r>
+              <a:rPr lang="en-US" altLang="ko-KR" b="1" dirty="0">
+                <a:solidFill>
+                  <a:srgbClr val="7030A0"/>
+                </a:solidFill>
+                <a:ea typeface="Spoqa Han Sans Neo Bold" panose="020B0800000000000000"/>
+              </a:rPr>
+              <a:t>id</a:t>
+            </a:r>
+            <a:r>
+              <a:rPr lang="en-US" altLang="ko-KR" dirty="0">
+                <a:solidFill>
+                  <a:schemeClr val="bg2">
+                    <a:lumMod val="50000"/>
+                  </a:schemeClr>
+                </a:solidFill>
+                <a:ea typeface="Spoqa Han Sans Neo Bold" panose="020B0800000000000000"/>
+              </a:rPr>
+              <a:t> : 1234,</a:t>
+            </a:r>
+          </a:p>
+          <a:p>
+            <a:r>
+              <a:rPr lang="en-US" altLang="ko-KR" dirty="0">
+                <a:solidFill>
+                  <a:schemeClr val="bg2">
+                    <a:lumMod val="50000"/>
+                  </a:schemeClr>
+                </a:solidFill>
+                <a:ea typeface="Spoqa Han Sans Neo Bold" panose="020B0800000000000000"/>
+              </a:rPr>
+              <a:t>  </a:t>
+            </a:r>
+            <a:r>
+              <a:rPr lang="en-US" altLang="ko-KR" b="1" dirty="0">
+                <a:solidFill>
+                  <a:srgbClr val="7030A0"/>
+                </a:solidFill>
+                <a:ea typeface="Spoqa Han Sans Neo Bold" panose="020B0800000000000000"/>
+              </a:rPr>
+              <a:t>name </a:t>
+            </a:r>
+            <a:r>
+              <a:rPr lang="en-US" altLang="ko-KR" dirty="0">
+                <a:solidFill>
+                  <a:schemeClr val="bg2">
+                    <a:lumMod val="50000"/>
+                  </a:schemeClr>
+                </a:solidFill>
+                <a:ea typeface="Spoqa Han Sans Neo Bold" panose="020B0800000000000000"/>
+              </a:rPr>
+              <a:t>: </a:t>
+            </a:r>
+            <a:r>
+              <a:rPr lang="ko-KR" altLang="en-US" dirty="0">
+                <a:solidFill>
+                  <a:schemeClr val="bg2">
+                    <a:lumMod val="50000"/>
+                  </a:schemeClr>
+                </a:solidFill>
+                <a:ea typeface="Spoqa Han Sans Neo Bold" panose="020B0800000000000000"/>
+              </a:rPr>
+              <a:t>상품명</a:t>
+            </a:r>
+            <a:r>
+              <a:rPr lang="en-US" altLang="ko-KR" dirty="0">
+                <a:solidFill>
+                  <a:schemeClr val="bg2">
+                    <a:lumMod val="50000"/>
+                  </a:schemeClr>
+                </a:solidFill>
+                <a:ea typeface="Spoqa Han Sans Neo Bold" panose="020B0800000000000000"/>
+              </a:rPr>
+              <a:t>,</a:t>
+            </a:r>
+          </a:p>
+          <a:p>
+            <a:r>
+              <a:rPr lang="en-US" altLang="ko-KR" dirty="0">
+                <a:solidFill>
+                  <a:schemeClr val="bg2">
+                    <a:lumMod val="50000"/>
+                  </a:schemeClr>
+                </a:solidFill>
+                <a:ea typeface="Spoqa Han Sans Neo Bold" panose="020B0800000000000000"/>
+              </a:rPr>
+              <a:t>  </a:t>
+            </a:r>
+            <a:r>
+              <a:rPr lang="en-US" altLang="ko-KR" b="1" dirty="0">
+                <a:solidFill>
+                  <a:srgbClr val="7030A0"/>
+                </a:solidFill>
+                <a:ea typeface="Spoqa Han Sans Neo Bold" panose="020B0800000000000000"/>
+              </a:rPr>
+              <a:t>price</a:t>
+            </a:r>
+            <a:r>
+              <a:rPr lang="en-US" altLang="ko-KR" dirty="0">
+                <a:solidFill>
+                  <a:schemeClr val="bg2">
+                    <a:lumMod val="50000"/>
+                  </a:schemeClr>
+                </a:solidFill>
+                <a:ea typeface="Spoqa Han Sans Neo Bold" panose="020B0800000000000000"/>
+              </a:rPr>
+              <a:t> : 1000,</a:t>
+            </a:r>
+          </a:p>
+          <a:p>
+            <a:r>
+              <a:rPr lang="en-US" altLang="ko-KR" dirty="0">
+                <a:solidFill>
+                  <a:schemeClr val="bg2">
+                    <a:lumMod val="50000"/>
+                  </a:schemeClr>
+                </a:solidFill>
+                <a:ea typeface="Spoqa Han Sans Neo Bold" panose="020B0800000000000000"/>
+              </a:rPr>
+              <a:t>}</a:t>
+            </a:r>
+            <a:endParaRPr lang="ko-KR" altLang="en-US" dirty="0">
+              <a:solidFill>
+                <a:schemeClr val="bg2">
+                  <a:lumMod val="50000"/>
+                </a:schemeClr>
+              </a:solidFill>
+              <a:ea typeface="Spoqa Han Sans Neo Bold" panose="020B0800000000000000"/>
+            </a:endParaRPr>
+          </a:p>
+        </p:txBody>
+      </p:sp>
+      <p:sp>
+        <p:nvSpPr>
+          <p:cNvPr id="11" name="직사각형 10">
+            <a:extLst>
+              <a:ext uri="{FF2B5EF4-FFF2-40B4-BE49-F238E27FC236}">
+                <a16:creationId xmlns:a16="http://schemas.microsoft.com/office/drawing/2014/main" id="{62F6DA6E-72BE-2602-47CD-5900891FB5AD}"/>
+              </a:ext>
+            </a:extLst>
+          </p:cNvPr>
+          <p:cNvSpPr/>
+          <p:nvPr/>
+        </p:nvSpPr>
+        <p:spPr>
+          <a:xfrm>
+            <a:off x="2484120" y="1280160"/>
+            <a:ext cx="4427220" cy="3749040"/>
+          </a:xfrm>
+          <a:prstGeom prst="rect">
+            <a:avLst/>
+          </a:prstGeom>
+        </p:spPr>
+        <p:style>
+          <a:lnRef idx="2">
+            <a:schemeClr val="accent5"/>
+          </a:lnRef>
+          <a:fillRef idx="1">
+            <a:schemeClr val="lt1"/>
+          </a:fillRef>
+          <a:effectRef idx="0">
+            <a:schemeClr val="accent5"/>
+          </a:effectRef>
+          <a:fontRef idx="minor">
+            <a:schemeClr val="dk1"/>
+          </a:fontRef>
+        </p:style>
+        <p:txBody>
+          <a:bodyPr rtlCol="0" anchor="t"/>
+          <a:lstStyle/>
+          <a:p>
+            <a:r>
+              <a:rPr lang="en-US" altLang="ko-KR" b="1" dirty="0">
+                <a:ea typeface="Spoqa Han Sans Neo Bold" panose="020B0800000000000000"/>
+              </a:rPr>
+              <a:t>Order</a:t>
+            </a:r>
+          </a:p>
+          <a:p>
+            <a:r>
+              <a:rPr lang="en-US" altLang="ko-KR" dirty="0">
+                <a:solidFill>
+                  <a:schemeClr val="bg2">
+                    <a:lumMod val="50000"/>
+                  </a:schemeClr>
+                </a:solidFill>
+                <a:ea typeface="Spoqa Han Sans Neo Bold" panose="020B0800000000000000"/>
+              </a:rPr>
+              <a:t>{</a:t>
+            </a:r>
+          </a:p>
+          <a:p>
+            <a:r>
+              <a:rPr lang="en-US" altLang="ko-KR" dirty="0">
+                <a:solidFill>
+                  <a:schemeClr val="bg2">
+                    <a:lumMod val="50000"/>
+                  </a:schemeClr>
+                </a:solidFill>
+                <a:ea typeface="Spoqa Han Sans Neo Bold" panose="020B0800000000000000"/>
+              </a:rPr>
+              <a:t>  </a:t>
+            </a:r>
+            <a:r>
+              <a:rPr lang="en-US" altLang="ko-KR" b="1" dirty="0">
+                <a:solidFill>
+                  <a:srgbClr val="7030A0"/>
+                </a:solidFill>
+                <a:ea typeface="Spoqa Han Sans Neo Bold" panose="020B0800000000000000"/>
+              </a:rPr>
+              <a:t>id</a:t>
+            </a:r>
+            <a:r>
+              <a:rPr lang="en-US" altLang="ko-KR" dirty="0">
+                <a:solidFill>
+                  <a:schemeClr val="bg2">
+                    <a:lumMod val="50000"/>
+                  </a:schemeClr>
+                </a:solidFill>
+                <a:ea typeface="Spoqa Han Sans Neo Bold" panose="020B0800000000000000"/>
+              </a:rPr>
+              <a:t> : 12,</a:t>
+            </a:r>
+          </a:p>
+          <a:p>
+            <a:r>
+              <a:rPr lang="en-US" altLang="ko-KR" dirty="0">
+                <a:solidFill>
+                  <a:schemeClr val="bg2">
+                    <a:lumMod val="50000"/>
+                  </a:schemeClr>
+                </a:solidFill>
+                <a:ea typeface="Spoqa Han Sans Neo Bold" panose="020B0800000000000000"/>
+              </a:rPr>
+              <a:t>  </a:t>
+            </a:r>
+            <a:r>
+              <a:rPr lang="en-US" altLang="ko-KR" b="1" dirty="0" err="1">
+                <a:solidFill>
+                  <a:srgbClr val="7030A0"/>
+                </a:solidFill>
+                <a:ea typeface="Spoqa Han Sans Neo Bold" panose="020B0800000000000000"/>
+              </a:rPr>
+              <a:t>userId</a:t>
+            </a:r>
+            <a:r>
+              <a:rPr lang="en-US" altLang="ko-KR" b="1" dirty="0">
+                <a:solidFill>
+                  <a:srgbClr val="7030A0"/>
+                </a:solidFill>
+                <a:ea typeface="Spoqa Han Sans Neo Bold" panose="020B0800000000000000"/>
+              </a:rPr>
+              <a:t> </a:t>
+            </a:r>
+            <a:r>
+              <a:rPr lang="en-US" altLang="ko-KR" dirty="0">
+                <a:solidFill>
+                  <a:schemeClr val="bg2">
+                    <a:lumMod val="50000"/>
+                  </a:schemeClr>
+                </a:solidFill>
+                <a:ea typeface="Spoqa Han Sans Neo Bold" panose="020B0800000000000000"/>
+              </a:rPr>
+              <a:t>: 6654,</a:t>
+            </a:r>
+          </a:p>
+          <a:p>
+            <a:r>
+              <a:rPr lang="en-US" altLang="ko-KR" dirty="0">
+                <a:solidFill>
+                  <a:schemeClr val="bg2">
+                    <a:lumMod val="50000"/>
+                  </a:schemeClr>
+                </a:solidFill>
+                <a:ea typeface="Spoqa Han Sans Neo Bold" panose="020B0800000000000000"/>
+              </a:rPr>
+              <a:t>  </a:t>
+            </a:r>
+            <a:r>
+              <a:rPr lang="en-US" altLang="ko-KR" b="1" dirty="0">
+                <a:solidFill>
+                  <a:srgbClr val="7030A0"/>
+                </a:solidFill>
+                <a:ea typeface="Spoqa Han Sans Neo Bold" panose="020B0800000000000000"/>
+              </a:rPr>
+              <a:t>description</a:t>
+            </a:r>
+            <a:r>
+              <a:rPr lang="en-US" altLang="ko-KR" dirty="0">
+                <a:solidFill>
+                  <a:schemeClr val="bg2">
+                    <a:lumMod val="50000"/>
+                  </a:schemeClr>
+                </a:solidFill>
+                <a:ea typeface="Spoqa Han Sans Neo Bold" panose="020B0800000000000000"/>
+              </a:rPr>
+              <a:t> : </a:t>
+            </a:r>
+            <a:r>
+              <a:rPr lang="ko-KR" altLang="en-US" dirty="0">
+                <a:solidFill>
+                  <a:schemeClr val="bg2">
+                    <a:lumMod val="50000"/>
+                  </a:schemeClr>
+                </a:solidFill>
+                <a:ea typeface="Spoqa Han Sans Neo Bold" panose="020B0800000000000000"/>
+              </a:rPr>
+              <a:t>사과 </a:t>
+            </a:r>
+            <a:r>
+              <a:rPr lang="en-US" altLang="ko-KR" dirty="0">
+                <a:solidFill>
+                  <a:schemeClr val="bg2">
+                    <a:lumMod val="50000"/>
+                  </a:schemeClr>
+                </a:solidFill>
+                <a:ea typeface="Spoqa Han Sans Neo Bold" panose="020B0800000000000000"/>
+              </a:rPr>
+              <a:t>1</a:t>
+            </a:r>
+            <a:r>
+              <a:rPr lang="ko-KR" altLang="en-US" dirty="0">
+                <a:solidFill>
+                  <a:schemeClr val="bg2">
+                    <a:lumMod val="50000"/>
+                  </a:schemeClr>
+                </a:solidFill>
+                <a:ea typeface="Spoqa Han Sans Neo Bold" panose="020B0800000000000000"/>
+              </a:rPr>
+              <a:t>개</a:t>
+            </a:r>
+            <a:r>
+              <a:rPr lang="en-US" altLang="ko-KR" dirty="0">
+                <a:solidFill>
+                  <a:schemeClr val="bg2">
+                    <a:lumMod val="50000"/>
+                  </a:schemeClr>
+                </a:solidFill>
+                <a:ea typeface="Spoqa Han Sans Neo Bold" panose="020B0800000000000000"/>
+              </a:rPr>
+              <a:t>, </a:t>
+            </a:r>
+            <a:r>
+              <a:rPr lang="ko-KR" altLang="en-US" dirty="0">
+                <a:solidFill>
+                  <a:schemeClr val="bg2">
+                    <a:lumMod val="50000"/>
+                  </a:schemeClr>
+                </a:solidFill>
+                <a:ea typeface="Spoqa Han Sans Neo Bold" panose="020B0800000000000000"/>
+              </a:rPr>
+              <a:t>망고 </a:t>
+            </a:r>
+            <a:r>
+              <a:rPr lang="en-US" altLang="ko-KR" dirty="0">
+                <a:solidFill>
+                  <a:schemeClr val="bg2">
+                    <a:lumMod val="50000"/>
+                  </a:schemeClr>
+                </a:solidFill>
+                <a:ea typeface="Spoqa Han Sans Neo Bold" panose="020B0800000000000000"/>
+              </a:rPr>
+              <a:t>2</a:t>
+            </a:r>
+            <a:r>
+              <a:rPr lang="ko-KR" altLang="en-US" dirty="0">
+                <a:solidFill>
+                  <a:schemeClr val="bg2">
+                    <a:lumMod val="50000"/>
+                  </a:schemeClr>
+                </a:solidFill>
+                <a:ea typeface="Spoqa Han Sans Neo Bold" panose="020B0800000000000000"/>
+              </a:rPr>
+              <a:t>개</a:t>
+            </a:r>
+            <a:r>
+              <a:rPr lang="en-US" altLang="ko-KR" dirty="0">
+                <a:solidFill>
+                  <a:schemeClr val="bg2">
+                    <a:lumMod val="50000"/>
+                  </a:schemeClr>
+                </a:solidFill>
+                <a:ea typeface="Spoqa Han Sans Neo Bold" panose="020B0800000000000000"/>
+              </a:rPr>
+              <a:t>,</a:t>
+            </a:r>
+          </a:p>
+          <a:p>
+            <a:r>
+              <a:rPr lang="en-US" altLang="ko-KR" dirty="0">
+                <a:solidFill>
+                  <a:schemeClr val="bg2">
+                    <a:lumMod val="50000"/>
+                  </a:schemeClr>
+                </a:solidFill>
+                <a:ea typeface="Spoqa Han Sans Neo Bold" panose="020B0800000000000000"/>
+              </a:rPr>
+              <a:t>  </a:t>
+            </a:r>
+            <a:r>
+              <a:rPr lang="en-US" altLang="ko-KR" b="1" dirty="0">
+                <a:solidFill>
+                  <a:srgbClr val="7030A0"/>
+                </a:solidFill>
+                <a:ea typeface="Spoqa Han Sans Neo Bold" panose="020B0800000000000000"/>
+              </a:rPr>
+              <a:t>amount</a:t>
+            </a:r>
+            <a:r>
+              <a:rPr lang="en-US" altLang="ko-KR" dirty="0">
+                <a:solidFill>
+                  <a:schemeClr val="bg2">
+                    <a:lumMod val="50000"/>
+                  </a:schemeClr>
+                </a:solidFill>
+                <a:ea typeface="Spoqa Han Sans Neo Bold" panose="020B0800000000000000"/>
+              </a:rPr>
+              <a:t> : 2200,</a:t>
+            </a:r>
+          </a:p>
+          <a:p>
+            <a:r>
+              <a:rPr lang="en-US" altLang="ko-KR" dirty="0">
+                <a:solidFill>
+                  <a:schemeClr val="bg2">
+                    <a:lumMod val="50000"/>
+                  </a:schemeClr>
+                </a:solidFill>
+                <a:ea typeface="Spoqa Han Sans Neo Bold" panose="020B0800000000000000"/>
+              </a:rPr>
+              <a:t>  </a:t>
+            </a:r>
+            <a:r>
+              <a:rPr lang="en-US" altLang="ko-KR" b="1" dirty="0" err="1">
+                <a:solidFill>
+                  <a:srgbClr val="7030A0"/>
+                </a:solidFill>
+                <a:ea typeface="Spoqa Han Sans Neo Bold" panose="020B0800000000000000"/>
+              </a:rPr>
+              <a:t>pgOrderId</a:t>
+            </a:r>
+            <a:r>
+              <a:rPr lang="en-US" altLang="ko-KR" dirty="0">
+                <a:solidFill>
+                  <a:schemeClr val="bg2">
+                    <a:lumMod val="50000"/>
+                  </a:schemeClr>
+                </a:solidFill>
+                <a:ea typeface="Spoqa Han Sans Neo Bold" panose="020B0800000000000000"/>
+              </a:rPr>
+              <a:t> : 123907fkjahqwelkjfdhasd123,</a:t>
+            </a:r>
+          </a:p>
+          <a:p>
+            <a:r>
+              <a:rPr lang="en-US" altLang="ko-KR" dirty="0">
+                <a:solidFill>
+                  <a:schemeClr val="bg2">
+                    <a:lumMod val="50000"/>
+                  </a:schemeClr>
+                </a:solidFill>
+                <a:ea typeface="Spoqa Han Sans Neo Bold" panose="020B0800000000000000"/>
+              </a:rPr>
+              <a:t>  </a:t>
+            </a:r>
+            <a:r>
+              <a:rPr lang="en-US" altLang="ko-KR" b="1" dirty="0" err="1">
+                <a:solidFill>
+                  <a:srgbClr val="7030A0"/>
+                </a:solidFill>
+                <a:ea typeface="Spoqa Han Sans Neo Bold" panose="020B0800000000000000"/>
+              </a:rPr>
+              <a:t>pgKey</a:t>
+            </a:r>
+            <a:r>
+              <a:rPr lang="en-US" altLang="ko-KR" dirty="0">
+                <a:solidFill>
+                  <a:schemeClr val="bg2">
+                    <a:lumMod val="50000"/>
+                  </a:schemeClr>
+                </a:solidFill>
+                <a:ea typeface="Spoqa Han Sans Neo Bold" panose="020B0800000000000000"/>
+              </a:rPr>
+              <a:t> : A1239asdlkj123iouqwee123,</a:t>
+            </a:r>
+          </a:p>
+          <a:p>
+            <a:r>
+              <a:rPr lang="en-US" altLang="ko-KR" dirty="0">
+                <a:solidFill>
+                  <a:schemeClr val="bg2">
+                    <a:lumMod val="50000"/>
+                  </a:schemeClr>
+                </a:solidFill>
+                <a:ea typeface="Spoqa Han Sans Neo Bold" panose="020B0800000000000000"/>
+              </a:rPr>
+              <a:t>  </a:t>
+            </a:r>
+            <a:r>
+              <a:rPr lang="en-US" altLang="ko-KR" b="1" dirty="0" err="1">
+                <a:solidFill>
+                  <a:srgbClr val="7030A0"/>
+                </a:solidFill>
+                <a:ea typeface="Spoqa Han Sans Neo Bold" panose="020B0800000000000000"/>
+              </a:rPr>
+              <a:t>pgStatus</a:t>
+            </a:r>
+            <a:r>
+              <a:rPr lang="en-US" altLang="ko-KR" dirty="0">
+                <a:solidFill>
+                  <a:schemeClr val="bg2">
+                    <a:lumMod val="50000"/>
+                  </a:schemeClr>
+                </a:solidFill>
+                <a:ea typeface="Spoqa Han Sans Neo Bold" panose="020B0800000000000000"/>
+              </a:rPr>
+              <a:t> : CREAT, CONFIRM, NON_CONFIRM, </a:t>
+            </a:r>
+          </a:p>
+          <a:p>
+            <a:r>
+              <a:rPr lang="en-US" altLang="ko-KR" dirty="0">
+                <a:solidFill>
+                  <a:schemeClr val="bg2">
+                    <a:lumMod val="50000"/>
+                  </a:schemeClr>
+                </a:solidFill>
+                <a:ea typeface="Spoqa Han Sans Neo Bold" panose="020B0800000000000000"/>
+              </a:rPr>
+              <a:t>                     SUCCESS, NOT_SUCCESS, FAIL,</a:t>
+            </a:r>
+          </a:p>
+          <a:p>
+            <a:r>
+              <a:rPr lang="en-US" altLang="ko-KR" dirty="0">
+                <a:solidFill>
+                  <a:schemeClr val="bg2">
+                    <a:lumMod val="50000"/>
+                  </a:schemeClr>
+                </a:solidFill>
+                <a:ea typeface="Spoqa Han Sans Neo Bold" panose="020B0800000000000000"/>
+              </a:rPr>
+              <a:t>  </a:t>
+            </a:r>
+            <a:r>
+              <a:rPr lang="en-US" altLang="ko-KR" b="1" dirty="0" err="1">
+                <a:solidFill>
+                  <a:srgbClr val="7030A0"/>
+                </a:solidFill>
+                <a:ea typeface="Spoqa Han Sans Neo Bold" panose="020B0800000000000000"/>
+              </a:rPr>
+              <a:t>pgRetryCount</a:t>
+            </a:r>
+            <a:r>
+              <a:rPr lang="en-US" altLang="ko-KR" dirty="0">
+                <a:solidFill>
+                  <a:schemeClr val="bg2">
+                    <a:lumMod val="50000"/>
+                  </a:schemeClr>
+                </a:solidFill>
+                <a:ea typeface="Spoqa Han Sans Neo Bold" panose="020B0800000000000000"/>
+              </a:rPr>
+              <a:t> : 0,</a:t>
+            </a:r>
+          </a:p>
+          <a:p>
+            <a:r>
+              <a:rPr lang="en-US" altLang="ko-KR" dirty="0">
+                <a:solidFill>
+                  <a:schemeClr val="bg2">
+                    <a:lumMod val="50000"/>
+                  </a:schemeClr>
+                </a:solidFill>
+                <a:ea typeface="Spoqa Han Sans Neo Bold" panose="020B0800000000000000"/>
+              </a:rPr>
+              <a:t>}</a:t>
+            </a:r>
+            <a:endParaRPr lang="ko-KR" altLang="en-US" dirty="0">
+              <a:solidFill>
+                <a:schemeClr val="bg2">
+                  <a:lumMod val="50000"/>
+                </a:schemeClr>
+              </a:solidFill>
+              <a:ea typeface="Spoqa Han Sans Neo Bold" panose="020B0800000000000000"/>
+            </a:endParaRPr>
+          </a:p>
+        </p:txBody>
+      </p:sp>
+      <p:sp>
+        <p:nvSpPr>
+          <p:cNvPr id="12" name="직사각형 11">
+            <a:extLst>
+              <a:ext uri="{FF2B5EF4-FFF2-40B4-BE49-F238E27FC236}">
+                <a16:creationId xmlns:a16="http://schemas.microsoft.com/office/drawing/2014/main" id="{CDEE78DB-8686-643E-54DA-84408A6813BB}"/>
+              </a:ext>
+            </a:extLst>
+          </p:cNvPr>
+          <p:cNvSpPr/>
+          <p:nvPr/>
+        </p:nvSpPr>
+        <p:spPr>
+          <a:xfrm>
+            <a:off x="7010400" y="1280160"/>
+            <a:ext cx="1668780" cy="3749040"/>
+          </a:xfrm>
+          <a:prstGeom prst="rect">
+            <a:avLst/>
+          </a:prstGeom>
+        </p:spPr>
+        <p:style>
+          <a:lnRef idx="2">
+            <a:schemeClr val="accent5"/>
+          </a:lnRef>
+          <a:fillRef idx="1">
+            <a:schemeClr val="lt1"/>
+          </a:fillRef>
+          <a:effectRef idx="0">
+            <a:schemeClr val="accent5"/>
+          </a:effectRef>
+          <a:fontRef idx="minor">
+            <a:schemeClr val="dk1"/>
+          </a:fontRef>
+        </p:style>
+        <p:txBody>
+          <a:bodyPr rtlCol="0" anchor="t"/>
+          <a:lstStyle/>
+          <a:p>
+            <a:r>
+              <a:rPr lang="en-US" altLang="ko-KR" b="1" dirty="0" err="1">
+                <a:ea typeface="Spoqa Han Sans Neo Bold" panose="020B0800000000000000"/>
+              </a:rPr>
+              <a:t>ProductInOrder</a:t>
+            </a:r>
+            <a:endParaRPr lang="en-US" altLang="ko-KR" b="1" dirty="0">
+              <a:ea typeface="Spoqa Han Sans Neo Bold" panose="020B0800000000000000"/>
+            </a:endParaRPr>
+          </a:p>
+          <a:p>
+            <a:r>
+              <a:rPr lang="en-US" altLang="ko-KR" dirty="0">
+                <a:solidFill>
+                  <a:schemeClr val="bg2">
+                    <a:lumMod val="50000"/>
+                  </a:schemeClr>
+                </a:solidFill>
+                <a:ea typeface="Spoqa Han Sans Neo Bold" panose="020B0800000000000000"/>
+              </a:rPr>
+              <a:t>{</a:t>
+            </a:r>
+          </a:p>
+          <a:p>
+            <a:r>
+              <a:rPr lang="en-US" altLang="ko-KR" dirty="0">
+                <a:solidFill>
+                  <a:schemeClr val="bg2">
+                    <a:lumMod val="50000"/>
+                  </a:schemeClr>
+                </a:solidFill>
+                <a:ea typeface="Spoqa Han Sans Neo Bold" panose="020B0800000000000000"/>
+              </a:rPr>
+              <a:t>  </a:t>
+            </a:r>
+            <a:r>
+              <a:rPr lang="en-US" altLang="ko-KR" b="1" dirty="0" err="1">
+                <a:solidFill>
+                  <a:srgbClr val="7030A0"/>
+                </a:solidFill>
+                <a:ea typeface="Spoqa Han Sans Neo Bold" panose="020B0800000000000000"/>
+              </a:rPr>
+              <a:t>orderId</a:t>
+            </a:r>
+            <a:r>
+              <a:rPr lang="en-US" altLang="ko-KR" dirty="0">
+                <a:solidFill>
+                  <a:schemeClr val="bg2">
+                    <a:lumMod val="50000"/>
+                  </a:schemeClr>
+                </a:solidFill>
+                <a:ea typeface="Spoqa Han Sans Neo Bold" panose="020B0800000000000000"/>
+              </a:rPr>
+              <a:t> : 12,</a:t>
+            </a:r>
+          </a:p>
+          <a:p>
+            <a:r>
+              <a:rPr lang="en-US" altLang="ko-KR" dirty="0">
+                <a:solidFill>
+                  <a:schemeClr val="bg2">
+                    <a:lumMod val="50000"/>
+                  </a:schemeClr>
+                </a:solidFill>
+                <a:ea typeface="Spoqa Han Sans Neo Bold" panose="020B0800000000000000"/>
+              </a:rPr>
+              <a:t>  </a:t>
+            </a:r>
+            <a:r>
+              <a:rPr lang="en-US" altLang="ko-KR" b="1" dirty="0" err="1">
+                <a:solidFill>
+                  <a:srgbClr val="7030A0"/>
+                </a:solidFill>
+                <a:ea typeface="Spoqa Han Sans Neo Bold" panose="020B0800000000000000"/>
+              </a:rPr>
+              <a:t>prodId</a:t>
+            </a:r>
+            <a:r>
+              <a:rPr lang="en-US" altLang="ko-KR" b="1" dirty="0">
+                <a:solidFill>
+                  <a:srgbClr val="7030A0"/>
+                </a:solidFill>
+                <a:ea typeface="Spoqa Han Sans Neo Bold" panose="020B0800000000000000"/>
+              </a:rPr>
+              <a:t> </a:t>
+            </a:r>
+            <a:r>
+              <a:rPr lang="en-US" altLang="ko-KR" dirty="0">
+                <a:solidFill>
+                  <a:schemeClr val="bg2">
+                    <a:lumMod val="50000"/>
+                  </a:schemeClr>
+                </a:solidFill>
+                <a:ea typeface="Spoqa Han Sans Neo Bold" panose="020B0800000000000000"/>
+              </a:rPr>
+              <a:t>: 1234,</a:t>
+            </a:r>
+          </a:p>
+          <a:p>
+            <a:r>
+              <a:rPr lang="en-US" altLang="ko-KR" dirty="0">
+                <a:solidFill>
+                  <a:schemeClr val="bg2">
+                    <a:lumMod val="50000"/>
+                  </a:schemeClr>
+                </a:solidFill>
+                <a:ea typeface="Spoqa Han Sans Neo Bold" panose="020B0800000000000000"/>
+              </a:rPr>
+              <a:t>  </a:t>
+            </a:r>
+            <a:r>
+              <a:rPr lang="en-US" altLang="ko-KR" b="1" dirty="0">
+                <a:solidFill>
+                  <a:srgbClr val="7030A0"/>
+                </a:solidFill>
+                <a:ea typeface="Spoqa Han Sans Neo Bold" panose="020B0800000000000000"/>
+              </a:rPr>
+              <a:t>quantity</a:t>
+            </a:r>
+            <a:r>
+              <a:rPr lang="en-US" altLang="ko-KR" dirty="0">
+                <a:solidFill>
+                  <a:schemeClr val="bg2">
+                    <a:lumMod val="50000"/>
+                  </a:schemeClr>
+                </a:solidFill>
+                <a:ea typeface="Spoqa Han Sans Neo Bold" panose="020B0800000000000000"/>
+              </a:rPr>
+              <a:t> : 4,</a:t>
+            </a:r>
+          </a:p>
+          <a:p>
+            <a:r>
+              <a:rPr lang="en-US" altLang="ko-KR" dirty="0">
+                <a:solidFill>
+                  <a:schemeClr val="bg2">
+                    <a:lumMod val="50000"/>
+                  </a:schemeClr>
+                </a:solidFill>
+                <a:ea typeface="Spoqa Han Sans Neo Bold" panose="020B0800000000000000"/>
+              </a:rPr>
+              <a:t>}</a:t>
+            </a:r>
+            <a:endParaRPr lang="ko-KR" altLang="en-US" dirty="0">
+              <a:solidFill>
+                <a:schemeClr val="bg2">
+                  <a:lumMod val="50000"/>
+                </a:schemeClr>
+              </a:solidFill>
+              <a:ea typeface="Spoqa Han Sans Neo Bold" panose="020B0800000000000000"/>
+            </a:endParaRPr>
+          </a:p>
+        </p:txBody>
+      </p:sp>
+    </p:spTree>
+    <p:extLst>
+      <p:ext uri="{BB962C8B-B14F-4D97-AF65-F5344CB8AC3E}">
+        <p14:creationId xmlns:p14="http://schemas.microsoft.com/office/powerpoint/2010/main" val="1899062721"/>
+      </p:ext>
+    </p:extLst>
+  </p:cSld>
+  <p:clrMapOvr>
+    <a:masterClrMapping/>
+  </p:clrMapOvr>
+</p:sld>
+</file>
+
+<file path=ppt/slides/slide25.xml><?xml version="1.0" encoding="utf-8"?>
+<p:sld xmlns:a="http://schemas.openxmlformats.org/drawingml/2006/main" xmlns:r="http://schemas.openxmlformats.org/officeDocument/2006/relationships" xmlns:p="http://schemas.openxmlformats.org/presentationml/2006/main">
+  <p:cSld>
+    <p:spTree>
+      <p:nvGrpSpPr>
+        <p:cNvPr id="1" name=""/>
+        <p:cNvGrpSpPr/>
+        <p:nvPr/>
+      </p:nvGrpSpPr>
+      <p:grpSpPr>
+        <a:xfrm>
+          <a:off x="0" y="0"/>
+          <a:ext cx="0" cy="0"/>
+          <a:chOff x="0" y="0"/>
+          <a:chExt cx="0" cy="0"/>
+        </a:xfrm>
+      </p:grpSpPr>
+      <p:sp>
+        <p:nvSpPr>
+          <p:cNvPr id="2" name="제목 1">
+            <a:extLst>
+              <a:ext uri="{FF2B5EF4-FFF2-40B4-BE49-F238E27FC236}">
+                <a16:creationId xmlns:a16="http://schemas.microsoft.com/office/drawing/2014/main" id="{9896B29B-A1AE-E0C6-8543-753E63140B1C}"/>
+              </a:ext>
+            </a:extLst>
+          </p:cNvPr>
+          <p:cNvSpPr>
+            <a:spLocks noGrp="1"/>
+          </p:cNvSpPr>
+          <p:nvPr>
+            <p:ph type="ctrTitle"/>
+          </p:nvPr>
+        </p:nvSpPr>
+        <p:spPr/>
+        <p:txBody>
+          <a:bodyPr>
+            <a:normAutofit/>
+          </a:bodyPr>
+          <a:lstStyle/>
+          <a:p>
+            <a:r>
+              <a:rPr lang="ko-KR" altLang="en-US" b="1" dirty="0"/>
+              <a:t>결제서비스 구현</a:t>
+            </a:r>
+          </a:p>
+        </p:txBody>
+      </p:sp>
+      <p:sp>
+        <p:nvSpPr>
+          <p:cNvPr id="4" name="부제목 3">
+            <a:extLst>
+              <a:ext uri="{FF2B5EF4-FFF2-40B4-BE49-F238E27FC236}">
+                <a16:creationId xmlns:a16="http://schemas.microsoft.com/office/drawing/2014/main" id="{7219E4B9-47F6-C7CA-B046-1256225C3574}"/>
+              </a:ext>
+            </a:extLst>
+          </p:cNvPr>
+          <p:cNvSpPr>
+            <a:spLocks noGrp="1"/>
+          </p:cNvSpPr>
+          <p:nvPr>
+            <p:ph type="subTitle" idx="1"/>
+          </p:nvPr>
+        </p:nvSpPr>
+        <p:spPr/>
+        <p:txBody>
+          <a:bodyPr>
+            <a:normAutofit/>
+          </a:bodyPr>
+          <a:lstStyle/>
+          <a:p>
+            <a:pPr marL="0" indent="0" algn="r">
+              <a:buNone/>
+            </a:pPr>
+            <a:r>
+              <a:rPr lang="en-US" altLang="ko" b="1" dirty="0">
+                <a:solidFill>
+                  <a:srgbClr val="ED234B"/>
+                </a:solidFill>
+              </a:rPr>
+              <a:t>6</a:t>
+            </a:r>
+            <a:r>
+              <a:rPr lang="ko" altLang="ko-KR" b="1" dirty="0">
+                <a:solidFill>
+                  <a:srgbClr val="ED234B"/>
+                </a:solidFill>
+              </a:rPr>
+              <a:t> </a:t>
+            </a:r>
+            <a:r>
+              <a:rPr lang="ko-KR" altLang="en-US" dirty="0"/>
+              <a:t>이력조회 </a:t>
+            </a:r>
+            <a:r>
+              <a:rPr lang="en-US" altLang="ko-KR" dirty="0"/>
+              <a:t>API </a:t>
+            </a:r>
+            <a:r>
+              <a:rPr lang="ko-KR" altLang="en-US" dirty="0"/>
+              <a:t>구현</a:t>
+            </a:r>
+          </a:p>
+        </p:txBody>
+      </p:sp>
+    </p:spTree>
+    <p:extLst>
+      <p:ext uri="{BB962C8B-B14F-4D97-AF65-F5344CB8AC3E}">
+        <p14:creationId xmlns:p14="http://schemas.microsoft.com/office/powerpoint/2010/main" val="371869985"/>
+      </p:ext>
+    </p:extLst>
+  </p:cSld>
+  <p:clrMapOvr>
+    <a:masterClrMapping/>
+  </p:clrMapOvr>
+</p:sld>
+</file>
+
 <file path=ppt/slides/slide3.xml><?xml version="1.0" encoding="utf-8"?>
 <p:sld xmlns:a="http://schemas.openxmlformats.org/drawingml/2006/main" xmlns:r="http://schemas.openxmlformats.org/officeDocument/2006/relationships" xmlns:p="http://schemas.openxmlformats.org/presentationml/2006/main">
   <p:cSld>
@@ -6376,6 +11119,57 @@
           <a:chExt cx="0" cy="0"/>
         </a:xfrm>
       </p:grpSpPr>
+      <p:cxnSp>
+        <p:nvCxnSpPr>
+          <p:cNvPr id="55" name="직선 화살표 연결선 54">
+            <a:extLst>
+              <a:ext uri="{FF2B5EF4-FFF2-40B4-BE49-F238E27FC236}">
+                <a16:creationId xmlns:a16="http://schemas.microsoft.com/office/drawing/2014/main" id="{0911EB10-89CE-D071-EF73-A9843F0465D1}"/>
+              </a:ext>
+            </a:extLst>
+          </p:cNvPr>
+          <p:cNvCxnSpPr>
+            <a:cxnSpLocks/>
+            <a:stCxn id="10" idx="3"/>
+            <a:endCxn id="16" idx="1"/>
+          </p:cNvCxnSpPr>
+          <p:nvPr/>
+        </p:nvCxnSpPr>
+        <p:spPr>
+          <a:xfrm flipV="1">
+            <a:off x="3323001" y="2616982"/>
+            <a:ext cx="4057564" cy="1741"/>
+          </a:xfrm>
+          <a:prstGeom prst="straightConnector1">
+            <a:avLst/>
+          </a:prstGeom>
+          <a:ln w="28575" cap="flat" cmpd="sng" algn="ctr">
+            <a:solidFill>
+              <a:schemeClr val="accent5">
+                <a:lumMod val="75000"/>
+              </a:schemeClr>
+            </a:solidFill>
+            <a:prstDash val="solid"/>
+            <a:round/>
+            <a:headEnd type="none" w="med" len="med"/>
+            <a:tailEnd type="triangle" w="med" len="med"/>
+          </a:ln>
+        </p:spPr>
+        <p:style>
+          <a:lnRef idx="0">
+            <a:scrgbClr r="0" g="0" b="0"/>
+          </a:lnRef>
+          <a:fillRef idx="0">
+            <a:scrgbClr r="0" g="0" b="0"/>
+          </a:fillRef>
+          <a:effectRef idx="0">
+            <a:scrgbClr r="0" g="0" b="0"/>
+          </a:effectRef>
+          <a:fontRef idx="minor">
+            <a:schemeClr val="tx1"/>
+          </a:fontRef>
+        </p:style>
+      </p:cxnSp>
       <p:sp>
         <p:nvSpPr>
           <p:cNvPr id="2" name="제목 1">
@@ -6562,36 +11356,1269 @@
           </a:p>
         </p:txBody>
       </p:sp>
-      <p:pic>
-        <p:nvPicPr>
-          <p:cNvPr id="4" name="그림 3">
+      <p:sp>
+        <p:nvSpPr>
+          <p:cNvPr id="10" name="사각형: 둥근 모서리 9">
             <a:extLst>
               <a:ext uri="{FF2B5EF4-FFF2-40B4-BE49-F238E27FC236}">
-                <a16:creationId xmlns:a16="http://schemas.microsoft.com/office/drawing/2014/main" id="{9BB648DA-408A-557A-020F-95B92AB43A2B}"/>
+                <a16:creationId xmlns:a16="http://schemas.microsoft.com/office/drawing/2014/main" id="{2128239B-70F7-C581-D3E1-E7F3FADE265E}"/>
               </a:ext>
             </a:extLst>
           </p:cNvPr>
-          <p:cNvPicPr>
-            <a:picLocks noChangeAspect="1"/>
-          </p:cNvPicPr>
+          <p:cNvSpPr/>
           <p:nvPr/>
-        </p:nvPicPr>
-        <p:blipFill>
-          <a:blip r:embed="rId3"/>
-          <a:stretch>
-            <a:fillRect/>
-          </a:stretch>
-        </p:blipFill>
+        </p:nvSpPr>
         <p:spPr>
           <a:xfrm>
-            <a:off x="876692" y="1330055"/>
-            <a:ext cx="7624108" cy="3766309"/>
+            <a:off x="2186179" y="2370421"/>
+            <a:ext cx="1136822" cy="496604"/>
+          </a:xfrm>
+          <a:prstGeom prst="roundRect">
+            <a:avLst/>
+          </a:prstGeom>
+        </p:spPr>
+        <p:style>
+          <a:lnRef idx="2">
+            <a:schemeClr val="dk1"/>
+          </a:lnRef>
+          <a:fillRef idx="1">
+            <a:schemeClr val="lt1"/>
+          </a:fillRef>
+          <a:effectRef idx="0">
+            <a:schemeClr val="dk1"/>
+          </a:effectRef>
+          <a:fontRef idx="minor">
+            <a:schemeClr val="dk1"/>
+          </a:fontRef>
+        </p:style>
+        <p:txBody>
+          <a:bodyPr rtlCol="0" anchor="ctr"/>
+          <a:lstStyle/>
+          <a:p>
+            <a:pPr algn="ctr"/>
+            <a:r>
+              <a:rPr lang="ko-KR" altLang="en-US" sz="1000" dirty="0">
+                <a:ea typeface="Spoqa Han Sans Neo Bold" panose="020B0800000000000000"/>
+              </a:rPr>
+              <a:t>결제 서비스</a:t>
+            </a:r>
+            <a:endParaRPr lang="en-US" altLang="ko-KR" sz="1000" dirty="0">
+              <a:ea typeface="Spoqa Han Sans Neo Bold" panose="020B0800000000000000"/>
+            </a:endParaRPr>
+          </a:p>
+          <a:p>
+            <a:pPr algn="ctr"/>
+            <a:r>
+              <a:rPr lang="en-US" altLang="ko-KR" sz="900" dirty="0">
+                <a:ea typeface="Spoqa Han Sans Neo Bold" panose="020B0800000000000000"/>
+              </a:rPr>
+              <a:t>(Payment Service)</a:t>
+            </a:r>
+            <a:endParaRPr lang="ko-KR" altLang="en-US" sz="900" dirty="0">
+              <a:ea typeface="Spoqa Han Sans Neo Bold" panose="020B0800000000000000"/>
+            </a:endParaRPr>
+          </a:p>
+        </p:txBody>
+      </p:sp>
+      <p:grpSp>
+        <p:nvGrpSpPr>
+          <p:cNvPr id="12" name="그룹 11">
+            <a:extLst>
+              <a:ext uri="{FF2B5EF4-FFF2-40B4-BE49-F238E27FC236}">
+                <a16:creationId xmlns:a16="http://schemas.microsoft.com/office/drawing/2014/main" id="{BB74E1A3-F377-AA22-C4F0-8E0D4D757A51}"/>
+              </a:ext>
+            </a:extLst>
+          </p:cNvPr>
+          <p:cNvGrpSpPr/>
+          <p:nvPr/>
+        </p:nvGrpSpPr>
+        <p:grpSpPr>
+          <a:xfrm>
+            <a:off x="811455" y="2325133"/>
+            <a:ext cx="595035" cy="762107"/>
+            <a:chOff x="851212" y="2323448"/>
+            <a:chExt cx="595035" cy="762107"/>
+          </a:xfrm>
+        </p:grpSpPr>
+        <p:pic>
+          <p:nvPicPr>
+            <p:cNvPr id="1028" name="Picture 4">
+              <a:extLst>
+                <a:ext uri="{FF2B5EF4-FFF2-40B4-BE49-F238E27FC236}">
+                  <a16:creationId xmlns:a16="http://schemas.microsoft.com/office/drawing/2014/main" id="{91EC3199-2337-BFB5-E749-5F3A39C377C9}"/>
+                </a:ext>
+              </a:extLst>
+            </p:cNvPr>
+            <p:cNvPicPr>
+              <a:picLocks noChangeAspect="1" noChangeArrowheads="1"/>
+            </p:cNvPicPr>
+            <p:nvPr/>
+          </p:nvPicPr>
+          <p:blipFill>
+            <a:blip r:embed="rId3">
+              <a:extLst>
+                <a:ext uri="{28A0092B-C50C-407E-A947-70E740481C1C}">
+                  <a14:useLocalDpi xmlns:a14="http://schemas.microsoft.com/office/drawing/2010/main" val="0"/>
+                </a:ext>
+              </a:extLst>
+            </a:blip>
+            <a:srcRect/>
+            <a:stretch>
+              <a:fillRect/>
+            </a:stretch>
+          </p:blipFill>
+          <p:spPr bwMode="auto">
+            <a:xfrm>
+              <a:off x="851212" y="2323448"/>
+              <a:ext cx="590550" cy="590550"/>
+            </a:xfrm>
+            <a:prstGeom prst="rect">
+              <a:avLst/>
+            </a:prstGeom>
+            <a:noFill/>
+            <a:extLst>
+              <a:ext uri="{909E8E84-426E-40DD-AFC4-6F175D3DCCD1}">
+                <a14:hiddenFill xmlns:a14="http://schemas.microsoft.com/office/drawing/2010/main">
+                  <a:solidFill>
+                    <a:srgbClr val="FFFFFF"/>
+                  </a:solidFill>
+                </a14:hiddenFill>
+              </a:ext>
+            </a:extLst>
+          </p:spPr>
+        </p:pic>
+        <p:sp>
+          <p:nvSpPr>
+            <p:cNvPr id="11" name="TextBox 10">
+              <a:extLst>
+                <a:ext uri="{FF2B5EF4-FFF2-40B4-BE49-F238E27FC236}">
+                  <a16:creationId xmlns:a16="http://schemas.microsoft.com/office/drawing/2014/main" id="{DE32B18D-3480-5C84-18C2-BAF67622190C}"/>
+                </a:ext>
+              </a:extLst>
+            </p:cNvPr>
+            <p:cNvSpPr txBox="1"/>
+            <p:nvPr/>
+          </p:nvSpPr>
+          <p:spPr>
+            <a:xfrm>
+              <a:off x="851212" y="2870111"/>
+              <a:ext cx="595035" cy="215444"/>
+            </a:xfrm>
+            <a:prstGeom prst="rect">
+              <a:avLst/>
+            </a:prstGeom>
+            <a:noFill/>
+          </p:spPr>
+          <p:txBody>
+            <a:bodyPr wrap="none" rtlCol="0">
+              <a:spAutoFit/>
+            </a:bodyPr>
+            <a:lstStyle/>
+            <a:p>
+              <a:r>
+                <a:rPr lang="ko-KR" altLang="en-US" sz="800" dirty="0">
+                  <a:ea typeface="Spoqa Han Sans Neo Bold" panose="020B0800000000000000"/>
+                </a:rPr>
+                <a:t>결제요청</a:t>
+              </a:r>
+            </a:p>
+          </p:txBody>
+        </p:sp>
+      </p:grpSp>
+      <p:sp>
+        <p:nvSpPr>
+          <p:cNvPr id="13" name="순서도: 자기 디스크 12">
+            <a:extLst>
+              <a:ext uri="{FF2B5EF4-FFF2-40B4-BE49-F238E27FC236}">
+                <a16:creationId xmlns:a16="http://schemas.microsoft.com/office/drawing/2014/main" id="{40982842-DD73-3654-3DF8-7A3CC1A577E4}"/>
+              </a:ext>
+            </a:extLst>
+          </p:cNvPr>
+          <p:cNvSpPr/>
+          <p:nvPr/>
+        </p:nvSpPr>
+        <p:spPr>
+          <a:xfrm>
+            <a:off x="2432562" y="1465987"/>
+            <a:ext cx="644056" cy="433387"/>
+          </a:xfrm>
+          <a:prstGeom prst="flowChartMagneticDisk">
+            <a:avLst/>
+          </a:prstGeom>
+        </p:spPr>
+        <p:style>
+          <a:lnRef idx="2">
+            <a:schemeClr val="dk1"/>
+          </a:lnRef>
+          <a:fillRef idx="1">
+            <a:schemeClr val="lt1"/>
+          </a:fillRef>
+          <a:effectRef idx="0">
+            <a:schemeClr val="dk1"/>
+          </a:effectRef>
+          <a:fontRef idx="minor">
+            <a:schemeClr val="dk1"/>
+          </a:fontRef>
+        </p:style>
+        <p:txBody>
+          <a:bodyPr rtlCol="0" anchor="ctr"/>
+          <a:lstStyle/>
+          <a:p>
+            <a:pPr algn="ctr"/>
+            <a:r>
+              <a:rPr lang="en-US" altLang="ko-KR" sz="1000" dirty="0">
+                <a:solidFill>
+                  <a:schemeClr val="dk1"/>
+                </a:solidFill>
+                <a:ea typeface="Spoqa Han Sans Neo Bold" panose="020B0800000000000000"/>
+              </a:rPr>
+              <a:t>Order</a:t>
+            </a:r>
+            <a:endParaRPr lang="ko-KR" altLang="en-US" sz="1000" dirty="0">
+              <a:solidFill>
+                <a:schemeClr val="dk1"/>
+              </a:solidFill>
+              <a:ea typeface="Spoqa Han Sans Neo Bold" panose="020B0800000000000000"/>
+            </a:endParaRPr>
+          </a:p>
+        </p:txBody>
+      </p:sp>
+      <p:sp>
+        <p:nvSpPr>
+          <p:cNvPr id="14" name="순서도: 자기 디스크 13">
+            <a:extLst>
+              <a:ext uri="{FF2B5EF4-FFF2-40B4-BE49-F238E27FC236}">
+                <a16:creationId xmlns:a16="http://schemas.microsoft.com/office/drawing/2014/main" id="{9C503992-26EB-BFAE-619A-BFE5ECE4D9DA}"/>
+              </a:ext>
+            </a:extLst>
+          </p:cNvPr>
+          <p:cNvSpPr/>
+          <p:nvPr/>
+        </p:nvSpPr>
+        <p:spPr>
+          <a:xfrm>
+            <a:off x="1856247" y="3415381"/>
+            <a:ext cx="644056" cy="433387"/>
+          </a:xfrm>
+          <a:prstGeom prst="flowChartMagneticDisk">
+            <a:avLst/>
+          </a:prstGeom>
+        </p:spPr>
+        <p:style>
+          <a:lnRef idx="2">
+            <a:schemeClr val="dk1"/>
+          </a:lnRef>
+          <a:fillRef idx="1">
+            <a:schemeClr val="lt1"/>
+          </a:fillRef>
+          <a:effectRef idx="0">
+            <a:schemeClr val="dk1"/>
+          </a:effectRef>
+          <a:fontRef idx="minor">
+            <a:schemeClr val="dk1"/>
+          </a:fontRef>
+        </p:style>
+        <p:txBody>
+          <a:bodyPr rtlCol="0" anchor="ctr"/>
+          <a:lstStyle/>
+          <a:p>
+            <a:pPr algn="ctr"/>
+            <a:r>
+              <a:rPr lang="en-US" altLang="ko-KR" sz="1000" dirty="0">
+                <a:solidFill>
+                  <a:schemeClr val="dk1"/>
+                </a:solidFill>
+                <a:ea typeface="Spoqa Han Sans Neo Bold" panose="020B0800000000000000"/>
+              </a:rPr>
+              <a:t>Balance</a:t>
+            </a:r>
+            <a:endParaRPr lang="ko-KR" altLang="en-US" sz="1000" dirty="0">
+              <a:solidFill>
+                <a:schemeClr val="dk1"/>
+              </a:solidFill>
+              <a:ea typeface="Spoqa Han Sans Neo Bold" panose="020B0800000000000000"/>
+            </a:endParaRPr>
+          </a:p>
+        </p:txBody>
+      </p:sp>
+      <p:sp>
+        <p:nvSpPr>
+          <p:cNvPr id="15" name="순서도: 자기 디스크 14">
+            <a:extLst>
+              <a:ext uri="{FF2B5EF4-FFF2-40B4-BE49-F238E27FC236}">
+                <a16:creationId xmlns:a16="http://schemas.microsoft.com/office/drawing/2014/main" id="{C21ADD78-1D84-3FEE-F2A1-1010D71A101F}"/>
+              </a:ext>
+            </a:extLst>
+          </p:cNvPr>
+          <p:cNvSpPr/>
+          <p:nvPr/>
+        </p:nvSpPr>
+        <p:spPr>
+          <a:xfrm>
+            <a:off x="3000973" y="3415381"/>
+            <a:ext cx="644056" cy="433387"/>
+          </a:xfrm>
+          <a:prstGeom prst="flowChartMagneticDisk">
+            <a:avLst/>
+          </a:prstGeom>
+        </p:spPr>
+        <p:style>
+          <a:lnRef idx="2">
+            <a:schemeClr val="dk1"/>
+          </a:lnRef>
+          <a:fillRef idx="1">
+            <a:schemeClr val="lt1"/>
+          </a:fillRef>
+          <a:effectRef idx="0">
+            <a:schemeClr val="dk1"/>
+          </a:effectRef>
+          <a:fontRef idx="minor">
+            <a:schemeClr val="dk1"/>
+          </a:fontRef>
+        </p:style>
+        <p:txBody>
+          <a:bodyPr rtlCol="0" anchor="ctr"/>
+          <a:lstStyle/>
+          <a:p>
+            <a:pPr algn="ctr"/>
+            <a:r>
+              <a:rPr lang="en-US" altLang="ko-KR" sz="1000" dirty="0">
+                <a:solidFill>
+                  <a:schemeClr val="dk1"/>
+                </a:solidFill>
+                <a:ea typeface="Spoqa Han Sans Neo Bold" panose="020B0800000000000000"/>
+              </a:rPr>
+              <a:t>Ledger</a:t>
+            </a:r>
+            <a:endParaRPr lang="ko-KR" altLang="en-US" sz="1000" dirty="0">
+              <a:solidFill>
+                <a:schemeClr val="dk1"/>
+              </a:solidFill>
+              <a:ea typeface="Spoqa Han Sans Neo Bold" panose="020B0800000000000000"/>
+            </a:endParaRPr>
+          </a:p>
+        </p:txBody>
+      </p:sp>
+      <p:grpSp>
+        <p:nvGrpSpPr>
+          <p:cNvPr id="23" name="그룹 22">
+            <a:extLst>
+              <a:ext uri="{FF2B5EF4-FFF2-40B4-BE49-F238E27FC236}">
+                <a16:creationId xmlns:a16="http://schemas.microsoft.com/office/drawing/2014/main" id="{CB224939-2E16-E510-C9C2-F357CB2333F5}"/>
+              </a:ext>
+            </a:extLst>
+          </p:cNvPr>
+          <p:cNvGrpSpPr/>
+          <p:nvPr/>
+        </p:nvGrpSpPr>
+        <p:grpSpPr>
+          <a:xfrm>
+            <a:off x="7380565" y="2045711"/>
+            <a:ext cx="1101222" cy="1142542"/>
+            <a:chOff x="6595264" y="2370421"/>
+            <a:chExt cx="1101222" cy="1142542"/>
+          </a:xfrm>
+        </p:grpSpPr>
+        <p:sp>
+          <p:nvSpPr>
+            <p:cNvPr id="16" name="사각형: 둥근 모서리 15">
+              <a:extLst>
+                <a:ext uri="{FF2B5EF4-FFF2-40B4-BE49-F238E27FC236}">
+                  <a16:creationId xmlns:a16="http://schemas.microsoft.com/office/drawing/2014/main" id="{D3EA8D21-B97F-83A8-5E2B-9460556BE926}"/>
+                </a:ext>
+              </a:extLst>
+            </p:cNvPr>
+            <p:cNvSpPr/>
+            <p:nvPr/>
+          </p:nvSpPr>
+          <p:spPr>
+            <a:xfrm>
+              <a:off x="6595264" y="2370421"/>
+              <a:ext cx="1101222" cy="1142542"/>
+            </a:xfrm>
+            <a:prstGeom prst="roundRect">
+              <a:avLst>
+                <a:gd name="adj" fmla="val 10372"/>
+              </a:avLst>
+            </a:prstGeom>
+          </p:spPr>
+          <p:style>
+            <a:lnRef idx="2">
+              <a:schemeClr val="dk1"/>
+            </a:lnRef>
+            <a:fillRef idx="1">
+              <a:schemeClr val="lt1"/>
+            </a:fillRef>
+            <a:effectRef idx="0">
+              <a:schemeClr val="dk1"/>
+            </a:effectRef>
+            <a:fontRef idx="minor">
+              <a:schemeClr val="dk1"/>
+            </a:fontRef>
+          </p:style>
+          <p:txBody>
+            <a:bodyPr rtlCol="0" anchor="ctr"/>
+            <a:lstStyle/>
+            <a:p>
+              <a:pPr algn="ctr"/>
+              <a:r>
+                <a:rPr lang="ko-KR" altLang="en-US" sz="1000" dirty="0">
+                  <a:ea typeface="Spoqa Han Sans Neo Bold" panose="020B0800000000000000"/>
+                </a:rPr>
+                <a:t>지불 네트워크 </a:t>
+              </a:r>
+              <a:r>
+                <a:rPr lang="en-US" altLang="ko-KR" sz="900" dirty="0">
+                  <a:ea typeface="Spoqa Han Sans Neo Bold" panose="020B0800000000000000"/>
+                </a:rPr>
+                <a:t>(Card scheme)</a:t>
+              </a:r>
+            </a:p>
+            <a:p>
+              <a:pPr algn="ctr"/>
+              <a:endParaRPr lang="en-US" altLang="ko-KR" sz="900" dirty="0">
+                <a:ea typeface="Spoqa Han Sans Neo Bold" panose="020B0800000000000000"/>
+              </a:endParaRPr>
+            </a:p>
+            <a:p>
+              <a:pPr algn="ctr"/>
+              <a:endParaRPr lang="en-US" altLang="ko-KR" sz="900" dirty="0">
+                <a:ea typeface="Spoqa Han Sans Neo Bold" panose="020B0800000000000000"/>
+              </a:endParaRPr>
+            </a:p>
+            <a:p>
+              <a:pPr algn="ctr"/>
+              <a:endParaRPr lang="en-US" altLang="ko-KR" sz="900" dirty="0">
+                <a:ea typeface="Spoqa Han Sans Neo Bold" panose="020B0800000000000000"/>
+              </a:endParaRPr>
+            </a:p>
+            <a:p>
+              <a:pPr algn="ctr"/>
+              <a:endParaRPr lang="en-US" altLang="ko-KR" sz="900" dirty="0">
+                <a:ea typeface="Spoqa Han Sans Neo Bold" panose="020B0800000000000000"/>
+              </a:endParaRPr>
+            </a:p>
+            <a:p>
+              <a:pPr algn="ctr"/>
+              <a:endParaRPr lang="ko-KR" altLang="en-US" sz="900" dirty="0">
+                <a:ea typeface="Spoqa Han Sans Neo Bold" panose="020B0800000000000000"/>
+              </a:endParaRPr>
+            </a:p>
+          </p:txBody>
+        </p:sp>
+        <p:pic>
+          <p:nvPicPr>
+            <p:cNvPr id="1034" name="Picture 10">
+              <a:extLst>
+                <a:ext uri="{FF2B5EF4-FFF2-40B4-BE49-F238E27FC236}">
+                  <a16:creationId xmlns:a16="http://schemas.microsoft.com/office/drawing/2014/main" id="{7F15CFAE-D042-CBA0-9747-5CA9A0651D23}"/>
+                </a:ext>
+              </a:extLst>
+            </p:cNvPr>
+            <p:cNvPicPr>
+              <a:picLocks noChangeAspect="1" noChangeArrowheads="1"/>
+            </p:cNvPicPr>
+            <p:nvPr/>
+          </p:nvPicPr>
+          <p:blipFill>
+            <a:blip r:embed="rId4">
+              <a:extLst>
+                <a:ext uri="{28A0092B-C50C-407E-A947-70E740481C1C}">
+                  <a14:useLocalDpi xmlns:a14="http://schemas.microsoft.com/office/drawing/2010/main" val="0"/>
+                </a:ext>
+              </a:extLst>
+            </a:blip>
+            <a:srcRect/>
+            <a:stretch>
+              <a:fillRect/>
+            </a:stretch>
+          </p:blipFill>
+          <p:spPr bwMode="auto">
+            <a:xfrm>
+              <a:off x="6828099" y="2750155"/>
+              <a:ext cx="666750" cy="704850"/>
+            </a:xfrm>
+            <a:prstGeom prst="rect">
+              <a:avLst/>
+            </a:prstGeom>
+            <a:noFill/>
+            <a:extLst>
+              <a:ext uri="{909E8E84-426E-40DD-AFC4-6F175D3DCCD1}">
+                <a14:hiddenFill xmlns:a14="http://schemas.microsoft.com/office/drawing/2010/main">
+                  <a:solidFill>
+                    <a:srgbClr val="FFFFFF"/>
+                  </a:solidFill>
+                </a14:hiddenFill>
+              </a:ext>
+            </a:extLst>
+          </p:spPr>
+        </p:pic>
+      </p:grpSp>
+      <p:sp>
+        <p:nvSpPr>
+          <p:cNvPr id="24" name="사각형: 둥근 모서리 23">
+            <a:extLst>
+              <a:ext uri="{FF2B5EF4-FFF2-40B4-BE49-F238E27FC236}">
+                <a16:creationId xmlns:a16="http://schemas.microsoft.com/office/drawing/2014/main" id="{44943F53-1A62-420D-56E7-1D9A4D7FEB74}"/>
+              </a:ext>
+            </a:extLst>
+          </p:cNvPr>
+          <p:cNvSpPr/>
+          <p:nvPr/>
+        </p:nvSpPr>
+        <p:spPr>
+          <a:xfrm>
+            <a:off x="2754055" y="4397124"/>
+            <a:ext cx="1136822" cy="496604"/>
+          </a:xfrm>
+          <a:prstGeom prst="roundRect">
+            <a:avLst/>
+          </a:prstGeom>
+        </p:spPr>
+        <p:style>
+          <a:lnRef idx="2">
+            <a:schemeClr val="dk1"/>
+          </a:lnRef>
+          <a:fillRef idx="1">
+            <a:schemeClr val="lt1"/>
+          </a:fillRef>
+          <a:effectRef idx="0">
+            <a:schemeClr val="dk1"/>
+          </a:effectRef>
+          <a:fontRef idx="minor">
+            <a:schemeClr val="dk1"/>
+          </a:fontRef>
+        </p:style>
+        <p:txBody>
+          <a:bodyPr rtlCol="0" anchor="ctr"/>
+          <a:lstStyle/>
+          <a:p>
+            <a:pPr algn="ctr"/>
+            <a:r>
+              <a:rPr lang="ko-KR" altLang="en-US" sz="1000" dirty="0">
+                <a:ea typeface="Spoqa Han Sans Neo Bold" panose="020B0800000000000000"/>
+              </a:rPr>
+              <a:t>정산</a:t>
+            </a:r>
+            <a:endParaRPr lang="en-US" altLang="ko-KR" sz="1000" dirty="0">
+              <a:ea typeface="Spoqa Han Sans Neo Bold" panose="020B0800000000000000"/>
+            </a:endParaRPr>
+          </a:p>
+          <a:p>
+            <a:pPr algn="ctr"/>
+            <a:r>
+              <a:rPr lang="en-US" altLang="ko-KR" sz="900" dirty="0">
+                <a:ea typeface="Spoqa Han Sans Neo Bold" panose="020B0800000000000000"/>
+              </a:rPr>
+              <a:t>(</a:t>
+            </a:r>
+            <a:r>
+              <a:rPr lang="en-US" altLang="ko-KR" sz="900" dirty="0" err="1">
+                <a:ea typeface="Spoqa Han Sans Neo Bold" panose="020B0800000000000000"/>
+              </a:rPr>
+              <a:t>Reconcilation</a:t>
+            </a:r>
+            <a:r>
+              <a:rPr lang="en-US" altLang="ko-KR" sz="900" dirty="0">
+                <a:ea typeface="Spoqa Han Sans Neo Bold" panose="020B0800000000000000"/>
+              </a:rPr>
+              <a:t>)</a:t>
+            </a:r>
+            <a:endParaRPr lang="ko-KR" altLang="en-US" sz="900" dirty="0">
+              <a:ea typeface="Spoqa Han Sans Neo Bold" panose="020B0800000000000000"/>
+            </a:endParaRPr>
+          </a:p>
+        </p:txBody>
+      </p:sp>
+      <p:grpSp>
+        <p:nvGrpSpPr>
+          <p:cNvPr id="27" name="그룹 26">
+            <a:extLst>
+              <a:ext uri="{FF2B5EF4-FFF2-40B4-BE49-F238E27FC236}">
+                <a16:creationId xmlns:a16="http://schemas.microsoft.com/office/drawing/2014/main" id="{2537F451-3DAA-ED6A-E6E3-3AE2BF45B959}"/>
+              </a:ext>
+            </a:extLst>
+          </p:cNvPr>
+          <p:cNvGrpSpPr/>
+          <p:nvPr/>
+        </p:nvGrpSpPr>
+        <p:grpSpPr>
+          <a:xfrm>
+            <a:off x="4499477" y="4405488"/>
+            <a:ext cx="800219" cy="617913"/>
+            <a:chOff x="4086008" y="4158999"/>
+            <a:chExt cx="800219" cy="617913"/>
+          </a:xfrm>
+        </p:grpSpPr>
+        <p:pic>
+          <p:nvPicPr>
+            <p:cNvPr id="1036" name="Picture 12">
+              <a:extLst>
+                <a:ext uri="{FF2B5EF4-FFF2-40B4-BE49-F238E27FC236}">
+                  <a16:creationId xmlns:a16="http://schemas.microsoft.com/office/drawing/2014/main" id="{272ED88D-8EC1-4FC8-CCC5-07064470251E}"/>
+                </a:ext>
+              </a:extLst>
+            </p:cNvPr>
+            <p:cNvPicPr>
+              <a:picLocks noChangeAspect="1" noChangeArrowheads="1"/>
+            </p:cNvPicPr>
+            <p:nvPr/>
+          </p:nvPicPr>
+          <p:blipFill>
+            <a:blip r:embed="rId5">
+              <a:extLst>
+                <a:ext uri="{28A0092B-C50C-407E-A947-70E740481C1C}">
+                  <a14:useLocalDpi xmlns:a14="http://schemas.microsoft.com/office/drawing/2010/main" val="0"/>
+                </a:ext>
+              </a:extLst>
+            </a:blip>
+            <a:srcRect/>
+            <a:stretch>
+              <a:fillRect/>
+            </a:stretch>
+          </p:blipFill>
+          <p:spPr bwMode="auto">
+            <a:xfrm>
+              <a:off x="4248770" y="4158999"/>
+              <a:ext cx="476250" cy="476250"/>
+            </a:xfrm>
+            <a:prstGeom prst="rect">
+              <a:avLst/>
+            </a:prstGeom>
+            <a:noFill/>
+            <a:extLst>
+              <a:ext uri="{909E8E84-426E-40DD-AFC4-6F175D3DCCD1}">
+                <a14:hiddenFill xmlns:a14="http://schemas.microsoft.com/office/drawing/2010/main">
+                  <a:solidFill>
+                    <a:srgbClr val="FFFFFF"/>
+                  </a:solidFill>
+                </a14:hiddenFill>
+              </a:ext>
+            </a:extLst>
+          </p:spPr>
+        </p:pic>
+        <p:sp>
+          <p:nvSpPr>
+            <p:cNvPr id="26" name="TextBox 25">
+              <a:extLst>
+                <a:ext uri="{FF2B5EF4-FFF2-40B4-BE49-F238E27FC236}">
+                  <a16:creationId xmlns:a16="http://schemas.microsoft.com/office/drawing/2014/main" id="{E37C4362-116C-AC82-3719-8E89D85CC8DD}"/>
+                </a:ext>
+              </a:extLst>
+            </p:cNvPr>
+            <p:cNvSpPr txBox="1"/>
+            <p:nvPr/>
+          </p:nvSpPr>
+          <p:spPr>
+            <a:xfrm>
+              <a:off x="4086008" y="4561468"/>
+              <a:ext cx="800219" cy="215444"/>
+            </a:xfrm>
+            <a:prstGeom prst="rect">
+              <a:avLst/>
+            </a:prstGeom>
+            <a:noFill/>
+          </p:spPr>
+          <p:txBody>
+            <a:bodyPr wrap="none" rtlCol="0">
+              <a:spAutoFit/>
+            </a:bodyPr>
+            <a:lstStyle/>
+            <a:p>
+              <a:pPr algn="ctr"/>
+              <a:r>
+                <a:rPr lang="en-US" altLang="ko-KR" sz="800" dirty="0">
+                  <a:ea typeface="Spoqa Han Sans Neo Bold" panose="020B0800000000000000"/>
+                </a:rPr>
+                <a:t>Settlement file</a:t>
+              </a:r>
+              <a:endParaRPr lang="ko-KR" altLang="en-US" sz="800" dirty="0">
+                <a:ea typeface="Spoqa Han Sans Neo Bold" panose="020B0800000000000000"/>
+              </a:endParaRPr>
+            </a:p>
+          </p:txBody>
+        </p:sp>
+      </p:grpSp>
+      <p:cxnSp>
+        <p:nvCxnSpPr>
+          <p:cNvPr id="29" name="직선 화살표 연결선 28">
+            <a:extLst>
+              <a:ext uri="{FF2B5EF4-FFF2-40B4-BE49-F238E27FC236}">
+                <a16:creationId xmlns:a16="http://schemas.microsoft.com/office/drawing/2014/main" id="{8C20F87C-0FF3-F0D8-3A7B-EBFBFA4F41D2}"/>
+              </a:ext>
+            </a:extLst>
+          </p:cNvPr>
+          <p:cNvCxnSpPr>
+            <a:stCxn id="1028" idx="3"/>
+            <a:endCxn id="10" idx="1"/>
+          </p:cNvCxnSpPr>
+          <p:nvPr/>
+        </p:nvCxnSpPr>
+        <p:spPr>
+          <a:xfrm flipV="1">
+            <a:off x="1402005" y="2618723"/>
+            <a:ext cx="784174" cy="1685"/>
+          </a:xfrm>
+          <a:prstGeom prst="straightConnector1">
+            <a:avLst/>
+          </a:prstGeom>
+          <a:ln w="28575" cap="flat" cmpd="sng" algn="ctr">
+            <a:solidFill>
+              <a:schemeClr val="accent5">
+                <a:lumMod val="75000"/>
+              </a:schemeClr>
+            </a:solidFill>
+            <a:prstDash val="solid"/>
+            <a:round/>
+            <a:headEnd type="none" w="med" len="med"/>
+            <a:tailEnd type="triangle" w="med" len="med"/>
+          </a:ln>
+        </p:spPr>
+        <p:style>
+          <a:lnRef idx="0">
+            <a:scrgbClr r="0" g="0" b="0"/>
+          </a:lnRef>
+          <a:fillRef idx="0">
+            <a:scrgbClr r="0" g="0" b="0"/>
+          </a:fillRef>
+          <a:effectRef idx="0">
+            <a:scrgbClr r="0" g="0" b="0"/>
+          </a:effectRef>
+          <a:fontRef idx="minor">
+            <a:schemeClr val="tx1"/>
+          </a:fontRef>
+        </p:style>
+      </p:cxnSp>
+      <p:cxnSp>
+        <p:nvCxnSpPr>
+          <p:cNvPr id="30" name="직선 화살표 연결선 29">
+            <a:extLst>
+              <a:ext uri="{FF2B5EF4-FFF2-40B4-BE49-F238E27FC236}">
+                <a16:creationId xmlns:a16="http://schemas.microsoft.com/office/drawing/2014/main" id="{B25A5422-D190-70E3-CC09-A4DEEDE3189C}"/>
+              </a:ext>
+            </a:extLst>
+          </p:cNvPr>
+          <p:cNvCxnSpPr>
+            <a:cxnSpLocks/>
+            <a:stCxn id="10" idx="0"/>
+            <a:endCxn id="13" idx="3"/>
+          </p:cNvCxnSpPr>
+          <p:nvPr/>
+        </p:nvCxnSpPr>
+        <p:spPr>
+          <a:xfrm flipV="1">
+            <a:off x="2754590" y="1899374"/>
+            <a:ext cx="0" cy="471047"/>
+          </a:xfrm>
+          <a:prstGeom prst="straightConnector1">
+            <a:avLst/>
+          </a:prstGeom>
+          <a:ln w="28575" cap="flat" cmpd="sng" algn="ctr">
+            <a:solidFill>
+              <a:schemeClr val="accent5">
+                <a:lumMod val="75000"/>
+              </a:schemeClr>
+            </a:solidFill>
+            <a:prstDash val="solid"/>
+            <a:round/>
+            <a:headEnd type="none" w="med" len="med"/>
+            <a:tailEnd type="triangle" w="med" len="med"/>
+          </a:ln>
+        </p:spPr>
+        <p:style>
+          <a:lnRef idx="0">
+            <a:scrgbClr r="0" g="0" b="0"/>
+          </a:lnRef>
+          <a:fillRef idx="0">
+            <a:scrgbClr r="0" g="0" b="0"/>
+          </a:fillRef>
+          <a:effectRef idx="0">
+            <a:scrgbClr r="0" g="0" b="0"/>
+          </a:effectRef>
+          <a:fontRef idx="minor">
+            <a:schemeClr val="tx1"/>
+          </a:fontRef>
+        </p:style>
+      </p:cxnSp>
+      <p:cxnSp>
+        <p:nvCxnSpPr>
+          <p:cNvPr id="39" name="직선 화살표 연결선 38">
+            <a:extLst>
+              <a:ext uri="{FF2B5EF4-FFF2-40B4-BE49-F238E27FC236}">
+                <a16:creationId xmlns:a16="http://schemas.microsoft.com/office/drawing/2014/main" id="{944FC076-6403-B468-8E7C-7C2A9B3E427F}"/>
+              </a:ext>
+            </a:extLst>
+          </p:cNvPr>
+          <p:cNvCxnSpPr>
+            <a:cxnSpLocks/>
+          </p:cNvCxnSpPr>
+          <p:nvPr/>
+        </p:nvCxnSpPr>
+        <p:spPr>
+          <a:xfrm>
+            <a:off x="2754590" y="2867026"/>
+            <a:ext cx="568411" cy="548356"/>
+          </a:xfrm>
+          <a:prstGeom prst="straightConnector1">
+            <a:avLst/>
+          </a:prstGeom>
+          <a:ln w="28575" cap="flat" cmpd="sng" algn="ctr">
+            <a:solidFill>
+              <a:schemeClr val="accent5">
+                <a:lumMod val="75000"/>
+              </a:schemeClr>
+            </a:solidFill>
+            <a:prstDash val="solid"/>
+            <a:round/>
+            <a:headEnd type="none" w="med" len="med"/>
+            <a:tailEnd type="triangle" w="med" len="med"/>
+          </a:ln>
+        </p:spPr>
+        <p:style>
+          <a:lnRef idx="0">
+            <a:scrgbClr r="0" g="0" b="0"/>
+          </a:lnRef>
+          <a:fillRef idx="0">
+            <a:scrgbClr r="0" g="0" b="0"/>
+          </a:fillRef>
+          <a:effectRef idx="0">
+            <a:scrgbClr r="0" g="0" b="0"/>
+          </a:effectRef>
+          <a:fontRef idx="minor">
+            <a:schemeClr val="tx1"/>
+          </a:fontRef>
+        </p:style>
+      </p:cxnSp>
+      <p:cxnSp>
+        <p:nvCxnSpPr>
+          <p:cNvPr id="42" name="직선 화살표 연결선 41">
+            <a:extLst>
+              <a:ext uri="{FF2B5EF4-FFF2-40B4-BE49-F238E27FC236}">
+                <a16:creationId xmlns:a16="http://schemas.microsoft.com/office/drawing/2014/main" id="{CA402AD9-D599-A202-0827-7CB4E46E8139}"/>
+              </a:ext>
+            </a:extLst>
+          </p:cNvPr>
+          <p:cNvCxnSpPr>
+            <a:cxnSpLocks/>
+            <a:stCxn id="10" idx="2"/>
+            <a:endCxn id="14" idx="1"/>
+          </p:cNvCxnSpPr>
+          <p:nvPr/>
+        </p:nvCxnSpPr>
+        <p:spPr>
+          <a:xfrm flipH="1">
+            <a:off x="2178275" y="2867025"/>
+            <a:ext cx="576315" cy="548356"/>
+          </a:xfrm>
+          <a:prstGeom prst="straightConnector1">
+            <a:avLst/>
+          </a:prstGeom>
+          <a:ln w="28575" cap="flat" cmpd="sng" algn="ctr">
+            <a:solidFill>
+              <a:schemeClr val="accent5">
+                <a:lumMod val="75000"/>
+              </a:schemeClr>
+            </a:solidFill>
+            <a:prstDash val="solid"/>
+            <a:round/>
+            <a:headEnd type="none" w="med" len="med"/>
+            <a:tailEnd type="triangle" w="med" len="med"/>
+          </a:ln>
+        </p:spPr>
+        <p:style>
+          <a:lnRef idx="0">
+            <a:scrgbClr r="0" g="0" b="0"/>
+          </a:lnRef>
+          <a:fillRef idx="0">
+            <a:scrgbClr r="0" g="0" b="0"/>
+          </a:fillRef>
+          <a:effectRef idx="0">
+            <a:scrgbClr r="0" g="0" b="0"/>
+          </a:effectRef>
+          <a:fontRef idx="minor">
+            <a:schemeClr val="tx1"/>
+          </a:fontRef>
+        </p:style>
+      </p:cxnSp>
+      <p:cxnSp>
+        <p:nvCxnSpPr>
+          <p:cNvPr id="45" name="직선 화살표 연결선 44">
+            <a:extLst>
+              <a:ext uri="{FF2B5EF4-FFF2-40B4-BE49-F238E27FC236}">
+                <a16:creationId xmlns:a16="http://schemas.microsoft.com/office/drawing/2014/main" id="{DF35A907-D190-A80F-660A-60CB83F0E99D}"/>
+              </a:ext>
+            </a:extLst>
+          </p:cNvPr>
+          <p:cNvCxnSpPr>
+            <a:cxnSpLocks/>
+            <a:stCxn id="22" idx="2"/>
+            <a:endCxn id="1036" idx="3"/>
+          </p:cNvCxnSpPr>
+          <p:nvPr/>
+        </p:nvCxnSpPr>
+        <p:spPr>
+          <a:xfrm rot="5400000">
+            <a:off x="4969013" y="3552501"/>
+            <a:ext cx="1260588" cy="921636"/>
+          </a:xfrm>
+          <a:prstGeom prst="bentConnector2">
+            <a:avLst/>
+          </a:prstGeom>
+          <a:ln w="28575" cap="flat" cmpd="sng" algn="ctr">
+            <a:solidFill>
+              <a:schemeClr val="accent5">
+                <a:lumMod val="75000"/>
+              </a:schemeClr>
+            </a:solidFill>
+            <a:prstDash val="solid"/>
+            <a:round/>
+            <a:headEnd type="none" w="med" len="med"/>
+            <a:tailEnd type="triangle" w="med" len="med"/>
+          </a:ln>
+        </p:spPr>
+        <p:style>
+          <a:lnRef idx="0">
+            <a:scrgbClr r="0" g="0" b="0"/>
+          </a:lnRef>
+          <a:fillRef idx="0">
+            <a:scrgbClr r="0" g="0" b="0"/>
+          </a:fillRef>
+          <a:effectRef idx="0">
+            <a:scrgbClr r="0" g="0" b="0"/>
+          </a:effectRef>
+          <a:fontRef idx="minor">
+            <a:schemeClr val="tx1"/>
+          </a:fontRef>
+        </p:style>
+      </p:cxnSp>
+      <p:cxnSp>
+        <p:nvCxnSpPr>
+          <p:cNvPr id="48" name="직선 화살표 연결선 44">
+            <a:extLst>
+              <a:ext uri="{FF2B5EF4-FFF2-40B4-BE49-F238E27FC236}">
+                <a16:creationId xmlns:a16="http://schemas.microsoft.com/office/drawing/2014/main" id="{FE08FB1D-E072-87BF-E4D1-7E7CA345D0A9}"/>
+              </a:ext>
+            </a:extLst>
+          </p:cNvPr>
+          <p:cNvCxnSpPr>
+            <a:cxnSpLocks/>
+            <a:stCxn id="1036" idx="1"/>
+            <a:endCxn id="24" idx="3"/>
+          </p:cNvCxnSpPr>
+          <p:nvPr/>
+        </p:nvCxnSpPr>
+        <p:spPr>
+          <a:xfrm flipH="1">
+            <a:off x="3890877" y="4643613"/>
+            <a:ext cx="771362" cy="1813"/>
+          </a:xfrm>
+          <a:prstGeom prst="straightConnector1">
+            <a:avLst/>
+          </a:prstGeom>
+          <a:ln w="28575" cap="flat" cmpd="sng" algn="ctr">
+            <a:solidFill>
+              <a:schemeClr val="accent5">
+                <a:lumMod val="75000"/>
+              </a:schemeClr>
+            </a:solidFill>
+            <a:prstDash val="solid"/>
+            <a:round/>
+            <a:headEnd type="none" w="med" len="med"/>
+            <a:tailEnd type="triangle" w="med" len="med"/>
+          </a:ln>
+        </p:spPr>
+        <p:style>
+          <a:lnRef idx="0">
+            <a:scrgbClr r="0" g="0" b="0"/>
+          </a:lnRef>
+          <a:fillRef idx="0">
+            <a:scrgbClr r="0" g="0" b="0"/>
+          </a:fillRef>
+          <a:effectRef idx="0">
+            <a:scrgbClr r="0" g="0" b="0"/>
+          </a:effectRef>
+          <a:fontRef idx="minor">
+            <a:schemeClr val="tx1"/>
+          </a:fontRef>
+        </p:style>
+      </p:cxnSp>
+      <p:cxnSp>
+        <p:nvCxnSpPr>
+          <p:cNvPr id="51" name="직선 화살표 연결선 44">
+            <a:extLst>
+              <a:ext uri="{FF2B5EF4-FFF2-40B4-BE49-F238E27FC236}">
+                <a16:creationId xmlns:a16="http://schemas.microsoft.com/office/drawing/2014/main" id="{71ACF0C2-A0FF-FCA9-1883-34B77F3ACEFD}"/>
+              </a:ext>
+            </a:extLst>
+          </p:cNvPr>
+          <p:cNvCxnSpPr>
+            <a:cxnSpLocks/>
+            <a:stCxn id="15" idx="3"/>
+            <a:endCxn id="24" idx="0"/>
+          </p:cNvCxnSpPr>
+          <p:nvPr/>
+        </p:nvCxnSpPr>
+        <p:spPr>
+          <a:xfrm rot="5400000">
+            <a:off x="3048556" y="4122679"/>
+            <a:ext cx="548356" cy="535"/>
+          </a:xfrm>
+          <a:prstGeom prst="bentConnector3">
+            <a:avLst>
+              <a:gd name="adj1" fmla="val 50000"/>
+            </a:avLst>
+          </a:prstGeom>
+          <a:ln w="28575" cap="flat" cmpd="sng" algn="ctr">
+            <a:solidFill>
+              <a:schemeClr val="accent5">
+                <a:lumMod val="75000"/>
+              </a:schemeClr>
+            </a:solidFill>
+            <a:prstDash val="solid"/>
+            <a:round/>
+            <a:headEnd type="none" w="med" len="med"/>
+            <a:tailEnd type="triangle" w="med" len="med"/>
+          </a:ln>
+        </p:spPr>
+        <p:style>
+          <a:lnRef idx="0">
+            <a:scrgbClr r="0" g="0" b="0"/>
+          </a:lnRef>
+          <a:fillRef idx="0">
+            <a:scrgbClr r="0" g="0" b="0"/>
+          </a:fillRef>
+          <a:effectRef idx="0">
+            <a:scrgbClr r="0" g="0" b="0"/>
+          </a:effectRef>
+          <a:fontRef idx="minor">
+            <a:schemeClr val="tx1"/>
+          </a:fontRef>
+        </p:style>
+      </p:cxnSp>
+      <p:grpSp>
+        <p:nvGrpSpPr>
+          <p:cNvPr id="20" name="그룹 19">
+            <a:extLst>
+              <a:ext uri="{FF2B5EF4-FFF2-40B4-BE49-F238E27FC236}">
+                <a16:creationId xmlns:a16="http://schemas.microsoft.com/office/drawing/2014/main" id="{F3493D6D-2BC8-BEB9-1EE5-BAC4EA4421AF}"/>
+              </a:ext>
+            </a:extLst>
+          </p:cNvPr>
+          <p:cNvGrpSpPr/>
+          <p:nvPr/>
+        </p:nvGrpSpPr>
+        <p:grpSpPr>
+          <a:xfrm>
+            <a:off x="5566452" y="1821105"/>
+            <a:ext cx="1001863" cy="1593724"/>
+            <a:chOff x="4797630" y="2571750"/>
+            <a:chExt cx="1001863" cy="1593724"/>
+          </a:xfrm>
+        </p:grpSpPr>
+        <p:sp>
+          <p:nvSpPr>
+            <p:cNvPr id="21" name="사각형: 둥근 모서리 20">
+              <a:extLst>
+                <a:ext uri="{FF2B5EF4-FFF2-40B4-BE49-F238E27FC236}">
+                  <a16:creationId xmlns:a16="http://schemas.microsoft.com/office/drawing/2014/main" id="{A761DEFA-324D-2035-E750-C1822D215730}"/>
+                </a:ext>
+              </a:extLst>
+            </p:cNvPr>
+            <p:cNvSpPr/>
+            <p:nvPr/>
+          </p:nvSpPr>
+          <p:spPr>
+            <a:xfrm>
+              <a:off x="4797630" y="2571750"/>
+              <a:ext cx="1001863" cy="1593724"/>
+            </a:xfrm>
+            <a:prstGeom prst="roundRect">
+              <a:avLst>
+                <a:gd name="adj" fmla="val 10372"/>
+              </a:avLst>
+            </a:prstGeom>
+          </p:spPr>
+          <p:style>
+            <a:lnRef idx="2">
+              <a:schemeClr val="dk1"/>
+            </a:lnRef>
+            <a:fillRef idx="1">
+              <a:schemeClr val="lt1"/>
+            </a:fillRef>
+            <a:effectRef idx="0">
+              <a:schemeClr val="dk1"/>
+            </a:effectRef>
+            <a:fontRef idx="minor">
+              <a:schemeClr val="dk1"/>
+            </a:fontRef>
+          </p:style>
+          <p:txBody>
+            <a:bodyPr rtlCol="0" anchor="ctr"/>
+            <a:lstStyle/>
+            <a:p>
+              <a:pPr algn="ctr"/>
+              <a:r>
+                <a:rPr lang="ko-KR" altLang="en-US" sz="1000" dirty="0">
+                  <a:ea typeface="Spoqa Han Sans Neo Bold" panose="020B0800000000000000"/>
+                </a:rPr>
+                <a:t>결제 대행사</a:t>
+              </a:r>
+              <a:endParaRPr lang="en-US" altLang="ko-KR" sz="1000" dirty="0">
+                <a:ea typeface="Spoqa Han Sans Neo Bold" panose="020B0800000000000000"/>
+              </a:endParaRPr>
+            </a:p>
+            <a:p>
+              <a:pPr algn="ctr"/>
+              <a:r>
+                <a:rPr lang="en-US" altLang="ko-KR" sz="900" dirty="0">
+                  <a:ea typeface="Spoqa Han Sans Neo Bold" panose="020B0800000000000000"/>
+                </a:rPr>
+                <a:t>(PSP)</a:t>
+              </a:r>
+            </a:p>
+            <a:p>
+              <a:pPr algn="ctr"/>
+              <a:endParaRPr lang="en-US" altLang="ko-KR" sz="900" dirty="0">
+                <a:ea typeface="Spoqa Han Sans Neo Bold" panose="020B0800000000000000"/>
+              </a:endParaRPr>
+            </a:p>
+            <a:p>
+              <a:pPr algn="ctr"/>
+              <a:endParaRPr lang="en-US" altLang="ko-KR" sz="900" dirty="0">
+                <a:ea typeface="Spoqa Han Sans Neo Bold" panose="020B0800000000000000"/>
+              </a:endParaRPr>
+            </a:p>
+            <a:p>
+              <a:pPr algn="ctr"/>
+              <a:endParaRPr lang="en-US" altLang="ko-KR" sz="900" dirty="0">
+                <a:ea typeface="Spoqa Han Sans Neo Bold" panose="020B0800000000000000"/>
+              </a:endParaRPr>
+            </a:p>
+            <a:p>
+              <a:pPr algn="ctr"/>
+              <a:endParaRPr lang="en-US" altLang="ko-KR" sz="900" dirty="0">
+                <a:ea typeface="Spoqa Han Sans Neo Bold" panose="020B0800000000000000"/>
+              </a:endParaRPr>
+            </a:p>
+            <a:p>
+              <a:pPr algn="ctr"/>
+              <a:endParaRPr lang="en-US" altLang="ko-KR" sz="900" dirty="0">
+                <a:ea typeface="Spoqa Han Sans Neo Bold" panose="020B0800000000000000"/>
+              </a:endParaRPr>
+            </a:p>
+            <a:p>
+              <a:pPr algn="ctr"/>
+              <a:endParaRPr lang="en-US" altLang="ko-KR" sz="900" dirty="0">
+                <a:ea typeface="Spoqa Han Sans Neo Bold" panose="020B0800000000000000"/>
+              </a:endParaRPr>
+            </a:p>
+            <a:p>
+              <a:pPr algn="ctr"/>
+              <a:endParaRPr lang="en-US" altLang="ko-KR" sz="900" dirty="0">
+                <a:ea typeface="Spoqa Han Sans Neo Bold" panose="020B0800000000000000"/>
+              </a:endParaRPr>
+            </a:p>
+            <a:p>
+              <a:pPr algn="ctr"/>
+              <a:endParaRPr lang="ko-KR" altLang="en-US" sz="900" dirty="0">
+                <a:ea typeface="Spoqa Han Sans Neo Bold" panose="020B0800000000000000"/>
+              </a:endParaRPr>
+            </a:p>
+          </p:txBody>
+        </p:sp>
+        <p:pic>
+          <p:nvPicPr>
+            <p:cNvPr id="22" name="그림 21">
+              <a:extLst>
+                <a:ext uri="{FF2B5EF4-FFF2-40B4-BE49-F238E27FC236}">
+                  <a16:creationId xmlns:a16="http://schemas.microsoft.com/office/drawing/2014/main" id="{4C4C0666-68AE-96F9-37A0-7378646B0B05}"/>
+                </a:ext>
+              </a:extLst>
+            </p:cNvPr>
+            <p:cNvPicPr>
+              <a:picLocks noChangeAspect="1"/>
+            </p:cNvPicPr>
+            <p:nvPr/>
+          </p:nvPicPr>
+          <p:blipFill>
+            <a:blip r:embed="rId6"/>
+            <a:stretch>
+              <a:fillRect/>
+            </a:stretch>
+          </p:blipFill>
+          <p:spPr>
+            <a:xfrm>
+              <a:off x="4891011" y="2966152"/>
+              <a:ext cx="800584" cy="1167518"/>
+            </a:xfrm>
+            <a:prstGeom prst="rect">
+              <a:avLst/>
+            </a:prstGeom>
+          </p:spPr>
+        </p:pic>
+      </p:grpSp>
+      <p:sp>
+        <p:nvSpPr>
+          <p:cNvPr id="54" name="TextBox 53">
+            <a:extLst>
+              <a:ext uri="{FF2B5EF4-FFF2-40B4-BE49-F238E27FC236}">
+                <a16:creationId xmlns:a16="http://schemas.microsoft.com/office/drawing/2014/main" id="{9E755E78-45A0-34B9-9604-A063D23EBEF4}"/>
+              </a:ext>
+            </a:extLst>
+          </p:cNvPr>
+          <p:cNvSpPr txBox="1"/>
+          <p:nvPr/>
+        </p:nvSpPr>
+        <p:spPr>
+          <a:xfrm>
+            <a:off x="6218672" y="3503112"/>
+            <a:ext cx="1128258" cy="646331"/>
           </a:xfrm>
           <a:prstGeom prst="rect">
             <a:avLst/>
           </a:prstGeom>
+          <a:noFill/>
         </p:spPr>
-      </p:pic>
+        <p:txBody>
+          <a:bodyPr wrap="none" rtlCol="0">
+            <a:spAutoFit/>
+          </a:bodyPr>
+          <a:lstStyle/>
+          <a:p>
+            <a:r>
+              <a:rPr lang="en-US" altLang="ko-KR" sz="1200" b="1" dirty="0">
+                <a:solidFill>
+                  <a:srgbClr val="FF0000"/>
+                </a:solidFill>
+                <a:ea typeface="Spoqa Han Sans Neo Bold" panose="020B0800000000000000"/>
+              </a:rPr>
+              <a:t>PCI DSS level-1</a:t>
+            </a:r>
+          </a:p>
+          <a:p>
+            <a:r>
+              <a:rPr lang="en-US" altLang="ko-KR" sz="1200" b="1" dirty="0">
+                <a:solidFill>
+                  <a:srgbClr val="FF0000"/>
+                </a:solidFill>
+                <a:ea typeface="Spoqa Han Sans Neo Bold" panose="020B0800000000000000"/>
+              </a:rPr>
+              <a:t>PSD2</a:t>
+            </a:r>
+          </a:p>
+          <a:p>
+            <a:r>
+              <a:rPr lang="en-US" altLang="ko-KR" sz="1200" b="1" dirty="0">
+                <a:solidFill>
+                  <a:srgbClr val="FF0000"/>
+                </a:solidFill>
+                <a:ea typeface="Spoqa Han Sans Neo Bold" panose="020B0800000000000000"/>
+              </a:rPr>
+              <a:t>AML, CFT, KYC</a:t>
+            </a:r>
+          </a:p>
+        </p:txBody>
+      </p:sp>
     </p:spTree>
     <p:extLst>
       <p:ext uri="{BB962C8B-B14F-4D97-AF65-F5344CB8AC3E}">
@@ -6602,6 +12629,836 @@
   <p:clrMapOvr>
     <a:masterClrMapping/>
   </p:clrMapOvr>
+  <p:timing>
+    <p:tnLst>
+      <p:par>
+        <p:cTn id="1" dur="indefinite" restart="never" nodeType="tmRoot">
+          <p:childTnLst>
+            <p:seq concurrent="1" nextAc="seek">
+              <p:cTn id="2" dur="indefinite" nodeType="mainSeq">
+                <p:childTnLst>
+                  <p:par>
+                    <p:cTn id="3" fill="hold">
+                      <p:stCondLst>
+                        <p:cond delay="indefinite"/>
+                      </p:stCondLst>
+                      <p:childTnLst>
+                        <p:par>
+                          <p:cTn id="4" fill="hold">
+                            <p:stCondLst>
+                              <p:cond delay="0"/>
+                            </p:stCondLst>
+                            <p:childTnLst>
+                              <p:par>
+                                <p:cTn id="5" presetID="1" presetClass="entr" presetSubtype="0" fill="hold" grpId="0" nodeType="clickEffect">
+                                  <p:stCondLst>
+                                    <p:cond delay="0"/>
+                                  </p:stCondLst>
+                                  <p:childTnLst>
+                                    <p:set>
+                                      <p:cBhvr>
+                                        <p:cTn id="6" dur="1" fill="hold">
+                                          <p:stCondLst>
+                                            <p:cond delay="0"/>
+                                          </p:stCondLst>
+                                        </p:cTn>
+                                        <p:tgtEl>
+                                          <p:spTgt spid="10"/>
+                                        </p:tgtEl>
+                                        <p:attrNameLst>
+                                          <p:attrName>style.visibility</p:attrName>
+                                        </p:attrNameLst>
+                                      </p:cBhvr>
+                                      <p:to>
+                                        <p:strVal val="visible"/>
+                                      </p:to>
+                                    </p:set>
+                                  </p:childTnLst>
+                                </p:cTn>
+                              </p:par>
+                            </p:childTnLst>
+                          </p:cTn>
+                        </p:par>
+                      </p:childTnLst>
+                    </p:cTn>
+                  </p:par>
+                  <p:par>
+                    <p:cTn id="7" fill="hold">
+                      <p:stCondLst>
+                        <p:cond delay="indefinite"/>
+                      </p:stCondLst>
+                      <p:childTnLst>
+                        <p:par>
+                          <p:cTn id="8" fill="hold">
+                            <p:stCondLst>
+                              <p:cond delay="0"/>
+                            </p:stCondLst>
+                            <p:childTnLst>
+                              <p:par>
+                                <p:cTn id="9" presetID="1" presetClass="entr" presetSubtype="0" fill="hold" nodeType="clickEffect">
+                                  <p:stCondLst>
+                                    <p:cond delay="0"/>
+                                  </p:stCondLst>
+                                  <p:childTnLst>
+                                    <p:set>
+                                      <p:cBhvr>
+                                        <p:cTn id="10" dur="1" fill="hold">
+                                          <p:stCondLst>
+                                            <p:cond delay="0"/>
+                                          </p:stCondLst>
+                                        </p:cTn>
+                                        <p:tgtEl>
+                                          <p:spTgt spid="12"/>
+                                        </p:tgtEl>
+                                        <p:attrNameLst>
+                                          <p:attrName>style.visibility</p:attrName>
+                                        </p:attrNameLst>
+                                      </p:cBhvr>
+                                      <p:to>
+                                        <p:strVal val="visible"/>
+                                      </p:to>
+                                    </p:set>
+                                  </p:childTnLst>
+                                </p:cTn>
+                              </p:par>
+                            </p:childTnLst>
+                          </p:cTn>
+                        </p:par>
+                      </p:childTnLst>
+                    </p:cTn>
+                  </p:par>
+                  <p:par>
+                    <p:cTn id="11" fill="hold">
+                      <p:stCondLst>
+                        <p:cond delay="indefinite"/>
+                      </p:stCondLst>
+                      <p:childTnLst>
+                        <p:par>
+                          <p:cTn id="12" fill="hold">
+                            <p:stCondLst>
+                              <p:cond delay="0"/>
+                            </p:stCondLst>
+                            <p:childTnLst>
+                              <p:par>
+                                <p:cTn id="13" presetID="1" presetClass="entr" presetSubtype="0" fill="hold" nodeType="clickEffect">
+                                  <p:stCondLst>
+                                    <p:cond delay="0"/>
+                                  </p:stCondLst>
+                                  <p:childTnLst>
+                                    <p:set>
+                                      <p:cBhvr>
+                                        <p:cTn id="14" dur="1" fill="hold">
+                                          <p:stCondLst>
+                                            <p:cond delay="0"/>
+                                          </p:stCondLst>
+                                        </p:cTn>
+                                        <p:tgtEl>
+                                          <p:spTgt spid="29"/>
+                                        </p:tgtEl>
+                                        <p:attrNameLst>
+                                          <p:attrName>style.visibility</p:attrName>
+                                        </p:attrNameLst>
+                                      </p:cBhvr>
+                                      <p:to>
+                                        <p:strVal val="visible"/>
+                                      </p:to>
+                                    </p:set>
+                                  </p:childTnLst>
+                                </p:cTn>
+                              </p:par>
+                            </p:childTnLst>
+                          </p:cTn>
+                        </p:par>
+                      </p:childTnLst>
+                    </p:cTn>
+                  </p:par>
+                  <p:par>
+                    <p:cTn id="15" fill="hold">
+                      <p:stCondLst>
+                        <p:cond delay="indefinite"/>
+                      </p:stCondLst>
+                      <p:childTnLst>
+                        <p:par>
+                          <p:cTn id="16" fill="hold">
+                            <p:stCondLst>
+                              <p:cond delay="0"/>
+                            </p:stCondLst>
+                            <p:childTnLst>
+                              <p:par>
+                                <p:cTn id="17" presetID="1" presetClass="entr" presetSubtype="0" fill="hold" grpId="0" nodeType="clickEffect">
+                                  <p:stCondLst>
+                                    <p:cond delay="0"/>
+                                  </p:stCondLst>
+                                  <p:childTnLst>
+                                    <p:set>
+                                      <p:cBhvr>
+                                        <p:cTn id="18" dur="1" fill="hold">
+                                          <p:stCondLst>
+                                            <p:cond delay="0"/>
+                                          </p:stCondLst>
+                                        </p:cTn>
+                                        <p:tgtEl>
+                                          <p:spTgt spid="13"/>
+                                        </p:tgtEl>
+                                        <p:attrNameLst>
+                                          <p:attrName>style.visibility</p:attrName>
+                                        </p:attrNameLst>
+                                      </p:cBhvr>
+                                      <p:to>
+                                        <p:strVal val="visible"/>
+                                      </p:to>
+                                    </p:set>
+                                  </p:childTnLst>
+                                </p:cTn>
+                              </p:par>
+                            </p:childTnLst>
+                          </p:cTn>
+                        </p:par>
+                      </p:childTnLst>
+                    </p:cTn>
+                  </p:par>
+                  <p:par>
+                    <p:cTn id="19" fill="hold">
+                      <p:stCondLst>
+                        <p:cond delay="indefinite"/>
+                      </p:stCondLst>
+                      <p:childTnLst>
+                        <p:par>
+                          <p:cTn id="20" fill="hold">
+                            <p:stCondLst>
+                              <p:cond delay="0"/>
+                            </p:stCondLst>
+                            <p:childTnLst>
+                              <p:par>
+                                <p:cTn id="21" presetID="1" presetClass="entr" presetSubtype="0" fill="hold" nodeType="clickEffect">
+                                  <p:stCondLst>
+                                    <p:cond delay="0"/>
+                                  </p:stCondLst>
+                                  <p:childTnLst>
+                                    <p:set>
+                                      <p:cBhvr>
+                                        <p:cTn id="22" dur="1" fill="hold">
+                                          <p:stCondLst>
+                                            <p:cond delay="0"/>
+                                          </p:stCondLst>
+                                        </p:cTn>
+                                        <p:tgtEl>
+                                          <p:spTgt spid="30"/>
+                                        </p:tgtEl>
+                                        <p:attrNameLst>
+                                          <p:attrName>style.visibility</p:attrName>
+                                        </p:attrNameLst>
+                                      </p:cBhvr>
+                                      <p:to>
+                                        <p:strVal val="visible"/>
+                                      </p:to>
+                                    </p:set>
+                                  </p:childTnLst>
+                                </p:cTn>
+                              </p:par>
+                            </p:childTnLst>
+                          </p:cTn>
+                        </p:par>
+                      </p:childTnLst>
+                    </p:cTn>
+                  </p:par>
+                  <p:par>
+                    <p:cTn id="23" fill="hold">
+                      <p:stCondLst>
+                        <p:cond delay="indefinite"/>
+                      </p:stCondLst>
+                      <p:childTnLst>
+                        <p:par>
+                          <p:cTn id="24" fill="hold">
+                            <p:stCondLst>
+                              <p:cond delay="0"/>
+                            </p:stCondLst>
+                            <p:childTnLst>
+                              <p:par>
+                                <p:cTn id="25" presetID="1" presetClass="entr" presetSubtype="0" fill="hold" nodeType="clickEffect">
+                                  <p:stCondLst>
+                                    <p:cond delay="0"/>
+                                  </p:stCondLst>
+                                  <p:childTnLst>
+                                    <p:set>
+                                      <p:cBhvr>
+                                        <p:cTn id="26" dur="1" fill="hold">
+                                          <p:stCondLst>
+                                            <p:cond delay="0"/>
+                                          </p:stCondLst>
+                                        </p:cTn>
+                                        <p:tgtEl>
+                                          <p:spTgt spid="23"/>
+                                        </p:tgtEl>
+                                        <p:attrNameLst>
+                                          <p:attrName>style.visibility</p:attrName>
+                                        </p:attrNameLst>
+                                      </p:cBhvr>
+                                      <p:to>
+                                        <p:strVal val="visible"/>
+                                      </p:to>
+                                    </p:set>
+                                  </p:childTnLst>
+                                </p:cTn>
+                              </p:par>
+                            </p:childTnLst>
+                          </p:cTn>
+                        </p:par>
+                      </p:childTnLst>
+                    </p:cTn>
+                  </p:par>
+                  <p:par>
+                    <p:cTn id="27" fill="hold">
+                      <p:stCondLst>
+                        <p:cond delay="indefinite"/>
+                      </p:stCondLst>
+                      <p:childTnLst>
+                        <p:par>
+                          <p:cTn id="28" fill="hold">
+                            <p:stCondLst>
+                              <p:cond delay="0"/>
+                            </p:stCondLst>
+                            <p:childTnLst>
+                              <p:par>
+                                <p:cTn id="29" presetID="1" presetClass="entr" presetSubtype="0" fill="hold" nodeType="clickEffect">
+                                  <p:stCondLst>
+                                    <p:cond delay="0"/>
+                                  </p:stCondLst>
+                                  <p:childTnLst>
+                                    <p:set>
+                                      <p:cBhvr>
+                                        <p:cTn id="30" dur="1" fill="hold">
+                                          <p:stCondLst>
+                                            <p:cond delay="0"/>
+                                          </p:stCondLst>
+                                        </p:cTn>
+                                        <p:tgtEl>
+                                          <p:spTgt spid="55"/>
+                                        </p:tgtEl>
+                                        <p:attrNameLst>
+                                          <p:attrName>style.visibility</p:attrName>
+                                        </p:attrNameLst>
+                                      </p:cBhvr>
+                                      <p:to>
+                                        <p:strVal val="visible"/>
+                                      </p:to>
+                                    </p:set>
+                                  </p:childTnLst>
+                                </p:cTn>
+                              </p:par>
+                            </p:childTnLst>
+                          </p:cTn>
+                        </p:par>
+                      </p:childTnLst>
+                    </p:cTn>
+                  </p:par>
+                  <p:par>
+                    <p:cTn id="31" fill="hold">
+                      <p:stCondLst>
+                        <p:cond delay="indefinite"/>
+                      </p:stCondLst>
+                      <p:childTnLst>
+                        <p:par>
+                          <p:cTn id="32" fill="hold">
+                            <p:stCondLst>
+                              <p:cond delay="0"/>
+                            </p:stCondLst>
+                            <p:childTnLst>
+                              <p:par>
+                                <p:cTn id="33" presetID="1" presetClass="entr" presetSubtype="0" fill="hold" nodeType="clickEffect">
+                                  <p:stCondLst>
+                                    <p:cond delay="0"/>
+                                  </p:stCondLst>
+                                  <p:childTnLst>
+                                    <p:set>
+                                      <p:cBhvr>
+                                        <p:cTn id="34" dur="1" fill="hold">
+                                          <p:stCondLst>
+                                            <p:cond delay="0"/>
+                                          </p:stCondLst>
+                                        </p:cTn>
+                                        <p:tgtEl>
+                                          <p:spTgt spid="20"/>
+                                        </p:tgtEl>
+                                        <p:attrNameLst>
+                                          <p:attrName>style.visibility</p:attrName>
+                                        </p:attrNameLst>
+                                      </p:cBhvr>
+                                      <p:to>
+                                        <p:strVal val="visible"/>
+                                      </p:to>
+                                    </p:set>
+                                  </p:childTnLst>
+                                </p:cTn>
+                              </p:par>
+                            </p:childTnLst>
+                          </p:cTn>
+                        </p:par>
+                      </p:childTnLst>
+                    </p:cTn>
+                  </p:par>
+                  <p:par>
+                    <p:cTn id="35" fill="hold">
+                      <p:stCondLst>
+                        <p:cond delay="indefinite"/>
+                      </p:stCondLst>
+                      <p:childTnLst>
+                        <p:par>
+                          <p:cTn id="36" fill="hold">
+                            <p:stCondLst>
+                              <p:cond delay="0"/>
+                            </p:stCondLst>
+                            <p:childTnLst>
+                              <p:par>
+                                <p:cTn id="37" presetID="1" presetClass="entr" presetSubtype="0" fill="hold" grpId="0" nodeType="clickEffect">
+                                  <p:stCondLst>
+                                    <p:cond delay="0"/>
+                                  </p:stCondLst>
+                                  <p:childTnLst>
+                                    <p:set>
+                                      <p:cBhvr>
+                                        <p:cTn id="38" dur="1" fill="hold">
+                                          <p:stCondLst>
+                                            <p:cond delay="0"/>
+                                          </p:stCondLst>
+                                        </p:cTn>
+                                        <p:tgtEl>
+                                          <p:spTgt spid="54"/>
+                                        </p:tgtEl>
+                                        <p:attrNameLst>
+                                          <p:attrName>style.visibility</p:attrName>
+                                        </p:attrNameLst>
+                                      </p:cBhvr>
+                                      <p:to>
+                                        <p:strVal val="visible"/>
+                                      </p:to>
+                                    </p:set>
+                                  </p:childTnLst>
+                                </p:cTn>
+                              </p:par>
+                            </p:childTnLst>
+                          </p:cTn>
+                        </p:par>
+                      </p:childTnLst>
+                    </p:cTn>
+                  </p:par>
+                  <p:par>
+                    <p:cTn id="39" fill="hold">
+                      <p:stCondLst>
+                        <p:cond delay="indefinite"/>
+                      </p:stCondLst>
+                      <p:childTnLst>
+                        <p:par>
+                          <p:cTn id="40" fill="hold">
+                            <p:stCondLst>
+                              <p:cond delay="0"/>
+                            </p:stCondLst>
+                            <p:childTnLst>
+                              <p:par>
+                                <p:cTn id="41" presetID="1" presetClass="entr" presetSubtype="0" fill="hold" grpId="0" nodeType="clickEffect">
+                                  <p:stCondLst>
+                                    <p:cond delay="0"/>
+                                  </p:stCondLst>
+                                  <p:childTnLst>
+                                    <p:set>
+                                      <p:cBhvr>
+                                        <p:cTn id="42" dur="1" fill="hold">
+                                          <p:stCondLst>
+                                            <p:cond delay="0"/>
+                                          </p:stCondLst>
+                                        </p:cTn>
+                                        <p:tgtEl>
+                                          <p:spTgt spid="15"/>
+                                        </p:tgtEl>
+                                        <p:attrNameLst>
+                                          <p:attrName>style.visibility</p:attrName>
+                                        </p:attrNameLst>
+                                      </p:cBhvr>
+                                      <p:to>
+                                        <p:strVal val="visible"/>
+                                      </p:to>
+                                    </p:set>
+                                  </p:childTnLst>
+                                </p:cTn>
+                              </p:par>
+                            </p:childTnLst>
+                          </p:cTn>
+                        </p:par>
+                      </p:childTnLst>
+                    </p:cTn>
+                  </p:par>
+                  <p:par>
+                    <p:cTn id="43" fill="hold">
+                      <p:stCondLst>
+                        <p:cond delay="indefinite"/>
+                      </p:stCondLst>
+                      <p:childTnLst>
+                        <p:par>
+                          <p:cTn id="44" fill="hold">
+                            <p:stCondLst>
+                              <p:cond delay="0"/>
+                            </p:stCondLst>
+                            <p:childTnLst>
+                              <p:par>
+                                <p:cTn id="45" presetID="1" presetClass="entr" presetSubtype="0" fill="hold" nodeType="clickEffect">
+                                  <p:stCondLst>
+                                    <p:cond delay="0"/>
+                                  </p:stCondLst>
+                                  <p:childTnLst>
+                                    <p:set>
+                                      <p:cBhvr>
+                                        <p:cTn id="46" dur="1" fill="hold">
+                                          <p:stCondLst>
+                                            <p:cond delay="0"/>
+                                          </p:stCondLst>
+                                        </p:cTn>
+                                        <p:tgtEl>
+                                          <p:spTgt spid="39"/>
+                                        </p:tgtEl>
+                                        <p:attrNameLst>
+                                          <p:attrName>style.visibility</p:attrName>
+                                        </p:attrNameLst>
+                                      </p:cBhvr>
+                                      <p:to>
+                                        <p:strVal val="visible"/>
+                                      </p:to>
+                                    </p:set>
+                                  </p:childTnLst>
+                                </p:cTn>
+                              </p:par>
+                            </p:childTnLst>
+                          </p:cTn>
+                        </p:par>
+                      </p:childTnLst>
+                    </p:cTn>
+                  </p:par>
+                  <p:par>
+                    <p:cTn id="47" fill="hold">
+                      <p:stCondLst>
+                        <p:cond delay="indefinite"/>
+                      </p:stCondLst>
+                      <p:childTnLst>
+                        <p:par>
+                          <p:cTn id="48" fill="hold">
+                            <p:stCondLst>
+                              <p:cond delay="0"/>
+                            </p:stCondLst>
+                            <p:childTnLst>
+                              <p:par>
+                                <p:cTn id="49" presetID="1" presetClass="entr" presetSubtype="0" fill="hold" grpId="0" nodeType="clickEffect">
+                                  <p:stCondLst>
+                                    <p:cond delay="0"/>
+                                  </p:stCondLst>
+                                  <p:childTnLst>
+                                    <p:set>
+                                      <p:cBhvr>
+                                        <p:cTn id="50" dur="1" fill="hold">
+                                          <p:stCondLst>
+                                            <p:cond delay="0"/>
+                                          </p:stCondLst>
+                                        </p:cTn>
+                                        <p:tgtEl>
+                                          <p:spTgt spid="14"/>
+                                        </p:tgtEl>
+                                        <p:attrNameLst>
+                                          <p:attrName>style.visibility</p:attrName>
+                                        </p:attrNameLst>
+                                      </p:cBhvr>
+                                      <p:to>
+                                        <p:strVal val="visible"/>
+                                      </p:to>
+                                    </p:set>
+                                  </p:childTnLst>
+                                </p:cTn>
+                              </p:par>
+                            </p:childTnLst>
+                          </p:cTn>
+                        </p:par>
+                      </p:childTnLst>
+                    </p:cTn>
+                  </p:par>
+                  <p:par>
+                    <p:cTn id="51" fill="hold">
+                      <p:stCondLst>
+                        <p:cond delay="indefinite"/>
+                      </p:stCondLst>
+                      <p:childTnLst>
+                        <p:par>
+                          <p:cTn id="52" fill="hold">
+                            <p:stCondLst>
+                              <p:cond delay="0"/>
+                            </p:stCondLst>
+                            <p:childTnLst>
+                              <p:par>
+                                <p:cTn id="53" presetID="1" presetClass="entr" presetSubtype="0" fill="hold" nodeType="clickEffect">
+                                  <p:stCondLst>
+                                    <p:cond delay="0"/>
+                                  </p:stCondLst>
+                                  <p:childTnLst>
+                                    <p:set>
+                                      <p:cBhvr>
+                                        <p:cTn id="54" dur="1" fill="hold">
+                                          <p:stCondLst>
+                                            <p:cond delay="0"/>
+                                          </p:stCondLst>
+                                        </p:cTn>
+                                        <p:tgtEl>
+                                          <p:spTgt spid="42"/>
+                                        </p:tgtEl>
+                                        <p:attrNameLst>
+                                          <p:attrName>style.visibility</p:attrName>
+                                        </p:attrNameLst>
+                                      </p:cBhvr>
+                                      <p:to>
+                                        <p:strVal val="visible"/>
+                                      </p:to>
+                                    </p:set>
+                                  </p:childTnLst>
+                                </p:cTn>
+                              </p:par>
+                            </p:childTnLst>
+                          </p:cTn>
+                        </p:par>
+                      </p:childTnLst>
+                    </p:cTn>
+                  </p:par>
+                  <p:par>
+                    <p:cTn id="55" fill="hold">
+                      <p:stCondLst>
+                        <p:cond delay="indefinite"/>
+                      </p:stCondLst>
+                      <p:childTnLst>
+                        <p:par>
+                          <p:cTn id="56" fill="hold">
+                            <p:stCondLst>
+                              <p:cond delay="0"/>
+                            </p:stCondLst>
+                            <p:childTnLst>
+                              <p:par>
+                                <p:cTn id="57" presetID="1" presetClass="entr" presetSubtype="0" fill="hold" grpId="0" nodeType="clickEffect">
+                                  <p:stCondLst>
+                                    <p:cond delay="0"/>
+                                  </p:stCondLst>
+                                  <p:childTnLst>
+                                    <p:set>
+                                      <p:cBhvr>
+                                        <p:cTn id="58" dur="1" fill="hold">
+                                          <p:stCondLst>
+                                            <p:cond delay="0"/>
+                                          </p:stCondLst>
+                                        </p:cTn>
+                                        <p:tgtEl>
+                                          <p:spTgt spid="24"/>
+                                        </p:tgtEl>
+                                        <p:attrNameLst>
+                                          <p:attrName>style.visibility</p:attrName>
+                                        </p:attrNameLst>
+                                      </p:cBhvr>
+                                      <p:to>
+                                        <p:strVal val="visible"/>
+                                      </p:to>
+                                    </p:set>
+                                  </p:childTnLst>
+                                </p:cTn>
+                              </p:par>
+                            </p:childTnLst>
+                          </p:cTn>
+                        </p:par>
+                      </p:childTnLst>
+                    </p:cTn>
+                  </p:par>
+                  <p:par>
+                    <p:cTn id="59" fill="hold">
+                      <p:stCondLst>
+                        <p:cond delay="indefinite"/>
+                      </p:stCondLst>
+                      <p:childTnLst>
+                        <p:par>
+                          <p:cTn id="60" fill="hold">
+                            <p:stCondLst>
+                              <p:cond delay="0"/>
+                            </p:stCondLst>
+                            <p:childTnLst>
+                              <p:par>
+                                <p:cTn id="61" presetID="1" presetClass="entr" presetSubtype="0" fill="hold" nodeType="clickEffect">
+                                  <p:stCondLst>
+                                    <p:cond delay="0"/>
+                                  </p:stCondLst>
+                                  <p:childTnLst>
+                                    <p:set>
+                                      <p:cBhvr>
+                                        <p:cTn id="62" dur="1" fill="hold">
+                                          <p:stCondLst>
+                                            <p:cond delay="0"/>
+                                          </p:stCondLst>
+                                        </p:cTn>
+                                        <p:tgtEl>
+                                          <p:spTgt spid="27"/>
+                                        </p:tgtEl>
+                                        <p:attrNameLst>
+                                          <p:attrName>style.visibility</p:attrName>
+                                        </p:attrNameLst>
+                                      </p:cBhvr>
+                                      <p:to>
+                                        <p:strVal val="visible"/>
+                                      </p:to>
+                                    </p:set>
+                                  </p:childTnLst>
+                                </p:cTn>
+                              </p:par>
+                            </p:childTnLst>
+                          </p:cTn>
+                        </p:par>
+                      </p:childTnLst>
+                    </p:cTn>
+                  </p:par>
+                  <p:par>
+                    <p:cTn id="63" fill="hold">
+                      <p:stCondLst>
+                        <p:cond delay="indefinite"/>
+                      </p:stCondLst>
+                      <p:childTnLst>
+                        <p:par>
+                          <p:cTn id="64" fill="hold">
+                            <p:stCondLst>
+                              <p:cond delay="0"/>
+                            </p:stCondLst>
+                            <p:childTnLst>
+                              <p:par>
+                                <p:cTn id="65" presetID="1" presetClass="entr" presetSubtype="0" fill="hold" nodeType="clickEffect">
+                                  <p:stCondLst>
+                                    <p:cond delay="0"/>
+                                  </p:stCondLst>
+                                  <p:childTnLst>
+                                    <p:set>
+                                      <p:cBhvr>
+                                        <p:cTn id="66" dur="1" fill="hold">
+                                          <p:stCondLst>
+                                            <p:cond delay="0"/>
+                                          </p:stCondLst>
+                                        </p:cTn>
+                                        <p:tgtEl>
+                                          <p:spTgt spid="45"/>
+                                        </p:tgtEl>
+                                        <p:attrNameLst>
+                                          <p:attrName>style.visibility</p:attrName>
+                                        </p:attrNameLst>
+                                      </p:cBhvr>
+                                      <p:to>
+                                        <p:strVal val="visible"/>
+                                      </p:to>
+                                    </p:set>
+                                  </p:childTnLst>
+                                </p:cTn>
+                              </p:par>
+                              <p:par>
+                                <p:cTn id="67" presetID="1" presetClass="entr" presetSubtype="0" fill="hold" nodeType="withEffect">
+                                  <p:stCondLst>
+                                    <p:cond delay="0"/>
+                                  </p:stCondLst>
+                                  <p:childTnLst>
+                                    <p:set>
+                                      <p:cBhvr>
+                                        <p:cTn id="68" dur="1" fill="hold">
+                                          <p:stCondLst>
+                                            <p:cond delay="0"/>
+                                          </p:stCondLst>
+                                        </p:cTn>
+                                        <p:tgtEl>
+                                          <p:spTgt spid="48"/>
+                                        </p:tgtEl>
+                                        <p:attrNameLst>
+                                          <p:attrName>style.visibility</p:attrName>
+                                        </p:attrNameLst>
+                                      </p:cBhvr>
+                                      <p:to>
+                                        <p:strVal val="visible"/>
+                                      </p:to>
+                                    </p:set>
+                                  </p:childTnLst>
+                                </p:cTn>
+                              </p:par>
+                            </p:childTnLst>
+                          </p:cTn>
+                        </p:par>
+                      </p:childTnLst>
+                    </p:cTn>
+                  </p:par>
+                  <p:par>
+                    <p:cTn id="69" fill="hold">
+                      <p:stCondLst>
+                        <p:cond delay="indefinite"/>
+                      </p:stCondLst>
+                      <p:childTnLst>
+                        <p:par>
+                          <p:cTn id="70" fill="hold">
+                            <p:stCondLst>
+                              <p:cond delay="0"/>
+                            </p:stCondLst>
+                            <p:childTnLst>
+                              <p:par>
+                                <p:cTn id="71" presetID="1" presetClass="entr" presetSubtype="0" fill="hold" nodeType="clickEffect">
+                                  <p:stCondLst>
+                                    <p:cond delay="0"/>
+                                  </p:stCondLst>
+                                  <p:childTnLst>
+                                    <p:set>
+                                      <p:cBhvr>
+                                        <p:cTn id="72" dur="1" fill="hold">
+                                          <p:stCondLst>
+                                            <p:cond delay="0"/>
+                                          </p:stCondLst>
+                                        </p:cTn>
+                                        <p:tgtEl>
+                                          <p:spTgt spid="51"/>
+                                        </p:tgtEl>
+                                        <p:attrNameLst>
+                                          <p:attrName>style.visibility</p:attrName>
+                                        </p:attrNameLst>
+                                      </p:cBhvr>
+                                      <p:to>
+                                        <p:strVal val="visible"/>
+                                      </p:to>
+                                    </p:set>
+                                  </p:childTnLst>
+                                </p:cTn>
+                              </p:par>
+                            </p:childTnLst>
+                          </p:cTn>
+                        </p:par>
+                      </p:childTnLst>
+                    </p:cTn>
+                  </p:par>
+                </p:childTnLst>
+              </p:cTn>
+              <p:prevCondLst>
+                <p:cond evt="onPrev" delay="0">
+                  <p:tgtEl>
+                    <p:sldTgt/>
+                  </p:tgtEl>
+                </p:cond>
+              </p:prevCondLst>
+              <p:nextCondLst>
+                <p:cond evt="onNext" delay="0">
+                  <p:tgtEl>
+                    <p:sldTgt/>
+                  </p:tgtEl>
+                </p:cond>
+              </p:nextCondLst>
+            </p:seq>
+          </p:childTnLst>
+        </p:cTn>
+      </p:par>
+    </p:tnLst>
+    <p:bldLst>
+      <p:bldP spid="10" grpId="0" animBg="1"/>
+      <p:bldP spid="13" grpId="0" animBg="1"/>
+      <p:bldP spid="14" grpId="0" animBg="1"/>
+      <p:bldP spid="15" grpId="0" animBg="1"/>
+      <p:bldP spid="24" grpId="0" animBg="1"/>
+      <p:bldP spid="54" grpId="0"/>
+    </p:bldLst>
+  </p:timing>
 </p:sld>
 </file>
 
@@ -6627,252 +13484,6 @@
           <p:cNvPr id="2" name="제목 1">
             <a:extLst>
               <a:ext uri="{FF2B5EF4-FFF2-40B4-BE49-F238E27FC236}">
-                <a16:creationId xmlns:a16="http://schemas.microsoft.com/office/drawing/2014/main" id="{D21C1AA9-5E52-3A11-B3B3-447787E29D09}"/>
-              </a:ext>
-            </a:extLst>
-          </p:cNvPr>
-          <p:cNvSpPr>
-            <a:spLocks noGrp="1"/>
-          </p:cNvSpPr>
-          <p:nvPr>
-            <p:ph type="title"/>
-          </p:nvPr>
-        </p:nvSpPr>
-        <p:spPr/>
-        <p:txBody>
-          <a:bodyPr/>
-          <a:lstStyle/>
-          <a:p>
-            <a:r>
-              <a:rPr lang="ko-KR" altLang="en-US" dirty="0"/>
-              <a:t>결제 서비스</a:t>
-            </a:r>
-          </a:p>
-        </p:txBody>
-      </p:sp>
-      <p:sp>
-        <p:nvSpPr>
-          <p:cNvPr id="7" name="Google Shape;209;p30">
-            <a:extLst>
-              <a:ext uri="{FF2B5EF4-FFF2-40B4-BE49-F238E27FC236}">
-                <a16:creationId xmlns:a16="http://schemas.microsoft.com/office/drawing/2014/main" id="{35F3E219-4EBB-8DE8-0966-E4317399395E}"/>
-              </a:ext>
-            </a:extLst>
-          </p:cNvPr>
-          <p:cNvSpPr/>
-          <p:nvPr/>
-        </p:nvSpPr>
-        <p:spPr>
-          <a:xfrm>
-            <a:off x="7811013" y="528014"/>
-            <a:ext cx="952500" cy="298200"/>
-          </a:xfrm>
-          <a:prstGeom prst="rect">
-            <a:avLst/>
-          </a:prstGeom>
-          <a:noFill/>
-          <a:ln>
-            <a:noFill/>
-          </a:ln>
-        </p:spPr>
-        <p:txBody>
-          <a:bodyPr spcFirstLastPara="1" wrap="square" lIns="19050" tIns="19050" rIns="19050" bIns="19050" anchor="t" anchorCtr="0">
-            <a:noAutofit/>
-          </a:bodyPr>
-          <a:lstStyle/>
-          <a:p>
-            <a:pPr marL="63500" marR="0" lvl="1" indent="0" algn="l" rtl="0">
-              <a:lnSpc>
-                <a:spcPct val="90000"/>
-              </a:lnSpc>
-              <a:spcBef>
-                <a:spcPts val="0"/>
-              </a:spcBef>
-              <a:spcAft>
-                <a:spcPts val="0"/>
-              </a:spcAft>
-              <a:buNone/>
-            </a:pPr>
-            <a:r>
-              <a:rPr lang="en-US" altLang="ko" sz="1200" b="1" i="0" u="none" strike="noStrike" cap="none" dirty="0">
-                <a:solidFill>
-                  <a:schemeClr val="bg1"/>
-                </a:solidFill>
-                <a:latin typeface="Arial"/>
-                <a:ea typeface="Arial"/>
-                <a:cs typeface="Arial"/>
-                <a:sym typeface="Arial"/>
-              </a:rPr>
-              <a:t>1</a:t>
-            </a:r>
-            <a:r>
-              <a:rPr lang="ko" sz="1200" b="1" i="0" u="none" strike="noStrike" cap="none" dirty="0">
-                <a:solidFill>
-                  <a:schemeClr val="bg1"/>
-                </a:solidFill>
-                <a:latin typeface="Arial"/>
-                <a:ea typeface="Arial"/>
-                <a:cs typeface="Arial"/>
-                <a:sym typeface="Arial"/>
-              </a:rPr>
-              <a:t>.</a:t>
-            </a:r>
-            <a:endParaRPr sz="500" dirty="0">
-              <a:solidFill>
-                <a:schemeClr val="bg1"/>
-              </a:solidFill>
-            </a:endParaRPr>
-          </a:p>
-        </p:txBody>
-      </p:sp>
-      <p:sp>
-        <p:nvSpPr>
-          <p:cNvPr id="8" name="Google Shape;210;p30">
-            <a:extLst>
-              <a:ext uri="{FF2B5EF4-FFF2-40B4-BE49-F238E27FC236}">
-                <a16:creationId xmlns:a16="http://schemas.microsoft.com/office/drawing/2014/main" id="{8CB63A74-B5C7-DCAA-53F5-96E44004D694}"/>
-              </a:ext>
-            </a:extLst>
-          </p:cNvPr>
-          <p:cNvSpPr/>
-          <p:nvPr/>
-        </p:nvSpPr>
-        <p:spPr>
-          <a:xfrm>
-            <a:off x="7811013" y="825047"/>
-            <a:ext cx="952500" cy="293400"/>
-          </a:xfrm>
-          <a:prstGeom prst="rect">
-            <a:avLst/>
-          </a:prstGeom>
-          <a:noFill/>
-          <a:ln>
-            <a:noFill/>
-          </a:ln>
-        </p:spPr>
-        <p:txBody>
-          <a:bodyPr spcFirstLastPara="1" wrap="square" lIns="19050" tIns="19050" rIns="19050" bIns="19050" anchor="t" anchorCtr="0">
-            <a:noAutofit/>
-          </a:bodyPr>
-          <a:lstStyle/>
-          <a:p>
-            <a:pPr marL="63500" marR="0" lvl="1" indent="0" algn="l" rtl="0">
-              <a:spcBef>
-                <a:spcPts val="200"/>
-              </a:spcBef>
-              <a:spcAft>
-                <a:spcPts val="0"/>
-              </a:spcAft>
-              <a:buClr>
-                <a:srgbClr val="000000"/>
-              </a:buClr>
-              <a:buFont typeface="Arial"/>
-              <a:buNone/>
-            </a:pPr>
-            <a:r>
-              <a:rPr lang="en-US" sz="800" dirty="0">
-                <a:solidFill>
-                  <a:schemeClr val="bg1"/>
-                </a:solidFill>
-              </a:rPr>
-              <a:t>Payment Gateway</a:t>
-            </a:r>
-          </a:p>
-          <a:p>
-            <a:pPr marL="63500" marR="0" lvl="1" indent="0" algn="l" rtl="0">
-              <a:spcBef>
-                <a:spcPts val="200"/>
-              </a:spcBef>
-              <a:spcAft>
-                <a:spcPts val="0"/>
-              </a:spcAft>
-              <a:buClr>
-                <a:srgbClr val="000000"/>
-              </a:buClr>
-              <a:buFont typeface="Arial"/>
-              <a:buNone/>
-            </a:pPr>
-            <a:r>
-              <a:rPr lang="ko-KR" altLang="en-US" sz="800" dirty="0">
-                <a:solidFill>
-                  <a:schemeClr val="bg1"/>
-                </a:solidFill>
-              </a:rPr>
-              <a:t>소개</a:t>
-            </a:r>
-            <a:endParaRPr sz="800" dirty="0">
-              <a:solidFill>
-                <a:schemeClr val="bg1"/>
-              </a:solidFill>
-            </a:endParaRPr>
-          </a:p>
-        </p:txBody>
-      </p:sp>
-      <p:pic>
-        <p:nvPicPr>
-          <p:cNvPr id="4" name="그림 3">
-            <a:extLst>
-              <a:ext uri="{FF2B5EF4-FFF2-40B4-BE49-F238E27FC236}">
-                <a16:creationId xmlns:a16="http://schemas.microsoft.com/office/drawing/2014/main" id="{9BB648DA-408A-557A-020F-95B92AB43A2B}"/>
-              </a:ext>
-            </a:extLst>
-          </p:cNvPr>
-          <p:cNvPicPr>
-            <a:picLocks noChangeAspect="1"/>
-          </p:cNvPicPr>
-          <p:nvPr/>
-        </p:nvPicPr>
-        <p:blipFill>
-          <a:blip r:embed="rId3"/>
-          <a:stretch>
-            <a:fillRect/>
-          </a:stretch>
-        </p:blipFill>
-        <p:spPr>
-          <a:xfrm>
-            <a:off x="876692" y="1330055"/>
-            <a:ext cx="7624108" cy="3766309"/>
-          </a:xfrm>
-          <a:prstGeom prst="rect">
-            <a:avLst/>
-          </a:prstGeom>
-        </p:spPr>
-      </p:pic>
-    </p:spTree>
-    <p:extLst>
-      <p:ext uri="{BB962C8B-B14F-4D97-AF65-F5344CB8AC3E}">
-        <p14:creationId xmlns:p14="http://schemas.microsoft.com/office/powerpoint/2010/main" val="2805889730"/>
-      </p:ext>
-    </p:extLst>
-  </p:cSld>
-  <p:clrMapOvr>
-    <a:masterClrMapping/>
-  </p:clrMapOvr>
-</p:sld>
-</file>
-
-<file path=ppt/slides/slide5.xml><?xml version="1.0" encoding="utf-8"?>
-<p:sld xmlns:a="http://schemas.openxmlformats.org/drawingml/2006/main" xmlns:r="http://schemas.openxmlformats.org/officeDocument/2006/relationships" xmlns:p="http://schemas.openxmlformats.org/presentationml/2006/main">
-  <p:cSld>
-    <p:spTree>
-      <p:nvGrpSpPr>
-        <p:cNvPr id="1" name=""/>
-        <p:cNvGrpSpPr/>
-        <p:nvPr/>
-      </p:nvGrpSpPr>
-      <p:grpSpPr>
-        <a:xfrm>
-          <a:off x="0" y="0"/>
-          <a:ext cx="0" cy="0"/>
-          <a:chOff x="0" y="0"/>
-          <a:chExt cx="0" cy="0"/>
-        </a:xfrm>
-      </p:grpSpPr>
-      <p:sp>
-        <p:nvSpPr>
-          <p:cNvPr id="2" name="제목 1">
-            <a:extLst>
-              <a:ext uri="{FF2B5EF4-FFF2-40B4-BE49-F238E27FC236}">
                 <a16:creationId xmlns:a16="http://schemas.microsoft.com/office/drawing/2014/main" id="{9896B29B-A1AE-E0C6-8543-753E63140B1C}"/>
               </a:ext>
             </a:extLst>
@@ -6964,7 +13575,7 @@
 </p:sld>
 </file>
 
-<file path=ppt/slides/slide6.xml><?xml version="1.0" encoding="utf-8"?>
+<file path=ppt/slides/slide5.xml><?xml version="1.0" encoding="utf-8"?>
 <p:sld xmlns:a="http://schemas.openxmlformats.org/drawingml/2006/main" xmlns:r="http://schemas.openxmlformats.org/officeDocument/2006/relationships" xmlns:p="http://schemas.openxmlformats.org/presentationml/2006/main">
   <p:cSld>
     <p:spTree>
@@ -7200,7 +13811,7 @@
 </p:sld>
 </file>
 
-<file path=ppt/slides/slide7.xml><?xml version="1.0" encoding="utf-8"?>
+<file path=ppt/slides/slide6.xml><?xml version="1.0" encoding="utf-8"?>
 <p:sld xmlns:a="http://schemas.openxmlformats.org/drawingml/2006/main" xmlns:r="http://schemas.openxmlformats.org/officeDocument/2006/relationships" xmlns:p="http://schemas.openxmlformats.org/presentationml/2006/main">
   <p:cSld>
     <p:spTree>
@@ -7436,7 +14047,7 @@
 </p:sld>
 </file>
 
-<file path=ppt/slides/slide8.xml><?xml version="1.0" encoding="utf-8"?>
+<file path=ppt/slides/slide7.xml><?xml version="1.0" encoding="utf-8"?>
 <p:sld xmlns:a="http://schemas.openxmlformats.org/drawingml/2006/main" xmlns:r="http://schemas.openxmlformats.org/officeDocument/2006/relationships" xmlns:p="http://schemas.openxmlformats.org/presentationml/2006/main">
   <p:cSld>
     <p:spTree>
@@ -7668,7 +14279,7 @@
 </p:sld>
 </file>
 
-<file path=ppt/slides/slide9.xml><?xml version="1.0" encoding="utf-8"?>
+<file path=ppt/slides/slide8.xml><?xml version="1.0" encoding="utf-8"?>
 <p:sld xmlns:a="http://schemas.openxmlformats.org/drawingml/2006/main" xmlns:r="http://schemas.openxmlformats.org/officeDocument/2006/relationships" xmlns:p="http://schemas.openxmlformats.org/presentationml/2006/main">
   <p:cSld>
     <p:spTree>
@@ -7891,6 +14502,115 @@
     <p:extLst>
       <p:ext uri="{BB962C8B-B14F-4D97-AF65-F5344CB8AC3E}">
         <p14:creationId xmlns:p14="http://schemas.microsoft.com/office/powerpoint/2010/main" val="214713189"/>
+      </p:ext>
+    </p:extLst>
+  </p:cSld>
+  <p:clrMapOvr>
+    <a:masterClrMapping/>
+  </p:clrMapOvr>
+</p:sld>
+</file>
+
+<file path=ppt/slides/slide9.xml><?xml version="1.0" encoding="utf-8"?>
+<p:sld xmlns:a="http://schemas.openxmlformats.org/drawingml/2006/main" xmlns:r="http://schemas.openxmlformats.org/officeDocument/2006/relationships" xmlns:p="http://schemas.openxmlformats.org/presentationml/2006/main">
+  <p:cSld>
+    <p:spTree>
+      <p:nvGrpSpPr>
+        <p:cNvPr id="1" name=""/>
+        <p:cNvGrpSpPr/>
+        <p:nvPr/>
+      </p:nvGrpSpPr>
+      <p:grpSpPr>
+        <a:xfrm>
+          <a:off x="0" y="0"/>
+          <a:ext cx="0" cy="0"/>
+          <a:chOff x="0" y="0"/>
+          <a:chExt cx="0" cy="0"/>
+        </a:xfrm>
+      </p:grpSpPr>
+      <p:sp>
+        <p:nvSpPr>
+          <p:cNvPr id="2" name="제목 1">
+            <a:extLst>
+              <a:ext uri="{FF2B5EF4-FFF2-40B4-BE49-F238E27FC236}">
+                <a16:creationId xmlns:a16="http://schemas.microsoft.com/office/drawing/2014/main" id="{9896B29B-A1AE-E0C6-8543-753E63140B1C}"/>
+              </a:ext>
+            </a:extLst>
+          </p:cNvPr>
+          <p:cNvSpPr>
+            <a:spLocks noGrp="1"/>
+          </p:cNvSpPr>
+          <p:nvPr>
+            <p:ph type="ctrTitle"/>
+          </p:nvPr>
+        </p:nvSpPr>
+        <p:spPr/>
+        <p:txBody>
+          <a:bodyPr>
+            <a:normAutofit/>
+          </a:bodyPr>
+          <a:lstStyle/>
+          <a:p>
+            <a:r>
+              <a:rPr lang="ko-KR" altLang="en-US" b="1" dirty="0"/>
+              <a:t>결제서비스 구현</a:t>
+            </a:r>
+          </a:p>
+        </p:txBody>
+      </p:sp>
+      <p:sp>
+        <p:nvSpPr>
+          <p:cNvPr id="4" name="부제목 3">
+            <a:extLst>
+              <a:ext uri="{FF2B5EF4-FFF2-40B4-BE49-F238E27FC236}">
+                <a16:creationId xmlns:a16="http://schemas.microsoft.com/office/drawing/2014/main" id="{7219E4B9-47F6-C7CA-B046-1256225C3574}"/>
+              </a:ext>
+            </a:extLst>
+          </p:cNvPr>
+          <p:cNvSpPr>
+            <a:spLocks noGrp="1"/>
+          </p:cNvSpPr>
+          <p:nvPr>
+            <p:ph type="subTitle" idx="1"/>
+          </p:nvPr>
+        </p:nvSpPr>
+        <p:spPr/>
+        <p:txBody>
+          <a:bodyPr>
+            <a:normAutofit/>
+          </a:bodyPr>
+          <a:lstStyle/>
+          <a:p>
+            <a:pPr marL="0" indent="0" algn="r">
+              <a:buNone/>
+            </a:pPr>
+            <a:r>
+              <a:rPr lang="en-US" altLang="ko" b="1" dirty="0">
+                <a:solidFill>
+                  <a:srgbClr val="ED234B"/>
+                </a:solidFill>
+              </a:rPr>
+              <a:t>3</a:t>
+            </a:r>
+            <a:r>
+              <a:rPr lang="ko" altLang="ko-KR" b="1" dirty="0">
+                <a:solidFill>
+                  <a:srgbClr val="ED234B"/>
+                </a:solidFill>
+              </a:rPr>
+              <a:t> </a:t>
+            </a:r>
+            <a:r>
+              <a:rPr lang="ko-KR" altLang="en-US" dirty="0"/>
+              <a:t>결제 서비스 설계</a:t>
+            </a:r>
+          </a:p>
+        </p:txBody>
+      </p:sp>
+    </p:spTree>
+    <p:extLst>
+      <p:ext uri="{BB962C8B-B14F-4D97-AF65-F5344CB8AC3E}">
+        <p14:creationId xmlns:p14="http://schemas.microsoft.com/office/powerpoint/2010/main" val="2069806099"/>
       </p:ext>
     </p:extLst>
   </p:cSld>

--- a/99.ppt/[Ch4-7. 결제 서비스 구현.pptx
+++ b/99.ppt/[Ch4-7. 결제 서비스 구현.pptx
@@ -235,7 +235,7 @@
           <a:p>
             <a:fld id="{9B770909-2C76-4DF9-BB76-4EE283593418}" type="datetimeFigureOut">
               <a:rPr lang="ko-KR" altLang="en-US" smtClean="0"/>
-              <a:t>2023-10-10</a:t>
+              <a:t>2023-10-11</a:t>
             </a:fld>
             <a:endParaRPr lang="ko-KR" altLang="en-US"/>
           </a:p>
@@ -6689,10 +6689,10 @@
       </p:sp>
       <p:pic>
         <p:nvPicPr>
-          <p:cNvPr id="1028" name="Picture 4">
+          <p:cNvPr id="2050" name="Picture 2">
             <a:extLst>
               <a:ext uri="{FF2B5EF4-FFF2-40B4-BE49-F238E27FC236}">
-                <a16:creationId xmlns:a16="http://schemas.microsoft.com/office/drawing/2014/main" id="{5EAF05EA-EEFF-5D0E-2031-05CB96744A71}"/>
+                <a16:creationId xmlns:a16="http://schemas.microsoft.com/office/drawing/2014/main" id="{097DC857-FB21-CE89-813F-C206CE4D7B14}"/>
               </a:ext>
             </a:extLst>
           </p:cNvPr>
@@ -6716,8 +6716,8 @@
         </p:blipFill>
         <p:spPr bwMode="auto">
           <a:xfrm>
-            <a:off x="1108123" y="31786"/>
-            <a:ext cx="7198822" cy="5111713"/>
+            <a:off x="1573213" y="0"/>
+            <a:ext cx="5997575" cy="5143500"/>
           </a:xfrm>
           <a:prstGeom prst="rect">
             <a:avLst/>
@@ -6930,32 +6930,49 @@
       </p:sp>
       <p:pic>
         <p:nvPicPr>
-          <p:cNvPr id="4" name="그림 3">
+          <p:cNvPr id="1026" name="Picture 2">
             <a:extLst>
               <a:ext uri="{FF2B5EF4-FFF2-40B4-BE49-F238E27FC236}">
-                <a16:creationId xmlns:a16="http://schemas.microsoft.com/office/drawing/2014/main" id="{FBB2A75E-378F-0D93-F1A1-553E252CDDC5}"/>
+                <a16:creationId xmlns:a16="http://schemas.microsoft.com/office/drawing/2014/main" id="{4A11AB08-7539-F470-359E-B64D97F3FC83}"/>
               </a:ext>
             </a:extLst>
           </p:cNvPr>
           <p:cNvPicPr>
-            <a:picLocks noChangeAspect="1"/>
+            <a:picLocks noChangeAspect="1" noChangeArrowheads="1"/>
           </p:cNvPicPr>
           <p:nvPr/>
         </p:nvPicPr>
         <p:blipFill>
-          <a:blip r:embed="rId3"/>
+          <a:blip r:embed="rId3">
+            <a:extLst>
+              <a:ext uri="{28A0092B-C50C-407E-A947-70E740481C1C}">
+                <a14:useLocalDpi xmlns:a14="http://schemas.microsoft.com/office/drawing/2010/main" val="0"/>
+              </a:ext>
+            </a:extLst>
+          </a:blip>
+          <a:srcRect/>
           <a:stretch>
             <a:fillRect/>
           </a:stretch>
         </p:blipFill>
-        <p:spPr>
+        <p:spPr bwMode="auto">
           <a:xfrm>
-            <a:off x="1149094" y="1118448"/>
-            <a:ext cx="4865870" cy="4025052"/>
+            <a:off x="2223358" y="1235676"/>
+            <a:ext cx="4358305" cy="3731741"/>
           </a:xfrm>
           <a:prstGeom prst="rect">
             <a:avLst/>
           </a:prstGeom>
+          <a:noFill/>
+          <a:extLst>
+            <a:ext uri="{909E8E84-426E-40DD-AFC4-6F175D3DCCD1}">
+              <a14:hiddenFill xmlns:a14="http://schemas.microsoft.com/office/drawing/2010/main">
+                <a:solidFill>
+                  <a:srgbClr val="FFFFFF"/>
+                </a:solidFill>
+              </a14:hiddenFill>
+            </a:ext>
+          </a:extLst>
         </p:spPr>
       </p:pic>
     </p:spTree>
@@ -10160,7 +10177,7 @@
           <a:lstStyle/>
           <a:p>
             <a:r>
-              <a:rPr lang="en-US" altLang="ko-KR" b="1" dirty="0">
+              <a:rPr lang="en-US" altLang="ko-KR" sz="1600" b="1" dirty="0">
                 <a:ea typeface="Spoqa Han Sans Neo Bold" panose="020B0800000000000000"/>
               </a:rPr>
               <a:t>Product</a:t>
@@ -10168,7 +10185,7 @@
           </a:p>
           <a:p>
             <a:r>
-              <a:rPr lang="en-US" altLang="ko-KR" dirty="0">
+              <a:rPr lang="en-US" altLang="ko-KR" sz="1600" dirty="0">
                 <a:solidFill>
                   <a:schemeClr val="bg2">
                     <a:lumMod val="50000"/>
@@ -10181,7 +10198,7 @@
           </a:p>
           <a:p>
             <a:r>
-              <a:rPr lang="en-US" altLang="ko-KR" dirty="0">
+              <a:rPr lang="en-US" altLang="ko-KR" sz="1600" dirty="0">
                 <a:solidFill>
                   <a:schemeClr val="bg2">
                     <a:lumMod val="50000"/>
@@ -10192,7 +10209,7 @@
               <a:t>  </a:t>
             </a:r>
             <a:r>
-              <a:rPr lang="en-US" altLang="ko-KR" b="1" dirty="0">
+              <a:rPr lang="en-US" altLang="ko-KR" sz="1600" b="1" dirty="0">
                 <a:solidFill>
                   <a:srgbClr val="7030A0"/>
                 </a:solidFill>
@@ -10201,7 +10218,7 @@
               <a:t>id</a:t>
             </a:r>
             <a:r>
-              <a:rPr lang="en-US" altLang="ko-KR" dirty="0">
+              <a:rPr lang="en-US" altLang="ko-KR" sz="1600" dirty="0">
                 <a:solidFill>
                   <a:schemeClr val="bg2">
                     <a:lumMod val="50000"/>
@@ -10214,7 +10231,7 @@
           </a:p>
           <a:p>
             <a:r>
-              <a:rPr lang="en-US" altLang="ko-KR" dirty="0">
+              <a:rPr lang="en-US" altLang="ko-KR" sz="1600" dirty="0">
                 <a:solidFill>
                   <a:schemeClr val="bg2">
                     <a:lumMod val="50000"/>
@@ -10225,7 +10242,7 @@
               <a:t>  </a:t>
             </a:r>
             <a:r>
-              <a:rPr lang="en-US" altLang="ko-KR" b="1" dirty="0">
+              <a:rPr lang="en-US" altLang="ko-KR" sz="1600" b="1" dirty="0">
                 <a:solidFill>
                   <a:srgbClr val="7030A0"/>
                 </a:solidFill>
@@ -10234,7 +10251,7 @@
               <a:t>name </a:t>
             </a:r>
             <a:r>
-              <a:rPr lang="en-US" altLang="ko-KR" dirty="0">
+              <a:rPr lang="en-US" altLang="ko-KR" sz="1600" dirty="0">
                 <a:solidFill>
                   <a:schemeClr val="bg2">
                     <a:lumMod val="50000"/>
@@ -10245,7 +10262,7 @@
               <a:t>: </a:t>
             </a:r>
             <a:r>
-              <a:rPr lang="ko-KR" altLang="en-US" dirty="0">
+              <a:rPr lang="ko-KR" altLang="en-US" sz="1600" dirty="0">
                 <a:solidFill>
                   <a:schemeClr val="bg2">
                     <a:lumMod val="50000"/>
@@ -10256,7 +10273,7 @@
               <a:t>상품명</a:t>
             </a:r>
             <a:r>
-              <a:rPr lang="en-US" altLang="ko-KR" dirty="0">
+              <a:rPr lang="en-US" altLang="ko-KR" sz="1600" dirty="0">
                 <a:solidFill>
                   <a:schemeClr val="bg2">
                     <a:lumMod val="50000"/>
@@ -10269,7 +10286,7 @@
           </a:p>
           <a:p>
             <a:r>
-              <a:rPr lang="en-US" altLang="ko-KR" dirty="0">
+              <a:rPr lang="en-US" altLang="ko-KR" sz="1600" dirty="0">
                 <a:solidFill>
                   <a:schemeClr val="bg2">
                     <a:lumMod val="50000"/>
@@ -10280,7 +10297,7 @@
               <a:t>  </a:t>
             </a:r>
             <a:r>
-              <a:rPr lang="en-US" altLang="ko-KR" b="1" dirty="0">
+              <a:rPr lang="en-US" altLang="ko-KR" sz="1600" b="1" dirty="0">
                 <a:solidFill>
                   <a:srgbClr val="7030A0"/>
                 </a:solidFill>
@@ -10289,7 +10306,7 @@
               <a:t>price</a:t>
             </a:r>
             <a:r>
-              <a:rPr lang="en-US" altLang="ko-KR" dirty="0">
+              <a:rPr lang="en-US" altLang="ko-KR" sz="1600" dirty="0">
                 <a:solidFill>
                   <a:schemeClr val="bg2">
                     <a:lumMod val="50000"/>
@@ -10302,7 +10319,7 @@
           </a:p>
           <a:p>
             <a:r>
-              <a:rPr lang="en-US" altLang="ko-KR" dirty="0">
+              <a:rPr lang="en-US" altLang="ko-KR" sz="1600" dirty="0">
                 <a:solidFill>
                   <a:schemeClr val="bg2">
                     <a:lumMod val="50000"/>
@@ -10312,7 +10329,7 @@
               </a:rPr>
               <a:t>}</a:t>
             </a:r>
-            <a:endParaRPr lang="ko-KR" altLang="en-US" dirty="0">
+            <a:endParaRPr lang="ko-KR" altLang="en-US" sz="1600" dirty="0">
               <a:solidFill>
                 <a:schemeClr val="bg2">
                   <a:lumMod val="50000"/>
@@ -10363,7 +10380,7 @@
           <a:lstStyle/>
           <a:p>
             <a:r>
-              <a:rPr lang="en-US" altLang="ko-KR" b="1" dirty="0">
+              <a:rPr lang="en-US" altLang="ko-KR" sz="1600" b="1" dirty="0">
                 <a:ea typeface="Spoqa Han Sans Neo Bold" panose="020B0800000000000000"/>
               </a:rPr>
               <a:t>Order</a:t>
@@ -10371,7 +10388,7 @@
           </a:p>
           <a:p>
             <a:r>
-              <a:rPr lang="en-US" altLang="ko-KR" dirty="0">
+              <a:rPr lang="en-US" altLang="ko-KR" sz="1600" dirty="0">
                 <a:solidFill>
                   <a:schemeClr val="bg2">
                     <a:lumMod val="50000"/>
@@ -10384,7 +10401,7 @@
           </a:p>
           <a:p>
             <a:r>
-              <a:rPr lang="en-US" altLang="ko-KR" dirty="0">
+              <a:rPr lang="en-US" altLang="ko-KR" sz="1600" dirty="0">
                 <a:solidFill>
                   <a:schemeClr val="bg2">
                     <a:lumMod val="50000"/>
@@ -10395,7 +10412,7 @@
               <a:t>  </a:t>
             </a:r>
             <a:r>
-              <a:rPr lang="en-US" altLang="ko-KR" b="1" dirty="0">
+              <a:rPr lang="en-US" altLang="ko-KR" sz="1600" b="1" dirty="0">
                 <a:solidFill>
                   <a:srgbClr val="7030A0"/>
                 </a:solidFill>
@@ -10404,7 +10421,7 @@
               <a:t>id</a:t>
             </a:r>
             <a:r>
-              <a:rPr lang="en-US" altLang="ko-KR" dirty="0">
+              <a:rPr lang="en-US" altLang="ko-KR" sz="1600" dirty="0">
                 <a:solidFill>
                   <a:schemeClr val="bg2">
                     <a:lumMod val="50000"/>
@@ -10417,7 +10434,7 @@
           </a:p>
           <a:p>
             <a:r>
-              <a:rPr lang="en-US" altLang="ko-KR" dirty="0">
+              <a:rPr lang="en-US" altLang="ko-KR" sz="1600" dirty="0">
                 <a:solidFill>
                   <a:schemeClr val="bg2">
                     <a:lumMod val="50000"/>
@@ -10428,7 +10445,7 @@
               <a:t>  </a:t>
             </a:r>
             <a:r>
-              <a:rPr lang="en-US" altLang="ko-KR" b="1" dirty="0" err="1">
+              <a:rPr lang="en-US" altLang="ko-KR" sz="1600" b="1" dirty="0" err="1">
                 <a:solidFill>
                   <a:srgbClr val="7030A0"/>
                 </a:solidFill>
@@ -10437,7 +10454,7 @@
               <a:t>userId</a:t>
             </a:r>
             <a:r>
-              <a:rPr lang="en-US" altLang="ko-KR" b="1" dirty="0">
+              <a:rPr lang="en-US" altLang="ko-KR" sz="1600" b="1" dirty="0">
                 <a:solidFill>
                   <a:srgbClr val="7030A0"/>
                 </a:solidFill>
@@ -10446,7 +10463,7 @@
               <a:t> </a:t>
             </a:r>
             <a:r>
-              <a:rPr lang="en-US" altLang="ko-KR" dirty="0">
+              <a:rPr lang="en-US" altLang="ko-KR" sz="1600" dirty="0">
                 <a:solidFill>
                   <a:schemeClr val="bg2">
                     <a:lumMod val="50000"/>
@@ -10459,7 +10476,7 @@
           </a:p>
           <a:p>
             <a:r>
-              <a:rPr lang="en-US" altLang="ko-KR" dirty="0">
+              <a:rPr lang="en-US" altLang="ko-KR" sz="1600" dirty="0">
                 <a:solidFill>
                   <a:schemeClr val="bg2">
                     <a:lumMod val="50000"/>
@@ -10470,7 +10487,7 @@
               <a:t>  </a:t>
             </a:r>
             <a:r>
-              <a:rPr lang="en-US" altLang="ko-KR" b="1" dirty="0">
+              <a:rPr lang="en-US" altLang="ko-KR" sz="1600" b="1" dirty="0">
                 <a:solidFill>
                   <a:srgbClr val="7030A0"/>
                 </a:solidFill>
@@ -10479,7 +10496,7 @@
               <a:t>description</a:t>
             </a:r>
             <a:r>
-              <a:rPr lang="en-US" altLang="ko-KR" dirty="0">
+              <a:rPr lang="en-US" altLang="ko-KR" sz="1600" dirty="0">
                 <a:solidFill>
                   <a:schemeClr val="bg2">
                     <a:lumMod val="50000"/>
@@ -10490,7 +10507,7 @@
               <a:t> : </a:t>
             </a:r>
             <a:r>
-              <a:rPr lang="ko-KR" altLang="en-US" dirty="0">
+              <a:rPr lang="ko-KR" altLang="en-US" sz="1600" dirty="0">
                 <a:solidFill>
                   <a:schemeClr val="bg2">
                     <a:lumMod val="50000"/>
@@ -10501,7 +10518,7 @@
               <a:t>사과 </a:t>
             </a:r>
             <a:r>
-              <a:rPr lang="en-US" altLang="ko-KR" dirty="0">
+              <a:rPr lang="en-US" altLang="ko-KR" sz="1600" dirty="0">
                 <a:solidFill>
                   <a:schemeClr val="bg2">
                     <a:lumMod val="50000"/>
@@ -10512,7 +10529,7 @@
               <a:t>1</a:t>
             </a:r>
             <a:r>
-              <a:rPr lang="ko-KR" altLang="en-US" dirty="0">
+              <a:rPr lang="ko-KR" altLang="en-US" sz="1600" dirty="0">
                 <a:solidFill>
                   <a:schemeClr val="bg2">
                     <a:lumMod val="50000"/>
@@ -10523,7 +10540,7 @@
               <a:t>개</a:t>
             </a:r>
             <a:r>
-              <a:rPr lang="en-US" altLang="ko-KR" dirty="0">
+              <a:rPr lang="en-US" altLang="ko-KR" sz="1600" dirty="0">
                 <a:solidFill>
                   <a:schemeClr val="bg2">
                     <a:lumMod val="50000"/>
@@ -10534,7 +10551,7 @@
               <a:t>, </a:t>
             </a:r>
             <a:r>
-              <a:rPr lang="ko-KR" altLang="en-US" dirty="0">
+              <a:rPr lang="ko-KR" altLang="en-US" sz="1600" dirty="0">
                 <a:solidFill>
                   <a:schemeClr val="bg2">
                     <a:lumMod val="50000"/>
@@ -10545,7 +10562,7 @@
               <a:t>망고 </a:t>
             </a:r>
             <a:r>
-              <a:rPr lang="en-US" altLang="ko-KR" dirty="0">
+              <a:rPr lang="en-US" altLang="ko-KR" sz="1600" dirty="0">
                 <a:solidFill>
                   <a:schemeClr val="bg2">
                     <a:lumMod val="50000"/>
@@ -10556,7 +10573,7 @@
               <a:t>2</a:t>
             </a:r>
             <a:r>
-              <a:rPr lang="ko-KR" altLang="en-US" dirty="0">
+              <a:rPr lang="ko-KR" altLang="en-US" sz="1600" dirty="0">
                 <a:solidFill>
                   <a:schemeClr val="bg2">
                     <a:lumMod val="50000"/>
@@ -10567,7 +10584,7 @@
               <a:t>개</a:t>
             </a:r>
             <a:r>
-              <a:rPr lang="en-US" altLang="ko-KR" dirty="0">
+              <a:rPr lang="en-US" altLang="ko-KR" sz="1600" dirty="0">
                 <a:solidFill>
                   <a:schemeClr val="bg2">
                     <a:lumMod val="50000"/>
@@ -10580,7 +10597,7 @@
           </a:p>
           <a:p>
             <a:r>
-              <a:rPr lang="en-US" altLang="ko-KR" dirty="0">
+              <a:rPr lang="en-US" altLang="ko-KR" sz="1600" dirty="0">
                 <a:solidFill>
                   <a:schemeClr val="bg2">
                     <a:lumMod val="50000"/>
@@ -10591,7 +10608,7 @@
               <a:t>  </a:t>
             </a:r>
             <a:r>
-              <a:rPr lang="en-US" altLang="ko-KR" b="1" dirty="0">
+              <a:rPr lang="en-US" altLang="ko-KR" sz="1600" b="1" dirty="0">
                 <a:solidFill>
                   <a:srgbClr val="7030A0"/>
                 </a:solidFill>
@@ -10600,7 +10617,7 @@
               <a:t>amount</a:t>
             </a:r>
             <a:r>
-              <a:rPr lang="en-US" altLang="ko-KR" dirty="0">
+              <a:rPr lang="en-US" altLang="ko-KR" sz="1600" dirty="0">
                 <a:solidFill>
                   <a:schemeClr val="bg2">
                     <a:lumMod val="50000"/>
@@ -10613,7 +10630,7 @@
           </a:p>
           <a:p>
             <a:r>
-              <a:rPr lang="en-US" altLang="ko-KR" dirty="0">
+              <a:rPr lang="en-US" altLang="ko-KR" sz="1600" dirty="0">
                 <a:solidFill>
                   <a:schemeClr val="bg2">
                     <a:lumMod val="50000"/>
@@ -10624,7 +10641,7 @@
               <a:t>  </a:t>
             </a:r>
             <a:r>
-              <a:rPr lang="en-US" altLang="ko-KR" b="1" dirty="0" err="1">
+              <a:rPr lang="en-US" altLang="ko-KR" sz="1600" b="1" dirty="0" err="1">
                 <a:solidFill>
                   <a:srgbClr val="7030A0"/>
                 </a:solidFill>
@@ -10633,7 +10650,7 @@
               <a:t>pgOrderId</a:t>
             </a:r>
             <a:r>
-              <a:rPr lang="en-US" altLang="ko-KR" dirty="0">
+              <a:rPr lang="en-US" altLang="ko-KR" sz="1600" dirty="0">
                 <a:solidFill>
                   <a:schemeClr val="bg2">
                     <a:lumMod val="50000"/>
@@ -10646,7 +10663,7 @@
           </a:p>
           <a:p>
             <a:r>
-              <a:rPr lang="en-US" altLang="ko-KR" dirty="0">
+              <a:rPr lang="en-US" altLang="ko-KR" sz="1600" dirty="0">
                 <a:solidFill>
                   <a:schemeClr val="bg2">
                     <a:lumMod val="50000"/>
@@ -10657,7 +10674,7 @@
               <a:t>  </a:t>
             </a:r>
             <a:r>
-              <a:rPr lang="en-US" altLang="ko-KR" b="1" dirty="0" err="1">
+              <a:rPr lang="en-US" altLang="ko-KR" sz="1600" b="1" dirty="0" err="1">
                 <a:solidFill>
                   <a:srgbClr val="7030A0"/>
                 </a:solidFill>
@@ -10666,7 +10683,7 @@
               <a:t>pgKey</a:t>
             </a:r>
             <a:r>
-              <a:rPr lang="en-US" altLang="ko-KR" dirty="0">
+              <a:rPr lang="en-US" altLang="ko-KR" sz="1600" dirty="0">
                 <a:solidFill>
                   <a:schemeClr val="bg2">
                     <a:lumMod val="50000"/>
@@ -10679,7 +10696,7 @@
           </a:p>
           <a:p>
             <a:r>
-              <a:rPr lang="en-US" altLang="ko-KR" dirty="0">
+              <a:rPr lang="en-US" altLang="ko-KR" sz="1600" dirty="0">
                 <a:solidFill>
                   <a:schemeClr val="bg2">
                     <a:lumMod val="50000"/>
@@ -10690,7 +10707,7 @@
               <a:t>  </a:t>
             </a:r>
             <a:r>
-              <a:rPr lang="en-US" altLang="ko-KR" b="1" dirty="0" err="1">
+              <a:rPr lang="en-US" altLang="ko-KR" sz="1600" b="1" dirty="0" err="1">
                 <a:solidFill>
                   <a:srgbClr val="7030A0"/>
                 </a:solidFill>
@@ -10699,7 +10716,7 @@
               <a:t>pgStatus</a:t>
             </a:r>
             <a:r>
-              <a:rPr lang="en-US" altLang="ko-KR" dirty="0">
+              <a:rPr lang="en-US" altLang="ko-KR" sz="1600" dirty="0">
                 <a:solidFill>
                   <a:schemeClr val="bg2">
                     <a:lumMod val="50000"/>
@@ -10707,12 +10724,12 @@
                 </a:solidFill>
                 <a:ea typeface="Spoqa Han Sans Neo Bold" panose="020B0800000000000000"/>
               </a:rPr>
-              <a:t> : CREAT, CONFIRM, NON_CONFIRM, </a:t>
-            </a:r>
-          </a:p>
-          <a:p>
-            <a:r>
-              <a:rPr lang="en-US" altLang="ko-KR" dirty="0">
+              <a:t> :</a:t>
+            </a:r>
+          </a:p>
+          <a:p>
+            <a:r>
+              <a:rPr lang="en-US" altLang="ko-KR" sz="1600" dirty="0">
                 <a:solidFill>
                   <a:schemeClr val="bg2">
                     <a:lumMod val="50000"/>
@@ -10720,12 +10737,12 @@
                 </a:solidFill>
                 <a:ea typeface="Spoqa Han Sans Neo Bold" panose="020B0800000000000000"/>
               </a:rPr>
-              <a:t>                     SUCCESS, NOT_SUCCESS, FAIL,</a:t>
-            </a:r>
-          </a:p>
-          <a:p>
-            <a:r>
-              <a:rPr lang="en-US" altLang="ko-KR" dirty="0">
+              <a:t>    CREAT, </a:t>
+            </a:r>
+          </a:p>
+          <a:p>
+            <a:r>
+              <a:rPr lang="en-US" altLang="ko-KR" sz="1600" dirty="0">
                 <a:solidFill>
                   <a:schemeClr val="bg2">
                     <a:lumMod val="50000"/>
@@ -10733,19 +10750,12 @@
                 </a:solidFill>
                 <a:ea typeface="Spoqa Han Sans Neo Bold" panose="020B0800000000000000"/>
               </a:rPr>
-              <a:t>  </a:t>
-            </a:r>
-            <a:r>
-              <a:rPr lang="en-US" altLang="ko-KR" b="1" dirty="0" err="1">
-                <a:solidFill>
-                  <a:srgbClr val="7030A0"/>
-                </a:solidFill>
-                <a:ea typeface="Spoqa Han Sans Neo Bold" panose="020B0800000000000000"/>
-              </a:rPr>
-              <a:t>pgRetryCount</a:t>
-            </a:r>
-            <a:r>
-              <a:rPr lang="en-US" altLang="ko-KR" dirty="0">
+              <a:t>    AUTH (SUCCESS, FAIL, INVALID)</a:t>
+            </a:r>
+          </a:p>
+          <a:p>
+            <a:r>
+              <a:rPr lang="en-US" altLang="ko-KR" sz="1600" dirty="0">
                 <a:solidFill>
                   <a:schemeClr val="bg2">
                     <a:lumMod val="50000"/>
@@ -10753,12 +10763,30 @@
                 </a:solidFill>
                 <a:ea typeface="Spoqa Han Sans Neo Bold" panose="020B0800000000000000"/>
               </a:rPr>
-              <a:t> : 0,</a:t>
-            </a:r>
-          </a:p>
-          <a:p>
-            <a:r>
-              <a:rPr lang="en-US" altLang="ko-KR" dirty="0">
+              <a:t>    CAPTURE (REQUEST, RETRY, SUCCESS, FAIL)</a:t>
+            </a:r>
+          </a:p>
+          <a:p>
+            <a:r>
+              <a:rPr lang="en-US" altLang="ko-KR" sz="1600" b="1" dirty="0">
+                <a:solidFill>
+                  <a:srgbClr val="7030A0"/>
+                </a:solidFill>
+                <a:ea typeface="Spoqa Han Sans Neo Bold" panose="020B0800000000000000"/>
+              </a:rPr>
+              <a:t>  </a:t>
+            </a:r>
+            <a:r>
+              <a:rPr lang="en-US" altLang="ko-KR" sz="1600" b="1" dirty="0" err="1">
+                <a:solidFill>
+                  <a:srgbClr val="7030A0"/>
+                </a:solidFill>
+                <a:ea typeface="Spoqa Han Sans Neo Bold" panose="020B0800000000000000"/>
+              </a:rPr>
+              <a:t>pgRetryCount</a:t>
+            </a:r>
+            <a:r>
+              <a:rPr lang="en-US" altLang="ko-KR" sz="1600" dirty="0">
                 <a:solidFill>
                   <a:schemeClr val="bg2">
                     <a:lumMod val="50000"/>
@@ -10766,9 +10794,22 @@
                 </a:solidFill>
                 <a:ea typeface="Spoqa Han Sans Neo Bold" panose="020B0800000000000000"/>
               </a:rPr>
+              <a:t> : 0,</a:t>
+            </a:r>
+          </a:p>
+          <a:p>
+            <a:r>
+              <a:rPr lang="en-US" altLang="ko-KR" sz="1600" dirty="0">
+                <a:solidFill>
+                  <a:schemeClr val="bg2">
+                    <a:lumMod val="50000"/>
+                  </a:schemeClr>
+                </a:solidFill>
+                <a:ea typeface="Spoqa Han Sans Neo Bold" panose="020B0800000000000000"/>
+              </a:rPr>
               <a:t>}</a:t>
             </a:r>
-            <a:endParaRPr lang="ko-KR" altLang="en-US" dirty="0">
+            <a:endParaRPr lang="ko-KR" altLang="en-US" sz="1600" dirty="0">
               <a:solidFill>
                 <a:schemeClr val="bg2">
                   <a:lumMod val="50000"/>
@@ -10819,18 +10860,18 @@
           <a:lstStyle/>
           <a:p>
             <a:r>
-              <a:rPr lang="en-US" altLang="ko-KR" b="1" dirty="0" err="1">
+              <a:rPr lang="en-US" altLang="ko-KR" sz="1600" b="1" dirty="0" err="1">
                 <a:ea typeface="Spoqa Han Sans Neo Bold" panose="020B0800000000000000"/>
               </a:rPr>
               <a:t>ProductInOrder</a:t>
             </a:r>
-            <a:endParaRPr lang="en-US" altLang="ko-KR" b="1" dirty="0">
+            <a:endParaRPr lang="en-US" altLang="ko-KR" sz="1600" b="1" dirty="0">
               <a:ea typeface="Spoqa Han Sans Neo Bold" panose="020B0800000000000000"/>
             </a:endParaRPr>
           </a:p>
           <a:p>
             <a:r>
-              <a:rPr lang="en-US" altLang="ko-KR" dirty="0">
+              <a:rPr lang="en-US" altLang="ko-KR" sz="1600" dirty="0">
                 <a:solidFill>
                   <a:schemeClr val="bg2">
                     <a:lumMod val="50000"/>
@@ -10843,7 +10884,7 @@
           </a:p>
           <a:p>
             <a:r>
-              <a:rPr lang="en-US" altLang="ko-KR" dirty="0">
+              <a:rPr lang="en-US" altLang="ko-KR" sz="1600" dirty="0">
                 <a:solidFill>
                   <a:schemeClr val="bg2">
                     <a:lumMod val="50000"/>
@@ -10854,7 +10895,7 @@
               <a:t>  </a:t>
             </a:r>
             <a:r>
-              <a:rPr lang="en-US" altLang="ko-KR" b="1" dirty="0" err="1">
+              <a:rPr lang="en-US" altLang="ko-KR" sz="1600" b="1" dirty="0" err="1">
                 <a:solidFill>
                   <a:srgbClr val="7030A0"/>
                 </a:solidFill>
@@ -10863,7 +10904,7 @@
               <a:t>orderId</a:t>
             </a:r>
             <a:r>
-              <a:rPr lang="en-US" altLang="ko-KR" dirty="0">
+              <a:rPr lang="en-US" altLang="ko-KR" sz="1600" dirty="0">
                 <a:solidFill>
                   <a:schemeClr val="bg2">
                     <a:lumMod val="50000"/>
@@ -10876,7 +10917,7 @@
           </a:p>
           <a:p>
             <a:r>
-              <a:rPr lang="en-US" altLang="ko-KR" dirty="0">
+              <a:rPr lang="en-US" altLang="ko-KR" sz="1600" dirty="0">
                 <a:solidFill>
                   <a:schemeClr val="bg2">
                     <a:lumMod val="50000"/>
@@ -10887,7 +10928,7 @@
               <a:t>  </a:t>
             </a:r>
             <a:r>
-              <a:rPr lang="en-US" altLang="ko-KR" b="1" dirty="0" err="1">
+              <a:rPr lang="en-US" altLang="ko-KR" sz="1600" b="1" dirty="0" err="1">
                 <a:solidFill>
                   <a:srgbClr val="7030A0"/>
                 </a:solidFill>
@@ -10896,7 +10937,7 @@
               <a:t>prodId</a:t>
             </a:r>
             <a:r>
-              <a:rPr lang="en-US" altLang="ko-KR" b="1" dirty="0">
+              <a:rPr lang="en-US" altLang="ko-KR" sz="1600" b="1" dirty="0">
                 <a:solidFill>
                   <a:srgbClr val="7030A0"/>
                 </a:solidFill>
@@ -10905,7 +10946,7 @@
               <a:t> </a:t>
             </a:r>
             <a:r>
-              <a:rPr lang="en-US" altLang="ko-KR" dirty="0">
+              <a:rPr lang="en-US" altLang="ko-KR" sz="1600" dirty="0">
                 <a:solidFill>
                   <a:schemeClr val="bg2">
                     <a:lumMod val="50000"/>
@@ -10918,7 +10959,7 @@
           </a:p>
           <a:p>
             <a:r>
-              <a:rPr lang="en-US" altLang="ko-KR" dirty="0">
+              <a:rPr lang="en-US" altLang="ko-KR" sz="1600" dirty="0">
                 <a:solidFill>
                   <a:schemeClr val="bg2">
                     <a:lumMod val="50000"/>
@@ -10929,7 +10970,7 @@
               <a:t>  </a:t>
             </a:r>
             <a:r>
-              <a:rPr lang="en-US" altLang="ko-KR" b="1" dirty="0">
+              <a:rPr lang="en-US" altLang="ko-KR" sz="1600" b="1" dirty="0">
                 <a:solidFill>
                   <a:srgbClr val="7030A0"/>
                 </a:solidFill>
@@ -10938,7 +10979,7 @@
               <a:t>quantity</a:t>
             </a:r>
             <a:r>
-              <a:rPr lang="en-US" altLang="ko-KR" dirty="0">
+              <a:rPr lang="en-US" altLang="ko-KR" sz="1600" dirty="0">
                 <a:solidFill>
                   <a:schemeClr val="bg2">
                     <a:lumMod val="50000"/>
@@ -10951,7 +10992,7 @@
           </a:p>
           <a:p>
             <a:r>
-              <a:rPr lang="en-US" altLang="ko-KR" dirty="0">
+              <a:rPr lang="en-US" altLang="ko-KR" sz="1600" dirty="0">
                 <a:solidFill>
                   <a:schemeClr val="bg2">
                     <a:lumMod val="50000"/>
@@ -10961,7 +11002,7 @@
               </a:rPr>
               <a:t>}</a:t>
             </a:r>
-            <a:endParaRPr lang="ko-KR" altLang="en-US" dirty="0">
+            <a:endParaRPr lang="ko-KR" altLang="en-US" sz="1600" dirty="0">
               <a:solidFill>
                 <a:schemeClr val="bg2">
                   <a:lumMod val="50000"/>

--- a/99.ppt/[Ch4-7. 결제 서비스 구현.pptx
+++ b/99.ppt/[Ch4-7. 결제 서비스 구현.pptx
@@ -654,7 +654,7 @@
           <a:p>
             <a:r>
               <a:rPr lang="ko-KR" altLang="en-US" dirty="0"/>
-              <a:t>결제 서비스 업무 도메인을 </a:t>
+              <a:t>결제 서비스 업무 도메인을 자세히 </a:t>
             </a:r>
             <a:r>
               <a:rPr lang="ko-KR" altLang="en-US" dirty="0" err="1"/>
@@ -670,7 +670,7 @@
             </a:r>
             <a:r>
               <a:rPr lang="ko-KR" altLang="en-US" dirty="0"/>
-              <a:t>결제에서 고민해왔던 이슈와 그 해결방안을 공유드릴 예정입니다</a:t>
+              <a:t>결제에서 고민해왔던 이슈와 그 해결방안을 위주로 말씀드릴 예정입니다</a:t>
             </a:r>
             <a:r>
               <a:rPr lang="en-US" altLang="ko-KR" dirty="0"/>
@@ -713,7 +713,7 @@
             </a:r>
             <a:r>
               <a:rPr lang="ko-KR" altLang="en-US" dirty="0"/>
-              <a:t>를 말씀드리겠습니다</a:t>
+              <a:t> 말씀드리겠습니다</a:t>
             </a:r>
             <a:r>
               <a:rPr lang="en-US" altLang="ko-KR" dirty="0"/>
@@ -804,35 +804,19 @@
           <a:p>
             <a:r>
               <a:rPr lang="en-US" altLang="ko-KR" dirty="0"/>
-              <a:t>UUID </a:t>
-            </a:r>
-            <a:r>
-              <a:rPr lang="ko-KR" altLang="en-US" dirty="0"/>
-              <a:t>기반으로 </a:t>
-            </a:r>
-            <a:r>
-              <a:rPr lang="en-US" altLang="ko-KR" dirty="0" err="1"/>
-              <a:t>txid</a:t>
-            </a:r>
-            <a:r>
-              <a:rPr lang="en-US" altLang="ko-KR" dirty="0"/>
+              <a:t>Sequence</a:t>
+            </a:r>
+            <a:r>
+              <a:rPr lang="ko-KR" altLang="en-US" dirty="0"/>
               <a:t> </a:t>
             </a:r>
             <a:r>
-              <a:rPr lang="ko-KR" altLang="en-US" dirty="0"/>
-              <a:t>를 </a:t>
-            </a:r>
-            <a:r>
-              <a:rPr lang="ko-KR" altLang="en-US" dirty="0" err="1"/>
-              <a:t>채번해서</a:t>
-            </a:r>
-            <a:r>
-              <a:rPr lang="en-US" altLang="ko-KR" dirty="0"/>
-              <a:t>, </a:t>
-            </a:r>
-            <a:r>
-              <a:rPr lang="ko-KR" altLang="en-US" dirty="0"/>
-              <a:t>로그마다 출력해보는 실습을 진행해 보도록 하겠습니다</a:t>
+              <a:rPr lang="en-US" altLang="ko-KR" dirty="0"/>
+              <a:t>diagram</a:t>
+            </a:r>
+            <a:r>
+              <a:rPr lang="ko-KR" altLang="en-US" dirty="0"/>
+              <a:t> 을 그려보겠습니다</a:t>
             </a:r>
             <a:r>
               <a:rPr lang="en-US" altLang="ko-KR" dirty="0"/>
@@ -1092,35 +1076,11 @@
           <a:p>
             <a:r>
               <a:rPr lang="en-US" altLang="ko-KR" dirty="0"/>
-              <a:t>UUID </a:t>
-            </a:r>
-            <a:r>
-              <a:rPr lang="ko-KR" altLang="en-US" dirty="0"/>
-              <a:t>기반으로 </a:t>
-            </a:r>
-            <a:r>
-              <a:rPr lang="en-US" altLang="ko-KR" dirty="0" err="1"/>
-              <a:t>txid</a:t>
-            </a:r>
-            <a:r>
-              <a:rPr lang="en-US" altLang="ko-KR" dirty="0"/>
-              <a:t> </a:t>
-            </a:r>
-            <a:r>
-              <a:rPr lang="ko-KR" altLang="en-US" dirty="0"/>
-              <a:t>를 </a:t>
-            </a:r>
-            <a:r>
-              <a:rPr lang="ko-KR" altLang="en-US" dirty="0" err="1"/>
-              <a:t>채번해서</a:t>
-            </a:r>
-            <a:r>
-              <a:rPr lang="en-US" altLang="ko-KR" dirty="0"/>
-              <a:t>, </a:t>
-            </a:r>
-            <a:r>
-              <a:rPr lang="ko-KR" altLang="en-US" dirty="0"/>
-              <a:t>로그마다 출력해보는 실습을 진행해 보도록 하겠습니다</a:t>
+              <a:t>System diagram </a:t>
+            </a:r>
+            <a:r>
+              <a:rPr lang="ko-KR" altLang="en-US" dirty="0"/>
+              <a:t>을 이용해 결제서비스를 디자인해보도록 하겠습니다</a:t>
             </a:r>
             <a:r>
               <a:rPr lang="en-US" altLang="ko-KR" dirty="0"/>
@@ -1378,7 +1338,27 @@
           <a:bodyPr/>
           <a:lstStyle/>
           <a:p>
+            <a:r>
+              <a:rPr lang="ko-KR" altLang="en-US" dirty="0"/>
+              <a:t>지난 시간에는 결제 서비스를 디자인해 보았습니다</a:t>
+            </a:r>
+            <a:r>
+              <a:rPr lang="en-US" altLang="ko-KR" dirty="0"/>
+              <a:t>.</a:t>
+            </a:r>
+          </a:p>
+          <a:p>
             <a:endParaRPr lang="en-US" altLang="ko-KR" dirty="0"/>
+          </a:p>
+          <a:p>
+            <a:r>
+              <a:rPr lang="ko-KR" altLang="en-US" dirty="0"/>
+              <a:t>지금부터는 결제 서비스를 구현해 보겠습니다</a:t>
+            </a:r>
+            <a:r>
+              <a:rPr lang="en-US" altLang="ko-KR" dirty="0"/>
+              <a:t>.</a:t>
+            </a:r>
           </a:p>
         </p:txBody>
       </p:sp>
@@ -1471,43 +1451,6 @@
               <a:t>.</a:t>
             </a:r>
           </a:p>
-          <a:p>
-            <a:endParaRPr lang="en-US" altLang="ko-KR" dirty="0"/>
-          </a:p>
-          <a:p>
-            <a:pPr marL="0" marR="0" lvl="0" indent="0" algn="l" defTabSz="685800" rtl="0" eaLnBrk="1" fontAlgn="auto" latinLnBrk="1" hangingPunct="1">
-              <a:lnSpc>
-                <a:spcPct val="100000"/>
-              </a:lnSpc>
-              <a:spcBef>
-                <a:spcPts val="0"/>
-              </a:spcBef>
-              <a:spcAft>
-                <a:spcPts val="0"/>
-              </a:spcAft>
-              <a:buClrTx/>
-              <a:buSzTx/>
-              <a:buFontTx/>
-              <a:buNone/>
-              <a:tabLst/>
-              <a:defRPr/>
-            </a:pPr>
-            <a:r>
-              <a:rPr lang="en-US" altLang="ko-KR" dirty="0"/>
-              <a:t>&lt;&lt;</a:t>
-            </a:r>
-            <a:r>
-              <a:rPr lang="ko-KR" altLang="en-US" dirty="0"/>
-              <a:t>설명</a:t>
-            </a:r>
-            <a:r>
-              <a:rPr lang="en-US" altLang="ko-KR"/>
-              <a:t>&gt;&gt;</a:t>
-            </a:r>
-          </a:p>
-          <a:p>
-            <a:endParaRPr lang="en-US" altLang="ko-KR" dirty="0"/>
-          </a:p>
         </p:txBody>
       </p:sp>
       <p:sp>
@@ -1617,15 +1560,7 @@
             </a:r>
             <a:r>
               <a:rPr lang="ko-KR" altLang="en-US" dirty="0"/>
-              <a:t>사와 </a:t>
-            </a:r>
-            <a:r>
-              <a:rPr lang="en-US" altLang="ko-KR" dirty="0"/>
-              <a:t>Auth-Capture </a:t>
-            </a:r>
-            <a:r>
-              <a:rPr lang="ko-KR" altLang="en-US" dirty="0"/>
-              <a:t>방식으로 결제를 연동해보는 실습도 진행할 예정입니다</a:t>
+              <a:t>사와 결제를 연동해보는 실습도 진행해 보려 하는데요</a:t>
             </a:r>
             <a:r>
               <a:rPr lang="en-US" altLang="ko-KR" dirty="0"/>
@@ -1672,7 +1607,7 @@
             </a:pPr>
             <a:r>
               <a:rPr lang="ko-KR" altLang="en-US" dirty="0"/>
-              <a:t>실 결제까지는 실행되지 않도록 </a:t>
+              <a:t>실 결제까지는 처리되지 않아야 하므로 </a:t>
             </a:r>
             <a:r>
               <a:rPr lang="en-US" altLang="ko-KR" dirty="0"/>
@@ -1719,7 +1654,7 @@
             </a:r>
             <a:r>
               <a:rPr lang="ko-KR" altLang="en-US" dirty="0"/>
-              <a:t>사 개발서버와 연동되어야 실습이 용이할 </a:t>
+              <a:t>사 개발서버와 연동될 수 있어야 실습이 용이할 </a:t>
             </a:r>
             <a:r>
               <a:rPr lang="ko-KR" altLang="en-US" dirty="0" err="1"/>
@@ -1778,7 +1713,7 @@
             </a:r>
             <a:r>
               <a:rPr lang="ko-KR" altLang="en-US" dirty="0"/>
-              <a:t>사실상 유일한 선택지인데요</a:t>
+              <a:t>사실상 유일한 선택지인 것 같습니다</a:t>
             </a:r>
             <a:r>
               <a:rPr lang="en-US" altLang="ko-KR" dirty="0"/>
@@ -2501,6 +2436,79 @@
           <a:bodyPr/>
           <a:lstStyle/>
           <a:p>
+            <a:r>
+              <a:rPr lang="ko-KR" altLang="en-US" dirty="0"/>
+              <a:t>결제서비스란 구매자의 지갑에서 돈을 </a:t>
+            </a:r>
+            <a:r>
+              <a:rPr lang="ko-KR" altLang="en-US" dirty="0" err="1"/>
+              <a:t>꺼내와</a:t>
+            </a:r>
+            <a:r>
+              <a:rPr lang="en-US" altLang="ko-KR" dirty="0"/>
+              <a:t>, </a:t>
+            </a:r>
+            <a:r>
+              <a:rPr lang="ko-KR" altLang="en-US" dirty="0"/>
+              <a:t>판매자의 지갑에 배분하는 서비스입니다</a:t>
+            </a:r>
+            <a:r>
+              <a:rPr lang="en-US" altLang="ko-KR" dirty="0"/>
+              <a:t>.</a:t>
+            </a:r>
+          </a:p>
+          <a:p>
+            <a:endParaRPr lang="en-US" altLang="ko-KR" dirty="0"/>
+          </a:p>
+          <a:p>
+            <a:r>
+              <a:rPr lang="ko-KR" altLang="en-US" dirty="0"/>
+              <a:t>구매자의 지갑에서 돈을 </a:t>
+            </a:r>
+            <a:r>
+              <a:rPr lang="ko-KR" altLang="en-US" dirty="0" err="1"/>
+              <a:t>꺼내오는</a:t>
+            </a:r>
+            <a:r>
+              <a:rPr lang="ko-KR" altLang="en-US" dirty="0"/>
+              <a:t> 과정은 </a:t>
+            </a:r>
+            <a:r>
+              <a:rPr lang="en-US" altLang="ko-KR" dirty="0"/>
+              <a:t>Pay-in </a:t>
+            </a:r>
+            <a:r>
+              <a:rPr lang="ko-KR" altLang="en-US" dirty="0"/>
+              <a:t>이라 하고</a:t>
+            </a:r>
+            <a:r>
+              <a:rPr lang="en-US" altLang="ko-KR" dirty="0"/>
+              <a:t>, </a:t>
+            </a:r>
+            <a:r>
+              <a:rPr lang="ko-KR" altLang="en-US" dirty="0"/>
+              <a:t>판매자의 지갑에 돈을 배분하는 과정은 </a:t>
+            </a:r>
+            <a:r>
+              <a:rPr lang="en-US" altLang="ko-KR" dirty="0"/>
+              <a:t>Pay-out </a:t>
+            </a:r>
+            <a:r>
+              <a:rPr lang="ko-KR" altLang="en-US" dirty="0"/>
+              <a:t>이라 합니다</a:t>
+            </a:r>
+            <a:r>
+              <a:rPr lang="en-US" altLang="ko-KR" dirty="0"/>
+              <a:t>.</a:t>
+            </a:r>
+          </a:p>
+          <a:p>
+            <a:endParaRPr lang="en-US" altLang="ko-KR" dirty="0"/>
+          </a:p>
+          <a:p>
+            <a:endParaRPr lang="en-US" altLang="ko-KR" dirty="0"/>
+          </a:p>
+          <a:p>
             <a:endParaRPr lang="en-US" altLang="ko-KR" dirty="0"/>
           </a:p>
         </p:txBody>
@@ -2585,50 +2593,6 @@
           <a:bodyPr/>
           <a:lstStyle/>
           <a:p>
-            <a:r>
-              <a:rPr lang="ko-KR" altLang="en-US" dirty="0"/>
-              <a:t>프로젝트 환경을 구성해 보겠습니다</a:t>
-            </a:r>
-            <a:r>
-              <a:rPr lang="en-US" altLang="ko-KR" dirty="0"/>
-              <a:t>.</a:t>
-            </a:r>
-          </a:p>
-          <a:p>
-            <a:endParaRPr lang="en-US" altLang="ko-KR" dirty="0"/>
-          </a:p>
-          <a:p>
-            <a:pPr marL="0" marR="0" lvl="0" indent="0" algn="l" defTabSz="685800" rtl="0" eaLnBrk="1" fontAlgn="auto" latinLnBrk="1" hangingPunct="1">
-              <a:lnSpc>
-                <a:spcPct val="100000"/>
-              </a:lnSpc>
-              <a:spcBef>
-                <a:spcPts val="0"/>
-              </a:spcBef>
-              <a:spcAft>
-                <a:spcPts val="0"/>
-              </a:spcAft>
-              <a:buClrTx/>
-              <a:buSzTx/>
-              <a:buFontTx/>
-              <a:buNone/>
-              <a:tabLst/>
-              <a:defRPr/>
-            </a:pPr>
-            <a:r>
-              <a:rPr lang="en-US" altLang="ko-KR" dirty="0"/>
-              <a:t>&lt;&lt;</a:t>
-            </a:r>
-            <a:r>
-              <a:rPr lang="ko-KR" altLang="en-US" dirty="0"/>
-              <a:t>설명</a:t>
-            </a:r>
-            <a:r>
-              <a:rPr lang="en-US" altLang="ko-KR"/>
-              <a:t>&gt;&gt;</a:t>
-            </a:r>
-          </a:p>
-          <a:p>
             <a:endParaRPr lang="en-US" altLang="ko-KR" dirty="0"/>
           </a:p>
         </p:txBody>
@@ -2713,50 +2677,6 @@
           <a:bodyPr/>
           <a:lstStyle/>
           <a:p>
-            <a:r>
-              <a:rPr lang="ko-KR" altLang="en-US" dirty="0"/>
-              <a:t>프로젝트 환경을 구성해 보겠습니다</a:t>
-            </a:r>
-            <a:r>
-              <a:rPr lang="en-US" altLang="ko-KR" dirty="0"/>
-              <a:t>.</a:t>
-            </a:r>
-          </a:p>
-          <a:p>
-            <a:endParaRPr lang="en-US" altLang="ko-KR" dirty="0"/>
-          </a:p>
-          <a:p>
-            <a:pPr marL="0" marR="0" lvl="0" indent="0" algn="l" defTabSz="685800" rtl="0" eaLnBrk="1" fontAlgn="auto" latinLnBrk="1" hangingPunct="1">
-              <a:lnSpc>
-                <a:spcPct val="100000"/>
-              </a:lnSpc>
-              <a:spcBef>
-                <a:spcPts val="0"/>
-              </a:spcBef>
-              <a:spcAft>
-                <a:spcPts val="0"/>
-              </a:spcAft>
-              <a:buClrTx/>
-              <a:buSzTx/>
-              <a:buFontTx/>
-              <a:buNone/>
-              <a:tabLst/>
-              <a:defRPr/>
-            </a:pPr>
-            <a:r>
-              <a:rPr lang="en-US" altLang="ko-KR" dirty="0"/>
-              <a:t>&lt;&lt;</a:t>
-            </a:r>
-            <a:r>
-              <a:rPr lang="ko-KR" altLang="en-US" dirty="0"/>
-              <a:t>설명</a:t>
-            </a:r>
-            <a:r>
-              <a:rPr lang="en-US" altLang="ko-KR"/>
-              <a:t>&gt;&gt;</a:t>
-            </a:r>
-          </a:p>
-          <a:p>
             <a:endParaRPr lang="en-US" altLang="ko-KR" dirty="0"/>
           </a:p>
         </p:txBody>
@@ -2841,50 +2761,6 @@
           <a:bodyPr/>
           <a:lstStyle/>
           <a:p>
-            <a:r>
-              <a:rPr lang="ko-KR" altLang="en-US" dirty="0"/>
-              <a:t>프로젝트 환경을 구성해 보겠습니다</a:t>
-            </a:r>
-            <a:r>
-              <a:rPr lang="en-US" altLang="ko-KR" dirty="0"/>
-              <a:t>.</a:t>
-            </a:r>
-          </a:p>
-          <a:p>
-            <a:endParaRPr lang="en-US" altLang="ko-KR" dirty="0"/>
-          </a:p>
-          <a:p>
-            <a:pPr marL="0" marR="0" lvl="0" indent="0" algn="l" defTabSz="685800" rtl="0" eaLnBrk="1" fontAlgn="auto" latinLnBrk="1" hangingPunct="1">
-              <a:lnSpc>
-                <a:spcPct val="100000"/>
-              </a:lnSpc>
-              <a:spcBef>
-                <a:spcPts val="0"/>
-              </a:spcBef>
-              <a:spcAft>
-                <a:spcPts val="0"/>
-              </a:spcAft>
-              <a:buClrTx/>
-              <a:buSzTx/>
-              <a:buFontTx/>
-              <a:buNone/>
-              <a:tabLst/>
-              <a:defRPr/>
-            </a:pPr>
-            <a:r>
-              <a:rPr lang="en-US" altLang="ko-KR" dirty="0"/>
-              <a:t>&lt;&lt;</a:t>
-            </a:r>
-            <a:r>
-              <a:rPr lang="ko-KR" altLang="en-US" dirty="0"/>
-              <a:t>설명</a:t>
-            </a:r>
-            <a:r>
-              <a:rPr lang="en-US" altLang="ko-KR"/>
-              <a:t>&gt;&gt;</a:t>
-            </a:r>
-          </a:p>
-          <a:p>
             <a:endParaRPr lang="en-US" altLang="ko-KR" dirty="0"/>
           </a:p>
         </p:txBody>
@@ -2969,7 +2845,22 @@
           <a:bodyPr/>
           <a:lstStyle/>
           <a:p>
-            <a:endParaRPr lang="en-US" altLang="ko-KR" dirty="0"/>
+            <a:r>
+              <a:rPr lang="ko-KR" altLang="en-US" dirty="0"/>
+              <a:t>결제 </a:t>
+            </a:r>
+            <a:r>
+              <a:rPr lang="en-US" altLang="ko-KR" dirty="0"/>
+              <a:t>API</a:t>
+            </a:r>
+            <a:r>
+              <a:rPr lang="ko-KR" altLang="en-US" dirty="0"/>
+              <a:t>를 구현해 보겠습니다</a:t>
+            </a:r>
+            <a:r>
+              <a:rPr lang="en-US" altLang="ko-KR" dirty="0"/>
+              <a:t>.</a:t>
+            </a:r>
           </a:p>
         </p:txBody>
       </p:sp>
@@ -3053,7 +2944,14 @@
           <a:bodyPr/>
           <a:lstStyle/>
           <a:p>
-            <a:endParaRPr lang="en-US" altLang="ko-KR" dirty="0"/>
+            <a:r>
+              <a:rPr lang="ko-KR" altLang="en-US" dirty="0"/>
+              <a:t>결제 서비스에서 사용할 데이터를 모델링해 보겠습니다</a:t>
+            </a:r>
+            <a:r>
+              <a:rPr lang="en-US" altLang="ko-KR" dirty="0"/>
+              <a:t>.</a:t>
+            </a:r>
           </a:p>
         </p:txBody>
       </p:sp>
@@ -3137,7 +3035,22 @@
           <a:bodyPr/>
           <a:lstStyle/>
           <a:p>
-            <a:endParaRPr lang="en-US" altLang="ko-KR" dirty="0"/>
+            <a:r>
+              <a:rPr lang="ko-KR" altLang="en-US" dirty="0"/>
+              <a:t>결제 이력을 조회하는 </a:t>
+            </a:r>
+            <a:r>
+              <a:rPr lang="en-US" altLang="ko-KR" dirty="0"/>
+              <a:t>API</a:t>
+            </a:r>
+            <a:r>
+              <a:rPr lang="ko-KR" altLang="en-US" dirty="0"/>
+              <a:t>를 구현해 보겠습니다</a:t>
+            </a:r>
+            <a:r>
+              <a:rPr lang="en-US" altLang="ko-KR" dirty="0"/>
+              <a:t>.</a:t>
+            </a:r>
           </a:p>
         </p:txBody>
       </p:sp>
@@ -3222,28 +3135,25 @@
           <a:lstStyle/>
           <a:p>
             <a:r>
-              <a:rPr lang="en-US" altLang="ko-KR" dirty="0"/>
-              <a:t>PSP(Payment Service Provider, </a:t>
-            </a:r>
-            <a:r>
-              <a:rPr lang="ko-KR" altLang="en-US" dirty="0"/>
-              <a:t>다른 용어로 </a:t>
-            </a:r>
-            <a:r>
-              <a:rPr lang="en-US" altLang="ko-KR" dirty="0"/>
-              <a:t>Payment</a:t>
-            </a:r>
-            <a:r>
-              <a:rPr lang="ko-KR" altLang="en-US" dirty="0"/>
-              <a:t> </a:t>
-            </a:r>
-            <a:r>
-              <a:rPr lang="en-US" altLang="ko-KR" dirty="0"/>
-              <a:t>Gateway)</a:t>
-            </a:r>
-            <a:r>
-              <a:rPr lang="ko-KR" altLang="en-US" dirty="0"/>
-              <a:t>를 도입하면</a:t>
+              <a:rPr lang="ko-KR" altLang="en-US" dirty="0"/>
+              <a:t>결제서비스 처리 흐름 </a:t>
+            </a:r>
+            <a:r>
+              <a:rPr lang="ko-KR" altLang="en-US" dirty="0" err="1"/>
+              <a:t>설명드리겠습니다</a:t>
+            </a:r>
+            <a:r>
+              <a:rPr lang="en-US" altLang="ko-KR" dirty="0"/>
+              <a:t>.</a:t>
+            </a:r>
+          </a:p>
+          <a:p>
+            <a:endParaRPr lang="en-US" altLang="ko-KR" dirty="0"/>
+          </a:p>
+          <a:p>
+            <a:r>
+              <a:rPr lang="ko-KR" altLang="en-US" dirty="0"/>
+              <a:t>결제서비스가 있고요</a:t>
             </a:r>
             <a:r>
               <a:rPr lang="en-US" altLang="ko-KR" dirty="0"/>
@@ -3251,7 +3161,7 @@
             </a:r>
             <a:r>
               <a:rPr lang="ko-KR" altLang="en-US" dirty="0"/>
-              <a:t>보안 투자비용을 아낄 수 있어</a:t>
+              <a:t>결제 요청이 들어오면</a:t>
             </a:r>
             <a:r>
               <a:rPr lang="en-US" altLang="ko-KR" dirty="0"/>
@@ -3259,7 +3169,19 @@
             </a:r>
             <a:r>
               <a:rPr lang="ko-KR" altLang="en-US" dirty="0"/>
-              <a:t>사업초반 전자상거래 플랫폼 구현 및 운영비용을 상당히 아낄 수 있습니다</a:t>
+              <a:t>주문 데이터를 하나 만들고</a:t>
+            </a:r>
+            <a:r>
+              <a:rPr lang="en-US" altLang="ko-KR" dirty="0"/>
+              <a:t>, </a:t>
+            </a:r>
+            <a:r>
+              <a:rPr lang="ko-KR" altLang="en-US" dirty="0"/>
+              <a:t>고객의 지갑에서 플랫폼의 지갑으로 돈을 </a:t>
+            </a:r>
+            <a:r>
+              <a:rPr lang="ko-KR" altLang="en-US" dirty="0" err="1"/>
+              <a:t>꺼내옵니다</a:t>
             </a:r>
             <a:r>
               <a:rPr lang="en-US" altLang="ko-KR" dirty="0"/>
@@ -3271,31 +3193,181 @@
           </a:p>
           <a:p>
             <a:r>
-              <a:rPr lang="en-US" altLang="ko-KR" dirty="0"/>
-              <a:t>PCI DSS (Payment Card Industry Data Security Standard) Level 1 &gt;&gt;&gt; </a:t>
-            </a:r>
-            <a:r>
-              <a:rPr lang="ko-KR" altLang="en-US" dirty="0"/>
-              <a:t>대한민국 전자금융법</a:t>
-            </a:r>
+              <a:rPr lang="ko-KR" altLang="en-US" dirty="0"/>
+              <a:t>결제 서비스에서 직접 고객의 카드번호를 관리해 </a:t>
+            </a:r>
+            <a:r>
+              <a:rPr lang="ko-KR" altLang="en-US" dirty="0" err="1"/>
+              <a:t>출금처리하는</a:t>
+            </a:r>
+            <a:r>
+              <a:rPr lang="ko-KR" altLang="en-US" dirty="0"/>
+              <a:t> 것도 가능은 합니다만</a:t>
+            </a:r>
+            <a:r>
+              <a:rPr lang="en-US" altLang="ko-KR" dirty="0"/>
+              <a:t>, Payment Gateway, </a:t>
+            </a:r>
+            <a:r>
+              <a:rPr lang="ko-KR" altLang="en-US" dirty="0"/>
+              <a:t>다른 말로 </a:t>
+            </a:r>
+            <a:r>
+              <a:rPr lang="en-US" altLang="ko-KR" dirty="0"/>
+              <a:t>Payment Service Provider</a:t>
+            </a:r>
+            <a:r>
+              <a:rPr lang="ko-KR" altLang="en-US" dirty="0"/>
+              <a:t>를 이용하면</a:t>
+            </a:r>
+            <a:r>
+              <a:rPr lang="en-US" altLang="ko-KR" dirty="0"/>
+              <a:t>,</a:t>
+            </a:r>
+            <a:r>
+              <a:rPr lang="ko-KR" altLang="en-US" dirty="0"/>
+              <a:t> 결제 안정성을 확보하고</a:t>
+            </a:r>
+            <a:r>
+              <a:rPr lang="en-US" altLang="ko-KR" dirty="0"/>
+              <a:t>, </a:t>
+            </a:r>
+            <a:r>
+              <a:rPr lang="ko-KR" altLang="en-US" dirty="0"/>
+              <a:t>보안 인프라 구축비용을 아낄 수 있을 뿐 아니라</a:t>
+            </a:r>
+            <a:r>
+              <a:rPr lang="en-US" altLang="ko-KR" dirty="0"/>
+              <a:t>,</a:t>
+            </a:r>
+            <a:r>
+              <a:rPr lang="ko-KR" altLang="en-US" dirty="0"/>
+              <a:t> 컴플라이언스 위반으로 야기되는 막대한 과징금을 피할 수 있습니다</a:t>
+            </a:r>
+            <a:r>
+              <a:rPr lang="en-US" altLang="ko-KR" dirty="0"/>
+              <a:t>. </a:t>
+            </a:r>
+            <a:r>
+              <a:rPr lang="ko-KR" altLang="en-US" dirty="0"/>
+              <a:t>컴플라이언스 위반에 따른 페널티는 중소 회사의 경우 회사의 존폐를 결정할 정도로 상당한 금액이 부과될 수 있습니다</a:t>
+            </a:r>
+            <a:r>
+              <a:rPr lang="en-US" altLang="ko-KR" dirty="0"/>
+              <a:t>.</a:t>
+            </a:r>
+          </a:p>
+          <a:p>
             <a:endParaRPr lang="en-US" altLang="ko-KR" dirty="0"/>
           </a:p>
           <a:p>
             <a:r>
               <a:rPr lang="en-US" altLang="ko-KR" dirty="0"/>
+              <a:t>PSP </a:t>
+            </a:r>
+            <a:r>
+              <a:rPr lang="ko-KR" altLang="en-US" dirty="0"/>
+              <a:t>에서 제공하는 보안 기능은 다음과 같습니다</a:t>
+            </a:r>
+            <a:r>
+              <a:rPr lang="en-US" altLang="ko-KR" dirty="0"/>
+              <a:t>.</a:t>
+            </a:r>
+          </a:p>
+          <a:p>
+            <a:endParaRPr lang="en-US" altLang="ko-KR" dirty="0"/>
+          </a:p>
+          <a:p>
+            <a:r>
+              <a:rPr lang="en-US" altLang="ko-KR" dirty="0"/>
+              <a:t>PCI DSS (Payment Card Industry Data Security Standard, </a:t>
+            </a:r>
+            <a:r>
+              <a:rPr lang="ko-KR" altLang="en-US" dirty="0"/>
+              <a:t>결제카드산업 데이터 보안표준</a:t>
+            </a:r>
+            <a:r>
+              <a:rPr lang="en-US" altLang="ko-KR" dirty="0"/>
+              <a:t>) Level 1</a:t>
+            </a:r>
+            <a:r>
+              <a:rPr lang="ko-KR" altLang="en-US" dirty="0"/>
+              <a:t>을 제공합니다</a:t>
+            </a:r>
+            <a:r>
+              <a:rPr lang="en-US" altLang="ko-KR" dirty="0"/>
+              <a:t>.</a:t>
+            </a:r>
+          </a:p>
+          <a:p>
+            <a:pPr marL="0" marR="0" lvl="0" indent="0" algn="l" defTabSz="685800" rtl="0" eaLnBrk="1" fontAlgn="auto" latinLnBrk="1" hangingPunct="1">
+              <a:lnSpc>
+                <a:spcPct val="100000"/>
+              </a:lnSpc>
+              <a:spcBef>
+                <a:spcPts val="0"/>
+              </a:spcBef>
+              <a:spcAft>
+                <a:spcPts val="0"/>
+              </a:spcAft>
+              <a:buClrTx/>
+              <a:buSzTx/>
+              <a:buFontTx/>
+              <a:buNone/>
+              <a:tabLst/>
+              <a:defRPr/>
+            </a:pPr>
+            <a:r>
+              <a:rPr lang="en-US" altLang="ko-KR" dirty="0"/>
               <a:t>- </a:t>
             </a:r>
             <a:r>
               <a:rPr lang="ko-KR" altLang="en-US" dirty="0"/>
-              <a:t>결제카드산업 데이터 보안표준의 약자로 카드사에서 만든 </a:t>
-            </a:r>
-            <a:r>
-              <a:rPr lang="en-US" altLang="ko-KR" dirty="0"/>
-              <a:t>PCI </a:t>
-            </a:r>
-            <a:r>
-              <a:rPr lang="ko-KR" altLang="en-US" dirty="0"/>
-              <a:t>보안표준위원회에서 심사한다</a:t>
+              <a:t>전자금융법을 준수하는 은행권 개발환경이 있습니다</a:t>
+            </a:r>
+            <a:r>
+              <a:rPr lang="en-US" altLang="ko-KR" dirty="0"/>
+              <a:t>. </a:t>
+            </a:r>
+            <a:r>
+              <a:rPr lang="ko-KR" altLang="en-US" dirty="0"/>
+              <a:t>경험해보신 분들은 아시겠지만</a:t>
+            </a:r>
+            <a:r>
+              <a:rPr lang="en-US" altLang="ko-KR" dirty="0"/>
+              <a:t>, </a:t>
+            </a:r>
+            <a:r>
+              <a:rPr lang="ko-KR" altLang="en-US" dirty="0" err="1"/>
+              <a:t>망분리</a:t>
+            </a:r>
+            <a:r>
+              <a:rPr lang="ko-KR" altLang="en-US" dirty="0"/>
+              <a:t> 환경에서 개발을 해야 하고</a:t>
+            </a:r>
+            <a:r>
+              <a:rPr lang="en-US" altLang="ko-KR" dirty="0"/>
+              <a:t>, copy &amp; paste </a:t>
+            </a:r>
+            <a:r>
+              <a:rPr lang="ko-KR" altLang="en-US" dirty="0"/>
+              <a:t>안되고</a:t>
+            </a:r>
+            <a:r>
+              <a:rPr lang="en-US" altLang="ko-KR" dirty="0"/>
+              <a:t>, </a:t>
+            </a:r>
+            <a:r>
+              <a:rPr lang="ko-KR" altLang="en-US" dirty="0"/>
+              <a:t>문서를 포함한 모든 절차가 엄격하게 통제되기 때문에</a:t>
+            </a:r>
+            <a:r>
+              <a:rPr lang="en-US" altLang="ko-KR" dirty="0"/>
+              <a:t>, </a:t>
+            </a:r>
+            <a:r>
+              <a:rPr lang="ko-KR" altLang="en-US" dirty="0"/>
+              <a:t>개발 자체가 쉽지 않은 환경입니다</a:t>
             </a:r>
             <a:r>
               <a:rPr lang="en-US" altLang="ko-KR" dirty="0"/>
@@ -3309,7 +3381,45 @@
             </a:r>
             <a:r>
               <a:rPr lang="ko-KR" altLang="en-US" dirty="0"/>
-              <a:t>카드사에서 설립한 자율기구지만</a:t>
+              <a:t>그런데</a:t>
+            </a:r>
+            <a:r>
+              <a:rPr lang="en-US" altLang="ko-KR" dirty="0"/>
+              <a:t>, PCI DSS </a:t>
+            </a:r>
+            <a:r>
+              <a:rPr lang="ko-KR" altLang="en-US" dirty="0"/>
+              <a:t>레벨 </a:t>
+            </a:r>
+            <a:r>
+              <a:rPr lang="en-US" altLang="ko-KR" dirty="0"/>
+              <a:t>1</a:t>
+            </a:r>
+            <a:r>
+              <a:rPr lang="ko-KR" altLang="en-US" dirty="0"/>
+              <a:t>은 이 전자금융법보다 준수가 더 어렵습니다</a:t>
+            </a:r>
+            <a:r>
+              <a:rPr lang="en-US" altLang="ko-KR" dirty="0"/>
+              <a:t>.</a:t>
+            </a:r>
+          </a:p>
+          <a:p>
+            <a:r>
+              <a:rPr lang="en-US" altLang="ko-KR" dirty="0"/>
+              <a:t>- </a:t>
+            </a:r>
+            <a:r>
+              <a:rPr lang="ko-KR" altLang="en-US" dirty="0"/>
+              <a:t>고객의 카드 정보를 관리하려면 레벨 </a:t>
+            </a:r>
+            <a:r>
+              <a:rPr lang="en-US" altLang="ko-KR" dirty="0"/>
+              <a:t>1</a:t>
+            </a:r>
+            <a:r>
+              <a:rPr lang="ko-KR" altLang="en-US" dirty="0"/>
+              <a:t>이 반드시 필요한데</a:t>
             </a:r>
             <a:r>
               <a:rPr lang="en-US" altLang="ko-KR" dirty="0"/>
@@ -3317,7 +3427,39 @@
             </a:r>
             <a:r>
               <a:rPr lang="ko-KR" altLang="en-US" dirty="0"/>
-              <a:t>심사는 매우 까다롭고 엄격하며 대한민국의 전자금융법보다 준수가 훨씬 어려운 것으로 알려져 있습니다</a:t>
+              <a:t>네트워크 보안</a:t>
+            </a:r>
+            <a:r>
+              <a:rPr lang="en-US" altLang="ko-KR" dirty="0"/>
+              <a:t>, </a:t>
+            </a:r>
+            <a:r>
+              <a:rPr lang="ko-KR" altLang="en-US" dirty="0"/>
+              <a:t>카드 소유자 데이터 보호</a:t>
+            </a:r>
+            <a:r>
+              <a:rPr lang="en-US" altLang="ko-KR" dirty="0"/>
+              <a:t>, </a:t>
+            </a:r>
+            <a:r>
+              <a:rPr lang="ko-KR" altLang="en-US" dirty="0"/>
+              <a:t>취약점 관리 등 </a:t>
+            </a:r>
+            <a:r>
+              <a:rPr lang="en-US" altLang="ko-KR" dirty="0"/>
+              <a:t>12</a:t>
+            </a:r>
+            <a:r>
+              <a:rPr lang="ko-KR" altLang="en-US" dirty="0"/>
+              <a:t>개 영역 </a:t>
+            </a:r>
+            <a:r>
+              <a:rPr lang="en-US" altLang="ko-KR" dirty="0"/>
+              <a:t>415</a:t>
+            </a:r>
+            <a:r>
+              <a:rPr lang="ko-KR" altLang="en-US" dirty="0"/>
+              <a:t>개 세부항목을 매년 엄격하게 평가받아야 하거든요</a:t>
             </a:r>
             <a:r>
               <a:rPr lang="en-US" altLang="ko-KR" dirty="0"/>
@@ -3325,13 +3467,112 @@
             </a:r>
           </a:p>
           <a:p>
-            <a:r>
-              <a:rPr lang="en-US" altLang="ko-KR" dirty="0"/>
-              <a:t>- </a:t>
-            </a:r>
-            <a:r>
-              <a:rPr lang="ko-KR" altLang="en-US" dirty="0"/>
-              <a:t>카드 정보를 저장하기 위해서는 가장 취득이 어려운 레벨 </a:t>
+            <a:endParaRPr lang="en-US" altLang="ko-KR" dirty="0"/>
+          </a:p>
+          <a:p>
+            <a:r>
+              <a:rPr lang="en-US" altLang="ko-KR" dirty="0"/>
+              <a:t>PSD2(Payment Services Directive version 2)</a:t>
+            </a:r>
+            <a:r>
+              <a:rPr lang="ko-KR" altLang="en-US" dirty="0"/>
+              <a:t>라는</a:t>
+            </a:r>
+            <a:r>
+              <a:rPr lang="en-US" altLang="ko-KR" dirty="0"/>
+              <a:t>, </a:t>
+            </a:r>
+            <a:r>
+              <a:rPr lang="ko-KR" altLang="en-US" dirty="0"/>
+              <a:t>유럽 지급위원회에서 만든 보안표준도 제공합니다</a:t>
+            </a:r>
+            <a:r>
+              <a:rPr lang="en-US" altLang="ko-KR" dirty="0"/>
+              <a:t>.</a:t>
+            </a:r>
+          </a:p>
+          <a:p>
+            <a:endParaRPr lang="en-US" altLang="ko-KR" dirty="0"/>
+          </a:p>
+          <a:p>
+            <a:r>
+              <a:rPr lang="en-US" altLang="ko-KR" dirty="0"/>
+              <a:t>AML (Anti-Money Laundering, </a:t>
+            </a:r>
+            <a:r>
+              <a:rPr lang="ko-KR" altLang="en-US" dirty="0"/>
+              <a:t>자금세탁방지법</a:t>
+            </a:r>
+            <a:r>
+              <a:rPr lang="en-US" altLang="ko-KR" dirty="0"/>
+              <a:t>), CFT (Combating the Financing of Terrorism, </a:t>
+            </a:r>
+            <a:r>
+              <a:rPr lang="ko-KR" altLang="en-US" dirty="0"/>
+              <a:t>테러자금조달방지법</a:t>
+            </a:r>
+            <a:r>
+              <a:rPr lang="en-US" altLang="ko-KR" dirty="0"/>
+              <a:t>), </a:t>
+            </a:r>
+            <a:r>
+              <a:rPr lang="ko-KR" altLang="en-US" dirty="0"/>
+              <a:t>그리고 이를 준수하기 위한 </a:t>
+            </a:r>
+            <a:r>
+              <a:rPr lang="en-US" altLang="ko-KR" dirty="0"/>
+              <a:t>KYC (Know Your Customer, </a:t>
+            </a:r>
+            <a:r>
+              <a:rPr lang="ko-KR" altLang="en-US" dirty="0" err="1"/>
+              <a:t>고객신원확인</a:t>
+            </a:r>
+            <a:r>
+              <a:rPr lang="en-US" altLang="ko-KR" dirty="0"/>
+              <a:t>)</a:t>
+            </a:r>
+            <a:r>
+              <a:rPr lang="ko-KR" altLang="en-US" dirty="0"/>
+              <a:t> 기능을 제공합니다</a:t>
+            </a:r>
+            <a:r>
+              <a:rPr lang="en-US" altLang="ko-KR" dirty="0"/>
+              <a:t>.</a:t>
+            </a:r>
+          </a:p>
+          <a:p>
+            <a:r>
+              <a:rPr lang="ko-KR" altLang="en-US" dirty="0"/>
+              <a:t>이건 법제의 영역이라서</a:t>
+            </a:r>
+            <a:r>
+              <a:rPr lang="en-US" altLang="ko-KR" dirty="0"/>
+              <a:t>, </a:t>
+            </a:r>
+            <a:r>
+              <a:rPr lang="ko-KR" altLang="en-US" dirty="0"/>
+              <a:t>위반시 벌금이 무섭습니다</a:t>
+            </a:r>
+            <a:r>
+              <a:rPr lang="en-US" altLang="ko-KR" dirty="0"/>
+              <a:t>.</a:t>
+            </a:r>
+          </a:p>
+          <a:p>
+            <a:endParaRPr lang="en-US" altLang="ko-KR" dirty="0"/>
+          </a:p>
+          <a:p>
+            <a:r>
+              <a:rPr lang="ko-KR" altLang="en-US" dirty="0"/>
+              <a:t>기업은행이 </a:t>
+            </a:r>
+            <a:r>
+              <a:rPr lang="en-US" altLang="ko-KR" dirty="0"/>
+              <a:t>2011</a:t>
+            </a:r>
+            <a:r>
+              <a:rPr lang="ko-KR" altLang="en-US" dirty="0"/>
+              <a:t>년 이란이 </a:t>
             </a:r>
             <a:r>
               <a:rPr lang="en-US" altLang="ko-KR" dirty="0"/>
@@ -3339,7 +3580,23 @@
             </a:r>
             <a:r>
               <a:rPr lang="ko-KR" altLang="en-US" dirty="0"/>
-              <a:t>을 획득해야 하는데</a:t>
+              <a:t>조를 출금하는 것을 막지 못했는데요</a:t>
+            </a:r>
+            <a:r>
+              <a:rPr lang="en-US" altLang="ko-KR" dirty="0"/>
+              <a:t>. </a:t>
+            </a:r>
+            <a:r>
+              <a:rPr lang="ko-KR" altLang="en-US" dirty="0"/>
+              <a:t>당시 </a:t>
+            </a:r>
+            <a:r>
+              <a:rPr lang="en-US" altLang="ko-KR" dirty="0"/>
+              <a:t>AML </a:t>
+            </a:r>
+            <a:r>
+              <a:rPr lang="ko-KR" altLang="en-US" dirty="0"/>
+              <a:t>컴플라이언스를 갖추지 못했다는 이유로</a:t>
             </a:r>
             <a:r>
               <a:rPr lang="en-US" altLang="ko-KR" dirty="0"/>
@@ -3347,7 +3604,49 @@
             </a:r>
             <a:r>
               <a:rPr lang="ko-KR" altLang="en-US" dirty="0"/>
-              <a:t>네트워크 보안</a:t>
+              <a:t>미 당국으로부터 </a:t>
+            </a:r>
+            <a:r>
+              <a:rPr lang="en-US" altLang="ko-KR" dirty="0"/>
+              <a:t>2020</a:t>
+            </a:r>
+            <a:r>
+              <a:rPr lang="ko-KR" altLang="en-US" dirty="0"/>
+              <a:t>년 </a:t>
+            </a:r>
+            <a:r>
+              <a:rPr lang="en-US" altLang="ko-KR" dirty="0"/>
+              <a:t>1000</a:t>
+            </a:r>
+            <a:r>
+              <a:rPr lang="ko-KR" altLang="en-US" dirty="0"/>
+              <a:t>억의 벌금을 맞았습니다</a:t>
+            </a:r>
+            <a:r>
+              <a:rPr lang="en-US" altLang="ko-KR" dirty="0"/>
+              <a:t>. </a:t>
+            </a:r>
+            <a:r>
+              <a:rPr lang="ko-KR" altLang="en-US" dirty="0"/>
+              <a:t>이게 </a:t>
+            </a:r>
+            <a:r>
+              <a:rPr lang="ko-KR" altLang="en-US" dirty="0" err="1"/>
+              <a:t>네고를</a:t>
+            </a:r>
+            <a:r>
+              <a:rPr lang="ko-KR" altLang="en-US" dirty="0"/>
+              <a:t> 친 금액입니다</a:t>
+            </a:r>
+            <a:r>
+              <a:rPr lang="en-US" altLang="ko-KR" dirty="0"/>
+              <a:t>.</a:t>
+            </a:r>
+          </a:p>
+          <a:p>
+            <a:r>
+              <a:rPr lang="ko-KR" altLang="en-US" dirty="0"/>
+              <a:t>컴플라이언스를 갖추지 못했다면</a:t>
             </a:r>
             <a:r>
               <a:rPr lang="en-US" altLang="ko-KR" dirty="0"/>
@@ -3355,7 +3654,17 @@
             </a:r>
             <a:r>
               <a:rPr lang="ko-KR" altLang="en-US" dirty="0"/>
-              <a:t>카드 소유자 데이터 보호</a:t>
+              <a:t>왠만한 회사는 망하는데요</a:t>
+            </a:r>
+            <a:r>
+              <a:rPr lang="en-US" altLang="ko-KR" dirty="0"/>
+              <a:t>.</a:t>
+            </a:r>
+          </a:p>
+          <a:p>
+            <a:r>
+              <a:rPr lang="ko-KR" altLang="en-US" dirty="0"/>
+              <a:t>심지어 은행조차</a:t>
             </a:r>
             <a:r>
               <a:rPr lang="en-US" altLang="ko-KR" dirty="0"/>
@@ -3363,31 +3672,111 @@
             </a:r>
             <a:r>
               <a:rPr lang="ko-KR" altLang="en-US" dirty="0"/>
-              <a:t>취약점 </a:t>
+              <a:t>암호화폐 거래소 실명계좌 발급에 난색을 표하는 이유가 바로 이 때문입니다</a:t>
+            </a:r>
+            <a:r>
+              <a:rPr lang="en-US" altLang="ko-KR" dirty="0"/>
+              <a:t>.</a:t>
+            </a:r>
+          </a:p>
+          <a:p>
+            <a:endParaRPr lang="en-US" altLang="ko-KR" dirty="0"/>
+          </a:p>
+          <a:p>
+            <a:r>
+              <a:rPr lang="ko-KR" altLang="en-US" dirty="0"/>
+              <a:t>암호화폐는 태생적으로 고객 확인이 어렵습니다</a:t>
+            </a:r>
+            <a:r>
+              <a:rPr lang="en-US" altLang="ko-KR" dirty="0"/>
+              <a:t>. </a:t>
+            </a:r>
+            <a:r>
+              <a:rPr lang="ko-KR" altLang="en-US" dirty="0"/>
+              <a:t>거래 행위는 원장에 투명하게 기록되지만</a:t>
+            </a:r>
+            <a:r>
+              <a:rPr lang="en-US" altLang="ko-KR" dirty="0"/>
+              <a:t>, </a:t>
+            </a:r>
+            <a:r>
+              <a:rPr lang="ko-KR" altLang="en-US" dirty="0"/>
+              <a:t>거래 주체는 확인하기 어렵습니다</a:t>
+            </a:r>
+            <a:r>
+              <a:rPr lang="en-US" altLang="ko-KR" dirty="0"/>
+              <a:t>.</a:t>
+            </a:r>
+          </a:p>
+          <a:p>
+            <a:r>
+              <a:rPr lang="ko-KR" altLang="en-US" dirty="0"/>
+              <a:t>때문에</a:t>
+            </a:r>
+            <a:r>
+              <a:rPr lang="en-US" altLang="ko-KR" dirty="0"/>
+              <a:t>, </a:t>
+            </a:r>
+            <a:r>
+              <a:rPr lang="ko-KR" altLang="en-US" dirty="0"/>
+              <a:t>실명계좌 발급으로 얻는 수수료 이익보다 컴플라이언스 위반으로 부과될 수 있는 과징금 리스크가 더 크기 때문입니다</a:t>
+            </a:r>
+            <a:r>
+              <a:rPr lang="en-US" altLang="ko-KR" dirty="0"/>
+              <a:t>.</a:t>
+            </a:r>
+          </a:p>
+          <a:p>
+            <a:endParaRPr lang="en-US" altLang="ko-KR" dirty="0"/>
+          </a:p>
+          <a:p>
+            <a:r>
+              <a:rPr lang="ko-KR" altLang="en-US" dirty="0"/>
+              <a:t>이런 보안기능 말고도 </a:t>
+            </a:r>
+            <a:r>
+              <a:rPr lang="en-US" altLang="ko-KR" dirty="0"/>
+              <a:t>PSP</a:t>
+            </a:r>
+            <a:r>
+              <a:rPr lang="ko-KR" altLang="en-US" dirty="0"/>
+              <a:t>는 단일 인터페이스를 제공한다는 장점이 있습니다</a:t>
+            </a:r>
+            <a:r>
+              <a:rPr lang="en-US" altLang="ko-KR" dirty="0"/>
+              <a:t>. </a:t>
+            </a:r>
+            <a:r>
+              <a:rPr lang="ko-KR" altLang="en-US" dirty="0"/>
+              <a:t>결제수단마다</a:t>
+            </a:r>
+            <a:r>
+              <a:rPr lang="en-US" altLang="ko-KR" dirty="0"/>
+              <a:t>, </a:t>
+            </a:r>
+            <a:r>
+              <a:rPr lang="ko-KR" altLang="en-US" dirty="0"/>
+              <a:t>나라마다</a:t>
+            </a:r>
+            <a:r>
+              <a:rPr lang="en-US" altLang="ko-KR" dirty="0"/>
+              <a:t>, </a:t>
+            </a:r>
+            <a:r>
+              <a:rPr lang="ko-KR" altLang="en-US" dirty="0"/>
+              <a:t>인터페이스가 조금씩 다 다른데</a:t>
+            </a:r>
+            <a:r>
+              <a:rPr lang="en-US" altLang="ko-KR" dirty="0"/>
+              <a:t>, </a:t>
+            </a:r>
+            <a:r>
+              <a:rPr lang="ko-KR" altLang="en-US" dirty="0"/>
+              <a:t>이걸 하나로 맞춰준다는 것은 개발팀 입장에서 굉장한 </a:t>
             </a:r>
             <a:r>
               <a:rPr lang="ko-KR" altLang="en-US" dirty="0" err="1"/>
-              <a:t>관리등</a:t>
-            </a:r>
-            <a:r>
-              <a:rPr lang="ko-KR" altLang="en-US" dirty="0"/>
-              <a:t> </a:t>
-            </a:r>
-            <a:r>
-              <a:rPr lang="en-US" altLang="ko-KR" dirty="0"/>
-              <a:t>1</a:t>
-            </a:r>
-            <a:r>
-              <a:rPr lang="ko-KR" altLang="en-US" dirty="0"/>
-              <a:t>개 영역 </a:t>
-            </a:r>
-            <a:r>
-              <a:rPr lang="en-US" altLang="ko-KR" dirty="0"/>
-              <a:t>415</a:t>
-            </a:r>
-            <a:r>
-              <a:rPr lang="ko-KR" altLang="en-US" dirty="0"/>
-              <a:t>개 세부항목을 매년 엄격하게 평가받아야 합니다</a:t>
+              <a:t>메리트입니다</a:t>
             </a:r>
             <a:r>
               <a:rPr lang="en-US" altLang="ko-KR" dirty="0"/>
@@ -3400,99 +3789,254 @@
           <a:p>
             <a:r>
               <a:rPr lang="en-US" altLang="ko-KR" dirty="0"/>
-              <a:t>PSD2 (Payment Services Directive version 2, </a:t>
-            </a:r>
-            <a:r>
-              <a:rPr lang="ko-KR" altLang="en-US" dirty="0"/>
-              <a:t>개정된 지불서비스 지침</a:t>
-            </a:r>
-            <a:r>
-              <a:rPr lang="en-US" altLang="ko-KR" dirty="0"/>
-              <a:t>)</a:t>
-            </a:r>
-          </a:p>
-          <a:p>
-            <a:r>
-              <a:rPr lang="en-US" altLang="ko-KR" dirty="0"/>
-              <a:t>- </a:t>
-            </a:r>
-            <a:r>
-              <a:rPr lang="ko-KR" altLang="en-US" dirty="0"/>
-              <a:t>유럽 지급위원회에서 만든 보안표준</a:t>
-            </a:r>
+              <a:t>PSP </a:t>
+            </a:r>
+            <a:r>
+              <a:rPr lang="ko-KR" altLang="en-US" dirty="0"/>
+              <a:t>수수료가 </a:t>
+            </a:r>
+            <a:r>
+              <a:rPr lang="en-US" altLang="ko-KR" dirty="0"/>
+              <a:t>2~3% </a:t>
+            </a:r>
+            <a:r>
+              <a:rPr lang="ko-KR" altLang="en-US" dirty="0"/>
+              <a:t>정도 되기 때문에</a:t>
+            </a:r>
+            <a:r>
+              <a:rPr lang="en-US" altLang="ko-KR" dirty="0"/>
+              <a:t>, </a:t>
+            </a:r>
+            <a:r>
+              <a:rPr lang="ko-KR" altLang="en-US" dirty="0"/>
+              <a:t>대형 플랫폼이라면 자체 결제를 구현하는 것이 더 유리할 수 있습니다만</a:t>
+            </a:r>
+            <a:r>
+              <a:rPr lang="en-US" altLang="ko-KR" dirty="0"/>
+              <a:t>,</a:t>
+            </a:r>
+          </a:p>
+          <a:p>
+            <a:r>
+              <a:rPr lang="ko-KR" altLang="en-US" dirty="0"/>
+              <a:t>본 과정에서는 </a:t>
+            </a:r>
+            <a:r>
+              <a:rPr lang="en-US" altLang="ko-KR" dirty="0"/>
+              <a:t>PSP</a:t>
+            </a:r>
+            <a:r>
+              <a:rPr lang="ko-KR" altLang="en-US" dirty="0"/>
+              <a:t>를 연동해 결제서비스를 개발하기로 하겠습니다</a:t>
+            </a:r>
+            <a:r>
+              <a:rPr lang="en-US" altLang="ko-KR" dirty="0"/>
+              <a:t>.</a:t>
+            </a:r>
+          </a:p>
+          <a:p>
             <a:endParaRPr lang="en-US" altLang="ko-KR" dirty="0"/>
           </a:p>
           <a:p>
+            <a:r>
+              <a:rPr lang="en-US" altLang="ko-KR" dirty="0"/>
+              <a:t>PG</a:t>
+            </a:r>
+            <a:r>
+              <a:rPr lang="ko-KR" altLang="en-US" dirty="0"/>
+              <a:t>를 통해 결제가 완료되면</a:t>
+            </a:r>
+            <a:r>
+              <a:rPr lang="en-US" altLang="ko-KR" dirty="0"/>
+              <a:t>, </a:t>
+            </a:r>
+            <a:r>
+              <a:rPr lang="ko-KR" altLang="en-US" dirty="0"/>
+              <a:t>고객과 판매자의 자금 흐름을 복식부기 방식으로 원장에 기록합니다</a:t>
+            </a:r>
+            <a:r>
+              <a:rPr lang="en-US" altLang="ko-KR" dirty="0"/>
+              <a:t>.</a:t>
+            </a:r>
+          </a:p>
+          <a:p>
+            <a:r>
+              <a:rPr lang="ko-KR" altLang="en-US" dirty="0"/>
+              <a:t>판매자가 받아야 할 총 금액은</a:t>
+            </a:r>
+            <a:r>
+              <a:rPr lang="en-US" altLang="ko-KR" dirty="0"/>
+              <a:t>, </a:t>
+            </a:r>
+            <a:r>
+              <a:rPr lang="ko-KR" altLang="en-US" dirty="0"/>
+              <a:t>매번 원장에서 조회하기 어렵기 때문에 잔고 테이블을 만들어 합계를 관리해 줍니다</a:t>
+            </a:r>
+            <a:r>
+              <a:rPr lang="en-US" altLang="ko-KR" dirty="0"/>
+              <a:t>.</a:t>
+            </a:r>
+          </a:p>
+          <a:p>
             <a:endParaRPr lang="en-US" altLang="ko-KR" dirty="0"/>
           </a:p>
           <a:p>
             <a:r>
-              <a:rPr lang="en-US" altLang="ko-KR" dirty="0"/>
-              <a:t>AML (Anti-Money Laundering, </a:t>
-            </a:r>
-            <a:r>
-              <a:rPr lang="ko-KR" altLang="en-US" dirty="0"/>
-              <a:t>자금세탁방지</a:t>
-            </a:r>
-            <a:r>
-              <a:rPr lang="en-US" altLang="ko-KR" dirty="0"/>
-              <a:t>), CFT (Combating the Financing of Terrorism, </a:t>
-            </a:r>
-            <a:r>
-              <a:rPr lang="ko-KR" altLang="en-US" dirty="0"/>
-              <a:t>테러자금조달방지</a:t>
-            </a:r>
-            <a:r>
-              <a:rPr lang="en-US" altLang="ko-KR" dirty="0"/>
-              <a:t>)</a:t>
-            </a:r>
-          </a:p>
-          <a:p>
-            <a:r>
-              <a:rPr lang="en-US" altLang="ko-KR" dirty="0"/>
-              <a:t>- </a:t>
-            </a:r>
-            <a:r>
-              <a:rPr lang="ko-KR" altLang="en-US" dirty="0"/>
-              <a:t>각국 정부에서 만든 자금세탁방지 규제법률</a:t>
-            </a:r>
+              <a:rPr lang="ko-KR" altLang="en-US" dirty="0"/>
+              <a:t>결제는 비동기로 이루어지며</a:t>
+            </a:r>
+            <a:r>
+              <a:rPr lang="en-US" altLang="ko-KR" dirty="0"/>
+              <a:t>, </a:t>
+            </a:r>
+            <a:r>
+              <a:rPr lang="ko-KR" altLang="en-US" dirty="0"/>
+              <a:t>환불이라는 복잡한 처리도 발생하기 때문에</a:t>
+            </a:r>
+            <a:r>
+              <a:rPr lang="en-US" altLang="ko-KR" dirty="0"/>
+              <a:t>, </a:t>
+            </a:r>
+            <a:r>
+              <a:rPr lang="ko-KR" altLang="en-US" dirty="0"/>
+              <a:t>양사간 처리가 일치하는지를 확인할 필요가 있습니다</a:t>
+            </a:r>
+            <a:r>
+              <a:rPr lang="en-US" altLang="ko-KR" dirty="0"/>
+              <a:t>. </a:t>
+            </a:r>
+            <a:r>
+              <a:rPr lang="ko-KR" altLang="en-US" dirty="0"/>
+              <a:t>때문에 정산이란 프로세스가 반드시 필요합니다</a:t>
+            </a:r>
+            <a:r>
+              <a:rPr lang="en-US" altLang="ko-KR" dirty="0"/>
+              <a:t>.</a:t>
+            </a:r>
+          </a:p>
+          <a:p>
             <a:endParaRPr lang="en-US" altLang="ko-KR" dirty="0"/>
           </a:p>
           <a:p>
+            <a:r>
+              <a:rPr lang="ko-KR" altLang="en-US" dirty="0"/>
+              <a:t>결제 도메인에 깊숙하게 들어가는 것은 저희 지양하기로 했으니</a:t>
+            </a:r>
+            <a:r>
+              <a:rPr lang="en-US" altLang="ko-KR" dirty="0"/>
+              <a:t>… </a:t>
+            </a:r>
+            <a:r>
+              <a:rPr lang="ko-KR" altLang="en-US" dirty="0"/>
+              <a:t>가정을 좀 단순하게 가져가볼까 합니다</a:t>
+            </a:r>
+            <a:r>
+              <a:rPr lang="en-US" altLang="ko-KR" dirty="0"/>
+              <a:t>.</a:t>
+            </a:r>
+          </a:p>
+          <a:p>
             <a:endParaRPr lang="en-US" altLang="ko-KR" dirty="0"/>
           </a:p>
           <a:p>
             <a:r>
-              <a:rPr lang="en-US" altLang="ko-KR" dirty="0"/>
-              <a:t>KYC (Know Your Customer)</a:t>
-            </a:r>
-          </a:p>
-          <a:p>
-            <a:r>
-              <a:rPr lang="en-US" altLang="ko-KR" dirty="0"/>
-              <a:t>- </a:t>
-            </a:r>
-            <a:r>
-              <a:rPr lang="ko-KR" altLang="en-US" dirty="0"/>
-              <a:t>고객 신원 확인</a:t>
-            </a:r>
-            <a:r>
-              <a:rPr lang="en-US" altLang="ko-KR" dirty="0"/>
-              <a:t>, AML </a:t>
-            </a:r>
-            <a:r>
-              <a:rPr lang="ko-KR" altLang="en-US" dirty="0"/>
-              <a:t>의무를 이행하기 위해 필요</a:t>
-            </a:r>
+              <a:rPr lang="ko-KR" altLang="en-US" dirty="0"/>
+              <a:t>저희가 구현해야 할 플랫폼은 </a:t>
+            </a:r>
+            <a:r>
+              <a:rPr lang="ko-KR" altLang="en-US" dirty="0" err="1"/>
+              <a:t>쿠팡같은</a:t>
+            </a:r>
+            <a:r>
+              <a:rPr lang="ko-KR" altLang="en-US" dirty="0"/>
+              <a:t> 판매자가 많은 </a:t>
+            </a:r>
+            <a:r>
+              <a:rPr lang="ko-KR" altLang="en-US" dirty="0" err="1"/>
+              <a:t>이커머스</a:t>
+            </a:r>
+            <a:r>
+              <a:rPr lang="ko-KR" altLang="en-US" dirty="0"/>
+              <a:t> 플랫폼이 아니라</a:t>
+            </a:r>
+            <a:r>
+              <a:rPr lang="en-US" altLang="ko-KR" dirty="0"/>
+              <a:t>, </a:t>
+            </a:r>
+            <a:r>
+              <a:rPr lang="ko-KR" altLang="en-US" dirty="0"/>
+              <a:t>자체 상품만 판매하는 플랫폼이라고 가정해 보겠습니다</a:t>
+            </a:r>
+            <a:r>
+              <a:rPr lang="en-US" altLang="ko-KR" dirty="0"/>
+              <a:t>.</a:t>
+            </a:r>
+          </a:p>
+          <a:p>
+            <a:r>
+              <a:rPr lang="ko-KR" altLang="en-US" dirty="0"/>
+              <a:t>고객 계좌에서 저희 지갑에만 돈을 옮기는 </a:t>
+            </a:r>
+            <a:r>
+              <a:rPr lang="en-US" altLang="ko-KR" dirty="0"/>
+              <a:t>pay-in </a:t>
+            </a:r>
+            <a:r>
+              <a:rPr lang="ko-KR" altLang="en-US" dirty="0"/>
+              <a:t>만 있고요</a:t>
+            </a:r>
+            <a:r>
+              <a:rPr lang="en-US" altLang="ko-KR" dirty="0"/>
+              <a:t>, </a:t>
+            </a:r>
+            <a:r>
+              <a:rPr lang="ko-KR" altLang="en-US" dirty="0"/>
+              <a:t>판매사에게 배분하는 </a:t>
+            </a:r>
+            <a:r>
+              <a:rPr lang="en-US" altLang="ko-KR" dirty="0"/>
+              <a:t>payout </a:t>
+            </a:r>
+            <a:r>
+              <a:rPr lang="ko-KR" altLang="en-US" dirty="0"/>
+              <a:t>이란 절차는 없는 거죠</a:t>
+            </a:r>
+            <a:r>
+              <a:rPr lang="en-US" altLang="ko-KR" dirty="0"/>
+              <a:t>. </a:t>
+            </a:r>
+            <a:r>
+              <a:rPr lang="ko-KR" altLang="en-US" dirty="0"/>
+              <a:t>그렇다면</a:t>
+            </a:r>
+            <a:r>
+              <a:rPr lang="en-US" altLang="ko-KR" dirty="0"/>
+              <a:t>, </a:t>
+            </a:r>
+            <a:r>
+              <a:rPr lang="ko-KR" altLang="en-US" dirty="0"/>
+              <a:t>여기서 이런 </a:t>
+            </a:r>
+            <a:r>
+              <a:rPr lang="ko-KR" altLang="en-US" dirty="0" err="1"/>
+              <a:t>이런</a:t>
+            </a:r>
+            <a:r>
+              <a:rPr lang="ko-KR" altLang="en-US" dirty="0"/>
+              <a:t> 기능은 구현에서 고려하지 않아도 될 것 같네요</a:t>
+            </a:r>
+            <a:r>
+              <a:rPr lang="en-US" altLang="ko-KR" dirty="0"/>
+              <a:t>.</a:t>
+            </a:r>
+          </a:p>
+          <a:p>
             <a:endParaRPr lang="en-US" altLang="ko-KR" dirty="0"/>
           </a:p>
           <a:p>
-            <a:endParaRPr lang="en-US" altLang="ko-KR" dirty="0"/>
-          </a:p>
-          <a:p>
-            <a:r>
-              <a:rPr lang="ko-KR" altLang="en-US" dirty="0"/>
-              <a:t>전자금융 관련 규제는 나라마다 조금씩 다르기 때문에</a:t>
+            <a:r>
+              <a:rPr lang="ko-KR" altLang="en-US" dirty="0"/>
+              <a:t>정리하면</a:t>
             </a:r>
             <a:r>
               <a:rPr lang="en-US" altLang="ko-KR" dirty="0"/>
@@ -3500,155 +4044,44 @@
             </a:r>
             <a:r>
               <a:rPr lang="ko-KR" altLang="en-US" dirty="0"/>
-              <a:t>만약 글로벌 사업이라면 나라마다 결제서비스를 다르게 구현해야 하는 부담도 있습니다</a:t>
+              <a:t>저희 서비스는 결제요청이 들어오면</a:t>
+            </a:r>
+            <a:r>
+              <a:rPr lang="en-US" altLang="ko-KR" dirty="0"/>
+              <a:t>, </a:t>
+            </a:r>
+            <a:r>
+              <a:rPr lang="ko-KR" altLang="en-US" dirty="0"/>
+              <a:t>주문을 만들고</a:t>
+            </a:r>
+            <a:r>
+              <a:rPr lang="en-US" altLang="ko-KR" dirty="0"/>
+              <a:t>, PG</a:t>
+            </a:r>
+            <a:r>
+              <a:rPr lang="ko-KR" altLang="en-US" dirty="0"/>
+              <a:t>사와 결제를 연동합니다</a:t>
+            </a:r>
+            <a:r>
+              <a:rPr lang="en-US" altLang="ko-KR" dirty="0"/>
+              <a:t>. </a:t>
+            </a:r>
+            <a:r>
+              <a:rPr lang="ko-KR" altLang="en-US" dirty="0"/>
+              <a:t>그리고 사용자가 주문내역을 확인할 수 있는 </a:t>
+            </a:r>
+            <a:r>
+              <a:rPr lang="ko-KR" altLang="en-US" dirty="0" err="1"/>
+              <a:t>것까지로</a:t>
+            </a:r>
+            <a:r>
+              <a:rPr lang="ko-KR" altLang="en-US" dirty="0"/>
+              <a:t> 구현 범위를 제한하도록 하겠습니다</a:t>
             </a:r>
             <a:r>
               <a:rPr lang="en-US" altLang="ko-KR" dirty="0"/>
               <a:t>.</a:t>
             </a:r>
-          </a:p>
-          <a:p>
-            <a:endParaRPr lang="en-US" altLang="ko-KR" dirty="0"/>
-          </a:p>
-          <a:p>
-            <a:r>
-              <a:rPr lang="ko-KR" altLang="en-US" dirty="0"/>
-              <a:t>기업은행은 </a:t>
-            </a:r>
-            <a:r>
-              <a:rPr lang="en-US" altLang="ko-KR" dirty="0"/>
-              <a:t>2011</a:t>
-            </a:r>
-            <a:r>
-              <a:rPr lang="ko-KR" altLang="en-US" dirty="0"/>
-              <a:t>년 이란이 </a:t>
-            </a:r>
-            <a:r>
-              <a:rPr lang="en-US" altLang="ko-KR" dirty="0"/>
-              <a:t>1</a:t>
-            </a:r>
-            <a:r>
-              <a:rPr lang="ko-KR" altLang="en-US" dirty="0"/>
-              <a:t>조를 출금하는 것을 막지 못했는데요</a:t>
-            </a:r>
-            <a:r>
-              <a:rPr lang="en-US" altLang="ko-KR" dirty="0"/>
-              <a:t>. AML </a:t>
-            </a:r>
-            <a:r>
-              <a:rPr lang="ko-KR" altLang="en-US" dirty="0"/>
-              <a:t>컴플라이언스를 갖추지 못했다는 이유로</a:t>
-            </a:r>
-            <a:r>
-              <a:rPr lang="en-US" altLang="ko-KR" dirty="0"/>
-              <a:t>, </a:t>
-            </a:r>
-            <a:r>
-              <a:rPr lang="ko-KR" altLang="en-US" dirty="0"/>
-              <a:t>미 당국에 </a:t>
-            </a:r>
-            <a:r>
-              <a:rPr lang="en-US" altLang="ko-KR" dirty="0"/>
-              <a:t>2020</a:t>
-            </a:r>
-            <a:r>
-              <a:rPr lang="ko-KR" altLang="en-US" dirty="0"/>
-              <a:t>년 </a:t>
-            </a:r>
-            <a:r>
-              <a:rPr lang="en-US" altLang="ko-KR" dirty="0"/>
-              <a:t>1000</a:t>
-            </a:r>
-            <a:r>
-              <a:rPr lang="ko-KR" altLang="en-US" dirty="0"/>
-              <a:t>억의 벌금을 납부하였습니다</a:t>
-            </a:r>
-            <a:r>
-              <a:rPr lang="en-US" altLang="ko-KR" dirty="0"/>
-              <a:t>.</a:t>
-            </a:r>
-          </a:p>
-          <a:p>
-            <a:endParaRPr lang="en-US" altLang="ko-KR" dirty="0"/>
-          </a:p>
-          <a:p>
-            <a:r>
-              <a:rPr lang="ko-KR" altLang="en-US" dirty="0"/>
-              <a:t>컴플라이언스를 갖추지 못했다면</a:t>
-            </a:r>
-            <a:r>
-              <a:rPr lang="en-US" altLang="ko-KR" dirty="0"/>
-              <a:t>, </a:t>
-            </a:r>
-            <a:r>
-              <a:rPr lang="ko-KR" altLang="en-US" dirty="0"/>
-              <a:t>왠만한 회사는 망합니다</a:t>
-            </a:r>
-            <a:r>
-              <a:rPr lang="en-US" altLang="ko-KR" dirty="0"/>
-              <a:t>.</a:t>
-            </a:r>
-          </a:p>
-          <a:p>
-            <a:endParaRPr lang="en-US" altLang="ko-KR" dirty="0"/>
-          </a:p>
-          <a:p>
-            <a:r>
-              <a:rPr lang="ko-KR" altLang="en-US" dirty="0"/>
-              <a:t>암호화폐 거래소 실명계좌 발급에 은행이 난색을 표하는 이유이기도 한데요</a:t>
-            </a:r>
-            <a:r>
-              <a:rPr lang="en-US" altLang="ko-KR" dirty="0"/>
-              <a:t>.</a:t>
-            </a:r>
-          </a:p>
-          <a:p>
-            <a:endParaRPr lang="en-US" altLang="ko-KR" dirty="0"/>
-          </a:p>
-          <a:p>
-            <a:r>
-              <a:rPr lang="ko-KR" altLang="en-US" dirty="0"/>
-              <a:t>암호화폐는 태생적으로 고객 확인이 어렵습니다</a:t>
-            </a:r>
-            <a:r>
-              <a:rPr lang="en-US" altLang="ko-KR" dirty="0"/>
-              <a:t>. </a:t>
-            </a:r>
-            <a:r>
-              <a:rPr lang="ko-KR" altLang="en-US" dirty="0"/>
-              <a:t>거래 행위는 원장에 투명하게 기록되지만</a:t>
-            </a:r>
-            <a:r>
-              <a:rPr lang="en-US" altLang="ko-KR" dirty="0"/>
-              <a:t>, </a:t>
-            </a:r>
-            <a:r>
-              <a:rPr lang="ko-KR" altLang="en-US" dirty="0"/>
-              <a:t>거래 주체를 확인하기 어렵기 때문인데요</a:t>
-            </a:r>
-            <a:r>
-              <a:rPr lang="en-US" altLang="ko-KR" dirty="0"/>
-              <a:t>. </a:t>
-            </a:r>
-            <a:r>
-              <a:rPr lang="ko-KR" altLang="en-US" dirty="0"/>
-              <a:t>이 때문에</a:t>
-            </a:r>
-            <a:r>
-              <a:rPr lang="en-US" altLang="ko-KR" dirty="0"/>
-              <a:t>, </a:t>
-            </a:r>
-            <a:r>
-              <a:rPr lang="ko-KR" altLang="en-US" dirty="0"/>
-              <a:t>실명계좌 발급으로 얻는 수수료 이익보다 컴플라이언스 위반으로 부과될 수 있는 과징금 리스크가 더 크기 때문입니다</a:t>
-            </a:r>
-            <a:r>
-              <a:rPr lang="en-US" altLang="ko-KR" dirty="0"/>
-              <a:t>.</a:t>
-            </a:r>
-          </a:p>
-          <a:p>
-            <a:endParaRPr lang="en-US" altLang="ko-KR" dirty="0"/>
           </a:p>
         </p:txBody>
       </p:sp>
@@ -3732,7 +4165,22 @@
           <a:bodyPr/>
           <a:lstStyle/>
           <a:p>
-            <a:endParaRPr lang="en-US" altLang="ko-KR" dirty="0"/>
+            <a:r>
+              <a:rPr lang="ko-KR" altLang="en-US" dirty="0"/>
+              <a:t>전자 지불 서비스의 필수 요소인 </a:t>
+            </a:r>
+            <a:r>
+              <a:rPr lang="en-US" altLang="ko-KR" dirty="0"/>
+              <a:t>auth capture </a:t>
+            </a:r>
+            <a:r>
+              <a:rPr lang="ko-KR" altLang="en-US" dirty="0"/>
+              <a:t>패턴에 대해 알아보겠습니다</a:t>
+            </a:r>
+            <a:r>
+              <a:rPr lang="en-US" altLang="ko-KR" dirty="0"/>
+              <a:t>.</a:t>
+            </a:r>
           </a:p>
         </p:txBody>
       </p:sp>
@@ -3816,6 +4264,89 @@
           <a:bodyPr/>
           <a:lstStyle/>
           <a:p>
+            <a:r>
+              <a:rPr lang="ko-KR" altLang="en-US" dirty="0"/>
+              <a:t>플랫폼과 </a:t>
+            </a:r>
+            <a:r>
+              <a:rPr lang="en-US" altLang="ko-KR" dirty="0"/>
+              <a:t>PG</a:t>
+            </a:r>
+            <a:r>
+              <a:rPr lang="ko-KR" altLang="en-US" dirty="0"/>
+              <a:t>간 데이터가 동일 </a:t>
+            </a:r>
+            <a:r>
+              <a:rPr lang="en-US" altLang="ko-KR" dirty="0"/>
+              <a:t>DB </a:t>
+            </a:r>
+            <a:r>
+              <a:rPr lang="ko-KR" altLang="en-US" dirty="0"/>
+              <a:t>내에 있다면</a:t>
+            </a:r>
+            <a:r>
+              <a:rPr lang="en-US" altLang="ko-KR" dirty="0"/>
+              <a:t>, </a:t>
+            </a:r>
+            <a:r>
+              <a:rPr lang="ko-KR" altLang="en-US" dirty="0" err="1"/>
+              <a:t>트렌젝션을</a:t>
+            </a:r>
+            <a:r>
+              <a:rPr lang="ko-KR" altLang="en-US" dirty="0"/>
+              <a:t> 통해 데이터 일관성을 확보할 수 있습니다</a:t>
+            </a:r>
+            <a:r>
+              <a:rPr lang="en-US" altLang="ko-KR" dirty="0"/>
+              <a:t>.</a:t>
+            </a:r>
+          </a:p>
+          <a:p>
+            <a:endParaRPr lang="en-US" altLang="ko-KR" dirty="0"/>
+          </a:p>
+          <a:p>
+            <a:r>
+              <a:rPr lang="ko-KR" altLang="en-US" dirty="0"/>
+              <a:t>하지만</a:t>
+            </a:r>
+            <a:r>
+              <a:rPr lang="en-US" altLang="ko-KR" dirty="0"/>
+              <a:t>, </a:t>
+            </a:r>
+            <a:r>
+              <a:rPr lang="ko-KR" altLang="en-US" dirty="0"/>
+              <a:t>플랫폼과 </a:t>
+            </a:r>
+            <a:r>
+              <a:rPr lang="en-US" altLang="ko-KR" dirty="0"/>
+              <a:t>PG </a:t>
+            </a:r>
+            <a:r>
+              <a:rPr lang="ko-KR" altLang="en-US" dirty="0"/>
+              <a:t>는 서로 다른 시스템입니다</a:t>
+            </a:r>
+            <a:r>
+              <a:rPr lang="en-US" altLang="ko-KR" dirty="0"/>
+              <a:t>. </a:t>
+            </a:r>
+            <a:r>
+              <a:rPr lang="ko-KR" altLang="en-US" dirty="0"/>
+              <a:t>때문에 데이터 일관성을 확보하기 어렵고</a:t>
+            </a:r>
+            <a:r>
+              <a:rPr lang="en-US" altLang="ko-KR" dirty="0"/>
+              <a:t>, </a:t>
+            </a:r>
+            <a:r>
+              <a:rPr lang="ko-KR" altLang="en-US" dirty="0"/>
+              <a:t>이로 인해 치명적인 결함이 발생할 수 있습니다</a:t>
+            </a:r>
+            <a:r>
+              <a:rPr lang="en-US" altLang="ko-KR" dirty="0"/>
+              <a:t>.</a:t>
+            </a:r>
+          </a:p>
+          <a:p>
             <a:endParaRPr lang="en-US" altLang="ko-KR" dirty="0"/>
           </a:p>
         </p:txBody>
@@ -4068,6 +4599,45 @@
           <a:bodyPr/>
           <a:lstStyle/>
           <a:p>
+            <a:r>
+              <a:rPr lang="en-US" altLang="ko-KR" dirty="0"/>
+              <a:t>Auth-capture </a:t>
+            </a:r>
+            <a:r>
+              <a:rPr lang="ko-KR" altLang="en-US" dirty="0"/>
+              <a:t>패턴은</a:t>
+            </a:r>
+            <a:r>
+              <a:rPr lang="en-US" altLang="ko-KR" dirty="0"/>
+              <a:t>, DB</a:t>
+            </a:r>
+            <a:r>
+              <a:rPr lang="ko-KR" altLang="en-US" dirty="0"/>
+              <a:t>가 분리되어 </a:t>
+            </a:r>
+            <a:r>
+              <a:rPr lang="ko-KR" altLang="en-US" dirty="0" err="1"/>
+              <a:t>트렌젝션</a:t>
+            </a:r>
+            <a:r>
+              <a:rPr lang="ko-KR" altLang="en-US" dirty="0"/>
+              <a:t> 일관성이 보장되지 않는 이종 시스템 간에 데이터 일관성을 보장할 수 있습니다</a:t>
+            </a:r>
+            <a:r>
+              <a:rPr lang="en-US" altLang="ko-KR" dirty="0"/>
+              <a:t>.</a:t>
+            </a:r>
+          </a:p>
+          <a:p>
+            <a:endParaRPr lang="en-US" altLang="ko-KR" dirty="0"/>
+          </a:p>
+          <a:p>
+            <a:endParaRPr lang="en-US" altLang="ko-KR" dirty="0"/>
+          </a:p>
+          <a:p>
+            <a:endParaRPr lang="en-US" altLang="ko-KR" dirty="0"/>
+          </a:p>
+          <a:p>
             <a:endParaRPr lang="en-US" altLang="ko-KR" dirty="0"/>
           </a:p>
         </p:txBody>
@@ -4152,7 +4722,18 @@
           <a:bodyPr/>
           <a:lstStyle/>
           <a:p>
-            <a:endParaRPr lang="en-US" altLang="ko-KR" dirty="0"/>
+            <a:r>
+              <a:rPr lang="en-US" altLang="ko-KR" dirty="0"/>
+              <a:t>PG</a:t>
+            </a:r>
+            <a:r>
+              <a:rPr lang="ko-KR" altLang="en-US" dirty="0"/>
+              <a:t>사 연동을 이용한 결제 서비스를 설계해 보겠습니다</a:t>
+            </a:r>
+            <a:r>
+              <a:rPr lang="en-US" altLang="ko-KR" dirty="0"/>
+              <a:t>.</a:t>
+            </a:r>
           </a:p>
         </p:txBody>
       </p:sp>

--- a/99.ppt/[Ch4-7. 결제 서비스 구현.pptx
+++ b/99.ppt/[Ch4-7. 결제 서비스 구현.pptx
@@ -235,7 +235,7 @@
           <a:p>
             <a:fld id="{9B770909-2C76-4DF9-BB76-4EE283593418}" type="datetimeFigureOut">
               <a:rPr lang="ko-KR" altLang="en-US" smtClean="0"/>
-              <a:t>2023-10-11</a:t>
+              <a:t>2023-10-12</a:t>
             </a:fld>
             <a:endParaRPr lang="ko-KR" altLang="en-US"/>
           </a:p>
@@ -611,7 +611,7 @@
             </a:r>
             <a:r>
               <a:rPr lang="ko-KR" altLang="en-US" dirty="0"/>
-              <a:t>로컬 개발환경에서 구현해 볼 예정이고요</a:t>
+              <a:t>로컬 개발환경에서 구현할 예정이고요</a:t>
             </a:r>
             <a:r>
               <a:rPr lang="en-US" altLang="ko-KR" dirty="0"/>
@@ -688,11 +688,7 @@
             </a:r>
             <a:r>
               <a:rPr lang="ko-KR" altLang="en-US" dirty="0"/>
-              <a:t> 현재 근무하시는 곳에서의 문제 해결에 영감을 드릴 수 있었으면 하는 </a:t>
-            </a:r>
-            <a:r>
-              <a:rPr lang="ko-KR" altLang="en-US" dirty="0" err="1"/>
-              <a:t>바램입니다</a:t>
+              <a:t> 현재 근무하시는 곳에서의 문제 해결에 영감을 드릴 수 있으면 좋겠습니다</a:t>
             </a:r>
             <a:r>
               <a:rPr lang="en-US" altLang="ko-KR" dirty="0"/>
@@ -803,6 +799,10 @@
           <a:lstStyle/>
           <a:p>
             <a:r>
+              <a:rPr lang="ko-KR" altLang="en-US" dirty="0"/>
+              <a:t>먼저 </a:t>
+            </a:r>
+            <a:r>
               <a:rPr lang="en-US" altLang="ko-KR" dirty="0"/>
               <a:t>Sequence</a:t>
             </a:r>
@@ -816,7 +816,7 @@
             </a:r>
             <a:r>
               <a:rPr lang="ko-KR" altLang="en-US" dirty="0"/>
-              <a:t> 을 그려보겠습니다</a:t>
+              <a:t> 을 살펴보겠습니다</a:t>
             </a:r>
             <a:r>
               <a:rPr lang="en-US" altLang="ko-KR" dirty="0"/>
@@ -1080,7 +1080,7 @@
             </a:r>
             <a:r>
               <a:rPr lang="ko-KR" altLang="en-US" dirty="0"/>
-              <a:t>을 이용해 결제서비스를 디자인해보도록 하겠습니다</a:t>
+              <a:t>을 이용해 결제서비스를 디자인 하겠습니다</a:t>
             </a:r>
             <a:r>
               <a:rPr lang="en-US" altLang="ko-KR" dirty="0"/>
@@ -1560,7 +1560,11 @@
             </a:r>
             <a:r>
               <a:rPr lang="ko-KR" altLang="en-US" dirty="0"/>
-              <a:t>사와 결제를 연동해보는 실습도 진행해 보려 하는데요</a:t>
+              <a:t>사와 결제를 연동해 </a:t>
+            </a:r>
+            <a:r>
+              <a:rPr lang="ko-KR" altLang="en-US" dirty="0" err="1"/>
+              <a:t>볼껀데요</a:t>
             </a:r>
             <a:r>
               <a:rPr lang="en-US" altLang="ko-KR" dirty="0"/>
@@ -1607,11 +1611,11 @@
             </a:pPr>
             <a:r>
               <a:rPr lang="ko-KR" altLang="en-US" dirty="0"/>
-              <a:t>실 결제까지는 처리되지 않아야 하므로 </a:t>
-            </a:r>
-            <a:r>
-              <a:rPr lang="en-US" altLang="ko-KR" dirty="0"/>
-              <a:t>PG</a:t>
+              <a:t>진짜 결제가 일어나면 안되니까</a:t>
+            </a:r>
+            <a:r>
+              <a:rPr lang="en-US" altLang="ko-KR" dirty="0"/>
+              <a:t>, PG</a:t>
             </a:r>
             <a:r>
               <a:rPr lang="ko-KR" altLang="en-US" dirty="0"/>
@@ -1646,19 +1650,15 @@
             </a:pPr>
             <a:r>
               <a:rPr lang="ko-KR" altLang="en-US" dirty="0"/>
-              <a:t>로컬 개발환경에서 </a:t>
-            </a:r>
-            <a:r>
-              <a:rPr lang="en-US" altLang="ko-KR" dirty="0"/>
-              <a:t>PG</a:t>
-            </a:r>
-            <a:r>
-              <a:rPr lang="ko-KR" altLang="en-US" dirty="0"/>
-              <a:t>사 개발서버와 연동될 수 있어야 실습이 용이할 </a:t>
-            </a:r>
-            <a:r>
-              <a:rPr lang="ko-KR" altLang="en-US" dirty="0" err="1"/>
-              <a:t>꺼에요</a:t>
+              <a:t>이 개발서버는</a:t>
+            </a:r>
+            <a:r>
+              <a:rPr lang="en-US" altLang="ko-KR" dirty="0"/>
+              <a:t>, </a:t>
+            </a:r>
+            <a:r>
+              <a:rPr lang="ko-KR" altLang="en-US" dirty="0"/>
+              <a:t>로컬 개발환경에서 연동이 가능했으면 합니다</a:t>
             </a:r>
             <a:r>
               <a:rPr lang="en-US" altLang="ko-KR" dirty="0"/>
@@ -1784,7 +1784,7 @@
             </a:pPr>
             <a:r>
               <a:rPr lang="ko-KR" altLang="en-US" dirty="0"/>
-              <a:t>개발서버 접근키를 자체 심사 후 발급해주며</a:t>
+              <a:t>개발서버 접근키를 자체 심사 후 발급해주는데</a:t>
             </a:r>
             <a:r>
               <a:rPr lang="en-US" altLang="ko-KR" dirty="0"/>
@@ -1797,6 +1797,14 @@
             <a:r>
               <a:rPr lang="ko-KR" altLang="en-US" dirty="0"/>
               <a:t> 위해서는 사업자 등록번호가 필요합니다</a:t>
+            </a:r>
+            <a:r>
+              <a:rPr lang="en-US" altLang="ko-KR" dirty="0"/>
+              <a:t>. </a:t>
+            </a:r>
+            <a:r>
+              <a:rPr lang="ko-KR" altLang="en-US" dirty="0"/>
+              <a:t>사실상 개발서버 접근이 어렵습니다</a:t>
             </a:r>
             <a:r>
               <a:rPr lang="en-US" altLang="ko-KR" dirty="0"/>
@@ -1846,7 +1854,15 @@
             </a:pPr>
             <a:r>
               <a:rPr lang="ko-KR" altLang="en-US" dirty="0"/>
-              <a:t>비즈니스 계정 가입이 필요하고</a:t>
+              <a:t>비즈니스 계정 가입이 필요합니다</a:t>
+            </a:r>
+            <a:r>
+              <a:rPr lang="en-US" altLang="ko-KR" dirty="0"/>
+              <a:t>. </a:t>
+            </a:r>
+            <a:r>
+              <a:rPr lang="ko-KR" altLang="en-US" dirty="0"/>
+              <a:t>어렵진 않습니다만</a:t>
             </a:r>
             <a:r>
               <a:rPr lang="en-US" altLang="ko-KR" dirty="0"/>
@@ -1854,23 +1870,19 @@
             </a:r>
             <a:r>
               <a:rPr lang="ko-KR" altLang="en-US" dirty="0"/>
-              <a:t>한국에서의 전자 상거래는 </a:t>
+              <a:t>한국에서의 전자 상거래를 지원하지 않기 때문에</a:t>
+            </a:r>
+            <a:r>
+              <a:rPr lang="en-US" altLang="ko-KR" dirty="0"/>
+              <a:t>, </a:t>
+            </a:r>
+            <a:r>
+              <a:rPr lang="ko-KR" altLang="en-US" dirty="0"/>
+              <a:t>실습의 의의가 </a:t>
             </a:r>
             <a:r>
               <a:rPr lang="ko-KR" altLang="en-US" dirty="0" err="1"/>
-              <a:t>미지원합니다</a:t>
-            </a:r>
-            <a:r>
-              <a:rPr lang="en-US" altLang="ko-KR" dirty="0"/>
-              <a:t>. </a:t>
-            </a:r>
-            <a:r>
-              <a:rPr lang="ko-KR" altLang="en-US" dirty="0" err="1"/>
-              <a:t>이커머스</a:t>
-            </a:r>
-            <a:r>
-              <a:rPr lang="ko-KR" altLang="en-US" dirty="0"/>
-              <a:t> 플랫폼 구현에는 사용이 어렵습니다</a:t>
+              <a:t>적어보였습니다</a:t>
             </a:r>
             <a:r>
               <a:rPr lang="en-US" altLang="ko-KR" dirty="0"/>
@@ -1928,7 +1940,7 @@
             </a:r>
             <a:r>
               <a:rPr lang="ko-KR" altLang="en-US" dirty="0" err="1"/>
-              <a:t>불가해졌습니다</a:t>
+              <a:t>불가능해졌습니다</a:t>
             </a:r>
             <a:r>
               <a:rPr lang="en-US" altLang="ko-KR" dirty="0"/>
@@ -2041,7 +2053,7 @@
             </a:pPr>
             <a:r>
               <a:rPr lang="ko-KR" altLang="en-US" dirty="0"/>
-              <a:t>임의 가입은 가능합니다만</a:t>
+              <a:t>임의 가입을 통한 개발서버 접근 가능합니다만</a:t>
             </a:r>
             <a:r>
               <a:rPr lang="en-US" altLang="ko-KR" dirty="0"/>
@@ -2049,11 +2061,19 @@
             </a:r>
             <a:r>
               <a:rPr lang="ko-KR" altLang="en-US" dirty="0"/>
-              <a:t>각종 보안 체크때문에</a:t>
-            </a:r>
-            <a:r>
-              <a:rPr lang="en-US" altLang="ko-KR" dirty="0"/>
-              <a:t>, public </a:t>
+              <a:t>로컬 개발환경에서의 연동이 다소 어렵습니다</a:t>
+            </a:r>
+            <a:r>
+              <a:rPr lang="en-US" altLang="ko-KR" dirty="0"/>
+              <a:t>. </a:t>
+            </a:r>
+            <a:r>
+              <a:rPr lang="ko-KR" altLang="en-US" dirty="0"/>
+              <a:t>안되는 건 아닌데</a:t>
+            </a:r>
+            <a:r>
+              <a:rPr lang="en-US" altLang="ko-KR" dirty="0"/>
+              <a:t>… public </a:t>
             </a:r>
             <a:r>
               <a:rPr lang="ko-KR" altLang="en-US" dirty="0"/>
@@ -2112,7 +2132,7 @@
             </a:pPr>
             <a:r>
               <a:rPr lang="ko-KR" altLang="en-US" dirty="0"/>
-              <a:t>임의 가입이 가능하며</a:t>
+              <a:t>임의 가입을 통한 개발서버 접근</a:t>
             </a:r>
             <a:r>
               <a:rPr lang="en-US" altLang="ko-KR" dirty="0"/>
@@ -2120,7 +2140,7 @@
             </a:r>
             <a:r>
               <a:rPr lang="ko-KR" altLang="en-US" dirty="0"/>
-              <a:t>로컬 개발환경에서 깔끔하게 동작합니다</a:t>
+              <a:t>그리고 로컬 개발환경에서의 연동 모두 가능합니다</a:t>
             </a:r>
             <a:r>
               <a:rPr lang="en-US" altLang="ko-KR" dirty="0"/>
@@ -2155,7 +2175,7 @@
             </a:r>
             <a:r>
               <a:rPr lang="ko-KR" altLang="en-US" dirty="0"/>
-              <a:t>구조가 가장 깔끔하고 문서가 잘 정리되어 있습니다</a:t>
+              <a:t>구성이 매우 깔끔하고 문서가 잘 정리되어 있습니다</a:t>
             </a:r>
             <a:r>
               <a:rPr lang="en-US" altLang="ko-KR" dirty="0"/>
@@ -2163,7 +2183,7 @@
             </a:r>
             <a:r>
               <a:rPr lang="ko-KR" altLang="en-US" dirty="0"/>
-              <a:t>연동이 </a:t>
+              <a:t>그리고 </a:t>
             </a:r>
             <a:r>
               <a:rPr lang="en-US" altLang="ko-KR" dirty="0"/>
@@ -2171,12 +2191,17 @@
             </a:r>
             <a:r>
               <a:rPr lang="ko-KR" altLang="en-US" dirty="0"/>
-              <a:t>만큼이나 편합니다</a:t>
+              <a:t>만큼이나 연동이 쉽습니다</a:t>
             </a:r>
             <a:r>
               <a:rPr lang="en-US" altLang="ko-KR" dirty="0"/>
               <a:t>.</a:t>
             </a:r>
+            <a:r>
+              <a:rPr lang="ko-KR" altLang="en-US" dirty="0"/>
+              <a:t> </a:t>
+            </a:r>
+            <a:endParaRPr lang="en-US" altLang="ko-KR" dirty="0"/>
           </a:p>
           <a:p>
             <a:pPr marL="514350" marR="0" lvl="1" indent="-171450" algn="l" defTabSz="685800" rtl="0" eaLnBrk="1" fontAlgn="auto" latinLnBrk="1" hangingPunct="1">
@@ -2196,6 +2221,14 @@
               <a:tabLst/>
               <a:defRPr/>
             </a:pPr>
+            <a:r>
+              <a:rPr lang="ko-KR" altLang="en-US" dirty="0"/>
+              <a:t>이것도 정말 좋은 장점인데</a:t>
+            </a:r>
+            <a:r>
+              <a:rPr lang="en-US" altLang="ko-KR" dirty="0"/>
+              <a:t>… </a:t>
+            </a:r>
             <a:r>
               <a:rPr lang="ko-KR" altLang="en-US" dirty="0"/>
               <a:t>각종 페이 및 카드결제를 통합 지원하기 때문에</a:t>
@@ -2352,7 +2385,77 @@
               <a:tabLst/>
               <a:defRPr/>
             </a:pPr>
+            <a:r>
+              <a:rPr lang="ko-KR" altLang="en-US" dirty="0"/>
+              <a:t>그러면</a:t>
+            </a:r>
+            <a:r>
+              <a:rPr lang="en-US" altLang="ko-KR" dirty="0"/>
+              <a:t>, </a:t>
+            </a:r>
+            <a:r>
+              <a:rPr lang="ko-KR" altLang="en-US" dirty="0"/>
+              <a:t>토스 페이 연동을 위해</a:t>
+            </a:r>
+            <a:r>
+              <a:rPr lang="en-US" altLang="ko-KR" dirty="0"/>
+              <a:t>, API </a:t>
+            </a:r>
+            <a:r>
+              <a:rPr lang="ko-KR" altLang="en-US" dirty="0"/>
+              <a:t>사용 신청을 해 보겠습니다</a:t>
+            </a:r>
+            <a:r>
+              <a:rPr lang="en-US" altLang="ko-KR" dirty="0"/>
+              <a:t>.</a:t>
+            </a:r>
+          </a:p>
+          <a:p>
+            <a:pPr marL="0" marR="0" lvl="0" indent="0" algn="l" defTabSz="685800" rtl="0" eaLnBrk="1" fontAlgn="auto" latinLnBrk="1" hangingPunct="1">
+              <a:lnSpc>
+                <a:spcPct val="100000"/>
+              </a:lnSpc>
+              <a:spcBef>
+                <a:spcPts val="0"/>
+              </a:spcBef>
+              <a:spcAft>
+                <a:spcPts val="0"/>
+              </a:spcAft>
+              <a:buClrTx/>
+              <a:buSzTx/>
+              <a:buFontTx/>
+              <a:buNone/>
+              <a:tabLst/>
+              <a:defRPr/>
+            </a:pPr>
             <a:endParaRPr lang="en-US" altLang="ko-KR" dirty="0"/>
+          </a:p>
+          <a:p>
+            <a:pPr marL="0" marR="0" lvl="0" indent="0" algn="l" defTabSz="685800" rtl="0" eaLnBrk="1" fontAlgn="auto" latinLnBrk="1" hangingPunct="1">
+              <a:lnSpc>
+                <a:spcPct val="100000"/>
+              </a:lnSpc>
+              <a:spcBef>
+                <a:spcPts val="0"/>
+              </a:spcBef>
+              <a:spcAft>
+                <a:spcPts val="0"/>
+              </a:spcAft>
+              <a:buClrTx/>
+              <a:buSzTx/>
+              <a:buFontTx/>
+              <a:buNone/>
+              <a:tabLst/>
+              <a:defRPr/>
+            </a:pPr>
+            <a:r>
+              <a:rPr lang="ko-KR" altLang="en-US" dirty="0"/>
+              <a:t>먼저 토스 페이 개발자 센터로 가주세요</a:t>
+            </a:r>
+            <a:r>
+              <a:rPr lang="en-US" altLang="ko-KR" dirty="0"/>
+              <a:t>.</a:t>
+            </a:r>
           </a:p>
         </p:txBody>
       </p:sp>
@@ -2438,6 +2541,19 @@
           <a:p>
             <a:r>
               <a:rPr lang="ko-KR" altLang="en-US" dirty="0"/>
+              <a:t>먼저 결제서비스부터 알아보겠습니다</a:t>
+            </a:r>
+            <a:r>
+              <a:rPr lang="en-US" altLang="ko-KR" dirty="0"/>
+              <a:t>.</a:t>
+            </a:r>
+          </a:p>
+          <a:p>
+            <a:endParaRPr lang="en-US" altLang="ko-KR" dirty="0"/>
+          </a:p>
+          <a:p>
+            <a:r>
+              <a:rPr lang="ko-KR" altLang="en-US" dirty="0"/>
               <a:t>결제서비스란 구매자의 지갑에서 돈을 </a:t>
             </a:r>
             <a:r>
@@ -2450,7 +2566,7 @@
             </a:r>
             <a:r>
               <a:rPr lang="ko-KR" altLang="en-US" dirty="0"/>
-              <a:t>판매자의 지갑에 배분하는 서비스입니다</a:t>
+              <a:t>판매자의 지갑에 돈 배분하는 서비스입니다</a:t>
             </a:r>
             <a:r>
               <a:rPr lang="en-US" altLang="ko-KR" dirty="0"/>
@@ -2475,19 +2591,11 @@
             </a:r>
             <a:r>
               <a:rPr lang="en-US" altLang="ko-KR" dirty="0"/>
-              <a:t>Pay-in </a:t>
-            </a:r>
-            <a:r>
-              <a:rPr lang="ko-KR" altLang="en-US" dirty="0"/>
-              <a:t>이라 하고</a:t>
-            </a:r>
-            <a:r>
-              <a:rPr lang="en-US" altLang="ko-KR" dirty="0"/>
-              <a:t>, </a:t>
-            </a:r>
-            <a:r>
-              <a:rPr lang="ko-KR" altLang="en-US" dirty="0"/>
-              <a:t>판매자의 지갑에 돈을 배분하는 과정은 </a:t>
+              <a:t>Pay-in, </a:t>
+            </a:r>
+            <a:r>
+              <a:rPr lang="ko-KR" altLang="en-US" dirty="0"/>
+              <a:t>그리고 판매자의 지갑에 돈을 배분하는 과정은 </a:t>
             </a:r>
             <a:r>
               <a:rPr lang="en-US" altLang="ko-KR" dirty="0"/>
@@ -2501,6 +2609,49 @@
               <a:rPr lang="en-US" altLang="ko-KR" dirty="0"/>
               <a:t>.</a:t>
             </a:r>
+          </a:p>
+          <a:p>
+            <a:endParaRPr lang="en-US" altLang="ko-KR" dirty="0"/>
+          </a:p>
+          <a:p>
+            <a:r>
+              <a:rPr lang="ko-KR" altLang="en-US" dirty="0"/>
+              <a:t>구매자의 지갑에서 돈을 </a:t>
+            </a:r>
+            <a:r>
+              <a:rPr lang="ko-KR" altLang="en-US" dirty="0" err="1"/>
+              <a:t>꺼내와야</a:t>
+            </a:r>
+            <a:r>
+              <a:rPr lang="ko-KR" altLang="en-US" dirty="0"/>
+              <a:t> 하기 때문에</a:t>
+            </a:r>
+            <a:r>
+              <a:rPr lang="en-US" altLang="ko-KR" dirty="0"/>
+              <a:t>,</a:t>
+            </a:r>
+            <a:r>
+              <a:rPr lang="ko-KR" altLang="en-US" dirty="0"/>
+              <a:t> 이런 서비스가 작동하기 위해서는 신뢰받는 제</a:t>
+            </a:r>
+            <a:r>
+              <a:rPr lang="en-US" altLang="ko-KR" dirty="0"/>
+              <a:t>3</a:t>
+            </a:r>
+            <a:r>
+              <a:rPr lang="ko-KR" altLang="en-US" dirty="0"/>
+              <a:t>자가 반드시 필요합니다</a:t>
+            </a:r>
+            <a:r>
+              <a:rPr lang="en-US" altLang="ko-KR" dirty="0"/>
+              <a:t>.</a:t>
+            </a:r>
+          </a:p>
+          <a:p>
+            <a:endParaRPr lang="en-US" altLang="ko-KR" dirty="0"/>
+          </a:p>
+          <a:p>
+            <a:endParaRPr lang="en-US" altLang="ko-KR" dirty="0"/>
           </a:p>
           <a:p>
             <a:endParaRPr lang="en-US" altLang="ko-KR" dirty="0"/>
@@ -3177,11 +3328,15 @@
             </a:r>
             <a:r>
               <a:rPr lang="ko-KR" altLang="en-US" dirty="0"/>
-              <a:t>고객의 지갑에서 플랫폼의 지갑으로 돈을 </a:t>
+              <a:t>이제 고객의 지갑에서 플랫폼의 지갑으로 돈을 </a:t>
             </a:r>
             <a:r>
               <a:rPr lang="ko-KR" altLang="en-US" dirty="0" err="1"/>
-              <a:t>꺼내옵니다</a:t>
+              <a:t>꺼내와야</a:t>
+            </a:r>
+            <a:r>
+              <a:rPr lang="ko-KR" altLang="en-US" dirty="0"/>
+              <a:t> 합니다</a:t>
             </a:r>
             <a:r>
               <a:rPr lang="en-US" altLang="ko-KR" dirty="0"/>
@@ -3194,7 +3349,7 @@
           <a:p>
             <a:r>
               <a:rPr lang="ko-KR" altLang="en-US" dirty="0"/>
-              <a:t>결제 서비스에서 직접 고객의 카드번호를 관리해 </a:t>
+              <a:t>결제 서비스에서 고객의 카드번호를 관리하고 직접 </a:t>
             </a:r>
             <a:r>
               <a:rPr lang="ko-KR" altLang="en-US" dirty="0" err="1"/>
@@ -3202,11 +3357,72 @@
             </a:r>
             <a:r>
               <a:rPr lang="ko-KR" altLang="en-US" dirty="0"/>
-              <a:t> 것도 가능은 합니다만</a:t>
-            </a:r>
-            <a:r>
-              <a:rPr lang="en-US" altLang="ko-KR" dirty="0"/>
-              <a:t>, Payment Gateway, </a:t>
+              <a:t> 것도 가능은 합니다</a:t>
+            </a:r>
+            <a:r>
+              <a:rPr lang="en-US" altLang="ko-KR" dirty="0"/>
+              <a:t>. </a:t>
+            </a:r>
+            <a:r>
+              <a:rPr lang="ko-KR" altLang="en-US" dirty="0"/>
+              <a:t>하지만</a:t>
+            </a:r>
+            <a:r>
+              <a:rPr lang="en-US" altLang="ko-KR" dirty="0"/>
+              <a:t>, </a:t>
+            </a:r>
+            <a:r>
+              <a:rPr lang="ko-KR" altLang="en-US" dirty="0"/>
+              <a:t>인프라 구축 및 컴플라이언스 준수를 위해 상당한 예산이 들어갈 뿐 아니라</a:t>
+            </a:r>
+            <a:r>
+              <a:rPr lang="en-US" altLang="ko-KR" dirty="0"/>
+              <a:t>, </a:t>
+            </a:r>
+            <a:r>
+              <a:rPr lang="ko-KR" altLang="en-US" dirty="0"/>
+              <a:t>위반시 페널티가 너무 셉니다</a:t>
+            </a:r>
+            <a:r>
+              <a:rPr lang="en-US" altLang="ko-KR" dirty="0"/>
+              <a:t>. </a:t>
+            </a:r>
+            <a:r>
+              <a:rPr lang="ko-KR" altLang="en-US" dirty="0"/>
+              <a:t>왠만한 회사는 존폐 위기에 몰릴 정도로 액수가 상당합니다</a:t>
+            </a:r>
+            <a:r>
+              <a:rPr lang="en-US" altLang="ko-KR" dirty="0"/>
+              <a:t>.</a:t>
+            </a:r>
+          </a:p>
+          <a:p>
+            <a:endParaRPr lang="en-US" altLang="ko-KR" dirty="0"/>
+          </a:p>
+          <a:p>
+            <a:r>
+              <a:rPr lang="ko-KR" altLang="en-US" dirty="0"/>
+              <a:t>때문에</a:t>
+            </a:r>
+            <a:r>
+              <a:rPr lang="en-US" altLang="ko-KR" dirty="0"/>
+              <a:t>, </a:t>
+            </a:r>
+            <a:r>
+              <a:rPr lang="ko-KR" altLang="en-US" dirty="0"/>
+              <a:t>직접 고객의 돈을 </a:t>
+            </a:r>
+            <a:r>
+              <a:rPr lang="ko-KR" altLang="en-US" dirty="0" err="1"/>
+              <a:t>빼오지</a:t>
+            </a:r>
+            <a:r>
+              <a:rPr lang="ko-KR" altLang="en-US" dirty="0"/>
+              <a:t> 않고</a:t>
+            </a:r>
+            <a:r>
+              <a:rPr lang="en-US" altLang="ko-KR" dirty="0"/>
+              <a:t>, </a:t>
             </a:r>
             <a:r>
               <a:rPr lang="ko-KR" altLang="en-US" dirty="0"/>
@@ -3214,48 +3430,24 @@
             </a:r>
             <a:r>
               <a:rPr lang="en-US" altLang="ko-KR" dirty="0"/>
-              <a:t>Payment Service Provider</a:t>
-            </a:r>
-            <a:r>
-              <a:rPr lang="ko-KR" altLang="en-US" dirty="0"/>
-              <a:t>를 이용하면</a:t>
-            </a:r>
-            <a:r>
-              <a:rPr lang="en-US" altLang="ko-KR" dirty="0"/>
-              <a:t>,</a:t>
-            </a:r>
-            <a:r>
-              <a:rPr lang="ko-KR" altLang="en-US" dirty="0"/>
-              <a:t> 결제 안정성을 확보하고</a:t>
-            </a:r>
-            <a:r>
-              <a:rPr lang="en-US" altLang="ko-KR" dirty="0"/>
-              <a:t>, </a:t>
-            </a:r>
-            <a:r>
-              <a:rPr lang="ko-KR" altLang="en-US" dirty="0"/>
-              <a:t>보안 인프라 구축비용을 아낄 수 있을 뿐 아니라</a:t>
-            </a:r>
-            <a:r>
-              <a:rPr lang="en-US" altLang="ko-KR" dirty="0"/>
-              <a:t>,</a:t>
-            </a:r>
-            <a:r>
-              <a:rPr lang="ko-KR" altLang="en-US" dirty="0"/>
-              <a:t> 컴플라이언스 위반으로 야기되는 막대한 과징금을 피할 수 있습니다</a:t>
+              <a:t>PSP, Payment Service Provider</a:t>
+            </a:r>
+            <a:r>
+              <a:rPr lang="ko-KR" altLang="en-US" dirty="0"/>
+              <a:t>라고도 하는 </a:t>
+            </a:r>
+            <a:r>
+              <a:rPr lang="en-US" altLang="ko-KR" dirty="0"/>
+              <a:t>Payment Gateway </a:t>
+            </a:r>
+            <a:r>
+              <a:rPr lang="ko-KR" altLang="en-US" dirty="0"/>
+              <a:t>를 통해 출금 처리를 대행합니다</a:t>
             </a:r>
             <a:r>
               <a:rPr lang="en-US" altLang="ko-KR" dirty="0"/>
               <a:t>. </a:t>
             </a:r>
-            <a:r>
-              <a:rPr lang="ko-KR" altLang="en-US" dirty="0"/>
-              <a:t>컴플라이언스 위반에 따른 페널티는 중소 회사의 경우 회사의 존폐를 결정할 정도로 상당한 금액이 부과될 수 있습니다</a:t>
-            </a:r>
-            <a:r>
-              <a:rPr lang="en-US" altLang="ko-KR" dirty="0"/>
-              <a:t>.</a:t>
-            </a:r>
           </a:p>
           <a:p>
             <a:endParaRPr lang="en-US" altLang="ko-KR" dirty="0"/>
@@ -3263,11 +3455,11 @@
           <a:p>
             <a:r>
               <a:rPr lang="en-US" altLang="ko-KR" dirty="0"/>
-              <a:t>PSP </a:t>
-            </a:r>
-            <a:r>
-              <a:rPr lang="ko-KR" altLang="en-US" dirty="0"/>
-              <a:t>에서 제공하는 보안 기능은 다음과 같습니다</a:t>
+              <a:t>PG </a:t>
+            </a:r>
+            <a:r>
+              <a:rPr lang="ko-KR" altLang="en-US" dirty="0"/>
+              <a:t>에서 제공하는 컴플라이언스는 다음과 같습니다</a:t>
             </a:r>
             <a:r>
               <a:rPr lang="en-US" altLang="ko-KR" dirty="0"/>
@@ -3343,15 +3535,7 @@
             </a:r>
             <a:r>
               <a:rPr lang="ko-KR" altLang="en-US" dirty="0"/>
-              <a:t> 환경에서 개발을 해야 하고</a:t>
-            </a:r>
-            <a:r>
-              <a:rPr lang="en-US" altLang="ko-KR" dirty="0"/>
-              <a:t>, copy &amp; paste </a:t>
-            </a:r>
-            <a:r>
-              <a:rPr lang="ko-KR" altLang="en-US" dirty="0"/>
-              <a:t>안되고</a:t>
+              <a:t> 환경이라고</a:t>
             </a:r>
             <a:r>
               <a:rPr lang="en-US" altLang="ko-KR" dirty="0"/>
@@ -3359,6 +3543,30 @@
             </a:r>
             <a:r>
               <a:rPr lang="ko-KR" altLang="en-US" dirty="0"/>
+              <a:t>외부 네트워크와 격리된 환경에서 개발을 해야 합니다</a:t>
+            </a:r>
+            <a:r>
+              <a:rPr lang="en-US" altLang="ko-KR" dirty="0"/>
+              <a:t>. </a:t>
+            </a:r>
+            <a:r>
+              <a:rPr lang="ko-KR" altLang="en-US" dirty="0"/>
+              <a:t>그래서</a:t>
+            </a:r>
+            <a:r>
+              <a:rPr lang="en-US" altLang="ko-KR" dirty="0"/>
+              <a:t> copy &amp; paste </a:t>
+            </a:r>
+            <a:r>
+              <a:rPr lang="ko-KR" altLang="en-US" dirty="0"/>
+              <a:t>조차 안됩니다</a:t>
+            </a:r>
+            <a:r>
+              <a:rPr lang="en-US" altLang="ko-KR" dirty="0"/>
+              <a:t>. </a:t>
+            </a:r>
+            <a:r>
+              <a:rPr lang="ko-KR" altLang="en-US" dirty="0"/>
               <a:t>문서를 포함한 모든 절차가 엄격하게 통제되기 때문에</a:t>
             </a:r>
             <a:r>
@@ -3397,7 +3605,7 @@
             </a:r>
             <a:r>
               <a:rPr lang="ko-KR" altLang="en-US" dirty="0"/>
-              <a:t>은 이 전자금융법보다 준수가 더 어렵습니다</a:t>
+              <a:t>은 이 전자금융법보다도 더 까다롭습니다</a:t>
             </a:r>
             <a:r>
               <a:rPr lang="en-US" altLang="ko-KR" dirty="0"/>
@@ -3411,15 +3619,7 @@
             </a:r>
             <a:r>
               <a:rPr lang="ko-KR" altLang="en-US" dirty="0"/>
-              <a:t>고객의 카드 정보를 관리하려면 레벨 </a:t>
-            </a:r>
-            <a:r>
-              <a:rPr lang="en-US" altLang="ko-KR" dirty="0"/>
-              <a:t>1</a:t>
-            </a:r>
-            <a:r>
-              <a:rPr lang="ko-KR" altLang="en-US" dirty="0"/>
-              <a:t>이 반드시 필요한데</a:t>
+              <a:t>이런 환경은 구축도 어렵고</a:t>
             </a:r>
             <a:r>
               <a:rPr lang="en-US" altLang="ko-KR" dirty="0"/>
@@ -3427,64 +3627,19 @@
             </a:r>
             <a:r>
               <a:rPr lang="ko-KR" altLang="en-US" dirty="0"/>
-              <a:t>네트워크 보안</a:t>
-            </a:r>
-            <a:r>
-              <a:rPr lang="en-US" altLang="ko-KR" dirty="0"/>
-              <a:t>, </a:t>
-            </a:r>
-            <a:r>
-              <a:rPr lang="ko-KR" altLang="en-US" dirty="0"/>
-              <a:t>카드 소유자 데이터 보호</a:t>
-            </a:r>
-            <a:r>
-              <a:rPr lang="en-US" altLang="ko-KR" dirty="0"/>
-              <a:t>, </a:t>
-            </a:r>
-            <a:r>
-              <a:rPr lang="ko-KR" altLang="en-US" dirty="0"/>
-              <a:t>취약점 관리 등 </a:t>
-            </a:r>
-            <a:r>
-              <a:rPr lang="en-US" altLang="ko-KR" dirty="0"/>
-              <a:t>12</a:t>
-            </a:r>
-            <a:r>
-              <a:rPr lang="ko-KR" altLang="en-US" dirty="0"/>
-              <a:t>개 영역 </a:t>
-            </a:r>
-            <a:r>
-              <a:rPr lang="en-US" altLang="ko-KR" dirty="0"/>
-              <a:t>415</a:t>
-            </a:r>
-            <a:r>
-              <a:rPr lang="ko-KR" altLang="en-US" dirty="0"/>
-              <a:t>개 세부항목을 매년 엄격하게 평가받아야 하거든요</a:t>
-            </a:r>
-            <a:r>
-              <a:rPr lang="en-US" altLang="ko-KR" dirty="0"/>
-              <a:t>.</a:t>
-            </a:r>
-          </a:p>
-          <a:p>
-            <a:endParaRPr lang="en-US" altLang="ko-KR" dirty="0"/>
-          </a:p>
-          <a:p>
-            <a:r>
-              <a:rPr lang="en-US" altLang="ko-KR" dirty="0"/>
-              <a:t>PSD2(Payment Services Directive version 2)</a:t>
-            </a:r>
-            <a:r>
-              <a:rPr lang="ko-KR" altLang="en-US" dirty="0"/>
-              <a:t>라는</a:t>
-            </a:r>
-            <a:r>
-              <a:rPr lang="en-US" altLang="ko-KR" dirty="0"/>
-              <a:t>, </a:t>
-            </a:r>
-            <a:r>
-              <a:rPr lang="ko-KR" altLang="en-US" dirty="0"/>
-              <a:t>유럽 지급위원회에서 만든 보안표준도 제공합니다</a:t>
+              <a:t>엔지니어들 몸값도 상당이 높습니다</a:t>
+            </a:r>
+            <a:r>
+              <a:rPr lang="en-US" altLang="ko-KR" dirty="0"/>
+              <a:t>. PG</a:t>
+            </a:r>
+            <a:r>
+              <a:rPr lang="ko-KR" altLang="en-US" dirty="0"/>
+              <a:t>를 도입하면 이런 비용을 치루지 않아도 </a:t>
+            </a:r>
+            <a:r>
+              <a:rPr lang="ko-KR" altLang="en-US" dirty="0" err="1"/>
+              <a:t>되는거죠</a:t>
             </a:r>
             <a:r>
               <a:rPr lang="en-US" altLang="ko-KR" dirty="0"/>
@@ -3644,9 +3799,12 @@
             </a:r>
           </a:p>
           <a:p>
-            <a:r>
-              <a:rPr lang="ko-KR" altLang="en-US" dirty="0"/>
-              <a:t>컴플라이언스를 갖추지 못했다면</a:t>
+            <a:endParaRPr lang="en-US" altLang="ko-KR" dirty="0"/>
+          </a:p>
+          <a:p>
+            <a:r>
+              <a:rPr lang="ko-KR" altLang="en-US" dirty="0"/>
+              <a:t>조금 다른 예인데</a:t>
             </a:r>
             <a:r>
               <a:rPr lang="en-US" altLang="ko-KR" dirty="0"/>
@@ -3654,7 +3812,15 @@
             </a:r>
             <a:r>
               <a:rPr lang="ko-KR" altLang="en-US" dirty="0"/>
-              <a:t>왠만한 회사는 망하는데요</a:t>
+              <a:t>은행이 암호화폐 거래소 실명계좌 발급을 잘 </a:t>
+            </a:r>
+            <a:r>
+              <a:rPr lang="ko-KR" altLang="en-US" dirty="0" err="1"/>
+              <a:t>안해주려는</a:t>
+            </a:r>
+            <a:r>
+              <a:rPr lang="ko-KR" altLang="en-US" dirty="0"/>
+              <a:t> 이유도 이 컴플라이언스 리스크 때문입니다</a:t>
             </a:r>
             <a:r>
               <a:rPr lang="en-US" altLang="ko-KR" dirty="0"/>
@@ -3662,9 +3828,20 @@
             </a:r>
           </a:p>
           <a:p>
-            <a:r>
-              <a:rPr lang="ko-KR" altLang="en-US" dirty="0"/>
-              <a:t>심지어 은행조차</a:t>
+            <a:endParaRPr lang="en-US" altLang="ko-KR" dirty="0"/>
+          </a:p>
+          <a:p>
+            <a:r>
+              <a:rPr lang="ko-KR" altLang="en-US" dirty="0"/>
+              <a:t>암호화폐는 태생적으로 고객 확인이 어렵습니다</a:t>
+            </a:r>
+            <a:r>
+              <a:rPr lang="en-US" altLang="ko-KR" dirty="0"/>
+              <a:t>. </a:t>
+            </a:r>
+            <a:r>
+              <a:rPr lang="ko-KR" altLang="en-US" dirty="0"/>
+              <a:t>거래 행위 자체는 원장에 투명하게 기록되지만</a:t>
             </a:r>
             <a:r>
               <a:rPr lang="en-US" altLang="ko-KR" dirty="0"/>
@@ -3672,20 +3849,30 @@
             </a:r>
             <a:r>
               <a:rPr lang="ko-KR" altLang="en-US" dirty="0"/>
-              <a:t>암호화폐 거래소 실명계좌 발급에 난색을 표하는 이유가 바로 이 때문입니다</a:t>
+              <a:t>거래 주체는 확인이 어렵거든요</a:t>
             </a:r>
             <a:r>
               <a:rPr lang="en-US" altLang="ko-KR" dirty="0"/>
               <a:t>.</a:t>
             </a:r>
-          </a:p>
-          <a:p>
+            <a:r>
+              <a:rPr lang="ko-KR" altLang="en-US" dirty="0"/>
+              <a:t> </a:t>
+            </a:r>
             <a:endParaRPr lang="en-US" altLang="ko-KR" dirty="0"/>
           </a:p>
           <a:p>
             <a:r>
               <a:rPr lang="ko-KR" altLang="en-US" dirty="0"/>
-              <a:t>암호화폐는 태생적으로 고객 확인이 어렵습니다</a:t>
+              <a:t>때문에</a:t>
+            </a:r>
+            <a:r>
+              <a:rPr lang="en-US" altLang="ko-KR" dirty="0"/>
+              <a:t>, </a:t>
+            </a:r>
+            <a:r>
+              <a:rPr lang="ko-KR" altLang="en-US" dirty="0"/>
+              <a:t>실명계좌 발급으로 얻는 수수료 이익보다 컴플라이언스 위반으로 부과될 수 있는 과징금 리스크가 더 큽니다</a:t>
             </a:r>
             <a:r>
               <a:rPr lang="en-US" altLang="ko-KR" dirty="0"/>
@@ -3693,7 +3880,70 @@
             </a:r>
             <a:r>
               <a:rPr lang="ko-KR" altLang="en-US" dirty="0"/>
-              <a:t>거래 행위는 원장에 투명하게 기록되지만</a:t>
+              <a:t>그래서 실명계좌 발급 </a:t>
+            </a:r>
+            <a:r>
+              <a:rPr lang="ko-KR" altLang="en-US" dirty="0" err="1"/>
+              <a:t>안해주려는</a:t>
+            </a:r>
+            <a:r>
+              <a:rPr lang="ko-KR" altLang="en-US" dirty="0"/>
+              <a:t> </a:t>
+            </a:r>
+            <a:r>
+              <a:rPr lang="ko-KR" altLang="en-US" dirty="0" err="1"/>
+              <a:t>거에요</a:t>
+            </a:r>
+            <a:r>
+              <a:rPr lang="en-US" altLang="ko-KR" dirty="0"/>
+              <a:t>.</a:t>
+            </a:r>
+          </a:p>
+          <a:p>
+            <a:endParaRPr lang="en-US" altLang="ko-KR" dirty="0"/>
+          </a:p>
+          <a:p>
+            <a:r>
+              <a:rPr lang="ko-KR" altLang="en-US" dirty="0"/>
+              <a:t>또한</a:t>
+            </a:r>
+            <a:r>
+              <a:rPr lang="en-US" altLang="ko-KR" dirty="0"/>
+              <a:t>, PG</a:t>
+            </a:r>
+            <a:r>
+              <a:rPr lang="ko-KR" altLang="en-US" dirty="0"/>
+              <a:t>는 단일 인터페이스를 제공한다는 장점이 있습니다</a:t>
+            </a:r>
+            <a:r>
+              <a:rPr lang="en-US" altLang="ko-KR" dirty="0"/>
+              <a:t>. </a:t>
+            </a:r>
+          </a:p>
+          <a:p>
+            <a:endParaRPr lang="en-US" altLang="ko-KR" dirty="0"/>
+          </a:p>
+          <a:p>
+            <a:pPr marL="0" marR="0" lvl="0" indent="0" algn="l" defTabSz="685800" rtl="0" eaLnBrk="1" fontAlgn="auto" latinLnBrk="1" hangingPunct="1">
+              <a:lnSpc>
+                <a:spcPct val="100000"/>
+              </a:lnSpc>
+              <a:spcBef>
+                <a:spcPts val="0"/>
+              </a:spcBef>
+              <a:spcAft>
+                <a:spcPts val="0"/>
+              </a:spcAft>
+              <a:buClrTx/>
+              <a:buSzTx/>
+              <a:buFontTx/>
+              <a:buNone/>
+              <a:tabLst/>
+              <a:defRPr/>
+            </a:pPr>
+            <a:r>
+              <a:rPr lang="ko-KR" altLang="en-US" dirty="0"/>
+              <a:t>나라마다</a:t>
             </a:r>
             <a:r>
               <a:rPr lang="en-US" altLang="ko-KR" dirty="0"/>
@@ -3701,17 +3951,53 @@
             </a:r>
             <a:r>
               <a:rPr lang="ko-KR" altLang="en-US" dirty="0"/>
-              <a:t>거래 주체는 확인하기 어렵습니다</a:t>
+              <a:t>보안표준</a:t>
+            </a:r>
+            <a:r>
+              <a:rPr lang="en-US" altLang="ko-KR" dirty="0"/>
+              <a:t>, </a:t>
+            </a:r>
+            <a:r>
+              <a:rPr lang="ko-KR" altLang="en-US" dirty="0"/>
+              <a:t>결제수단별 인터페이스가 조금씩 다 다른데</a:t>
+            </a:r>
+            <a:r>
+              <a:rPr lang="en-US" altLang="ko-KR" dirty="0"/>
+              <a:t>, </a:t>
+            </a:r>
+            <a:r>
+              <a:rPr lang="ko-KR" altLang="en-US" dirty="0"/>
+              <a:t>이걸 하나로 맞춰준다는 건 개발팀 입장에서 굉장한 </a:t>
+            </a:r>
+            <a:r>
+              <a:rPr lang="ko-KR" altLang="en-US" dirty="0" err="1"/>
+              <a:t>메리트에요</a:t>
             </a:r>
             <a:r>
               <a:rPr lang="en-US" altLang="ko-KR" dirty="0"/>
               <a:t>.</a:t>
             </a:r>
-          </a:p>
-          <a:p>
-            <a:r>
-              <a:rPr lang="ko-KR" altLang="en-US" dirty="0"/>
-              <a:t>때문에</a:t>
+            <a:br>
+              <a:rPr lang="en-US" altLang="ko-KR" dirty="0"/>
+            </a:br>
+            <a:endParaRPr lang="en-US" altLang="ko-KR" dirty="0"/>
+          </a:p>
+          <a:p>
+            <a:r>
+              <a:rPr lang="en-US" altLang="ko-KR" dirty="0"/>
+              <a:t>PG </a:t>
+            </a:r>
+            <a:r>
+              <a:rPr lang="ko-KR" altLang="en-US" dirty="0"/>
+              <a:t>수수료가 </a:t>
+            </a:r>
+            <a:r>
+              <a:rPr lang="en-US" altLang="ko-KR" dirty="0"/>
+              <a:t>2~3% </a:t>
+            </a:r>
+            <a:r>
+              <a:rPr lang="ko-KR" altLang="en-US" dirty="0"/>
+              <a:t>정도 되기 때문에</a:t>
             </a:r>
             <a:r>
               <a:rPr lang="en-US" altLang="ko-KR" dirty="0"/>
@@ -3719,7 +4005,23 @@
             </a:r>
             <a:r>
               <a:rPr lang="ko-KR" altLang="en-US" dirty="0"/>
-              <a:t>실명계좌 발급으로 얻는 수수료 이익보다 컴플라이언스 위반으로 부과될 수 있는 과징금 리스크가 더 크기 때문입니다</a:t>
+              <a:t>대형 플랫폼이라면 자체 결제를 구현하는 것이 더 유리할 수 있습니다</a:t>
+            </a:r>
+            <a:r>
+              <a:rPr lang="en-US" altLang="ko-KR" dirty="0"/>
+              <a:t>. </a:t>
+            </a:r>
+            <a:r>
+              <a:rPr lang="ko-KR" altLang="en-US" dirty="0"/>
+              <a:t>하지만 일반적으로는 이런 수수료를 지불하고 얻는 메리트가 월등히 크기 때문에 </a:t>
+            </a:r>
+            <a:r>
+              <a:rPr lang="en-US" altLang="ko-KR" dirty="0"/>
+              <a:t>PG</a:t>
+            </a:r>
+            <a:r>
+              <a:rPr lang="ko-KR" altLang="en-US" dirty="0"/>
+              <a:t>를 더 선호하고요</a:t>
             </a:r>
             <a:r>
               <a:rPr lang="en-US" altLang="ko-KR" dirty="0"/>
@@ -3727,20 +4029,105 @@
             </a:r>
           </a:p>
           <a:p>
+            <a:r>
+              <a:rPr lang="ko-KR" altLang="en-US" dirty="0"/>
+              <a:t>본 과정에서도 </a:t>
+            </a:r>
+            <a:r>
+              <a:rPr lang="en-US" altLang="ko-KR" dirty="0"/>
+              <a:t>PSP</a:t>
+            </a:r>
+            <a:r>
+              <a:rPr lang="ko-KR" altLang="en-US" dirty="0"/>
+              <a:t>를 연동해 결제서비스를 개발하도록 하겠습니다</a:t>
+            </a:r>
+            <a:r>
+              <a:rPr lang="en-US" altLang="ko-KR" dirty="0"/>
+              <a:t>.</a:t>
+            </a:r>
+          </a:p>
+          <a:p>
             <a:endParaRPr lang="en-US" altLang="ko-KR" dirty="0"/>
           </a:p>
           <a:p>
             <a:r>
-              <a:rPr lang="ko-KR" altLang="en-US" dirty="0"/>
-              <a:t>이런 보안기능 말고도 </a:t>
-            </a:r>
-            <a:r>
-              <a:rPr lang="en-US" altLang="ko-KR" dirty="0"/>
-              <a:t>PSP</a:t>
-            </a:r>
-            <a:r>
-              <a:rPr lang="ko-KR" altLang="en-US" dirty="0"/>
-              <a:t>는 단일 인터페이스를 제공한다는 장점이 있습니다</a:t>
+              <a:rPr lang="en-US" altLang="ko-KR" dirty="0"/>
+              <a:t>PG</a:t>
+            </a:r>
+            <a:r>
+              <a:rPr lang="ko-KR" altLang="en-US" dirty="0"/>
+              <a:t>를 통해 결제가 완료되면</a:t>
+            </a:r>
+            <a:r>
+              <a:rPr lang="en-US" altLang="ko-KR" dirty="0"/>
+              <a:t>, </a:t>
+            </a:r>
+            <a:r>
+              <a:rPr lang="ko-KR" altLang="en-US" dirty="0"/>
+              <a:t>고객과 판매자의 자금 흐름을 복식부기 방식으로 원장에 기록합니다</a:t>
+            </a:r>
+            <a:r>
+              <a:rPr lang="en-US" altLang="ko-KR" dirty="0"/>
+              <a:t>.</a:t>
+            </a:r>
+          </a:p>
+          <a:p>
+            <a:r>
+              <a:rPr lang="ko-KR" altLang="en-US" dirty="0"/>
+              <a:t>판매자가 받아야 할 총 금액은</a:t>
+            </a:r>
+            <a:r>
+              <a:rPr lang="en-US" altLang="ko-KR" dirty="0"/>
+              <a:t>, </a:t>
+            </a:r>
+            <a:r>
+              <a:rPr lang="ko-KR" altLang="en-US" dirty="0"/>
+              <a:t>매번 원장에서 조회하기 어렵기 때문에 잔고 테이블을 만들어 합계를 관리해 줍니다</a:t>
+            </a:r>
+            <a:r>
+              <a:rPr lang="en-US" altLang="ko-KR" dirty="0"/>
+              <a:t>.</a:t>
+            </a:r>
+          </a:p>
+          <a:p>
+            <a:endParaRPr lang="en-US" altLang="ko-KR" dirty="0"/>
+          </a:p>
+          <a:p>
+            <a:r>
+              <a:rPr lang="ko-KR" altLang="en-US" dirty="0"/>
+              <a:t>결제는 비동기로 이루어지며</a:t>
+            </a:r>
+            <a:r>
+              <a:rPr lang="en-US" altLang="ko-KR" dirty="0"/>
+              <a:t>, </a:t>
+            </a:r>
+            <a:r>
+              <a:rPr lang="ko-KR" altLang="en-US" dirty="0"/>
+              <a:t>환불이라는 복잡한 처리도 발생하기 때문에</a:t>
+            </a:r>
+            <a:r>
+              <a:rPr lang="en-US" altLang="ko-KR" dirty="0"/>
+              <a:t>, </a:t>
+            </a:r>
+            <a:r>
+              <a:rPr lang="ko-KR" altLang="en-US" dirty="0"/>
+              <a:t>저희는 처리했지만 </a:t>
+            </a:r>
+            <a:r>
+              <a:rPr lang="en-US" altLang="ko-KR" dirty="0"/>
+              <a:t>PG</a:t>
+            </a:r>
+            <a:r>
+              <a:rPr lang="ko-KR" altLang="en-US" dirty="0"/>
+              <a:t>에서는 처리 </a:t>
+            </a:r>
+            <a:r>
+              <a:rPr lang="ko-KR" altLang="en-US" dirty="0" err="1"/>
+              <a:t>안됬을</a:t>
+            </a:r>
+            <a:r>
+              <a:rPr lang="ko-KR" altLang="en-US" dirty="0"/>
+              <a:t> 수 있습니다</a:t>
             </a:r>
             <a:r>
               <a:rPr lang="en-US" altLang="ko-KR" dirty="0"/>
@@ -3748,7 +4135,41 @@
             </a:r>
             <a:r>
               <a:rPr lang="ko-KR" altLang="en-US" dirty="0"/>
-              <a:t>결제수단마다</a:t>
+              <a:t>그 반대도 가능하고요</a:t>
+            </a:r>
+            <a:r>
+              <a:rPr lang="en-US" altLang="ko-KR" dirty="0"/>
+              <a:t>. </a:t>
+            </a:r>
+            <a:r>
+              <a:rPr lang="ko-KR" altLang="en-US" dirty="0"/>
+              <a:t>그래서 양사간 처리가 일치하는지를 확인하는 정산이란 프로세스가 반드시 필요합니다</a:t>
+            </a:r>
+            <a:r>
+              <a:rPr lang="en-US" altLang="ko-KR" dirty="0"/>
+              <a:t>.</a:t>
+            </a:r>
+          </a:p>
+          <a:p>
+            <a:endParaRPr lang="en-US" altLang="ko-KR" dirty="0"/>
+          </a:p>
+          <a:p>
+            <a:r>
+              <a:rPr lang="ko-KR" altLang="en-US" dirty="0"/>
+              <a:t>지금까지 결제서비스를 간략하게 살펴보았습니다</a:t>
+            </a:r>
+            <a:r>
+              <a:rPr lang="en-US" altLang="ko-KR" dirty="0"/>
+              <a:t>.</a:t>
+            </a:r>
+          </a:p>
+          <a:p>
+            <a:endParaRPr lang="en-US" altLang="ko-KR" dirty="0"/>
+          </a:p>
+          <a:p>
+            <a:r>
+              <a:rPr lang="ko-KR" altLang="en-US" dirty="0"/>
+              <a:t>그런데</a:t>
             </a:r>
             <a:r>
               <a:rPr lang="en-US" altLang="ko-KR" dirty="0"/>
@@ -3756,27 +4177,23 @@
             </a:r>
             <a:r>
               <a:rPr lang="ko-KR" altLang="en-US" dirty="0"/>
-              <a:t>나라마다</a:t>
-            </a:r>
-            <a:r>
-              <a:rPr lang="en-US" altLang="ko-KR" dirty="0"/>
-              <a:t>, </a:t>
-            </a:r>
-            <a:r>
-              <a:rPr lang="ko-KR" altLang="en-US" dirty="0"/>
-              <a:t>인터페이스가 조금씩 다 다른데</a:t>
-            </a:r>
-            <a:r>
-              <a:rPr lang="en-US" altLang="ko-KR" dirty="0"/>
-              <a:t>, </a:t>
-            </a:r>
-            <a:r>
-              <a:rPr lang="ko-KR" altLang="en-US" dirty="0"/>
-              <a:t>이걸 하나로 맞춰준다는 것은 개발팀 입장에서 굉장한 </a:t>
-            </a:r>
-            <a:r>
-              <a:rPr lang="ko-KR" altLang="en-US" dirty="0" err="1"/>
-              <a:t>메리트입니다</a:t>
+              <a:t>결제 도메인을 깊게 들어가는 것은</a:t>
+            </a:r>
+            <a:r>
+              <a:rPr lang="en-US" altLang="ko-KR" dirty="0"/>
+              <a:t>,</a:t>
+            </a:r>
+            <a:r>
+              <a:rPr lang="ko-KR" altLang="en-US" dirty="0"/>
+              <a:t> 저희 지양하기로 했으니</a:t>
+            </a:r>
+            <a:r>
+              <a:rPr lang="en-US" altLang="ko-KR" dirty="0"/>
+              <a:t>… </a:t>
+            </a:r>
+            <a:r>
+              <a:rPr lang="ko-KR" altLang="en-US" dirty="0"/>
+              <a:t>가정을 좀 단순하게 가져가볼까 합니다</a:t>
             </a:r>
             <a:r>
               <a:rPr lang="en-US" altLang="ko-KR" dirty="0"/>
@@ -3788,160 +4205,16 @@
           </a:p>
           <a:p>
             <a:r>
-              <a:rPr lang="en-US" altLang="ko-KR" dirty="0"/>
-              <a:t>PSP </a:t>
-            </a:r>
-            <a:r>
-              <a:rPr lang="ko-KR" altLang="en-US" dirty="0"/>
-              <a:t>수수료가 </a:t>
-            </a:r>
-            <a:r>
-              <a:rPr lang="en-US" altLang="ko-KR" dirty="0"/>
-              <a:t>2~3% </a:t>
-            </a:r>
-            <a:r>
-              <a:rPr lang="ko-KR" altLang="en-US" dirty="0"/>
-              <a:t>정도 되기 때문에</a:t>
-            </a:r>
-            <a:r>
-              <a:rPr lang="en-US" altLang="ko-KR" dirty="0"/>
-              <a:t>, </a:t>
-            </a:r>
-            <a:r>
-              <a:rPr lang="ko-KR" altLang="en-US" dirty="0"/>
-              <a:t>대형 플랫폼이라면 자체 결제를 구현하는 것이 더 유리할 수 있습니다만</a:t>
+              <a:rPr lang="ko-KR" altLang="en-US" dirty="0"/>
+              <a:t>저희가 구현해야 할 플랫폼은</a:t>
             </a:r>
             <a:r>
               <a:rPr lang="en-US" altLang="ko-KR" dirty="0"/>
               <a:t>,</a:t>
             </a:r>
-          </a:p>
-          <a:p>
-            <a:r>
-              <a:rPr lang="ko-KR" altLang="en-US" dirty="0"/>
-              <a:t>본 과정에서는 </a:t>
-            </a:r>
-            <a:r>
-              <a:rPr lang="en-US" altLang="ko-KR" dirty="0"/>
-              <a:t>PSP</a:t>
-            </a:r>
-            <a:r>
-              <a:rPr lang="ko-KR" altLang="en-US" dirty="0"/>
-              <a:t>를 연동해 결제서비스를 개발하기로 하겠습니다</a:t>
-            </a:r>
-            <a:r>
-              <a:rPr lang="en-US" altLang="ko-KR" dirty="0"/>
-              <a:t>.</a:t>
-            </a:r>
-          </a:p>
-          <a:p>
-            <a:endParaRPr lang="en-US" altLang="ko-KR" dirty="0"/>
-          </a:p>
-          <a:p>
-            <a:r>
-              <a:rPr lang="en-US" altLang="ko-KR" dirty="0"/>
-              <a:t>PG</a:t>
-            </a:r>
-            <a:r>
-              <a:rPr lang="ko-KR" altLang="en-US" dirty="0"/>
-              <a:t>를 통해 결제가 완료되면</a:t>
-            </a:r>
-            <a:r>
-              <a:rPr lang="en-US" altLang="ko-KR" dirty="0"/>
-              <a:t>, </a:t>
-            </a:r>
-            <a:r>
-              <a:rPr lang="ko-KR" altLang="en-US" dirty="0"/>
-              <a:t>고객과 판매자의 자금 흐름을 복식부기 방식으로 원장에 기록합니다</a:t>
-            </a:r>
-            <a:r>
-              <a:rPr lang="en-US" altLang="ko-KR" dirty="0"/>
-              <a:t>.</a:t>
-            </a:r>
-          </a:p>
-          <a:p>
-            <a:r>
-              <a:rPr lang="ko-KR" altLang="en-US" dirty="0"/>
-              <a:t>판매자가 받아야 할 총 금액은</a:t>
-            </a:r>
-            <a:r>
-              <a:rPr lang="en-US" altLang="ko-KR" dirty="0"/>
-              <a:t>, </a:t>
-            </a:r>
-            <a:r>
-              <a:rPr lang="ko-KR" altLang="en-US" dirty="0"/>
-              <a:t>매번 원장에서 조회하기 어렵기 때문에 잔고 테이블을 만들어 합계를 관리해 줍니다</a:t>
-            </a:r>
-            <a:r>
-              <a:rPr lang="en-US" altLang="ko-KR" dirty="0"/>
-              <a:t>.</a:t>
-            </a:r>
-          </a:p>
-          <a:p>
-            <a:endParaRPr lang="en-US" altLang="ko-KR" dirty="0"/>
-          </a:p>
-          <a:p>
-            <a:r>
-              <a:rPr lang="ko-KR" altLang="en-US" dirty="0"/>
-              <a:t>결제는 비동기로 이루어지며</a:t>
-            </a:r>
-            <a:r>
-              <a:rPr lang="en-US" altLang="ko-KR" dirty="0"/>
-              <a:t>, </a:t>
-            </a:r>
-            <a:r>
-              <a:rPr lang="ko-KR" altLang="en-US" dirty="0"/>
-              <a:t>환불이라는 복잡한 처리도 발생하기 때문에</a:t>
-            </a:r>
-            <a:r>
-              <a:rPr lang="en-US" altLang="ko-KR" dirty="0"/>
-              <a:t>, </a:t>
-            </a:r>
-            <a:r>
-              <a:rPr lang="ko-KR" altLang="en-US" dirty="0"/>
-              <a:t>양사간 처리가 일치하는지를 확인할 필요가 있습니다</a:t>
-            </a:r>
-            <a:r>
-              <a:rPr lang="en-US" altLang="ko-KR" dirty="0"/>
-              <a:t>. </a:t>
-            </a:r>
-            <a:r>
-              <a:rPr lang="ko-KR" altLang="en-US" dirty="0"/>
-              <a:t>때문에 정산이란 프로세스가 반드시 필요합니다</a:t>
-            </a:r>
-            <a:r>
-              <a:rPr lang="en-US" altLang="ko-KR" dirty="0"/>
-              <a:t>.</a:t>
-            </a:r>
-          </a:p>
-          <a:p>
-            <a:endParaRPr lang="en-US" altLang="ko-KR" dirty="0"/>
-          </a:p>
-          <a:p>
-            <a:r>
-              <a:rPr lang="ko-KR" altLang="en-US" dirty="0"/>
-              <a:t>결제 도메인에 깊숙하게 들어가는 것은 저희 지양하기로 했으니</a:t>
-            </a:r>
-            <a:r>
-              <a:rPr lang="en-US" altLang="ko-KR" dirty="0"/>
-              <a:t>… </a:t>
-            </a:r>
-            <a:r>
-              <a:rPr lang="ko-KR" altLang="en-US" dirty="0"/>
-              <a:t>가정을 좀 단순하게 가져가볼까 합니다</a:t>
-            </a:r>
-            <a:r>
-              <a:rPr lang="en-US" altLang="ko-KR" dirty="0"/>
-              <a:t>.</a:t>
-            </a:r>
-          </a:p>
-          <a:p>
-            <a:endParaRPr lang="en-US" altLang="ko-KR" dirty="0"/>
-          </a:p>
-          <a:p>
-            <a:r>
-              <a:rPr lang="ko-KR" altLang="en-US" dirty="0"/>
-              <a:t>저희가 구현해야 할 플랫폼은 </a:t>
+            <a:r>
+              <a:rPr lang="ko-KR" altLang="en-US" dirty="0"/>
+              <a:t> </a:t>
             </a:r>
             <a:r>
               <a:rPr lang="ko-KR" altLang="en-US" dirty="0" err="1"/>
@@ -3953,11 +4226,11 @@
             </a:r>
             <a:r>
               <a:rPr lang="ko-KR" altLang="en-US" dirty="0" err="1"/>
-              <a:t>이커머스</a:t>
-            </a:r>
-            <a:r>
-              <a:rPr lang="ko-KR" altLang="en-US" dirty="0"/>
-              <a:t> 플랫폼이 아니라</a:t>
+              <a:t>이커머스가</a:t>
+            </a:r>
+            <a:r>
+              <a:rPr lang="ko-KR" altLang="en-US" dirty="0"/>
+              <a:t> 아니라</a:t>
             </a:r>
             <a:r>
               <a:rPr lang="en-US" altLang="ko-KR" dirty="0"/>
@@ -3965,7 +4238,7 @@
             </a:r>
             <a:r>
               <a:rPr lang="ko-KR" altLang="en-US" dirty="0"/>
-              <a:t>자체 상품만 판매하는 플랫폼이라고 가정해 보겠습니다</a:t>
+              <a:t>자체 상품만 판매한다고 가정해 보겠습니다</a:t>
             </a:r>
             <a:r>
               <a:rPr lang="en-US" altLang="ko-KR" dirty="0"/>
@@ -3975,7 +4248,15 @@
           <a:p>
             <a:r>
               <a:rPr lang="ko-KR" altLang="en-US" dirty="0"/>
-              <a:t>고객 계좌에서 저희 지갑에만 돈을 옮기는 </a:t>
+              <a:t>그러면</a:t>
+            </a:r>
+            <a:r>
+              <a:rPr lang="en-US" altLang="ko-KR" dirty="0"/>
+              <a:t>, </a:t>
+            </a:r>
+            <a:r>
+              <a:rPr lang="ko-KR" altLang="en-US" dirty="0"/>
+              <a:t>고객 계좌에서 저희 지갑에 돈을 옮기는 </a:t>
             </a:r>
             <a:r>
               <a:rPr lang="en-US" altLang="ko-KR" dirty="0"/>
@@ -3983,11 +4264,11 @@
             </a:r>
             <a:r>
               <a:rPr lang="ko-KR" altLang="en-US" dirty="0"/>
-              <a:t>만 있고요</a:t>
-            </a:r>
-            <a:r>
-              <a:rPr lang="en-US" altLang="ko-KR" dirty="0"/>
-              <a:t>, </a:t>
+              <a:t>만 있을 거고요</a:t>
+            </a:r>
+            <a:r>
+              <a:rPr lang="en-US" altLang="ko-KR" dirty="0"/>
+              <a:t>. </a:t>
             </a:r>
             <a:r>
               <a:rPr lang="ko-KR" altLang="en-US" dirty="0"/>
@@ -3995,11 +4276,11 @@
             </a:r>
             <a:r>
               <a:rPr lang="en-US" altLang="ko-KR" dirty="0"/>
-              <a:t>payout </a:t>
-            </a:r>
-            <a:r>
-              <a:rPr lang="ko-KR" altLang="en-US" dirty="0"/>
-              <a:t>이란 절차는 없는 거죠</a:t>
+              <a:t>pay-out </a:t>
+            </a:r>
+            <a:r>
+              <a:rPr lang="ko-KR" altLang="en-US" dirty="0"/>
+              <a:t>은 없어도 되는 거죠</a:t>
             </a:r>
             <a:r>
               <a:rPr lang="en-US" altLang="ko-KR" dirty="0"/>
@@ -4023,7 +4304,7 @@
             </a:r>
             <a:r>
               <a:rPr lang="ko-KR" altLang="en-US" dirty="0"/>
-              <a:t> 기능은 구현에서 고려하지 않아도 될 것 같네요</a:t>
+              <a:t> 기능은 구현에서 고려하지 않아도 될 것 같습니다</a:t>
             </a:r>
             <a:r>
               <a:rPr lang="en-US" altLang="ko-KR" dirty="0"/>
@@ -4072,11 +4353,11 @@
             </a:r>
             <a:r>
               <a:rPr lang="ko-KR" altLang="en-US" dirty="0" err="1"/>
-              <a:t>것까지로</a:t>
-            </a:r>
-            <a:r>
-              <a:rPr lang="ko-KR" altLang="en-US" dirty="0"/>
-              <a:t> 구현 범위를 제한하도록 하겠습니다</a:t>
+              <a:t>것까지만</a:t>
+            </a:r>
+            <a:r>
+              <a:rPr lang="ko-KR" altLang="en-US" dirty="0"/>
+              <a:t> 구현해 보도록 하겠습니다</a:t>
             </a:r>
             <a:r>
               <a:rPr lang="en-US" altLang="ko-KR" dirty="0"/>
@@ -4166,16 +4447,20 @@
           <a:lstStyle/>
           <a:p>
             <a:r>
-              <a:rPr lang="ko-KR" altLang="en-US" dirty="0"/>
-              <a:t>전자 지불 서비스의 필수 요소인 </a:t>
-            </a:r>
-            <a:r>
-              <a:rPr lang="en-US" altLang="ko-KR" dirty="0"/>
-              <a:t>auth capture </a:t>
-            </a:r>
-            <a:r>
-              <a:rPr lang="ko-KR" altLang="en-US" dirty="0"/>
-              <a:t>패턴에 대해 알아보겠습니다</a:t>
+              <a:rPr lang="en-US" altLang="ko-KR" dirty="0"/>
+              <a:t>Payment Gateway </a:t>
+            </a:r>
+            <a:r>
+              <a:rPr lang="ko-KR" altLang="en-US" dirty="0"/>
+              <a:t>와의 거래연동 시 핵심 개념인 </a:t>
+            </a:r>
+            <a:r>
+              <a:rPr lang="en-US" altLang="ko-KR" dirty="0"/>
+              <a:t>Auth capture </a:t>
+            </a:r>
+            <a:r>
+              <a:rPr lang="ko-KR" altLang="en-US" dirty="0"/>
+              <a:t>패턴에 대해 말씀드리겠습니다</a:t>
             </a:r>
             <a:r>
               <a:rPr lang="en-US" altLang="ko-KR" dirty="0"/>
@@ -4266,7 +4551,7 @@
           <a:p>
             <a:r>
               <a:rPr lang="ko-KR" altLang="en-US" dirty="0"/>
-              <a:t>플랫폼과 </a:t>
+              <a:t>커머스 플랫폼과 </a:t>
             </a:r>
             <a:r>
               <a:rPr lang="en-US" altLang="ko-KR" dirty="0"/>
@@ -4274,15 +4559,15 @@
             </a:r>
             <a:r>
               <a:rPr lang="ko-KR" altLang="en-US" dirty="0"/>
-              <a:t>간 데이터가 동일 </a:t>
-            </a:r>
-            <a:r>
-              <a:rPr lang="en-US" altLang="ko-KR" dirty="0"/>
-              <a:t>DB </a:t>
-            </a:r>
-            <a:r>
-              <a:rPr lang="ko-KR" altLang="en-US" dirty="0"/>
-              <a:t>내에 있다면</a:t>
+              <a:t>의 데이터가 동일 </a:t>
+            </a:r>
+            <a:r>
+              <a:rPr lang="en-US" altLang="ko-KR" dirty="0"/>
+              <a:t>DB</a:t>
+            </a:r>
+            <a:r>
+              <a:rPr lang="ko-KR" altLang="en-US" dirty="0"/>
+              <a:t>에 있다면</a:t>
             </a:r>
             <a:r>
               <a:rPr lang="en-US" altLang="ko-KR" dirty="0"/>
@@ -4294,7 +4579,7 @@
             </a:r>
             <a:r>
               <a:rPr lang="ko-KR" altLang="en-US" dirty="0"/>
-              <a:t> 통해 데이터 일관성을 확보할 수 있습니다</a:t>
+              <a:t> 통해 데이터 일관성을 확보할 수 있을 겁니다</a:t>
             </a:r>
             <a:r>
               <a:rPr lang="en-US" altLang="ko-KR" dirty="0"/>
@@ -4330,16 +4615,12 @@
               <a:t>. </a:t>
             </a:r>
             <a:r>
-              <a:rPr lang="ko-KR" altLang="en-US" dirty="0"/>
-              <a:t>때문에 데이터 일관성을 확보하기 어렵고</a:t>
-            </a:r>
-            <a:r>
-              <a:rPr lang="en-US" altLang="ko-KR" dirty="0"/>
-              <a:t>, </a:t>
-            </a:r>
-            <a:r>
-              <a:rPr lang="ko-KR" altLang="en-US" dirty="0"/>
-              <a:t>이로 인해 치명적인 결함이 발생할 수 있습니다</a:t>
+              <a:rPr lang="ko-KR" altLang="en-US" dirty="0" err="1"/>
+              <a:t>트렌젝션을</a:t>
+            </a:r>
+            <a:r>
+              <a:rPr lang="ko-KR" altLang="en-US" dirty="0"/>
+              <a:t> 사용할 수가 없습니다</a:t>
             </a:r>
             <a:r>
               <a:rPr lang="en-US" altLang="ko-KR" dirty="0"/>
@@ -4348,6 +4629,32 @@
           </a:p>
           <a:p>
             <a:endParaRPr lang="en-US" altLang="ko-KR" dirty="0"/>
+          </a:p>
+          <a:p>
+            <a:r>
+              <a:rPr lang="ko-KR" altLang="en-US" dirty="0"/>
+              <a:t>이걸 감안하고</a:t>
+            </a:r>
+            <a:r>
+              <a:rPr lang="en-US" altLang="ko-KR" dirty="0"/>
+              <a:t>,</a:t>
+            </a:r>
+            <a:r>
+              <a:rPr lang="ko-KR" altLang="en-US" dirty="0"/>
+              <a:t> 처리흐름</a:t>
+            </a:r>
+            <a:r>
+              <a:rPr lang="en-US" altLang="ko-KR" dirty="0"/>
+              <a:t>,</a:t>
+            </a:r>
+            <a:r>
+              <a:rPr lang="ko-KR" altLang="en-US" dirty="0"/>
+              <a:t> 살펴보도록 하겠습니다</a:t>
+            </a:r>
+            <a:r>
+              <a:rPr lang="en-US" altLang="ko-KR" dirty="0"/>
+              <a:t>.</a:t>
+            </a:r>
           </a:p>
         </p:txBody>
       </p:sp>
@@ -4515,7 +4822,292 @@
           <a:bodyPr/>
           <a:lstStyle/>
           <a:p>
+            <a:r>
+              <a:rPr lang="ko-KR" altLang="en-US" dirty="0"/>
+              <a:t>이런 이중지불 문제를 해결하기 위해</a:t>
+            </a:r>
+            <a:r>
+              <a:rPr lang="en-US" altLang="ko-KR" dirty="0"/>
+              <a:t> </a:t>
+            </a:r>
+            <a:r>
+              <a:rPr lang="ko-KR" altLang="en-US" dirty="0"/>
+              <a:t>사용하는 방법이</a:t>
+            </a:r>
+            <a:r>
+              <a:rPr lang="en-US" altLang="ko-KR" dirty="0"/>
+              <a:t>,</a:t>
+            </a:r>
+            <a:r>
+              <a:rPr lang="ko-KR" altLang="en-US" dirty="0"/>
+              <a:t> </a:t>
+            </a:r>
+            <a:r>
+              <a:rPr lang="en-US" altLang="ko-KR" dirty="0"/>
+              <a:t>Auth capture </a:t>
+            </a:r>
+            <a:r>
+              <a:rPr lang="ko-KR" altLang="en-US" dirty="0"/>
+              <a:t>패턴입니다</a:t>
+            </a:r>
+            <a:r>
+              <a:rPr lang="en-US" altLang="ko-KR" dirty="0"/>
+              <a:t>.</a:t>
+            </a:r>
+          </a:p>
+          <a:p>
             <a:endParaRPr lang="en-US" altLang="ko-KR" dirty="0"/>
+          </a:p>
+          <a:p>
+            <a:r>
+              <a:rPr lang="ko-KR" altLang="en-US" dirty="0"/>
+              <a:t>서로 다른 시스템</a:t>
+            </a:r>
+            <a:r>
+              <a:rPr lang="en-US" altLang="ko-KR" dirty="0"/>
+              <a:t> </a:t>
+            </a:r>
+            <a:r>
+              <a:rPr lang="ko-KR" altLang="en-US" dirty="0"/>
+              <a:t>간에</a:t>
+            </a:r>
+            <a:r>
+              <a:rPr lang="en-US" altLang="ko-KR" dirty="0"/>
+              <a:t>,</a:t>
+            </a:r>
+            <a:r>
+              <a:rPr lang="ko-KR" altLang="en-US" dirty="0"/>
+              <a:t> </a:t>
+            </a:r>
+            <a:r>
+              <a:rPr lang="ko-KR" altLang="en-US" dirty="0" err="1"/>
+              <a:t>트렌젝션처럼</a:t>
+            </a:r>
+            <a:r>
+              <a:rPr lang="ko-KR" altLang="en-US" dirty="0"/>
+              <a:t> 데이터 일관성을 보장해주는 방법이라고 생각해 주셔도 됩니다</a:t>
+            </a:r>
+            <a:r>
+              <a:rPr lang="en-US" altLang="ko-KR" dirty="0"/>
+              <a:t>.</a:t>
+            </a:r>
+          </a:p>
+          <a:p>
+            <a:endParaRPr lang="en-US" altLang="ko-KR" dirty="0"/>
+          </a:p>
+          <a:p>
+            <a:r>
+              <a:rPr lang="en-US" altLang="ko-KR" dirty="0"/>
+              <a:t>PG</a:t>
+            </a:r>
+            <a:r>
+              <a:rPr lang="ko-KR" altLang="en-US" dirty="0"/>
+              <a:t>로부터 </a:t>
+            </a:r>
+            <a:r>
+              <a:rPr lang="en-US" altLang="ko-KR" dirty="0"/>
+              <a:t>Idempotency key, </a:t>
+            </a:r>
+            <a:r>
+              <a:rPr lang="ko-KR" altLang="en-US" dirty="0" err="1"/>
+              <a:t>멱등키를</a:t>
+            </a:r>
+            <a:r>
+              <a:rPr lang="ko-KR" altLang="en-US" dirty="0"/>
+              <a:t> 발급받습니다</a:t>
+            </a:r>
+            <a:r>
+              <a:rPr lang="en-US" altLang="ko-KR" dirty="0"/>
+              <a:t>. </a:t>
+            </a:r>
+            <a:r>
+              <a:rPr lang="ko-KR" altLang="en-US" dirty="0"/>
+              <a:t>이게 </a:t>
+            </a:r>
+            <a:r>
+              <a:rPr lang="en-US" altLang="ko-KR" dirty="0"/>
+              <a:t>Auth </a:t>
+            </a:r>
+            <a:r>
+              <a:rPr lang="ko-KR" altLang="en-US" dirty="0"/>
+              <a:t>고요</a:t>
+            </a:r>
+            <a:r>
+              <a:rPr lang="en-US" altLang="ko-KR" dirty="0"/>
+              <a:t>.</a:t>
+            </a:r>
+          </a:p>
+          <a:p>
+            <a:endParaRPr lang="en-US" altLang="ko-KR" dirty="0"/>
+          </a:p>
+          <a:p>
+            <a:r>
+              <a:rPr lang="ko-KR" altLang="en-US" dirty="0"/>
+              <a:t>주문내역에 발급받은 </a:t>
+            </a:r>
+            <a:r>
+              <a:rPr lang="en-US" altLang="ko-KR" dirty="0"/>
+              <a:t>Idempotency key </a:t>
+            </a:r>
+            <a:r>
+              <a:rPr lang="ko-KR" altLang="en-US" dirty="0"/>
+              <a:t>를 첨부해서 </a:t>
+            </a:r>
+            <a:r>
+              <a:rPr lang="en-US" altLang="ko-KR" dirty="0"/>
+              <a:t>PG</a:t>
+            </a:r>
+            <a:r>
+              <a:rPr lang="ko-KR" altLang="en-US" dirty="0"/>
+              <a:t>로 결제요청을 보냅니다</a:t>
+            </a:r>
+            <a:r>
+              <a:rPr lang="en-US" altLang="ko-KR" dirty="0"/>
+              <a:t>. PG</a:t>
+            </a:r>
+            <a:r>
+              <a:rPr lang="ko-KR" altLang="en-US" dirty="0"/>
+              <a:t>는 </a:t>
+            </a:r>
+            <a:r>
+              <a:rPr lang="en-US" altLang="ko-KR" dirty="0"/>
+              <a:t>Idempotency key </a:t>
+            </a:r>
+            <a:r>
+              <a:rPr lang="ko-KR" altLang="en-US" dirty="0"/>
+              <a:t>가 내가 발급한 키인지 확인하고</a:t>
+            </a:r>
+            <a:r>
+              <a:rPr lang="en-US" altLang="ko-KR" dirty="0"/>
+              <a:t>, </a:t>
+            </a:r>
+            <a:r>
+              <a:rPr lang="ko-KR" altLang="en-US" dirty="0" err="1"/>
+              <a:t>맞다면</a:t>
+            </a:r>
+            <a:r>
+              <a:rPr lang="ko-KR" altLang="en-US" dirty="0"/>
+              <a:t> 이를 승인 처리합니다</a:t>
+            </a:r>
+            <a:r>
+              <a:rPr lang="en-US" altLang="ko-KR" dirty="0"/>
+              <a:t>.</a:t>
+            </a:r>
+          </a:p>
+          <a:p>
+            <a:endParaRPr lang="en-US" altLang="ko-KR" dirty="0"/>
+          </a:p>
+          <a:p>
+            <a:r>
+              <a:rPr lang="ko-KR" altLang="en-US" dirty="0"/>
+              <a:t>이게 </a:t>
+            </a:r>
+            <a:r>
+              <a:rPr lang="en-US" altLang="ko-KR" dirty="0"/>
+              <a:t>capture </a:t>
+            </a:r>
+            <a:r>
+              <a:rPr lang="ko-KR" altLang="en-US" dirty="0"/>
+              <a:t>입니다</a:t>
+            </a:r>
+            <a:r>
+              <a:rPr lang="en-US" altLang="ko-KR" dirty="0"/>
+              <a:t>.</a:t>
+            </a:r>
+          </a:p>
+          <a:p>
+            <a:endParaRPr lang="en-US" altLang="ko-KR" dirty="0"/>
+          </a:p>
+          <a:p>
+            <a:r>
+              <a:rPr lang="en-US" altLang="ko-KR" dirty="0"/>
+              <a:t>Capture </a:t>
+            </a:r>
+            <a:r>
+              <a:rPr lang="ko-KR" altLang="en-US" dirty="0"/>
+              <a:t>과정에서</a:t>
+            </a:r>
+            <a:r>
+              <a:rPr lang="en-US" altLang="ko-KR" dirty="0"/>
+              <a:t>, </a:t>
+            </a:r>
+            <a:r>
+              <a:rPr lang="ko-KR" altLang="en-US" dirty="0"/>
+              <a:t>처리 완료된 </a:t>
+            </a:r>
+            <a:r>
+              <a:rPr lang="en-US" altLang="ko-KR" dirty="0"/>
+              <a:t>Idempotency key </a:t>
+            </a:r>
+            <a:r>
+              <a:rPr lang="ko-KR" altLang="en-US" dirty="0"/>
+              <a:t>가 다시</a:t>
+            </a:r>
+            <a:r>
+              <a:rPr lang="en-US" altLang="ko-KR" dirty="0"/>
+              <a:t> </a:t>
+            </a:r>
+            <a:r>
+              <a:rPr lang="ko-KR" altLang="en-US" dirty="0"/>
+              <a:t>한 번 들어온다면</a:t>
+            </a:r>
+            <a:r>
+              <a:rPr lang="en-US" altLang="ko-KR" dirty="0"/>
+              <a:t>, </a:t>
+            </a:r>
+            <a:r>
+              <a:rPr lang="ko-KR" altLang="en-US" dirty="0"/>
+              <a:t>이는 </a:t>
+            </a:r>
+            <a:r>
+              <a:rPr lang="en-US" altLang="ko-KR" dirty="0"/>
+              <a:t>Double spending, </a:t>
+            </a:r>
+            <a:r>
+              <a:rPr lang="ko-KR" altLang="en-US" dirty="0"/>
+              <a:t>이중 지불이기 때문에 승인을 거절합니다</a:t>
+            </a:r>
+            <a:r>
+              <a:rPr lang="en-US" altLang="ko-KR" dirty="0"/>
+              <a:t>.</a:t>
+            </a:r>
+          </a:p>
+          <a:p>
+            <a:endParaRPr lang="en-US" altLang="ko-KR" dirty="0"/>
+          </a:p>
+          <a:p>
+            <a:r>
+              <a:rPr lang="ko-KR" altLang="en-US" dirty="0"/>
+              <a:t>이런 </a:t>
+            </a:r>
+            <a:r>
+              <a:rPr lang="en-US" altLang="ko-KR" dirty="0"/>
+              <a:t>Auth capture </a:t>
+            </a:r>
+            <a:r>
+              <a:rPr lang="ko-KR" altLang="en-US" dirty="0"/>
+              <a:t>는 </a:t>
+            </a:r>
+            <a:r>
+              <a:rPr lang="en-US" altLang="ko-KR" dirty="0"/>
+              <a:t>PG</a:t>
+            </a:r>
+            <a:r>
+              <a:rPr lang="ko-KR" altLang="en-US" dirty="0"/>
+              <a:t>사와 </a:t>
+            </a:r>
+            <a:r>
+              <a:rPr lang="en-US" altLang="ko-KR" dirty="0"/>
+              <a:t>Card </a:t>
+            </a:r>
+            <a:r>
+              <a:rPr lang="ko-KR" altLang="en-US" dirty="0"/>
+              <a:t>지불네트워크 사이에서도 동일하게 사용됩니다</a:t>
+            </a:r>
+            <a:r>
+              <a:rPr lang="en-US" altLang="ko-KR" dirty="0"/>
+              <a:t>.</a:t>
+            </a:r>
           </a:p>
         </p:txBody>
       </p:sp>
@@ -4600,28 +5192,69 @@
           <a:lstStyle/>
           <a:p>
             <a:r>
-              <a:rPr lang="en-US" altLang="ko-KR" dirty="0"/>
-              <a:t>Auth-capture </a:t>
-            </a:r>
-            <a:r>
-              <a:rPr lang="ko-KR" altLang="en-US" dirty="0"/>
-              <a:t>패턴은</a:t>
-            </a:r>
-            <a:r>
-              <a:rPr lang="en-US" altLang="ko-KR" dirty="0"/>
-              <a:t>, DB</a:t>
-            </a:r>
-            <a:r>
-              <a:rPr lang="ko-KR" altLang="en-US" dirty="0"/>
-              <a:t>가 분리되어 </a:t>
+              <a:rPr lang="ko-KR" altLang="en-US" dirty="0"/>
+              <a:t>이런 이중지불 문제를 해결하기 위해</a:t>
+            </a:r>
+            <a:r>
+              <a:rPr lang="en-US" altLang="ko-KR" dirty="0"/>
+              <a:t> </a:t>
+            </a:r>
+            <a:r>
+              <a:rPr lang="ko-KR" altLang="en-US" dirty="0"/>
+              <a:t>사용하는 방법이</a:t>
+            </a:r>
+            <a:r>
+              <a:rPr lang="en-US" altLang="ko-KR" dirty="0"/>
+              <a:t>,</a:t>
+            </a:r>
+            <a:r>
+              <a:rPr lang="ko-KR" altLang="en-US" dirty="0"/>
+              <a:t> </a:t>
+            </a:r>
+            <a:r>
+              <a:rPr lang="en-US" altLang="ko-KR" dirty="0"/>
+              <a:t>Auth capture </a:t>
+            </a:r>
+            <a:r>
+              <a:rPr lang="ko-KR" altLang="en-US" dirty="0"/>
+              <a:t>패턴입니다</a:t>
+            </a:r>
+            <a:r>
+              <a:rPr lang="en-US" altLang="ko-KR" dirty="0"/>
+              <a:t>.</a:t>
+            </a:r>
+          </a:p>
+          <a:p>
+            <a:endParaRPr lang="en-US" altLang="ko-KR" dirty="0"/>
+          </a:p>
+          <a:p>
+            <a:r>
+              <a:rPr lang="ko-KR" altLang="en-US" dirty="0"/>
+              <a:t>서로 다른 시스템</a:t>
+            </a:r>
+            <a:r>
+              <a:rPr lang="en-US" altLang="ko-KR" dirty="0"/>
+              <a:t> </a:t>
+            </a:r>
+            <a:r>
+              <a:rPr lang="ko-KR" altLang="en-US" dirty="0"/>
+              <a:t>간에</a:t>
+            </a:r>
+            <a:r>
+              <a:rPr lang="en-US" altLang="ko-KR" dirty="0"/>
+              <a:t>,</a:t>
+            </a:r>
+            <a:r>
+              <a:rPr lang="ko-KR" altLang="en-US" dirty="0"/>
+              <a:t> </a:t>
             </a:r>
             <a:r>
               <a:rPr lang="ko-KR" altLang="en-US" dirty="0" err="1"/>
-              <a:t>트렌젝션</a:t>
-            </a:r>
-            <a:r>
-              <a:rPr lang="ko-KR" altLang="en-US" dirty="0"/>
-              <a:t> 일관성이 보장되지 않는 이종 시스템 간에 데이터 일관성을 보장할 수 있습니다</a:t>
+              <a:t>트렌젝션처럼</a:t>
+            </a:r>
+            <a:r>
+              <a:rPr lang="ko-KR" altLang="en-US" dirty="0"/>
+              <a:t> 데이터 일관성을 보장해주는 방법이라고 생각해 주셔도 됩니다</a:t>
             </a:r>
             <a:r>
               <a:rPr lang="en-US" altLang="ko-KR" dirty="0"/>
@@ -4632,13 +5265,218 @@
             <a:endParaRPr lang="en-US" altLang="ko-KR" dirty="0"/>
           </a:p>
           <a:p>
+            <a:r>
+              <a:rPr lang="en-US" altLang="ko-KR" dirty="0"/>
+              <a:t>PG</a:t>
+            </a:r>
+            <a:r>
+              <a:rPr lang="ko-KR" altLang="en-US" dirty="0"/>
+              <a:t>로부터 </a:t>
+            </a:r>
+            <a:r>
+              <a:rPr lang="en-US" altLang="ko-KR" dirty="0"/>
+              <a:t>Idempotency key, </a:t>
+            </a:r>
+            <a:r>
+              <a:rPr lang="ko-KR" altLang="en-US" dirty="0" err="1"/>
+              <a:t>멱등키를</a:t>
+            </a:r>
+            <a:r>
+              <a:rPr lang="ko-KR" altLang="en-US" dirty="0"/>
+              <a:t> 발급받습니다</a:t>
+            </a:r>
+            <a:r>
+              <a:rPr lang="en-US" altLang="ko-KR" dirty="0"/>
+              <a:t>. </a:t>
+            </a:r>
+            <a:r>
+              <a:rPr lang="ko-KR" altLang="en-US" dirty="0"/>
+              <a:t>이게 </a:t>
+            </a:r>
+            <a:r>
+              <a:rPr lang="en-US" altLang="ko-KR" dirty="0"/>
+              <a:t>Auth </a:t>
+            </a:r>
+            <a:r>
+              <a:rPr lang="ko-KR" altLang="en-US" dirty="0"/>
+              <a:t>고요</a:t>
+            </a:r>
+            <a:r>
+              <a:rPr lang="en-US" altLang="ko-KR" dirty="0"/>
+              <a:t>.</a:t>
+            </a:r>
+          </a:p>
+          <a:p>
             <a:endParaRPr lang="en-US" altLang="ko-KR" dirty="0"/>
           </a:p>
           <a:p>
+            <a:r>
+              <a:rPr lang="ko-KR" altLang="en-US" dirty="0"/>
+              <a:t>주문내역에 </a:t>
+            </a:r>
+            <a:r>
+              <a:rPr lang="en-US" altLang="ko-KR" dirty="0"/>
+              <a:t>Idempotency key </a:t>
+            </a:r>
+            <a:r>
+              <a:rPr lang="ko-KR" altLang="en-US" dirty="0"/>
+              <a:t>를 서명해 </a:t>
+            </a:r>
+            <a:r>
+              <a:rPr lang="en-US" altLang="ko-KR" dirty="0"/>
+              <a:t>PG</a:t>
+            </a:r>
+            <a:r>
+              <a:rPr lang="ko-KR" altLang="en-US" dirty="0"/>
+              <a:t>로 결제요청을 보냅니다</a:t>
+            </a:r>
+            <a:r>
+              <a:rPr lang="en-US" altLang="ko-KR" dirty="0"/>
+              <a:t>. PG</a:t>
+            </a:r>
+            <a:r>
+              <a:rPr lang="ko-KR" altLang="en-US" dirty="0"/>
+              <a:t>는 </a:t>
+            </a:r>
+            <a:r>
+              <a:rPr lang="en-US" altLang="ko-KR" dirty="0"/>
+              <a:t>Idempotency key </a:t>
+            </a:r>
+            <a:r>
+              <a:rPr lang="ko-KR" altLang="en-US" dirty="0"/>
+              <a:t>가 내가 발급한 키인지 확인하고</a:t>
+            </a:r>
+            <a:r>
+              <a:rPr lang="en-US" altLang="ko-KR" dirty="0"/>
+              <a:t>, </a:t>
+            </a:r>
+            <a:r>
+              <a:rPr lang="ko-KR" altLang="en-US" dirty="0" err="1"/>
+              <a:t>맞다면</a:t>
+            </a:r>
+            <a:r>
+              <a:rPr lang="ko-KR" altLang="en-US" dirty="0"/>
+              <a:t> 이를 승인 처리합니다</a:t>
+            </a:r>
+            <a:r>
+              <a:rPr lang="en-US" altLang="ko-KR" dirty="0"/>
+              <a:t>.</a:t>
+            </a:r>
+          </a:p>
+          <a:p>
             <a:endParaRPr lang="en-US" altLang="ko-KR" dirty="0"/>
           </a:p>
           <a:p>
+            <a:r>
+              <a:rPr lang="ko-KR" altLang="en-US" dirty="0"/>
+              <a:t>이게 </a:t>
+            </a:r>
+            <a:r>
+              <a:rPr lang="en-US" altLang="ko-KR" dirty="0"/>
+              <a:t>capture </a:t>
+            </a:r>
+            <a:r>
+              <a:rPr lang="ko-KR" altLang="en-US" dirty="0"/>
+              <a:t>입니다</a:t>
+            </a:r>
+            <a:r>
+              <a:rPr lang="en-US" altLang="ko-KR" dirty="0"/>
+              <a:t>.</a:t>
+            </a:r>
+          </a:p>
+          <a:p>
             <a:endParaRPr lang="en-US" altLang="ko-KR" dirty="0"/>
+          </a:p>
+          <a:p>
+            <a:r>
+              <a:rPr lang="en-US" altLang="ko-KR" dirty="0"/>
+              <a:t>Capture </a:t>
+            </a:r>
+            <a:r>
+              <a:rPr lang="ko-KR" altLang="en-US" dirty="0"/>
+              <a:t>과정에서</a:t>
+            </a:r>
+            <a:r>
+              <a:rPr lang="en-US" altLang="ko-KR" dirty="0"/>
+              <a:t>, </a:t>
+            </a:r>
+            <a:r>
+              <a:rPr lang="ko-KR" altLang="en-US" dirty="0"/>
+              <a:t>처리 완료된 </a:t>
+            </a:r>
+            <a:r>
+              <a:rPr lang="en-US" altLang="ko-KR" dirty="0"/>
+              <a:t>Idempotency key </a:t>
+            </a:r>
+            <a:r>
+              <a:rPr lang="ko-KR" altLang="en-US" dirty="0"/>
+              <a:t>가 다시</a:t>
+            </a:r>
+            <a:r>
+              <a:rPr lang="en-US" altLang="ko-KR" dirty="0"/>
+              <a:t> </a:t>
+            </a:r>
+            <a:r>
+              <a:rPr lang="ko-KR" altLang="en-US" dirty="0"/>
+              <a:t>한 번 들어온다면</a:t>
+            </a:r>
+            <a:r>
+              <a:rPr lang="en-US" altLang="ko-KR" dirty="0"/>
+              <a:t>, </a:t>
+            </a:r>
+            <a:r>
+              <a:rPr lang="ko-KR" altLang="en-US" dirty="0"/>
+              <a:t>이는 </a:t>
+            </a:r>
+            <a:r>
+              <a:rPr lang="en-US" altLang="ko-KR" dirty="0"/>
+              <a:t>Double spending </a:t>
+            </a:r>
+            <a:r>
+              <a:rPr lang="ko-KR" altLang="en-US" dirty="0"/>
+              <a:t>이기 때문에 승인을 거절합니다</a:t>
+            </a:r>
+            <a:r>
+              <a:rPr lang="en-US" altLang="ko-KR" dirty="0"/>
+              <a:t>.</a:t>
+            </a:r>
+          </a:p>
+          <a:p>
+            <a:endParaRPr lang="en-US" altLang="ko-KR" dirty="0"/>
+          </a:p>
+          <a:p>
+            <a:r>
+              <a:rPr lang="ko-KR" altLang="en-US" dirty="0"/>
+              <a:t>이런 </a:t>
+            </a:r>
+            <a:r>
+              <a:rPr lang="en-US" altLang="ko-KR" dirty="0"/>
+              <a:t>Auth capture </a:t>
+            </a:r>
+            <a:r>
+              <a:rPr lang="ko-KR" altLang="en-US" dirty="0"/>
+              <a:t>과정은 </a:t>
+            </a:r>
+            <a:r>
+              <a:rPr lang="en-US" altLang="ko-KR" dirty="0"/>
+              <a:t>PG</a:t>
+            </a:r>
+            <a:r>
+              <a:rPr lang="ko-KR" altLang="en-US" dirty="0"/>
+              <a:t>사와 </a:t>
+            </a:r>
+            <a:r>
+              <a:rPr lang="en-US" altLang="ko-KR" dirty="0"/>
+              <a:t>Card </a:t>
+            </a:r>
+            <a:r>
+              <a:rPr lang="ko-KR" altLang="en-US" dirty="0"/>
+              <a:t>지불네트워크 사이에서도 동일하게 사용됩니다</a:t>
+            </a:r>
+            <a:r>
+              <a:rPr lang="en-US" altLang="ko-KR" dirty="0"/>
+              <a:t>.</a:t>
+            </a:r>
           </a:p>
         </p:txBody>
       </p:sp>
@@ -4723,12 +5561,24 @@
           <a:lstStyle/>
           <a:p>
             <a:r>
-              <a:rPr lang="en-US" altLang="ko-KR" dirty="0"/>
-              <a:t>PG</a:t>
-            </a:r>
-            <a:r>
-              <a:rPr lang="ko-KR" altLang="en-US" dirty="0"/>
-              <a:t>사 연동을 이용한 결제 서비스를 설계해 보겠습니다</a:t>
+              <a:rPr lang="ko-KR" altLang="en-US" dirty="0"/>
+              <a:t>저희가 구현할</a:t>
+            </a:r>
+            <a:r>
+              <a:rPr lang="en-US" altLang="ko-KR" dirty="0"/>
+              <a:t>,</a:t>
+            </a:r>
+            <a:r>
+              <a:rPr lang="ko-KR" altLang="en-US" dirty="0"/>
+              <a:t> </a:t>
+            </a:r>
+            <a:r>
+              <a:rPr lang="en-US" altLang="ko-KR" dirty="0"/>
+              <a:t>Payment Gateway </a:t>
+            </a:r>
+            <a:r>
+              <a:rPr lang="ko-KR" altLang="en-US" dirty="0"/>
+              <a:t>기반 결제 서비스를 설계해 보겠습니다</a:t>
             </a:r>
             <a:r>
               <a:rPr lang="en-US" altLang="ko-KR" dirty="0"/>
@@ -8007,10 +8857,10 @@
       </p:sp>
       <p:pic>
         <p:nvPicPr>
-          <p:cNvPr id="1028" name="Picture 4">
+          <p:cNvPr id="1026" name="Picture 2">
             <a:extLst>
               <a:ext uri="{FF2B5EF4-FFF2-40B4-BE49-F238E27FC236}">
-                <a16:creationId xmlns:a16="http://schemas.microsoft.com/office/drawing/2014/main" id="{9412B3A0-9BA1-0126-6978-36F8A6E815C7}"/>
+                <a16:creationId xmlns:a16="http://schemas.microsoft.com/office/drawing/2014/main" id="{9289BCF5-F2E9-2A9D-8391-8D49D2AB777C}"/>
               </a:ext>
             </a:extLst>
           </p:cNvPr>
@@ -8034,8 +8884,8 @@
         </p:blipFill>
         <p:spPr bwMode="auto">
           <a:xfrm>
-            <a:off x="1915053" y="1186247"/>
-            <a:ext cx="4364367" cy="3895468"/>
+            <a:off x="2415823" y="1190625"/>
+            <a:ext cx="4332640" cy="3867150"/>
           </a:xfrm>
           <a:prstGeom prst="rect">
             <a:avLst/>
@@ -13092,10 +13942,10 @@
             <a:p>
               <a:pPr algn="ctr"/>
               <a:r>
-                <a:rPr lang="en-US" altLang="ko-KR" sz="900" dirty="0">
+                <a:rPr lang="en-US" altLang="ko-KR" sz="700" dirty="0">
                   <a:ea typeface="Spoqa Han Sans Neo Bold" panose="020B0800000000000000"/>
                 </a:rPr>
-                <a:t>(PSP)</a:t>
+                <a:t>(Payment Gateway)</a:t>
               </a:r>
             </a:p>
             <a:p>
@@ -13194,7 +14044,7 @@
         <p:spPr>
           <a:xfrm>
             <a:off x="6218672" y="3503112"/>
-            <a:ext cx="1128258" cy="646331"/>
+            <a:ext cx="1128258" cy="461665"/>
           </a:xfrm>
           <a:prstGeom prst="rect">
             <a:avLst/>
@@ -13215,17 +14065,6 @@
                 <a:ea typeface="Spoqa Han Sans Neo Bold" panose="020B0800000000000000"/>
               </a:rPr>
               <a:t>PCI DSS level-1</a:t>
-            </a:r>
-          </a:p>
-          <a:p>
-            <a:r>
-              <a:rPr lang="en-US" altLang="ko-KR" sz="1200" b="1" dirty="0">
-                <a:solidFill>
-                  <a:srgbClr val="FF0000"/>
-                </a:solidFill>
-                <a:ea typeface="Spoqa Han Sans Neo Bold" panose="020B0800000000000000"/>
-              </a:rPr>
-              <a:t>PSD2</a:t>
             </a:r>
           </a:p>
           <a:p>

--- a/99.ppt/[Ch4-7. 결제 서비스 구현.pptx
+++ b/99.ppt/[Ch4-7. 결제 서비스 구현.pptx
@@ -18,11 +18,11 @@
     <p:sldId id="343" r:id="rId9"/>
     <p:sldId id="344" r:id="rId10"/>
     <p:sldId id="315" r:id="rId11"/>
-    <p:sldId id="349" r:id="rId12"/>
-    <p:sldId id="348" r:id="rId13"/>
+    <p:sldId id="348" r:id="rId12"/>
+    <p:sldId id="349" r:id="rId13"/>
     <p:sldId id="350" r:id="rId14"/>
-    <p:sldId id="347" r:id="rId15"/>
-    <p:sldId id="346" r:id="rId16"/>
+    <p:sldId id="346" r:id="rId15"/>
+    <p:sldId id="347" r:id="rId16"/>
     <p:sldId id="353" r:id="rId17"/>
     <p:sldId id="264" r:id="rId18"/>
     <p:sldId id="355" r:id="rId19"/>
@@ -235,7 +235,7 @@
           <a:p>
             <a:fld id="{9B770909-2C76-4DF9-BB76-4EE283593418}" type="datetimeFigureOut">
               <a:rPr lang="ko-KR" altLang="en-US" smtClean="0"/>
-              <a:t>2023-10-12</a:t>
+              <a:t>2023-10-13</a:t>
             </a:fld>
             <a:endParaRPr lang="ko-KR" altLang="en-US"/>
           </a:p>
@@ -936,7 +936,7 @@
     </p:spTree>
     <p:extLst>
       <p:ext uri="{BB962C8B-B14F-4D97-AF65-F5344CB8AC3E}">
-        <p14:creationId xmlns:p14="http://schemas.microsoft.com/office/powerpoint/2010/main" val="741720168"/>
+        <p14:creationId xmlns:p14="http://schemas.microsoft.com/office/powerpoint/2010/main" val="1323937303"/>
       </p:ext>
     </p:extLst>
   </p:cSld>
@@ -1020,7 +1020,7 @@
     </p:spTree>
     <p:extLst>
       <p:ext uri="{BB962C8B-B14F-4D97-AF65-F5344CB8AC3E}">
-        <p14:creationId xmlns:p14="http://schemas.microsoft.com/office/powerpoint/2010/main" val="1323937303"/>
+        <p14:creationId xmlns:p14="http://schemas.microsoft.com/office/powerpoint/2010/main" val="741720168"/>
       </p:ext>
     </p:extLst>
   </p:cSld>
@@ -1200,7 +1200,7 @@
     </p:spTree>
     <p:extLst>
       <p:ext uri="{BB962C8B-B14F-4D97-AF65-F5344CB8AC3E}">
-        <p14:creationId xmlns:p14="http://schemas.microsoft.com/office/powerpoint/2010/main" val="2032762576"/>
+        <p14:creationId xmlns:p14="http://schemas.microsoft.com/office/powerpoint/2010/main" val="291635600"/>
       </p:ext>
     </p:extLst>
   </p:cSld>
@@ -1254,6 +1254,119 @@
           <a:bodyPr/>
           <a:lstStyle/>
           <a:p>
+            <a:pPr>
+              <a:buFont typeface="Arial" panose="020B0604020202020204" pitchFamily="34" charset="0"/>
+              <a:buChar char="•"/>
+            </a:pPr>
+            <a:r>
+              <a:rPr lang="ko-KR" altLang="en-US" dirty="0"/>
+              <a:t>하루 </a:t>
+            </a:r>
+            <a:r>
+              <a:rPr lang="en-US" altLang="ko-KR" dirty="0"/>
+              <a:t>100</a:t>
+            </a:r>
+            <a:r>
+              <a:rPr lang="ko-KR" altLang="en-US" dirty="0" err="1"/>
+              <a:t>만건의</a:t>
+            </a:r>
+            <a:r>
+              <a:rPr lang="ko-KR" altLang="en-US" dirty="0"/>
+              <a:t> 결재가 발생한다</a:t>
+            </a:r>
+            <a:r>
+              <a:rPr lang="en-US" altLang="ko-KR" dirty="0"/>
+              <a:t>. TPS </a:t>
+            </a:r>
+            <a:r>
+              <a:rPr lang="ko-KR" altLang="en-US" dirty="0"/>
+              <a:t>는 </a:t>
+            </a:r>
+            <a:r>
+              <a:rPr lang="en-US" altLang="ko-KR" dirty="0"/>
+              <a:t>? </a:t>
+            </a:r>
+          </a:p>
+          <a:p>
+            <a:pPr marL="742950" lvl="1" indent="-285750">
+              <a:buFont typeface="Arial" panose="020B0604020202020204" pitchFamily="34" charset="0"/>
+              <a:buChar char="•"/>
+            </a:pPr>
+            <a:r>
+              <a:rPr lang="en-US" altLang="ko-KR" dirty="0"/>
+              <a:t>1,000,000 / 100,000 = </a:t>
+            </a:r>
+            <a:r>
+              <a:rPr lang="ko-KR" altLang="en-US" dirty="0"/>
+              <a:t>약 </a:t>
+            </a:r>
+            <a:r>
+              <a:rPr lang="en-US" altLang="ko-KR" dirty="0"/>
+              <a:t>10 TPS </a:t>
+            </a:r>
+          </a:p>
+          <a:p>
+            <a:pPr marL="1143000" lvl="2" indent="-228600">
+              <a:buFont typeface="Arial" panose="020B0604020202020204" pitchFamily="34" charset="0"/>
+              <a:buChar char="•"/>
+            </a:pPr>
+            <a:r>
+              <a:rPr lang="en-US" altLang="ko-KR" dirty="0"/>
+              <a:t>1,000,000 / (24</a:t>
+            </a:r>
+            <a:r>
+              <a:rPr lang="ko-KR" altLang="en-US" dirty="0"/>
+              <a:t>시간 * </a:t>
+            </a:r>
+            <a:r>
+              <a:rPr lang="en-US" altLang="ko-KR" dirty="0"/>
+              <a:t>60</a:t>
+            </a:r>
+            <a:r>
+              <a:rPr lang="ko-KR" altLang="en-US" dirty="0"/>
+              <a:t>분 * </a:t>
+            </a:r>
+            <a:r>
+              <a:rPr lang="en-US" altLang="ko-KR" dirty="0"/>
+              <a:t>60</a:t>
+            </a:r>
+            <a:r>
+              <a:rPr lang="ko-KR" altLang="en-US" dirty="0"/>
+              <a:t>초</a:t>
+            </a:r>
+            <a:r>
+              <a:rPr lang="en-US" altLang="ko-KR" dirty="0"/>
+              <a:t>) = 1,000,000 / 86,400 = 11.57 TPS</a:t>
+            </a:r>
+          </a:p>
+          <a:p>
+            <a:pPr marL="742950" lvl="1" indent="-285750">
+              <a:buFont typeface="Arial" panose="020B0604020202020204" pitchFamily="34" charset="0"/>
+              <a:buChar char="•"/>
+            </a:pPr>
+            <a:r>
+              <a:rPr lang="ko-KR" altLang="en-US" dirty="0"/>
+              <a:t>서울시 일평균 택시 결제건수 </a:t>
+            </a:r>
+            <a:r>
+              <a:rPr lang="en-US" altLang="ko-KR" dirty="0"/>
+              <a:t>= 800,000 → 9.26 TPS </a:t>
+            </a:r>
+          </a:p>
+          <a:p>
+            <a:pPr marL="1143000" lvl="2" indent="-228600">
+              <a:buFont typeface="Arial" panose="020B0604020202020204" pitchFamily="34" charset="0"/>
+              <a:buChar char="•"/>
+            </a:pPr>
+            <a:r>
+              <a:rPr lang="en-US" altLang="ko-KR" dirty="0">
+                <a:hlinkClick r:id="rId3"/>
+              </a:rPr>
+              <a:t>https://news.seoul.go.kr/traffic/archives/307</a:t>
+            </a:r>
+            <a:endParaRPr lang="ko-KR" altLang="en-US"/>
+          </a:p>
+          <a:p>
             <a:endParaRPr lang="en-US" altLang="ko-KR" dirty="0"/>
           </a:p>
         </p:txBody>
@@ -1284,7 +1397,7 @@
     </p:spTree>
     <p:extLst>
       <p:ext uri="{BB962C8B-B14F-4D97-AF65-F5344CB8AC3E}">
-        <p14:creationId xmlns:p14="http://schemas.microsoft.com/office/powerpoint/2010/main" val="291635600"/>
+        <p14:creationId xmlns:p14="http://schemas.microsoft.com/office/powerpoint/2010/main" val="2032762576"/>
       </p:ext>
     </p:extLst>
   </p:cSld>
@@ -1353,12 +1466,13 @@
           <a:p>
             <a:r>
               <a:rPr lang="ko-KR" altLang="en-US" dirty="0"/>
-              <a:t>지금부터는 결제 서비스를 구현해 보겠습니다</a:t>
-            </a:r>
-            <a:r>
-              <a:rPr lang="en-US" altLang="ko-KR" dirty="0"/>
+              <a:t>지금부터는 결제 서비스를 구현환경을 세팅해 보겠습니다</a:t>
+            </a:r>
+            <a:r>
+              <a:rPr lang="en-US" altLang="ko-KR"/>
               <a:t>.</a:t>
             </a:r>
+            <a:endParaRPr lang="en-US" altLang="ko-KR" dirty="0"/>
           </a:p>
         </p:txBody>
       </p:sp>
@@ -7985,218 +8099,6 @@
       </p:grpSpPr>
       <p:sp>
         <p:nvSpPr>
-          <p:cNvPr id="7" name="Google Shape;209;p30">
-            <a:extLst>
-              <a:ext uri="{FF2B5EF4-FFF2-40B4-BE49-F238E27FC236}">
-                <a16:creationId xmlns:a16="http://schemas.microsoft.com/office/drawing/2014/main" id="{35F3E219-4EBB-8DE8-0966-E4317399395E}"/>
-              </a:ext>
-            </a:extLst>
-          </p:cNvPr>
-          <p:cNvSpPr/>
-          <p:nvPr/>
-        </p:nvSpPr>
-        <p:spPr>
-          <a:xfrm>
-            <a:off x="7811013" y="528014"/>
-            <a:ext cx="952500" cy="298200"/>
-          </a:xfrm>
-          <a:prstGeom prst="rect">
-            <a:avLst/>
-          </a:prstGeom>
-          <a:noFill/>
-          <a:ln>
-            <a:noFill/>
-          </a:ln>
-        </p:spPr>
-        <p:txBody>
-          <a:bodyPr spcFirstLastPara="1" wrap="square" lIns="19050" tIns="19050" rIns="19050" bIns="19050" anchor="t" anchorCtr="0">
-            <a:noAutofit/>
-          </a:bodyPr>
-          <a:lstStyle/>
-          <a:p>
-            <a:pPr marL="63500" marR="0" lvl="1" indent="0" algn="l" rtl="0">
-              <a:lnSpc>
-                <a:spcPct val="90000"/>
-              </a:lnSpc>
-              <a:spcBef>
-                <a:spcPts val="0"/>
-              </a:spcBef>
-              <a:spcAft>
-                <a:spcPts val="0"/>
-              </a:spcAft>
-              <a:buNone/>
-            </a:pPr>
-            <a:r>
-              <a:rPr lang="en-US" altLang="ko" sz="1200" b="1" i="0" u="none" strike="noStrike" cap="none" dirty="0">
-                <a:solidFill>
-                  <a:schemeClr val="bg1"/>
-                </a:solidFill>
-                <a:latin typeface="Arial"/>
-                <a:ea typeface="Arial"/>
-                <a:cs typeface="Arial"/>
-                <a:sym typeface="Arial"/>
-              </a:rPr>
-              <a:t>3</a:t>
-            </a:r>
-            <a:r>
-              <a:rPr lang="ko" sz="1200" b="1" i="0" u="none" strike="noStrike" cap="none" dirty="0">
-                <a:solidFill>
-                  <a:schemeClr val="bg1"/>
-                </a:solidFill>
-                <a:latin typeface="Arial"/>
-                <a:ea typeface="Arial"/>
-                <a:cs typeface="Arial"/>
-                <a:sym typeface="Arial"/>
-              </a:rPr>
-              <a:t>.</a:t>
-            </a:r>
-            <a:endParaRPr sz="500" dirty="0">
-              <a:solidFill>
-                <a:schemeClr val="bg1"/>
-              </a:solidFill>
-            </a:endParaRPr>
-          </a:p>
-        </p:txBody>
-      </p:sp>
-      <p:sp>
-        <p:nvSpPr>
-          <p:cNvPr id="8" name="Google Shape;210;p30">
-            <a:extLst>
-              <a:ext uri="{FF2B5EF4-FFF2-40B4-BE49-F238E27FC236}">
-                <a16:creationId xmlns:a16="http://schemas.microsoft.com/office/drawing/2014/main" id="{8CB63A74-B5C7-DCAA-53F5-96E44004D694}"/>
-              </a:ext>
-            </a:extLst>
-          </p:cNvPr>
-          <p:cNvSpPr/>
-          <p:nvPr/>
-        </p:nvSpPr>
-        <p:spPr>
-          <a:xfrm>
-            <a:off x="7811013" y="825047"/>
-            <a:ext cx="952500" cy="293400"/>
-          </a:xfrm>
-          <a:prstGeom prst="rect">
-            <a:avLst/>
-          </a:prstGeom>
-          <a:noFill/>
-          <a:ln>
-            <a:noFill/>
-          </a:ln>
-        </p:spPr>
-        <p:txBody>
-          <a:bodyPr spcFirstLastPara="1" wrap="square" lIns="19050" tIns="19050" rIns="19050" bIns="19050" anchor="t" anchorCtr="0">
-            <a:noAutofit/>
-          </a:bodyPr>
-          <a:lstStyle/>
-          <a:p>
-            <a:pPr marL="63500" marR="0" lvl="1" indent="0" algn="l" rtl="0">
-              <a:spcBef>
-                <a:spcPts val="200"/>
-              </a:spcBef>
-              <a:spcAft>
-                <a:spcPts val="0"/>
-              </a:spcAft>
-              <a:buClr>
-                <a:srgbClr val="000000"/>
-              </a:buClr>
-              <a:buFont typeface="Arial"/>
-              <a:buNone/>
-            </a:pPr>
-            <a:r>
-              <a:rPr lang="ko-KR" altLang="en-US" sz="800" dirty="0">
-                <a:solidFill>
-                  <a:schemeClr val="bg1"/>
-                </a:solidFill>
-              </a:rPr>
-              <a:t>결제 서비스 설계</a:t>
-            </a:r>
-            <a:endParaRPr sz="800" dirty="0">
-              <a:solidFill>
-                <a:schemeClr val="bg1"/>
-              </a:solidFill>
-            </a:endParaRPr>
-          </a:p>
-        </p:txBody>
-      </p:sp>
-      <p:pic>
-        <p:nvPicPr>
-          <p:cNvPr id="2050" name="Picture 2">
-            <a:extLst>
-              <a:ext uri="{FF2B5EF4-FFF2-40B4-BE49-F238E27FC236}">
-                <a16:creationId xmlns:a16="http://schemas.microsoft.com/office/drawing/2014/main" id="{097DC857-FB21-CE89-813F-C206CE4D7B14}"/>
-              </a:ext>
-            </a:extLst>
-          </p:cNvPr>
-          <p:cNvPicPr>
-            <a:picLocks noChangeAspect="1" noChangeArrowheads="1"/>
-          </p:cNvPicPr>
-          <p:nvPr/>
-        </p:nvPicPr>
-        <p:blipFill>
-          <a:blip r:embed="rId3">
-            <a:extLst>
-              <a:ext uri="{28A0092B-C50C-407E-A947-70E740481C1C}">
-                <a14:useLocalDpi xmlns:a14="http://schemas.microsoft.com/office/drawing/2010/main" val="0"/>
-              </a:ext>
-            </a:extLst>
-          </a:blip>
-          <a:srcRect/>
-          <a:stretch>
-            <a:fillRect/>
-          </a:stretch>
-        </p:blipFill>
-        <p:spPr bwMode="auto">
-          <a:xfrm>
-            <a:off x="1573213" y="0"/>
-            <a:ext cx="5997575" cy="5143500"/>
-          </a:xfrm>
-          <a:prstGeom prst="rect">
-            <a:avLst/>
-          </a:prstGeom>
-          <a:noFill/>
-          <a:extLst>
-            <a:ext uri="{909E8E84-426E-40DD-AFC4-6F175D3DCCD1}">
-              <a14:hiddenFill xmlns:a14="http://schemas.microsoft.com/office/drawing/2010/main">
-                <a:solidFill>
-                  <a:srgbClr val="FFFFFF"/>
-                </a:solidFill>
-              </a14:hiddenFill>
-            </a:ext>
-          </a:extLst>
-        </p:spPr>
-      </p:pic>
-    </p:spTree>
-    <p:extLst>
-      <p:ext uri="{BB962C8B-B14F-4D97-AF65-F5344CB8AC3E}">
-        <p14:creationId xmlns:p14="http://schemas.microsoft.com/office/powerpoint/2010/main" val="1621025704"/>
-      </p:ext>
-    </p:extLst>
-  </p:cSld>
-  <p:clrMapOvr>
-    <a:masterClrMapping/>
-  </p:clrMapOvr>
-</p:sld>
-</file>
-
-<file path=ppt/slides/slide12.xml><?xml version="1.0" encoding="utf-8"?>
-<p:sld xmlns:a="http://schemas.openxmlformats.org/drawingml/2006/main" xmlns:r="http://schemas.openxmlformats.org/officeDocument/2006/relationships" xmlns:p="http://schemas.openxmlformats.org/presentationml/2006/main">
-  <p:cSld>
-    <p:spTree>
-      <p:nvGrpSpPr>
-        <p:cNvPr id="1" name=""/>
-        <p:cNvGrpSpPr/>
-        <p:nvPr/>
-      </p:nvGrpSpPr>
-      <p:grpSpPr>
-        <a:xfrm>
-          <a:off x="0" y="0"/>
-          <a:ext cx="0" cy="0"/>
-          <a:chOff x="0" y="0"/>
-          <a:chExt cx="0" cy="0"/>
-        </a:xfrm>
-      </p:grpSpPr>
-      <p:sp>
-        <p:nvSpPr>
           <p:cNvPr id="2" name="제목 1">
             <a:extLst>
               <a:ext uri="{FF2B5EF4-FFF2-40B4-BE49-F238E27FC236}">
@@ -8419,97 +8321,7 @@
 </p:sld>
 </file>
 
-<file path=ppt/slides/slide13.xml><?xml version="1.0" encoding="utf-8"?>
-<p:sld xmlns:a="http://schemas.openxmlformats.org/drawingml/2006/main" xmlns:r="http://schemas.openxmlformats.org/officeDocument/2006/relationships" xmlns:p="http://schemas.openxmlformats.org/presentationml/2006/main">
-  <p:cSld>
-    <p:spTree>
-      <p:nvGrpSpPr>
-        <p:cNvPr id="1" name=""/>
-        <p:cNvGrpSpPr/>
-        <p:nvPr/>
-      </p:nvGrpSpPr>
-      <p:grpSpPr>
-        <a:xfrm>
-          <a:off x="0" y="0"/>
-          <a:ext cx="0" cy="0"/>
-          <a:chOff x="0" y="0"/>
-          <a:chExt cx="0" cy="0"/>
-        </a:xfrm>
-      </p:grpSpPr>
-      <p:sp>
-        <p:nvSpPr>
-          <p:cNvPr id="4" name="제목 3">
-            <a:extLst>
-              <a:ext uri="{FF2B5EF4-FFF2-40B4-BE49-F238E27FC236}">
-                <a16:creationId xmlns:a16="http://schemas.microsoft.com/office/drawing/2014/main" id="{AA6C3C0E-F24F-9763-AC2A-545FB7F3873E}"/>
-              </a:ext>
-            </a:extLst>
-          </p:cNvPr>
-          <p:cNvSpPr>
-            <a:spLocks noGrp="1"/>
-          </p:cNvSpPr>
-          <p:nvPr>
-            <p:ph type="ctrTitle"/>
-          </p:nvPr>
-        </p:nvSpPr>
-        <p:spPr/>
-        <p:txBody>
-          <a:bodyPr/>
-          <a:lstStyle/>
-          <a:p>
-            <a:r>
-              <a:rPr lang="ko-KR" altLang="en-US" dirty="0"/>
-              <a:t>결제 서비스 설계</a:t>
-            </a:r>
-          </a:p>
-        </p:txBody>
-      </p:sp>
-      <p:sp>
-        <p:nvSpPr>
-          <p:cNvPr id="5" name="부제목 4">
-            <a:extLst>
-              <a:ext uri="{FF2B5EF4-FFF2-40B4-BE49-F238E27FC236}">
-                <a16:creationId xmlns:a16="http://schemas.microsoft.com/office/drawing/2014/main" id="{CAF74D28-A379-C9BB-D8F9-E3B6A7427E89}"/>
-              </a:ext>
-            </a:extLst>
-          </p:cNvPr>
-          <p:cNvSpPr>
-            <a:spLocks noGrp="1"/>
-          </p:cNvSpPr>
-          <p:nvPr>
-            <p:ph type="subTitle" idx="1"/>
-          </p:nvPr>
-        </p:nvSpPr>
-        <p:spPr/>
-        <p:txBody>
-          <a:bodyPr/>
-          <a:lstStyle/>
-          <a:p>
-            <a:pPr marL="0" indent="0" algn="r">
-              <a:buNone/>
-            </a:pPr>
-            <a:r>
-              <a:rPr lang="en-US" altLang="ko-KR" dirty="0"/>
-              <a:t>System Design</a:t>
-            </a:r>
-            <a:endParaRPr lang="ko-KR" altLang="en-US" dirty="0"/>
-          </a:p>
-        </p:txBody>
-      </p:sp>
-    </p:spTree>
-    <p:extLst>
-      <p:ext uri="{BB962C8B-B14F-4D97-AF65-F5344CB8AC3E}">
-        <p14:creationId xmlns:p14="http://schemas.microsoft.com/office/powerpoint/2010/main" val="3123472479"/>
-      </p:ext>
-    </p:extLst>
-  </p:cSld>
-  <p:clrMapOvr>
-    <a:masterClrMapping/>
-  </p:clrMapOvr>
-</p:sld>
-</file>
-
-<file path=ppt/slides/slide14.xml><?xml version="1.0" encoding="utf-8"?>
+<file path=ppt/slides/slide12.xml><?xml version="1.0" encoding="utf-8"?>
 <p:sld xmlns:a="http://schemas.openxmlformats.org/drawingml/2006/main" xmlns:r="http://schemas.openxmlformats.org/officeDocument/2006/relationships" xmlns:p="http://schemas.openxmlformats.org/presentationml/2006/main">
   <p:cSld>
     <p:spTree>
@@ -8661,10 +8473,57 @@
           </a:p>
         </p:txBody>
       </p:sp>
+      <p:pic>
+        <p:nvPicPr>
+          <p:cNvPr id="2" name="Picture 2">
+            <a:extLst>
+              <a:ext uri="{FF2B5EF4-FFF2-40B4-BE49-F238E27FC236}">
+                <a16:creationId xmlns:a16="http://schemas.microsoft.com/office/drawing/2014/main" id="{F7CED50E-5751-244B-0801-29898AF7ADFD}"/>
+              </a:ext>
+            </a:extLst>
+          </p:cNvPr>
+          <p:cNvPicPr>
+            <a:picLocks noChangeAspect="1" noChangeArrowheads="1"/>
+          </p:cNvPicPr>
+          <p:nvPr/>
+        </p:nvPicPr>
+        <p:blipFill>
+          <a:blip r:embed="rId3">
+            <a:extLst>
+              <a:ext uri="{28A0092B-C50C-407E-A947-70E740481C1C}">
+                <a14:useLocalDpi xmlns:a14="http://schemas.microsoft.com/office/drawing/2010/main" val="0"/>
+              </a:ext>
+            </a:extLst>
+          </a:blip>
+          <a:srcRect/>
+          <a:stretch>
+            <a:fillRect/>
+          </a:stretch>
+        </p:blipFill>
+        <p:spPr bwMode="auto">
+          <a:xfrm>
+            <a:off x="1530626" y="88186"/>
+            <a:ext cx="5824330" cy="4987006"/>
+          </a:xfrm>
+          <a:prstGeom prst="rect">
+            <a:avLst/>
+          </a:prstGeom>
+          <a:noFill/>
+          <a:extLst>
+            <a:ext uri="{909E8E84-426E-40DD-AFC4-6F175D3DCCD1}">
+              <a14:hiddenFill xmlns:a14="http://schemas.microsoft.com/office/drawing/2010/main">
+                <a:solidFill>
+                  <a:srgbClr val="FFFFFF"/>
+                </a:solidFill>
+              </a14:hiddenFill>
+            </a:ext>
+          </a:extLst>
+        </p:spPr>
+      </p:pic>
     </p:spTree>
     <p:extLst>
       <p:ext uri="{BB962C8B-B14F-4D97-AF65-F5344CB8AC3E}">
-        <p14:creationId xmlns:p14="http://schemas.microsoft.com/office/powerpoint/2010/main" val="2094486507"/>
+        <p14:creationId xmlns:p14="http://schemas.microsoft.com/office/powerpoint/2010/main" val="1621025704"/>
       </p:ext>
     </p:extLst>
   </p:cSld>
@@ -8674,7 +8533,97 @@
 </p:sld>
 </file>
 
-<file path=ppt/slides/slide15.xml><?xml version="1.0" encoding="utf-8"?>
+<file path=ppt/slides/slide13.xml><?xml version="1.0" encoding="utf-8"?>
+<p:sld xmlns:a="http://schemas.openxmlformats.org/drawingml/2006/main" xmlns:r="http://schemas.openxmlformats.org/officeDocument/2006/relationships" xmlns:p="http://schemas.openxmlformats.org/presentationml/2006/main">
+  <p:cSld>
+    <p:spTree>
+      <p:nvGrpSpPr>
+        <p:cNvPr id="1" name=""/>
+        <p:cNvGrpSpPr/>
+        <p:nvPr/>
+      </p:nvGrpSpPr>
+      <p:grpSpPr>
+        <a:xfrm>
+          <a:off x="0" y="0"/>
+          <a:ext cx="0" cy="0"/>
+          <a:chOff x="0" y="0"/>
+          <a:chExt cx="0" cy="0"/>
+        </a:xfrm>
+      </p:grpSpPr>
+      <p:sp>
+        <p:nvSpPr>
+          <p:cNvPr id="4" name="제목 3">
+            <a:extLst>
+              <a:ext uri="{FF2B5EF4-FFF2-40B4-BE49-F238E27FC236}">
+                <a16:creationId xmlns:a16="http://schemas.microsoft.com/office/drawing/2014/main" id="{AA6C3C0E-F24F-9763-AC2A-545FB7F3873E}"/>
+              </a:ext>
+            </a:extLst>
+          </p:cNvPr>
+          <p:cNvSpPr>
+            <a:spLocks noGrp="1"/>
+          </p:cNvSpPr>
+          <p:nvPr>
+            <p:ph type="ctrTitle"/>
+          </p:nvPr>
+        </p:nvSpPr>
+        <p:spPr/>
+        <p:txBody>
+          <a:bodyPr/>
+          <a:lstStyle/>
+          <a:p>
+            <a:r>
+              <a:rPr lang="ko-KR" altLang="en-US" dirty="0"/>
+              <a:t>결제 서비스 설계</a:t>
+            </a:r>
+          </a:p>
+        </p:txBody>
+      </p:sp>
+      <p:sp>
+        <p:nvSpPr>
+          <p:cNvPr id="5" name="부제목 4">
+            <a:extLst>
+              <a:ext uri="{FF2B5EF4-FFF2-40B4-BE49-F238E27FC236}">
+                <a16:creationId xmlns:a16="http://schemas.microsoft.com/office/drawing/2014/main" id="{CAF74D28-A379-C9BB-D8F9-E3B6A7427E89}"/>
+              </a:ext>
+            </a:extLst>
+          </p:cNvPr>
+          <p:cNvSpPr>
+            <a:spLocks noGrp="1"/>
+          </p:cNvSpPr>
+          <p:nvPr>
+            <p:ph type="subTitle" idx="1"/>
+          </p:nvPr>
+        </p:nvSpPr>
+        <p:spPr/>
+        <p:txBody>
+          <a:bodyPr/>
+          <a:lstStyle/>
+          <a:p>
+            <a:pPr marL="0" indent="0" algn="r">
+              <a:buNone/>
+            </a:pPr>
+            <a:r>
+              <a:rPr lang="en-US" altLang="ko-KR" dirty="0"/>
+              <a:t>System Design</a:t>
+            </a:r>
+            <a:endParaRPr lang="ko-KR" altLang="en-US" dirty="0"/>
+          </a:p>
+        </p:txBody>
+      </p:sp>
+    </p:spTree>
+    <p:extLst>
+      <p:ext uri="{BB962C8B-B14F-4D97-AF65-F5344CB8AC3E}">
+        <p14:creationId xmlns:p14="http://schemas.microsoft.com/office/powerpoint/2010/main" val="3123472479"/>
+      </p:ext>
+    </p:extLst>
+  </p:cSld>
+  <p:clrMapOvr>
+    <a:masterClrMapping/>
+  </p:clrMapOvr>
+</p:sld>
+</file>
+
+<file path=ppt/slides/slide14.xml><?xml version="1.0" encoding="utf-8"?>
 <p:sld xmlns:a="http://schemas.openxmlformats.org/drawingml/2006/main" xmlns:r="http://schemas.openxmlformats.org/officeDocument/2006/relationships" xmlns:p="http://schemas.openxmlformats.org/presentationml/2006/main">
   <p:cSld>
     <p:spTree>
@@ -8906,6 +8855,218 @@
     <p:extLst>
       <p:ext uri="{BB962C8B-B14F-4D97-AF65-F5344CB8AC3E}">
         <p14:creationId xmlns:p14="http://schemas.microsoft.com/office/powerpoint/2010/main" val="2097981426"/>
+      </p:ext>
+    </p:extLst>
+  </p:cSld>
+  <p:clrMapOvr>
+    <a:masterClrMapping/>
+  </p:clrMapOvr>
+</p:sld>
+</file>
+
+<file path=ppt/slides/slide15.xml><?xml version="1.0" encoding="utf-8"?>
+<p:sld xmlns:a="http://schemas.openxmlformats.org/drawingml/2006/main" xmlns:r="http://schemas.openxmlformats.org/officeDocument/2006/relationships" xmlns:p="http://schemas.openxmlformats.org/presentationml/2006/main">
+  <p:cSld>
+    <p:spTree>
+      <p:nvGrpSpPr>
+        <p:cNvPr id="1" name=""/>
+        <p:cNvGrpSpPr/>
+        <p:nvPr/>
+      </p:nvGrpSpPr>
+      <p:grpSpPr>
+        <a:xfrm>
+          <a:off x="0" y="0"/>
+          <a:ext cx="0" cy="0"/>
+          <a:chOff x="0" y="0"/>
+          <a:chExt cx="0" cy="0"/>
+        </a:xfrm>
+      </p:grpSpPr>
+      <p:sp>
+        <p:nvSpPr>
+          <p:cNvPr id="7" name="Google Shape;209;p30">
+            <a:extLst>
+              <a:ext uri="{FF2B5EF4-FFF2-40B4-BE49-F238E27FC236}">
+                <a16:creationId xmlns:a16="http://schemas.microsoft.com/office/drawing/2014/main" id="{35F3E219-4EBB-8DE8-0966-E4317399395E}"/>
+              </a:ext>
+            </a:extLst>
+          </p:cNvPr>
+          <p:cNvSpPr/>
+          <p:nvPr/>
+        </p:nvSpPr>
+        <p:spPr>
+          <a:xfrm>
+            <a:off x="7811013" y="528014"/>
+            <a:ext cx="952500" cy="298200"/>
+          </a:xfrm>
+          <a:prstGeom prst="rect">
+            <a:avLst/>
+          </a:prstGeom>
+          <a:noFill/>
+          <a:ln>
+            <a:noFill/>
+          </a:ln>
+        </p:spPr>
+        <p:txBody>
+          <a:bodyPr spcFirstLastPara="1" wrap="square" lIns="19050" tIns="19050" rIns="19050" bIns="19050" anchor="t" anchorCtr="0">
+            <a:noAutofit/>
+          </a:bodyPr>
+          <a:lstStyle/>
+          <a:p>
+            <a:pPr marL="63500" marR="0" lvl="1" indent="0" algn="l" rtl="0">
+              <a:lnSpc>
+                <a:spcPct val="90000"/>
+              </a:lnSpc>
+              <a:spcBef>
+                <a:spcPts val="0"/>
+              </a:spcBef>
+              <a:spcAft>
+                <a:spcPts val="0"/>
+              </a:spcAft>
+              <a:buNone/>
+            </a:pPr>
+            <a:r>
+              <a:rPr lang="en-US" altLang="ko" sz="1200" b="1" i="0" u="none" strike="noStrike" cap="none" dirty="0">
+                <a:solidFill>
+                  <a:schemeClr val="bg1"/>
+                </a:solidFill>
+                <a:latin typeface="Arial"/>
+                <a:ea typeface="Arial"/>
+                <a:cs typeface="Arial"/>
+                <a:sym typeface="Arial"/>
+              </a:rPr>
+              <a:t>3</a:t>
+            </a:r>
+            <a:r>
+              <a:rPr lang="ko" sz="1200" b="1" i="0" u="none" strike="noStrike" cap="none" dirty="0">
+                <a:solidFill>
+                  <a:schemeClr val="bg1"/>
+                </a:solidFill>
+                <a:latin typeface="Arial"/>
+                <a:ea typeface="Arial"/>
+                <a:cs typeface="Arial"/>
+                <a:sym typeface="Arial"/>
+              </a:rPr>
+              <a:t>.</a:t>
+            </a:r>
+            <a:endParaRPr sz="500" dirty="0">
+              <a:solidFill>
+                <a:schemeClr val="bg1"/>
+              </a:solidFill>
+            </a:endParaRPr>
+          </a:p>
+        </p:txBody>
+      </p:sp>
+      <p:sp>
+        <p:nvSpPr>
+          <p:cNvPr id="8" name="Google Shape;210;p30">
+            <a:extLst>
+              <a:ext uri="{FF2B5EF4-FFF2-40B4-BE49-F238E27FC236}">
+                <a16:creationId xmlns:a16="http://schemas.microsoft.com/office/drawing/2014/main" id="{8CB63A74-B5C7-DCAA-53F5-96E44004D694}"/>
+              </a:ext>
+            </a:extLst>
+          </p:cNvPr>
+          <p:cNvSpPr/>
+          <p:nvPr/>
+        </p:nvSpPr>
+        <p:spPr>
+          <a:xfrm>
+            <a:off x="7811013" y="825047"/>
+            <a:ext cx="952500" cy="293400"/>
+          </a:xfrm>
+          <a:prstGeom prst="rect">
+            <a:avLst/>
+          </a:prstGeom>
+          <a:noFill/>
+          <a:ln>
+            <a:noFill/>
+          </a:ln>
+        </p:spPr>
+        <p:txBody>
+          <a:bodyPr spcFirstLastPara="1" wrap="square" lIns="19050" tIns="19050" rIns="19050" bIns="19050" anchor="t" anchorCtr="0">
+            <a:noAutofit/>
+          </a:bodyPr>
+          <a:lstStyle/>
+          <a:p>
+            <a:pPr marL="63500" marR="0" lvl="1" indent="0" algn="l" rtl="0">
+              <a:spcBef>
+                <a:spcPts val="200"/>
+              </a:spcBef>
+              <a:spcAft>
+                <a:spcPts val="0"/>
+              </a:spcAft>
+              <a:buClr>
+                <a:srgbClr val="000000"/>
+              </a:buClr>
+              <a:buFont typeface="Arial"/>
+              <a:buNone/>
+            </a:pPr>
+            <a:r>
+              <a:rPr lang="ko-KR" altLang="en-US" sz="800" dirty="0">
+                <a:solidFill>
+                  <a:schemeClr val="bg1"/>
+                </a:solidFill>
+              </a:rPr>
+              <a:t>결제 서비스 설계</a:t>
+            </a:r>
+            <a:endParaRPr sz="800" dirty="0">
+              <a:solidFill>
+                <a:schemeClr val="bg1"/>
+              </a:solidFill>
+            </a:endParaRPr>
+          </a:p>
+        </p:txBody>
+      </p:sp>
+      <p:pic>
+        <p:nvPicPr>
+          <p:cNvPr id="2" name="Picture 2">
+            <a:extLst>
+              <a:ext uri="{FF2B5EF4-FFF2-40B4-BE49-F238E27FC236}">
+                <a16:creationId xmlns:a16="http://schemas.microsoft.com/office/drawing/2014/main" id="{E236BD6B-BC97-99C8-385C-C6780DB2959A}"/>
+              </a:ext>
+            </a:extLst>
+          </p:cNvPr>
+          <p:cNvPicPr>
+            <a:picLocks noChangeAspect="1" noChangeArrowheads="1"/>
+          </p:cNvPicPr>
+          <p:nvPr/>
+        </p:nvPicPr>
+        <p:blipFill>
+          <a:blip r:embed="rId3">
+            <a:extLst>
+              <a:ext uri="{28A0092B-C50C-407E-A947-70E740481C1C}">
+                <a14:useLocalDpi xmlns:a14="http://schemas.microsoft.com/office/drawing/2010/main" val="0"/>
+              </a:ext>
+            </a:extLst>
+          </a:blip>
+          <a:srcRect/>
+          <a:stretch>
+            <a:fillRect/>
+          </a:stretch>
+        </p:blipFill>
+        <p:spPr bwMode="auto">
+          <a:xfrm>
+            <a:off x="2067339" y="45680"/>
+            <a:ext cx="5615402" cy="5012095"/>
+          </a:xfrm>
+          <a:prstGeom prst="rect">
+            <a:avLst/>
+          </a:prstGeom>
+          <a:noFill/>
+          <a:extLst>
+            <a:ext uri="{909E8E84-426E-40DD-AFC4-6F175D3DCCD1}">
+              <a14:hiddenFill xmlns:a14="http://schemas.microsoft.com/office/drawing/2010/main">
+                <a:solidFill>
+                  <a:srgbClr val="FFFFFF"/>
+                </a:solidFill>
+              </a14:hiddenFill>
+            </a:ext>
+          </a:extLst>
+        </p:spPr>
+      </p:pic>
+    </p:spTree>
+    <p:extLst>
+      <p:ext uri="{BB962C8B-B14F-4D97-AF65-F5344CB8AC3E}">
+        <p14:creationId xmlns:p14="http://schemas.microsoft.com/office/powerpoint/2010/main" val="2094486507"/>
       </p:ext>
     </p:extLst>
   </p:cSld>

--- a/99.ppt/[Ch4-7. 결제 서비스 구현.pptx
+++ b/99.ppt/[Ch4-7. 결제 서비스 구현.pptx
@@ -235,7 +235,7 @@
           <a:p>
             <a:fld id="{9B770909-2C76-4DF9-BB76-4EE283593418}" type="datetimeFigureOut">
               <a:rPr lang="ko-KR" altLang="en-US" smtClean="0"/>
-              <a:t>2023-10-13</a:t>
+              <a:t>2023-11-01</a:t>
             </a:fld>
             <a:endParaRPr lang="ko-KR" altLang="en-US"/>
           </a:p>
@@ -4851,6 +4851,114 @@
         <p:txBody>
           <a:bodyPr/>
           <a:lstStyle/>
+          <a:p>
+            <a:r>
+              <a:rPr lang="ko-KR" altLang="en-US" dirty="0"/>
+              <a:t>커머스 플랫폼과 </a:t>
+            </a:r>
+            <a:r>
+              <a:rPr lang="en-US" altLang="ko-KR" dirty="0"/>
+              <a:t>PG</a:t>
+            </a:r>
+            <a:r>
+              <a:rPr lang="ko-KR" altLang="en-US" dirty="0"/>
+              <a:t>의 데이터가 동일 </a:t>
+            </a:r>
+            <a:r>
+              <a:rPr lang="en-US" altLang="ko-KR" dirty="0"/>
+              <a:t>DB</a:t>
+            </a:r>
+            <a:r>
+              <a:rPr lang="ko-KR" altLang="en-US" dirty="0"/>
+              <a:t>에 있다면</a:t>
+            </a:r>
+            <a:r>
+              <a:rPr lang="en-US" altLang="ko-KR" dirty="0"/>
+              <a:t>, </a:t>
+            </a:r>
+            <a:r>
+              <a:rPr lang="ko-KR" altLang="en-US" dirty="0" err="1"/>
+              <a:t>트렌젝션을</a:t>
+            </a:r>
+            <a:r>
+              <a:rPr lang="ko-KR" altLang="en-US" dirty="0"/>
+              <a:t> 통해 데이터 일관성을 확보할 수 있을 겁니다</a:t>
+            </a:r>
+            <a:r>
+              <a:rPr lang="en-US" altLang="ko-KR" dirty="0"/>
+              <a:t>.</a:t>
+            </a:r>
+          </a:p>
+          <a:p>
+            <a:endParaRPr lang="en-US" altLang="ko-KR" dirty="0"/>
+          </a:p>
+          <a:p>
+            <a:r>
+              <a:rPr lang="ko-KR" altLang="en-US" dirty="0"/>
+              <a:t>하지만</a:t>
+            </a:r>
+            <a:r>
+              <a:rPr lang="en-US" altLang="ko-KR" dirty="0"/>
+              <a:t>, </a:t>
+            </a:r>
+            <a:r>
+              <a:rPr lang="ko-KR" altLang="en-US" dirty="0"/>
+              <a:t>플랫폼과 </a:t>
+            </a:r>
+            <a:r>
+              <a:rPr lang="en-US" altLang="ko-KR" dirty="0"/>
+              <a:t>PG </a:t>
+            </a:r>
+            <a:r>
+              <a:rPr lang="ko-KR" altLang="en-US" dirty="0"/>
+              <a:t>는 서로 다른 시스템입니다</a:t>
+            </a:r>
+            <a:r>
+              <a:rPr lang="en-US" altLang="ko-KR" dirty="0"/>
+              <a:t>. </a:t>
+            </a:r>
+            <a:r>
+              <a:rPr lang="ko-KR" altLang="en-US" dirty="0" err="1"/>
+              <a:t>트렌젝션을</a:t>
+            </a:r>
+            <a:r>
+              <a:rPr lang="ko-KR" altLang="en-US" dirty="0"/>
+              <a:t> 사용할 수가 없습니다</a:t>
+            </a:r>
+            <a:r>
+              <a:rPr lang="en-US" altLang="ko-KR" dirty="0"/>
+              <a:t>.</a:t>
+            </a:r>
+          </a:p>
+          <a:p>
+            <a:endParaRPr lang="en-US" altLang="ko-KR" dirty="0"/>
+          </a:p>
+          <a:p>
+            <a:r>
+              <a:rPr lang="ko-KR" altLang="en-US" dirty="0"/>
+              <a:t>이걸 감안하고</a:t>
+            </a:r>
+            <a:r>
+              <a:rPr lang="en-US" altLang="ko-KR" dirty="0"/>
+              <a:t>,</a:t>
+            </a:r>
+            <a:r>
+              <a:rPr lang="ko-KR" altLang="en-US" dirty="0"/>
+              <a:t> 처리흐름</a:t>
+            </a:r>
+            <a:r>
+              <a:rPr lang="en-US" altLang="ko-KR" dirty="0"/>
+              <a:t>,</a:t>
+            </a:r>
+            <a:r>
+              <a:rPr lang="ko-KR" altLang="en-US" dirty="0"/>
+              <a:t> 살펴보도록 하겠습니다</a:t>
+            </a:r>
+            <a:r>
+              <a:rPr lang="en-US" altLang="ko-KR"/>
+              <a:t>.</a:t>
+            </a:r>
+          </a:p>
           <a:p>
             <a:endParaRPr lang="en-US" altLang="ko-KR" dirty="0"/>
           </a:p>
